--- a/Pester Practically Perfect PowerShell.pptx
+++ b/Pester Practically Perfect PowerShell.pptx
@@ -7524,7 +7524,7 @@
           <a:p>
             <a:r>
               <a:rPr lang="en-US" dirty="0"/>
-              <a:t>More Pester Components</a:t>
+              <a:t>Testing a module?</a:t>
             </a:r>
           </a:p>
         </p:txBody>
@@ -7549,6 +7549,20 @@
               <a:t>InModuleScope</a:t>
             </a:r>
             <a:endParaRPr lang="en-US" dirty="0"/>
+          </a:p>
+          <a:p>
+            <a:pPr lvl="1"/>
+            <a:r>
+              <a:rPr lang="en-US" dirty="0"/>
+              <a:t>Allows testing of internal (non-exported) code of a script module.</a:t>
+            </a:r>
+          </a:p>
+          <a:p>
+            <a:pPr lvl="2"/>
+            <a:r>
+              <a:rPr lang="en-US" dirty="0"/>
+              <a:t>Functions, variables, aliases.</a:t>
+            </a:r>
           </a:p>
           <a:p>
             <a:pPr marL="0" indent="0">
@@ -18846,15 +18860,6 @@
 </file>
 
 <file path=customXml/item1.xml><?xml version="1.0" encoding="utf-8"?>
-<?mso-contentType ?>
-<FormTemplates xmlns="http://schemas.microsoft.com/sharepoint/v3/contenttype/forms">
-  <Display>DocumentLibraryForm</Display>
-  <Edit>DocumentLibraryForm</Edit>
-  <New>DocumentLibraryForm</New>
-</FormTemplates>
-</file>
-
-<file path=customXml/item2.xml><?xml version="1.0" encoding="utf-8"?>
 <ct:contentTypeSchema xmlns:ct="http://schemas.microsoft.com/office/2006/metadata/contentType" xmlns:ma="http://schemas.microsoft.com/office/2006/metadata/properties/metaAttributes" ct:_="" ma:_="" ma:contentTypeName="Document" ma:contentTypeID="0x010100CFD7474EC5F9804A8C0915A0D2B3E72B" ma:contentTypeVersion="6" ma:contentTypeDescription="Create a new document." ma:contentTypeScope="" ma:versionID="1e506071d132a47b68c5589909b09f0e">
   <xsd:schema xmlns:xsd="http://www.w3.org/2001/XMLSchema" xmlns:xs="http://www.w3.org/2001/XMLSchema" xmlns:p="http://schemas.microsoft.com/office/2006/metadata/properties" xmlns:ns2="437d3976-146d-487e-9b32-45ade7cdb3c3" xmlns:ns3="ba924082-f255-4689-bc14-7c311a17681c" targetNamespace="http://schemas.microsoft.com/office/2006/metadata/properties" ma:root="true" ma:fieldsID="d9451a99ae5dfcf301f63b02ef9f83d5" ns2:_="" ns3:_="">
     <xsd:import namespace="437d3976-146d-487e-9b32-45ade7cdb3c3"/>
@@ -19033,6 +19038,15 @@
 </ct:contentTypeSchema>
 </file>
 
+<file path=customXml/item2.xml><?xml version="1.0" encoding="utf-8"?>
+<?mso-contentType ?>
+<FormTemplates xmlns="http://schemas.microsoft.com/sharepoint/v3/contenttype/forms">
+  <Display>DocumentLibraryForm</Display>
+  <Edit>DocumentLibraryForm</Edit>
+  <New>DocumentLibraryForm</New>
+</FormTemplates>
+</file>
+
 <file path=customXml/item3.xml><?xml version="1.0" encoding="utf-8"?>
 <p:properties xmlns:p="http://schemas.microsoft.com/office/2006/metadata/properties" xmlns:xsi="http://www.w3.org/2001/XMLSchema-instance" xmlns:pc="http://schemas.microsoft.com/office/infopath/2007/PartnerControls">
   <documentManagement/>
@@ -19040,14 +19054,6 @@
 </file>
 
 <file path=customXml/itemProps1.xml><?xml version="1.0" encoding="utf-8"?>
-<ds:datastoreItem xmlns:ds="http://schemas.openxmlformats.org/officeDocument/2006/customXml" ds:itemID="{8F9099B0-B9E3-45A6-848D-7EA25626C078}">
-  <ds:schemaRefs>
-    <ds:schemaRef ds:uri="http://schemas.microsoft.com/sharepoint/v3/contenttype/forms"/>
-  </ds:schemaRefs>
-</ds:datastoreItem>
-</file>
-
-<file path=customXml/itemProps2.xml><?xml version="1.0" encoding="utf-8"?>
 <ds:datastoreItem xmlns:ds="http://schemas.openxmlformats.org/officeDocument/2006/customXml" ds:itemID="{1881FD18-C877-47D9-A9C8-9B9EB7A5D424}">
   <ds:schemaRefs>
     <ds:schemaRef ds:uri="http://schemas.microsoft.com/office/2006/metadata/contentType"/>
@@ -19062,6 +19068,14 @@
     <ds:schemaRef ds:uri="http://purl.org/dc/elements/1.1/"/>
     <ds:schemaRef ds:uri="http://purl.org/dc/terms/"/>
     <ds:schemaRef ds:uri="http://schemas.microsoft.com/internal/obd"/>
+  </ds:schemaRefs>
+</ds:datastoreItem>
+</file>
+
+<file path=customXml/itemProps2.xml><?xml version="1.0" encoding="utf-8"?>
+<ds:datastoreItem xmlns:ds="http://schemas.openxmlformats.org/officeDocument/2006/customXml" ds:itemID="{8F9099B0-B9E3-45A6-848D-7EA25626C078}">
+  <ds:schemaRefs>
+    <ds:schemaRef ds:uri="http://schemas.microsoft.com/sharepoint/v3/contenttype/forms"/>
   </ds:schemaRefs>
 </ds:datastoreItem>
 </file>

--- a/Pester Practically Perfect PowerShell.pptx
+++ b/Pester Practically Perfect PowerShell.pptx
@@ -5,7 +5,7 @@
     <p:sldMasterId id="2147483648" r:id="rId4"/>
   </p:sldMasterIdLst>
   <p:notesMasterIdLst>
-    <p:notesMasterId r:id="rId55"/>
+    <p:notesMasterId r:id="rId56"/>
   </p:notesMasterIdLst>
   <p:sldIdLst>
     <p:sldId id="256" r:id="rId5"/>
@@ -25,39 +25,40 @@
     <p:sldId id="307" r:id="rId19"/>
     <p:sldId id="305" r:id="rId20"/>
     <p:sldId id="292" r:id="rId21"/>
-    <p:sldId id="306" r:id="rId22"/>
-    <p:sldId id="301" r:id="rId23"/>
-    <p:sldId id="294" r:id="rId24"/>
-    <p:sldId id="296" r:id="rId25"/>
-    <p:sldId id="295" r:id="rId26"/>
-    <p:sldId id="297" r:id="rId27"/>
-    <p:sldId id="298" r:id="rId28"/>
-    <p:sldId id="299" r:id="rId29"/>
-    <p:sldId id="300" r:id="rId30"/>
-    <p:sldId id="302" r:id="rId31"/>
-    <p:sldId id="290" r:id="rId32"/>
-    <p:sldId id="303" r:id="rId33"/>
-    <p:sldId id="304" r:id="rId34"/>
-    <p:sldId id="258" r:id="rId35"/>
-    <p:sldId id="259" r:id="rId36"/>
-    <p:sldId id="279" r:id="rId37"/>
-    <p:sldId id="287" r:id="rId38"/>
-    <p:sldId id="280" r:id="rId39"/>
-    <p:sldId id="262" r:id="rId40"/>
-    <p:sldId id="263" r:id="rId41"/>
-    <p:sldId id="264" r:id="rId42"/>
-    <p:sldId id="265" r:id="rId43"/>
-    <p:sldId id="266" r:id="rId44"/>
-    <p:sldId id="291" r:id="rId45"/>
-    <p:sldId id="268" r:id="rId46"/>
-    <p:sldId id="269" r:id="rId47"/>
-    <p:sldId id="270" r:id="rId48"/>
-    <p:sldId id="271" r:id="rId49"/>
-    <p:sldId id="272" r:id="rId50"/>
-    <p:sldId id="273" r:id="rId51"/>
-    <p:sldId id="274" r:id="rId52"/>
-    <p:sldId id="275" r:id="rId53"/>
-    <p:sldId id="276" r:id="rId54"/>
+    <p:sldId id="308" r:id="rId22"/>
+    <p:sldId id="306" r:id="rId23"/>
+    <p:sldId id="301" r:id="rId24"/>
+    <p:sldId id="294" r:id="rId25"/>
+    <p:sldId id="296" r:id="rId26"/>
+    <p:sldId id="295" r:id="rId27"/>
+    <p:sldId id="297" r:id="rId28"/>
+    <p:sldId id="298" r:id="rId29"/>
+    <p:sldId id="299" r:id="rId30"/>
+    <p:sldId id="300" r:id="rId31"/>
+    <p:sldId id="302" r:id="rId32"/>
+    <p:sldId id="290" r:id="rId33"/>
+    <p:sldId id="303" r:id="rId34"/>
+    <p:sldId id="304" r:id="rId35"/>
+    <p:sldId id="258" r:id="rId36"/>
+    <p:sldId id="259" r:id="rId37"/>
+    <p:sldId id="279" r:id="rId38"/>
+    <p:sldId id="287" r:id="rId39"/>
+    <p:sldId id="280" r:id="rId40"/>
+    <p:sldId id="262" r:id="rId41"/>
+    <p:sldId id="263" r:id="rId42"/>
+    <p:sldId id="264" r:id="rId43"/>
+    <p:sldId id="265" r:id="rId44"/>
+    <p:sldId id="266" r:id="rId45"/>
+    <p:sldId id="291" r:id="rId46"/>
+    <p:sldId id="268" r:id="rId47"/>
+    <p:sldId id="269" r:id="rId48"/>
+    <p:sldId id="270" r:id="rId49"/>
+    <p:sldId id="271" r:id="rId50"/>
+    <p:sldId id="272" r:id="rId51"/>
+    <p:sldId id="273" r:id="rId52"/>
+    <p:sldId id="274" r:id="rId53"/>
+    <p:sldId id="275" r:id="rId54"/>
+    <p:sldId id="276" r:id="rId55"/>
   </p:sldIdLst>
   <p:sldSz cx="12192000" cy="6858000"/>
   <p:notesSz cx="6858000" cy="9144000"/>
@@ -182,6 +183,7 @@
             <p14:sldId id="307"/>
             <p14:sldId id="305"/>
             <p14:sldId id="292"/>
+            <p14:sldId id="308"/>
             <p14:sldId id="306"/>
             <p14:sldId id="301"/>
             <p14:sldId id="294"/>
@@ -331,7 +333,7 @@
           <a:p>
             <a:fld id="{EC2CC04A-C335-487A-8178-6C90F0F29C95}" type="datetimeFigureOut">
               <a:rPr lang="en-US" smtClean="0"/>
-              <a:t>3/13/2019</a:t>
+              <a:t>3/14/2019</a:t>
             </a:fld>
             <a:endParaRPr lang="en-US"/>
           </a:p>
@@ -826,7 +828,7 @@
           <a:p>
             <a:r>
               <a:rPr lang="en-US" dirty="0"/>
-              <a:t>The majority of the tests we you are going to write are unit tests.</a:t>
+              <a:t>There are things that happen in a module that stay in the module.  Pester has a way to scope that for you.</a:t>
             </a:r>
           </a:p>
         </p:txBody>
@@ -1088,8 +1090,13 @@
           <a:p>
             <a:r>
               <a:rPr lang="en-US" dirty="0"/>
-              <a:t>The majority of the tests we you are going to write are unit tests.</a:t>
-            </a:r>
+              <a:t>Working with </a:t>
+            </a:r>
+            <a:r>
+              <a:rPr lang="en-US"/>
+              <a:t>our module.</a:t>
+            </a:r>
+            <a:endParaRPr lang="en-US" dirty="0"/>
           </a:p>
         </p:txBody>
       </p:sp>
@@ -1119,7 +1126,7 @@
     </p:spTree>
     <p:extLst>
       <p:ext uri="{BB962C8B-B14F-4D97-AF65-F5344CB8AC3E}">
-        <p14:creationId xmlns:p14="http://schemas.microsoft.com/office/powerpoint/2010/main" val="1362832935"/>
+        <p14:creationId xmlns:p14="http://schemas.microsoft.com/office/powerpoint/2010/main" val="1833343033"/>
       </p:ext>
     </p:extLst>
   </p:cSld>
@@ -1175,7 +1182,7 @@
           <a:p>
             <a:r>
               <a:rPr lang="en-US" dirty="0"/>
-              <a:t>What the heck happens if a property you are trying to search for doesn’t exist?</a:t>
+              <a:t>The majority of the tests we you are going to write are unit tests.</a:t>
             </a:r>
           </a:p>
         </p:txBody>
@@ -1206,7 +1213,7 @@
     </p:spTree>
     <p:extLst>
       <p:ext uri="{BB962C8B-B14F-4D97-AF65-F5344CB8AC3E}">
-        <p14:creationId xmlns:p14="http://schemas.microsoft.com/office/powerpoint/2010/main" val="1892057454"/>
+        <p14:creationId xmlns:p14="http://schemas.microsoft.com/office/powerpoint/2010/main" val="1362832935"/>
       </p:ext>
     </p:extLst>
   </p:cSld>
@@ -1262,7 +1269,7 @@
           <a:p>
             <a:r>
               <a:rPr lang="en-US" dirty="0"/>
-              <a:t>The majority of the tests we you are going to write are unit tests.</a:t>
+              <a:t>What the heck happens if a property you are trying to search for doesn’t exist?</a:t>
             </a:r>
           </a:p>
         </p:txBody>
@@ -1293,7 +1300,7 @@
     </p:spTree>
     <p:extLst>
       <p:ext uri="{BB962C8B-B14F-4D97-AF65-F5344CB8AC3E}">
-        <p14:creationId xmlns:p14="http://schemas.microsoft.com/office/powerpoint/2010/main" val="2231986392"/>
+        <p14:creationId xmlns:p14="http://schemas.microsoft.com/office/powerpoint/2010/main" val="1892057454"/>
       </p:ext>
     </p:extLst>
   </p:cSld>
@@ -1371,7 +1378,7 @@
           <a:p>
             <a:fld id="{C7B05CAA-7DFD-4456-A943-C499583EE113}" type="slidenum">
               <a:rPr lang="en-US" smtClean="0"/>
-              <a:t>22</a:t>
+              <a:t>21</a:t>
             </a:fld>
             <a:endParaRPr lang="en-US"/>
           </a:p>
@@ -1380,7 +1387,7 @@
     </p:spTree>
     <p:extLst>
       <p:ext uri="{BB962C8B-B14F-4D97-AF65-F5344CB8AC3E}">
-        <p14:creationId xmlns:p14="http://schemas.microsoft.com/office/powerpoint/2010/main" val="1235064172"/>
+        <p14:creationId xmlns:p14="http://schemas.microsoft.com/office/powerpoint/2010/main" val="2231986392"/>
       </p:ext>
     </p:extLst>
   </p:cSld>
@@ -1458,7 +1465,7 @@
           <a:p>
             <a:fld id="{C7B05CAA-7DFD-4456-A943-C499583EE113}" type="slidenum">
               <a:rPr lang="en-US" smtClean="0"/>
-              <a:t>24</a:t>
+              <a:t>23</a:t>
             </a:fld>
             <a:endParaRPr lang="en-US"/>
           </a:p>
@@ -1467,7 +1474,7 @@
     </p:spTree>
     <p:extLst>
       <p:ext uri="{BB962C8B-B14F-4D97-AF65-F5344CB8AC3E}">
-        <p14:creationId xmlns:p14="http://schemas.microsoft.com/office/powerpoint/2010/main" val="2685164170"/>
+        <p14:creationId xmlns:p14="http://schemas.microsoft.com/office/powerpoint/2010/main" val="1235064172"/>
       </p:ext>
     </p:extLst>
   </p:cSld>
@@ -1523,15 +1530,7 @@
           <a:p>
             <a:r>
               <a:rPr lang="en-US" dirty="0"/>
-              <a:t>The version of Pester in windows 10 does not have New-</a:t>
-            </a:r>
-            <a:r>
-              <a:rPr lang="en-US" dirty="0" err="1"/>
-              <a:t>MockObject</a:t>
-            </a:r>
-            <a:r>
-              <a:rPr lang="en-US" dirty="0"/>
-              <a:t>.</a:t>
+              <a:t>The majority of the tests we you are going to write are unit tests.</a:t>
             </a:r>
           </a:p>
         </p:txBody>
@@ -1553,7 +1552,7 @@
           <a:p>
             <a:fld id="{C7B05CAA-7DFD-4456-A943-C499583EE113}" type="slidenum">
               <a:rPr lang="en-US" smtClean="0"/>
-              <a:t>26</a:t>
+              <a:t>25</a:t>
             </a:fld>
             <a:endParaRPr lang="en-US"/>
           </a:p>
@@ -1562,7 +1561,7 @@
     </p:spTree>
     <p:extLst>
       <p:ext uri="{BB962C8B-B14F-4D97-AF65-F5344CB8AC3E}">
-        <p14:creationId xmlns:p14="http://schemas.microsoft.com/office/powerpoint/2010/main" val="860753340"/>
+        <p14:creationId xmlns:p14="http://schemas.microsoft.com/office/powerpoint/2010/main" val="2685164170"/>
       </p:ext>
     </p:extLst>
   </p:cSld>
@@ -1705,7 +1704,15 @@
           <a:p>
             <a:r>
               <a:rPr lang="en-US" dirty="0"/>
-              <a:t>The majority of the tests we you are going to write are unit tests.</a:t>
+              <a:t>The version of Pester in windows 10 does not have New-</a:t>
+            </a:r>
+            <a:r>
+              <a:rPr lang="en-US" dirty="0" err="1"/>
+              <a:t>MockObject</a:t>
+            </a:r>
+            <a:r>
+              <a:rPr lang="en-US" dirty="0"/>
+              <a:t>.</a:t>
             </a:r>
           </a:p>
         </p:txBody>
@@ -1727,7 +1734,7 @@
           <a:p>
             <a:fld id="{C7B05CAA-7DFD-4456-A943-C499583EE113}" type="slidenum">
               <a:rPr lang="en-US" smtClean="0"/>
-              <a:t>28</a:t>
+              <a:t>27</a:t>
             </a:fld>
             <a:endParaRPr lang="en-US"/>
           </a:p>
@@ -1736,7 +1743,7 @@
     </p:spTree>
     <p:extLst>
       <p:ext uri="{BB962C8B-B14F-4D97-AF65-F5344CB8AC3E}">
-        <p14:creationId xmlns:p14="http://schemas.microsoft.com/office/powerpoint/2010/main" val="2335363100"/>
+        <p14:creationId xmlns:p14="http://schemas.microsoft.com/office/powerpoint/2010/main" val="860753340"/>
       </p:ext>
     </p:extLst>
   </p:cSld>
@@ -1823,7 +1830,7 @@
     </p:spTree>
     <p:extLst>
       <p:ext uri="{BB962C8B-B14F-4D97-AF65-F5344CB8AC3E}">
-        <p14:creationId xmlns:p14="http://schemas.microsoft.com/office/powerpoint/2010/main" val="1248807388"/>
+        <p14:creationId xmlns:p14="http://schemas.microsoft.com/office/powerpoint/2010/main" val="2335363100"/>
       </p:ext>
     </p:extLst>
   </p:cSld>
@@ -1902,6 +1909,93 @@
             <a:fld id="{C7B05CAA-7DFD-4456-A943-C499583EE113}" type="slidenum">
               <a:rPr lang="en-US" smtClean="0"/>
               <a:t>30</a:t>
+            </a:fld>
+            <a:endParaRPr lang="en-US"/>
+          </a:p>
+        </p:txBody>
+      </p:sp>
+    </p:spTree>
+    <p:extLst>
+      <p:ext uri="{BB962C8B-B14F-4D97-AF65-F5344CB8AC3E}">
+        <p14:creationId xmlns:p14="http://schemas.microsoft.com/office/powerpoint/2010/main" val="1248807388"/>
+      </p:ext>
+    </p:extLst>
+  </p:cSld>
+  <p:clrMapOvr>
+    <a:masterClrMapping/>
+  </p:clrMapOvr>
+</p:notes>
+</file>
+
+<file path=ppt/notesSlides/notesSlide23.xml><?xml version="1.0" encoding="utf-8"?>
+<p:notes xmlns:a="http://schemas.openxmlformats.org/drawingml/2006/main" xmlns:r="http://schemas.openxmlformats.org/officeDocument/2006/relationships" xmlns:p="http://schemas.openxmlformats.org/presentationml/2006/main">
+  <p:cSld>
+    <p:spTree>
+      <p:nvGrpSpPr>
+        <p:cNvPr id="1" name=""/>
+        <p:cNvGrpSpPr/>
+        <p:nvPr/>
+      </p:nvGrpSpPr>
+      <p:grpSpPr>
+        <a:xfrm>
+          <a:off x="0" y="0"/>
+          <a:ext cx="0" cy="0"/>
+          <a:chOff x="0" y="0"/>
+          <a:chExt cx="0" cy="0"/>
+        </a:xfrm>
+      </p:grpSpPr>
+      <p:sp>
+        <p:nvSpPr>
+          <p:cNvPr id="2" name="Slide Image Placeholder 1"/>
+          <p:cNvSpPr>
+            <a:spLocks noGrp="1" noRot="1" noChangeAspect="1"/>
+          </p:cNvSpPr>
+          <p:nvPr>
+            <p:ph type="sldImg"/>
+          </p:nvPr>
+        </p:nvSpPr>
+        <p:spPr/>
+      </p:sp>
+      <p:sp>
+        <p:nvSpPr>
+          <p:cNvPr id="3" name="Notes Placeholder 2"/>
+          <p:cNvSpPr>
+            <a:spLocks noGrp="1"/>
+          </p:cNvSpPr>
+          <p:nvPr>
+            <p:ph type="body" idx="1"/>
+          </p:nvPr>
+        </p:nvSpPr>
+        <p:spPr/>
+        <p:txBody>
+          <a:bodyPr/>
+          <a:lstStyle/>
+          <a:p>
+            <a:r>
+              <a:rPr lang="en-US" dirty="0"/>
+              <a:t>The majority of the tests we you are going to write are unit tests.</a:t>
+            </a:r>
+          </a:p>
+        </p:txBody>
+      </p:sp>
+      <p:sp>
+        <p:nvSpPr>
+          <p:cNvPr id="4" name="Slide Number Placeholder 3"/>
+          <p:cNvSpPr>
+            <a:spLocks noGrp="1"/>
+          </p:cNvSpPr>
+          <p:nvPr>
+            <p:ph type="sldNum" sz="quarter" idx="5"/>
+          </p:nvPr>
+        </p:nvSpPr>
+        <p:spPr/>
+        <p:txBody>
+          <a:bodyPr/>
+          <a:lstStyle/>
+          <a:p>
+            <a:fld id="{C7B05CAA-7DFD-4456-A943-C499583EE113}" type="slidenum">
+              <a:rPr lang="en-US" smtClean="0"/>
+              <a:t>31</a:t>
             </a:fld>
             <a:endParaRPr lang="en-US"/>
           </a:p>
@@ -7770,12 +7864,12 @@
       </p:grpSpPr>
       <p:sp>
         <p:nvSpPr>
-          <p:cNvPr id="2" name="Title 1"/>
+          <p:cNvPr id="7" name="Text Placeholder 6"/>
           <p:cNvSpPr>
             <a:spLocks noGrp="1"/>
           </p:cNvSpPr>
           <p:nvPr>
-            <p:ph type="title"/>
+            <p:ph type="body" idx="1"/>
           </p:nvPr>
         </p:nvSpPr>
         <p:spPr/>
@@ -7785,71 +7879,15 @@
           <a:p>
             <a:r>
               <a:rPr lang="en-US" dirty="0"/>
-              <a:t>More Pester Components</a:t>
-            </a:r>
-          </a:p>
-        </p:txBody>
-      </p:sp>
-      <p:sp>
-        <p:nvSpPr>
-          <p:cNvPr id="3" name="Content Placeholder 2"/>
-          <p:cNvSpPr>
-            <a:spLocks noGrp="1"/>
-          </p:cNvSpPr>
-          <p:nvPr>
-            <p:ph idx="1"/>
-          </p:nvPr>
-        </p:nvSpPr>
-        <p:spPr/>
-        <p:txBody>
-          <a:bodyPr/>
-          <a:lstStyle/>
-          <a:p>
-            <a:r>
-              <a:rPr lang="en-US" dirty="0"/>
-              <a:t>New-</a:t>
-            </a:r>
-            <a:r>
-              <a:rPr lang="en-US" dirty="0" err="1"/>
-              <a:t>MockObject</a:t>
-            </a:r>
-            <a:endParaRPr lang="en-US" dirty="0"/>
-          </a:p>
-          <a:p>
-            <a:pPr lvl="1"/>
-            <a:r>
-              <a:rPr lang="en-US" dirty="0"/>
-              <a:t>This can create “real” objects of whatever type you need.</a:t>
-            </a:r>
-          </a:p>
-          <a:p>
-            <a:pPr marL="457200" lvl="1" indent="0">
-              <a:buNone/>
-            </a:pPr>
-            <a:endParaRPr lang="en-US" dirty="0"/>
-          </a:p>
-          <a:p>
-            <a:r>
-              <a:rPr lang="en-US" dirty="0"/>
-              <a:t>Super useful when needing to return something from a mocked function.</a:t>
-            </a:r>
-          </a:p>
-          <a:p>
-            <a:pPr lvl="1"/>
-            <a:endParaRPr lang="en-US" dirty="0"/>
-          </a:p>
-          <a:p>
-            <a:pPr marL="0" indent="0">
-              <a:buNone/>
-            </a:pPr>
-            <a:endParaRPr lang="en-US" dirty="0"/>
+              <a:t>Mocks and Assertions</a:t>
+            </a:r>
           </a:p>
         </p:txBody>
       </p:sp>
     </p:spTree>
     <p:extLst>
       <p:ext uri="{BB962C8B-B14F-4D97-AF65-F5344CB8AC3E}">
-        <p14:creationId xmlns:p14="http://schemas.microsoft.com/office/powerpoint/2010/main" val="1273142871"/>
+        <p14:creationId xmlns:p14="http://schemas.microsoft.com/office/powerpoint/2010/main" val="3365772388"/>
       </p:ext>
     </p:extLst>
   </p:cSld>
@@ -7878,19 +7916,39 @@
       </p:grpSpPr>
       <p:sp>
         <p:nvSpPr>
-          <p:cNvPr id="7" name="Text Placeholder 6"/>
+          <p:cNvPr id="2" name="Title 1"/>
           <p:cNvSpPr>
             <a:spLocks noGrp="1"/>
           </p:cNvSpPr>
           <p:nvPr>
-            <p:ph type="body" idx="1"/>
+            <p:ph type="title"/>
           </p:nvPr>
         </p:nvSpPr>
         <p:spPr/>
         <p:txBody>
-          <a:bodyPr>
-            <a:normAutofit fontScale="92500" lnSpcReduction="10000"/>
-          </a:bodyPr>
+          <a:bodyPr/>
+          <a:lstStyle/>
+          <a:p>
+            <a:r>
+              <a:rPr lang="en-US" dirty="0"/>
+              <a:t>More Pester Components</a:t>
+            </a:r>
+          </a:p>
+        </p:txBody>
+      </p:sp>
+      <p:sp>
+        <p:nvSpPr>
+          <p:cNvPr id="3" name="Content Placeholder 2"/>
+          <p:cNvSpPr>
+            <a:spLocks noGrp="1"/>
+          </p:cNvSpPr>
+          <p:nvPr>
+            <p:ph idx="1"/>
+          </p:nvPr>
+        </p:nvSpPr>
+        <p:spPr/>
+        <p:txBody>
+          <a:bodyPr/>
           <a:lstStyle/>
           <a:p>
             <a:r>
@@ -7904,17 +7962,40 @@
             <a:endParaRPr lang="en-US" dirty="0"/>
           </a:p>
           <a:p>
-            <a:r>
-              <a:rPr lang="en-US" dirty="0"/>
-              <a:t>demo3</a:t>
-            </a:r>
+            <a:pPr lvl="1"/>
+            <a:r>
+              <a:rPr lang="en-US" dirty="0"/>
+              <a:t>This can create “real” objects of whatever type you need.</a:t>
+            </a:r>
+          </a:p>
+          <a:p>
+            <a:pPr marL="457200" lvl="1" indent="0">
+              <a:buNone/>
+            </a:pPr>
+            <a:endParaRPr lang="en-US" dirty="0"/>
+          </a:p>
+          <a:p>
+            <a:r>
+              <a:rPr lang="en-US" dirty="0"/>
+              <a:t>Super useful when needing to return something from a mocked function.</a:t>
+            </a:r>
+          </a:p>
+          <a:p>
+            <a:pPr lvl="1"/>
+            <a:endParaRPr lang="en-US" dirty="0"/>
+          </a:p>
+          <a:p>
+            <a:pPr marL="0" indent="0">
+              <a:buNone/>
+            </a:pPr>
+            <a:endParaRPr lang="en-US" dirty="0"/>
           </a:p>
         </p:txBody>
       </p:sp>
     </p:spTree>
     <p:extLst>
       <p:ext uri="{BB962C8B-B14F-4D97-AF65-F5344CB8AC3E}">
-        <p14:creationId xmlns:p14="http://schemas.microsoft.com/office/powerpoint/2010/main" val="2846661828"/>
+        <p14:creationId xmlns:p14="http://schemas.microsoft.com/office/powerpoint/2010/main" val="1273142871"/>
       </p:ext>
     </p:extLst>
   </p:cSld>
@@ -8198,94 +8279,43 @@
       </p:grpSpPr>
       <p:sp>
         <p:nvSpPr>
-          <p:cNvPr id="2" name="Title 1"/>
+          <p:cNvPr id="7" name="Text Placeholder 6"/>
           <p:cNvSpPr>
             <a:spLocks noGrp="1"/>
           </p:cNvSpPr>
           <p:nvPr>
-            <p:ph type="title"/>
+            <p:ph type="body" idx="1"/>
           </p:nvPr>
         </p:nvSpPr>
         <p:spPr/>
         <p:txBody>
-          <a:bodyPr/>
+          <a:bodyPr>
+            <a:normAutofit fontScale="92500" lnSpcReduction="10000"/>
+          </a:bodyPr>
           <a:lstStyle/>
           <a:p>
             <a:r>
               <a:rPr lang="en-US" dirty="0"/>
-              <a:t>Assert-</a:t>
+              <a:t>New-</a:t>
             </a:r>
             <a:r>
               <a:rPr lang="en-US" dirty="0" err="1"/>
-              <a:t>MockCalled</a:t>
+              <a:t>MockObject</a:t>
             </a:r>
             <a:endParaRPr lang="en-US" dirty="0"/>
           </a:p>
-        </p:txBody>
-      </p:sp>
-      <p:sp>
-        <p:nvSpPr>
-          <p:cNvPr id="3" name="Content Placeholder 2"/>
-          <p:cNvSpPr>
-            <a:spLocks noGrp="1"/>
-          </p:cNvSpPr>
-          <p:nvPr>
-            <p:ph idx="1"/>
-          </p:nvPr>
-        </p:nvSpPr>
-        <p:spPr/>
-        <p:txBody>
-          <a:bodyPr/>
-          <a:lstStyle/>
-          <a:p>
-            <a:r>
-              <a:rPr lang="en-US" dirty="0"/>
-              <a:t>Ensure things did or did not happen.</a:t>
-            </a:r>
-          </a:p>
-          <a:p>
-            <a:endParaRPr lang="en-US" dirty="0"/>
-          </a:p>
-          <a:p>
-            <a:r>
-              <a:rPr lang="en-US" dirty="0"/>
-              <a:t>Was a mock called?</a:t>
-            </a:r>
-          </a:p>
-          <a:p>
-            <a:endParaRPr lang="en-US" dirty="0"/>
-          </a:p>
-          <a:p>
-            <a:r>
-              <a:rPr lang="en-US" dirty="0"/>
-              <a:t>How many times?</a:t>
-            </a:r>
-          </a:p>
-          <a:p>
-            <a:endParaRPr lang="en-US" dirty="0"/>
-          </a:p>
-          <a:p>
-            <a:r>
-              <a:rPr lang="en-US" dirty="0"/>
-              <a:t>With what parameters?</a:t>
-            </a:r>
-          </a:p>
-          <a:p>
-            <a:pPr lvl="1"/>
-            <a:endParaRPr lang="en-US" dirty="0"/>
-          </a:p>
-          <a:p>
-            <a:pPr marL="0" indent="0">
-              <a:buNone/>
-            </a:pPr>
-            <a:endParaRPr lang="en-US" dirty="0"/>
+          <a:p>
+            <a:r>
+              <a:rPr lang="en-US" dirty="0"/>
+              <a:t>demo3</a:t>
+            </a:r>
           </a:p>
         </p:txBody>
       </p:sp>
     </p:spTree>
     <p:extLst>
       <p:ext uri="{BB962C8B-B14F-4D97-AF65-F5344CB8AC3E}">
-        <p14:creationId xmlns:p14="http://schemas.microsoft.com/office/powerpoint/2010/main" val="2275757104"/>
+        <p14:creationId xmlns:p14="http://schemas.microsoft.com/office/powerpoint/2010/main" val="2846661828"/>
       </p:ext>
     </p:extLst>
   </p:cSld>
@@ -8314,12 +8344,12 @@
       </p:grpSpPr>
       <p:sp>
         <p:nvSpPr>
-          <p:cNvPr id="7" name="Text Placeholder 6"/>
+          <p:cNvPr id="2" name="Title 1"/>
           <p:cNvSpPr>
             <a:spLocks noGrp="1"/>
           </p:cNvSpPr>
           <p:nvPr>
-            <p:ph type="body" idx="1"/>
+            <p:ph type="title"/>
           </p:nvPr>
         </p:nvSpPr>
         <p:spPr/>
@@ -8335,6 +8365,65 @@
               <a:rPr lang="en-US" dirty="0" err="1"/>
               <a:t>MockCalled</a:t>
             </a:r>
+            <a:endParaRPr lang="en-US" dirty="0"/>
+          </a:p>
+        </p:txBody>
+      </p:sp>
+      <p:sp>
+        <p:nvSpPr>
+          <p:cNvPr id="3" name="Content Placeholder 2"/>
+          <p:cNvSpPr>
+            <a:spLocks noGrp="1"/>
+          </p:cNvSpPr>
+          <p:nvPr>
+            <p:ph idx="1"/>
+          </p:nvPr>
+        </p:nvSpPr>
+        <p:spPr/>
+        <p:txBody>
+          <a:bodyPr/>
+          <a:lstStyle/>
+          <a:p>
+            <a:r>
+              <a:rPr lang="en-US" dirty="0"/>
+              <a:t>Ensure things did or did not happen.</a:t>
+            </a:r>
+          </a:p>
+          <a:p>
+            <a:endParaRPr lang="en-US" dirty="0"/>
+          </a:p>
+          <a:p>
+            <a:r>
+              <a:rPr lang="en-US" dirty="0"/>
+              <a:t>Was a mock called?</a:t>
+            </a:r>
+          </a:p>
+          <a:p>
+            <a:endParaRPr lang="en-US" dirty="0"/>
+          </a:p>
+          <a:p>
+            <a:r>
+              <a:rPr lang="en-US" dirty="0"/>
+              <a:t>How many times?</a:t>
+            </a:r>
+          </a:p>
+          <a:p>
+            <a:endParaRPr lang="en-US" dirty="0"/>
+          </a:p>
+          <a:p>
+            <a:r>
+              <a:rPr lang="en-US" dirty="0"/>
+              <a:t>With what parameters?</a:t>
+            </a:r>
+          </a:p>
+          <a:p>
+            <a:pPr lvl="1"/>
+            <a:endParaRPr lang="en-US" dirty="0"/>
+          </a:p>
+          <a:p>
+            <a:pPr marL="0" indent="0">
+              <a:buNone/>
+            </a:pPr>
             <a:endParaRPr lang="en-US" dirty="0"/>
           </a:p>
         </p:txBody>
@@ -8342,7 +8431,7 @@
     </p:spTree>
     <p:extLst>
       <p:ext uri="{BB962C8B-B14F-4D97-AF65-F5344CB8AC3E}">
-        <p14:creationId xmlns:p14="http://schemas.microsoft.com/office/powerpoint/2010/main" val="3407400008"/>
+        <p14:creationId xmlns:p14="http://schemas.microsoft.com/office/powerpoint/2010/main" val="2275757104"/>
       </p:ext>
     </p:extLst>
   </p:cSld>
@@ -8371,12 +8460,12 @@
       </p:grpSpPr>
       <p:sp>
         <p:nvSpPr>
-          <p:cNvPr id="2" name="Title 1"/>
+          <p:cNvPr id="7" name="Text Placeholder 6"/>
           <p:cNvSpPr>
             <a:spLocks noGrp="1"/>
           </p:cNvSpPr>
           <p:nvPr>
-            <p:ph type="title"/>
+            <p:ph type="body" idx="1"/>
           </p:nvPr>
         </p:nvSpPr>
         <p:spPr/>
@@ -8386,45 +8475,12 @@
           <a:p>
             <a:r>
               <a:rPr lang="en-US" dirty="0"/>
-              <a:t>Parameter Filter</a:t>
-            </a:r>
-          </a:p>
-        </p:txBody>
-      </p:sp>
-      <p:sp>
-        <p:nvSpPr>
-          <p:cNvPr id="3" name="Content Placeholder 2"/>
-          <p:cNvSpPr>
-            <a:spLocks noGrp="1"/>
-          </p:cNvSpPr>
-          <p:nvPr>
-            <p:ph idx="1"/>
-          </p:nvPr>
-        </p:nvSpPr>
-        <p:spPr/>
-        <p:txBody>
-          <a:bodyPr/>
-          <a:lstStyle/>
-          <a:p>
-            <a:r>
-              <a:rPr lang="en-US" dirty="0"/>
-              <a:t>Ensure a specific Mock is called</a:t>
-            </a:r>
-          </a:p>
-          <a:p>
-            <a:pPr lvl="1"/>
-            <a:endParaRPr lang="en-US" dirty="0"/>
-          </a:p>
-          <a:p>
-            <a:r>
-              <a:rPr lang="en-US" dirty="0"/>
-              <a:t>You can add a parameter filter to a mock or an assertion.</a:t>
-            </a:r>
-          </a:p>
-          <a:p>
-            <a:pPr marL="0" indent="0">
-              <a:buNone/>
-            </a:pPr>
+              <a:t>Assert-</a:t>
+            </a:r>
+            <a:r>
+              <a:rPr lang="en-US" dirty="0" err="1"/>
+              <a:t>MockCalled</a:t>
+            </a:r>
             <a:endParaRPr lang="en-US" dirty="0"/>
           </a:p>
         </p:txBody>
@@ -8432,7 +8488,7 @@
     </p:spTree>
     <p:extLst>
       <p:ext uri="{BB962C8B-B14F-4D97-AF65-F5344CB8AC3E}">
-        <p14:creationId xmlns:p14="http://schemas.microsoft.com/office/powerpoint/2010/main" val="313055934"/>
+        <p14:creationId xmlns:p14="http://schemas.microsoft.com/office/powerpoint/2010/main" val="3407400008"/>
       </p:ext>
     </p:extLst>
   </p:cSld>
@@ -8461,12 +8517,12 @@
       </p:grpSpPr>
       <p:sp>
         <p:nvSpPr>
-          <p:cNvPr id="7" name="Text Placeholder 6"/>
+          <p:cNvPr id="2" name="Title 1"/>
           <p:cNvSpPr>
             <a:spLocks noGrp="1"/>
           </p:cNvSpPr>
           <p:nvPr>
-            <p:ph type="body" idx="1"/>
+            <p:ph type="title"/>
           </p:nvPr>
         </p:nvSpPr>
         <p:spPr/>
@@ -8475,9 +8531,46 @@
           <a:lstStyle/>
           <a:p>
             <a:r>
-              <a:rPr lang="en-US" dirty="0" err="1"/>
-              <a:t>ParameterFilter</a:t>
-            </a:r>
+              <a:rPr lang="en-US" dirty="0"/>
+              <a:t>Parameter Filter</a:t>
+            </a:r>
+          </a:p>
+        </p:txBody>
+      </p:sp>
+      <p:sp>
+        <p:nvSpPr>
+          <p:cNvPr id="3" name="Content Placeholder 2"/>
+          <p:cNvSpPr>
+            <a:spLocks noGrp="1"/>
+          </p:cNvSpPr>
+          <p:nvPr>
+            <p:ph idx="1"/>
+          </p:nvPr>
+        </p:nvSpPr>
+        <p:spPr/>
+        <p:txBody>
+          <a:bodyPr/>
+          <a:lstStyle/>
+          <a:p>
+            <a:r>
+              <a:rPr lang="en-US" dirty="0"/>
+              <a:t>Ensure a specific Mock is called</a:t>
+            </a:r>
+          </a:p>
+          <a:p>
+            <a:pPr lvl="1"/>
+            <a:endParaRPr lang="en-US" dirty="0"/>
+          </a:p>
+          <a:p>
+            <a:r>
+              <a:rPr lang="en-US" dirty="0"/>
+              <a:t>You can add a parameter filter to a mock or an assertion.</a:t>
+            </a:r>
+          </a:p>
+          <a:p>
+            <a:pPr marL="0" indent="0">
+              <a:buNone/>
+            </a:pPr>
             <a:endParaRPr lang="en-US" dirty="0"/>
           </a:p>
         </p:txBody>
@@ -8485,7 +8578,7 @@
     </p:spTree>
     <p:extLst>
       <p:ext uri="{BB962C8B-B14F-4D97-AF65-F5344CB8AC3E}">
-        <p14:creationId xmlns:p14="http://schemas.microsoft.com/office/powerpoint/2010/main" val="4087031927"/>
+        <p14:creationId xmlns:p14="http://schemas.microsoft.com/office/powerpoint/2010/main" val="313055934"/>
       </p:ext>
     </p:extLst>
   </p:cSld>
@@ -8514,12 +8607,12 @@
       </p:grpSpPr>
       <p:sp>
         <p:nvSpPr>
-          <p:cNvPr id="2" name="Title 1"/>
+          <p:cNvPr id="7" name="Text Placeholder 6"/>
           <p:cNvSpPr>
             <a:spLocks noGrp="1"/>
           </p:cNvSpPr>
           <p:nvPr>
-            <p:ph type="title"/>
+            <p:ph type="body" idx="1"/>
           </p:nvPr>
         </p:nvSpPr>
         <p:spPr/>
@@ -8528,43 +8621,9 @@
           <a:lstStyle/>
           <a:p>
             <a:r>
-              <a:rPr lang="en-US" dirty="0"/>
-              <a:t>Working with .NET methods</a:t>
-            </a:r>
-          </a:p>
-        </p:txBody>
-      </p:sp>
-      <p:sp>
-        <p:nvSpPr>
-          <p:cNvPr id="3" name="Content Placeholder 2"/>
-          <p:cNvSpPr>
-            <a:spLocks noGrp="1"/>
-          </p:cNvSpPr>
-          <p:nvPr>
-            <p:ph idx="1"/>
-          </p:nvPr>
-        </p:nvSpPr>
-        <p:spPr/>
-        <p:txBody>
-          <a:bodyPr/>
-          <a:lstStyle/>
-          <a:p>
-            <a:r>
-              <a:rPr lang="en-US" dirty="0"/>
-              <a:t>Pester cannot mock .NET methods.  </a:t>
-            </a:r>
-          </a:p>
-          <a:p>
-            <a:pPr lvl="1"/>
-            <a:r>
-              <a:rPr lang="en-US" dirty="0"/>
-              <a:t>Be prepared.</a:t>
-            </a:r>
-          </a:p>
-          <a:p>
-            <a:pPr marL="0" indent="0">
-              <a:buNone/>
-            </a:pPr>
+              <a:rPr lang="en-US" dirty="0" err="1"/>
+              <a:t>ParameterFilter</a:t>
+            </a:r>
             <a:endParaRPr lang="en-US" dirty="0"/>
           </a:p>
         </p:txBody>
@@ -8572,7 +8631,7 @@
     </p:spTree>
     <p:extLst>
       <p:ext uri="{BB962C8B-B14F-4D97-AF65-F5344CB8AC3E}">
-        <p14:creationId xmlns:p14="http://schemas.microsoft.com/office/powerpoint/2010/main" val="1792603981"/>
+        <p14:creationId xmlns:p14="http://schemas.microsoft.com/office/powerpoint/2010/main" val="4087031927"/>
       </p:ext>
     </p:extLst>
   </p:cSld>
@@ -8601,12 +8660,12 @@
       </p:grpSpPr>
       <p:sp>
         <p:nvSpPr>
-          <p:cNvPr id="7" name="Text Placeholder 6"/>
+          <p:cNvPr id="2" name="Title 1"/>
           <p:cNvSpPr>
             <a:spLocks noGrp="1"/>
           </p:cNvSpPr>
           <p:nvPr>
-            <p:ph type="body" idx="1"/>
+            <p:ph type="title"/>
           </p:nvPr>
         </p:nvSpPr>
         <p:spPr/>
@@ -8616,15 +8675,50 @@
           <a:p>
             <a:r>
               <a:rPr lang="en-US" dirty="0"/>
-              <a:t>.NET Methods</a:t>
-            </a:r>
+              <a:t>Working with .NET methods</a:t>
+            </a:r>
+          </a:p>
+        </p:txBody>
+      </p:sp>
+      <p:sp>
+        <p:nvSpPr>
+          <p:cNvPr id="3" name="Content Placeholder 2"/>
+          <p:cNvSpPr>
+            <a:spLocks noGrp="1"/>
+          </p:cNvSpPr>
+          <p:nvPr>
+            <p:ph idx="1"/>
+          </p:nvPr>
+        </p:nvSpPr>
+        <p:spPr/>
+        <p:txBody>
+          <a:bodyPr/>
+          <a:lstStyle/>
+          <a:p>
+            <a:r>
+              <a:rPr lang="en-US" dirty="0"/>
+              <a:t>Pester cannot mock .NET methods.  </a:t>
+            </a:r>
+          </a:p>
+          <a:p>
+            <a:pPr lvl="1"/>
+            <a:r>
+              <a:rPr lang="en-US" dirty="0"/>
+              <a:t>Be prepared.</a:t>
+            </a:r>
+          </a:p>
+          <a:p>
+            <a:pPr marL="0" indent="0">
+              <a:buNone/>
+            </a:pPr>
+            <a:endParaRPr lang="en-US" dirty="0"/>
           </a:p>
         </p:txBody>
       </p:sp>
     </p:spTree>
     <p:extLst>
       <p:ext uri="{BB962C8B-B14F-4D97-AF65-F5344CB8AC3E}">
-        <p14:creationId xmlns:p14="http://schemas.microsoft.com/office/powerpoint/2010/main" val="2687243423"/>
+        <p14:creationId xmlns:p14="http://schemas.microsoft.com/office/powerpoint/2010/main" val="1792603981"/>
       </p:ext>
     </p:extLst>
   </p:cSld>
@@ -8653,12 +8747,12 @@
       </p:grpSpPr>
       <p:sp>
         <p:nvSpPr>
-          <p:cNvPr id="2" name="Title 1"/>
+          <p:cNvPr id="7" name="Text Placeholder 6"/>
           <p:cNvSpPr>
             <a:spLocks noGrp="1"/>
           </p:cNvSpPr>
           <p:nvPr>
-            <p:ph type="title"/>
+            <p:ph type="body" idx="1"/>
           </p:nvPr>
         </p:nvSpPr>
         <p:spPr/>
@@ -8668,57 +8762,15 @@
           <a:p>
             <a:r>
               <a:rPr lang="en-US" dirty="0"/>
-              <a:t>Working with Complex Objects</a:t>
-            </a:r>
-          </a:p>
-        </p:txBody>
-      </p:sp>
-      <p:sp>
-        <p:nvSpPr>
-          <p:cNvPr id="3" name="Content Placeholder 2"/>
-          <p:cNvSpPr>
-            <a:spLocks noGrp="1"/>
-          </p:cNvSpPr>
-          <p:nvPr>
-            <p:ph idx="1"/>
-          </p:nvPr>
-        </p:nvSpPr>
-        <p:spPr/>
-        <p:txBody>
-          <a:bodyPr/>
-          <a:lstStyle/>
-          <a:p>
-            <a:r>
-              <a:rPr lang="en-US" dirty="0"/>
-              <a:t>Pester can create mock objects for you with New-</a:t>
-            </a:r>
-            <a:r>
-              <a:rPr lang="en-US" dirty="0" err="1"/>
-              <a:t>MockObject</a:t>
-            </a:r>
-            <a:endParaRPr lang="en-US" dirty="0"/>
-          </a:p>
-          <a:p>
-            <a:endParaRPr lang="en-US" dirty="0"/>
-          </a:p>
-          <a:p>
-            <a:r>
-              <a:rPr lang="en-US" dirty="0"/>
-              <a:t>You need a modern version of pester for this.</a:t>
-            </a:r>
-          </a:p>
-          <a:p>
-            <a:pPr marL="0" indent="0">
-              <a:buNone/>
-            </a:pPr>
-            <a:endParaRPr lang="en-US" dirty="0"/>
+              <a:t>.NET Methods</a:t>
+            </a:r>
           </a:p>
         </p:txBody>
       </p:sp>
     </p:spTree>
     <p:extLst>
       <p:ext uri="{BB962C8B-B14F-4D97-AF65-F5344CB8AC3E}">
-        <p14:creationId xmlns:p14="http://schemas.microsoft.com/office/powerpoint/2010/main" val="2533854636"/>
+        <p14:creationId xmlns:p14="http://schemas.microsoft.com/office/powerpoint/2010/main" val="2687243423"/>
       </p:ext>
     </p:extLst>
   </p:cSld>
@@ -8747,12 +8799,12 @@
       </p:grpSpPr>
       <p:sp>
         <p:nvSpPr>
-          <p:cNvPr id="7" name="Text Placeholder 6"/>
+          <p:cNvPr id="2" name="Title 1"/>
           <p:cNvSpPr>
             <a:spLocks noGrp="1"/>
           </p:cNvSpPr>
           <p:nvPr>
-            <p:ph type="body" idx="1"/>
+            <p:ph type="title"/>
           </p:nvPr>
         </p:nvSpPr>
         <p:spPr/>
@@ -8762,15 +8814,57 @@
           <a:p>
             <a:r>
               <a:rPr lang="en-US" dirty="0"/>
-              <a:t>Test Cases</a:t>
-            </a:r>
+              <a:t>Working with Complex Objects</a:t>
+            </a:r>
+          </a:p>
+        </p:txBody>
+      </p:sp>
+      <p:sp>
+        <p:nvSpPr>
+          <p:cNvPr id="3" name="Content Placeholder 2"/>
+          <p:cNvSpPr>
+            <a:spLocks noGrp="1"/>
+          </p:cNvSpPr>
+          <p:nvPr>
+            <p:ph idx="1"/>
+          </p:nvPr>
+        </p:nvSpPr>
+        <p:spPr/>
+        <p:txBody>
+          <a:bodyPr/>
+          <a:lstStyle/>
+          <a:p>
+            <a:r>
+              <a:rPr lang="en-US" dirty="0"/>
+              <a:t>Pester can create mock objects for you with New-</a:t>
+            </a:r>
+            <a:r>
+              <a:rPr lang="en-US" dirty="0" err="1"/>
+              <a:t>MockObject</a:t>
+            </a:r>
+            <a:endParaRPr lang="en-US" dirty="0"/>
+          </a:p>
+          <a:p>
+            <a:endParaRPr lang="en-US" dirty="0"/>
+          </a:p>
+          <a:p>
+            <a:r>
+              <a:rPr lang="en-US" dirty="0"/>
+              <a:t>You need a modern version of pester for this.</a:t>
+            </a:r>
+          </a:p>
+          <a:p>
+            <a:pPr marL="0" indent="0">
+              <a:buNone/>
+            </a:pPr>
+            <a:endParaRPr lang="en-US" dirty="0"/>
           </a:p>
         </p:txBody>
       </p:sp>
     </p:spTree>
     <p:extLst>
       <p:ext uri="{BB962C8B-B14F-4D97-AF65-F5344CB8AC3E}">
-        <p14:creationId xmlns:p14="http://schemas.microsoft.com/office/powerpoint/2010/main" val="1053216645"/>
+        <p14:creationId xmlns:p14="http://schemas.microsoft.com/office/powerpoint/2010/main" val="2533854636"/>
       </p:ext>
     </p:extLst>
   </p:cSld>
@@ -8799,12 +8893,12 @@
       </p:grpSpPr>
       <p:sp>
         <p:nvSpPr>
-          <p:cNvPr id="2" name="Title 1"/>
+          <p:cNvPr id="7" name="Text Placeholder 6"/>
           <p:cNvSpPr>
             <a:spLocks noGrp="1"/>
           </p:cNvSpPr>
           <p:nvPr>
-            <p:ph type="title"/>
+            <p:ph type="body" idx="1"/>
           </p:nvPr>
         </p:nvSpPr>
         <p:spPr/>
@@ -8814,64 +8908,15 @@
           <a:p>
             <a:r>
               <a:rPr lang="en-US" dirty="0"/>
-              <a:t>Pester Myths</a:t>
-            </a:r>
-          </a:p>
-        </p:txBody>
-      </p:sp>
-      <p:sp>
-        <p:nvSpPr>
-          <p:cNvPr id="3" name="Content Placeholder 2"/>
-          <p:cNvSpPr>
-            <a:spLocks noGrp="1"/>
-          </p:cNvSpPr>
-          <p:nvPr>
-            <p:ph idx="1"/>
-          </p:nvPr>
-        </p:nvSpPr>
-        <p:spPr/>
-        <p:txBody>
-          <a:bodyPr/>
-          <a:lstStyle/>
-          <a:p>
-            <a:r>
-              <a:rPr lang="en-US" dirty="0"/>
-              <a:t>Pester is not for single developers.</a:t>
-            </a:r>
-          </a:p>
-          <a:p>
-            <a:r>
-              <a:rPr lang="en-US" dirty="0"/>
-              <a:t>It is only for modules.</a:t>
-            </a:r>
-          </a:p>
-          <a:p>
-            <a:r>
-              <a:rPr lang="en-US" dirty="0"/>
-              <a:t>Somethings are not testable.</a:t>
-            </a:r>
-          </a:p>
-          <a:p>
-            <a:r>
-              <a:rPr lang="en-US" dirty="0"/>
-              <a:t>I don’t have the time. Or it is not worth the time.</a:t>
-            </a:r>
-          </a:p>
-          <a:p>
-            <a:endParaRPr lang="en-US" dirty="0"/>
-          </a:p>
-          <a:p>
-            <a:pPr marL="0" indent="0">
-              <a:buNone/>
-            </a:pPr>
-            <a:endParaRPr lang="en-US" dirty="0"/>
+              <a:t>Test Cases</a:t>
+            </a:r>
           </a:p>
         </p:txBody>
       </p:sp>
     </p:spTree>
     <p:extLst>
       <p:ext uri="{BB962C8B-B14F-4D97-AF65-F5344CB8AC3E}">
-        <p14:creationId xmlns:p14="http://schemas.microsoft.com/office/powerpoint/2010/main" val="2006385791"/>
+        <p14:creationId xmlns:p14="http://schemas.microsoft.com/office/powerpoint/2010/main" val="1053216645"/>
       </p:ext>
     </p:extLst>
   </p:cSld>
@@ -8915,7 +8960,7 @@
           <a:p>
             <a:r>
               <a:rPr lang="en-US" dirty="0"/>
-              <a:t>Designing For Pester</a:t>
+              <a:t>Pester Myths</a:t>
             </a:r>
           </a:p>
         </p:txBody>
@@ -8937,42 +8982,29 @@
           <a:p>
             <a:r>
               <a:rPr lang="en-US" dirty="0"/>
-              <a:t>Pester works best with Functions</a:t>
+              <a:t>Pester is not for single developers.</a:t>
+            </a:r>
+          </a:p>
+          <a:p>
+            <a:r>
+              <a:rPr lang="en-US" dirty="0"/>
+              <a:t>It is only for modules.</a:t>
+            </a:r>
+          </a:p>
+          <a:p>
+            <a:r>
+              <a:rPr lang="en-US" dirty="0"/>
+              <a:t>Somethings are not testable.</a:t>
+            </a:r>
+          </a:p>
+          <a:p>
+            <a:r>
+              <a:rPr lang="en-US" dirty="0"/>
+              <a:t>I don’t have the time. Or it is not worth the time.</a:t>
             </a:r>
           </a:p>
           <a:p>
             <a:endParaRPr lang="en-US" dirty="0"/>
-          </a:p>
-          <a:p>
-            <a:r>
-              <a:rPr lang="en-US" dirty="0"/>
-              <a:t>Functions should write to the pipeline.</a:t>
-            </a:r>
-          </a:p>
-          <a:p>
-            <a:pPr lvl="1"/>
-            <a:r>
-              <a:rPr lang="en-US" dirty="0"/>
-              <a:t>Not write-host</a:t>
-            </a:r>
-          </a:p>
-          <a:p>
-            <a:endParaRPr lang="en-US" dirty="0"/>
-          </a:p>
-          <a:p>
-            <a:r>
-              <a:rPr lang="en-US" dirty="0"/>
-              <a:t>Wrap your .NET Calls</a:t>
-            </a:r>
-          </a:p>
-          <a:p>
-            <a:endParaRPr lang="en-US" dirty="0"/>
-          </a:p>
-          <a:p>
-            <a:r>
-              <a:rPr lang="en-US" dirty="0"/>
-              <a:t>Loosely coupled code</a:t>
-            </a:r>
           </a:p>
           <a:p>
             <a:pPr marL="0" indent="0">
@@ -8980,18 +9012,12 @@
             </a:pPr>
             <a:endParaRPr lang="en-US" dirty="0"/>
           </a:p>
-          <a:p>
-            <a:pPr marL="0" indent="0">
-              <a:buNone/>
-            </a:pPr>
-            <a:endParaRPr lang="en-US" dirty="0"/>
-          </a:p>
         </p:txBody>
       </p:sp>
     </p:spTree>
     <p:extLst>
       <p:ext uri="{BB962C8B-B14F-4D97-AF65-F5344CB8AC3E}">
-        <p14:creationId xmlns:p14="http://schemas.microsoft.com/office/powerpoint/2010/main" val="3055665544"/>
+        <p14:creationId xmlns:p14="http://schemas.microsoft.com/office/powerpoint/2010/main" val="2006385791"/>
       </p:ext>
     </p:extLst>
   </p:cSld>
@@ -9109,6 +9135,126 @@
           <a:p>
             <a:r>
               <a:rPr lang="en-US" dirty="0"/>
+              <a:t>Designing For Pester</a:t>
+            </a:r>
+          </a:p>
+        </p:txBody>
+      </p:sp>
+      <p:sp>
+        <p:nvSpPr>
+          <p:cNvPr id="3" name="Content Placeholder 2"/>
+          <p:cNvSpPr>
+            <a:spLocks noGrp="1"/>
+          </p:cNvSpPr>
+          <p:nvPr>
+            <p:ph idx="1"/>
+          </p:nvPr>
+        </p:nvSpPr>
+        <p:spPr/>
+        <p:txBody>
+          <a:bodyPr/>
+          <a:lstStyle/>
+          <a:p>
+            <a:r>
+              <a:rPr lang="en-US" dirty="0"/>
+              <a:t>Pester works best with Functions</a:t>
+            </a:r>
+          </a:p>
+          <a:p>
+            <a:endParaRPr lang="en-US" dirty="0"/>
+          </a:p>
+          <a:p>
+            <a:r>
+              <a:rPr lang="en-US" dirty="0"/>
+              <a:t>Functions should write to the pipeline.</a:t>
+            </a:r>
+          </a:p>
+          <a:p>
+            <a:pPr lvl="1"/>
+            <a:r>
+              <a:rPr lang="en-US" dirty="0"/>
+              <a:t>Not write-host</a:t>
+            </a:r>
+          </a:p>
+          <a:p>
+            <a:endParaRPr lang="en-US" dirty="0"/>
+          </a:p>
+          <a:p>
+            <a:r>
+              <a:rPr lang="en-US" dirty="0"/>
+              <a:t>Wrap your .NET Calls</a:t>
+            </a:r>
+          </a:p>
+          <a:p>
+            <a:endParaRPr lang="en-US" dirty="0"/>
+          </a:p>
+          <a:p>
+            <a:r>
+              <a:rPr lang="en-US" dirty="0"/>
+              <a:t>Loosely coupled code</a:t>
+            </a:r>
+          </a:p>
+          <a:p>
+            <a:pPr marL="0" indent="0">
+              <a:buNone/>
+            </a:pPr>
+            <a:endParaRPr lang="en-US" dirty="0"/>
+          </a:p>
+          <a:p>
+            <a:pPr marL="0" indent="0">
+              <a:buNone/>
+            </a:pPr>
+            <a:endParaRPr lang="en-US" dirty="0"/>
+          </a:p>
+        </p:txBody>
+      </p:sp>
+    </p:spTree>
+    <p:extLst>
+      <p:ext uri="{BB962C8B-B14F-4D97-AF65-F5344CB8AC3E}">
+        <p14:creationId xmlns:p14="http://schemas.microsoft.com/office/powerpoint/2010/main" val="3055665544"/>
+      </p:ext>
+    </p:extLst>
+  </p:cSld>
+  <p:clrMapOvr>
+    <a:masterClrMapping/>
+  </p:clrMapOvr>
+</p:sld>
+</file>
+
+<file path=ppt/slides/slide31.xml><?xml version="1.0" encoding="utf-8"?>
+<p:sld xmlns:a="http://schemas.openxmlformats.org/drawingml/2006/main" xmlns:r="http://schemas.openxmlformats.org/officeDocument/2006/relationships" xmlns:p="http://schemas.openxmlformats.org/presentationml/2006/main">
+  <p:cSld>
+    <p:spTree>
+      <p:nvGrpSpPr>
+        <p:cNvPr id="1" name=""/>
+        <p:cNvGrpSpPr/>
+        <p:nvPr/>
+      </p:nvGrpSpPr>
+      <p:grpSpPr>
+        <a:xfrm>
+          <a:off x="0" y="0"/>
+          <a:ext cx="0" cy="0"/>
+          <a:chOff x="0" y="0"/>
+          <a:chExt cx="0" cy="0"/>
+        </a:xfrm>
+      </p:grpSpPr>
+      <p:sp>
+        <p:nvSpPr>
+          <p:cNvPr id="2" name="Title 1"/>
+          <p:cNvSpPr>
+            <a:spLocks noGrp="1"/>
+          </p:cNvSpPr>
+          <p:nvPr>
+            <p:ph type="title"/>
+          </p:nvPr>
+        </p:nvSpPr>
+        <p:spPr/>
+        <p:txBody>
+          <a:bodyPr/>
+          <a:lstStyle/>
+          <a:p>
+            <a:r>
+              <a:rPr lang="en-US" dirty="0"/>
               <a:t>Tips for Pester</a:t>
             </a:r>
           </a:p>
@@ -9189,7 +9335,7 @@
 </p:sld>
 </file>
 
-<file path=ppt/slides/slide31.xml><?xml version="1.0" encoding="utf-8"?>
+<file path=ppt/slides/slide32.xml><?xml version="1.0" encoding="utf-8"?>
 <p:sld xmlns:a="http://schemas.openxmlformats.org/drawingml/2006/main" xmlns:r="http://schemas.openxmlformats.org/officeDocument/2006/relationships" xmlns:p="http://schemas.openxmlformats.org/presentationml/2006/main" show="0">
   <p:cSld>
     <p:spTree>
@@ -9279,7 +9425,7 @@
 </p:sld>
 </file>
 
-<file path=ppt/slides/slide32.xml><?xml version="1.0" encoding="utf-8"?>
+<file path=ppt/slides/slide33.xml><?xml version="1.0" encoding="utf-8"?>
 <p:sld xmlns:a="http://schemas.openxmlformats.org/drawingml/2006/main" xmlns:r="http://schemas.openxmlformats.org/officeDocument/2006/relationships" xmlns:p="http://schemas.openxmlformats.org/presentationml/2006/main">
   <p:cSld>
     <p:spTree>
@@ -9309,7 +9455,7 @@
 </p:sld>
 </file>
 
-<file path=ppt/slides/slide33.xml><?xml version="1.0" encoding="utf-8"?>
+<file path=ppt/slides/slide34.xml><?xml version="1.0" encoding="utf-8"?>
 <p:sld xmlns:a="http://schemas.openxmlformats.org/drawingml/2006/main" xmlns:r="http://schemas.openxmlformats.org/officeDocument/2006/relationships" xmlns:p="http://schemas.openxmlformats.org/presentationml/2006/main">
   <p:cSld>
     <p:spTree>
@@ -9406,80 +9552,6 @@
     <p:extLst>
       <p:ext uri="{BB962C8B-B14F-4D97-AF65-F5344CB8AC3E}">
         <p14:creationId xmlns:p14="http://schemas.microsoft.com/office/powerpoint/2010/main" val="525927402"/>
-      </p:ext>
-    </p:extLst>
-  </p:cSld>
-  <p:clrMapOvr>
-    <a:masterClrMapping/>
-  </p:clrMapOvr>
-</p:sld>
-</file>
-
-<file path=ppt/slides/slide34.xml><?xml version="1.0" encoding="utf-8"?>
-<p:sld xmlns:a="http://schemas.openxmlformats.org/drawingml/2006/main" xmlns:r="http://schemas.openxmlformats.org/officeDocument/2006/relationships" xmlns:p="http://schemas.openxmlformats.org/presentationml/2006/main" show="0">
-  <p:cSld>
-    <p:spTree>
-      <p:nvGrpSpPr>
-        <p:cNvPr id="1" name=""/>
-        <p:cNvGrpSpPr/>
-        <p:nvPr/>
-      </p:nvGrpSpPr>
-      <p:grpSpPr>
-        <a:xfrm>
-          <a:off x="0" y="0"/>
-          <a:ext cx="0" cy="0"/>
-          <a:chOff x="0" y="0"/>
-          <a:chExt cx="0" cy="0"/>
-        </a:xfrm>
-      </p:grpSpPr>
-      <p:sp>
-        <p:nvSpPr>
-          <p:cNvPr id="4" name="Title 3"/>
-          <p:cNvSpPr>
-            <a:spLocks noGrp="1"/>
-          </p:cNvSpPr>
-          <p:nvPr>
-            <p:ph type="title"/>
-          </p:nvPr>
-        </p:nvSpPr>
-        <p:spPr/>
-        <p:txBody>
-          <a:bodyPr/>
-          <a:lstStyle/>
-          <a:p>
-            <a:r>
-              <a:rPr lang="en-US" dirty="0"/>
-              <a:t>Section Header</a:t>
-            </a:r>
-          </a:p>
-        </p:txBody>
-      </p:sp>
-      <p:sp>
-        <p:nvSpPr>
-          <p:cNvPr id="5" name="Text Placeholder 4"/>
-          <p:cNvSpPr>
-            <a:spLocks noGrp="1"/>
-          </p:cNvSpPr>
-          <p:nvPr>
-            <p:ph type="body" idx="1"/>
-          </p:nvPr>
-        </p:nvSpPr>
-        <p:spPr/>
-        <p:txBody>
-          <a:bodyPr/>
-          <a:lstStyle/>
-          <a:p>
-            <a:r>
-              <a:rPr lang="en-US" dirty="0"/>
-              <a:t>This is the next section</a:t>
-            </a:r>
-          </a:p>
-        </p:txBody>
-      </p:sp>
-    </p:spTree>
-    <p:extLst>
-      <p:ext uri="{BB962C8B-B14F-4D97-AF65-F5344CB8AC3E}">
-        <p14:creationId xmlns:p14="http://schemas.microsoft.com/office/powerpoint/2010/main" val="3568117999"/>
       </p:ext>
     </p:extLst>
   </p:cSld>
@@ -9508,7 +9580,7 @@
       </p:grpSpPr>
       <p:sp>
         <p:nvSpPr>
-          <p:cNvPr id="2" name="Title 1"/>
+          <p:cNvPr id="4" name="Title 3"/>
           <p:cNvSpPr>
             <a:spLocks noGrp="1"/>
           </p:cNvSpPr>
@@ -9523,19 +9595,19 @@
           <a:p>
             <a:r>
               <a:rPr lang="en-US" dirty="0"/>
-              <a:t>Title</a:t>
-            </a:r>
-          </a:p>
-        </p:txBody>
-      </p:sp>
-      <p:sp>
-        <p:nvSpPr>
-          <p:cNvPr id="3" name="Content Placeholder 2"/>
+              <a:t>Section Header</a:t>
+            </a:r>
+          </a:p>
+        </p:txBody>
+      </p:sp>
+      <p:sp>
+        <p:nvSpPr>
+          <p:cNvPr id="5" name="Text Placeholder 4"/>
           <p:cNvSpPr>
             <a:spLocks noGrp="1"/>
           </p:cNvSpPr>
           <p:nvPr>
-            <p:ph idx="1"/>
+            <p:ph type="body" idx="1"/>
           </p:nvPr>
         </p:nvSpPr>
         <p:spPr/>
@@ -9545,39 +9617,15 @@
           <a:p>
             <a:r>
               <a:rPr lang="en-US" dirty="0"/>
-              <a:t>Line1</a:t>
-            </a:r>
-          </a:p>
-          <a:p>
-            <a:pPr lvl="1"/>
-            <a:r>
-              <a:rPr lang="en-US" dirty="0"/>
-              <a:t>Bullet Level 1</a:t>
-            </a:r>
-          </a:p>
-          <a:p>
-            <a:pPr lvl="2"/>
-            <a:r>
-              <a:rPr lang="en-US" dirty="0"/>
-              <a:t>Bullet Level 2</a:t>
-            </a:r>
-          </a:p>
-          <a:p>
-            <a:pPr lvl="3"/>
-            <a:r>
-              <a:rPr lang="en-US" dirty="0"/>
-              <a:t>Bullet Level 3</a:t>
-            </a:r>
-          </a:p>
-          <a:p>
-            <a:endParaRPr lang="en-US" dirty="0"/>
+              <a:t>This is the next section</a:t>
+            </a:r>
           </a:p>
         </p:txBody>
       </p:sp>
     </p:spTree>
     <p:extLst>
       <p:ext uri="{BB962C8B-B14F-4D97-AF65-F5344CB8AC3E}">
-        <p14:creationId xmlns:p14="http://schemas.microsoft.com/office/powerpoint/2010/main" val="1279470686"/>
+        <p14:creationId xmlns:p14="http://schemas.microsoft.com/office/powerpoint/2010/main" val="3568117999"/>
       </p:ext>
     </p:extLst>
   </p:cSld>
@@ -9606,7 +9654,7 @@
       </p:grpSpPr>
       <p:sp>
         <p:nvSpPr>
-          <p:cNvPr id="4" name="Title 3"/>
+          <p:cNvPr id="2" name="Title 1"/>
           <p:cNvSpPr>
             <a:spLocks noGrp="1"/>
           </p:cNvSpPr>
@@ -9628,7 +9676,7 @@
       </p:sp>
       <p:sp>
         <p:nvSpPr>
-          <p:cNvPr id="5" name="Content Placeholder 4"/>
+          <p:cNvPr id="3" name="Content Placeholder 2"/>
           <p:cNvSpPr>
             <a:spLocks noGrp="1"/>
           </p:cNvSpPr>
@@ -9643,15 +9691,39 @@
           <a:p>
             <a:r>
               <a:rPr lang="en-US" dirty="0"/>
-              <a:t>Code</a:t>
-            </a:r>
+              <a:t>Line1</a:t>
+            </a:r>
+          </a:p>
+          <a:p>
+            <a:pPr lvl="1"/>
+            <a:r>
+              <a:rPr lang="en-US" dirty="0"/>
+              <a:t>Bullet Level 1</a:t>
+            </a:r>
+          </a:p>
+          <a:p>
+            <a:pPr lvl="2"/>
+            <a:r>
+              <a:rPr lang="en-US" dirty="0"/>
+              <a:t>Bullet Level 2</a:t>
+            </a:r>
+          </a:p>
+          <a:p>
+            <a:pPr lvl="3"/>
+            <a:r>
+              <a:rPr lang="en-US" dirty="0"/>
+              <a:t>Bullet Level 3</a:t>
+            </a:r>
+          </a:p>
+          <a:p>
+            <a:endParaRPr lang="en-US" dirty="0"/>
           </a:p>
         </p:txBody>
       </p:sp>
     </p:spTree>
     <p:extLst>
       <p:ext uri="{BB962C8B-B14F-4D97-AF65-F5344CB8AC3E}">
-        <p14:creationId xmlns:p14="http://schemas.microsoft.com/office/powerpoint/2010/main" val="1895725814"/>
+        <p14:creationId xmlns:p14="http://schemas.microsoft.com/office/powerpoint/2010/main" val="1279470686"/>
       </p:ext>
     </p:extLst>
   </p:cSld>
@@ -9680,12 +9752,12 @@
       </p:grpSpPr>
       <p:sp>
         <p:nvSpPr>
-          <p:cNvPr id="4" name="Content Placeholder 3"/>
+          <p:cNvPr id="4" name="Title 3"/>
           <p:cNvSpPr>
             <a:spLocks noGrp="1"/>
           </p:cNvSpPr>
           <p:nvPr>
-            <p:ph idx="1"/>
+            <p:ph type="title"/>
           </p:nvPr>
         </p:nvSpPr>
         <p:spPr/>
@@ -9695,28 +9767,29 @@
           <a:p>
             <a:r>
               <a:rPr lang="en-US" dirty="0"/>
-              <a:t>Text Only with Border</a:t>
-            </a:r>
-          </a:p>
-          <a:p>
-            <a:pPr lvl="1"/>
-            <a:r>
-              <a:rPr lang="en-US" dirty="0"/>
-              <a:t>Level 1</a:t>
-            </a:r>
-          </a:p>
-          <a:p>
-            <a:pPr lvl="2"/>
-            <a:r>
-              <a:rPr lang="en-US" dirty="0"/>
-              <a:t>Level 2 </a:t>
-            </a:r>
-          </a:p>
-          <a:p>
-            <a:pPr lvl="3"/>
-            <a:r>
-              <a:rPr lang="en-US" dirty="0"/>
-              <a:t>Level 3</a:t>
+              <a:t>Title</a:t>
+            </a:r>
+          </a:p>
+        </p:txBody>
+      </p:sp>
+      <p:sp>
+        <p:nvSpPr>
+          <p:cNvPr id="5" name="Content Placeholder 4"/>
+          <p:cNvSpPr>
+            <a:spLocks noGrp="1"/>
+          </p:cNvSpPr>
+          <p:nvPr>
+            <p:ph idx="1"/>
+          </p:nvPr>
+        </p:nvSpPr>
+        <p:spPr/>
+        <p:txBody>
+          <a:bodyPr/>
+          <a:lstStyle/>
+          <a:p>
+            <a:r>
+              <a:rPr lang="en-US" dirty="0"/>
+              <a:t>Code</a:t>
             </a:r>
           </a:p>
         </p:txBody>
@@ -9724,7 +9797,7 @@
     </p:spTree>
     <p:extLst>
       <p:ext uri="{BB962C8B-B14F-4D97-AF65-F5344CB8AC3E}">
-        <p14:creationId xmlns:p14="http://schemas.microsoft.com/office/powerpoint/2010/main" val="659284950"/>
+        <p14:creationId xmlns:p14="http://schemas.microsoft.com/office/powerpoint/2010/main" val="1895725814"/>
       </p:ext>
     </p:extLst>
   </p:cSld>
@@ -9753,7 +9826,7 @@
       </p:grpSpPr>
       <p:sp>
         <p:nvSpPr>
-          <p:cNvPr id="3" name="Content Placeholder 2"/>
+          <p:cNvPr id="4" name="Content Placeholder 3"/>
           <p:cNvSpPr>
             <a:spLocks noGrp="1"/>
           </p:cNvSpPr>
@@ -9768,7 +9841,7 @@
           <a:p>
             <a:r>
               <a:rPr lang="en-US" dirty="0"/>
-              <a:t>Text Only (Red)</a:t>
+              <a:t>Text Only with Border</a:t>
             </a:r>
           </a:p>
           <a:p>
@@ -9782,7 +9855,7 @@
             <a:pPr lvl="2"/>
             <a:r>
               <a:rPr lang="en-US" dirty="0"/>
-              <a:t>Level 2</a:t>
+              <a:t>Level 2 </a:t>
             </a:r>
           </a:p>
           <a:p>
@@ -9797,7 +9870,7 @@
     </p:spTree>
     <p:extLst>
       <p:ext uri="{BB962C8B-B14F-4D97-AF65-F5344CB8AC3E}">
-        <p14:creationId xmlns:p14="http://schemas.microsoft.com/office/powerpoint/2010/main" val="2094311673"/>
+        <p14:creationId xmlns:p14="http://schemas.microsoft.com/office/powerpoint/2010/main" val="659284950"/>
       </p:ext>
     </p:extLst>
   </p:cSld>
@@ -9826,12 +9899,12 @@
       </p:grpSpPr>
       <p:sp>
         <p:nvSpPr>
-          <p:cNvPr id="3" name="Title 2"/>
+          <p:cNvPr id="3" name="Content Placeholder 2"/>
           <p:cNvSpPr>
             <a:spLocks noGrp="1"/>
           </p:cNvSpPr>
           <p:nvPr>
-            <p:ph type="title"/>
+            <p:ph idx="1"/>
           </p:nvPr>
         </p:nvSpPr>
         <p:spPr/>
@@ -9841,29 +9914,7 @@
           <a:p>
             <a:r>
               <a:rPr lang="en-US" dirty="0"/>
-              <a:t>Title</a:t>
-            </a:r>
-          </a:p>
-        </p:txBody>
-      </p:sp>
-      <p:sp>
-        <p:nvSpPr>
-          <p:cNvPr id="4" name="Content Placeholder 3"/>
-          <p:cNvSpPr>
-            <a:spLocks noGrp="1"/>
-          </p:cNvSpPr>
-          <p:nvPr>
-            <p:ph sz="half" idx="1"/>
-          </p:nvPr>
-        </p:nvSpPr>
-        <p:spPr/>
-        <p:txBody>
-          <a:bodyPr/>
-          <a:lstStyle/>
-          <a:p>
-            <a:r>
-              <a:rPr lang="en-US" dirty="0"/>
-              <a:t>Text 1</a:t>
+              <a:t>Text Only (Red)</a:t>
             </a:r>
           </a:p>
           <a:p>
@@ -9886,62 +9937,13 @@
               <a:rPr lang="en-US" dirty="0"/>
               <a:t>Level 3</a:t>
             </a:r>
-          </a:p>
-          <a:p>
-            <a:endParaRPr lang="en-US" dirty="0"/>
-          </a:p>
-        </p:txBody>
-      </p:sp>
-      <p:sp>
-        <p:nvSpPr>
-          <p:cNvPr id="5" name="Content Placeholder 4"/>
-          <p:cNvSpPr>
-            <a:spLocks noGrp="1"/>
-          </p:cNvSpPr>
-          <p:nvPr>
-            <p:ph sz="half" idx="2"/>
-          </p:nvPr>
-        </p:nvSpPr>
-        <p:spPr/>
-        <p:txBody>
-          <a:bodyPr/>
-          <a:lstStyle/>
-          <a:p>
-            <a:r>
-              <a:rPr lang="en-US" dirty="0"/>
-              <a:t>Text 2</a:t>
-            </a:r>
-          </a:p>
-          <a:p>
-            <a:pPr lvl="1"/>
-            <a:r>
-              <a:rPr lang="en-US" dirty="0"/>
-              <a:t>Level 1</a:t>
-            </a:r>
-          </a:p>
-          <a:p>
-            <a:pPr lvl="2"/>
-            <a:r>
-              <a:rPr lang="en-US" dirty="0"/>
-              <a:t>Level 2</a:t>
-            </a:r>
-          </a:p>
-          <a:p>
-            <a:pPr lvl="3"/>
-            <a:r>
-              <a:rPr lang="en-US" dirty="0"/>
-              <a:t>Level 3</a:t>
-            </a:r>
-          </a:p>
-          <a:p>
-            <a:endParaRPr lang="en-US" dirty="0"/>
           </a:p>
         </p:txBody>
       </p:sp>
     </p:spTree>
     <p:extLst>
       <p:ext uri="{BB962C8B-B14F-4D97-AF65-F5344CB8AC3E}">
-        <p14:creationId xmlns:p14="http://schemas.microsoft.com/office/powerpoint/2010/main" val="2554539812"/>
+        <p14:creationId xmlns:p14="http://schemas.microsoft.com/office/powerpoint/2010/main" val="2094311673"/>
       </p:ext>
     </p:extLst>
   </p:cSld>
@@ -10099,12 +10101,12 @@
       </p:grpSpPr>
       <p:sp>
         <p:nvSpPr>
-          <p:cNvPr id="6" name="Text Placeholder 5"/>
+          <p:cNvPr id="3" name="Title 2"/>
           <p:cNvSpPr>
             <a:spLocks noGrp="1"/>
           </p:cNvSpPr>
           <p:nvPr>
-            <p:ph type="body" idx="1"/>
+            <p:ph type="title"/>
           </p:nvPr>
         </p:nvSpPr>
         <p:spPr/>
@@ -10114,19 +10116,19 @@
           <a:p>
             <a:r>
               <a:rPr lang="en-US" dirty="0"/>
-              <a:t>Section 1</a:t>
-            </a:r>
-          </a:p>
-        </p:txBody>
-      </p:sp>
-      <p:sp>
-        <p:nvSpPr>
-          <p:cNvPr id="7" name="Content Placeholder 6"/>
+              <a:t>Title</a:t>
+            </a:r>
+          </a:p>
+        </p:txBody>
+      </p:sp>
+      <p:sp>
+        <p:nvSpPr>
+          <p:cNvPr id="4" name="Content Placeholder 3"/>
           <p:cNvSpPr>
             <a:spLocks noGrp="1"/>
           </p:cNvSpPr>
           <p:nvPr>
-            <p:ph sz="half" idx="2"/>
+            <p:ph sz="half" idx="1"/>
           </p:nvPr>
         </p:nvSpPr>
         <p:spPr/>
@@ -10136,7 +10138,7 @@
           <a:p>
             <a:r>
               <a:rPr lang="en-US" dirty="0"/>
-              <a:t>Text</a:t>
+              <a:t>Text 1</a:t>
             </a:r>
           </a:p>
           <a:p>
@@ -10167,12 +10169,12 @@
       </p:sp>
       <p:sp>
         <p:nvSpPr>
-          <p:cNvPr id="8" name="Text Placeholder 7"/>
+          <p:cNvPr id="5" name="Content Placeholder 4"/>
           <p:cNvSpPr>
             <a:spLocks noGrp="1"/>
           </p:cNvSpPr>
           <p:nvPr>
-            <p:ph type="body" sz="quarter" idx="3"/>
+            <p:ph sz="half" idx="2"/>
           </p:nvPr>
         </p:nvSpPr>
         <p:spPr/>
@@ -10182,29 +10184,7 @@
           <a:p>
             <a:r>
               <a:rPr lang="en-US" dirty="0"/>
-              <a:t>Section 2</a:t>
-            </a:r>
-          </a:p>
-        </p:txBody>
-      </p:sp>
-      <p:sp>
-        <p:nvSpPr>
-          <p:cNvPr id="9" name="Content Placeholder 8"/>
-          <p:cNvSpPr>
-            <a:spLocks noGrp="1"/>
-          </p:cNvSpPr>
-          <p:nvPr>
-            <p:ph sz="quarter" idx="4"/>
-          </p:nvPr>
-        </p:nvSpPr>
-        <p:spPr/>
-        <p:txBody>
-          <a:bodyPr/>
-          <a:lstStyle/>
-          <a:p>
-            <a:r>
-              <a:rPr lang="en-US" dirty="0"/>
-              <a:t>Text</a:t>
+              <a:t>Text 2</a:t>
             </a:r>
           </a:p>
           <a:p>
@@ -10230,35 +10210,13 @@
           </a:p>
           <a:p>
             <a:endParaRPr lang="en-US" dirty="0"/>
-          </a:p>
-        </p:txBody>
-      </p:sp>
-      <p:sp>
-        <p:nvSpPr>
-          <p:cNvPr id="5" name="Title 4"/>
-          <p:cNvSpPr>
-            <a:spLocks noGrp="1"/>
-          </p:cNvSpPr>
-          <p:nvPr>
-            <p:ph type="title"/>
-          </p:nvPr>
-        </p:nvSpPr>
-        <p:spPr/>
-        <p:txBody>
-          <a:bodyPr/>
-          <a:lstStyle/>
-          <a:p>
-            <a:r>
-              <a:rPr lang="en-US" dirty="0"/>
-              <a:t>Title</a:t>
-            </a:r>
           </a:p>
         </p:txBody>
       </p:sp>
     </p:spTree>
     <p:extLst>
       <p:ext uri="{BB962C8B-B14F-4D97-AF65-F5344CB8AC3E}">
-        <p14:creationId xmlns:p14="http://schemas.microsoft.com/office/powerpoint/2010/main" val="3003455065"/>
+        <p14:creationId xmlns:p14="http://schemas.microsoft.com/office/powerpoint/2010/main" val="2554539812"/>
       </p:ext>
     </p:extLst>
   </p:cSld>
@@ -10287,7 +10245,7 @@
       </p:grpSpPr>
       <p:sp>
         <p:nvSpPr>
-          <p:cNvPr id="7" name="Text Placeholder 6"/>
+          <p:cNvPr id="6" name="Text Placeholder 5"/>
           <p:cNvSpPr>
             <a:spLocks noGrp="1"/>
           </p:cNvSpPr>
@@ -10302,7 +10260,143 @@
           <a:p>
             <a:r>
               <a:rPr lang="en-US" dirty="0"/>
-              <a:t>Demo Title</a:t>
+              <a:t>Section 1</a:t>
+            </a:r>
+          </a:p>
+        </p:txBody>
+      </p:sp>
+      <p:sp>
+        <p:nvSpPr>
+          <p:cNvPr id="7" name="Content Placeholder 6"/>
+          <p:cNvSpPr>
+            <a:spLocks noGrp="1"/>
+          </p:cNvSpPr>
+          <p:nvPr>
+            <p:ph sz="half" idx="2"/>
+          </p:nvPr>
+        </p:nvSpPr>
+        <p:spPr/>
+        <p:txBody>
+          <a:bodyPr/>
+          <a:lstStyle/>
+          <a:p>
+            <a:r>
+              <a:rPr lang="en-US" dirty="0"/>
+              <a:t>Text</a:t>
+            </a:r>
+          </a:p>
+          <a:p>
+            <a:pPr lvl="1"/>
+            <a:r>
+              <a:rPr lang="en-US" dirty="0"/>
+              <a:t>Level 1</a:t>
+            </a:r>
+          </a:p>
+          <a:p>
+            <a:pPr lvl="2"/>
+            <a:r>
+              <a:rPr lang="en-US" dirty="0"/>
+              <a:t>Level 2</a:t>
+            </a:r>
+          </a:p>
+          <a:p>
+            <a:pPr lvl="3"/>
+            <a:r>
+              <a:rPr lang="en-US" dirty="0"/>
+              <a:t>Level 3</a:t>
+            </a:r>
+          </a:p>
+          <a:p>
+            <a:endParaRPr lang="en-US" dirty="0"/>
+          </a:p>
+        </p:txBody>
+      </p:sp>
+      <p:sp>
+        <p:nvSpPr>
+          <p:cNvPr id="8" name="Text Placeholder 7"/>
+          <p:cNvSpPr>
+            <a:spLocks noGrp="1"/>
+          </p:cNvSpPr>
+          <p:nvPr>
+            <p:ph type="body" sz="quarter" idx="3"/>
+          </p:nvPr>
+        </p:nvSpPr>
+        <p:spPr/>
+        <p:txBody>
+          <a:bodyPr/>
+          <a:lstStyle/>
+          <a:p>
+            <a:r>
+              <a:rPr lang="en-US" dirty="0"/>
+              <a:t>Section 2</a:t>
+            </a:r>
+          </a:p>
+        </p:txBody>
+      </p:sp>
+      <p:sp>
+        <p:nvSpPr>
+          <p:cNvPr id="9" name="Content Placeholder 8"/>
+          <p:cNvSpPr>
+            <a:spLocks noGrp="1"/>
+          </p:cNvSpPr>
+          <p:nvPr>
+            <p:ph sz="quarter" idx="4"/>
+          </p:nvPr>
+        </p:nvSpPr>
+        <p:spPr/>
+        <p:txBody>
+          <a:bodyPr/>
+          <a:lstStyle/>
+          <a:p>
+            <a:r>
+              <a:rPr lang="en-US" dirty="0"/>
+              <a:t>Text</a:t>
+            </a:r>
+          </a:p>
+          <a:p>
+            <a:pPr lvl="1"/>
+            <a:r>
+              <a:rPr lang="en-US" dirty="0"/>
+              <a:t>Level 1</a:t>
+            </a:r>
+          </a:p>
+          <a:p>
+            <a:pPr lvl="2"/>
+            <a:r>
+              <a:rPr lang="en-US" dirty="0"/>
+              <a:t>Level 2</a:t>
+            </a:r>
+          </a:p>
+          <a:p>
+            <a:pPr lvl="3"/>
+            <a:r>
+              <a:rPr lang="en-US" dirty="0"/>
+              <a:t>Level 3</a:t>
+            </a:r>
+          </a:p>
+          <a:p>
+            <a:endParaRPr lang="en-US" dirty="0"/>
+          </a:p>
+        </p:txBody>
+      </p:sp>
+      <p:sp>
+        <p:nvSpPr>
+          <p:cNvPr id="5" name="Title 4"/>
+          <p:cNvSpPr>
+            <a:spLocks noGrp="1"/>
+          </p:cNvSpPr>
+          <p:nvPr>
+            <p:ph type="title"/>
+          </p:nvPr>
+        </p:nvSpPr>
+        <p:spPr/>
+        <p:txBody>
+          <a:bodyPr/>
+          <a:lstStyle/>
+          <a:p>
+            <a:r>
+              <a:rPr lang="en-US" dirty="0"/>
+              <a:t>Title</a:t>
             </a:r>
           </a:p>
         </p:txBody>
@@ -10310,7 +10404,7 @@
     </p:spTree>
     <p:extLst>
       <p:ext uri="{BB962C8B-B14F-4D97-AF65-F5344CB8AC3E}">
-        <p14:creationId xmlns:p14="http://schemas.microsoft.com/office/powerpoint/2010/main" val="720356831"/>
+        <p14:creationId xmlns:p14="http://schemas.microsoft.com/office/powerpoint/2010/main" val="3003455065"/>
       </p:ext>
     </p:extLst>
   </p:cSld>
@@ -10337,875 +10431,32 @@
           <a:chExt cx="0" cy="0"/>
         </a:xfrm>
       </p:grpSpPr>
-      <p:pic>
-        <p:nvPicPr>
-          <p:cNvPr id="11" name="Picture 10"/>
-          <p:cNvPicPr>
-            <a:picLocks noChangeAspect="1"/>
-          </p:cNvPicPr>
-          <p:nvPr/>
-        </p:nvPicPr>
-        <p:blipFill>
-          <a:blip r:embed="rId2">
-            <a:extLst>
-              <a:ext uri="{28A0092B-C50C-407E-A947-70E740481C1C}">
-                <a14:useLocalDpi xmlns:a14="http://schemas.microsoft.com/office/drawing/2010/main" val="0"/>
-              </a:ext>
-            </a:extLst>
-          </a:blip>
-          <a:stretch>
-            <a:fillRect/>
-          </a:stretch>
-        </p:blipFill>
-        <p:spPr>
-          <a:xfrm>
-            <a:off x="2207458" y="453313"/>
-            <a:ext cx="457200" cy="457200"/>
-          </a:xfrm>
-          <a:prstGeom prst="rect">
-            <a:avLst/>
-          </a:prstGeom>
-        </p:spPr>
-      </p:pic>
-      <p:pic>
-        <p:nvPicPr>
-          <p:cNvPr id="12" name="Picture 11"/>
-          <p:cNvPicPr>
-            <a:picLocks noChangeAspect="1"/>
-          </p:cNvPicPr>
-          <p:nvPr/>
-        </p:nvPicPr>
-        <p:blipFill>
-          <a:blip r:embed="rId3">
-            <a:extLst>
-              <a:ext uri="{28A0092B-C50C-407E-A947-70E740481C1C}">
-                <a14:useLocalDpi xmlns:a14="http://schemas.microsoft.com/office/drawing/2010/main" val="0"/>
-              </a:ext>
-            </a:extLst>
-          </a:blip>
-          <a:stretch>
-            <a:fillRect/>
-          </a:stretch>
-        </p:blipFill>
-        <p:spPr>
-          <a:xfrm>
-            <a:off x="1294229" y="453399"/>
-            <a:ext cx="457200" cy="457200"/>
-          </a:xfrm>
-          <a:prstGeom prst="rect">
-            <a:avLst/>
-          </a:prstGeom>
-        </p:spPr>
-      </p:pic>
-      <p:pic>
-        <p:nvPicPr>
-          <p:cNvPr id="13" name="Picture 12"/>
-          <p:cNvPicPr>
-            <a:picLocks noChangeAspect="1"/>
-          </p:cNvPicPr>
-          <p:nvPr/>
-        </p:nvPicPr>
-        <p:blipFill>
-          <a:blip r:embed="rId4">
-            <a:extLst>
-              <a:ext uri="{28A0092B-C50C-407E-A947-70E740481C1C}">
-                <a14:useLocalDpi xmlns:a14="http://schemas.microsoft.com/office/drawing/2010/main" val="0"/>
-              </a:ext>
-            </a:extLst>
-          </a:blip>
-          <a:stretch>
-            <a:fillRect/>
-          </a:stretch>
-        </p:blipFill>
-        <p:spPr>
-          <a:xfrm>
-            <a:off x="381000" y="453399"/>
-            <a:ext cx="457200" cy="457200"/>
-          </a:xfrm>
-          <a:prstGeom prst="rect">
-            <a:avLst/>
-          </a:prstGeom>
-        </p:spPr>
-      </p:pic>
-      <p:pic>
-        <p:nvPicPr>
-          <p:cNvPr id="15" name="Picture 14"/>
-          <p:cNvPicPr>
-            <a:picLocks noChangeAspect="1"/>
-          </p:cNvPicPr>
-          <p:nvPr/>
-        </p:nvPicPr>
-        <p:blipFill>
-          <a:blip r:embed="rId5">
-            <a:lum bright="70000" contrast="-70000"/>
-            <a:extLst>
-              <a:ext uri="{28A0092B-C50C-407E-A947-70E740481C1C}">
-                <a14:useLocalDpi xmlns:a14="http://schemas.microsoft.com/office/drawing/2010/main" val="0"/>
-              </a:ext>
-            </a:extLst>
-          </a:blip>
-          <a:stretch>
-            <a:fillRect/>
-          </a:stretch>
-        </p:blipFill>
-        <p:spPr>
-          <a:xfrm>
-            <a:off x="303629" y="1070428"/>
-            <a:ext cx="1219200" cy="1219200"/>
-          </a:xfrm>
-          <a:prstGeom prst="rect">
-            <a:avLst/>
-          </a:prstGeom>
-        </p:spPr>
-      </p:pic>
-      <p:pic>
-        <p:nvPicPr>
-          <p:cNvPr id="279" name="Picture 278"/>
-          <p:cNvPicPr>
-            <a:picLocks noChangeAspect="1"/>
-          </p:cNvPicPr>
-          <p:nvPr/>
-        </p:nvPicPr>
-        <p:blipFill>
-          <a:blip r:embed="rId6">
-            <a:lum bright="70000" contrast="-70000"/>
-            <a:extLst>
-              <a:ext uri="{28A0092B-C50C-407E-A947-70E740481C1C}">
-                <a14:useLocalDpi xmlns:a14="http://schemas.microsoft.com/office/drawing/2010/main" val="0"/>
-              </a:ext>
-            </a:extLst>
-          </a:blip>
-          <a:stretch>
-            <a:fillRect/>
-          </a:stretch>
-        </p:blipFill>
-        <p:spPr>
-          <a:xfrm>
-            <a:off x="2950029" y="1070428"/>
-            <a:ext cx="1219200" cy="1219200"/>
-          </a:xfrm>
-          <a:prstGeom prst="rect">
-            <a:avLst/>
-          </a:prstGeom>
-        </p:spPr>
-      </p:pic>
-      <p:pic>
-        <p:nvPicPr>
-          <p:cNvPr id="280" name="Picture 279"/>
-          <p:cNvPicPr>
-            <a:picLocks noChangeAspect="1"/>
-          </p:cNvPicPr>
-          <p:nvPr/>
-        </p:nvPicPr>
-        <p:blipFill>
-          <a:blip r:embed="rId7">
-            <a:lum bright="70000" contrast="-70000"/>
-            <a:extLst>
-              <a:ext uri="{28A0092B-C50C-407E-A947-70E740481C1C}">
-                <a14:useLocalDpi xmlns:a14="http://schemas.microsoft.com/office/drawing/2010/main" val="0"/>
-              </a:ext>
-            </a:extLst>
-          </a:blip>
-          <a:stretch>
-            <a:fillRect/>
-          </a:stretch>
-        </p:blipFill>
-        <p:spPr>
-          <a:xfrm>
-            <a:off x="1626829" y="1070428"/>
-            <a:ext cx="1219200" cy="1219200"/>
-          </a:xfrm>
-          <a:prstGeom prst="rect">
-            <a:avLst/>
-          </a:prstGeom>
-        </p:spPr>
-      </p:pic>
-      <p:pic>
-        <p:nvPicPr>
-          <p:cNvPr id="281" name="Picture 280"/>
-          <p:cNvPicPr>
-            <a:picLocks noChangeAspect="1"/>
-          </p:cNvPicPr>
-          <p:nvPr/>
-        </p:nvPicPr>
-        <p:blipFill>
-          <a:blip r:embed="rId8">
-            <a:lum bright="70000" contrast="-70000"/>
-            <a:extLst>
-              <a:ext uri="{28A0092B-C50C-407E-A947-70E740481C1C}">
-                <a14:useLocalDpi xmlns:a14="http://schemas.microsoft.com/office/drawing/2010/main" val="0"/>
-              </a:ext>
-            </a:extLst>
-          </a:blip>
-          <a:stretch>
-            <a:fillRect/>
-          </a:stretch>
-        </p:blipFill>
-        <p:spPr>
-          <a:xfrm>
-            <a:off x="5596429" y="1107999"/>
-            <a:ext cx="1219200" cy="1219200"/>
-          </a:xfrm>
-          <a:prstGeom prst="rect">
-            <a:avLst/>
-          </a:prstGeom>
-        </p:spPr>
-      </p:pic>
-      <p:pic>
-        <p:nvPicPr>
-          <p:cNvPr id="282" name="Picture 281"/>
-          <p:cNvPicPr>
-            <a:picLocks noChangeAspect="1"/>
-          </p:cNvPicPr>
-          <p:nvPr/>
-        </p:nvPicPr>
-        <p:blipFill>
-          <a:blip r:embed="rId9">
-            <a:lum bright="70000" contrast="-70000"/>
-            <a:extLst>
-              <a:ext uri="{28A0092B-C50C-407E-A947-70E740481C1C}">
-                <a14:useLocalDpi xmlns:a14="http://schemas.microsoft.com/office/drawing/2010/main" val="0"/>
-              </a:ext>
-            </a:extLst>
-          </a:blip>
-          <a:stretch>
-            <a:fillRect/>
-          </a:stretch>
-        </p:blipFill>
-        <p:spPr>
-          <a:xfrm>
-            <a:off x="4273229" y="1070428"/>
-            <a:ext cx="1219200" cy="1219200"/>
-          </a:xfrm>
-          <a:prstGeom prst="rect">
-            <a:avLst/>
-          </a:prstGeom>
-        </p:spPr>
-      </p:pic>
-      <p:pic>
-        <p:nvPicPr>
-          <p:cNvPr id="283" name="Picture 282"/>
-          <p:cNvPicPr>
-            <a:picLocks noChangeAspect="1"/>
-          </p:cNvPicPr>
-          <p:nvPr/>
-        </p:nvPicPr>
-        <p:blipFill>
-          <a:blip r:embed="rId10">
-            <a:lum bright="70000" contrast="-70000"/>
-            <a:extLst>
-              <a:ext uri="{28A0092B-C50C-407E-A947-70E740481C1C}">
-                <a14:useLocalDpi xmlns:a14="http://schemas.microsoft.com/office/drawing/2010/main" val="0"/>
-              </a:ext>
-            </a:extLst>
-          </a:blip>
-          <a:stretch>
-            <a:fillRect/>
-          </a:stretch>
-        </p:blipFill>
-        <p:spPr>
-          <a:xfrm>
-            <a:off x="6919629" y="1107999"/>
-            <a:ext cx="1219200" cy="1219200"/>
-          </a:xfrm>
-          <a:prstGeom prst="rect">
-            <a:avLst/>
-          </a:prstGeom>
-        </p:spPr>
-      </p:pic>
-      <p:pic>
-        <p:nvPicPr>
-          <p:cNvPr id="284" name="Picture 283"/>
-          <p:cNvPicPr>
-            <a:picLocks noChangeAspect="1"/>
-          </p:cNvPicPr>
-          <p:nvPr/>
-        </p:nvPicPr>
-        <p:blipFill>
-          <a:blip r:embed="rId11">
-            <a:lum bright="70000" contrast="-70000"/>
-            <a:extLst>
-              <a:ext uri="{28A0092B-C50C-407E-A947-70E740481C1C}">
-                <a14:useLocalDpi xmlns:a14="http://schemas.microsoft.com/office/drawing/2010/main" val="0"/>
-              </a:ext>
-            </a:extLst>
-          </a:blip>
-          <a:stretch>
-            <a:fillRect/>
-          </a:stretch>
-        </p:blipFill>
-        <p:spPr>
-          <a:xfrm>
-            <a:off x="9105600" y="1070428"/>
-            <a:ext cx="1219200" cy="1219200"/>
-          </a:xfrm>
-          <a:prstGeom prst="rect">
-            <a:avLst/>
-          </a:prstGeom>
-        </p:spPr>
-      </p:pic>
-      <p:pic>
-        <p:nvPicPr>
-          <p:cNvPr id="285" name="Picture 284"/>
-          <p:cNvPicPr>
-            <a:picLocks noChangeAspect="1"/>
-          </p:cNvPicPr>
-          <p:nvPr/>
-        </p:nvPicPr>
-        <p:blipFill>
-          <a:blip r:embed="rId12">
-            <a:lum bright="70000" contrast="-70000"/>
-            <a:extLst>
-              <a:ext uri="{28A0092B-C50C-407E-A947-70E740481C1C}">
-                <a14:useLocalDpi xmlns:a14="http://schemas.microsoft.com/office/drawing/2010/main" val="0"/>
-              </a:ext>
-            </a:extLst>
-          </a:blip>
-          <a:stretch>
-            <a:fillRect/>
-          </a:stretch>
-        </p:blipFill>
-        <p:spPr>
-          <a:xfrm>
-            <a:off x="7988286" y="1070428"/>
-            <a:ext cx="1219200" cy="1219200"/>
-          </a:xfrm>
-          <a:prstGeom prst="rect">
-            <a:avLst/>
-          </a:prstGeom>
-        </p:spPr>
-      </p:pic>
-      <p:pic>
-        <p:nvPicPr>
-          <p:cNvPr id="286" name="Picture 285"/>
-          <p:cNvPicPr>
-            <a:picLocks noChangeAspect="1"/>
-          </p:cNvPicPr>
-          <p:nvPr/>
-        </p:nvPicPr>
-        <p:blipFill>
-          <a:blip r:embed="rId13">
-            <a:lum bright="70000" contrast="-70000"/>
-            <a:extLst>
-              <a:ext uri="{28A0092B-C50C-407E-A947-70E740481C1C}">
-                <a14:useLocalDpi xmlns:a14="http://schemas.microsoft.com/office/drawing/2010/main" val="0"/>
-              </a:ext>
-            </a:extLst>
-          </a:blip>
-          <a:stretch>
-            <a:fillRect/>
-          </a:stretch>
-        </p:blipFill>
-        <p:spPr>
-          <a:xfrm>
-            <a:off x="303629" y="2185742"/>
-            <a:ext cx="1219200" cy="1219200"/>
-          </a:xfrm>
-          <a:prstGeom prst="rect">
-            <a:avLst/>
-          </a:prstGeom>
-        </p:spPr>
-      </p:pic>
-      <p:pic>
-        <p:nvPicPr>
-          <p:cNvPr id="287" name="Picture 286"/>
-          <p:cNvPicPr>
-            <a:picLocks noChangeAspect="1"/>
-          </p:cNvPicPr>
-          <p:nvPr/>
-        </p:nvPicPr>
-        <p:blipFill>
-          <a:blip r:embed="rId14">
-            <a:lum bright="70000" contrast="-70000"/>
-            <a:extLst>
-              <a:ext uri="{28A0092B-C50C-407E-A947-70E740481C1C}">
-                <a14:useLocalDpi xmlns:a14="http://schemas.microsoft.com/office/drawing/2010/main" val="0"/>
-              </a:ext>
-            </a:extLst>
-          </a:blip>
-          <a:stretch>
-            <a:fillRect/>
-          </a:stretch>
-        </p:blipFill>
-        <p:spPr>
-          <a:xfrm>
-            <a:off x="10484143" y="1070428"/>
-            <a:ext cx="1219200" cy="1219200"/>
-          </a:xfrm>
-          <a:prstGeom prst="rect">
-            <a:avLst/>
-          </a:prstGeom>
-        </p:spPr>
-      </p:pic>
-      <p:pic>
-        <p:nvPicPr>
-          <p:cNvPr id="288" name="Picture 287"/>
-          <p:cNvPicPr>
-            <a:picLocks noChangeAspect="1"/>
-          </p:cNvPicPr>
-          <p:nvPr/>
-        </p:nvPicPr>
-        <p:blipFill>
-          <a:blip r:embed="rId15">
-            <a:lum bright="70000" contrast="-70000"/>
-            <a:extLst>
-              <a:ext uri="{28A0092B-C50C-407E-A947-70E740481C1C}">
-                <a14:useLocalDpi xmlns:a14="http://schemas.microsoft.com/office/drawing/2010/main" val="0"/>
-              </a:ext>
-            </a:extLst>
-          </a:blip>
-          <a:stretch>
-            <a:fillRect/>
-          </a:stretch>
-        </p:blipFill>
-        <p:spPr>
-          <a:xfrm>
-            <a:off x="2923629" y="2421599"/>
-            <a:ext cx="1219200" cy="1219200"/>
-          </a:xfrm>
-          <a:prstGeom prst="rect">
-            <a:avLst/>
-          </a:prstGeom>
-        </p:spPr>
-      </p:pic>
-      <p:pic>
-        <p:nvPicPr>
-          <p:cNvPr id="289" name="Picture 288"/>
-          <p:cNvPicPr>
-            <a:picLocks noChangeAspect="1"/>
-          </p:cNvPicPr>
-          <p:nvPr/>
-        </p:nvPicPr>
-        <p:blipFill>
-          <a:blip r:embed="rId16">
-            <a:lum bright="70000" contrast="-70000"/>
-            <a:extLst>
-              <a:ext uri="{28A0092B-C50C-407E-A947-70E740481C1C}">
-                <a14:useLocalDpi xmlns:a14="http://schemas.microsoft.com/office/drawing/2010/main" val="0"/>
-              </a:ext>
-            </a:extLst>
-          </a:blip>
-          <a:stretch>
-            <a:fillRect/>
-          </a:stretch>
-        </p:blipFill>
-        <p:spPr>
-          <a:xfrm>
-            <a:off x="4273229" y="2454485"/>
-            <a:ext cx="1219200" cy="1219200"/>
-          </a:xfrm>
-          <a:prstGeom prst="rect">
-            <a:avLst/>
-          </a:prstGeom>
-        </p:spPr>
-      </p:pic>
-      <p:pic>
-        <p:nvPicPr>
-          <p:cNvPr id="290" name="Picture 289"/>
-          <p:cNvPicPr>
-            <a:picLocks noChangeAspect="1"/>
-          </p:cNvPicPr>
-          <p:nvPr/>
-        </p:nvPicPr>
-        <p:blipFill>
-          <a:blip r:embed="rId17">
-            <a:lum bright="70000" contrast="-70000"/>
-            <a:extLst>
-              <a:ext uri="{28A0092B-C50C-407E-A947-70E740481C1C}">
-                <a14:useLocalDpi xmlns:a14="http://schemas.microsoft.com/office/drawing/2010/main" val="0"/>
-              </a:ext>
-            </a:extLst>
-          </a:blip>
-          <a:stretch>
-            <a:fillRect/>
-          </a:stretch>
-        </p:blipFill>
-        <p:spPr>
-          <a:xfrm>
-            <a:off x="1704429" y="2421599"/>
-            <a:ext cx="1219200" cy="1219200"/>
-          </a:xfrm>
-          <a:prstGeom prst="rect">
-            <a:avLst/>
-          </a:prstGeom>
-        </p:spPr>
-      </p:pic>
-      <p:pic>
-        <p:nvPicPr>
-          <p:cNvPr id="291" name="Picture 290"/>
-          <p:cNvPicPr>
-            <a:picLocks noChangeAspect="1"/>
-          </p:cNvPicPr>
-          <p:nvPr/>
-        </p:nvPicPr>
-        <p:blipFill>
-          <a:blip r:embed="rId18">
-            <a:lum bright="70000" contrast="-70000"/>
-            <a:extLst>
-              <a:ext uri="{28A0092B-C50C-407E-A947-70E740481C1C}">
-                <a14:useLocalDpi xmlns:a14="http://schemas.microsoft.com/office/drawing/2010/main" val="0"/>
-              </a:ext>
-            </a:extLst>
-          </a:blip>
-          <a:stretch>
-            <a:fillRect/>
-          </a:stretch>
-        </p:blipFill>
-        <p:spPr>
-          <a:xfrm>
-            <a:off x="6976800" y="2439628"/>
-            <a:ext cx="1219200" cy="1219200"/>
-          </a:xfrm>
-          <a:prstGeom prst="rect">
-            <a:avLst/>
-          </a:prstGeom>
-        </p:spPr>
-      </p:pic>
-      <p:pic>
-        <p:nvPicPr>
-          <p:cNvPr id="292" name="Picture 291"/>
-          <p:cNvPicPr>
-            <a:picLocks noChangeAspect="1"/>
-          </p:cNvPicPr>
-          <p:nvPr/>
-        </p:nvPicPr>
-        <p:blipFill>
-          <a:blip r:embed="rId19">
-            <a:lum bright="70000" contrast="-70000"/>
-            <a:extLst>
-              <a:ext uri="{28A0092B-C50C-407E-A947-70E740481C1C}">
-                <a14:useLocalDpi xmlns:a14="http://schemas.microsoft.com/office/drawing/2010/main" val="0"/>
-              </a:ext>
-            </a:extLst>
-          </a:blip>
-          <a:stretch>
-            <a:fillRect/>
-          </a:stretch>
-        </p:blipFill>
-        <p:spPr>
-          <a:xfrm>
-            <a:off x="5622829" y="2454485"/>
-            <a:ext cx="1219200" cy="1219200"/>
-          </a:xfrm>
-          <a:prstGeom prst="rect">
-            <a:avLst/>
-          </a:prstGeom>
-        </p:spPr>
-      </p:pic>
-      <p:pic>
-        <p:nvPicPr>
-          <p:cNvPr id="293" name="Picture 292"/>
-          <p:cNvPicPr>
-            <a:picLocks noChangeAspect="1"/>
-          </p:cNvPicPr>
-          <p:nvPr/>
-        </p:nvPicPr>
-        <p:blipFill>
-          <a:blip r:embed="rId20">
-            <a:lum bright="70000" contrast="-70000"/>
-            <a:extLst>
-              <a:ext uri="{28A0092B-C50C-407E-A947-70E740481C1C}">
-                <a14:useLocalDpi xmlns:a14="http://schemas.microsoft.com/office/drawing/2010/main" val="0"/>
-              </a:ext>
-            </a:extLst>
-          </a:blip>
-          <a:stretch>
-            <a:fillRect/>
-          </a:stretch>
-        </p:blipFill>
-        <p:spPr>
-          <a:xfrm>
-            <a:off x="8336400" y="2534314"/>
-            <a:ext cx="1219200" cy="1219200"/>
-          </a:xfrm>
-          <a:prstGeom prst="rect">
-            <a:avLst/>
-          </a:prstGeom>
-        </p:spPr>
-      </p:pic>
-      <p:pic>
-        <p:nvPicPr>
-          <p:cNvPr id="294" name="Picture 293"/>
-          <p:cNvPicPr>
-            <a:picLocks noChangeAspect="1"/>
-          </p:cNvPicPr>
-          <p:nvPr/>
-        </p:nvPicPr>
-        <p:blipFill>
-          <a:blip r:embed="rId21">
-            <a:lum bright="70000" contrast="-70000"/>
-            <a:extLst>
-              <a:ext uri="{28A0092B-C50C-407E-A947-70E740481C1C}">
-                <a14:useLocalDpi xmlns:a14="http://schemas.microsoft.com/office/drawing/2010/main" val="0"/>
-              </a:ext>
-            </a:extLst>
-          </a:blip>
-          <a:stretch>
-            <a:fillRect/>
-          </a:stretch>
-        </p:blipFill>
-        <p:spPr>
-          <a:xfrm>
-            <a:off x="1522829" y="3910656"/>
-            <a:ext cx="1219200" cy="1219200"/>
-          </a:xfrm>
-          <a:prstGeom prst="rect">
-            <a:avLst/>
-          </a:prstGeom>
-        </p:spPr>
-      </p:pic>
-      <p:pic>
-        <p:nvPicPr>
-          <p:cNvPr id="295" name="Picture 294"/>
-          <p:cNvPicPr>
-            <a:picLocks noChangeAspect="1"/>
-          </p:cNvPicPr>
-          <p:nvPr/>
-        </p:nvPicPr>
-        <p:blipFill>
-          <a:blip r:embed="rId22">
-            <a:lum bright="70000" contrast="-70000"/>
-            <a:extLst>
-              <a:ext uri="{28A0092B-C50C-407E-A947-70E740481C1C}">
-                <a14:useLocalDpi xmlns:a14="http://schemas.microsoft.com/office/drawing/2010/main" val="0"/>
-              </a:ext>
-            </a:extLst>
-          </a:blip>
-          <a:stretch>
-            <a:fillRect/>
-          </a:stretch>
-        </p:blipFill>
-        <p:spPr>
-          <a:xfrm>
-            <a:off x="303629" y="4021971"/>
-            <a:ext cx="1219200" cy="1219200"/>
-          </a:xfrm>
-          <a:prstGeom prst="rect">
-            <a:avLst/>
-          </a:prstGeom>
-        </p:spPr>
-      </p:pic>
-      <p:pic>
-        <p:nvPicPr>
-          <p:cNvPr id="296" name="Picture 295"/>
-          <p:cNvPicPr>
-            <a:picLocks noChangeAspect="1"/>
-          </p:cNvPicPr>
-          <p:nvPr/>
-        </p:nvPicPr>
-        <p:blipFill>
-          <a:blip r:embed="rId23">
-            <a:lum bright="70000" contrast="-70000"/>
-            <a:extLst>
-              <a:ext uri="{28A0092B-C50C-407E-A947-70E740481C1C}">
-                <a14:useLocalDpi xmlns:a14="http://schemas.microsoft.com/office/drawing/2010/main" val="0"/>
-              </a:ext>
-            </a:extLst>
-          </a:blip>
-          <a:stretch>
-            <a:fillRect/>
-          </a:stretch>
-        </p:blipFill>
-        <p:spPr>
-          <a:xfrm>
-            <a:off x="9762315" y="2534314"/>
-            <a:ext cx="1219200" cy="1219200"/>
-          </a:xfrm>
-          <a:prstGeom prst="rect">
-            <a:avLst/>
-          </a:prstGeom>
-        </p:spPr>
-      </p:pic>
-      <p:pic>
-        <p:nvPicPr>
-          <p:cNvPr id="297" name="Picture 296"/>
-          <p:cNvPicPr>
-            <a:picLocks noChangeAspect="1"/>
-          </p:cNvPicPr>
-          <p:nvPr/>
-        </p:nvPicPr>
-        <p:blipFill>
-          <a:blip r:embed="rId24">
-            <a:lum bright="70000" contrast="-70000"/>
-            <a:extLst>
-              <a:ext uri="{28A0092B-C50C-407E-A947-70E740481C1C}">
-                <a14:useLocalDpi xmlns:a14="http://schemas.microsoft.com/office/drawing/2010/main" val="0"/>
-              </a:ext>
-            </a:extLst>
-          </a:blip>
-          <a:stretch>
-            <a:fillRect/>
-          </a:stretch>
-        </p:blipFill>
-        <p:spPr>
-          <a:xfrm>
-            <a:off x="5998771" y="4004171"/>
-            <a:ext cx="1219200" cy="1219200"/>
-          </a:xfrm>
-          <a:prstGeom prst="rect">
-            <a:avLst/>
-          </a:prstGeom>
-        </p:spPr>
-      </p:pic>
-      <p:pic>
-        <p:nvPicPr>
-          <p:cNvPr id="298" name="Picture 297"/>
-          <p:cNvPicPr>
-            <a:picLocks noChangeAspect="1"/>
-          </p:cNvPicPr>
-          <p:nvPr/>
-        </p:nvPicPr>
-        <p:blipFill>
-          <a:blip r:embed="rId25">
-            <a:lum bright="70000" contrast="-70000"/>
-            <a:extLst>
-              <a:ext uri="{28A0092B-C50C-407E-A947-70E740481C1C}">
-                <a14:useLocalDpi xmlns:a14="http://schemas.microsoft.com/office/drawing/2010/main" val="0"/>
-              </a:ext>
-            </a:extLst>
-          </a:blip>
-          <a:stretch>
-            <a:fillRect/>
-          </a:stretch>
-        </p:blipFill>
-        <p:spPr>
-          <a:xfrm>
-            <a:off x="4526400" y="4021971"/>
-            <a:ext cx="1219200" cy="1219200"/>
-          </a:xfrm>
-          <a:prstGeom prst="rect">
-            <a:avLst/>
-          </a:prstGeom>
-        </p:spPr>
-      </p:pic>
-      <p:pic>
-        <p:nvPicPr>
-          <p:cNvPr id="299" name="Picture 298"/>
-          <p:cNvPicPr>
-            <a:picLocks noChangeAspect="1"/>
-          </p:cNvPicPr>
-          <p:nvPr/>
-        </p:nvPicPr>
-        <p:blipFill>
-          <a:blip r:embed="rId26">
-            <a:lum bright="70000" contrast="-70000"/>
-            <a:extLst>
-              <a:ext uri="{28A0092B-C50C-407E-A947-70E740481C1C}">
-                <a14:useLocalDpi xmlns:a14="http://schemas.microsoft.com/office/drawing/2010/main" val="0"/>
-              </a:ext>
-            </a:extLst>
-          </a:blip>
-          <a:stretch>
-            <a:fillRect/>
-          </a:stretch>
-        </p:blipFill>
-        <p:spPr>
-          <a:xfrm>
-            <a:off x="3054029" y="4021971"/>
-            <a:ext cx="1219200" cy="1219200"/>
-          </a:xfrm>
-          <a:prstGeom prst="rect">
-            <a:avLst/>
-          </a:prstGeom>
-        </p:spPr>
-      </p:pic>
-      <p:pic>
-        <p:nvPicPr>
-          <p:cNvPr id="300" name="Picture 299"/>
-          <p:cNvPicPr>
-            <a:picLocks noChangeAspect="1"/>
-          </p:cNvPicPr>
-          <p:nvPr/>
-        </p:nvPicPr>
-        <p:blipFill>
-          <a:blip r:embed="rId27">
-            <a:lum bright="70000" contrast="-70000"/>
-            <a:extLst>
-              <a:ext uri="{28A0092B-C50C-407E-A947-70E740481C1C}">
-                <a14:useLocalDpi xmlns:a14="http://schemas.microsoft.com/office/drawing/2010/main" val="0"/>
-              </a:ext>
-            </a:extLst>
-          </a:blip>
-          <a:stretch>
-            <a:fillRect/>
-          </a:stretch>
-        </p:blipFill>
-        <p:spPr>
-          <a:xfrm>
-            <a:off x="10221542" y="4145971"/>
-            <a:ext cx="1219200" cy="1219200"/>
-          </a:xfrm>
-          <a:prstGeom prst="rect">
-            <a:avLst/>
-          </a:prstGeom>
-        </p:spPr>
-      </p:pic>
-      <p:pic>
-        <p:nvPicPr>
-          <p:cNvPr id="301" name="Picture 300"/>
-          <p:cNvPicPr>
-            <a:picLocks noChangeAspect="1"/>
-          </p:cNvPicPr>
-          <p:nvPr/>
-        </p:nvPicPr>
-        <p:blipFill>
-          <a:blip r:embed="rId28">
-            <a:lum bright="70000" contrast="-70000"/>
-            <a:extLst>
-              <a:ext uri="{28A0092B-C50C-407E-A947-70E740481C1C}">
-                <a14:useLocalDpi xmlns:a14="http://schemas.microsoft.com/office/drawing/2010/main" val="0"/>
-              </a:ext>
-            </a:extLst>
-          </a:blip>
-          <a:stretch>
-            <a:fillRect/>
-          </a:stretch>
-        </p:blipFill>
-        <p:spPr>
-          <a:xfrm>
-            <a:off x="8858971" y="4120114"/>
-            <a:ext cx="1219200" cy="1219200"/>
-          </a:xfrm>
-          <a:prstGeom prst="rect">
-            <a:avLst/>
-          </a:prstGeom>
-        </p:spPr>
-      </p:pic>
-      <p:pic>
-        <p:nvPicPr>
-          <p:cNvPr id="302" name="Picture 301"/>
-          <p:cNvPicPr>
-            <a:picLocks noChangeAspect="1"/>
-          </p:cNvPicPr>
-          <p:nvPr/>
-        </p:nvPicPr>
-        <p:blipFill>
-          <a:blip r:embed="rId29">
-            <a:lum bright="70000" contrast="-70000"/>
-            <a:extLst>
-              <a:ext uri="{28A0092B-C50C-407E-A947-70E740481C1C}">
-                <a14:useLocalDpi xmlns:a14="http://schemas.microsoft.com/office/drawing/2010/main" val="0"/>
-              </a:ext>
-            </a:extLst>
-          </a:blip>
-          <a:stretch>
-            <a:fillRect/>
-          </a:stretch>
-        </p:blipFill>
-        <p:spPr>
-          <a:xfrm>
-            <a:off x="7471142" y="4120114"/>
-            <a:ext cx="1219200" cy="1219200"/>
-          </a:xfrm>
-          <a:prstGeom prst="rect">
-            <a:avLst/>
-          </a:prstGeom>
-        </p:spPr>
-      </p:pic>
+      <p:sp>
+        <p:nvSpPr>
+          <p:cNvPr id="7" name="Text Placeholder 6"/>
+          <p:cNvSpPr>
+            <a:spLocks noGrp="1"/>
+          </p:cNvSpPr>
+          <p:nvPr>
+            <p:ph type="body" idx="1"/>
+          </p:nvPr>
+        </p:nvSpPr>
+        <p:spPr/>
+        <p:txBody>
+          <a:bodyPr/>
+          <a:lstStyle/>
+          <a:p>
+            <a:r>
+              <a:rPr lang="en-US" dirty="0"/>
+              <a:t>Demo Title</a:t>
+            </a:r>
+          </a:p>
+        </p:txBody>
+      </p:sp>
     </p:spTree>
     <p:extLst>
       <p:ext uri="{BB962C8B-B14F-4D97-AF65-F5344CB8AC3E}">
-        <p14:creationId xmlns:p14="http://schemas.microsoft.com/office/powerpoint/2010/main" val="2451305448"/>
+        <p14:creationId xmlns:p14="http://schemas.microsoft.com/office/powerpoint/2010/main" val="720356831"/>
       </p:ext>
     </p:extLst>
   </p:cSld>
@@ -11234,7 +10485,7 @@
       </p:grpSpPr>
       <p:pic>
         <p:nvPicPr>
-          <p:cNvPr id="2" name="Picture 1"/>
+          <p:cNvPr id="11" name="Picture 10"/>
           <p:cNvPicPr>
             <a:picLocks noChangeAspect="1"/>
           </p:cNvPicPr>
@@ -11242,30 +10493,29 @@
         </p:nvPicPr>
         <p:blipFill>
           <a:blip r:embed="rId2">
-            <a:lum bright="70000" contrast="-70000"/>
-            <a:extLst>
-              <a:ext uri="{28A0092B-C50C-407E-A947-70E740481C1C}">
-                <a14:useLocalDpi xmlns:a14="http://schemas.microsoft.com/office/drawing/2010/main" val="0"/>
-              </a:ext>
-            </a:extLst>
-          </a:blip>
-          <a:stretch>
-            <a:fillRect/>
-          </a:stretch>
-        </p:blipFill>
-        <p:spPr>
-          <a:xfrm>
-            <a:off x="322686" y="250829"/>
-            <a:ext cx="1219200" cy="1219200"/>
-          </a:xfrm>
-          <a:prstGeom prst="rect">
-            <a:avLst/>
-          </a:prstGeom>
-        </p:spPr>
-      </p:pic>
-      <p:pic>
-        <p:nvPicPr>
-          <p:cNvPr id="3" name="Picture 2"/>
+            <a:extLst>
+              <a:ext uri="{28A0092B-C50C-407E-A947-70E740481C1C}">
+                <a14:useLocalDpi xmlns:a14="http://schemas.microsoft.com/office/drawing/2010/main" val="0"/>
+              </a:ext>
+            </a:extLst>
+          </a:blip>
+          <a:stretch>
+            <a:fillRect/>
+          </a:stretch>
+        </p:blipFill>
+        <p:spPr>
+          <a:xfrm>
+            <a:off x="2207458" y="453313"/>
+            <a:ext cx="457200" cy="457200"/>
+          </a:xfrm>
+          <a:prstGeom prst="rect">
+            <a:avLst/>
+          </a:prstGeom>
+        </p:spPr>
+      </p:pic>
+      <p:pic>
+        <p:nvPicPr>
+          <p:cNvPr id="12" name="Picture 11"/>
           <p:cNvPicPr>
             <a:picLocks noChangeAspect="1"/>
           </p:cNvPicPr>
@@ -11273,30 +10523,29 @@
         </p:nvPicPr>
         <p:blipFill>
           <a:blip r:embed="rId3">
-            <a:lum bright="70000" contrast="-70000"/>
-            <a:extLst>
-              <a:ext uri="{28A0092B-C50C-407E-A947-70E740481C1C}">
-                <a14:useLocalDpi xmlns:a14="http://schemas.microsoft.com/office/drawing/2010/main" val="0"/>
-              </a:ext>
-            </a:extLst>
-          </a:blip>
-          <a:stretch>
-            <a:fillRect/>
-          </a:stretch>
-        </p:blipFill>
-        <p:spPr>
-          <a:xfrm>
-            <a:off x="1841371" y="306486"/>
-            <a:ext cx="1219200" cy="1219200"/>
-          </a:xfrm>
-          <a:prstGeom prst="rect">
-            <a:avLst/>
-          </a:prstGeom>
-        </p:spPr>
-      </p:pic>
-      <p:pic>
-        <p:nvPicPr>
-          <p:cNvPr id="4" name="Picture 3"/>
+            <a:extLst>
+              <a:ext uri="{28A0092B-C50C-407E-A947-70E740481C1C}">
+                <a14:useLocalDpi xmlns:a14="http://schemas.microsoft.com/office/drawing/2010/main" val="0"/>
+              </a:ext>
+            </a:extLst>
+          </a:blip>
+          <a:stretch>
+            <a:fillRect/>
+          </a:stretch>
+        </p:blipFill>
+        <p:spPr>
+          <a:xfrm>
+            <a:off x="1294229" y="453399"/>
+            <a:ext cx="457200" cy="457200"/>
+          </a:xfrm>
+          <a:prstGeom prst="rect">
+            <a:avLst/>
+          </a:prstGeom>
+        </p:spPr>
+      </p:pic>
+      <p:pic>
+        <p:nvPicPr>
+          <p:cNvPr id="13" name="Picture 12"/>
           <p:cNvPicPr>
             <a:picLocks noChangeAspect="1"/>
           </p:cNvPicPr>
@@ -11304,30 +10553,29 @@
         </p:nvPicPr>
         <p:blipFill>
           <a:blip r:embed="rId4">
-            <a:lum bright="70000" contrast="-70000"/>
-            <a:extLst>
-              <a:ext uri="{28A0092B-C50C-407E-A947-70E740481C1C}">
-                <a14:useLocalDpi xmlns:a14="http://schemas.microsoft.com/office/drawing/2010/main" val="0"/>
-              </a:ext>
-            </a:extLst>
-          </a:blip>
-          <a:stretch>
-            <a:fillRect/>
-          </a:stretch>
-        </p:blipFill>
-        <p:spPr>
-          <a:xfrm>
-            <a:off x="3360056" y="250829"/>
-            <a:ext cx="1219200" cy="1219200"/>
-          </a:xfrm>
-          <a:prstGeom prst="rect">
-            <a:avLst/>
-          </a:prstGeom>
-        </p:spPr>
-      </p:pic>
-      <p:pic>
-        <p:nvPicPr>
-          <p:cNvPr id="5" name="Picture 4"/>
+            <a:extLst>
+              <a:ext uri="{28A0092B-C50C-407E-A947-70E740481C1C}">
+                <a14:useLocalDpi xmlns:a14="http://schemas.microsoft.com/office/drawing/2010/main" val="0"/>
+              </a:ext>
+            </a:extLst>
+          </a:blip>
+          <a:stretch>
+            <a:fillRect/>
+          </a:stretch>
+        </p:blipFill>
+        <p:spPr>
+          <a:xfrm>
+            <a:off x="381000" y="453399"/>
+            <a:ext cx="457200" cy="457200"/>
+          </a:xfrm>
+          <a:prstGeom prst="rect">
+            <a:avLst/>
+          </a:prstGeom>
+        </p:spPr>
+      </p:pic>
+      <p:pic>
+        <p:nvPicPr>
+          <p:cNvPr id="15" name="Picture 14"/>
           <p:cNvPicPr>
             <a:picLocks noChangeAspect="1"/>
           </p:cNvPicPr>
@@ -11348,17 +10596,17 @@
         </p:blipFill>
         <p:spPr>
           <a:xfrm>
-            <a:off x="4878741" y="249715"/>
-            <a:ext cx="1219200" cy="1219200"/>
-          </a:xfrm>
-          <a:prstGeom prst="rect">
-            <a:avLst/>
-          </a:prstGeom>
-        </p:spPr>
-      </p:pic>
-      <p:pic>
-        <p:nvPicPr>
-          <p:cNvPr id="6" name="Picture 5"/>
+            <a:off x="303629" y="1070428"/>
+            <a:ext cx="1219200" cy="1219200"/>
+          </a:xfrm>
+          <a:prstGeom prst="rect">
+            <a:avLst/>
+          </a:prstGeom>
+        </p:spPr>
+      </p:pic>
+      <p:pic>
+        <p:nvPicPr>
+          <p:cNvPr id="279" name="Picture 278"/>
           <p:cNvPicPr>
             <a:picLocks noChangeAspect="1"/>
           </p:cNvPicPr>
@@ -11379,17 +10627,17 @@
         </p:blipFill>
         <p:spPr>
           <a:xfrm>
-            <a:off x="7736400" y="249715"/>
-            <a:ext cx="1219200" cy="1219200"/>
-          </a:xfrm>
-          <a:prstGeom prst="rect">
-            <a:avLst/>
-          </a:prstGeom>
-        </p:spPr>
-      </p:pic>
-      <p:pic>
-        <p:nvPicPr>
-          <p:cNvPr id="7" name="Picture 6"/>
+            <a:off x="2950029" y="1070428"/>
+            <a:ext cx="1219200" cy="1219200"/>
+          </a:xfrm>
+          <a:prstGeom prst="rect">
+            <a:avLst/>
+          </a:prstGeom>
+        </p:spPr>
+      </p:pic>
+      <p:pic>
+        <p:nvPicPr>
+          <p:cNvPr id="280" name="Picture 279"/>
           <p:cNvPicPr>
             <a:picLocks noChangeAspect="1"/>
           </p:cNvPicPr>
@@ -11410,17 +10658,17 @@
         </p:blipFill>
         <p:spPr>
           <a:xfrm>
-            <a:off x="6396057" y="249715"/>
-            <a:ext cx="1219200" cy="1219200"/>
-          </a:xfrm>
-          <a:prstGeom prst="rect">
-            <a:avLst/>
-          </a:prstGeom>
-        </p:spPr>
-      </p:pic>
-      <p:pic>
-        <p:nvPicPr>
-          <p:cNvPr id="8" name="Picture 7"/>
+            <a:off x="1626829" y="1070428"/>
+            <a:ext cx="1219200" cy="1219200"/>
+          </a:xfrm>
+          <a:prstGeom prst="rect">
+            <a:avLst/>
+          </a:prstGeom>
+        </p:spPr>
+      </p:pic>
+      <p:pic>
+        <p:nvPicPr>
+          <p:cNvPr id="281" name="Picture 280"/>
           <p:cNvPicPr>
             <a:picLocks noChangeAspect="1"/>
           </p:cNvPicPr>
@@ -11441,17 +10689,17 @@
         </p:blipFill>
         <p:spPr>
           <a:xfrm>
-            <a:off x="322686" y="1525686"/>
-            <a:ext cx="1219200" cy="1219200"/>
-          </a:xfrm>
-          <a:prstGeom prst="rect">
-            <a:avLst/>
-          </a:prstGeom>
-        </p:spPr>
-      </p:pic>
-      <p:pic>
-        <p:nvPicPr>
-          <p:cNvPr id="9" name="Picture 8"/>
+            <a:off x="5596429" y="1107999"/>
+            <a:ext cx="1219200" cy="1219200"/>
+          </a:xfrm>
+          <a:prstGeom prst="rect">
+            <a:avLst/>
+          </a:prstGeom>
+        </p:spPr>
+      </p:pic>
+      <p:pic>
+        <p:nvPicPr>
+          <p:cNvPr id="282" name="Picture 281"/>
           <p:cNvPicPr>
             <a:picLocks noChangeAspect="1"/>
           </p:cNvPicPr>
@@ -11472,17 +10720,17 @@
         </p:blipFill>
         <p:spPr>
           <a:xfrm>
-            <a:off x="9120229" y="275315"/>
-            <a:ext cx="1219200" cy="1219200"/>
-          </a:xfrm>
-          <a:prstGeom prst="rect">
-            <a:avLst/>
-          </a:prstGeom>
-        </p:spPr>
-      </p:pic>
-      <p:pic>
-        <p:nvPicPr>
-          <p:cNvPr id="10" name="Picture 9"/>
+            <a:off x="4273229" y="1070428"/>
+            <a:ext cx="1219200" cy="1219200"/>
+          </a:xfrm>
+          <a:prstGeom prst="rect">
+            <a:avLst/>
+          </a:prstGeom>
+        </p:spPr>
+      </p:pic>
+      <p:pic>
+        <p:nvPicPr>
+          <p:cNvPr id="283" name="Picture 282"/>
           <p:cNvPicPr>
             <a:picLocks noChangeAspect="1"/>
           </p:cNvPicPr>
@@ -11503,17 +10751,17 @@
         </p:blipFill>
         <p:spPr>
           <a:xfrm>
-            <a:off x="10460572" y="306486"/>
-            <a:ext cx="1219200" cy="1219200"/>
-          </a:xfrm>
-          <a:prstGeom prst="rect">
-            <a:avLst/>
-          </a:prstGeom>
-        </p:spPr>
-      </p:pic>
-      <p:pic>
-        <p:nvPicPr>
-          <p:cNvPr id="11" name="Picture 10"/>
+            <a:off x="6919629" y="1107999"/>
+            <a:ext cx="1219200" cy="1219200"/>
+          </a:xfrm>
+          <a:prstGeom prst="rect">
+            <a:avLst/>
+          </a:prstGeom>
+        </p:spPr>
+      </p:pic>
+      <p:pic>
+        <p:nvPicPr>
+          <p:cNvPr id="284" name="Picture 283"/>
           <p:cNvPicPr>
             <a:picLocks noChangeAspect="1"/>
           </p:cNvPicPr>
@@ -11534,17 +10782,17 @@
         </p:blipFill>
         <p:spPr>
           <a:xfrm>
-            <a:off x="3179485" y="1494515"/>
-            <a:ext cx="1219200" cy="1219200"/>
-          </a:xfrm>
-          <a:prstGeom prst="rect">
-            <a:avLst/>
-          </a:prstGeom>
-        </p:spPr>
-      </p:pic>
-      <p:pic>
-        <p:nvPicPr>
-          <p:cNvPr id="12" name="Picture 11"/>
+            <a:off x="9105600" y="1070428"/>
+            <a:ext cx="1219200" cy="1219200"/>
+          </a:xfrm>
+          <a:prstGeom prst="rect">
+            <a:avLst/>
+          </a:prstGeom>
+        </p:spPr>
+      </p:pic>
+      <p:pic>
+        <p:nvPicPr>
+          <p:cNvPr id="285" name="Picture 284"/>
           <p:cNvPicPr>
             <a:picLocks noChangeAspect="1"/>
           </p:cNvPicPr>
@@ -11565,17 +10813,17 @@
         </p:blipFill>
         <p:spPr>
           <a:xfrm>
-            <a:off x="1841371" y="1525686"/>
-            <a:ext cx="1219200" cy="1219200"/>
-          </a:xfrm>
-          <a:prstGeom prst="rect">
-            <a:avLst/>
-          </a:prstGeom>
-        </p:spPr>
-      </p:pic>
-      <p:pic>
-        <p:nvPicPr>
-          <p:cNvPr id="13" name="Picture 12"/>
+            <a:off x="7988286" y="1070428"/>
+            <a:ext cx="1219200" cy="1219200"/>
+          </a:xfrm>
+          <a:prstGeom prst="rect">
+            <a:avLst/>
+          </a:prstGeom>
+        </p:spPr>
+      </p:pic>
+      <p:pic>
+        <p:nvPicPr>
+          <p:cNvPr id="286" name="Picture 285"/>
           <p:cNvPicPr>
             <a:picLocks noChangeAspect="1"/>
           </p:cNvPicPr>
@@ -11596,17 +10844,17 @@
         </p:blipFill>
         <p:spPr>
           <a:xfrm>
-            <a:off x="4728943" y="1468915"/>
-            <a:ext cx="1219200" cy="1219200"/>
-          </a:xfrm>
-          <a:prstGeom prst="rect">
-            <a:avLst/>
-          </a:prstGeom>
-        </p:spPr>
-      </p:pic>
-      <p:pic>
-        <p:nvPicPr>
-          <p:cNvPr id="14" name="Picture 13"/>
+            <a:off x="303629" y="2185742"/>
+            <a:ext cx="1219200" cy="1219200"/>
+          </a:xfrm>
+          <a:prstGeom prst="rect">
+            <a:avLst/>
+          </a:prstGeom>
+        </p:spPr>
+      </p:pic>
+      <p:pic>
+        <p:nvPicPr>
+          <p:cNvPr id="287" name="Picture 286"/>
           <p:cNvPicPr>
             <a:picLocks noChangeAspect="1"/>
           </p:cNvPicPr>
@@ -11627,17 +10875,17 @@
         </p:blipFill>
         <p:spPr>
           <a:xfrm>
-            <a:off x="7809086" y="1525686"/>
-            <a:ext cx="1219200" cy="1219200"/>
-          </a:xfrm>
-          <a:prstGeom prst="rect">
-            <a:avLst/>
-          </a:prstGeom>
-        </p:spPr>
-      </p:pic>
-      <p:pic>
-        <p:nvPicPr>
-          <p:cNvPr id="15" name="Picture 14"/>
+            <a:off x="10484143" y="1070428"/>
+            <a:ext cx="1219200" cy="1219200"/>
+          </a:xfrm>
+          <a:prstGeom prst="rect">
+            <a:avLst/>
+          </a:prstGeom>
+        </p:spPr>
+      </p:pic>
+      <p:pic>
+        <p:nvPicPr>
+          <p:cNvPr id="288" name="Picture 287"/>
           <p:cNvPicPr>
             <a:picLocks noChangeAspect="1"/>
           </p:cNvPicPr>
@@ -11658,17 +10906,17 @@
         </p:blipFill>
         <p:spPr>
           <a:xfrm>
-            <a:off x="6376800" y="1525686"/>
-            <a:ext cx="1219200" cy="1219200"/>
-          </a:xfrm>
-          <a:prstGeom prst="rect">
-            <a:avLst/>
-          </a:prstGeom>
-        </p:spPr>
-      </p:pic>
-      <p:pic>
-        <p:nvPicPr>
-          <p:cNvPr id="16" name="Picture 15"/>
+            <a:off x="2923629" y="2421599"/>
+            <a:ext cx="1219200" cy="1219200"/>
+          </a:xfrm>
+          <a:prstGeom prst="rect">
+            <a:avLst/>
+          </a:prstGeom>
+        </p:spPr>
+      </p:pic>
+      <p:pic>
+        <p:nvPicPr>
+          <p:cNvPr id="289" name="Picture 288"/>
           <p:cNvPicPr>
             <a:picLocks noChangeAspect="1"/>
           </p:cNvPicPr>
@@ -11689,17 +10937,17 @@
         </p:blipFill>
         <p:spPr>
           <a:xfrm>
-            <a:off x="9237900" y="1525686"/>
-            <a:ext cx="1219200" cy="1219200"/>
-          </a:xfrm>
-          <a:prstGeom prst="rect">
-            <a:avLst/>
-          </a:prstGeom>
-        </p:spPr>
-      </p:pic>
-      <p:pic>
-        <p:nvPicPr>
-          <p:cNvPr id="17" name="Picture 16"/>
+            <a:off x="4273229" y="2454485"/>
+            <a:ext cx="1219200" cy="1219200"/>
+          </a:xfrm>
+          <a:prstGeom prst="rect">
+            <a:avLst/>
+          </a:prstGeom>
+        </p:spPr>
+      </p:pic>
+      <p:pic>
+        <p:nvPicPr>
+          <p:cNvPr id="290" name="Picture 289"/>
           <p:cNvPicPr>
             <a:picLocks noChangeAspect="1"/>
           </p:cNvPicPr>
@@ -11720,17 +10968,17 @@
         </p:blipFill>
         <p:spPr>
           <a:xfrm>
-            <a:off x="10404571" y="1519943"/>
-            <a:ext cx="1219200" cy="1219200"/>
-          </a:xfrm>
-          <a:prstGeom prst="rect">
-            <a:avLst/>
-          </a:prstGeom>
-        </p:spPr>
-      </p:pic>
-      <p:pic>
-        <p:nvPicPr>
-          <p:cNvPr id="18" name="Picture 17"/>
+            <a:off x="1704429" y="2421599"/>
+            <a:ext cx="1219200" cy="1219200"/>
+          </a:xfrm>
+          <a:prstGeom prst="rect">
+            <a:avLst/>
+          </a:prstGeom>
+        </p:spPr>
+      </p:pic>
+      <p:pic>
+        <p:nvPicPr>
+          <p:cNvPr id="291" name="Picture 290"/>
           <p:cNvPicPr>
             <a:picLocks noChangeAspect="1"/>
           </p:cNvPicPr>
@@ -11751,17 +10999,17 @@
         </p:blipFill>
         <p:spPr>
           <a:xfrm>
-            <a:off x="1841371" y="3030143"/>
-            <a:ext cx="1219200" cy="1219200"/>
-          </a:xfrm>
-          <a:prstGeom prst="rect">
-            <a:avLst/>
-          </a:prstGeom>
-        </p:spPr>
-      </p:pic>
-      <p:pic>
-        <p:nvPicPr>
-          <p:cNvPr id="19" name="Picture 18"/>
+            <a:off x="6976800" y="2439628"/>
+            <a:ext cx="1219200" cy="1219200"/>
+          </a:xfrm>
+          <a:prstGeom prst="rect">
+            <a:avLst/>
+          </a:prstGeom>
+        </p:spPr>
+      </p:pic>
+      <p:pic>
+        <p:nvPicPr>
+          <p:cNvPr id="292" name="Picture 291"/>
           <p:cNvPicPr>
             <a:picLocks noChangeAspect="1"/>
           </p:cNvPicPr>
@@ -11782,17 +11030,17 @@
         </p:blipFill>
         <p:spPr>
           <a:xfrm>
-            <a:off x="322686" y="3030143"/>
-            <a:ext cx="1219200" cy="1219200"/>
-          </a:xfrm>
-          <a:prstGeom prst="rect">
-            <a:avLst/>
-          </a:prstGeom>
-        </p:spPr>
-      </p:pic>
-      <p:pic>
-        <p:nvPicPr>
-          <p:cNvPr id="20" name="Picture 19"/>
+            <a:off x="5622829" y="2454485"/>
+            <a:ext cx="1219200" cy="1219200"/>
+          </a:xfrm>
+          <a:prstGeom prst="rect">
+            <a:avLst/>
+          </a:prstGeom>
+        </p:spPr>
+      </p:pic>
+      <p:pic>
+        <p:nvPicPr>
+          <p:cNvPr id="293" name="Picture 292"/>
           <p:cNvPicPr>
             <a:picLocks noChangeAspect="1"/>
           </p:cNvPicPr>
@@ -11813,17 +11061,17 @@
         </p:blipFill>
         <p:spPr>
           <a:xfrm>
-            <a:off x="4728943" y="3030143"/>
-            <a:ext cx="1219200" cy="1219200"/>
-          </a:xfrm>
-          <a:prstGeom prst="rect">
-            <a:avLst/>
-          </a:prstGeom>
-        </p:spPr>
-      </p:pic>
-      <p:pic>
-        <p:nvPicPr>
-          <p:cNvPr id="21" name="Picture 20"/>
+            <a:off x="8336400" y="2534314"/>
+            <a:ext cx="1219200" cy="1219200"/>
+          </a:xfrm>
+          <a:prstGeom prst="rect">
+            <a:avLst/>
+          </a:prstGeom>
+        </p:spPr>
+      </p:pic>
+      <p:pic>
+        <p:nvPicPr>
+          <p:cNvPr id="294" name="Picture 293"/>
           <p:cNvPicPr>
             <a:picLocks noChangeAspect="1"/>
           </p:cNvPicPr>
@@ -11844,17 +11092,17 @@
         </p:blipFill>
         <p:spPr>
           <a:xfrm>
-            <a:off x="3338570" y="3030143"/>
-            <a:ext cx="1219200" cy="1219200"/>
-          </a:xfrm>
-          <a:prstGeom prst="rect">
-            <a:avLst/>
-          </a:prstGeom>
-        </p:spPr>
-      </p:pic>
-      <p:pic>
-        <p:nvPicPr>
-          <p:cNvPr id="22" name="Picture 21"/>
+            <a:off x="1522829" y="3910656"/>
+            <a:ext cx="1219200" cy="1219200"/>
+          </a:xfrm>
+          <a:prstGeom prst="rect">
+            <a:avLst/>
+          </a:prstGeom>
+        </p:spPr>
+      </p:pic>
+      <p:pic>
+        <p:nvPicPr>
+          <p:cNvPr id="295" name="Picture 294"/>
           <p:cNvPicPr>
             <a:picLocks noChangeAspect="1"/>
           </p:cNvPicPr>
@@ -11875,17 +11123,17 @@
         </p:blipFill>
         <p:spPr>
           <a:xfrm>
-            <a:off x="1835343" y="4534600"/>
-            <a:ext cx="1219200" cy="1219200"/>
-          </a:xfrm>
-          <a:prstGeom prst="rect">
-            <a:avLst/>
-          </a:prstGeom>
-        </p:spPr>
-      </p:pic>
-      <p:pic>
-        <p:nvPicPr>
-          <p:cNvPr id="23" name="Picture 22"/>
+            <a:off x="303629" y="4021971"/>
+            <a:ext cx="1219200" cy="1219200"/>
+          </a:xfrm>
+          <a:prstGeom prst="rect">
+            <a:avLst/>
+          </a:prstGeom>
+        </p:spPr>
+      </p:pic>
+      <p:pic>
+        <p:nvPicPr>
+          <p:cNvPr id="296" name="Picture 295"/>
           <p:cNvPicPr>
             <a:picLocks noChangeAspect="1"/>
           </p:cNvPicPr>
@@ -11906,17 +11154,17 @@
         </p:blipFill>
         <p:spPr>
           <a:xfrm>
-            <a:off x="322686" y="4534600"/>
-            <a:ext cx="1219200" cy="1219200"/>
-          </a:xfrm>
-          <a:prstGeom prst="rect">
-            <a:avLst/>
-          </a:prstGeom>
-        </p:spPr>
-      </p:pic>
-      <p:pic>
-        <p:nvPicPr>
-          <p:cNvPr id="24" name="Picture 23"/>
+            <a:off x="9762315" y="2534314"/>
+            <a:ext cx="1219200" cy="1219200"/>
+          </a:xfrm>
+          <a:prstGeom prst="rect">
+            <a:avLst/>
+          </a:prstGeom>
+        </p:spPr>
+      </p:pic>
+      <p:pic>
+        <p:nvPicPr>
+          <p:cNvPr id="297" name="Picture 296"/>
           <p:cNvPicPr>
             <a:picLocks noChangeAspect="1"/>
           </p:cNvPicPr>
@@ -11937,17 +11185,17 @@
         </p:blipFill>
         <p:spPr>
           <a:xfrm>
-            <a:off x="6376800" y="3162943"/>
-            <a:ext cx="1219200" cy="1219200"/>
-          </a:xfrm>
-          <a:prstGeom prst="rect">
-            <a:avLst/>
-          </a:prstGeom>
-        </p:spPr>
-      </p:pic>
-      <p:pic>
-        <p:nvPicPr>
-          <p:cNvPr id="25" name="Picture 24"/>
+            <a:off x="5998771" y="4004171"/>
+            <a:ext cx="1219200" cy="1219200"/>
+          </a:xfrm>
+          <a:prstGeom prst="rect">
+            <a:avLst/>
+          </a:prstGeom>
+        </p:spPr>
+      </p:pic>
+      <p:pic>
+        <p:nvPicPr>
+          <p:cNvPr id="298" name="Picture 297"/>
           <p:cNvPicPr>
             <a:picLocks noChangeAspect="1"/>
           </p:cNvPicPr>
@@ -11968,17 +11216,17 @@
         </p:blipFill>
         <p:spPr>
           <a:xfrm>
-            <a:off x="10404571" y="3109800"/>
-            <a:ext cx="1219200" cy="1219200"/>
-          </a:xfrm>
-          <a:prstGeom prst="rect">
-            <a:avLst/>
-          </a:prstGeom>
-        </p:spPr>
-      </p:pic>
-      <p:pic>
-        <p:nvPicPr>
-          <p:cNvPr id="26" name="Picture 25"/>
+            <a:off x="4526400" y="4021971"/>
+            <a:ext cx="1219200" cy="1219200"/>
+          </a:xfrm>
+          <a:prstGeom prst="rect">
+            <a:avLst/>
+          </a:prstGeom>
+        </p:spPr>
+      </p:pic>
+      <p:pic>
+        <p:nvPicPr>
+          <p:cNvPr id="299" name="Picture 298"/>
           <p:cNvPicPr>
             <a:picLocks noChangeAspect="1"/>
           </p:cNvPicPr>
@@ -11999,17 +11247,17 @@
         </p:blipFill>
         <p:spPr>
           <a:xfrm>
-            <a:off x="3338570" y="4534600"/>
-            <a:ext cx="1219200" cy="1219200"/>
-          </a:xfrm>
-          <a:prstGeom prst="rect">
-            <a:avLst/>
-          </a:prstGeom>
-        </p:spPr>
-      </p:pic>
-      <p:pic>
-        <p:nvPicPr>
-          <p:cNvPr id="27" name="Picture 26"/>
+            <a:off x="3054029" y="4021971"/>
+            <a:ext cx="1219200" cy="1219200"/>
+          </a:xfrm>
+          <a:prstGeom prst="rect">
+            <a:avLst/>
+          </a:prstGeom>
+        </p:spPr>
+      </p:pic>
+      <p:pic>
+        <p:nvPicPr>
+          <p:cNvPr id="300" name="Picture 299"/>
           <p:cNvPicPr>
             <a:picLocks noChangeAspect="1"/>
           </p:cNvPicPr>
@@ -12030,17 +11278,17 @@
         </p:blipFill>
         <p:spPr>
           <a:xfrm>
-            <a:off x="4831171" y="4560286"/>
-            <a:ext cx="1219200" cy="1219200"/>
-          </a:xfrm>
-          <a:prstGeom prst="rect">
-            <a:avLst/>
-          </a:prstGeom>
-        </p:spPr>
-      </p:pic>
-      <p:pic>
-        <p:nvPicPr>
-          <p:cNvPr id="28" name="Picture 27"/>
+            <a:off x="10221542" y="4145971"/>
+            <a:ext cx="1219200" cy="1219200"/>
+          </a:xfrm>
+          <a:prstGeom prst="rect">
+            <a:avLst/>
+          </a:prstGeom>
+        </p:spPr>
+      </p:pic>
+      <p:pic>
+        <p:nvPicPr>
+          <p:cNvPr id="301" name="Picture 300"/>
           <p:cNvPicPr>
             <a:picLocks noChangeAspect="1"/>
           </p:cNvPicPr>
@@ -12061,17 +11309,17 @@
         </p:blipFill>
         <p:spPr>
           <a:xfrm>
-            <a:off x="9028286" y="4560286"/>
-            <a:ext cx="1219200" cy="1219200"/>
-          </a:xfrm>
-          <a:prstGeom prst="rect">
-            <a:avLst/>
-          </a:prstGeom>
-        </p:spPr>
-      </p:pic>
-      <p:pic>
-        <p:nvPicPr>
-          <p:cNvPr id="29" name="Picture 28"/>
+            <a:off x="8858971" y="4120114"/>
+            <a:ext cx="1219200" cy="1219200"/>
+          </a:xfrm>
+          <a:prstGeom prst="rect">
+            <a:avLst/>
+          </a:prstGeom>
+        </p:spPr>
+      </p:pic>
+      <p:pic>
+        <p:nvPicPr>
+          <p:cNvPr id="302" name="Picture 301"/>
           <p:cNvPicPr>
             <a:picLocks noChangeAspect="1"/>
           </p:cNvPicPr>
@@ -12092,38 +11340,7 @@
         </p:blipFill>
         <p:spPr>
           <a:xfrm>
-            <a:off x="8955600" y="3315400"/>
-            <a:ext cx="1219200" cy="1219200"/>
-          </a:xfrm>
-          <a:prstGeom prst="rect">
-            <a:avLst/>
-          </a:prstGeom>
-        </p:spPr>
-      </p:pic>
-      <p:pic>
-        <p:nvPicPr>
-          <p:cNvPr id="30" name="Picture 29"/>
-          <p:cNvPicPr>
-            <a:picLocks noChangeAspect="1"/>
-          </p:cNvPicPr>
-          <p:nvPr/>
-        </p:nvPicPr>
-        <p:blipFill>
-          <a:blip r:embed="rId30">
-            <a:lum bright="70000" contrast="-70000"/>
-            <a:extLst>
-              <a:ext uri="{28A0092B-C50C-407E-A947-70E740481C1C}">
-                <a14:useLocalDpi xmlns:a14="http://schemas.microsoft.com/office/drawing/2010/main" val="0"/>
-              </a:ext>
-            </a:extLst>
-          </a:blip>
-          <a:stretch>
-            <a:fillRect/>
-          </a:stretch>
-        </p:blipFill>
-        <p:spPr>
-          <a:xfrm>
-            <a:off x="10457100" y="4534600"/>
+            <a:off x="7471142" y="4120114"/>
             <a:ext cx="1219200" cy="1219200"/>
           </a:xfrm>
           <a:prstGeom prst="rect">
@@ -12134,7 +11351,7 @@
     </p:spTree>
     <p:extLst>
       <p:ext uri="{BB962C8B-B14F-4D97-AF65-F5344CB8AC3E}">
-        <p14:creationId xmlns:p14="http://schemas.microsoft.com/office/powerpoint/2010/main" val="823657930"/>
+        <p14:creationId xmlns:p14="http://schemas.microsoft.com/office/powerpoint/2010/main" val="2451305448"/>
       </p:ext>
     </p:extLst>
   </p:cSld>
@@ -12184,7 +11401,7 @@
         </p:blipFill>
         <p:spPr>
           <a:xfrm>
-            <a:off x="130628" y="359229"/>
+            <a:off x="322686" y="250829"/>
             <a:ext cx="1219200" cy="1219200"/>
           </a:xfrm>
           <a:prstGeom prst="rect">
@@ -12215,7 +11432,7 @@
         </p:blipFill>
         <p:spPr>
           <a:xfrm>
-            <a:off x="94399" y="4550571"/>
+            <a:off x="1841371" y="306486"/>
             <a:ext cx="1219200" cy="1219200"/>
           </a:xfrm>
           <a:prstGeom prst="rect">
@@ -12246,7 +11463,7 @@
         </p:blipFill>
         <p:spPr>
           <a:xfrm>
-            <a:off x="94399" y="3153457"/>
+            <a:off x="3360056" y="250829"/>
             <a:ext cx="1219200" cy="1219200"/>
           </a:xfrm>
           <a:prstGeom prst="rect">
@@ -12277,7 +11494,7 @@
         </p:blipFill>
         <p:spPr>
           <a:xfrm>
-            <a:off x="94399" y="1756343"/>
+            <a:off x="4878741" y="249715"/>
             <a:ext cx="1219200" cy="1219200"/>
           </a:xfrm>
           <a:prstGeom prst="rect">
@@ -12308,7 +11525,7 @@
         </p:blipFill>
         <p:spPr>
           <a:xfrm>
-            <a:off x="1652285" y="359229"/>
+            <a:off x="7736400" y="249715"/>
             <a:ext cx="1219200" cy="1219200"/>
           </a:xfrm>
           <a:prstGeom prst="rect">
@@ -12339,7 +11556,7 @@
         </p:blipFill>
         <p:spPr>
           <a:xfrm>
-            <a:off x="1652285" y="1756343"/>
+            <a:off x="6396057" y="249715"/>
             <a:ext cx="1219200" cy="1219200"/>
           </a:xfrm>
           <a:prstGeom prst="rect">
@@ -12370,7 +11587,7 @@
         </p:blipFill>
         <p:spPr>
           <a:xfrm>
-            <a:off x="1652285" y="4550571"/>
+            <a:off x="322686" y="1525686"/>
             <a:ext cx="1219200" cy="1219200"/>
           </a:xfrm>
           <a:prstGeom prst="rect">
@@ -12401,7 +11618,7 @@
         </p:blipFill>
         <p:spPr>
           <a:xfrm>
-            <a:off x="1613599" y="3153457"/>
+            <a:off x="9120229" y="275315"/>
             <a:ext cx="1219200" cy="1219200"/>
           </a:xfrm>
           <a:prstGeom prst="rect">
@@ -12432,7 +11649,7 @@
         </p:blipFill>
         <p:spPr>
           <a:xfrm>
-            <a:off x="3173942" y="1813229"/>
+            <a:off x="10460572" y="306486"/>
             <a:ext cx="1219200" cy="1219200"/>
           </a:xfrm>
           <a:prstGeom prst="rect">
@@ -12463,7 +11680,7 @@
         </p:blipFill>
         <p:spPr>
           <a:xfrm>
-            <a:off x="3173942" y="359229"/>
+            <a:off x="3179485" y="1494515"/>
             <a:ext cx="1219200" cy="1219200"/>
           </a:xfrm>
           <a:prstGeom prst="rect">
@@ -12494,7 +11711,7 @@
         </p:blipFill>
         <p:spPr>
           <a:xfrm>
-            <a:off x="3198342" y="3153457"/>
+            <a:off x="1841371" y="1525686"/>
             <a:ext cx="1219200" cy="1219200"/>
           </a:xfrm>
           <a:prstGeom prst="rect">
@@ -12525,7 +11742,7 @@
         </p:blipFill>
         <p:spPr>
           <a:xfrm>
-            <a:off x="3157485" y="4607457"/>
+            <a:off x="4728943" y="1468915"/>
             <a:ext cx="1219200" cy="1219200"/>
           </a:xfrm>
           <a:prstGeom prst="rect">
@@ -12556,7 +11773,7 @@
         </p:blipFill>
         <p:spPr>
           <a:xfrm>
-            <a:off x="4695599" y="1756343"/>
+            <a:off x="7809086" y="1525686"/>
             <a:ext cx="1219200" cy="1219200"/>
           </a:xfrm>
           <a:prstGeom prst="rect">
@@ -12587,7 +11804,7 @@
         </p:blipFill>
         <p:spPr>
           <a:xfrm>
-            <a:off x="4727399" y="360686"/>
+            <a:off x="6376800" y="1525686"/>
             <a:ext cx="1219200" cy="1219200"/>
           </a:xfrm>
           <a:prstGeom prst="rect">
@@ -12618,7 +11835,7 @@
         </p:blipFill>
         <p:spPr>
           <a:xfrm>
-            <a:off x="6280856" y="359229"/>
+            <a:off x="9237900" y="1525686"/>
             <a:ext cx="1219200" cy="1219200"/>
           </a:xfrm>
           <a:prstGeom prst="rect">
@@ -12649,7 +11866,7 @@
         </p:blipFill>
         <p:spPr>
           <a:xfrm>
-            <a:off x="4783085" y="3247857"/>
+            <a:off x="10404571" y="1519943"/>
             <a:ext cx="1219200" cy="1219200"/>
           </a:xfrm>
           <a:prstGeom prst="rect">
@@ -12680,7 +11897,7 @@
         </p:blipFill>
         <p:spPr>
           <a:xfrm>
-            <a:off x="4826685" y="4643514"/>
+            <a:off x="1841371" y="3030143"/>
             <a:ext cx="1219200" cy="1219200"/>
           </a:xfrm>
           <a:prstGeom prst="rect">
@@ -12711,7 +11928,7 @@
         </p:blipFill>
         <p:spPr>
           <a:xfrm>
-            <a:off x="6280856" y="3247857"/>
+            <a:off x="322686" y="3030143"/>
             <a:ext cx="1219200" cy="1219200"/>
           </a:xfrm>
           <a:prstGeom prst="rect">
@@ -12742,7 +11959,7 @@
         </p:blipFill>
         <p:spPr>
           <a:xfrm>
-            <a:off x="6217256" y="1813229"/>
+            <a:off x="4728943" y="3030143"/>
             <a:ext cx="1219200" cy="1219200"/>
           </a:xfrm>
           <a:prstGeom prst="rect">
@@ -12773,7 +11990,7 @@
         </p:blipFill>
         <p:spPr>
           <a:xfrm>
-            <a:off x="7804999" y="1938286"/>
+            <a:off x="3338570" y="3030143"/>
             <a:ext cx="1219200" cy="1219200"/>
           </a:xfrm>
           <a:prstGeom prst="rect">
@@ -12804,7 +12021,7 @@
         </p:blipFill>
         <p:spPr>
           <a:xfrm>
-            <a:off x="7804999" y="412829"/>
+            <a:off x="1835343" y="4534600"/>
             <a:ext cx="1219200" cy="1219200"/>
           </a:xfrm>
           <a:prstGeom prst="rect">
@@ -12835,7 +12052,7 @@
         </p:blipFill>
         <p:spPr>
           <a:xfrm>
-            <a:off x="6280856" y="4607457"/>
+            <a:off x="322686" y="4534600"/>
             <a:ext cx="1219200" cy="1219200"/>
           </a:xfrm>
           <a:prstGeom prst="rect">
@@ -12866,7 +12083,7 @@
         </p:blipFill>
         <p:spPr>
           <a:xfrm>
-            <a:off x="9324170" y="412829"/>
+            <a:off x="6376800" y="3162943"/>
             <a:ext cx="1219200" cy="1219200"/>
           </a:xfrm>
           <a:prstGeom prst="rect">
@@ -12897,7 +12114,7 @@
         </p:blipFill>
         <p:spPr>
           <a:xfrm>
-            <a:off x="7778627" y="3247857"/>
+            <a:off x="10404571" y="3109800"/>
             <a:ext cx="1219200" cy="1219200"/>
           </a:xfrm>
           <a:prstGeom prst="rect">
@@ -12928,7 +12145,7 @@
         </p:blipFill>
         <p:spPr>
           <a:xfrm>
-            <a:off x="7804999" y="4683628"/>
+            <a:off x="3338570" y="4534600"/>
             <a:ext cx="1219200" cy="1219200"/>
           </a:xfrm>
           <a:prstGeom prst="rect">
@@ -12959,7 +12176,7 @@
         </p:blipFill>
         <p:spPr>
           <a:xfrm>
-            <a:off x="9392742" y="3247857"/>
+            <a:off x="4831171" y="4560286"/>
             <a:ext cx="1219200" cy="1219200"/>
           </a:xfrm>
           <a:prstGeom prst="rect">
@@ -12990,7 +12207,69 @@
         </p:blipFill>
         <p:spPr>
           <a:xfrm>
-            <a:off x="9392742" y="1813229"/>
+            <a:off x="9028286" y="4560286"/>
+            <a:ext cx="1219200" cy="1219200"/>
+          </a:xfrm>
+          <a:prstGeom prst="rect">
+            <a:avLst/>
+          </a:prstGeom>
+        </p:spPr>
+      </p:pic>
+      <p:pic>
+        <p:nvPicPr>
+          <p:cNvPr id="29" name="Picture 28"/>
+          <p:cNvPicPr>
+            <a:picLocks noChangeAspect="1"/>
+          </p:cNvPicPr>
+          <p:nvPr/>
+        </p:nvPicPr>
+        <p:blipFill>
+          <a:blip r:embed="rId29">
+            <a:lum bright="70000" contrast="-70000"/>
+            <a:extLst>
+              <a:ext uri="{28A0092B-C50C-407E-A947-70E740481C1C}">
+                <a14:useLocalDpi xmlns:a14="http://schemas.microsoft.com/office/drawing/2010/main" val="0"/>
+              </a:ext>
+            </a:extLst>
+          </a:blip>
+          <a:stretch>
+            <a:fillRect/>
+          </a:stretch>
+        </p:blipFill>
+        <p:spPr>
+          <a:xfrm>
+            <a:off x="8955600" y="3315400"/>
+            <a:ext cx="1219200" cy="1219200"/>
+          </a:xfrm>
+          <a:prstGeom prst="rect">
+            <a:avLst/>
+          </a:prstGeom>
+        </p:spPr>
+      </p:pic>
+      <p:pic>
+        <p:nvPicPr>
+          <p:cNvPr id="30" name="Picture 29"/>
+          <p:cNvPicPr>
+            <a:picLocks noChangeAspect="1"/>
+          </p:cNvPicPr>
+          <p:nvPr/>
+        </p:nvPicPr>
+        <p:blipFill>
+          <a:blip r:embed="rId30">
+            <a:lum bright="70000" contrast="-70000"/>
+            <a:extLst>
+              <a:ext uri="{28A0092B-C50C-407E-A947-70E740481C1C}">
+                <a14:useLocalDpi xmlns:a14="http://schemas.microsoft.com/office/drawing/2010/main" val="0"/>
+              </a:ext>
+            </a:extLst>
+          </a:blip>
+          <a:stretch>
+            <a:fillRect/>
+          </a:stretch>
+        </p:blipFill>
+        <p:spPr>
+          <a:xfrm>
+            <a:off x="10457100" y="4534600"/>
             <a:ext cx="1219200" cy="1219200"/>
           </a:xfrm>
           <a:prstGeom prst="rect">
@@ -13001,7 +12280,7 @@
     </p:spTree>
     <p:extLst>
       <p:ext uri="{BB962C8B-B14F-4D97-AF65-F5344CB8AC3E}">
-        <p14:creationId xmlns:p14="http://schemas.microsoft.com/office/powerpoint/2010/main" val="3126433562"/>
+        <p14:creationId xmlns:p14="http://schemas.microsoft.com/office/powerpoint/2010/main" val="823657930"/>
       </p:ext>
     </p:extLst>
   </p:cSld>
@@ -13051,7 +12330,7 @@
         </p:blipFill>
         <p:spPr>
           <a:xfrm>
-            <a:off x="643486" y="520286"/>
+            <a:off x="130628" y="359229"/>
             <a:ext cx="1219200" cy="1219200"/>
           </a:xfrm>
           <a:prstGeom prst="rect">
@@ -13082,7 +12361,7 @@
         </p:blipFill>
         <p:spPr>
           <a:xfrm>
-            <a:off x="654401" y="3364486"/>
+            <a:off x="94399" y="4550571"/>
             <a:ext cx="1219200" cy="1219200"/>
           </a:xfrm>
           <a:prstGeom prst="rect">
@@ -13113,7 +12392,7 @@
         </p:blipFill>
         <p:spPr>
           <a:xfrm>
-            <a:off x="571600" y="4830522"/>
+            <a:off x="94399" y="3153457"/>
             <a:ext cx="1219200" cy="1219200"/>
           </a:xfrm>
           <a:prstGeom prst="rect">
@@ -13144,7 +12423,7 @@
         </p:blipFill>
         <p:spPr>
           <a:xfrm>
-            <a:off x="2286800" y="4852844"/>
+            <a:off x="94399" y="1756343"/>
             <a:ext cx="1219200" cy="1219200"/>
           </a:xfrm>
           <a:prstGeom prst="rect">
@@ -13175,7 +12454,7 @@
         </p:blipFill>
         <p:spPr>
           <a:xfrm>
-            <a:off x="2155658" y="3397482"/>
+            <a:off x="1652285" y="359229"/>
             <a:ext cx="1219200" cy="1219200"/>
           </a:xfrm>
           <a:prstGeom prst="rect">
@@ -13206,7 +12485,7 @@
         </p:blipFill>
         <p:spPr>
           <a:xfrm>
-            <a:off x="2303086" y="1959441"/>
+            <a:off x="1652285" y="1756343"/>
             <a:ext cx="1219200" cy="1219200"/>
           </a:xfrm>
           <a:prstGeom prst="rect">
@@ -13237,7 +12516,7 @@
         </p:blipFill>
         <p:spPr>
           <a:xfrm>
-            <a:off x="2303086" y="521400"/>
+            <a:off x="1652285" y="4550571"/>
             <a:ext cx="1219200" cy="1219200"/>
           </a:xfrm>
           <a:prstGeom prst="rect">
@@ -13268,7 +12547,7 @@
         </p:blipFill>
         <p:spPr>
           <a:xfrm>
-            <a:off x="3878400" y="4868530"/>
+            <a:off x="1613599" y="3153457"/>
             <a:ext cx="1219200" cy="1219200"/>
           </a:xfrm>
           <a:prstGeom prst="rect">
@@ -13299,7 +12578,7 @@
         </p:blipFill>
         <p:spPr>
           <a:xfrm>
-            <a:off x="3907314" y="3421143"/>
+            <a:off x="3173942" y="1813229"/>
             <a:ext cx="1219200" cy="1219200"/>
           </a:xfrm>
           <a:prstGeom prst="rect">
@@ -13330,7 +12609,7 @@
         </p:blipFill>
         <p:spPr>
           <a:xfrm>
-            <a:off x="3907314" y="1750200"/>
+            <a:off x="3173942" y="359229"/>
             <a:ext cx="1219200" cy="1219200"/>
           </a:xfrm>
           <a:prstGeom prst="rect">
@@ -13361,7 +12640,7 @@
         </p:blipFill>
         <p:spPr>
           <a:xfrm>
-            <a:off x="4074799" y="371400"/>
+            <a:off x="3198342" y="3153457"/>
             <a:ext cx="1219200" cy="1219200"/>
           </a:xfrm>
           <a:prstGeom prst="rect">
@@ -13392,7 +12671,7 @@
         </p:blipFill>
         <p:spPr>
           <a:xfrm>
-            <a:off x="5554400" y="4868530"/>
+            <a:off x="3157485" y="4607457"/>
             <a:ext cx="1219200" cy="1219200"/>
           </a:xfrm>
           <a:prstGeom prst="rect">
@@ -13423,7 +12702,7 @@
         </p:blipFill>
         <p:spPr>
           <a:xfrm>
-            <a:off x="5554400" y="3364486"/>
+            <a:off x="4695599" y="1756343"/>
             <a:ext cx="1219200" cy="1219200"/>
           </a:xfrm>
           <a:prstGeom prst="rect">
@@ -13454,7 +12733,7 @@
         </p:blipFill>
         <p:spPr>
           <a:xfrm>
-            <a:off x="5554400" y="1750200"/>
+            <a:off x="4727399" y="360686"/>
             <a:ext cx="1219200" cy="1219200"/>
           </a:xfrm>
           <a:prstGeom prst="rect">
@@ -13485,7 +12764,7 @@
         </p:blipFill>
         <p:spPr>
           <a:xfrm>
-            <a:off x="5734399" y="361800"/>
+            <a:off x="6280856" y="359229"/>
             <a:ext cx="1219200" cy="1219200"/>
           </a:xfrm>
           <a:prstGeom prst="rect">
@@ -13516,7 +12795,7 @@
         </p:blipFill>
         <p:spPr>
           <a:xfrm>
-            <a:off x="7228400" y="4868530"/>
+            <a:off x="4783085" y="3247857"/>
             <a:ext cx="1219200" cy="1219200"/>
           </a:xfrm>
           <a:prstGeom prst="rect">
@@ -13547,7 +12826,7 @@
         </p:blipFill>
         <p:spPr>
           <a:xfrm>
-            <a:off x="8984800" y="4872758"/>
+            <a:off x="4826685" y="4643514"/>
             <a:ext cx="1219200" cy="1219200"/>
           </a:xfrm>
           <a:prstGeom prst="rect">
@@ -13578,7 +12857,7 @@
         </p:blipFill>
         <p:spPr>
           <a:xfrm>
-            <a:off x="10576400" y="4872758"/>
+            <a:off x="6280856" y="3247857"/>
             <a:ext cx="1219200" cy="1219200"/>
           </a:xfrm>
           <a:prstGeom prst="rect">
@@ -13609,7 +12888,7 @@
         </p:blipFill>
         <p:spPr>
           <a:xfrm>
-            <a:off x="7337714" y="3421143"/>
+            <a:off x="6217256" y="1813229"/>
             <a:ext cx="1219200" cy="1219200"/>
           </a:xfrm>
           <a:prstGeom prst="rect">
@@ -13640,7 +12919,7 @@
         </p:blipFill>
         <p:spPr>
           <a:xfrm>
-            <a:off x="7337714" y="1791156"/>
+            <a:off x="7804999" y="1938286"/>
             <a:ext cx="1219200" cy="1219200"/>
           </a:xfrm>
           <a:prstGeom prst="rect">
@@ -13671,7 +12950,7 @@
         </p:blipFill>
         <p:spPr>
           <a:xfrm>
-            <a:off x="7337714" y="435085"/>
+            <a:off x="7804999" y="412829"/>
             <a:ext cx="1219200" cy="1219200"/>
           </a:xfrm>
           <a:prstGeom prst="rect">
@@ -13702,7 +12981,7 @@
         </p:blipFill>
         <p:spPr>
           <a:xfrm>
-            <a:off x="8953200" y="3384857"/>
+            <a:off x="6280856" y="4607457"/>
             <a:ext cx="1219200" cy="1219200"/>
           </a:xfrm>
           <a:prstGeom prst="rect">
@@ -13733,7 +13012,7 @@
         </p:blipFill>
         <p:spPr>
           <a:xfrm>
-            <a:off x="8984800" y="1816042"/>
+            <a:off x="9324170" y="412829"/>
             <a:ext cx="1219200" cy="1219200"/>
           </a:xfrm>
           <a:prstGeom prst="rect">
@@ -13764,7 +13043,7 @@
         </p:blipFill>
         <p:spPr>
           <a:xfrm>
-            <a:off x="10683085" y="3400200"/>
+            <a:off x="7778627" y="3247857"/>
             <a:ext cx="1219200" cy="1219200"/>
           </a:xfrm>
           <a:prstGeom prst="rect">
@@ -13795,7 +13074,7 @@
         </p:blipFill>
         <p:spPr>
           <a:xfrm>
-            <a:off x="8984800" y="326114"/>
+            <a:off x="7804999" y="4683628"/>
             <a:ext cx="1219200" cy="1219200"/>
           </a:xfrm>
           <a:prstGeom prst="rect">
@@ -13826,7 +13105,7 @@
         </p:blipFill>
         <p:spPr>
           <a:xfrm>
-            <a:off x="10504000" y="1927642"/>
+            <a:off x="9392742" y="3247857"/>
             <a:ext cx="1219200" cy="1219200"/>
           </a:xfrm>
           <a:prstGeom prst="rect">
@@ -13857,7 +13136,7 @@
         </p:blipFill>
         <p:spPr>
           <a:xfrm>
-            <a:off x="10504000" y="314828"/>
+            <a:off x="9392742" y="1813229"/>
             <a:ext cx="1219200" cy="1219200"/>
           </a:xfrm>
           <a:prstGeom prst="rect">
@@ -13868,7 +13147,7 @@
     </p:spTree>
     <p:extLst>
       <p:ext uri="{BB962C8B-B14F-4D97-AF65-F5344CB8AC3E}">
-        <p14:creationId xmlns:p14="http://schemas.microsoft.com/office/powerpoint/2010/main" val="399454265"/>
+        <p14:creationId xmlns:p14="http://schemas.microsoft.com/office/powerpoint/2010/main" val="3126433562"/>
       </p:ext>
     </p:extLst>
   </p:cSld>
@@ -13918,7 +13197,7 @@
         </p:blipFill>
         <p:spPr>
           <a:xfrm>
-            <a:off x="166914" y="286715"/>
+            <a:off x="643486" y="520286"/>
             <a:ext cx="1219200" cy="1219200"/>
           </a:xfrm>
           <a:prstGeom prst="rect">
@@ -13949,7 +13228,7 @@
         </p:blipFill>
         <p:spPr>
           <a:xfrm>
-            <a:off x="166914" y="4395429"/>
+            <a:off x="654401" y="3364486"/>
             <a:ext cx="1219200" cy="1219200"/>
           </a:xfrm>
           <a:prstGeom prst="rect">
@@ -13980,7 +13259,7 @@
         </p:blipFill>
         <p:spPr>
           <a:xfrm>
-            <a:off x="166914" y="3069944"/>
+            <a:off x="571600" y="4830522"/>
             <a:ext cx="1219200" cy="1219200"/>
           </a:xfrm>
           <a:prstGeom prst="rect">
@@ -14011,7 +13290,7 @@
         </p:blipFill>
         <p:spPr>
           <a:xfrm>
-            <a:off x="254057" y="1744459"/>
+            <a:off x="2286800" y="4852844"/>
             <a:ext cx="1219200" cy="1219200"/>
           </a:xfrm>
           <a:prstGeom prst="rect">
@@ -14042,7 +13321,7 @@
         </p:blipFill>
         <p:spPr>
           <a:xfrm>
-            <a:off x="2114343" y="1662173"/>
+            <a:off x="2155658" y="3397482"/>
             <a:ext cx="1219200" cy="1219200"/>
           </a:xfrm>
           <a:prstGeom prst="rect">
@@ -14073,7 +13352,7 @@
         </p:blipFill>
         <p:spPr>
           <a:xfrm>
-            <a:off x="2114343" y="286715"/>
+            <a:off x="2303086" y="1959441"/>
             <a:ext cx="1219200" cy="1219200"/>
           </a:xfrm>
           <a:prstGeom prst="rect">
@@ -14104,7 +13383,7 @@
         </p:blipFill>
         <p:spPr>
           <a:xfrm>
-            <a:off x="2114343" y="3037631"/>
+            <a:off x="2303086" y="521400"/>
             <a:ext cx="1219200" cy="1219200"/>
           </a:xfrm>
           <a:prstGeom prst="rect">
@@ -14135,7 +13414,7 @@
         </p:blipFill>
         <p:spPr>
           <a:xfrm>
-            <a:off x="3873029" y="286715"/>
+            <a:off x="3878400" y="4868530"/>
             <a:ext cx="1219200" cy="1219200"/>
           </a:xfrm>
           <a:prstGeom prst="rect">
@@ -14166,7 +13445,7 @@
         </p:blipFill>
         <p:spPr>
           <a:xfrm>
-            <a:off x="2040743" y="4414490"/>
+            <a:off x="3907314" y="3421143"/>
             <a:ext cx="1219200" cy="1219200"/>
           </a:xfrm>
           <a:prstGeom prst="rect">
@@ -14197,7 +13476,7 @@
         </p:blipFill>
         <p:spPr>
           <a:xfrm>
-            <a:off x="3733828" y="4505915"/>
+            <a:off x="3907314" y="1750200"/>
             <a:ext cx="1219200" cy="1219200"/>
           </a:xfrm>
           <a:prstGeom prst="rect">
@@ -14228,7 +13507,7 @@
         </p:blipFill>
         <p:spPr>
           <a:xfrm>
-            <a:off x="3873029" y="1636715"/>
+            <a:off x="4074799" y="371400"/>
             <a:ext cx="1219200" cy="1219200"/>
           </a:xfrm>
           <a:prstGeom prst="rect">
@@ -14259,7 +13538,7 @@
         </p:blipFill>
         <p:spPr>
           <a:xfrm>
-            <a:off x="3899200" y="3136715"/>
+            <a:off x="5554400" y="4868530"/>
             <a:ext cx="1219200" cy="1219200"/>
           </a:xfrm>
           <a:prstGeom prst="rect">
@@ -14290,7 +13569,7 @@
         </p:blipFill>
         <p:spPr>
           <a:xfrm>
-            <a:off x="7286457" y="286715"/>
+            <a:off x="5554400" y="3364486"/>
             <a:ext cx="1219200" cy="1219200"/>
           </a:xfrm>
           <a:prstGeom prst="rect">
@@ -14321,7 +13600,7 @@
         </p:blipFill>
         <p:spPr>
           <a:xfrm>
-            <a:off x="5634543" y="1636715"/>
+            <a:off x="5554400" y="1750200"/>
             <a:ext cx="1219200" cy="1219200"/>
           </a:xfrm>
           <a:prstGeom prst="rect">
@@ -14352,7 +13631,7 @@
         </p:blipFill>
         <p:spPr>
           <a:xfrm>
-            <a:off x="10680457" y="3202203"/>
+            <a:off x="5734399" y="361800"/>
             <a:ext cx="1219200" cy="1219200"/>
           </a:xfrm>
           <a:prstGeom prst="rect">
@@ -14383,7 +13662,7 @@
         </p:blipFill>
         <p:spPr>
           <a:xfrm>
-            <a:off x="9215543" y="1744459"/>
+            <a:off x="7228400" y="4868530"/>
             <a:ext cx="1219200" cy="1219200"/>
           </a:xfrm>
           <a:prstGeom prst="rect">
@@ -14414,7 +13693,7 @@
         </p:blipFill>
         <p:spPr>
           <a:xfrm>
-            <a:off x="7396057" y="1805915"/>
+            <a:off x="8984800" y="4872758"/>
             <a:ext cx="1219200" cy="1219200"/>
           </a:xfrm>
           <a:prstGeom prst="rect">
@@ -14445,7 +13724,7 @@
         </p:blipFill>
         <p:spPr>
           <a:xfrm>
-            <a:off x="9167543" y="286715"/>
+            <a:off x="10576400" y="4872758"/>
             <a:ext cx="1219200" cy="1219200"/>
           </a:xfrm>
           <a:prstGeom prst="rect">
@@ -14476,7 +13755,7 @@
         </p:blipFill>
         <p:spPr>
           <a:xfrm>
-            <a:off x="10680457" y="1744459"/>
+            <a:off x="7337714" y="3421143"/>
             <a:ext cx="1219200" cy="1219200"/>
           </a:xfrm>
           <a:prstGeom prst="rect">
@@ -14507,7 +13786,7 @@
         </p:blipFill>
         <p:spPr>
           <a:xfrm>
-            <a:off x="10680457" y="286715"/>
+            <a:off x="7337714" y="1791156"/>
             <a:ext cx="1219200" cy="1219200"/>
           </a:xfrm>
           <a:prstGeom prst="rect">
@@ -14538,7 +13817,7 @@
         </p:blipFill>
         <p:spPr>
           <a:xfrm>
-            <a:off x="7396057" y="3202203"/>
+            <a:off x="7337714" y="435085"/>
             <a:ext cx="1219200" cy="1219200"/>
           </a:xfrm>
           <a:prstGeom prst="rect">
@@ -14569,7 +13848,7 @@
         </p:blipFill>
         <p:spPr>
           <a:xfrm>
-            <a:off x="9285314" y="3202203"/>
+            <a:off x="8953200" y="3384857"/>
             <a:ext cx="1219200" cy="1219200"/>
           </a:xfrm>
           <a:prstGeom prst="rect">
@@ -14600,7 +13879,7 @@
         </p:blipFill>
         <p:spPr>
           <a:xfrm>
-            <a:off x="7396057" y="4665515"/>
+            <a:off x="8984800" y="1816042"/>
             <a:ext cx="1219200" cy="1219200"/>
           </a:xfrm>
           <a:prstGeom prst="rect">
@@ -14631,7 +13910,7 @@
         </p:blipFill>
         <p:spPr>
           <a:xfrm>
-            <a:off x="9279343" y="4665515"/>
+            <a:off x="10683085" y="3400200"/>
             <a:ext cx="1219200" cy="1219200"/>
           </a:xfrm>
           <a:prstGeom prst="rect">
@@ -14662,7 +13941,7 @@
         </p:blipFill>
         <p:spPr>
           <a:xfrm>
-            <a:off x="10694114" y="4665515"/>
+            <a:off x="8984800" y="326114"/>
             <a:ext cx="1219200" cy="1219200"/>
           </a:xfrm>
           <a:prstGeom prst="rect">
@@ -14693,7 +13972,7 @@
         </p:blipFill>
         <p:spPr>
           <a:xfrm>
-            <a:off x="5634543" y="3176229"/>
+            <a:off x="10504000" y="1927642"/>
             <a:ext cx="1219200" cy="1219200"/>
           </a:xfrm>
           <a:prstGeom prst="rect">
@@ -14724,7 +14003,7 @@
         </p:blipFill>
         <p:spPr>
           <a:xfrm>
-            <a:off x="5634543" y="286715"/>
+            <a:off x="10504000" y="314828"/>
             <a:ext cx="1219200" cy="1219200"/>
           </a:xfrm>
           <a:prstGeom prst="rect">
@@ -14735,7 +14014,7 @@
     </p:spTree>
     <p:extLst>
       <p:ext uri="{BB962C8B-B14F-4D97-AF65-F5344CB8AC3E}">
-        <p14:creationId xmlns:p14="http://schemas.microsoft.com/office/powerpoint/2010/main" val="3324423259"/>
+        <p14:creationId xmlns:p14="http://schemas.microsoft.com/office/powerpoint/2010/main" val="399454265"/>
       </p:ext>
     </p:extLst>
   </p:cSld>
@@ -14785,7 +14064,7 @@
         </p:blipFill>
         <p:spPr>
           <a:xfrm>
-            <a:off x="2066300" y="4482743"/>
+            <a:off x="166914" y="286715"/>
             <a:ext cx="1219200" cy="1219200"/>
           </a:xfrm>
           <a:prstGeom prst="rect">
@@ -14816,7 +14095,7 @@
         </p:blipFill>
         <p:spPr>
           <a:xfrm>
-            <a:off x="3544387" y="3100200"/>
+            <a:off x="166914" y="4395429"/>
             <a:ext cx="1219200" cy="1219200"/>
           </a:xfrm>
           <a:prstGeom prst="rect">
@@ -14847,7 +14126,7 @@
         </p:blipFill>
         <p:spPr>
           <a:xfrm>
-            <a:off x="1959644" y="3077257"/>
+            <a:off x="166914" y="3069944"/>
             <a:ext cx="1219200" cy="1219200"/>
           </a:xfrm>
           <a:prstGeom prst="rect">
@@ -14878,7 +14157,7 @@
         </p:blipFill>
         <p:spPr>
           <a:xfrm>
-            <a:off x="220687" y="3077257"/>
+            <a:off x="254057" y="1744459"/>
             <a:ext cx="1219200" cy="1219200"/>
           </a:xfrm>
           <a:prstGeom prst="rect">
@@ -14909,7 +14188,7 @@
         </p:blipFill>
         <p:spPr>
           <a:xfrm>
-            <a:off x="252087" y="4629000"/>
+            <a:off x="2114343" y="1662173"/>
             <a:ext cx="1219200" cy="1219200"/>
           </a:xfrm>
           <a:prstGeom prst="rect">
@@ -14940,7 +14219,7 @@
         </p:blipFill>
         <p:spPr>
           <a:xfrm>
-            <a:off x="1959644" y="1565771"/>
+            <a:off x="2114343" y="286715"/>
             <a:ext cx="1219200" cy="1219200"/>
           </a:xfrm>
           <a:prstGeom prst="rect">
@@ -14971,7 +14250,7 @@
         </p:blipFill>
         <p:spPr>
           <a:xfrm>
-            <a:off x="3652987" y="4539457"/>
+            <a:off x="2114343" y="3037631"/>
             <a:ext cx="1219200" cy="1219200"/>
           </a:xfrm>
           <a:prstGeom prst="rect">
@@ -15002,7 +14281,7 @@
         </p:blipFill>
         <p:spPr>
           <a:xfrm>
-            <a:off x="2066300" y="346571"/>
+            <a:off x="3873029" y="286715"/>
             <a:ext cx="1219200" cy="1219200"/>
           </a:xfrm>
           <a:prstGeom prst="rect">
@@ -15033,7 +14312,7 @@
         </p:blipFill>
         <p:spPr>
           <a:xfrm>
-            <a:off x="5317644" y="358887"/>
+            <a:off x="2040743" y="4414490"/>
             <a:ext cx="1219200" cy="1219200"/>
           </a:xfrm>
           <a:prstGeom prst="rect">
@@ -15064,7 +14343,7 @@
         </p:blipFill>
         <p:spPr>
           <a:xfrm>
-            <a:off x="3638644" y="1685343"/>
+            <a:off x="3733828" y="4505915"/>
             <a:ext cx="1219200" cy="1219200"/>
           </a:xfrm>
           <a:prstGeom prst="rect">
@@ -15095,7 +14374,7 @@
         </p:blipFill>
         <p:spPr>
           <a:xfrm>
-            <a:off x="3638644" y="368315"/>
+            <a:off x="3873029" y="1636715"/>
             <a:ext cx="1219200" cy="1219200"/>
           </a:xfrm>
           <a:prstGeom prst="rect">
@@ -15126,7 +14405,7 @@
         </p:blipFill>
         <p:spPr>
           <a:xfrm>
-            <a:off x="5317644" y="4609800"/>
+            <a:off x="3899200" y="3136715"/>
             <a:ext cx="1219200" cy="1219200"/>
           </a:xfrm>
           <a:prstGeom prst="rect">
@@ -15157,7 +14436,7 @@
         </p:blipFill>
         <p:spPr>
           <a:xfrm>
-            <a:off x="5317644" y="1823228"/>
+            <a:off x="7286457" y="286715"/>
             <a:ext cx="1219200" cy="1219200"/>
           </a:xfrm>
           <a:prstGeom prst="rect">
@@ -15188,7 +14467,7 @@
         </p:blipFill>
         <p:spPr>
           <a:xfrm>
-            <a:off x="5317644" y="3208114"/>
+            <a:off x="5634543" y="1636715"/>
             <a:ext cx="1219200" cy="1219200"/>
           </a:xfrm>
           <a:prstGeom prst="rect">
@@ -15219,7 +14498,7 @@
         </p:blipFill>
         <p:spPr>
           <a:xfrm>
-            <a:off x="7078800" y="368315"/>
+            <a:off x="10680457" y="3202203"/>
             <a:ext cx="1219200" cy="1219200"/>
           </a:xfrm>
           <a:prstGeom prst="rect">
@@ -15250,7 +14529,7 @@
         </p:blipFill>
         <p:spPr>
           <a:xfrm>
-            <a:off x="7129600" y="1793142"/>
+            <a:off x="9215543" y="1744459"/>
             <a:ext cx="1219200" cy="1219200"/>
           </a:xfrm>
           <a:prstGeom prst="rect">
@@ -15281,7 +14560,7 @@
         </p:blipFill>
         <p:spPr>
           <a:xfrm>
-            <a:off x="7129600" y="3320257"/>
+            <a:off x="7396057" y="1805915"/>
             <a:ext cx="1219200" cy="1219200"/>
           </a:xfrm>
           <a:prstGeom prst="rect">
@@ -15312,7 +14591,7 @@
         </p:blipFill>
         <p:spPr>
           <a:xfrm>
-            <a:off x="7192200" y="4609800"/>
+            <a:off x="9167543" y="286715"/>
             <a:ext cx="1219200" cy="1219200"/>
           </a:xfrm>
           <a:prstGeom prst="rect">
@@ -15343,7 +14622,7 @@
         </p:blipFill>
         <p:spPr>
           <a:xfrm>
-            <a:off x="8757800" y="466143"/>
+            <a:off x="10680457" y="1744459"/>
             <a:ext cx="1219200" cy="1219200"/>
           </a:xfrm>
           <a:prstGeom prst="rect">
@@ -15374,7 +14653,7 @@
         </p:blipFill>
         <p:spPr>
           <a:xfrm>
-            <a:off x="8736429" y="3349857"/>
+            <a:off x="10680457" y="286715"/>
             <a:ext cx="1219200" cy="1219200"/>
           </a:xfrm>
           <a:prstGeom prst="rect">
@@ -15405,7 +14684,7 @@
         </p:blipFill>
         <p:spPr>
           <a:xfrm>
-            <a:off x="8786400" y="1865429"/>
+            <a:off x="7396057" y="3202203"/>
             <a:ext cx="1219200" cy="1219200"/>
           </a:xfrm>
           <a:prstGeom prst="rect">
@@ -15436,7 +14715,7 @@
         </p:blipFill>
         <p:spPr>
           <a:xfrm>
-            <a:off x="8729630" y="4750200"/>
+            <a:off x="9285314" y="3202203"/>
             <a:ext cx="1219200" cy="1219200"/>
           </a:xfrm>
           <a:prstGeom prst="rect">
@@ -15467,7 +14746,7 @@
         </p:blipFill>
         <p:spPr>
           <a:xfrm>
-            <a:off x="10436800" y="3320257"/>
+            <a:off x="7396057" y="4665515"/>
             <a:ext cx="1219200" cy="1219200"/>
           </a:xfrm>
           <a:prstGeom prst="rect">
@@ -15498,7 +14777,7 @@
         </p:blipFill>
         <p:spPr>
           <a:xfrm>
-            <a:off x="10525357" y="1988914"/>
+            <a:off x="9279343" y="4665515"/>
             <a:ext cx="1219200" cy="1219200"/>
           </a:xfrm>
           <a:prstGeom prst="rect">
@@ -15529,7 +14808,7 @@
         </p:blipFill>
         <p:spPr>
           <a:xfrm>
-            <a:off x="10436800" y="466143"/>
+            <a:off x="10694114" y="4665515"/>
             <a:ext cx="1219200" cy="1219200"/>
           </a:xfrm>
           <a:prstGeom prst="rect">
@@ -15560,7 +14839,7 @@
         </p:blipFill>
         <p:spPr>
           <a:xfrm>
-            <a:off x="249658" y="1685343"/>
+            <a:off x="5634543" y="3176229"/>
             <a:ext cx="1219200" cy="1219200"/>
           </a:xfrm>
           <a:prstGeom prst="rect">
@@ -15591,7 +14870,7 @@
         </p:blipFill>
         <p:spPr>
           <a:xfrm>
-            <a:off x="249658" y="325857"/>
+            <a:off x="5634543" y="286715"/>
             <a:ext cx="1219200" cy="1219200"/>
           </a:xfrm>
           <a:prstGeom prst="rect">
@@ -15602,7 +14881,7 @@
     </p:spTree>
     <p:extLst>
       <p:ext uri="{BB962C8B-B14F-4D97-AF65-F5344CB8AC3E}">
-        <p14:creationId xmlns:p14="http://schemas.microsoft.com/office/powerpoint/2010/main" val="438152526"/>
+        <p14:creationId xmlns:p14="http://schemas.microsoft.com/office/powerpoint/2010/main" val="3324423259"/>
       </p:ext>
     </p:extLst>
   </p:cSld>
@@ -15652,7 +14931,7 @@
         </p:blipFill>
         <p:spPr>
           <a:xfrm>
-            <a:off x="297543" y="293914"/>
+            <a:off x="2066300" y="4482743"/>
             <a:ext cx="1219200" cy="1219200"/>
           </a:xfrm>
           <a:prstGeom prst="rect">
@@ -15683,7 +14962,7 @@
         </p:blipFill>
         <p:spPr>
           <a:xfrm>
-            <a:off x="297543" y="1670372"/>
+            <a:off x="3544387" y="3100200"/>
             <a:ext cx="1219200" cy="1219200"/>
           </a:xfrm>
           <a:prstGeom prst="rect">
@@ -15714,7 +14993,7 @@
         </p:blipFill>
         <p:spPr>
           <a:xfrm>
-            <a:off x="375086" y="4580546"/>
+            <a:off x="1959644" y="3077257"/>
             <a:ext cx="1219200" cy="1219200"/>
           </a:xfrm>
           <a:prstGeom prst="rect">
@@ -15745,7 +15024,7 @@
         </p:blipFill>
         <p:spPr>
           <a:xfrm>
-            <a:off x="355657" y="3046830"/>
+            <a:off x="220687" y="3077257"/>
             <a:ext cx="1219200" cy="1219200"/>
           </a:xfrm>
           <a:prstGeom prst="rect">
@@ -15776,7 +15055,7 @@
         </p:blipFill>
         <p:spPr>
           <a:xfrm>
-            <a:off x="2065943" y="219000"/>
+            <a:off x="252087" y="4629000"/>
             <a:ext cx="1219200" cy="1219200"/>
           </a:xfrm>
           <a:prstGeom prst="rect">
@@ -15807,7 +15086,7 @@
         </p:blipFill>
         <p:spPr>
           <a:xfrm>
-            <a:off x="2065943" y="3100200"/>
+            <a:off x="1959644" y="1565771"/>
             <a:ext cx="1219200" cy="1219200"/>
           </a:xfrm>
           <a:prstGeom prst="rect">
@@ -15838,7 +15117,7 @@
         </p:blipFill>
         <p:spPr>
           <a:xfrm>
-            <a:off x="1974058" y="1670372"/>
+            <a:off x="3652987" y="4539457"/>
             <a:ext cx="1219200" cy="1219200"/>
           </a:xfrm>
           <a:prstGeom prst="rect">
@@ -15869,7 +15148,7 @@
         </p:blipFill>
         <p:spPr>
           <a:xfrm>
-            <a:off x="2030971" y="4594343"/>
+            <a:off x="2066300" y="346571"/>
             <a:ext cx="1219200" cy="1219200"/>
           </a:xfrm>
           <a:prstGeom prst="rect">
@@ -15900,7 +15179,7 @@
         </p:blipFill>
         <p:spPr>
           <a:xfrm>
-            <a:off x="3834343" y="219000"/>
+            <a:off x="5317644" y="358887"/>
             <a:ext cx="1219200" cy="1219200"/>
           </a:xfrm>
           <a:prstGeom prst="rect">
@@ -15931,7 +15210,7 @@
         </p:blipFill>
         <p:spPr>
           <a:xfrm>
-            <a:off x="3939743" y="4580546"/>
+            <a:off x="3638644" y="1685343"/>
             <a:ext cx="1219200" cy="1219200"/>
           </a:xfrm>
           <a:prstGeom prst="rect">
@@ -15962,7 +15241,7 @@
         </p:blipFill>
         <p:spPr>
           <a:xfrm>
-            <a:off x="3894857" y="1708115"/>
+            <a:off x="3638644" y="368315"/>
             <a:ext cx="1219200" cy="1219200"/>
           </a:xfrm>
           <a:prstGeom prst="rect">
@@ -15993,7 +15272,7 @@
         </p:blipFill>
         <p:spPr>
           <a:xfrm>
-            <a:off x="3941886" y="3046830"/>
+            <a:off x="5317644" y="4609800"/>
             <a:ext cx="1219200" cy="1219200"/>
           </a:xfrm>
           <a:prstGeom prst="rect">
@@ -16024,7 +15303,7 @@
         </p:blipFill>
         <p:spPr>
           <a:xfrm>
-            <a:off x="5571372" y="1767343"/>
+            <a:off x="5317644" y="1823228"/>
             <a:ext cx="1219200" cy="1219200"/>
           </a:xfrm>
           <a:prstGeom prst="rect">
@@ -16055,7 +15334,7 @@
         </p:blipFill>
         <p:spPr>
           <a:xfrm>
-            <a:off x="5602743" y="293914"/>
+            <a:off x="5317644" y="3208114"/>
             <a:ext cx="1219200" cy="1219200"/>
           </a:xfrm>
           <a:prstGeom prst="rect">
@@ -16086,7 +15365,7 @@
         </p:blipFill>
         <p:spPr>
           <a:xfrm>
-            <a:off x="5571372" y="3240772"/>
+            <a:off x="7078800" y="368315"/>
             <a:ext cx="1219200" cy="1219200"/>
           </a:xfrm>
           <a:prstGeom prst="rect">
@@ -16117,7 +15396,7 @@
         </p:blipFill>
         <p:spPr>
           <a:xfrm>
-            <a:off x="7117200" y="388543"/>
+            <a:off x="7129600" y="1793142"/>
             <a:ext cx="1219200" cy="1219200"/>
           </a:xfrm>
           <a:prstGeom prst="rect">
@@ -16148,7 +15427,7 @@
         </p:blipFill>
         <p:spPr>
           <a:xfrm>
-            <a:off x="7211944" y="1819487"/>
+            <a:off x="7129600" y="3320257"/>
             <a:ext cx="1219200" cy="1219200"/>
           </a:xfrm>
           <a:prstGeom prst="rect">
@@ -16179,7 +15458,7 @@
         </p:blipFill>
         <p:spPr>
           <a:xfrm>
-            <a:off x="5624857" y="4609800"/>
+            <a:off x="7192200" y="4609800"/>
             <a:ext cx="1219200" cy="1219200"/>
           </a:xfrm>
           <a:prstGeom prst="rect">
@@ -16210,7 +15489,7 @@
         </p:blipFill>
         <p:spPr>
           <a:xfrm>
-            <a:off x="7284514" y="3295545"/>
+            <a:off x="8757800" y="466143"/>
             <a:ext cx="1219200" cy="1219200"/>
           </a:xfrm>
           <a:prstGeom prst="rect">
@@ -16241,7 +15520,7 @@
         </p:blipFill>
         <p:spPr>
           <a:xfrm>
-            <a:off x="7309971" y="4675172"/>
+            <a:off x="8736429" y="3349857"/>
             <a:ext cx="1219200" cy="1219200"/>
           </a:xfrm>
           <a:prstGeom prst="rect">
@@ -16272,7 +15551,7 @@
         </p:blipFill>
         <p:spPr>
           <a:xfrm>
-            <a:off x="8636400" y="399829"/>
+            <a:off x="8786400" y="1865429"/>
             <a:ext cx="1219200" cy="1219200"/>
           </a:xfrm>
           <a:prstGeom prst="rect">
@@ -16303,7 +15582,7 @@
         </p:blipFill>
         <p:spPr>
           <a:xfrm>
-            <a:off x="10392629" y="488915"/>
+            <a:off x="8729630" y="4750200"/>
             <a:ext cx="1219200" cy="1219200"/>
           </a:xfrm>
           <a:prstGeom prst="rect">
@@ -16334,7 +15613,7 @@
         </p:blipFill>
         <p:spPr>
           <a:xfrm>
-            <a:off x="8731257" y="1827630"/>
+            <a:off x="10436800" y="3320257"/>
             <a:ext cx="1219200" cy="1219200"/>
           </a:xfrm>
           <a:prstGeom prst="rect">
@@ -16365,7 +15644,7 @@
         </p:blipFill>
         <p:spPr>
           <a:xfrm>
-            <a:off x="8784057" y="4774428"/>
+            <a:off x="10525357" y="1988914"/>
             <a:ext cx="1219200" cy="1219200"/>
           </a:xfrm>
           <a:prstGeom prst="rect">
@@ -16396,7 +15675,7 @@
         </p:blipFill>
         <p:spPr>
           <a:xfrm>
-            <a:off x="10396399" y="3390600"/>
+            <a:off x="10436800" y="466143"/>
             <a:ext cx="1219200" cy="1219200"/>
           </a:xfrm>
           <a:prstGeom prst="rect">
@@ -16427,7 +15706,7 @@
         </p:blipFill>
         <p:spPr>
           <a:xfrm>
-            <a:off x="10349658" y="2076345"/>
+            <a:off x="249658" y="1685343"/>
             <a:ext cx="1219200" cy="1219200"/>
           </a:xfrm>
           <a:prstGeom prst="rect">
@@ -16458,7 +15737,7 @@
         </p:blipFill>
         <p:spPr>
           <a:xfrm>
-            <a:off x="8773943" y="3438915"/>
+            <a:off x="249658" y="325857"/>
             <a:ext cx="1219200" cy="1219200"/>
           </a:xfrm>
           <a:prstGeom prst="rect">
@@ -16469,7 +15748,7 @@
     </p:spTree>
     <p:extLst>
       <p:ext uri="{BB962C8B-B14F-4D97-AF65-F5344CB8AC3E}">
-        <p14:creationId xmlns:p14="http://schemas.microsoft.com/office/powerpoint/2010/main" val="214978686"/>
+        <p14:creationId xmlns:p14="http://schemas.microsoft.com/office/powerpoint/2010/main" val="438152526"/>
       </p:ext>
     </p:extLst>
   </p:cSld>
@@ -16519,7 +15798,7 @@
         </p:blipFill>
         <p:spPr>
           <a:xfrm>
-            <a:off x="304800" y="373743"/>
+            <a:off x="297543" y="293914"/>
             <a:ext cx="1219200" cy="1219200"/>
           </a:xfrm>
           <a:prstGeom prst="rect">
@@ -16550,7 +15829,7 @@
         </p:blipFill>
         <p:spPr>
           <a:xfrm>
-            <a:off x="304800" y="2022400"/>
+            <a:off x="297543" y="1670372"/>
             <a:ext cx="1219200" cy="1219200"/>
           </a:xfrm>
           <a:prstGeom prst="rect">
@@ -16581,7 +15860,7 @@
         </p:blipFill>
         <p:spPr>
           <a:xfrm>
-            <a:off x="304800" y="3400200"/>
+            <a:off x="375086" y="4580546"/>
             <a:ext cx="1219200" cy="1219200"/>
           </a:xfrm>
           <a:prstGeom prst="rect">
@@ -16612,7 +15891,7 @@
         </p:blipFill>
         <p:spPr>
           <a:xfrm>
-            <a:off x="304800" y="4779000"/>
+            <a:off x="355657" y="3046830"/>
             <a:ext cx="1219200" cy="1219200"/>
           </a:xfrm>
           <a:prstGeom prst="rect">
@@ -16643,7 +15922,7 @@
         </p:blipFill>
         <p:spPr>
           <a:xfrm>
-            <a:off x="1942572" y="373743"/>
+            <a:off x="2065943" y="219000"/>
             <a:ext cx="1219200" cy="1219200"/>
           </a:xfrm>
           <a:prstGeom prst="rect">
@@ -16674,7 +15953,7 @@
         </p:blipFill>
         <p:spPr>
           <a:xfrm>
-            <a:off x="2020000" y="1907514"/>
+            <a:off x="2065943" y="3100200"/>
             <a:ext cx="1219200" cy="1219200"/>
           </a:xfrm>
           <a:prstGeom prst="rect">
@@ -16705,7 +15984,7 @@
         </p:blipFill>
         <p:spPr>
           <a:xfrm>
-            <a:off x="1838629" y="3400200"/>
+            <a:off x="1974058" y="1670372"/>
             <a:ext cx="1219200" cy="1219200"/>
           </a:xfrm>
           <a:prstGeom prst="rect">
@@ -16736,7 +16015,7 @@
         </p:blipFill>
         <p:spPr>
           <a:xfrm>
-            <a:off x="1976400" y="4787771"/>
+            <a:off x="2030971" y="4594343"/>
             <a:ext cx="1219200" cy="1219200"/>
           </a:xfrm>
           <a:prstGeom prst="rect">
@@ -16767,7 +16046,7 @@
         </p:blipFill>
         <p:spPr>
           <a:xfrm>
-            <a:off x="3580515" y="2022400"/>
+            <a:off x="3834343" y="219000"/>
             <a:ext cx="1219200" cy="1219200"/>
           </a:xfrm>
           <a:prstGeom prst="rect">
@@ -16798,7 +16077,7 @@
         </p:blipFill>
         <p:spPr>
           <a:xfrm>
-            <a:off x="3580515" y="373743"/>
+            <a:off x="3939743" y="4580546"/>
             <a:ext cx="1219200" cy="1219200"/>
           </a:xfrm>
           <a:prstGeom prst="rect">
@@ -16829,7 +16108,7 @@
         </p:blipFill>
         <p:spPr>
           <a:xfrm>
-            <a:off x="3517486" y="3400200"/>
+            <a:off x="3894857" y="1708115"/>
             <a:ext cx="1219200" cy="1219200"/>
           </a:xfrm>
           <a:prstGeom prst="rect">
@@ -16860,7 +16139,7 @@
         </p:blipFill>
         <p:spPr>
           <a:xfrm>
-            <a:off x="3580515" y="4742285"/>
+            <a:off x="3941886" y="3046830"/>
             <a:ext cx="1219200" cy="1219200"/>
           </a:xfrm>
           <a:prstGeom prst="rect">
@@ -16891,7 +16170,7 @@
         </p:blipFill>
         <p:spPr>
           <a:xfrm>
-            <a:off x="5476972" y="3584256"/>
+            <a:off x="5571372" y="1767343"/>
             <a:ext cx="1219200" cy="1219200"/>
           </a:xfrm>
           <a:prstGeom prst="rect">
@@ -16922,7 +16201,7 @@
         </p:blipFill>
         <p:spPr>
           <a:xfrm>
-            <a:off x="5476972" y="458658"/>
+            <a:off x="5602743" y="293914"/>
             <a:ext cx="1219200" cy="1219200"/>
           </a:xfrm>
           <a:prstGeom prst="rect">
@@ -16953,7 +16232,7 @@
         </p:blipFill>
         <p:spPr>
           <a:xfrm>
-            <a:off x="5476972" y="2021457"/>
+            <a:off x="5571372" y="3240772"/>
             <a:ext cx="1219200" cy="1219200"/>
           </a:xfrm>
           <a:prstGeom prst="rect">
@@ -16984,7 +16263,7 @@
         </p:blipFill>
         <p:spPr>
           <a:xfrm>
-            <a:off x="5476972" y="4909800"/>
+            <a:off x="7117200" y="388543"/>
             <a:ext cx="1219200" cy="1219200"/>
           </a:xfrm>
           <a:prstGeom prst="rect">
@@ -17015,7 +16294,7 @@
         </p:blipFill>
         <p:spPr>
           <a:xfrm>
-            <a:off x="7291771" y="505572"/>
+            <a:off x="7211944" y="1819487"/>
             <a:ext cx="1219200" cy="1219200"/>
           </a:xfrm>
           <a:prstGeom prst="rect">
@@ -17046,7 +16325,7 @@
         </p:blipFill>
         <p:spPr>
           <a:xfrm>
-            <a:off x="7373429" y="2021457"/>
+            <a:off x="5624857" y="4609800"/>
             <a:ext cx="1219200" cy="1219200"/>
           </a:xfrm>
           <a:prstGeom prst="rect">
@@ -17077,7 +16356,7 @@
         </p:blipFill>
         <p:spPr>
           <a:xfrm>
-            <a:off x="7496971" y="4953456"/>
+            <a:off x="7284514" y="3295545"/>
             <a:ext cx="1219200" cy="1219200"/>
           </a:xfrm>
           <a:prstGeom prst="rect">
@@ -17108,7 +16387,7 @@
         </p:blipFill>
         <p:spPr>
           <a:xfrm>
-            <a:off x="7357257" y="3584256"/>
+            <a:off x="7309971" y="4675172"/>
             <a:ext cx="1219200" cy="1219200"/>
           </a:xfrm>
           <a:prstGeom prst="rect">
@@ -17139,7 +16418,7 @@
         </p:blipFill>
         <p:spPr>
           <a:xfrm>
-            <a:off x="9106570" y="505572"/>
+            <a:off x="8636400" y="399829"/>
             <a:ext cx="1219200" cy="1219200"/>
           </a:xfrm>
           <a:prstGeom prst="rect">
@@ -17170,7 +16449,162 @@
         </p:blipFill>
         <p:spPr>
           <a:xfrm>
-            <a:off x="9106570" y="2021457"/>
+            <a:off x="10392629" y="488915"/>
+            <a:ext cx="1219200" cy="1219200"/>
+          </a:xfrm>
+          <a:prstGeom prst="rect">
+            <a:avLst/>
+          </a:prstGeom>
+        </p:spPr>
+      </p:pic>
+      <p:pic>
+        <p:nvPicPr>
+          <p:cNvPr id="24" name="Picture 23"/>
+          <p:cNvPicPr>
+            <a:picLocks noChangeAspect="1"/>
+          </p:cNvPicPr>
+          <p:nvPr/>
+        </p:nvPicPr>
+        <p:blipFill>
+          <a:blip r:embed="rId24">
+            <a:lum bright="70000" contrast="-70000"/>
+            <a:extLst>
+              <a:ext uri="{28A0092B-C50C-407E-A947-70E740481C1C}">
+                <a14:useLocalDpi xmlns:a14="http://schemas.microsoft.com/office/drawing/2010/main" val="0"/>
+              </a:ext>
+            </a:extLst>
+          </a:blip>
+          <a:stretch>
+            <a:fillRect/>
+          </a:stretch>
+        </p:blipFill>
+        <p:spPr>
+          <a:xfrm>
+            <a:off x="8731257" y="1827630"/>
+            <a:ext cx="1219200" cy="1219200"/>
+          </a:xfrm>
+          <a:prstGeom prst="rect">
+            <a:avLst/>
+          </a:prstGeom>
+        </p:spPr>
+      </p:pic>
+      <p:pic>
+        <p:nvPicPr>
+          <p:cNvPr id="25" name="Picture 24"/>
+          <p:cNvPicPr>
+            <a:picLocks noChangeAspect="1"/>
+          </p:cNvPicPr>
+          <p:nvPr/>
+        </p:nvPicPr>
+        <p:blipFill>
+          <a:blip r:embed="rId25">
+            <a:lum bright="70000" contrast="-70000"/>
+            <a:extLst>
+              <a:ext uri="{28A0092B-C50C-407E-A947-70E740481C1C}">
+                <a14:useLocalDpi xmlns:a14="http://schemas.microsoft.com/office/drawing/2010/main" val="0"/>
+              </a:ext>
+            </a:extLst>
+          </a:blip>
+          <a:stretch>
+            <a:fillRect/>
+          </a:stretch>
+        </p:blipFill>
+        <p:spPr>
+          <a:xfrm>
+            <a:off x="8784057" y="4774428"/>
+            <a:ext cx="1219200" cy="1219200"/>
+          </a:xfrm>
+          <a:prstGeom prst="rect">
+            <a:avLst/>
+          </a:prstGeom>
+        </p:spPr>
+      </p:pic>
+      <p:pic>
+        <p:nvPicPr>
+          <p:cNvPr id="26" name="Picture 25"/>
+          <p:cNvPicPr>
+            <a:picLocks noChangeAspect="1"/>
+          </p:cNvPicPr>
+          <p:nvPr/>
+        </p:nvPicPr>
+        <p:blipFill>
+          <a:blip r:embed="rId26">
+            <a:lum bright="70000" contrast="-70000"/>
+            <a:extLst>
+              <a:ext uri="{28A0092B-C50C-407E-A947-70E740481C1C}">
+                <a14:useLocalDpi xmlns:a14="http://schemas.microsoft.com/office/drawing/2010/main" val="0"/>
+              </a:ext>
+            </a:extLst>
+          </a:blip>
+          <a:stretch>
+            <a:fillRect/>
+          </a:stretch>
+        </p:blipFill>
+        <p:spPr>
+          <a:xfrm>
+            <a:off x="10396399" y="3390600"/>
+            <a:ext cx="1219200" cy="1219200"/>
+          </a:xfrm>
+          <a:prstGeom prst="rect">
+            <a:avLst/>
+          </a:prstGeom>
+        </p:spPr>
+      </p:pic>
+      <p:pic>
+        <p:nvPicPr>
+          <p:cNvPr id="27" name="Picture 26"/>
+          <p:cNvPicPr>
+            <a:picLocks noChangeAspect="1"/>
+          </p:cNvPicPr>
+          <p:nvPr/>
+        </p:nvPicPr>
+        <p:blipFill>
+          <a:blip r:embed="rId27">
+            <a:lum bright="70000" contrast="-70000"/>
+            <a:extLst>
+              <a:ext uri="{28A0092B-C50C-407E-A947-70E740481C1C}">
+                <a14:useLocalDpi xmlns:a14="http://schemas.microsoft.com/office/drawing/2010/main" val="0"/>
+              </a:ext>
+            </a:extLst>
+          </a:blip>
+          <a:stretch>
+            <a:fillRect/>
+          </a:stretch>
+        </p:blipFill>
+        <p:spPr>
+          <a:xfrm>
+            <a:off x="10349658" y="2076345"/>
+            <a:ext cx="1219200" cy="1219200"/>
+          </a:xfrm>
+          <a:prstGeom prst="rect">
+            <a:avLst/>
+          </a:prstGeom>
+        </p:spPr>
+      </p:pic>
+      <p:pic>
+        <p:nvPicPr>
+          <p:cNvPr id="28" name="Picture 27"/>
+          <p:cNvPicPr>
+            <a:picLocks noChangeAspect="1"/>
+          </p:cNvPicPr>
+          <p:nvPr/>
+        </p:nvPicPr>
+        <p:blipFill>
+          <a:blip r:embed="rId28">
+            <a:lum bright="70000" contrast="-70000"/>
+            <a:extLst>
+              <a:ext uri="{28A0092B-C50C-407E-A947-70E740481C1C}">
+                <a14:useLocalDpi xmlns:a14="http://schemas.microsoft.com/office/drawing/2010/main" val="0"/>
+              </a:ext>
+            </a:extLst>
+          </a:blip>
+          <a:stretch>
+            <a:fillRect/>
+          </a:stretch>
+        </p:blipFill>
+        <p:spPr>
+          <a:xfrm>
+            <a:off x="8773943" y="3438915"/>
             <a:ext cx="1219200" cy="1219200"/>
           </a:xfrm>
           <a:prstGeom prst="rect">
@@ -17181,7 +16615,7 @@
     </p:spTree>
     <p:extLst>
       <p:ext uri="{BB962C8B-B14F-4D97-AF65-F5344CB8AC3E}">
-        <p14:creationId xmlns:p14="http://schemas.microsoft.com/office/powerpoint/2010/main" val="3555470181"/>
+        <p14:creationId xmlns:p14="http://schemas.microsoft.com/office/powerpoint/2010/main" val="214978686"/>
       </p:ext>
     </p:extLst>
   </p:cSld>
@@ -17404,6 +16838,718 @@
 </file>
 
 <file path=ppt/slides/slide50.xml><?xml version="1.0" encoding="utf-8"?>
+<p:sld xmlns:a="http://schemas.openxmlformats.org/drawingml/2006/main" xmlns:r="http://schemas.openxmlformats.org/officeDocument/2006/relationships" xmlns:p="http://schemas.openxmlformats.org/presentationml/2006/main" show="0">
+  <p:cSld>
+    <p:spTree>
+      <p:nvGrpSpPr>
+        <p:cNvPr id="1" name=""/>
+        <p:cNvGrpSpPr/>
+        <p:nvPr/>
+      </p:nvGrpSpPr>
+      <p:grpSpPr>
+        <a:xfrm>
+          <a:off x="0" y="0"/>
+          <a:ext cx="0" cy="0"/>
+          <a:chOff x="0" y="0"/>
+          <a:chExt cx="0" cy="0"/>
+        </a:xfrm>
+      </p:grpSpPr>
+      <p:pic>
+        <p:nvPicPr>
+          <p:cNvPr id="2" name="Picture 1"/>
+          <p:cNvPicPr>
+            <a:picLocks noChangeAspect="1"/>
+          </p:cNvPicPr>
+          <p:nvPr/>
+        </p:nvPicPr>
+        <p:blipFill>
+          <a:blip r:embed="rId2">
+            <a:lum bright="70000" contrast="-70000"/>
+            <a:extLst>
+              <a:ext uri="{28A0092B-C50C-407E-A947-70E740481C1C}">
+                <a14:useLocalDpi xmlns:a14="http://schemas.microsoft.com/office/drawing/2010/main" val="0"/>
+              </a:ext>
+            </a:extLst>
+          </a:blip>
+          <a:stretch>
+            <a:fillRect/>
+          </a:stretch>
+        </p:blipFill>
+        <p:spPr>
+          <a:xfrm>
+            <a:off x="304800" y="373743"/>
+            <a:ext cx="1219200" cy="1219200"/>
+          </a:xfrm>
+          <a:prstGeom prst="rect">
+            <a:avLst/>
+          </a:prstGeom>
+        </p:spPr>
+      </p:pic>
+      <p:pic>
+        <p:nvPicPr>
+          <p:cNvPr id="3" name="Picture 2"/>
+          <p:cNvPicPr>
+            <a:picLocks noChangeAspect="1"/>
+          </p:cNvPicPr>
+          <p:nvPr/>
+        </p:nvPicPr>
+        <p:blipFill>
+          <a:blip r:embed="rId3">
+            <a:lum bright="70000" contrast="-70000"/>
+            <a:extLst>
+              <a:ext uri="{28A0092B-C50C-407E-A947-70E740481C1C}">
+                <a14:useLocalDpi xmlns:a14="http://schemas.microsoft.com/office/drawing/2010/main" val="0"/>
+              </a:ext>
+            </a:extLst>
+          </a:blip>
+          <a:stretch>
+            <a:fillRect/>
+          </a:stretch>
+        </p:blipFill>
+        <p:spPr>
+          <a:xfrm>
+            <a:off x="304800" y="2022400"/>
+            <a:ext cx="1219200" cy="1219200"/>
+          </a:xfrm>
+          <a:prstGeom prst="rect">
+            <a:avLst/>
+          </a:prstGeom>
+        </p:spPr>
+      </p:pic>
+      <p:pic>
+        <p:nvPicPr>
+          <p:cNvPr id="4" name="Picture 3"/>
+          <p:cNvPicPr>
+            <a:picLocks noChangeAspect="1"/>
+          </p:cNvPicPr>
+          <p:nvPr/>
+        </p:nvPicPr>
+        <p:blipFill>
+          <a:blip r:embed="rId4">
+            <a:lum bright="70000" contrast="-70000"/>
+            <a:extLst>
+              <a:ext uri="{28A0092B-C50C-407E-A947-70E740481C1C}">
+                <a14:useLocalDpi xmlns:a14="http://schemas.microsoft.com/office/drawing/2010/main" val="0"/>
+              </a:ext>
+            </a:extLst>
+          </a:blip>
+          <a:stretch>
+            <a:fillRect/>
+          </a:stretch>
+        </p:blipFill>
+        <p:spPr>
+          <a:xfrm>
+            <a:off x="304800" y="3400200"/>
+            <a:ext cx="1219200" cy="1219200"/>
+          </a:xfrm>
+          <a:prstGeom prst="rect">
+            <a:avLst/>
+          </a:prstGeom>
+        </p:spPr>
+      </p:pic>
+      <p:pic>
+        <p:nvPicPr>
+          <p:cNvPr id="5" name="Picture 4"/>
+          <p:cNvPicPr>
+            <a:picLocks noChangeAspect="1"/>
+          </p:cNvPicPr>
+          <p:nvPr/>
+        </p:nvPicPr>
+        <p:blipFill>
+          <a:blip r:embed="rId5">
+            <a:lum bright="70000" contrast="-70000"/>
+            <a:extLst>
+              <a:ext uri="{28A0092B-C50C-407E-A947-70E740481C1C}">
+                <a14:useLocalDpi xmlns:a14="http://schemas.microsoft.com/office/drawing/2010/main" val="0"/>
+              </a:ext>
+            </a:extLst>
+          </a:blip>
+          <a:stretch>
+            <a:fillRect/>
+          </a:stretch>
+        </p:blipFill>
+        <p:spPr>
+          <a:xfrm>
+            <a:off x="304800" y="4779000"/>
+            <a:ext cx="1219200" cy="1219200"/>
+          </a:xfrm>
+          <a:prstGeom prst="rect">
+            <a:avLst/>
+          </a:prstGeom>
+        </p:spPr>
+      </p:pic>
+      <p:pic>
+        <p:nvPicPr>
+          <p:cNvPr id="6" name="Picture 5"/>
+          <p:cNvPicPr>
+            <a:picLocks noChangeAspect="1"/>
+          </p:cNvPicPr>
+          <p:nvPr/>
+        </p:nvPicPr>
+        <p:blipFill>
+          <a:blip r:embed="rId6">
+            <a:lum bright="70000" contrast="-70000"/>
+            <a:extLst>
+              <a:ext uri="{28A0092B-C50C-407E-A947-70E740481C1C}">
+                <a14:useLocalDpi xmlns:a14="http://schemas.microsoft.com/office/drawing/2010/main" val="0"/>
+              </a:ext>
+            </a:extLst>
+          </a:blip>
+          <a:stretch>
+            <a:fillRect/>
+          </a:stretch>
+        </p:blipFill>
+        <p:spPr>
+          <a:xfrm>
+            <a:off x="1942572" y="373743"/>
+            <a:ext cx="1219200" cy="1219200"/>
+          </a:xfrm>
+          <a:prstGeom prst="rect">
+            <a:avLst/>
+          </a:prstGeom>
+        </p:spPr>
+      </p:pic>
+      <p:pic>
+        <p:nvPicPr>
+          <p:cNvPr id="7" name="Picture 6"/>
+          <p:cNvPicPr>
+            <a:picLocks noChangeAspect="1"/>
+          </p:cNvPicPr>
+          <p:nvPr/>
+        </p:nvPicPr>
+        <p:blipFill>
+          <a:blip r:embed="rId7">
+            <a:lum bright="70000" contrast="-70000"/>
+            <a:extLst>
+              <a:ext uri="{28A0092B-C50C-407E-A947-70E740481C1C}">
+                <a14:useLocalDpi xmlns:a14="http://schemas.microsoft.com/office/drawing/2010/main" val="0"/>
+              </a:ext>
+            </a:extLst>
+          </a:blip>
+          <a:stretch>
+            <a:fillRect/>
+          </a:stretch>
+        </p:blipFill>
+        <p:spPr>
+          <a:xfrm>
+            <a:off x="2020000" y="1907514"/>
+            <a:ext cx="1219200" cy="1219200"/>
+          </a:xfrm>
+          <a:prstGeom prst="rect">
+            <a:avLst/>
+          </a:prstGeom>
+        </p:spPr>
+      </p:pic>
+      <p:pic>
+        <p:nvPicPr>
+          <p:cNvPr id="8" name="Picture 7"/>
+          <p:cNvPicPr>
+            <a:picLocks noChangeAspect="1"/>
+          </p:cNvPicPr>
+          <p:nvPr/>
+        </p:nvPicPr>
+        <p:blipFill>
+          <a:blip r:embed="rId8">
+            <a:lum bright="70000" contrast="-70000"/>
+            <a:extLst>
+              <a:ext uri="{28A0092B-C50C-407E-A947-70E740481C1C}">
+                <a14:useLocalDpi xmlns:a14="http://schemas.microsoft.com/office/drawing/2010/main" val="0"/>
+              </a:ext>
+            </a:extLst>
+          </a:blip>
+          <a:stretch>
+            <a:fillRect/>
+          </a:stretch>
+        </p:blipFill>
+        <p:spPr>
+          <a:xfrm>
+            <a:off x="1838629" y="3400200"/>
+            <a:ext cx="1219200" cy="1219200"/>
+          </a:xfrm>
+          <a:prstGeom prst="rect">
+            <a:avLst/>
+          </a:prstGeom>
+        </p:spPr>
+      </p:pic>
+      <p:pic>
+        <p:nvPicPr>
+          <p:cNvPr id="9" name="Picture 8"/>
+          <p:cNvPicPr>
+            <a:picLocks noChangeAspect="1"/>
+          </p:cNvPicPr>
+          <p:nvPr/>
+        </p:nvPicPr>
+        <p:blipFill>
+          <a:blip r:embed="rId9">
+            <a:lum bright="70000" contrast="-70000"/>
+            <a:extLst>
+              <a:ext uri="{28A0092B-C50C-407E-A947-70E740481C1C}">
+                <a14:useLocalDpi xmlns:a14="http://schemas.microsoft.com/office/drawing/2010/main" val="0"/>
+              </a:ext>
+            </a:extLst>
+          </a:blip>
+          <a:stretch>
+            <a:fillRect/>
+          </a:stretch>
+        </p:blipFill>
+        <p:spPr>
+          <a:xfrm>
+            <a:off x="1976400" y="4787771"/>
+            <a:ext cx="1219200" cy="1219200"/>
+          </a:xfrm>
+          <a:prstGeom prst="rect">
+            <a:avLst/>
+          </a:prstGeom>
+        </p:spPr>
+      </p:pic>
+      <p:pic>
+        <p:nvPicPr>
+          <p:cNvPr id="10" name="Picture 9"/>
+          <p:cNvPicPr>
+            <a:picLocks noChangeAspect="1"/>
+          </p:cNvPicPr>
+          <p:nvPr/>
+        </p:nvPicPr>
+        <p:blipFill>
+          <a:blip r:embed="rId10">
+            <a:lum bright="70000" contrast="-70000"/>
+            <a:extLst>
+              <a:ext uri="{28A0092B-C50C-407E-A947-70E740481C1C}">
+                <a14:useLocalDpi xmlns:a14="http://schemas.microsoft.com/office/drawing/2010/main" val="0"/>
+              </a:ext>
+            </a:extLst>
+          </a:blip>
+          <a:stretch>
+            <a:fillRect/>
+          </a:stretch>
+        </p:blipFill>
+        <p:spPr>
+          <a:xfrm>
+            <a:off x="3580515" y="2022400"/>
+            <a:ext cx="1219200" cy="1219200"/>
+          </a:xfrm>
+          <a:prstGeom prst="rect">
+            <a:avLst/>
+          </a:prstGeom>
+        </p:spPr>
+      </p:pic>
+      <p:pic>
+        <p:nvPicPr>
+          <p:cNvPr id="11" name="Picture 10"/>
+          <p:cNvPicPr>
+            <a:picLocks noChangeAspect="1"/>
+          </p:cNvPicPr>
+          <p:nvPr/>
+        </p:nvPicPr>
+        <p:blipFill>
+          <a:blip r:embed="rId11">
+            <a:lum bright="70000" contrast="-70000"/>
+            <a:extLst>
+              <a:ext uri="{28A0092B-C50C-407E-A947-70E740481C1C}">
+                <a14:useLocalDpi xmlns:a14="http://schemas.microsoft.com/office/drawing/2010/main" val="0"/>
+              </a:ext>
+            </a:extLst>
+          </a:blip>
+          <a:stretch>
+            <a:fillRect/>
+          </a:stretch>
+        </p:blipFill>
+        <p:spPr>
+          <a:xfrm>
+            <a:off x="3580515" y="373743"/>
+            <a:ext cx="1219200" cy="1219200"/>
+          </a:xfrm>
+          <a:prstGeom prst="rect">
+            <a:avLst/>
+          </a:prstGeom>
+        </p:spPr>
+      </p:pic>
+      <p:pic>
+        <p:nvPicPr>
+          <p:cNvPr id="12" name="Picture 11"/>
+          <p:cNvPicPr>
+            <a:picLocks noChangeAspect="1"/>
+          </p:cNvPicPr>
+          <p:nvPr/>
+        </p:nvPicPr>
+        <p:blipFill>
+          <a:blip r:embed="rId12">
+            <a:lum bright="70000" contrast="-70000"/>
+            <a:extLst>
+              <a:ext uri="{28A0092B-C50C-407E-A947-70E740481C1C}">
+                <a14:useLocalDpi xmlns:a14="http://schemas.microsoft.com/office/drawing/2010/main" val="0"/>
+              </a:ext>
+            </a:extLst>
+          </a:blip>
+          <a:stretch>
+            <a:fillRect/>
+          </a:stretch>
+        </p:blipFill>
+        <p:spPr>
+          <a:xfrm>
+            <a:off x="3517486" y="3400200"/>
+            <a:ext cx="1219200" cy="1219200"/>
+          </a:xfrm>
+          <a:prstGeom prst="rect">
+            <a:avLst/>
+          </a:prstGeom>
+        </p:spPr>
+      </p:pic>
+      <p:pic>
+        <p:nvPicPr>
+          <p:cNvPr id="13" name="Picture 12"/>
+          <p:cNvPicPr>
+            <a:picLocks noChangeAspect="1"/>
+          </p:cNvPicPr>
+          <p:nvPr/>
+        </p:nvPicPr>
+        <p:blipFill>
+          <a:blip r:embed="rId13">
+            <a:lum bright="70000" contrast="-70000"/>
+            <a:extLst>
+              <a:ext uri="{28A0092B-C50C-407E-A947-70E740481C1C}">
+                <a14:useLocalDpi xmlns:a14="http://schemas.microsoft.com/office/drawing/2010/main" val="0"/>
+              </a:ext>
+            </a:extLst>
+          </a:blip>
+          <a:stretch>
+            <a:fillRect/>
+          </a:stretch>
+        </p:blipFill>
+        <p:spPr>
+          <a:xfrm>
+            <a:off x="3580515" y="4742285"/>
+            <a:ext cx="1219200" cy="1219200"/>
+          </a:xfrm>
+          <a:prstGeom prst="rect">
+            <a:avLst/>
+          </a:prstGeom>
+        </p:spPr>
+      </p:pic>
+      <p:pic>
+        <p:nvPicPr>
+          <p:cNvPr id="14" name="Picture 13"/>
+          <p:cNvPicPr>
+            <a:picLocks noChangeAspect="1"/>
+          </p:cNvPicPr>
+          <p:nvPr/>
+        </p:nvPicPr>
+        <p:blipFill>
+          <a:blip r:embed="rId14">
+            <a:lum bright="70000" contrast="-70000"/>
+            <a:extLst>
+              <a:ext uri="{28A0092B-C50C-407E-A947-70E740481C1C}">
+                <a14:useLocalDpi xmlns:a14="http://schemas.microsoft.com/office/drawing/2010/main" val="0"/>
+              </a:ext>
+            </a:extLst>
+          </a:blip>
+          <a:stretch>
+            <a:fillRect/>
+          </a:stretch>
+        </p:blipFill>
+        <p:spPr>
+          <a:xfrm>
+            <a:off x="5476972" y="3584256"/>
+            <a:ext cx="1219200" cy="1219200"/>
+          </a:xfrm>
+          <a:prstGeom prst="rect">
+            <a:avLst/>
+          </a:prstGeom>
+        </p:spPr>
+      </p:pic>
+      <p:pic>
+        <p:nvPicPr>
+          <p:cNvPr id="15" name="Picture 14"/>
+          <p:cNvPicPr>
+            <a:picLocks noChangeAspect="1"/>
+          </p:cNvPicPr>
+          <p:nvPr/>
+        </p:nvPicPr>
+        <p:blipFill>
+          <a:blip r:embed="rId15">
+            <a:lum bright="70000" contrast="-70000"/>
+            <a:extLst>
+              <a:ext uri="{28A0092B-C50C-407E-A947-70E740481C1C}">
+                <a14:useLocalDpi xmlns:a14="http://schemas.microsoft.com/office/drawing/2010/main" val="0"/>
+              </a:ext>
+            </a:extLst>
+          </a:blip>
+          <a:stretch>
+            <a:fillRect/>
+          </a:stretch>
+        </p:blipFill>
+        <p:spPr>
+          <a:xfrm>
+            <a:off x="5476972" y="458658"/>
+            <a:ext cx="1219200" cy="1219200"/>
+          </a:xfrm>
+          <a:prstGeom prst="rect">
+            <a:avLst/>
+          </a:prstGeom>
+        </p:spPr>
+      </p:pic>
+      <p:pic>
+        <p:nvPicPr>
+          <p:cNvPr id="16" name="Picture 15"/>
+          <p:cNvPicPr>
+            <a:picLocks noChangeAspect="1"/>
+          </p:cNvPicPr>
+          <p:nvPr/>
+        </p:nvPicPr>
+        <p:blipFill>
+          <a:blip r:embed="rId16">
+            <a:lum bright="70000" contrast="-70000"/>
+            <a:extLst>
+              <a:ext uri="{28A0092B-C50C-407E-A947-70E740481C1C}">
+                <a14:useLocalDpi xmlns:a14="http://schemas.microsoft.com/office/drawing/2010/main" val="0"/>
+              </a:ext>
+            </a:extLst>
+          </a:blip>
+          <a:stretch>
+            <a:fillRect/>
+          </a:stretch>
+        </p:blipFill>
+        <p:spPr>
+          <a:xfrm>
+            <a:off x="5476972" y="2021457"/>
+            <a:ext cx="1219200" cy="1219200"/>
+          </a:xfrm>
+          <a:prstGeom prst="rect">
+            <a:avLst/>
+          </a:prstGeom>
+        </p:spPr>
+      </p:pic>
+      <p:pic>
+        <p:nvPicPr>
+          <p:cNvPr id="17" name="Picture 16"/>
+          <p:cNvPicPr>
+            <a:picLocks noChangeAspect="1"/>
+          </p:cNvPicPr>
+          <p:nvPr/>
+        </p:nvPicPr>
+        <p:blipFill>
+          <a:blip r:embed="rId17">
+            <a:lum bright="70000" contrast="-70000"/>
+            <a:extLst>
+              <a:ext uri="{28A0092B-C50C-407E-A947-70E740481C1C}">
+                <a14:useLocalDpi xmlns:a14="http://schemas.microsoft.com/office/drawing/2010/main" val="0"/>
+              </a:ext>
+            </a:extLst>
+          </a:blip>
+          <a:stretch>
+            <a:fillRect/>
+          </a:stretch>
+        </p:blipFill>
+        <p:spPr>
+          <a:xfrm>
+            <a:off x="5476972" y="4909800"/>
+            <a:ext cx="1219200" cy="1219200"/>
+          </a:xfrm>
+          <a:prstGeom prst="rect">
+            <a:avLst/>
+          </a:prstGeom>
+        </p:spPr>
+      </p:pic>
+      <p:pic>
+        <p:nvPicPr>
+          <p:cNvPr id="18" name="Picture 17"/>
+          <p:cNvPicPr>
+            <a:picLocks noChangeAspect="1"/>
+          </p:cNvPicPr>
+          <p:nvPr/>
+        </p:nvPicPr>
+        <p:blipFill>
+          <a:blip r:embed="rId18">
+            <a:lum bright="70000" contrast="-70000"/>
+            <a:extLst>
+              <a:ext uri="{28A0092B-C50C-407E-A947-70E740481C1C}">
+                <a14:useLocalDpi xmlns:a14="http://schemas.microsoft.com/office/drawing/2010/main" val="0"/>
+              </a:ext>
+            </a:extLst>
+          </a:blip>
+          <a:stretch>
+            <a:fillRect/>
+          </a:stretch>
+        </p:blipFill>
+        <p:spPr>
+          <a:xfrm>
+            <a:off x="7291771" y="505572"/>
+            <a:ext cx="1219200" cy="1219200"/>
+          </a:xfrm>
+          <a:prstGeom prst="rect">
+            <a:avLst/>
+          </a:prstGeom>
+        </p:spPr>
+      </p:pic>
+      <p:pic>
+        <p:nvPicPr>
+          <p:cNvPr id="19" name="Picture 18"/>
+          <p:cNvPicPr>
+            <a:picLocks noChangeAspect="1"/>
+          </p:cNvPicPr>
+          <p:nvPr/>
+        </p:nvPicPr>
+        <p:blipFill>
+          <a:blip r:embed="rId19">
+            <a:lum bright="70000" contrast="-70000"/>
+            <a:extLst>
+              <a:ext uri="{28A0092B-C50C-407E-A947-70E740481C1C}">
+                <a14:useLocalDpi xmlns:a14="http://schemas.microsoft.com/office/drawing/2010/main" val="0"/>
+              </a:ext>
+            </a:extLst>
+          </a:blip>
+          <a:stretch>
+            <a:fillRect/>
+          </a:stretch>
+        </p:blipFill>
+        <p:spPr>
+          <a:xfrm>
+            <a:off x="7373429" y="2021457"/>
+            <a:ext cx="1219200" cy="1219200"/>
+          </a:xfrm>
+          <a:prstGeom prst="rect">
+            <a:avLst/>
+          </a:prstGeom>
+        </p:spPr>
+      </p:pic>
+      <p:pic>
+        <p:nvPicPr>
+          <p:cNvPr id="20" name="Picture 19"/>
+          <p:cNvPicPr>
+            <a:picLocks noChangeAspect="1"/>
+          </p:cNvPicPr>
+          <p:nvPr/>
+        </p:nvPicPr>
+        <p:blipFill>
+          <a:blip r:embed="rId20">
+            <a:lum bright="70000" contrast="-70000"/>
+            <a:extLst>
+              <a:ext uri="{28A0092B-C50C-407E-A947-70E740481C1C}">
+                <a14:useLocalDpi xmlns:a14="http://schemas.microsoft.com/office/drawing/2010/main" val="0"/>
+              </a:ext>
+            </a:extLst>
+          </a:blip>
+          <a:stretch>
+            <a:fillRect/>
+          </a:stretch>
+        </p:blipFill>
+        <p:spPr>
+          <a:xfrm>
+            <a:off x="7496971" y="4953456"/>
+            <a:ext cx="1219200" cy="1219200"/>
+          </a:xfrm>
+          <a:prstGeom prst="rect">
+            <a:avLst/>
+          </a:prstGeom>
+        </p:spPr>
+      </p:pic>
+      <p:pic>
+        <p:nvPicPr>
+          <p:cNvPr id="21" name="Picture 20"/>
+          <p:cNvPicPr>
+            <a:picLocks noChangeAspect="1"/>
+          </p:cNvPicPr>
+          <p:nvPr/>
+        </p:nvPicPr>
+        <p:blipFill>
+          <a:blip r:embed="rId21">
+            <a:lum bright="70000" contrast="-70000"/>
+            <a:extLst>
+              <a:ext uri="{28A0092B-C50C-407E-A947-70E740481C1C}">
+                <a14:useLocalDpi xmlns:a14="http://schemas.microsoft.com/office/drawing/2010/main" val="0"/>
+              </a:ext>
+            </a:extLst>
+          </a:blip>
+          <a:stretch>
+            <a:fillRect/>
+          </a:stretch>
+        </p:blipFill>
+        <p:spPr>
+          <a:xfrm>
+            <a:off x="7357257" y="3584256"/>
+            <a:ext cx="1219200" cy="1219200"/>
+          </a:xfrm>
+          <a:prstGeom prst="rect">
+            <a:avLst/>
+          </a:prstGeom>
+        </p:spPr>
+      </p:pic>
+      <p:pic>
+        <p:nvPicPr>
+          <p:cNvPr id="22" name="Picture 21"/>
+          <p:cNvPicPr>
+            <a:picLocks noChangeAspect="1"/>
+          </p:cNvPicPr>
+          <p:nvPr/>
+        </p:nvPicPr>
+        <p:blipFill>
+          <a:blip r:embed="rId22">
+            <a:lum bright="70000" contrast="-70000"/>
+            <a:extLst>
+              <a:ext uri="{28A0092B-C50C-407E-A947-70E740481C1C}">
+                <a14:useLocalDpi xmlns:a14="http://schemas.microsoft.com/office/drawing/2010/main" val="0"/>
+              </a:ext>
+            </a:extLst>
+          </a:blip>
+          <a:stretch>
+            <a:fillRect/>
+          </a:stretch>
+        </p:blipFill>
+        <p:spPr>
+          <a:xfrm>
+            <a:off x="9106570" y="505572"/>
+            <a:ext cx="1219200" cy="1219200"/>
+          </a:xfrm>
+          <a:prstGeom prst="rect">
+            <a:avLst/>
+          </a:prstGeom>
+        </p:spPr>
+      </p:pic>
+      <p:pic>
+        <p:nvPicPr>
+          <p:cNvPr id="23" name="Picture 22"/>
+          <p:cNvPicPr>
+            <a:picLocks noChangeAspect="1"/>
+          </p:cNvPicPr>
+          <p:nvPr/>
+        </p:nvPicPr>
+        <p:blipFill>
+          <a:blip r:embed="rId23">
+            <a:lum bright="70000" contrast="-70000"/>
+            <a:extLst>
+              <a:ext uri="{28A0092B-C50C-407E-A947-70E740481C1C}">
+                <a14:useLocalDpi xmlns:a14="http://schemas.microsoft.com/office/drawing/2010/main" val="0"/>
+              </a:ext>
+            </a:extLst>
+          </a:blip>
+          <a:stretch>
+            <a:fillRect/>
+          </a:stretch>
+        </p:blipFill>
+        <p:spPr>
+          <a:xfrm>
+            <a:off x="9106570" y="2021457"/>
+            <a:ext cx="1219200" cy="1219200"/>
+          </a:xfrm>
+          <a:prstGeom prst="rect">
+            <a:avLst/>
+          </a:prstGeom>
+        </p:spPr>
+      </p:pic>
+    </p:spTree>
+    <p:extLst>
+      <p:ext uri="{BB962C8B-B14F-4D97-AF65-F5344CB8AC3E}">
+        <p14:creationId xmlns:p14="http://schemas.microsoft.com/office/powerpoint/2010/main" val="3555470181"/>
+      </p:ext>
+    </p:extLst>
+  </p:cSld>
+  <p:clrMapOvr>
+    <a:masterClrMapping/>
+  </p:clrMapOvr>
+</p:sld>
+</file>
+
+<file path=ppt/slides/slide51.xml><?xml version="1.0" encoding="utf-8"?>
 <p:sld xmlns:a="http://schemas.openxmlformats.org/drawingml/2006/main" xmlns:r="http://schemas.openxmlformats.org/officeDocument/2006/relationships" xmlns:p="http://schemas.openxmlformats.org/presentationml/2006/main" show="0">
   <p:cSld>
     <p:spTree>
@@ -18860,6 +19006,15 @@
 </file>
 
 <file path=customXml/item1.xml><?xml version="1.0" encoding="utf-8"?>
+<?mso-contentType ?>
+<FormTemplates xmlns="http://schemas.microsoft.com/sharepoint/v3/contenttype/forms">
+  <Display>DocumentLibraryForm</Display>
+  <Edit>DocumentLibraryForm</Edit>
+  <New>DocumentLibraryForm</New>
+</FormTemplates>
+</file>
+
+<file path=customXml/item2.xml><?xml version="1.0" encoding="utf-8"?>
 <ct:contentTypeSchema xmlns:ct="http://schemas.microsoft.com/office/2006/metadata/contentType" xmlns:ma="http://schemas.microsoft.com/office/2006/metadata/properties/metaAttributes" ct:_="" ma:_="" ma:contentTypeName="Document" ma:contentTypeID="0x010100CFD7474EC5F9804A8C0915A0D2B3E72B" ma:contentTypeVersion="6" ma:contentTypeDescription="Create a new document." ma:contentTypeScope="" ma:versionID="1e506071d132a47b68c5589909b09f0e">
   <xsd:schema xmlns:xsd="http://www.w3.org/2001/XMLSchema" xmlns:xs="http://www.w3.org/2001/XMLSchema" xmlns:p="http://schemas.microsoft.com/office/2006/metadata/properties" xmlns:ns2="437d3976-146d-487e-9b32-45ade7cdb3c3" xmlns:ns3="ba924082-f255-4689-bc14-7c311a17681c" targetNamespace="http://schemas.microsoft.com/office/2006/metadata/properties" ma:root="true" ma:fieldsID="d9451a99ae5dfcf301f63b02ef9f83d5" ns2:_="" ns3:_="">
     <xsd:import namespace="437d3976-146d-487e-9b32-45ade7cdb3c3"/>
@@ -19038,15 +19193,6 @@
 </ct:contentTypeSchema>
 </file>
 
-<file path=customXml/item2.xml><?xml version="1.0" encoding="utf-8"?>
-<?mso-contentType ?>
-<FormTemplates xmlns="http://schemas.microsoft.com/sharepoint/v3/contenttype/forms">
-  <Display>DocumentLibraryForm</Display>
-  <Edit>DocumentLibraryForm</Edit>
-  <New>DocumentLibraryForm</New>
-</FormTemplates>
-</file>
-
 <file path=customXml/item3.xml><?xml version="1.0" encoding="utf-8"?>
 <p:properties xmlns:p="http://schemas.microsoft.com/office/2006/metadata/properties" xmlns:xsi="http://www.w3.org/2001/XMLSchema-instance" xmlns:pc="http://schemas.microsoft.com/office/infopath/2007/PartnerControls">
   <documentManagement/>
@@ -19054,6 +19200,14 @@
 </file>
 
 <file path=customXml/itemProps1.xml><?xml version="1.0" encoding="utf-8"?>
+<ds:datastoreItem xmlns:ds="http://schemas.openxmlformats.org/officeDocument/2006/customXml" ds:itemID="{8F9099B0-B9E3-45A6-848D-7EA25626C078}">
+  <ds:schemaRefs>
+    <ds:schemaRef ds:uri="http://schemas.microsoft.com/sharepoint/v3/contenttype/forms"/>
+  </ds:schemaRefs>
+</ds:datastoreItem>
+</file>
+
+<file path=customXml/itemProps2.xml><?xml version="1.0" encoding="utf-8"?>
 <ds:datastoreItem xmlns:ds="http://schemas.openxmlformats.org/officeDocument/2006/customXml" ds:itemID="{1881FD18-C877-47D9-A9C8-9B9EB7A5D424}">
   <ds:schemaRefs>
     <ds:schemaRef ds:uri="http://schemas.microsoft.com/office/2006/metadata/contentType"/>
@@ -19068,14 +19222,6 @@
     <ds:schemaRef ds:uri="http://purl.org/dc/elements/1.1/"/>
     <ds:schemaRef ds:uri="http://purl.org/dc/terms/"/>
     <ds:schemaRef ds:uri="http://schemas.microsoft.com/internal/obd"/>
-  </ds:schemaRefs>
-</ds:datastoreItem>
-</file>
-
-<file path=customXml/itemProps2.xml><?xml version="1.0" encoding="utf-8"?>
-<ds:datastoreItem xmlns:ds="http://schemas.openxmlformats.org/officeDocument/2006/customXml" ds:itemID="{8F9099B0-B9E3-45A6-848D-7EA25626C078}">
-  <ds:schemaRefs>
-    <ds:schemaRef ds:uri="http://schemas.microsoft.com/sharepoint/v3/contenttype/forms"/>
   </ds:schemaRefs>
 </ds:datastoreItem>
 </file>

--- a/Pester Practically Perfect PowerShell.pptx
+++ b/Pester Practically Perfect PowerShell.pptx
@@ -5,7 +5,7 @@
     <p:sldMasterId id="2147483648" r:id="rId4"/>
   </p:sldMasterIdLst>
   <p:notesMasterIdLst>
-    <p:notesMasterId r:id="rId59"/>
+    <p:notesMasterId r:id="rId57"/>
   </p:notesMasterIdLst>
   <p:sldIdLst>
     <p:sldId id="256" r:id="rId5"/>
@@ -27,41 +27,39 @@
     <p:sldId id="305" r:id="rId21"/>
     <p:sldId id="292" r:id="rId22"/>
     <p:sldId id="308" r:id="rId23"/>
-    <p:sldId id="310" r:id="rId24"/>
-    <p:sldId id="311" r:id="rId25"/>
-    <p:sldId id="306" r:id="rId26"/>
-    <p:sldId id="301" r:id="rId27"/>
-    <p:sldId id="294" r:id="rId28"/>
-    <p:sldId id="296" r:id="rId29"/>
-    <p:sldId id="295" r:id="rId30"/>
-    <p:sldId id="297" r:id="rId31"/>
-    <p:sldId id="298" r:id="rId32"/>
-    <p:sldId id="299" r:id="rId33"/>
-    <p:sldId id="300" r:id="rId34"/>
-    <p:sldId id="302" r:id="rId35"/>
-    <p:sldId id="290" r:id="rId36"/>
-    <p:sldId id="303" r:id="rId37"/>
-    <p:sldId id="304" r:id="rId38"/>
-    <p:sldId id="258" r:id="rId39"/>
-    <p:sldId id="259" r:id="rId40"/>
-    <p:sldId id="279" r:id="rId41"/>
-    <p:sldId id="287" r:id="rId42"/>
-    <p:sldId id="280" r:id="rId43"/>
-    <p:sldId id="262" r:id="rId44"/>
-    <p:sldId id="263" r:id="rId45"/>
-    <p:sldId id="264" r:id="rId46"/>
-    <p:sldId id="265" r:id="rId47"/>
-    <p:sldId id="266" r:id="rId48"/>
-    <p:sldId id="291" r:id="rId49"/>
-    <p:sldId id="268" r:id="rId50"/>
-    <p:sldId id="269" r:id="rId51"/>
-    <p:sldId id="270" r:id="rId52"/>
-    <p:sldId id="271" r:id="rId53"/>
-    <p:sldId id="272" r:id="rId54"/>
-    <p:sldId id="273" r:id="rId55"/>
-    <p:sldId id="274" r:id="rId56"/>
-    <p:sldId id="275" r:id="rId57"/>
-    <p:sldId id="276" r:id="rId58"/>
+    <p:sldId id="295" r:id="rId24"/>
+    <p:sldId id="297" r:id="rId25"/>
+    <p:sldId id="310" r:id="rId26"/>
+    <p:sldId id="311" r:id="rId27"/>
+    <p:sldId id="298" r:id="rId28"/>
+    <p:sldId id="299" r:id="rId29"/>
+    <p:sldId id="306" r:id="rId30"/>
+    <p:sldId id="300" r:id="rId31"/>
+    <p:sldId id="301" r:id="rId32"/>
+    <p:sldId id="302" r:id="rId33"/>
+    <p:sldId id="290" r:id="rId34"/>
+    <p:sldId id="303" r:id="rId35"/>
+    <p:sldId id="304" r:id="rId36"/>
+    <p:sldId id="258" r:id="rId37"/>
+    <p:sldId id="259" r:id="rId38"/>
+    <p:sldId id="279" r:id="rId39"/>
+    <p:sldId id="287" r:id="rId40"/>
+    <p:sldId id="280" r:id="rId41"/>
+    <p:sldId id="262" r:id="rId42"/>
+    <p:sldId id="263" r:id="rId43"/>
+    <p:sldId id="264" r:id="rId44"/>
+    <p:sldId id="265" r:id="rId45"/>
+    <p:sldId id="266" r:id="rId46"/>
+    <p:sldId id="291" r:id="rId47"/>
+    <p:sldId id="268" r:id="rId48"/>
+    <p:sldId id="269" r:id="rId49"/>
+    <p:sldId id="270" r:id="rId50"/>
+    <p:sldId id="271" r:id="rId51"/>
+    <p:sldId id="272" r:id="rId52"/>
+    <p:sldId id="273" r:id="rId53"/>
+    <p:sldId id="274" r:id="rId54"/>
+    <p:sldId id="275" r:id="rId55"/>
+    <p:sldId id="276" r:id="rId56"/>
   </p:sldIdLst>
   <p:sldSz cx="12192000" cy="6858000"/>
   <p:notesSz cx="6858000" cy="9144000"/>
@@ -188,17 +186,15 @@
             <p14:sldId id="305"/>
             <p14:sldId id="292"/>
             <p14:sldId id="308"/>
+            <p14:sldId id="295"/>
+            <p14:sldId id="297"/>
             <p14:sldId id="310"/>
             <p14:sldId id="311"/>
-            <p14:sldId id="306"/>
-            <p14:sldId id="301"/>
-            <p14:sldId id="294"/>
-            <p14:sldId id="296"/>
-            <p14:sldId id="295"/>
-            <p14:sldId id="297"/>
             <p14:sldId id="298"/>
             <p14:sldId id="299"/>
+            <p14:sldId id="306"/>
             <p14:sldId id="300"/>
+            <p14:sldId id="301"/>
             <p14:sldId id="302"/>
             <p14:sldId id="290"/>
             <p14:sldId id="303"/>
@@ -1274,32 +1270,9 @@
           <a:lstStyle/>
           <a:p>
             <a:r>
-              <a:rPr lang="en-US" dirty="0" err="1"/>
-              <a:t>Gonna</a:t>
-            </a:r>
-            <a:r>
-              <a:rPr lang="en-US" dirty="0"/>
-              <a:t> kick off pester topic with this </a:t>
-            </a:r>
-            <a:r>
-              <a:rPr lang="en-US" dirty="0" err="1"/>
-              <a:t>tid</a:t>
-            </a:r>
-            <a:r>
-              <a:rPr lang="en-US" dirty="0"/>
-              <a:t> bit. Pester loves functions.  Testing functions is way easier than testing non-functions.  More granular, more loosely coupled, easier to maintain, easy to refactor a billion times easier to test.</a:t>
-            </a:r>
-          </a:p>
-          <a:p>
-            <a:r>
-              <a:rPr lang="en-US" dirty="0"/>
-              <a:t>Get used to </a:t>
-            </a:r>
-            <a:r>
-              <a:rPr lang="en-US"/>
-              <a:t>writing functions.</a:t>
-            </a:r>
-            <a:endParaRPr lang="en-US" dirty="0"/>
+              <a:rPr lang="en-US" dirty="0"/>
+              <a:t>The majority of the tests we you are going to write are unit tests.</a:t>
+            </a:r>
           </a:p>
         </p:txBody>
       </p:sp>
@@ -1329,7 +1302,7 @@
     </p:spTree>
     <p:extLst>
       <p:ext uri="{BB962C8B-B14F-4D97-AF65-F5344CB8AC3E}">
-        <p14:creationId xmlns:p14="http://schemas.microsoft.com/office/powerpoint/2010/main" val="1688180714"/>
+        <p14:creationId xmlns:p14="http://schemas.microsoft.com/office/powerpoint/2010/main" val="1235064172"/>
       </p:ext>
     </p:extLst>
   </p:cSld>
@@ -1384,12 +1357,30 @@
           <a:lstStyle/>
           <a:p>
             <a:r>
-              <a:rPr lang="en-US" dirty="0"/>
-              <a:t>Working with </a:t>
+              <a:rPr lang="en-US" dirty="0" err="1"/>
+              <a:t>Gonna</a:t>
+            </a:r>
+            <a:r>
+              <a:rPr lang="en-US" dirty="0"/>
+              <a:t> kick off pester topic with this </a:t>
+            </a:r>
+            <a:r>
+              <a:rPr lang="en-US" dirty="0" err="1"/>
+              <a:t>tid</a:t>
+            </a:r>
+            <a:r>
+              <a:rPr lang="en-US" dirty="0"/>
+              <a:t> bit. Pester loves functions.  Testing functions is way easier than testing non-functions.  More granular, more loosely coupled, easier to maintain, easy to refactor a billion times easier to test.</a:t>
+            </a:r>
+          </a:p>
+          <a:p>
+            <a:r>
+              <a:rPr lang="en-US" dirty="0"/>
+              <a:t>Get used to </a:t>
             </a:r>
             <a:r>
               <a:rPr lang="en-US"/>
-              <a:t>our module.</a:t>
+              <a:t>writing functions.</a:t>
             </a:r>
             <a:endParaRPr lang="en-US" dirty="0"/>
           </a:p>
@@ -1412,7 +1403,7 @@
           <a:p>
             <a:fld id="{C7B05CAA-7DFD-4456-A943-C499583EE113}" type="slidenum">
               <a:rPr lang="en-US" smtClean="0"/>
-              <a:t>21</a:t>
+              <a:t>22</a:t>
             </a:fld>
             <a:endParaRPr lang="en-US"/>
           </a:p>
@@ -1421,7 +1412,7 @@
     </p:spTree>
     <p:extLst>
       <p:ext uri="{BB962C8B-B14F-4D97-AF65-F5344CB8AC3E}">
-        <p14:creationId xmlns:p14="http://schemas.microsoft.com/office/powerpoint/2010/main" val="656600684"/>
+        <p14:creationId xmlns:p14="http://schemas.microsoft.com/office/powerpoint/2010/main" val="1688180714"/>
       </p:ext>
     </p:extLst>
   </p:cSld>
@@ -1477,8 +1468,13 @@
           <a:p>
             <a:r>
               <a:rPr lang="en-US" dirty="0"/>
-              <a:t>The majority of the tests we you are going to write are unit tests.</a:t>
-            </a:r>
+              <a:t>Working with </a:t>
+            </a:r>
+            <a:r>
+              <a:rPr lang="en-US"/>
+              <a:t>our module.</a:t>
+            </a:r>
+            <a:endParaRPr lang="en-US" dirty="0"/>
           </a:p>
         </p:txBody>
       </p:sp>
@@ -1499,7 +1495,7 @@
           <a:p>
             <a:fld id="{C7B05CAA-7DFD-4456-A943-C499583EE113}" type="slidenum">
               <a:rPr lang="en-US" smtClean="0"/>
-              <a:t>22</a:t>
+              <a:t>23</a:t>
             </a:fld>
             <a:endParaRPr lang="en-US"/>
           </a:p>
@@ -1508,7 +1504,7 @@
     </p:spTree>
     <p:extLst>
       <p:ext uri="{BB962C8B-B14F-4D97-AF65-F5344CB8AC3E}">
-        <p14:creationId xmlns:p14="http://schemas.microsoft.com/office/powerpoint/2010/main" val="1362832935"/>
+        <p14:creationId xmlns:p14="http://schemas.microsoft.com/office/powerpoint/2010/main" val="656600684"/>
       </p:ext>
     </p:extLst>
   </p:cSld>
@@ -1564,7 +1560,7 @@
           <a:p>
             <a:r>
               <a:rPr lang="en-US" dirty="0"/>
-              <a:t>What the heck happens if a property you are trying to search for doesn’t exist?</a:t>
+              <a:t>The majority of the tests we you are going to write are unit tests.</a:t>
             </a:r>
           </a:p>
         </p:txBody>
@@ -1586,7 +1582,7 @@
           <a:p>
             <a:fld id="{C7B05CAA-7DFD-4456-A943-C499583EE113}" type="slidenum">
               <a:rPr lang="en-US" smtClean="0"/>
-              <a:t>23</a:t>
+              <a:t>24</a:t>
             </a:fld>
             <a:endParaRPr lang="en-US"/>
           </a:p>
@@ -1595,7 +1591,7 @@
     </p:spTree>
     <p:extLst>
       <p:ext uri="{BB962C8B-B14F-4D97-AF65-F5344CB8AC3E}">
-        <p14:creationId xmlns:p14="http://schemas.microsoft.com/office/powerpoint/2010/main" val="1892057454"/>
+        <p14:creationId xmlns:p14="http://schemas.microsoft.com/office/powerpoint/2010/main" val="2685164170"/>
       </p:ext>
     </p:extLst>
   </p:cSld>
@@ -1760,7 +1756,7 @@
           <a:p>
             <a:fld id="{C7B05CAA-7DFD-4456-A943-C499583EE113}" type="slidenum">
               <a:rPr lang="en-US" smtClean="0"/>
-              <a:t>24</a:t>
+              <a:t>26</a:t>
             </a:fld>
             <a:endParaRPr lang="en-US"/>
           </a:p>
@@ -1769,7 +1765,7 @@
     </p:spTree>
     <p:extLst>
       <p:ext uri="{BB962C8B-B14F-4D97-AF65-F5344CB8AC3E}">
-        <p14:creationId xmlns:p14="http://schemas.microsoft.com/office/powerpoint/2010/main" val="2231986392"/>
+        <p14:creationId xmlns:p14="http://schemas.microsoft.com/office/powerpoint/2010/main" val="1362832935"/>
       </p:ext>
     </p:extLst>
   </p:cSld>
@@ -1825,7 +1821,15 @@
           <a:p>
             <a:r>
               <a:rPr lang="en-US" dirty="0"/>
-              <a:t>The majority of the tests we you are going to write are unit tests.</a:t>
+              <a:t>The version of Pester in windows 10 does not have New-</a:t>
+            </a:r>
+            <a:r>
+              <a:rPr lang="en-US" dirty="0" err="1"/>
+              <a:t>MockObject</a:t>
+            </a:r>
+            <a:r>
+              <a:rPr lang="en-US" dirty="0"/>
+              <a:t>.</a:t>
             </a:r>
           </a:p>
         </p:txBody>
@@ -1847,7 +1851,7 @@
           <a:p>
             <a:fld id="{C7B05CAA-7DFD-4456-A943-C499583EE113}" type="slidenum">
               <a:rPr lang="en-US" smtClean="0"/>
-              <a:t>26</a:t>
+              <a:t>27</a:t>
             </a:fld>
             <a:endParaRPr lang="en-US"/>
           </a:p>
@@ -1856,7 +1860,7 @@
     </p:spTree>
     <p:extLst>
       <p:ext uri="{BB962C8B-B14F-4D97-AF65-F5344CB8AC3E}">
-        <p14:creationId xmlns:p14="http://schemas.microsoft.com/office/powerpoint/2010/main" val="1235064172"/>
+        <p14:creationId xmlns:p14="http://schemas.microsoft.com/office/powerpoint/2010/main" val="860753340"/>
       </p:ext>
     </p:extLst>
   </p:cSld>
@@ -1912,7 +1916,7 @@
           <a:p>
             <a:r>
               <a:rPr lang="en-US" dirty="0"/>
-              <a:t>The majority of the tests we you are going to write are unit tests.</a:t>
+              <a:t>What the heck happens if a property you are trying to search for doesn’t exist?</a:t>
             </a:r>
           </a:p>
         </p:txBody>
@@ -1943,7 +1947,7 @@
     </p:spTree>
     <p:extLst>
       <p:ext uri="{BB962C8B-B14F-4D97-AF65-F5344CB8AC3E}">
-        <p14:creationId xmlns:p14="http://schemas.microsoft.com/office/powerpoint/2010/main" val="2685164170"/>
+        <p14:creationId xmlns:p14="http://schemas.microsoft.com/office/powerpoint/2010/main" val="1892057454"/>
       </p:ext>
     </p:extLst>
   </p:cSld>
@@ -1999,15 +2003,7 @@
           <a:p>
             <a:r>
               <a:rPr lang="en-US" dirty="0"/>
-              <a:t>The version of Pester in windows 10 does not have New-</a:t>
-            </a:r>
-            <a:r>
-              <a:rPr lang="en-US" dirty="0" err="1"/>
-              <a:t>MockObject</a:t>
-            </a:r>
-            <a:r>
-              <a:rPr lang="en-US" dirty="0"/>
-              <a:t>.</a:t>
+              <a:t>The majority of the tests we you are going to write are unit tests.</a:t>
             </a:r>
           </a:p>
         </p:txBody>
@@ -2038,7 +2034,7 @@
     </p:spTree>
     <p:extLst>
       <p:ext uri="{BB962C8B-B14F-4D97-AF65-F5344CB8AC3E}">
-        <p14:creationId xmlns:p14="http://schemas.microsoft.com/office/powerpoint/2010/main" val="860753340"/>
+        <p14:creationId xmlns:p14="http://schemas.microsoft.com/office/powerpoint/2010/main" val="2335363100"/>
       </p:ext>
     </p:extLst>
   </p:cSld>
@@ -2116,7 +2112,7 @@
           <a:p>
             <a:fld id="{C7B05CAA-7DFD-4456-A943-C499583EE113}" type="slidenum">
               <a:rPr lang="en-US" smtClean="0"/>
-              <a:t>32</a:t>
+              <a:t>31</a:t>
             </a:fld>
             <a:endParaRPr lang="en-US"/>
           </a:p>
@@ -2125,7 +2121,7 @@
     </p:spTree>
     <p:extLst>
       <p:ext uri="{BB962C8B-B14F-4D97-AF65-F5344CB8AC3E}">
-        <p14:creationId xmlns:p14="http://schemas.microsoft.com/office/powerpoint/2010/main" val="2335363100"/>
+        <p14:creationId xmlns:p14="http://schemas.microsoft.com/office/powerpoint/2010/main" val="1248807388"/>
       </p:ext>
     </p:extLst>
   </p:cSld>
@@ -2203,94 +2199,7 @@
           <a:p>
             <a:fld id="{C7B05CAA-7DFD-4456-A943-C499583EE113}" type="slidenum">
               <a:rPr lang="en-US" smtClean="0"/>
-              <a:t>33</a:t>
-            </a:fld>
-            <a:endParaRPr lang="en-US"/>
-          </a:p>
-        </p:txBody>
-      </p:sp>
-    </p:spTree>
-    <p:extLst>
-      <p:ext uri="{BB962C8B-B14F-4D97-AF65-F5344CB8AC3E}">
-        <p14:creationId xmlns:p14="http://schemas.microsoft.com/office/powerpoint/2010/main" val="1248807388"/>
-      </p:ext>
-    </p:extLst>
-  </p:cSld>
-  <p:clrMapOvr>
-    <a:masterClrMapping/>
-  </p:clrMapOvr>
-</p:notes>
-</file>
-
-<file path=ppt/notesSlides/notesSlide26.xml><?xml version="1.0" encoding="utf-8"?>
-<p:notes xmlns:a="http://schemas.openxmlformats.org/drawingml/2006/main" xmlns:r="http://schemas.openxmlformats.org/officeDocument/2006/relationships" xmlns:p="http://schemas.openxmlformats.org/presentationml/2006/main">
-  <p:cSld>
-    <p:spTree>
-      <p:nvGrpSpPr>
-        <p:cNvPr id="1" name=""/>
-        <p:cNvGrpSpPr/>
-        <p:nvPr/>
-      </p:nvGrpSpPr>
-      <p:grpSpPr>
-        <a:xfrm>
-          <a:off x="0" y="0"/>
-          <a:ext cx="0" cy="0"/>
-          <a:chOff x="0" y="0"/>
-          <a:chExt cx="0" cy="0"/>
-        </a:xfrm>
-      </p:grpSpPr>
-      <p:sp>
-        <p:nvSpPr>
-          <p:cNvPr id="2" name="Slide Image Placeholder 1"/>
-          <p:cNvSpPr>
-            <a:spLocks noGrp="1" noRot="1" noChangeAspect="1"/>
-          </p:cNvSpPr>
-          <p:nvPr>
-            <p:ph type="sldImg"/>
-          </p:nvPr>
-        </p:nvSpPr>
-        <p:spPr/>
-      </p:sp>
-      <p:sp>
-        <p:nvSpPr>
-          <p:cNvPr id="3" name="Notes Placeholder 2"/>
-          <p:cNvSpPr>
-            <a:spLocks noGrp="1"/>
-          </p:cNvSpPr>
-          <p:nvPr>
-            <p:ph type="body" idx="1"/>
-          </p:nvPr>
-        </p:nvSpPr>
-        <p:spPr/>
-        <p:txBody>
-          <a:bodyPr/>
-          <a:lstStyle/>
-          <a:p>
-            <a:r>
-              <a:rPr lang="en-US" dirty="0"/>
-              <a:t>The majority of the tests we you are going to write are unit tests.</a:t>
-            </a:r>
-          </a:p>
-        </p:txBody>
-      </p:sp>
-      <p:sp>
-        <p:nvSpPr>
-          <p:cNvPr id="4" name="Slide Number Placeholder 3"/>
-          <p:cNvSpPr>
-            <a:spLocks noGrp="1"/>
-          </p:cNvSpPr>
-          <p:nvPr>
-            <p:ph type="sldNum" sz="quarter" idx="5"/>
-          </p:nvPr>
-        </p:nvSpPr>
-        <p:spPr/>
-        <p:txBody>
-          <a:bodyPr/>
-          <a:lstStyle/>
-          <a:p>
-            <a:fld id="{C7B05CAA-7DFD-4456-A943-C499583EE113}" type="slidenum">
-              <a:rPr lang="en-US" smtClean="0"/>
-              <a:t>34</a:t>
+              <a:t>32</a:t>
             </a:fld>
             <a:endParaRPr lang="en-US"/>
           </a:p>
@@ -8605,7 +8514,7 @@
           <a:p>
             <a:r>
               <a:rPr lang="en-US" dirty="0"/>
-              <a:t>REMINDER</a:t>
+              <a:t>Parameter Filter</a:t>
             </a:r>
           </a:p>
         </p:txBody>
@@ -8625,30 +8534,19 @@
           <a:bodyPr/>
           <a:lstStyle/>
           <a:p>
-            <a:pPr marL="0" indent="0">
-              <a:buNone/>
-            </a:pPr>
-            <a:r>
-              <a:rPr lang="en-US" sz="8000" dirty="0"/>
-              <a:t>PESTER </a:t>
-            </a:r>
-          </a:p>
-          <a:p>
-            <a:pPr marL="0" indent="0">
-              <a:buNone/>
-            </a:pPr>
-            <a:r>
-              <a:rPr lang="en-US" sz="8000" dirty="0"/>
-              <a:t>LOVES </a:t>
-            </a:r>
-          </a:p>
-          <a:p>
-            <a:pPr marL="0" indent="0">
-              <a:buNone/>
-            </a:pPr>
-            <a:r>
-              <a:rPr lang="en-US" sz="8000" dirty="0"/>
-              <a:t>FUNCTIONS</a:t>
+            <a:r>
+              <a:rPr lang="en-US" dirty="0"/>
+              <a:t>Ensure a specific Mock is called</a:t>
+            </a:r>
+          </a:p>
+          <a:p>
+            <a:pPr lvl="1"/>
+            <a:endParaRPr lang="en-US" dirty="0"/>
+          </a:p>
+          <a:p>
+            <a:r>
+              <a:rPr lang="en-US" dirty="0"/>
+              <a:t>You can add a parameter filter to a mock or an assertion.</a:t>
             </a:r>
           </a:p>
           <a:p>
@@ -8662,7 +8560,7 @@
     </p:spTree>
     <p:extLst>
       <p:ext uri="{BB962C8B-B14F-4D97-AF65-F5344CB8AC3E}">
-        <p14:creationId xmlns:p14="http://schemas.microsoft.com/office/powerpoint/2010/main" val="1665913852"/>
+        <p14:creationId xmlns:p14="http://schemas.microsoft.com/office/powerpoint/2010/main" val="313055934"/>
       </p:ext>
     </p:extLst>
   </p:cSld>
@@ -8701,22 +8599,21 @@
         </p:nvSpPr>
         <p:spPr/>
         <p:txBody>
-          <a:bodyPr>
-            <a:normAutofit/>
-          </a:bodyPr>
+          <a:bodyPr/>
           <a:lstStyle/>
           <a:p>
             <a:r>
-              <a:rPr lang="en-US" dirty="0"/>
-              <a:t>Designing Testable Code</a:t>
-            </a:r>
+              <a:rPr lang="en-US" dirty="0" err="1"/>
+              <a:t>ParameterFilter</a:t>
+            </a:r>
+            <a:endParaRPr lang="en-US" dirty="0"/>
           </a:p>
         </p:txBody>
       </p:sp>
     </p:spTree>
     <p:extLst>
       <p:ext uri="{BB962C8B-B14F-4D97-AF65-F5344CB8AC3E}">
-        <p14:creationId xmlns:p14="http://schemas.microsoft.com/office/powerpoint/2010/main" val="42967193"/>
+        <p14:creationId xmlns:p14="http://schemas.microsoft.com/office/powerpoint/2010/main" val="4087031927"/>
       </p:ext>
     </p:extLst>
   </p:cSld>
@@ -8760,7 +8657,7 @@
           <a:p>
             <a:r>
               <a:rPr lang="en-US" dirty="0"/>
-              <a:t>More Pester Components</a:t>
+              <a:t>REMINDER</a:t>
             </a:r>
           </a:p>
         </p:txBody>
@@ -8780,38 +8677,31 @@
           <a:bodyPr/>
           <a:lstStyle/>
           <a:p>
-            <a:r>
-              <a:rPr lang="en-US" dirty="0"/>
-              <a:t>New-</a:t>
-            </a:r>
-            <a:r>
-              <a:rPr lang="en-US" dirty="0" err="1"/>
-              <a:t>MockObject</a:t>
-            </a:r>
-            <a:endParaRPr lang="en-US" dirty="0"/>
-          </a:p>
-          <a:p>
-            <a:pPr lvl="1"/>
-            <a:r>
-              <a:rPr lang="en-US" dirty="0"/>
-              <a:t>This can create “real” objects of whatever type you need.</a:t>
-            </a:r>
-          </a:p>
-          <a:p>
-            <a:pPr marL="457200" lvl="1" indent="0">
+            <a:pPr marL="0" indent="0">
               <a:buNone/>
             </a:pPr>
-            <a:endParaRPr lang="en-US" dirty="0"/>
-          </a:p>
-          <a:p>
-            <a:r>
-              <a:rPr lang="en-US" dirty="0"/>
-              <a:t>Super useful when needing to return something from a mocked function.</a:t>
-            </a:r>
-          </a:p>
-          <a:p>
-            <a:pPr lvl="1"/>
-            <a:endParaRPr lang="en-US" dirty="0"/>
+            <a:r>
+              <a:rPr lang="en-US" sz="8000" dirty="0"/>
+              <a:t>PESTER </a:t>
+            </a:r>
+          </a:p>
+          <a:p>
+            <a:pPr marL="0" indent="0">
+              <a:buNone/>
+            </a:pPr>
+            <a:r>
+              <a:rPr lang="en-US" sz="8000" dirty="0"/>
+              <a:t>LOVES </a:t>
+            </a:r>
+          </a:p>
+          <a:p>
+            <a:pPr marL="0" indent="0">
+              <a:buNone/>
+            </a:pPr>
+            <a:r>
+              <a:rPr lang="en-US" sz="8000" dirty="0"/>
+              <a:t>FUNCTIONS</a:t>
+            </a:r>
           </a:p>
           <a:p>
             <a:pPr marL="0" indent="0">
@@ -8824,7 +8714,7 @@
     </p:spTree>
     <p:extLst>
       <p:ext uri="{BB962C8B-B14F-4D97-AF65-F5344CB8AC3E}">
-        <p14:creationId xmlns:p14="http://schemas.microsoft.com/office/powerpoint/2010/main" val="1273142871"/>
+        <p14:creationId xmlns:p14="http://schemas.microsoft.com/office/powerpoint/2010/main" val="1665913852"/>
       </p:ext>
     </p:extLst>
   </p:cSld>
@@ -8864,24 +8754,13 @@
         <p:spPr/>
         <p:txBody>
           <a:bodyPr>
-            <a:normAutofit fontScale="92500" lnSpcReduction="10000"/>
+            <a:normAutofit/>
           </a:bodyPr>
           <a:lstStyle/>
           <a:p>
             <a:r>
               <a:rPr lang="en-US" dirty="0"/>
-              <a:t>New-</a:t>
-            </a:r>
-            <a:r>
-              <a:rPr lang="en-US" dirty="0" err="1"/>
-              <a:t>MockObject</a:t>
-            </a:r>
-            <a:endParaRPr lang="en-US" dirty="0"/>
-          </a:p>
-          <a:p>
-            <a:r>
-              <a:rPr lang="en-US" dirty="0"/>
-              <a:t>demo3</a:t>
+              <a:t>Designing Testable Code</a:t>
             </a:r>
           </a:p>
         </p:txBody>
@@ -8889,7 +8768,7 @@
     </p:spTree>
     <p:extLst>
       <p:ext uri="{BB962C8B-B14F-4D97-AF65-F5344CB8AC3E}">
-        <p14:creationId xmlns:p14="http://schemas.microsoft.com/office/powerpoint/2010/main" val="2846661828"/>
+        <p14:creationId xmlns:p14="http://schemas.microsoft.com/office/powerpoint/2010/main" val="42967193"/>
       </p:ext>
     </p:extLst>
   </p:cSld>
@@ -8933,13 +8812,8 @@
           <a:p>
             <a:r>
               <a:rPr lang="en-US" dirty="0"/>
-              <a:t>Assert-</a:t>
-            </a:r>
-            <a:r>
-              <a:rPr lang="en-US" dirty="0" err="1"/>
-              <a:t>MockCalled</a:t>
-            </a:r>
-            <a:endParaRPr lang="en-US" dirty="0"/>
+              <a:t>Working with .NET methods</a:t>
+            </a:r>
           </a:p>
         </p:txBody>
       </p:sp>
@@ -8960,39 +8834,15 @@
           <a:p>
             <a:r>
               <a:rPr lang="en-US" dirty="0"/>
-              <a:t>Ensure things did or did not happen.</a:t>
-            </a:r>
-          </a:p>
-          <a:p>
-            <a:endParaRPr lang="en-US" dirty="0"/>
-          </a:p>
-          <a:p>
-            <a:r>
-              <a:rPr lang="en-US" dirty="0"/>
-              <a:t>Was a mock called?</a:t>
-            </a:r>
-          </a:p>
-          <a:p>
-            <a:endParaRPr lang="en-US" dirty="0"/>
-          </a:p>
-          <a:p>
-            <a:r>
-              <a:rPr lang="en-US" dirty="0"/>
-              <a:t>How many times?</a:t>
-            </a:r>
-          </a:p>
-          <a:p>
-            <a:endParaRPr lang="en-US" dirty="0"/>
-          </a:p>
-          <a:p>
-            <a:r>
-              <a:rPr lang="en-US" dirty="0"/>
-              <a:t>With what parameters?</a:t>
+              <a:t>Pester cannot mock .NET methods.  </a:t>
             </a:r>
           </a:p>
           <a:p>
             <a:pPr lvl="1"/>
-            <a:endParaRPr lang="en-US" dirty="0"/>
+            <a:r>
+              <a:rPr lang="en-US" dirty="0"/>
+              <a:t>Be prepared.</a:t>
+            </a:r>
           </a:p>
           <a:p>
             <a:pPr marL="0" indent="0">
@@ -9005,7 +8855,7 @@
     </p:spTree>
     <p:extLst>
       <p:ext uri="{BB962C8B-B14F-4D97-AF65-F5344CB8AC3E}">
-        <p14:creationId xmlns:p14="http://schemas.microsoft.com/office/powerpoint/2010/main" val="2275757104"/>
+        <p14:creationId xmlns:p14="http://schemas.microsoft.com/office/powerpoint/2010/main" val="1792603981"/>
       </p:ext>
     </p:extLst>
   </p:cSld>
@@ -9049,20 +8899,15 @@
           <a:p>
             <a:r>
               <a:rPr lang="en-US" dirty="0"/>
-              <a:t>Assert-</a:t>
-            </a:r>
-            <a:r>
-              <a:rPr lang="en-US" dirty="0" err="1"/>
-              <a:t>MockCalled</a:t>
-            </a:r>
-            <a:endParaRPr lang="en-US" dirty="0"/>
+              <a:t>.NET Methods</a:t>
+            </a:r>
           </a:p>
         </p:txBody>
       </p:sp>
     </p:spTree>
     <p:extLst>
       <p:ext uri="{BB962C8B-B14F-4D97-AF65-F5344CB8AC3E}">
-        <p14:creationId xmlns:p14="http://schemas.microsoft.com/office/powerpoint/2010/main" val="3407400008"/>
+        <p14:creationId xmlns:p14="http://schemas.microsoft.com/office/powerpoint/2010/main" val="2687243423"/>
       </p:ext>
     </p:extLst>
   </p:cSld>
@@ -9106,7 +8951,7 @@
           <a:p>
             <a:r>
               <a:rPr lang="en-US" dirty="0"/>
-              <a:t>Parameter Filter</a:t>
+              <a:t>More Pester Components</a:t>
             </a:r>
           </a:p>
         </p:txBody>
@@ -9128,18 +8973,54 @@
           <a:p>
             <a:r>
               <a:rPr lang="en-US" dirty="0"/>
-              <a:t>Ensure a specific Mock is called</a:t>
+              <a:t>New-</a:t>
+            </a:r>
+            <a:r>
+              <a:rPr lang="en-US" dirty="0" err="1"/>
+              <a:t>MockObject</a:t>
+            </a:r>
+            <a:endParaRPr lang="en-US" dirty="0"/>
+          </a:p>
+          <a:p>
+            <a:pPr lvl="1"/>
+            <a:r>
+              <a:rPr lang="en-US" dirty="0"/>
+              <a:t>This can create “real” objects of whatever type you need.</a:t>
+            </a:r>
+          </a:p>
+          <a:p>
+            <a:pPr marL="457200" lvl="1" indent="0">
+              <a:buNone/>
+            </a:pPr>
+            <a:endParaRPr lang="en-US" dirty="0"/>
+          </a:p>
+          <a:p>
+            <a:pPr lvl="1"/>
+            <a:r>
+              <a:rPr lang="en-US" dirty="0"/>
+              <a:t>Super useful when needing to return something from a mocked function.</a:t>
+            </a:r>
+          </a:p>
+          <a:p>
+            <a:endParaRPr lang="en-US" dirty="0"/>
+          </a:p>
+          <a:p>
+            <a:r>
+              <a:rPr lang="en-US" dirty="0" err="1"/>
+              <a:t>TestCases</a:t>
+            </a:r>
+            <a:endParaRPr lang="en-US" dirty="0"/>
+          </a:p>
+          <a:p>
+            <a:pPr lvl="1"/>
+            <a:r>
+              <a:rPr lang="en-US" dirty="0"/>
+              <a:t>Pass in an array of parameter to an It block to test multiple “like” scenarios.</a:t>
             </a:r>
           </a:p>
           <a:p>
             <a:pPr lvl="1"/>
             <a:endParaRPr lang="en-US" dirty="0"/>
-          </a:p>
-          <a:p>
-            <a:r>
-              <a:rPr lang="en-US" dirty="0"/>
-              <a:t>You can add a parameter filter to a mock or an assertion.</a:t>
-            </a:r>
           </a:p>
           <a:p>
             <a:pPr marL="0" indent="0">
@@ -9152,7 +9033,7 @@
     </p:spTree>
     <p:extLst>
       <p:ext uri="{BB962C8B-B14F-4D97-AF65-F5344CB8AC3E}">
-        <p14:creationId xmlns:p14="http://schemas.microsoft.com/office/powerpoint/2010/main" val="313055934"/>
+        <p14:creationId xmlns:p14="http://schemas.microsoft.com/office/powerpoint/2010/main" val="1273142871"/>
       </p:ext>
     </p:extLst>
   </p:cSld>
@@ -9181,12 +9062,12 @@
       </p:grpSpPr>
       <p:sp>
         <p:nvSpPr>
-          <p:cNvPr id="7" name="Text Placeholder 6"/>
+          <p:cNvPr id="2" name="Title 1"/>
           <p:cNvSpPr>
             <a:spLocks noGrp="1"/>
           </p:cNvSpPr>
           <p:nvPr>
-            <p:ph type="body" idx="1"/>
+            <p:ph type="title"/>
           </p:nvPr>
         </p:nvSpPr>
         <p:spPr/>
@@ -9195,9 +9076,50 @@
           <a:lstStyle/>
           <a:p>
             <a:r>
+              <a:rPr lang="en-US" dirty="0"/>
+              <a:t>Working with Complex Objects</a:t>
+            </a:r>
+          </a:p>
+        </p:txBody>
+      </p:sp>
+      <p:sp>
+        <p:nvSpPr>
+          <p:cNvPr id="3" name="Content Placeholder 2"/>
+          <p:cNvSpPr>
+            <a:spLocks noGrp="1"/>
+          </p:cNvSpPr>
+          <p:nvPr>
+            <p:ph idx="1"/>
+          </p:nvPr>
+        </p:nvSpPr>
+        <p:spPr/>
+        <p:txBody>
+          <a:bodyPr/>
+          <a:lstStyle/>
+          <a:p>
+            <a:r>
+              <a:rPr lang="en-US" dirty="0"/>
+              <a:t>Pester can create mock objects for you with New-</a:t>
+            </a:r>
+            <a:r>
               <a:rPr lang="en-US" dirty="0" err="1"/>
-              <a:t>ParameterFilter</a:t>
-            </a:r>
+              <a:t>MockObject</a:t>
+            </a:r>
+            <a:endParaRPr lang="en-US" dirty="0"/>
+          </a:p>
+          <a:p>
+            <a:endParaRPr lang="en-US" dirty="0"/>
+          </a:p>
+          <a:p>
+            <a:r>
+              <a:rPr lang="en-US" dirty="0"/>
+              <a:t>You need a modern version of pester for this.</a:t>
+            </a:r>
+          </a:p>
+          <a:p>
+            <a:pPr marL="0" indent="0">
+              <a:buNone/>
+            </a:pPr>
             <a:endParaRPr lang="en-US" dirty="0"/>
           </a:p>
         </p:txBody>
@@ -9205,7 +9127,7 @@
     </p:spTree>
     <p:extLst>
       <p:ext uri="{BB962C8B-B14F-4D97-AF65-F5344CB8AC3E}">
-        <p14:creationId xmlns:p14="http://schemas.microsoft.com/office/powerpoint/2010/main" val="4087031927"/>
+        <p14:creationId xmlns:p14="http://schemas.microsoft.com/office/powerpoint/2010/main" val="2533854636"/>
       </p:ext>
     </p:extLst>
   </p:cSld>
@@ -9234,65 +9156,43 @@
       </p:grpSpPr>
       <p:sp>
         <p:nvSpPr>
-          <p:cNvPr id="2" name="Title 1"/>
+          <p:cNvPr id="7" name="Text Placeholder 6"/>
           <p:cNvSpPr>
             <a:spLocks noGrp="1"/>
           </p:cNvSpPr>
           <p:nvPr>
-            <p:ph type="title"/>
+            <p:ph type="body" idx="1"/>
           </p:nvPr>
         </p:nvSpPr>
         <p:spPr/>
         <p:txBody>
-          <a:bodyPr/>
+          <a:bodyPr>
+            <a:normAutofit fontScale="92500" lnSpcReduction="10000"/>
+          </a:bodyPr>
           <a:lstStyle/>
           <a:p>
             <a:r>
               <a:rPr lang="en-US" dirty="0"/>
-              <a:t>Working with .NET methods</a:t>
-            </a:r>
-          </a:p>
-        </p:txBody>
-      </p:sp>
-      <p:sp>
-        <p:nvSpPr>
-          <p:cNvPr id="3" name="Content Placeholder 2"/>
-          <p:cNvSpPr>
-            <a:spLocks noGrp="1"/>
-          </p:cNvSpPr>
-          <p:nvPr>
-            <p:ph idx="1"/>
-          </p:nvPr>
-        </p:nvSpPr>
-        <p:spPr/>
-        <p:txBody>
-          <a:bodyPr/>
-          <a:lstStyle/>
-          <a:p>
-            <a:r>
-              <a:rPr lang="en-US" dirty="0"/>
-              <a:t>Pester cannot mock .NET methods.  </a:t>
-            </a:r>
-          </a:p>
-          <a:p>
-            <a:pPr lvl="1"/>
-            <a:r>
-              <a:rPr lang="en-US" dirty="0"/>
-              <a:t>Be prepared.</a:t>
-            </a:r>
-          </a:p>
-          <a:p>
-            <a:pPr marL="0" indent="0">
-              <a:buNone/>
-            </a:pPr>
+              <a:t>New-</a:t>
+            </a:r>
+            <a:r>
+              <a:rPr lang="en-US" dirty="0" err="1"/>
+              <a:t>MockObject</a:t>
+            </a:r>
             <a:endParaRPr lang="en-US" dirty="0"/>
+          </a:p>
+          <a:p>
+            <a:r>
+              <a:rPr lang="en-US" dirty="0"/>
+              <a:t>demo3</a:t>
+            </a:r>
           </a:p>
         </p:txBody>
       </p:sp>
     </p:spTree>
     <p:extLst>
       <p:ext uri="{BB962C8B-B14F-4D97-AF65-F5344CB8AC3E}">
-        <p14:creationId xmlns:p14="http://schemas.microsoft.com/office/powerpoint/2010/main" val="1792603981"/>
+        <p14:creationId xmlns:p14="http://schemas.microsoft.com/office/powerpoint/2010/main" val="2846661828"/>
       </p:ext>
     </p:extLst>
   </p:cSld>
@@ -9336,7 +9236,7 @@
           <a:p>
             <a:r>
               <a:rPr lang="en-US" dirty="0"/>
-              <a:t>.NET Methods</a:t>
+              <a:t>Test Cases</a:t>
             </a:r>
           </a:p>
         </p:txBody>
@@ -9344,7 +9244,7 @@
     </p:spTree>
     <p:extLst>
       <p:ext uri="{BB962C8B-B14F-4D97-AF65-F5344CB8AC3E}">
-        <p14:creationId xmlns:p14="http://schemas.microsoft.com/office/powerpoint/2010/main" val="2687243423"/>
+        <p14:creationId xmlns:p14="http://schemas.microsoft.com/office/powerpoint/2010/main" val="1053216645"/>
       </p:ext>
     </p:extLst>
   </p:cSld>
@@ -9462,7 +9362,7 @@
           <a:p>
             <a:r>
               <a:rPr lang="en-US" dirty="0"/>
-              <a:t>Working with Complex Objects</a:t>
+              <a:t>Pester Myths</a:t>
             </a:r>
           </a:p>
         </p:txBody>
@@ -9484,22 +9384,29 @@
           <a:p>
             <a:r>
               <a:rPr lang="en-US" dirty="0"/>
-              <a:t>Pester can create mock objects for you with New-</a:t>
-            </a:r>
-            <a:r>
-              <a:rPr lang="en-US" dirty="0" err="1"/>
-              <a:t>MockObject</a:t>
-            </a:r>
+              <a:t>Pester is not for single developers.</a:t>
+            </a:r>
+          </a:p>
+          <a:p>
+            <a:r>
+              <a:rPr lang="en-US" dirty="0"/>
+              <a:t>It is only for modules.</a:t>
+            </a:r>
+          </a:p>
+          <a:p>
+            <a:r>
+              <a:rPr lang="en-US" dirty="0"/>
+              <a:t>Somethings are not testable.</a:t>
+            </a:r>
+          </a:p>
+          <a:p>
+            <a:r>
+              <a:rPr lang="en-US" dirty="0"/>
+              <a:t>I don’t have the time. Or it is not worth the time.</a:t>
+            </a:r>
+          </a:p>
+          <a:p>
             <a:endParaRPr lang="en-US" dirty="0"/>
-          </a:p>
-          <a:p>
-            <a:endParaRPr lang="en-US" dirty="0"/>
-          </a:p>
-          <a:p>
-            <a:r>
-              <a:rPr lang="en-US" dirty="0"/>
-              <a:t>You need a modern version of pester for this.</a:t>
-            </a:r>
           </a:p>
           <a:p>
             <a:pPr marL="0" indent="0">
@@ -9512,7 +9419,7 @@
     </p:spTree>
     <p:extLst>
       <p:ext uri="{BB962C8B-B14F-4D97-AF65-F5344CB8AC3E}">
-        <p14:creationId xmlns:p14="http://schemas.microsoft.com/office/powerpoint/2010/main" val="2533854636"/>
+        <p14:creationId xmlns:p14="http://schemas.microsoft.com/office/powerpoint/2010/main" val="2006385791"/>
       </p:ext>
     </p:extLst>
   </p:cSld>
@@ -9541,12 +9448,12 @@
       </p:grpSpPr>
       <p:sp>
         <p:nvSpPr>
-          <p:cNvPr id="7" name="Text Placeholder 6"/>
+          <p:cNvPr id="2" name="Title 1"/>
           <p:cNvSpPr>
             <a:spLocks noGrp="1"/>
           </p:cNvSpPr>
           <p:nvPr>
-            <p:ph type="body" idx="1"/>
+            <p:ph type="title"/>
           </p:nvPr>
         </p:nvSpPr>
         <p:spPr/>
@@ -9556,15 +9463,83 @@
           <a:p>
             <a:r>
               <a:rPr lang="en-US" dirty="0"/>
-              <a:t>Test Cases</a:t>
-            </a:r>
+              <a:t>Designing For Pester</a:t>
+            </a:r>
+          </a:p>
+        </p:txBody>
+      </p:sp>
+      <p:sp>
+        <p:nvSpPr>
+          <p:cNvPr id="3" name="Content Placeholder 2"/>
+          <p:cNvSpPr>
+            <a:spLocks noGrp="1"/>
+          </p:cNvSpPr>
+          <p:nvPr>
+            <p:ph idx="1"/>
+          </p:nvPr>
+        </p:nvSpPr>
+        <p:spPr/>
+        <p:txBody>
+          <a:bodyPr/>
+          <a:lstStyle/>
+          <a:p>
+            <a:r>
+              <a:rPr lang="en-US" dirty="0"/>
+              <a:t>Pester works best with Functions</a:t>
+            </a:r>
+          </a:p>
+          <a:p>
+            <a:endParaRPr lang="en-US" dirty="0"/>
+          </a:p>
+          <a:p>
+            <a:r>
+              <a:rPr lang="en-US" dirty="0"/>
+              <a:t>Functions should write to the pipeline.</a:t>
+            </a:r>
+          </a:p>
+          <a:p>
+            <a:pPr lvl="1"/>
+            <a:r>
+              <a:rPr lang="en-US" dirty="0"/>
+              <a:t>Not write-host</a:t>
+            </a:r>
+          </a:p>
+          <a:p>
+            <a:endParaRPr lang="en-US" dirty="0"/>
+          </a:p>
+          <a:p>
+            <a:r>
+              <a:rPr lang="en-US" dirty="0"/>
+              <a:t>Wrap your .NET Calls</a:t>
+            </a:r>
+          </a:p>
+          <a:p>
+            <a:endParaRPr lang="en-US" dirty="0"/>
+          </a:p>
+          <a:p>
+            <a:r>
+              <a:rPr lang="en-US" dirty="0"/>
+              <a:t>Loosely coupled code</a:t>
+            </a:r>
+          </a:p>
+          <a:p>
+            <a:pPr marL="0" indent="0">
+              <a:buNone/>
+            </a:pPr>
+            <a:endParaRPr lang="en-US" dirty="0"/>
+          </a:p>
+          <a:p>
+            <a:pPr marL="0" indent="0">
+              <a:buNone/>
+            </a:pPr>
+            <a:endParaRPr lang="en-US" dirty="0"/>
           </a:p>
         </p:txBody>
       </p:sp>
     </p:spTree>
     <p:extLst>
       <p:ext uri="{BB962C8B-B14F-4D97-AF65-F5344CB8AC3E}">
-        <p14:creationId xmlns:p14="http://schemas.microsoft.com/office/powerpoint/2010/main" val="1053216645"/>
+        <p14:creationId xmlns:p14="http://schemas.microsoft.com/office/powerpoint/2010/main" val="3055665544"/>
       </p:ext>
     </p:extLst>
   </p:cSld>
@@ -9608,227 +9583,6 @@
           <a:p>
             <a:r>
               <a:rPr lang="en-US" dirty="0"/>
-              <a:t>Pester Myths</a:t>
-            </a:r>
-          </a:p>
-        </p:txBody>
-      </p:sp>
-      <p:sp>
-        <p:nvSpPr>
-          <p:cNvPr id="3" name="Content Placeholder 2"/>
-          <p:cNvSpPr>
-            <a:spLocks noGrp="1"/>
-          </p:cNvSpPr>
-          <p:nvPr>
-            <p:ph idx="1"/>
-          </p:nvPr>
-        </p:nvSpPr>
-        <p:spPr/>
-        <p:txBody>
-          <a:bodyPr/>
-          <a:lstStyle/>
-          <a:p>
-            <a:r>
-              <a:rPr lang="en-US" dirty="0"/>
-              <a:t>Pester is not for single developers.</a:t>
-            </a:r>
-          </a:p>
-          <a:p>
-            <a:r>
-              <a:rPr lang="en-US" dirty="0"/>
-              <a:t>It is only for modules.</a:t>
-            </a:r>
-          </a:p>
-          <a:p>
-            <a:r>
-              <a:rPr lang="en-US" dirty="0"/>
-              <a:t>Somethings are not testable.</a:t>
-            </a:r>
-          </a:p>
-          <a:p>
-            <a:r>
-              <a:rPr lang="en-US" dirty="0"/>
-              <a:t>I don’t have the time. Or it is not worth the time.</a:t>
-            </a:r>
-          </a:p>
-          <a:p>
-            <a:endParaRPr lang="en-US" dirty="0"/>
-          </a:p>
-          <a:p>
-            <a:pPr marL="0" indent="0">
-              <a:buNone/>
-            </a:pPr>
-            <a:endParaRPr lang="en-US" dirty="0"/>
-          </a:p>
-        </p:txBody>
-      </p:sp>
-    </p:spTree>
-    <p:extLst>
-      <p:ext uri="{BB962C8B-B14F-4D97-AF65-F5344CB8AC3E}">
-        <p14:creationId xmlns:p14="http://schemas.microsoft.com/office/powerpoint/2010/main" val="2006385791"/>
-      </p:ext>
-    </p:extLst>
-  </p:cSld>
-  <p:clrMapOvr>
-    <a:masterClrMapping/>
-  </p:clrMapOvr>
-</p:sld>
-</file>
-
-<file path=ppt/slides/slide33.xml><?xml version="1.0" encoding="utf-8"?>
-<p:sld xmlns:a="http://schemas.openxmlformats.org/drawingml/2006/main" xmlns:r="http://schemas.openxmlformats.org/officeDocument/2006/relationships" xmlns:p="http://schemas.openxmlformats.org/presentationml/2006/main">
-  <p:cSld>
-    <p:spTree>
-      <p:nvGrpSpPr>
-        <p:cNvPr id="1" name=""/>
-        <p:cNvGrpSpPr/>
-        <p:nvPr/>
-      </p:nvGrpSpPr>
-      <p:grpSpPr>
-        <a:xfrm>
-          <a:off x="0" y="0"/>
-          <a:ext cx="0" cy="0"/>
-          <a:chOff x="0" y="0"/>
-          <a:chExt cx="0" cy="0"/>
-        </a:xfrm>
-      </p:grpSpPr>
-      <p:sp>
-        <p:nvSpPr>
-          <p:cNvPr id="2" name="Title 1"/>
-          <p:cNvSpPr>
-            <a:spLocks noGrp="1"/>
-          </p:cNvSpPr>
-          <p:nvPr>
-            <p:ph type="title"/>
-          </p:nvPr>
-        </p:nvSpPr>
-        <p:spPr/>
-        <p:txBody>
-          <a:bodyPr/>
-          <a:lstStyle/>
-          <a:p>
-            <a:r>
-              <a:rPr lang="en-US" dirty="0"/>
-              <a:t>Designing For Pester</a:t>
-            </a:r>
-          </a:p>
-        </p:txBody>
-      </p:sp>
-      <p:sp>
-        <p:nvSpPr>
-          <p:cNvPr id="3" name="Content Placeholder 2"/>
-          <p:cNvSpPr>
-            <a:spLocks noGrp="1"/>
-          </p:cNvSpPr>
-          <p:nvPr>
-            <p:ph idx="1"/>
-          </p:nvPr>
-        </p:nvSpPr>
-        <p:spPr/>
-        <p:txBody>
-          <a:bodyPr/>
-          <a:lstStyle/>
-          <a:p>
-            <a:r>
-              <a:rPr lang="en-US" dirty="0"/>
-              <a:t>Pester works best with Functions</a:t>
-            </a:r>
-          </a:p>
-          <a:p>
-            <a:endParaRPr lang="en-US" dirty="0"/>
-          </a:p>
-          <a:p>
-            <a:r>
-              <a:rPr lang="en-US" dirty="0"/>
-              <a:t>Functions should write to the pipeline.</a:t>
-            </a:r>
-          </a:p>
-          <a:p>
-            <a:pPr lvl="1"/>
-            <a:r>
-              <a:rPr lang="en-US" dirty="0"/>
-              <a:t>Not write-host</a:t>
-            </a:r>
-          </a:p>
-          <a:p>
-            <a:endParaRPr lang="en-US" dirty="0"/>
-          </a:p>
-          <a:p>
-            <a:r>
-              <a:rPr lang="en-US" dirty="0"/>
-              <a:t>Wrap your .NET Calls</a:t>
-            </a:r>
-          </a:p>
-          <a:p>
-            <a:endParaRPr lang="en-US" dirty="0"/>
-          </a:p>
-          <a:p>
-            <a:r>
-              <a:rPr lang="en-US" dirty="0"/>
-              <a:t>Loosely coupled code</a:t>
-            </a:r>
-          </a:p>
-          <a:p>
-            <a:pPr marL="0" indent="0">
-              <a:buNone/>
-            </a:pPr>
-            <a:endParaRPr lang="en-US" dirty="0"/>
-          </a:p>
-          <a:p>
-            <a:pPr marL="0" indent="0">
-              <a:buNone/>
-            </a:pPr>
-            <a:endParaRPr lang="en-US" dirty="0"/>
-          </a:p>
-        </p:txBody>
-      </p:sp>
-    </p:spTree>
-    <p:extLst>
-      <p:ext uri="{BB962C8B-B14F-4D97-AF65-F5344CB8AC3E}">
-        <p14:creationId xmlns:p14="http://schemas.microsoft.com/office/powerpoint/2010/main" val="3055665544"/>
-      </p:ext>
-    </p:extLst>
-  </p:cSld>
-  <p:clrMapOvr>
-    <a:masterClrMapping/>
-  </p:clrMapOvr>
-</p:sld>
-</file>
-
-<file path=ppt/slides/slide34.xml><?xml version="1.0" encoding="utf-8"?>
-<p:sld xmlns:a="http://schemas.openxmlformats.org/drawingml/2006/main" xmlns:r="http://schemas.openxmlformats.org/officeDocument/2006/relationships" xmlns:p="http://schemas.openxmlformats.org/presentationml/2006/main">
-  <p:cSld>
-    <p:spTree>
-      <p:nvGrpSpPr>
-        <p:cNvPr id="1" name=""/>
-        <p:cNvGrpSpPr/>
-        <p:nvPr/>
-      </p:nvGrpSpPr>
-      <p:grpSpPr>
-        <a:xfrm>
-          <a:off x="0" y="0"/>
-          <a:ext cx="0" cy="0"/>
-          <a:chOff x="0" y="0"/>
-          <a:chExt cx="0" cy="0"/>
-        </a:xfrm>
-      </p:grpSpPr>
-      <p:sp>
-        <p:nvSpPr>
-          <p:cNvPr id="2" name="Title 1"/>
-          <p:cNvSpPr>
-            <a:spLocks noGrp="1"/>
-          </p:cNvSpPr>
-          <p:nvPr>
-            <p:ph type="title"/>
-          </p:nvPr>
-        </p:nvSpPr>
-        <p:spPr/>
-        <p:txBody>
-          <a:bodyPr/>
-          <a:lstStyle/>
-          <a:p>
-            <a:r>
-              <a:rPr lang="en-US" dirty="0"/>
               <a:t>Tips for Pester</a:t>
             </a:r>
           </a:p>
@@ -9909,7 +9663,7 @@
 </p:sld>
 </file>
 
-<file path=ppt/slides/slide35.xml><?xml version="1.0" encoding="utf-8"?>
+<file path=ppt/slides/slide33.xml><?xml version="1.0" encoding="utf-8"?>
 <p:sld xmlns:a="http://schemas.openxmlformats.org/drawingml/2006/main" xmlns:r="http://schemas.openxmlformats.org/officeDocument/2006/relationships" xmlns:p="http://schemas.openxmlformats.org/presentationml/2006/main" show="0">
   <p:cSld>
     <p:spTree>
@@ -9999,7 +9753,7 @@
 </p:sld>
 </file>
 
-<file path=ppt/slides/slide36.xml><?xml version="1.0" encoding="utf-8"?>
+<file path=ppt/slides/slide34.xml><?xml version="1.0" encoding="utf-8"?>
 <p:sld xmlns:a="http://schemas.openxmlformats.org/drawingml/2006/main" xmlns:r="http://schemas.openxmlformats.org/officeDocument/2006/relationships" xmlns:p="http://schemas.openxmlformats.org/presentationml/2006/main">
   <p:cSld>
     <p:spTree>
@@ -10029,7 +9783,7 @@
 </p:sld>
 </file>
 
-<file path=ppt/slides/slide37.xml><?xml version="1.0" encoding="utf-8"?>
+<file path=ppt/slides/slide35.xml><?xml version="1.0" encoding="utf-8"?>
 <p:sld xmlns:a="http://schemas.openxmlformats.org/drawingml/2006/main" xmlns:r="http://schemas.openxmlformats.org/officeDocument/2006/relationships" xmlns:p="http://schemas.openxmlformats.org/presentationml/2006/main">
   <p:cSld>
     <p:spTree>
@@ -10126,6 +9880,178 @@
     <p:extLst>
       <p:ext uri="{BB962C8B-B14F-4D97-AF65-F5344CB8AC3E}">
         <p14:creationId xmlns:p14="http://schemas.microsoft.com/office/powerpoint/2010/main" val="525927402"/>
+      </p:ext>
+    </p:extLst>
+  </p:cSld>
+  <p:clrMapOvr>
+    <a:masterClrMapping/>
+  </p:clrMapOvr>
+</p:sld>
+</file>
+
+<file path=ppt/slides/slide36.xml><?xml version="1.0" encoding="utf-8"?>
+<p:sld xmlns:a="http://schemas.openxmlformats.org/drawingml/2006/main" xmlns:r="http://schemas.openxmlformats.org/officeDocument/2006/relationships" xmlns:p="http://schemas.openxmlformats.org/presentationml/2006/main" show="0">
+  <p:cSld>
+    <p:spTree>
+      <p:nvGrpSpPr>
+        <p:cNvPr id="1" name=""/>
+        <p:cNvGrpSpPr/>
+        <p:nvPr/>
+      </p:nvGrpSpPr>
+      <p:grpSpPr>
+        <a:xfrm>
+          <a:off x="0" y="0"/>
+          <a:ext cx="0" cy="0"/>
+          <a:chOff x="0" y="0"/>
+          <a:chExt cx="0" cy="0"/>
+        </a:xfrm>
+      </p:grpSpPr>
+      <p:sp>
+        <p:nvSpPr>
+          <p:cNvPr id="4" name="Title 3"/>
+          <p:cNvSpPr>
+            <a:spLocks noGrp="1"/>
+          </p:cNvSpPr>
+          <p:nvPr>
+            <p:ph type="title"/>
+          </p:nvPr>
+        </p:nvSpPr>
+        <p:spPr/>
+        <p:txBody>
+          <a:bodyPr/>
+          <a:lstStyle/>
+          <a:p>
+            <a:r>
+              <a:rPr lang="en-US" dirty="0"/>
+              <a:t>Section Header</a:t>
+            </a:r>
+          </a:p>
+        </p:txBody>
+      </p:sp>
+      <p:sp>
+        <p:nvSpPr>
+          <p:cNvPr id="5" name="Text Placeholder 4"/>
+          <p:cNvSpPr>
+            <a:spLocks noGrp="1"/>
+          </p:cNvSpPr>
+          <p:nvPr>
+            <p:ph type="body" idx="1"/>
+          </p:nvPr>
+        </p:nvSpPr>
+        <p:spPr/>
+        <p:txBody>
+          <a:bodyPr/>
+          <a:lstStyle/>
+          <a:p>
+            <a:r>
+              <a:rPr lang="en-US" dirty="0"/>
+              <a:t>This is the next section</a:t>
+            </a:r>
+          </a:p>
+        </p:txBody>
+      </p:sp>
+    </p:spTree>
+    <p:extLst>
+      <p:ext uri="{BB962C8B-B14F-4D97-AF65-F5344CB8AC3E}">
+        <p14:creationId xmlns:p14="http://schemas.microsoft.com/office/powerpoint/2010/main" val="3568117999"/>
+      </p:ext>
+    </p:extLst>
+  </p:cSld>
+  <p:clrMapOvr>
+    <a:masterClrMapping/>
+  </p:clrMapOvr>
+</p:sld>
+</file>
+
+<file path=ppt/slides/slide37.xml><?xml version="1.0" encoding="utf-8"?>
+<p:sld xmlns:a="http://schemas.openxmlformats.org/drawingml/2006/main" xmlns:r="http://schemas.openxmlformats.org/officeDocument/2006/relationships" xmlns:p="http://schemas.openxmlformats.org/presentationml/2006/main" show="0">
+  <p:cSld>
+    <p:spTree>
+      <p:nvGrpSpPr>
+        <p:cNvPr id="1" name=""/>
+        <p:cNvGrpSpPr/>
+        <p:nvPr/>
+      </p:nvGrpSpPr>
+      <p:grpSpPr>
+        <a:xfrm>
+          <a:off x="0" y="0"/>
+          <a:ext cx="0" cy="0"/>
+          <a:chOff x="0" y="0"/>
+          <a:chExt cx="0" cy="0"/>
+        </a:xfrm>
+      </p:grpSpPr>
+      <p:sp>
+        <p:nvSpPr>
+          <p:cNvPr id="2" name="Title 1"/>
+          <p:cNvSpPr>
+            <a:spLocks noGrp="1"/>
+          </p:cNvSpPr>
+          <p:nvPr>
+            <p:ph type="title"/>
+          </p:nvPr>
+        </p:nvSpPr>
+        <p:spPr/>
+        <p:txBody>
+          <a:bodyPr/>
+          <a:lstStyle/>
+          <a:p>
+            <a:r>
+              <a:rPr lang="en-US" dirty="0"/>
+              <a:t>Title</a:t>
+            </a:r>
+          </a:p>
+        </p:txBody>
+      </p:sp>
+      <p:sp>
+        <p:nvSpPr>
+          <p:cNvPr id="3" name="Content Placeholder 2"/>
+          <p:cNvSpPr>
+            <a:spLocks noGrp="1"/>
+          </p:cNvSpPr>
+          <p:nvPr>
+            <p:ph idx="1"/>
+          </p:nvPr>
+        </p:nvSpPr>
+        <p:spPr/>
+        <p:txBody>
+          <a:bodyPr/>
+          <a:lstStyle/>
+          <a:p>
+            <a:r>
+              <a:rPr lang="en-US" dirty="0"/>
+              <a:t>Line1</a:t>
+            </a:r>
+          </a:p>
+          <a:p>
+            <a:pPr lvl="1"/>
+            <a:r>
+              <a:rPr lang="en-US" dirty="0"/>
+              <a:t>Bullet Level 1</a:t>
+            </a:r>
+          </a:p>
+          <a:p>
+            <a:pPr lvl="2"/>
+            <a:r>
+              <a:rPr lang="en-US" dirty="0"/>
+              <a:t>Bullet Level 2</a:t>
+            </a:r>
+          </a:p>
+          <a:p>
+            <a:pPr lvl="3"/>
+            <a:r>
+              <a:rPr lang="en-US" dirty="0"/>
+              <a:t>Bullet Level 3</a:t>
+            </a:r>
+          </a:p>
+          <a:p>
+            <a:endParaRPr lang="en-US" dirty="0"/>
+          </a:p>
+        </p:txBody>
+      </p:sp>
+    </p:spTree>
+    <p:extLst>
+      <p:ext uri="{BB962C8B-B14F-4D97-AF65-F5344CB8AC3E}">
+        <p14:creationId xmlns:p14="http://schemas.microsoft.com/office/powerpoint/2010/main" val="1279470686"/>
       </p:ext>
     </p:extLst>
   </p:cSld>
@@ -10169,19 +10095,19 @@
           <a:p>
             <a:r>
               <a:rPr lang="en-US" dirty="0"/>
-              <a:t>Section Header</a:t>
-            </a:r>
-          </a:p>
-        </p:txBody>
-      </p:sp>
-      <p:sp>
-        <p:nvSpPr>
-          <p:cNvPr id="5" name="Text Placeholder 4"/>
+              <a:t>Title</a:t>
+            </a:r>
+          </a:p>
+        </p:txBody>
+      </p:sp>
+      <p:sp>
+        <p:nvSpPr>
+          <p:cNvPr id="5" name="Content Placeholder 4"/>
           <p:cNvSpPr>
             <a:spLocks noGrp="1"/>
           </p:cNvSpPr>
           <p:nvPr>
-            <p:ph type="body" idx="1"/>
+            <p:ph idx="1"/>
           </p:nvPr>
         </p:nvSpPr>
         <p:spPr/>
@@ -10191,7 +10117,7 @@
           <a:p>
             <a:r>
               <a:rPr lang="en-US" dirty="0"/>
-              <a:t>This is the next section</a:t>
+              <a:t>Code</a:t>
             </a:r>
           </a:p>
         </p:txBody>
@@ -10199,7 +10125,7 @@
     </p:spTree>
     <p:extLst>
       <p:ext uri="{BB962C8B-B14F-4D97-AF65-F5344CB8AC3E}">
-        <p14:creationId xmlns:p14="http://schemas.microsoft.com/office/powerpoint/2010/main" val="3568117999"/>
+        <p14:creationId xmlns:p14="http://schemas.microsoft.com/office/powerpoint/2010/main" val="1895725814"/>
       </p:ext>
     </p:extLst>
   </p:cSld>
@@ -10228,12 +10154,12 @@
       </p:grpSpPr>
       <p:sp>
         <p:nvSpPr>
-          <p:cNvPr id="2" name="Title 1"/>
+          <p:cNvPr id="4" name="Content Placeholder 3"/>
           <p:cNvSpPr>
             <a:spLocks noGrp="1"/>
           </p:cNvSpPr>
           <p:nvPr>
-            <p:ph type="title"/>
+            <p:ph idx="1"/>
           </p:nvPr>
         </p:nvSpPr>
         <p:spPr/>
@@ -10243,61 +10169,36 @@
           <a:p>
             <a:r>
               <a:rPr lang="en-US" dirty="0"/>
-              <a:t>Title</a:t>
-            </a:r>
-          </a:p>
-        </p:txBody>
-      </p:sp>
-      <p:sp>
-        <p:nvSpPr>
-          <p:cNvPr id="3" name="Content Placeholder 2"/>
-          <p:cNvSpPr>
-            <a:spLocks noGrp="1"/>
-          </p:cNvSpPr>
-          <p:nvPr>
-            <p:ph idx="1"/>
-          </p:nvPr>
-        </p:nvSpPr>
-        <p:spPr/>
-        <p:txBody>
-          <a:bodyPr/>
-          <a:lstStyle/>
-          <a:p>
-            <a:r>
-              <a:rPr lang="en-US" dirty="0"/>
-              <a:t>Line1</a:t>
+              <a:t>Text Only with Border</a:t>
             </a:r>
           </a:p>
           <a:p>
             <a:pPr lvl="1"/>
             <a:r>
               <a:rPr lang="en-US" dirty="0"/>
-              <a:t>Bullet Level 1</a:t>
+              <a:t>Level 1</a:t>
             </a:r>
           </a:p>
           <a:p>
             <a:pPr lvl="2"/>
             <a:r>
               <a:rPr lang="en-US" dirty="0"/>
-              <a:t>Bullet Level 2</a:t>
+              <a:t>Level 2 </a:t>
             </a:r>
           </a:p>
           <a:p>
             <a:pPr lvl="3"/>
             <a:r>
               <a:rPr lang="en-US" dirty="0"/>
-              <a:t>Bullet Level 3</a:t>
-            </a:r>
-          </a:p>
-          <a:p>
-            <a:endParaRPr lang="en-US" dirty="0"/>
+              <a:t>Level 3</a:t>
+            </a:r>
           </a:p>
         </p:txBody>
       </p:sp>
     </p:spTree>
     <p:extLst>
       <p:ext uri="{BB962C8B-B14F-4D97-AF65-F5344CB8AC3E}">
-        <p14:creationId xmlns:p14="http://schemas.microsoft.com/office/powerpoint/2010/main" val="1279470686"/>
+        <p14:creationId xmlns:p14="http://schemas.microsoft.com/office/powerpoint/2010/main" val="659284950"/>
       </p:ext>
     </p:extLst>
   </p:cSld>
@@ -10455,12 +10356,12 @@
       </p:grpSpPr>
       <p:sp>
         <p:nvSpPr>
-          <p:cNvPr id="4" name="Title 3"/>
+          <p:cNvPr id="3" name="Content Placeholder 2"/>
           <p:cNvSpPr>
             <a:spLocks noGrp="1"/>
           </p:cNvSpPr>
           <p:nvPr>
-            <p:ph type="title"/>
+            <p:ph idx="1"/>
           </p:nvPr>
         </p:nvSpPr>
         <p:spPr/>
@@ -10470,29 +10371,28 @@
           <a:p>
             <a:r>
               <a:rPr lang="en-US" dirty="0"/>
-              <a:t>Title</a:t>
-            </a:r>
-          </a:p>
-        </p:txBody>
-      </p:sp>
-      <p:sp>
-        <p:nvSpPr>
-          <p:cNvPr id="5" name="Content Placeholder 4"/>
-          <p:cNvSpPr>
-            <a:spLocks noGrp="1"/>
-          </p:cNvSpPr>
-          <p:nvPr>
-            <p:ph idx="1"/>
-          </p:nvPr>
-        </p:nvSpPr>
-        <p:spPr/>
-        <p:txBody>
-          <a:bodyPr/>
-          <a:lstStyle/>
-          <a:p>
-            <a:r>
-              <a:rPr lang="en-US" dirty="0"/>
-              <a:t>Code</a:t>
+              <a:t>Text Only (Red)</a:t>
+            </a:r>
+          </a:p>
+          <a:p>
+            <a:pPr lvl="1"/>
+            <a:r>
+              <a:rPr lang="en-US" dirty="0"/>
+              <a:t>Level 1</a:t>
+            </a:r>
+          </a:p>
+          <a:p>
+            <a:pPr lvl="2"/>
+            <a:r>
+              <a:rPr lang="en-US" dirty="0"/>
+              <a:t>Level 2</a:t>
+            </a:r>
+          </a:p>
+          <a:p>
+            <a:pPr lvl="3"/>
+            <a:r>
+              <a:rPr lang="en-US" dirty="0"/>
+              <a:t>Level 3</a:t>
             </a:r>
           </a:p>
         </p:txBody>
@@ -10500,7 +10400,7 @@
     </p:spTree>
     <p:extLst>
       <p:ext uri="{BB962C8B-B14F-4D97-AF65-F5344CB8AC3E}">
-        <p14:creationId xmlns:p14="http://schemas.microsoft.com/office/powerpoint/2010/main" val="1895725814"/>
+        <p14:creationId xmlns:p14="http://schemas.microsoft.com/office/powerpoint/2010/main" val="2094311673"/>
       </p:ext>
     </p:extLst>
   </p:cSld>
@@ -10529,12 +10429,12 @@
       </p:grpSpPr>
       <p:sp>
         <p:nvSpPr>
-          <p:cNvPr id="4" name="Content Placeholder 3"/>
+          <p:cNvPr id="3" name="Title 2"/>
           <p:cNvSpPr>
             <a:spLocks noGrp="1"/>
           </p:cNvSpPr>
           <p:nvPr>
-            <p:ph idx="1"/>
+            <p:ph type="title"/>
           </p:nvPr>
         </p:nvSpPr>
         <p:spPr/>
@@ -10544,7 +10444,29 @@
           <a:p>
             <a:r>
               <a:rPr lang="en-US" dirty="0"/>
-              <a:t>Text Only with Border</a:t>
+              <a:t>Title</a:t>
+            </a:r>
+          </a:p>
+        </p:txBody>
+      </p:sp>
+      <p:sp>
+        <p:nvSpPr>
+          <p:cNvPr id="4" name="Content Placeholder 3"/>
+          <p:cNvSpPr>
+            <a:spLocks noGrp="1"/>
+          </p:cNvSpPr>
+          <p:nvPr>
+            <p:ph sz="half" idx="1"/>
+          </p:nvPr>
+        </p:nvSpPr>
+        <p:spPr/>
+        <p:txBody>
+          <a:bodyPr/>
+          <a:lstStyle/>
+          <a:p>
+            <a:r>
+              <a:rPr lang="en-US" dirty="0"/>
+              <a:t>Text 1</a:t>
             </a:r>
           </a:p>
           <a:p>
@@ -10558,7 +10480,7 @@
             <a:pPr lvl="2"/>
             <a:r>
               <a:rPr lang="en-US" dirty="0"/>
-              <a:t>Level 2 </a:t>
+              <a:t>Level 2</a:t>
             </a:r>
           </a:p>
           <a:p>
@@ -10567,13 +10489,62 @@
               <a:rPr lang="en-US" dirty="0"/>
               <a:t>Level 3</a:t>
             </a:r>
+          </a:p>
+          <a:p>
+            <a:endParaRPr lang="en-US" dirty="0"/>
+          </a:p>
+        </p:txBody>
+      </p:sp>
+      <p:sp>
+        <p:nvSpPr>
+          <p:cNvPr id="5" name="Content Placeholder 4"/>
+          <p:cNvSpPr>
+            <a:spLocks noGrp="1"/>
+          </p:cNvSpPr>
+          <p:nvPr>
+            <p:ph sz="half" idx="2"/>
+          </p:nvPr>
+        </p:nvSpPr>
+        <p:spPr/>
+        <p:txBody>
+          <a:bodyPr/>
+          <a:lstStyle/>
+          <a:p>
+            <a:r>
+              <a:rPr lang="en-US" dirty="0"/>
+              <a:t>Text 2</a:t>
+            </a:r>
+          </a:p>
+          <a:p>
+            <a:pPr lvl="1"/>
+            <a:r>
+              <a:rPr lang="en-US" dirty="0"/>
+              <a:t>Level 1</a:t>
+            </a:r>
+          </a:p>
+          <a:p>
+            <a:pPr lvl="2"/>
+            <a:r>
+              <a:rPr lang="en-US" dirty="0"/>
+              <a:t>Level 2</a:t>
+            </a:r>
+          </a:p>
+          <a:p>
+            <a:pPr lvl="3"/>
+            <a:r>
+              <a:rPr lang="en-US" dirty="0"/>
+              <a:t>Level 3</a:t>
+            </a:r>
+          </a:p>
+          <a:p>
+            <a:endParaRPr lang="en-US" dirty="0"/>
           </a:p>
         </p:txBody>
       </p:sp>
     </p:spTree>
     <p:extLst>
       <p:ext uri="{BB962C8B-B14F-4D97-AF65-F5344CB8AC3E}">
-        <p14:creationId xmlns:p14="http://schemas.microsoft.com/office/powerpoint/2010/main" val="659284950"/>
+        <p14:creationId xmlns:p14="http://schemas.microsoft.com/office/powerpoint/2010/main" val="2554539812"/>
       </p:ext>
     </p:extLst>
   </p:cSld>
@@ -10602,12 +10573,12 @@
       </p:grpSpPr>
       <p:sp>
         <p:nvSpPr>
-          <p:cNvPr id="3" name="Content Placeholder 2"/>
+          <p:cNvPr id="6" name="Text Placeholder 5"/>
           <p:cNvSpPr>
             <a:spLocks noGrp="1"/>
           </p:cNvSpPr>
           <p:nvPr>
-            <p:ph idx="1"/>
+            <p:ph type="body" idx="1"/>
           </p:nvPr>
         </p:nvSpPr>
         <p:spPr/>
@@ -10617,7 +10588,29 @@
           <a:p>
             <a:r>
               <a:rPr lang="en-US" dirty="0"/>
-              <a:t>Text Only (Red)</a:t>
+              <a:t>Section 1</a:t>
+            </a:r>
+          </a:p>
+        </p:txBody>
+      </p:sp>
+      <p:sp>
+        <p:nvSpPr>
+          <p:cNvPr id="7" name="Content Placeholder 6"/>
+          <p:cNvSpPr>
+            <a:spLocks noGrp="1"/>
+          </p:cNvSpPr>
+          <p:nvPr>
+            <p:ph sz="half" idx="2"/>
+          </p:nvPr>
+        </p:nvSpPr>
+        <p:spPr/>
+        <p:txBody>
+          <a:bodyPr/>
+          <a:lstStyle/>
+          <a:p>
+            <a:r>
+              <a:rPr lang="en-US" dirty="0"/>
+              <a:t>Text</a:t>
             </a:r>
           </a:p>
           <a:p>
@@ -10639,6 +10632,99 @@
             <a:r>
               <a:rPr lang="en-US" dirty="0"/>
               <a:t>Level 3</a:t>
+            </a:r>
+          </a:p>
+          <a:p>
+            <a:endParaRPr lang="en-US" dirty="0"/>
+          </a:p>
+        </p:txBody>
+      </p:sp>
+      <p:sp>
+        <p:nvSpPr>
+          <p:cNvPr id="8" name="Text Placeholder 7"/>
+          <p:cNvSpPr>
+            <a:spLocks noGrp="1"/>
+          </p:cNvSpPr>
+          <p:nvPr>
+            <p:ph type="body" sz="quarter" idx="3"/>
+          </p:nvPr>
+        </p:nvSpPr>
+        <p:spPr/>
+        <p:txBody>
+          <a:bodyPr/>
+          <a:lstStyle/>
+          <a:p>
+            <a:r>
+              <a:rPr lang="en-US" dirty="0"/>
+              <a:t>Section 2</a:t>
+            </a:r>
+          </a:p>
+        </p:txBody>
+      </p:sp>
+      <p:sp>
+        <p:nvSpPr>
+          <p:cNvPr id="9" name="Content Placeholder 8"/>
+          <p:cNvSpPr>
+            <a:spLocks noGrp="1"/>
+          </p:cNvSpPr>
+          <p:nvPr>
+            <p:ph sz="quarter" idx="4"/>
+          </p:nvPr>
+        </p:nvSpPr>
+        <p:spPr/>
+        <p:txBody>
+          <a:bodyPr/>
+          <a:lstStyle/>
+          <a:p>
+            <a:r>
+              <a:rPr lang="en-US" dirty="0"/>
+              <a:t>Text</a:t>
+            </a:r>
+          </a:p>
+          <a:p>
+            <a:pPr lvl="1"/>
+            <a:r>
+              <a:rPr lang="en-US" dirty="0"/>
+              <a:t>Level 1</a:t>
+            </a:r>
+          </a:p>
+          <a:p>
+            <a:pPr lvl="2"/>
+            <a:r>
+              <a:rPr lang="en-US" dirty="0"/>
+              <a:t>Level 2</a:t>
+            </a:r>
+          </a:p>
+          <a:p>
+            <a:pPr lvl="3"/>
+            <a:r>
+              <a:rPr lang="en-US" dirty="0"/>
+              <a:t>Level 3</a:t>
+            </a:r>
+          </a:p>
+          <a:p>
+            <a:endParaRPr lang="en-US" dirty="0"/>
+          </a:p>
+        </p:txBody>
+      </p:sp>
+      <p:sp>
+        <p:nvSpPr>
+          <p:cNvPr id="5" name="Title 4"/>
+          <p:cNvSpPr>
+            <a:spLocks noGrp="1"/>
+          </p:cNvSpPr>
+          <p:nvPr>
+            <p:ph type="title"/>
+          </p:nvPr>
+        </p:nvSpPr>
+        <p:spPr/>
+        <p:txBody>
+          <a:bodyPr/>
+          <a:lstStyle/>
+          <a:p>
+            <a:r>
+              <a:rPr lang="en-US" dirty="0"/>
+              <a:t>Title</a:t>
             </a:r>
           </a:p>
         </p:txBody>
@@ -10646,7 +10732,7 @@
     </p:spTree>
     <p:extLst>
       <p:ext uri="{BB962C8B-B14F-4D97-AF65-F5344CB8AC3E}">
-        <p14:creationId xmlns:p14="http://schemas.microsoft.com/office/powerpoint/2010/main" val="2094311673"/>
+        <p14:creationId xmlns:p14="http://schemas.microsoft.com/office/powerpoint/2010/main" val="3003455065"/>
       </p:ext>
     </p:extLst>
   </p:cSld>
@@ -10675,12 +10761,12 @@
       </p:grpSpPr>
       <p:sp>
         <p:nvSpPr>
-          <p:cNvPr id="3" name="Title 2"/>
+          <p:cNvPr id="7" name="Text Placeholder 6"/>
           <p:cNvSpPr>
             <a:spLocks noGrp="1"/>
           </p:cNvSpPr>
           <p:nvPr>
-            <p:ph type="title"/>
+            <p:ph type="body" idx="1"/>
           </p:nvPr>
         </p:nvSpPr>
         <p:spPr/>
@@ -10690,107 +10776,15 @@
           <a:p>
             <a:r>
               <a:rPr lang="en-US" dirty="0"/>
-              <a:t>Title</a:t>
-            </a:r>
-          </a:p>
-        </p:txBody>
-      </p:sp>
-      <p:sp>
-        <p:nvSpPr>
-          <p:cNvPr id="4" name="Content Placeholder 3"/>
-          <p:cNvSpPr>
-            <a:spLocks noGrp="1"/>
-          </p:cNvSpPr>
-          <p:nvPr>
-            <p:ph sz="half" idx="1"/>
-          </p:nvPr>
-        </p:nvSpPr>
-        <p:spPr/>
-        <p:txBody>
-          <a:bodyPr/>
-          <a:lstStyle/>
-          <a:p>
-            <a:r>
-              <a:rPr lang="en-US" dirty="0"/>
-              <a:t>Text 1</a:t>
-            </a:r>
-          </a:p>
-          <a:p>
-            <a:pPr lvl="1"/>
-            <a:r>
-              <a:rPr lang="en-US" dirty="0"/>
-              <a:t>Level 1</a:t>
-            </a:r>
-          </a:p>
-          <a:p>
-            <a:pPr lvl="2"/>
-            <a:r>
-              <a:rPr lang="en-US" dirty="0"/>
-              <a:t>Level 2</a:t>
-            </a:r>
-          </a:p>
-          <a:p>
-            <a:pPr lvl="3"/>
-            <a:r>
-              <a:rPr lang="en-US" dirty="0"/>
-              <a:t>Level 3</a:t>
-            </a:r>
-          </a:p>
-          <a:p>
-            <a:endParaRPr lang="en-US" dirty="0"/>
-          </a:p>
-        </p:txBody>
-      </p:sp>
-      <p:sp>
-        <p:nvSpPr>
-          <p:cNvPr id="5" name="Content Placeholder 4"/>
-          <p:cNvSpPr>
-            <a:spLocks noGrp="1"/>
-          </p:cNvSpPr>
-          <p:nvPr>
-            <p:ph sz="half" idx="2"/>
-          </p:nvPr>
-        </p:nvSpPr>
-        <p:spPr/>
-        <p:txBody>
-          <a:bodyPr/>
-          <a:lstStyle/>
-          <a:p>
-            <a:r>
-              <a:rPr lang="en-US" dirty="0"/>
-              <a:t>Text 2</a:t>
-            </a:r>
-          </a:p>
-          <a:p>
-            <a:pPr lvl="1"/>
-            <a:r>
-              <a:rPr lang="en-US" dirty="0"/>
-              <a:t>Level 1</a:t>
-            </a:r>
-          </a:p>
-          <a:p>
-            <a:pPr lvl="2"/>
-            <a:r>
-              <a:rPr lang="en-US" dirty="0"/>
-              <a:t>Level 2</a:t>
-            </a:r>
-          </a:p>
-          <a:p>
-            <a:pPr lvl="3"/>
-            <a:r>
-              <a:rPr lang="en-US" dirty="0"/>
-              <a:t>Level 3</a:t>
-            </a:r>
-          </a:p>
-          <a:p>
-            <a:endParaRPr lang="en-US" dirty="0"/>
+              <a:t>Demo Title</a:t>
+            </a:r>
           </a:p>
         </p:txBody>
       </p:sp>
     </p:spTree>
     <p:extLst>
       <p:ext uri="{BB962C8B-B14F-4D97-AF65-F5344CB8AC3E}">
-        <p14:creationId xmlns:p14="http://schemas.microsoft.com/office/powerpoint/2010/main" val="2554539812"/>
+        <p14:creationId xmlns:p14="http://schemas.microsoft.com/office/powerpoint/2010/main" val="720356831"/>
       </p:ext>
     </p:extLst>
   </p:cSld>
@@ -10817,168 +10811,875 @@
           <a:chExt cx="0" cy="0"/>
         </a:xfrm>
       </p:grpSpPr>
-      <p:sp>
-        <p:nvSpPr>
-          <p:cNvPr id="6" name="Text Placeholder 5"/>
-          <p:cNvSpPr>
-            <a:spLocks noGrp="1"/>
-          </p:cNvSpPr>
-          <p:nvPr>
-            <p:ph type="body" idx="1"/>
-          </p:nvPr>
-        </p:nvSpPr>
-        <p:spPr/>
-        <p:txBody>
-          <a:bodyPr/>
-          <a:lstStyle/>
-          <a:p>
-            <a:r>
-              <a:rPr lang="en-US" dirty="0"/>
-              <a:t>Section 1</a:t>
-            </a:r>
-          </a:p>
-        </p:txBody>
-      </p:sp>
-      <p:sp>
-        <p:nvSpPr>
-          <p:cNvPr id="7" name="Content Placeholder 6"/>
-          <p:cNvSpPr>
-            <a:spLocks noGrp="1"/>
-          </p:cNvSpPr>
-          <p:nvPr>
-            <p:ph sz="half" idx="2"/>
-          </p:nvPr>
-        </p:nvSpPr>
-        <p:spPr/>
-        <p:txBody>
-          <a:bodyPr/>
-          <a:lstStyle/>
-          <a:p>
-            <a:r>
-              <a:rPr lang="en-US" dirty="0"/>
-              <a:t>Text</a:t>
-            </a:r>
-          </a:p>
-          <a:p>
-            <a:pPr lvl="1"/>
-            <a:r>
-              <a:rPr lang="en-US" dirty="0"/>
-              <a:t>Level 1</a:t>
-            </a:r>
-          </a:p>
-          <a:p>
-            <a:pPr lvl="2"/>
-            <a:r>
-              <a:rPr lang="en-US" dirty="0"/>
-              <a:t>Level 2</a:t>
-            </a:r>
-          </a:p>
-          <a:p>
-            <a:pPr lvl="3"/>
-            <a:r>
-              <a:rPr lang="en-US" dirty="0"/>
-              <a:t>Level 3</a:t>
-            </a:r>
-          </a:p>
-          <a:p>
-            <a:endParaRPr lang="en-US" dirty="0"/>
-          </a:p>
-        </p:txBody>
-      </p:sp>
-      <p:sp>
-        <p:nvSpPr>
-          <p:cNvPr id="8" name="Text Placeholder 7"/>
-          <p:cNvSpPr>
-            <a:spLocks noGrp="1"/>
-          </p:cNvSpPr>
-          <p:nvPr>
-            <p:ph type="body" sz="quarter" idx="3"/>
-          </p:nvPr>
-        </p:nvSpPr>
-        <p:spPr/>
-        <p:txBody>
-          <a:bodyPr/>
-          <a:lstStyle/>
-          <a:p>
-            <a:r>
-              <a:rPr lang="en-US" dirty="0"/>
-              <a:t>Section 2</a:t>
-            </a:r>
-          </a:p>
-        </p:txBody>
-      </p:sp>
-      <p:sp>
-        <p:nvSpPr>
-          <p:cNvPr id="9" name="Content Placeholder 8"/>
-          <p:cNvSpPr>
-            <a:spLocks noGrp="1"/>
-          </p:cNvSpPr>
-          <p:nvPr>
-            <p:ph sz="quarter" idx="4"/>
-          </p:nvPr>
-        </p:nvSpPr>
-        <p:spPr/>
-        <p:txBody>
-          <a:bodyPr/>
-          <a:lstStyle/>
-          <a:p>
-            <a:r>
-              <a:rPr lang="en-US" dirty="0"/>
-              <a:t>Text</a:t>
-            </a:r>
-          </a:p>
-          <a:p>
-            <a:pPr lvl="1"/>
-            <a:r>
-              <a:rPr lang="en-US" dirty="0"/>
-              <a:t>Level 1</a:t>
-            </a:r>
-          </a:p>
-          <a:p>
-            <a:pPr lvl="2"/>
-            <a:r>
-              <a:rPr lang="en-US" dirty="0"/>
-              <a:t>Level 2</a:t>
-            </a:r>
-          </a:p>
-          <a:p>
-            <a:pPr lvl="3"/>
-            <a:r>
-              <a:rPr lang="en-US" dirty="0"/>
-              <a:t>Level 3</a:t>
-            </a:r>
-          </a:p>
-          <a:p>
-            <a:endParaRPr lang="en-US" dirty="0"/>
-          </a:p>
-        </p:txBody>
-      </p:sp>
-      <p:sp>
-        <p:nvSpPr>
-          <p:cNvPr id="5" name="Title 4"/>
-          <p:cNvSpPr>
-            <a:spLocks noGrp="1"/>
-          </p:cNvSpPr>
-          <p:nvPr>
-            <p:ph type="title"/>
-          </p:nvPr>
-        </p:nvSpPr>
-        <p:spPr/>
-        <p:txBody>
-          <a:bodyPr/>
-          <a:lstStyle/>
-          <a:p>
-            <a:r>
-              <a:rPr lang="en-US" dirty="0"/>
-              <a:t>Title</a:t>
-            </a:r>
-          </a:p>
-        </p:txBody>
-      </p:sp>
+      <p:pic>
+        <p:nvPicPr>
+          <p:cNvPr id="11" name="Picture 10"/>
+          <p:cNvPicPr>
+            <a:picLocks noChangeAspect="1"/>
+          </p:cNvPicPr>
+          <p:nvPr/>
+        </p:nvPicPr>
+        <p:blipFill>
+          <a:blip r:embed="rId2">
+            <a:extLst>
+              <a:ext uri="{28A0092B-C50C-407E-A947-70E740481C1C}">
+                <a14:useLocalDpi xmlns:a14="http://schemas.microsoft.com/office/drawing/2010/main" val="0"/>
+              </a:ext>
+            </a:extLst>
+          </a:blip>
+          <a:stretch>
+            <a:fillRect/>
+          </a:stretch>
+        </p:blipFill>
+        <p:spPr>
+          <a:xfrm>
+            <a:off x="2207458" y="453313"/>
+            <a:ext cx="457200" cy="457200"/>
+          </a:xfrm>
+          <a:prstGeom prst="rect">
+            <a:avLst/>
+          </a:prstGeom>
+        </p:spPr>
+      </p:pic>
+      <p:pic>
+        <p:nvPicPr>
+          <p:cNvPr id="12" name="Picture 11"/>
+          <p:cNvPicPr>
+            <a:picLocks noChangeAspect="1"/>
+          </p:cNvPicPr>
+          <p:nvPr/>
+        </p:nvPicPr>
+        <p:blipFill>
+          <a:blip r:embed="rId3">
+            <a:extLst>
+              <a:ext uri="{28A0092B-C50C-407E-A947-70E740481C1C}">
+                <a14:useLocalDpi xmlns:a14="http://schemas.microsoft.com/office/drawing/2010/main" val="0"/>
+              </a:ext>
+            </a:extLst>
+          </a:blip>
+          <a:stretch>
+            <a:fillRect/>
+          </a:stretch>
+        </p:blipFill>
+        <p:spPr>
+          <a:xfrm>
+            <a:off x="1294229" y="453399"/>
+            <a:ext cx="457200" cy="457200"/>
+          </a:xfrm>
+          <a:prstGeom prst="rect">
+            <a:avLst/>
+          </a:prstGeom>
+        </p:spPr>
+      </p:pic>
+      <p:pic>
+        <p:nvPicPr>
+          <p:cNvPr id="13" name="Picture 12"/>
+          <p:cNvPicPr>
+            <a:picLocks noChangeAspect="1"/>
+          </p:cNvPicPr>
+          <p:nvPr/>
+        </p:nvPicPr>
+        <p:blipFill>
+          <a:blip r:embed="rId4">
+            <a:extLst>
+              <a:ext uri="{28A0092B-C50C-407E-A947-70E740481C1C}">
+                <a14:useLocalDpi xmlns:a14="http://schemas.microsoft.com/office/drawing/2010/main" val="0"/>
+              </a:ext>
+            </a:extLst>
+          </a:blip>
+          <a:stretch>
+            <a:fillRect/>
+          </a:stretch>
+        </p:blipFill>
+        <p:spPr>
+          <a:xfrm>
+            <a:off x="381000" y="453399"/>
+            <a:ext cx="457200" cy="457200"/>
+          </a:xfrm>
+          <a:prstGeom prst="rect">
+            <a:avLst/>
+          </a:prstGeom>
+        </p:spPr>
+      </p:pic>
+      <p:pic>
+        <p:nvPicPr>
+          <p:cNvPr id="15" name="Picture 14"/>
+          <p:cNvPicPr>
+            <a:picLocks noChangeAspect="1"/>
+          </p:cNvPicPr>
+          <p:nvPr/>
+        </p:nvPicPr>
+        <p:blipFill>
+          <a:blip r:embed="rId5">
+            <a:lum bright="70000" contrast="-70000"/>
+            <a:extLst>
+              <a:ext uri="{28A0092B-C50C-407E-A947-70E740481C1C}">
+                <a14:useLocalDpi xmlns:a14="http://schemas.microsoft.com/office/drawing/2010/main" val="0"/>
+              </a:ext>
+            </a:extLst>
+          </a:blip>
+          <a:stretch>
+            <a:fillRect/>
+          </a:stretch>
+        </p:blipFill>
+        <p:spPr>
+          <a:xfrm>
+            <a:off x="303629" y="1070428"/>
+            <a:ext cx="1219200" cy="1219200"/>
+          </a:xfrm>
+          <a:prstGeom prst="rect">
+            <a:avLst/>
+          </a:prstGeom>
+        </p:spPr>
+      </p:pic>
+      <p:pic>
+        <p:nvPicPr>
+          <p:cNvPr id="279" name="Picture 278"/>
+          <p:cNvPicPr>
+            <a:picLocks noChangeAspect="1"/>
+          </p:cNvPicPr>
+          <p:nvPr/>
+        </p:nvPicPr>
+        <p:blipFill>
+          <a:blip r:embed="rId6">
+            <a:lum bright="70000" contrast="-70000"/>
+            <a:extLst>
+              <a:ext uri="{28A0092B-C50C-407E-A947-70E740481C1C}">
+                <a14:useLocalDpi xmlns:a14="http://schemas.microsoft.com/office/drawing/2010/main" val="0"/>
+              </a:ext>
+            </a:extLst>
+          </a:blip>
+          <a:stretch>
+            <a:fillRect/>
+          </a:stretch>
+        </p:blipFill>
+        <p:spPr>
+          <a:xfrm>
+            <a:off x="2950029" y="1070428"/>
+            <a:ext cx="1219200" cy="1219200"/>
+          </a:xfrm>
+          <a:prstGeom prst="rect">
+            <a:avLst/>
+          </a:prstGeom>
+        </p:spPr>
+      </p:pic>
+      <p:pic>
+        <p:nvPicPr>
+          <p:cNvPr id="280" name="Picture 279"/>
+          <p:cNvPicPr>
+            <a:picLocks noChangeAspect="1"/>
+          </p:cNvPicPr>
+          <p:nvPr/>
+        </p:nvPicPr>
+        <p:blipFill>
+          <a:blip r:embed="rId7">
+            <a:lum bright="70000" contrast="-70000"/>
+            <a:extLst>
+              <a:ext uri="{28A0092B-C50C-407E-A947-70E740481C1C}">
+                <a14:useLocalDpi xmlns:a14="http://schemas.microsoft.com/office/drawing/2010/main" val="0"/>
+              </a:ext>
+            </a:extLst>
+          </a:blip>
+          <a:stretch>
+            <a:fillRect/>
+          </a:stretch>
+        </p:blipFill>
+        <p:spPr>
+          <a:xfrm>
+            <a:off x="1626829" y="1070428"/>
+            <a:ext cx="1219200" cy="1219200"/>
+          </a:xfrm>
+          <a:prstGeom prst="rect">
+            <a:avLst/>
+          </a:prstGeom>
+        </p:spPr>
+      </p:pic>
+      <p:pic>
+        <p:nvPicPr>
+          <p:cNvPr id="281" name="Picture 280"/>
+          <p:cNvPicPr>
+            <a:picLocks noChangeAspect="1"/>
+          </p:cNvPicPr>
+          <p:nvPr/>
+        </p:nvPicPr>
+        <p:blipFill>
+          <a:blip r:embed="rId8">
+            <a:lum bright="70000" contrast="-70000"/>
+            <a:extLst>
+              <a:ext uri="{28A0092B-C50C-407E-A947-70E740481C1C}">
+                <a14:useLocalDpi xmlns:a14="http://schemas.microsoft.com/office/drawing/2010/main" val="0"/>
+              </a:ext>
+            </a:extLst>
+          </a:blip>
+          <a:stretch>
+            <a:fillRect/>
+          </a:stretch>
+        </p:blipFill>
+        <p:spPr>
+          <a:xfrm>
+            <a:off x="5596429" y="1107999"/>
+            <a:ext cx="1219200" cy="1219200"/>
+          </a:xfrm>
+          <a:prstGeom prst="rect">
+            <a:avLst/>
+          </a:prstGeom>
+        </p:spPr>
+      </p:pic>
+      <p:pic>
+        <p:nvPicPr>
+          <p:cNvPr id="282" name="Picture 281"/>
+          <p:cNvPicPr>
+            <a:picLocks noChangeAspect="1"/>
+          </p:cNvPicPr>
+          <p:nvPr/>
+        </p:nvPicPr>
+        <p:blipFill>
+          <a:blip r:embed="rId9">
+            <a:lum bright="70000" contrast="-70000"/>
+            <a:extLst>
+              <a:ext uri="{28A0092B-C50C-407E-A947-70E740481C1C}">
+                <a14:useLocalDpi xmlns:a14="http://schemas.microsoft.com/office/drawing/2010/main" val="0"/>
+              </a:ext>
+            </a:extLst>
+          </a:blip>
+          <a:stretch>
+            <a:fillRect/>
+          </a:stretch>
+        </p:blipFill>
+        <p:spPr>
+          <a:xfrm>
+            <a:off x="4273229" y="1070428"/>
+            <a:ext cx="1219200" cy="1219200"/>
+          </a:xfrm>
+          <a:prstGeom prst="rect">
+            <a:avLst/>
+          </a:prstGeom>
+        </p:spPr>
+      </p:pic>
+      <p:pic>
+        <p:nvPicPr>
+          <p:cNvPr id="283" name="Picture 282"/>
+          <p:cNvPicPr>
+            <a:picLocks noChangeAspect="1"/>
+          </p:cNvPicPr>
+          <p:nvPr/>
+        </p:nvPicPr>
+        <p:blipFill>
+          <a:blip r:embed="rId10">
+            <a:lum bright="70000" contrast="-70000"/>
+            <a:extLst>
+              <a:ext uri="{28A0092B-C50C-407E-A947-70E740481C1C}">
+                <a14:useLocalDpi xmlns:a14="http://schemas.microsoft.com/office/drawing/2010/main" val="0"/>
+              </a:ext>
+            </a:extLst>
+          </a:blip>
+          <a:stretch>
+            <a:fillRect/>
+          </a:stretch>
+        </p:blipFill>
+        <p:spPr>
+          <a:xfrm>
+            <a:off x="6919629" y="1107999"/>
+            <a:ext cx="1219200" cy="1219200"/>
+          </a:xfrm>
+          <a:prstGeom prst="rect">
+            <a:avLst/>
+          </a:prstGeom>
+        </p:spPr>
+      </p:pic>
+      <p:pic>
+        <p:nvPicPr>
+          <p:cNvPr id="284" name="Picture 283"/>
+          <p:cNvPicPr>
+            <a:picLocks noChangeAspect="1"/>
+          </p:cNvPicPr>
+          <p:nvPr/>
+        </p:nvPicPr>
+        <p:blipFill>
+          <a:blip r:embed="rId11">
+            <a:lum bright="70000" contrast="-70000"/>
+            <a:extLst>
+              <a:ext uri="{28A0092B-C50C-407E-A947-70E740481C1C}">
+                <a14:useLocalDpi xmlns:a14="http://schemas.microsoft.com/office/drawing/2010/main" val="0"/>
+              </a:ext>
+            </a:extLst>
+          </a:blip>
+          <a:stretch>
+            <a:fillRect/>
+          </a:stretch>
+        </p:blipFill>
+        <p:spPr>
+          <a:xfrm>
+            <a:off x="9105600" y="1070428"/>
+            <a:ext cx="1219200" cy="1219200"/>
+          </a:xfrm>
+          <a:prstGeom prst="rect">
+            <a:avLst/>
+          </a:prstGeom>
+        </p:spPr>
+      </p:pic>
+      <p:pic>
+        <p:nvPicPr>
+          <p:cNvPr id="285" name="Picture 284"/>
+          <p:cNvPicPr>
+            <a:picLocks noChangeAspect="1"/>
+          </p:cNvPicPr>
+          <p:nvPr/>
+        </p:nvPicPr>
+        <p:blipFill>
+          <a:blip r:embed="rId12">
+            <a:lum bright="70000" contrast="-70000"/>
+            <a:extLst>
+              <a:ext uri="{28A0092B-C50C-407E-A947-70E740481C1C}">
+                <a14:useLocalDpi xmlns:a14="http://schemas.microsoft.com/office/drawing/2010/main" val="0"/>
+              </a:ext>
+            </a:extLst>
+          </a:blip>
+          <a:stretch>
+            <a:fillRect/>
+          </a:stretch>
+        </p:blipFill>
+        <p:spPr>
+          <a:xfrm>
+            <a:off x="7988286" y="1070428"/>
+            <a:ext cx="1219200" cy="1219200"/>
+          </a:xfrm>
+          <a:prstGeom prst="rect">
+            <a:avLst/>
+          </a:prstGeom>
+        </p:spPr>
+      </p:pic>
+      <p:pic>
+        <p:nvPicPr>
+          <p:cNvPr id="286" name="Picture 285"/>
+          <p:cNvPicPr>
+            <a:picLocks noChangeAspect="1"/>
+          </p:cNvPicPr>
+          <p:nvPr/>
+        </p:nvPicPr>
+        <p:blipFill>
+          <a:blip r:embed="rId13">
+            <a:lum bright="70000" contrast="-70000"/>
+            <a:extLst>
+              <a:ext uri="{28A0092B-C50C-407E-A947-70E740481C1C}">
+                <a14:useLocalDpi xmlns:a14="http://schemas.microsoft.com/office/drawing/2010/main" val="0"/>
+              </a:ext>
+            </a:extLst>
+          </a:blip>
+          <a:stretch>
+            <a:fillRect/>
+          </a:stretch>
+        </p:blipFill>
+        <p:spPr>
+          <a:xfrm>
+            <a:off x="303629" y="2185742"/>
+            <a:ext cx="1219200" cy="1219200"/>
+          </a:xfrm>
+          <a:prstGeom prst="rect">
+            <a:avLst/>
+          </a:prstGeom>
+        </p:spPr>
+      </p:pic>
+      <p:pic>
+        <p:nvPicPr>
+          <p:cNvPr id="287" name="Picture 286"/>
+          <p:cNvPicPr>
+            <a:picLocks noChangeAspect="1"/>
+          </p:cNvPicPr>
+          <p:nvPr/>
+        </p:nvPicPr>
+        <p:blipFill>
+          <a:blip r:embed="rId14">
+            <a:lum bright="70000" contrast="-70000"/>
+            <a:extLst>
+              <a:ext uri="{28A0092B-C50C-407E-A947-70E740481C1C}">
+                <a14:useLocalDpi xmlns:a14="http://schemas.microsoft.com/office/drawing/2010/main" val="0"/>
+              </a:ext>
+            </a:extLst>
+          </a:blip>
+          <a:stretch>
+            <a:fillRect/>
+          </a:stretch>
+        </p:blipFill>
+        <p:spPr>
+          <a:xfrm>
+            <a:off x="10484143" y="1070428"/>
+            <a:ext cx="1219200" cy="1219200"/>
+          </a:xfrm>
+          <a:prstGeom prst="rect">
+            <a:avLst/>
+          </a:prstGeom>
+        </p:spPr>
+      </p:pic>
+      <p:pic>
+        <p:nvPicPr>
+          <p:cNvPr id="288" name="Picture 287"/>
+          <p:cNvPicPr>
+            <a:picLocks noChangeAspect="1"/>
+          </p:cNvPicPr>
+          <p:nvPr/>
+        </p:nvPicPr>
+        <p:blipFill>
+          <a:blip r:embed="rId15">
+            <a:lum bright="70000" contrast="-70000"/>
+            <a:extLst>
+              <a:ext uri="{28A0092B-C50C-407E-A947-70E740481C1C}">
+                <a14:useLocalDpi xmlns:a14="http://schemas.microsoft.com/office/drawing/2010/main" val="0"/>
+              </a:ext>
+            </a:extLst>
+          </a:blip>
+          <a:stretch>
+            <a:fillRect/>
+          </a:stretch>
+        </p:blipFill>
+        <p:spPr>
+          <a:xfrm>
+            <a:off x="2923629" y="2421599"/>
+            <a:ext cx="1219200" cy="1219200"/>
+          </a:xfrm>
+          <a:prstGeom prst="rect">
+            <a:avLst/>
+          </a:prstGeom>
+        </p:spPr>
+      </p:pic>
+      <p:pic>
+        <p:nvPicPr>
+          <p:cNvPr id="289" name="Picture 288"/>
+          <p:cNvPicPr>
+            <a:picLocks noChangeAspect="1"/>
+          </p:cNvPicPr>
+          <p:nvPr/>
+        </p:nvPicPr>
+        <p:blipFill>
+          <a:blip r:embed="rId16">
+            <a:lum bright="70000" contrast="-70000"/>
+            <a:extLst>
+              <a:ext uri="{28A0092B-C50C-407E-A947-70E740481C1C}">
+                <a14:useLocalDpi xmlns:a14="http://schemas.microsoft.com/office/drawing/2010/main" val="0"/>
+              </a:ext>
+            </a:extLst>
+          </a:blip>
+          <a:stretch>
+            <a:fillRect/>
+          </a:stretch>
+        </p:blipFill>
+        <p:spPr>
+          <a:xfrm>
+            <a:off x="4273229" y="2454485"/>
+            <a:ext cx="1219200" cy="1219200"/>
+          </a:xfrm>
+          <a:prstGeom prst="rect">
+            <a:avLst/>
+          </a:prstGeom>
+        </p:spPr>
+      </p:pic>
+      <p:pic>
+        <p:nvPicPr>
+          <p:cNvPr id="290" name="Picture 289"/>
+          <p:cNvPicPr>
+            <a:picLocks noChangeAspect="1"/>
+          </p:cNvPicPr>
+          <p:nvPr/>
+        </p:nvPicPr>
+        <p:blipFill>
+          <a:blip r:embed="rId17">
+            <a:lum bright="70000" contrast="-70000"/>
+            <a:extLst>
+              <a:ext uri="{28A0092B-C50C-407E-A947-70E740481C1C}">
+                <a14:useLocalDpi xmlns:a14="http://schemas.microsoft.com/office/drawing/2010/main" val="0"/>
+              </a:ext>
+            </a:extLst>
+          </a:blip>
+          <a:stretch>
+            <a:fillRect/>
+          </a:stretch>
+        </p:blipFill>
+        <p:spPr>
+          <a:xfrm>
+            <a:off x="1704429" y="2421599"/>
+            <a:ext cx="1219200" cy="1219200"/>
+          </a:xfrm>
+          <a:prstGeom prst="rect">
+            <a:avLst/>
+          </a:prstGeom>
+        </p:spPr>
+      </p:pic>
+      <p:pic>
+        <p:nvPicPr>
+          <p:cNvPr id="291" name="Picture 290"/>
+          <p:cNvPicPr>
+            <a:picLocks noChangeAspect="1"/>
+          </p:cNvPicPr>
+          <p:nvPr/>
+        </p:nvPicPr>
+        <p:blipFill>
+          <a:blip r:embed="rId18">
+            <a:lum bright="70000" contrast="-70000"/>
+            <a:extLst>
+              <a:ext uri="{28A0092B-C50C-407E-A947-70E740481C1C}">
+                <a14:useLocalDpi xmlns:a14="http://schemas.microsoft.com/office/drawing/2010/main" val="0"/>
+              </a:ext>
+            </a:extLst>
+          </a:blip>
+          <a:stretch>
+            <a:fillRect/>
+          </a:stretch>
+        </p:blipFill>
+        <p:spPr>
+          <a:xfrm>
+            <a:off x="6976800" y="2439628"/>
+            <a:ext cx="1219200" cy="1219200"/>
+          </a:xfrm>
+          <a:prstGeom prst="rect">
+            <a:avLst/>
+          </a:prstGeom>
+        </p:spPr>
+      </p:pic>
+      <p:pic>
+        <p:nvPicPr>
+          <p:cNvPr id="292" name="Picture 291"/>
+          <p:cNvPicPr>
+            <a:picLocks noChangeAspect="1"/>
+          </p:cNvPicPr>
+          <p:nvPr/>
+        </p:nvPicPr>
+        <p:blipFill>
+          <a:blip r:embed="rId19">
+            <a:lum bright="70000" contrast="-70000"/>
+            <a:extLst>
+              <a:ext uri="{28A0092B-C50C-407E-A947-70E740481C1C}">
+                <a14:useLocalDpi xmlns:a14="http://schemas.microsoft.com/office/drawing/2010/main" val="0"/>
+              </a:ext>
+            </a:extLst>
+          </a:blip>
+          <a:stretch>
+            <a:fillRect/>
+          </a:stretch>
+        </p:blipFill>
+        <p:spPr>
+          <a:xfrm>
+            <a:off x="5622829" y="2454485"/>
+            <a:ext cx="1219200" cy="1219200"/>
+          </a:xfrm>
+          <a:prstGeom prst="rect">
+            <a:avLst/>
+          </a:prstGeom>
+        </p:spPr>
+      </p:pic>
+      <p:pic>
+        <p:nvPicPr>
+          <p:cNvPr id="293" name="Picture 292"/>
+          <p:cNvPicPr>
+            <a:picLocks noChangeAspect="1"/>
+          </p:cNvPicPr>
+          <p:nvPr/>
+        </p:nvPicPr>
+        <p:blipFill>
+          <a:blip r:embed="rId20">
+            <a:lum bright="70000" contrast="-70000"/>
+            <a:extLst>
+              <a:ext uri="{28A0092B-C50C-407E-A947-70E740481C1C}">
+                <a14:useLocalDpi xmlns:a14="http://schemas.microsoft.com/office/drawing/2010/main" val="0"/>
+              </a:ext>
+            </a:extLst>
+          </a:blip>
+          <a:stretch>
+            <a:fillRect/>
+          </a:stretch>
+        </p:blipFill>
+        <p:spPr>
+          <a:xfrm>
+            <a:off x="8336400" y="2534314"/>
+            <a:ext cx="1219200" cy="1219200"/>
+          </a:xfrm>
+          <a:prstGeom prst="rect">
+            <a:avLst/>
+          </a:prstGeom>
+        </p:spPr>
+      </p:pic>
+      <p:pic>
+        <p:nvPicPr>
+          <p:cNvPr id="294" name="Picture 293"/>
+          <p:cNvPicPr>
+            <a:picLocks noChangeAspect="1"/>
+          </p:cNvPicPr>
+          <p:nvPr/>
+        </p:nvPicPr>
+        <p:blipFill>
+          <a:blip r:embed="rId21">
+            <a:lum bright="70000" contrast="-70000"/>
+            <a:extLst>
+              <a:ext uri="{28A0092B-C50C-407E-A947-70E740481C1C}">
+                <a14:useLocalDpi xmlns:a14="http://schemas.microsoft.com/office/drawing/2010/main" val="0"/>
+              </a:ext>
+            </a:extLst>
+          </a:blip>
+          <a:stretch>
+            <a:fillRect/>
+          </a:stretch>
+        </p:blipFill>
+        <p:spPr>
+          <a:xfrm>
+            <a:off x="1522829" y="3910656"/>
+            <a:ext cx="1219200" cy="1219200"/>
+          </a:xfrm>
+          <a:prstGeom prst="rect">
+            <a:avLst/>
+          </a:prstGeom>
+        </p:spPr>
+      </p:pic>
+      <p:pic>
+        <p:nvPicPr>
+          <p:cNvPr id="295" name="Picture 294"/>
+          <p:cNvPicPr>
+            <a:picLocks noChangeAspect="1"/>
+          </p:cNvPicPr>
+          <p:nvPr/>
+        </p:nvPicPr>
+        <p:blipFill>
+          <a:blip r:embed="rId22">
+            <a:lum bright="70000" contrast="-70000"/>
+            <a:extLst>
+              <a:ext uri="{28A0092B-C50C-407E-A947-70E740481C1C}">
+                <a14:useLocalDpi xmlns:a14="http://schemas.microsoft.com/office/drawing/2010/main" val="0"/>
+              </a:ext>
+            </a:extLst>
+          </a:blip>
+          <a:stretch>
+            <a:fillRect/>
+          </a:stretch>
+        </p:blipFill>
+        <p:spPr>
+          <a:xfrm>
+            <a:off x="303629" y="4021971"/>
+            <a:ext cx="1219200" cy="1219200"/>
+          </a:xfrm>
+          <a:prstGeom prst="rect">
+            <a:avLst/>
+          </a:prstGeom>
+        </p:spPr>
+      </p:pic>
+      <p:pic>
+        <p:nvPicPr>
+          <p:cNvPr id="296" name="Picture 295"/>
+          <p:cNvPicPr>
+            <a:picLocks noChangeAspect="1"/>
+          </p:cNvPicPr>
+          <p:nvPr/>
+        </p:nvPicPr>
+        <p:blipFill>
+          <a:blip r:embed="rId23">
+            <a:lum bright="70000" contrast="-70000"/>
+            <a:extLst>
+              <a:ext uri="{28A0092B-C50C-407E-A947-70E740481C1C}">
+                <a14:useLocalDpi xmlns:a14="http://schemas.microsoft.com/office/drawing/2010/main" val="0"/>
+              </a:ext>
+            </a:extLst>
+          </a:blip>
+          <a:stretch>
+            <a:fillRect/>
+          </a:stretch>
+        </p:blipFill>
+        <p:spPr>
+          <a:xfrm>
+            <a:off x="9762315" y="2534314"/>
+            <a:ext cx="1219200" cy="1219200"/>
+          </a:xfrm>
+          <a:prstGeom prst="rect">
+            <a:avLst/>
+          </a:prstGeom>
+        </p:spPr>
+      </p:pic>
+      <p:pic>
+        <p:nvPicPr>
+          <p:cNvPr id="297" name="Picture 296"/>
+          <p:cNvPicPr>
+            <a:picLocks noChangeAspect="1"/>
+          </p:cNvPicPr>
+          <p:nvPr/>
+        </p:nvPicPr>
+        <p:blipFill>
+          <a:blip r:embed="rId24">
+            <a:lum bright="70000" contrast="-70000"/>
+            <a:extLst>
+              <a:ext uri="{28A0092B-C50C-407E-A947-70E740481C1C}">
+                <a14:useLocalDpi xmlns:a14="http://schemas.microsoft.com/office/drawing/2010/main" val="0"/>
+              </a:ext>
+            </a:extLst>
+          </a:blip>
+          <a:stretch>
+            <a:fillRect/>
+          </a:stretch>
+        </p:blipFill>
+        <p:spPr>
+          <a:xfrm>
+            <a:off x="5998771" y="4004171"/>
+            <a:ext cx="1219200" cy="1219200"/>
+          </a:xfrm>
+          <a:prstGeom prst="rect">
+            <a:avLst/>
+          </a:prstGeom>
+        </p:spPr>
+      </p:pic>
+      <p:pic>
+        <p:nvPicPr>
+          <p:cNvPr id="298" name="Picture 297"/>
+          <p:cNvPicPr>
+            <a:picLocks noChangeAspect="1"/>
+          </p:cNvPicPr>
+          <p:nvPr/>
+        </p:nvPicPr>
+        <p:blipFill>
+          <a:blip r:embed="rId25">
+            <a:lum bright="70000" contrast="-70000"/>
+            <a:extLst>
+              <a:ext uri="{28A0092B-C50C-407E-A947-70E740481C1C}">
+                <a14:useLocalDpi xmlns:a14="http://schemas.microsoft.com/office/drawing/2010/main" val="0"/>
+              </a:ext>
+            </a:extLst>
+          </a:blip>
+          <a:stretch>
+            <a:fillRect/>
+          </a:stretch>
+        </p:blipFill>
+        <p:spPr>
+          <a:xfrm>
+            <a:off x="4526400" y="4021971"/>
+            <a:ext cx="1219200" cy="1219200"/>
+          </a:xfrm>
+          <a:prstGeom prst="rect">
+            <a:avLst/>
+          </a:prstGeom>
+        </p:spPr>
+      </p:pic>
+      <p:pic>
+        <p:nvPicPr>
+          <p:cNvPr id="299" name="Picture 298"/>
+          <p:cNvPicPr>
+            <a:picLocks noChangeAspect="1"/>
+          </p:cNvPicPr>
+          <p:nvPr/>
+        </p:nvPicPr>
+        <p:blipFill>
+          <a:blip r:embed="rId26">
+            <a:lum bright="70000" contrast="-70000"/>
+            <a:extLst>
+              <a:ext uri="{28A0092B-C50C-407E-A947-70E740481C1C}">
+                <a14:useLocalDpi xmlns:a14="http://schemas.microsoft.com/office/drawing/2010/main" val="0"/>
+              </a:ext>
+            </a:extLst>
+          </a:blip>
+          <a:stretch>
+            <a:fillRect/>
+          </a:stretch>
+        </p:blipFill>
+        <p:spPr>
+          <a:xfrm>
+            <a:off x="3054029" y="4021971"/>
+            <a:ext cx="1219200" cy="1219200"/>
+          </a:xfrm>
+          <a:prstGeom prst="rect">
+            <a:avLst/>
+          </a:prstGeom>
+        </p:spPr>
+      </p:pic>
+      <p:pic>
+        <p:nvPicPr>
+          <p:cNvPr id="300" name="Picture 299"/>
+          <p:cNvPicPr>
+            <a:picLocks noChangeAspect="1"/>
+          </p:cNvPicPr>
+          <p:nvPr/>
+        </p:nvPicPr>
+        <p:blipFill>
+          <a:blip r:embed="rId27">
+            <a:lum bright="70000" contrast="-70000"/>
+            <a:extLst>
+              <a:ext uri="{28A0092B-C50C-407E-A947-70E740481C1C}">
+                <a14:useLocalDpi xmlns:a14="http://schemas.microsoft.com/office/drawing/2010/main" val="0"/>
+              </a:ext>
+            </a:extLst>
+          </a:blip>
+          <a:stretch>
+            <a:fillRect/>
+          </a:stretch>
+        </p:blipFill>
+        <p:spPr>
+          <a:xfrm>
+            <a:off x="10221542" y="4145971"/>
+            <a:ext cx="1219200" cy="1219200"/>
+          </a:xfrm>
+          <a:prstGeom prst="rect">
+            <a:avLst/>
+          </a:prstGeom>
+        </p:spPr>
+      </p:pic>
+      <p:pic>
+        <p:nvPicPr>
+          <p:cNvPr id="301" name="Picture 300"/>
+          <p:cNvPicPr>
+            <a:picLocks noChangeAspect="1"/>
+          </p:cNvPicPr>
+          <p:nvPr/>
+        </p:nvPicPr>
+        <p:blipFill>
+          <a:blip r:embed="rId28">
+            <a:lum bright="70000" contrast="-70000"/>
+            <a:extLst>
+              <a:ext uri="{28A0092B-C50C-407E-A947-70E740481C1C}">
+                <a14:useLocalDpi xmlns:a14="http://schemas.microsoft.com/office/drawing/2010/main" val="0"/>
+              </a:ext>
+            </a:extLst>
+          </a:blip>
+          <a:stretch>
+            <a:fillRect/>
+          </a:stretch>
+        </p:blipFill>
+        <p:spPr>
+          <a:xfrm>
+            <a:off x="8858971" y="4120114"/>
+            <a:ext cx="1219200" cy="1219200"/>
+          </a:xfrm>
+          <a:prstGeom prst="rect">
+            <a:avLst/>
+          </a:prstGeom>
+        </p:spPr>
+      </p:pic>
+      <p:pic>
+        <p:nvPicPr>
+          <p:cNvPr id="302" name="Picture 301"/>
+          <p:cNvPicPr>
+            <a:picLocks noChangeAspect="1"/>
+          </p:cNvPicPr>
+          <p:nvPr/>
+        </p:nvPicPr>
+        <p:blipFill>
+          <a:blip r:embed="rId29">
+            <a:lum bright="70000" contrast="-70000"/>
+            <a:extLst>
+              <a:ext uri="{28A0092B-C50C-407E-A947-70E740481C1C}">
+                <a14:useLocalDpi xmlns:a14="http://schemas.microsoft.com/office/drawing/2010/main" val="0"/>
+              </a:ext>
+            </a:extLst>
+          </a:blip>
+          <a:stretch>
+            <a:fillRect/>
+          </a:stretch>
+        </p:blipFill>
+        <p:spPr>
+          <a:xfrm>
+            <a:off x="7471142" y="4120114"/>
+            <a:ext cx="1219200" cy="1219200"/>
+          </a:xfrm>
+          <a:prstGeom prst="rect">
+            <a:avLst/>
+          </a:prstGeom>
+        </p:spPr>
+      </p:pic>
     </p:spTree>
     <p:extLst>
       <p:ext uri="{BB962C8B-B14F-4D97-AF65-F5344CB8AC3E}">
-        <p14:creationId xmlns:p14="http://schemas.microsoft.com/office/powerpoint/2010/main" val="3003455065"/>
+        <p14:creationId xmlns:p14="http://schemas.microsoft.com/office/powerpoint/2010/main" val="2451305448"/>
       </p:ext>
     </p:extLst>
   </p:cSld>
@@ -11005,32 +11706,909 @@
           <a:chExt cx="0" cy="0"/>
         </a:xfrm>
       </p:grpSpPr>
-      <p:sp>
-        <p:nvSpPr>
-          <p:cNvPr id="7" name="Text Placeholder 6"/>
-          <p:cNvSpPr>
-            <a:spLocks noGrp="1"/>
-          </p:cNvSpPr>
-          <p:nvPr>
-            <p:ph type="body" idx="1"/>
-          </p:nvPr>
-        </p:nvSpPr>
-        <p:spPr/>
-        <p:txBody>
-          <a:bodyPr/>
-          <a:lstStyle/>
-          <a:p>
-            <a:r>
-              <a:rPr lang="en-US" dirty="0"/>
-              <a:t>Demo Title</a:t>
-            </a:r>
-          </a:p>
-        </p:txBody>
-      </p:sp>
+      <p:pic>
+        <p:nvPicPr>
+          <p:cNvPr id="2" name="Picture 1"/>
+          <p:cNvPicPr>
+            <a:picLocks noChangeAspect="1"/>
+          </p:cNvPicPr>
+          <p:nvPr/>
+        </p:nvPicPr>
+        <p:blipFill>
+          <a:blip r:embed="rId2">
+            <a:lum bright="70000" contrast="-70000"/>
+            <a:extLst>
+              <a:ext uri="{28A0092B-C50C-407E-A947-70E740481C1C}">
+                <a14:useLocalDpi xmlns:a14="http://schemas.microsoft.com/office/drawing/2010/main" val="0"/>
+              </a:ext>
+            </a:extLst>
+          </a:blip>
+          <a:stretch>
+            <a:fillRect/>
+          </a:stretch>
+        </p:blipFill>
+        <p:spPr>
+          <a:xfrm>
+            <a:off x="322686" y="250829"/>
+            <a:ext cx="1219200" cy="1219200"/>
+          </a:xfrm>
+          <a:prstGeom prst="rect">
+            <a:avLst/>
+          </a:prstGeom>
+        </p:spPr>
+      </p:pic>
+      <p:pic>
+        <p:nvPicPr>
+          <p:cNvPr id="3" name="Picture 2"/>
+          <p:cNvPicPr>
+            <a:picLocks noChangeAspect="1"/>
+          </p:cNvPicPr>
+          <p:nvPr/>
+        </p:nvPicPr>
+        <p:blipFill>
+          <a:blip r:embed="rId3">
+            <a:lum bright="70000" contrast="-70000"/>
+            <a:extLst>
+              <a:ext uri="{28A0092B-C50C-407E-A947-70E740481C1C}">
+                <a14:useLocalDpi xmlns:a14="http://schemas.microsoft.com/office/drawing/2010/main" val="0"/>
+              </a:ext>
+            </a:extLst>
+          </a:blip>
+          <a:stretch>
+            <a:fillRect/>
+          </a:stretch>
+        </p:blipFill>
+        <p:spPr>
+          <a:xfrm>
+            <a:off x="1841371" y="306486"/>
+            <a:ext cx="1219200" cy="1219200"/>
+          </a:xfrm>
+          <a:prstGeom prst="rect">
+            <a:avLst/>
+          </a:prstGeom>
+        </p:spPr>
+      </p:pic>
+      <p:pic>
+        <p:nvPicPr>
+          <p:cNvPr id="4" name="Picture 3"/>
+          <p:cNvPicPr>
+            <a:picLocks noChangeAspect="1"/>
+          </p:cNvPicPr>
+          <p:nvPr/>
+        </p:nvPicPr>
+        <p:blipFill>
+          <a:blip r:embed="rId4">
+            <a:lum bright="70000" contrast="-70000"/>
+            <a:extLst>
+              <a:ext uri="{28A0092B-C50C-407E-A947-70E740481C1C}">
+                <a14:useLocalDpi xmlns:a14="http://schemas.microsoft.com/office/drawing/2010/main" val="0"/>
+              </a:ext>
+            </a:extLst>
+          </a:blip>
+          <a:stretch>
+            <a:fillRect/>
+          </a:stretch>
+        </p:blipFill>
+        <p:spPr>
+          <a:xfrm>
+            <a:off x="3360056" y="250829"/>
+            <a:ext cx="1219200" cy="1219200"/>
+          </a:xfrm>
+          <a:prstGeom prst="rect">
+            <a:avLst/>
+          </a:prstGeom>
+        </p:spPr>
+      </p:pic>
+      <p:pic>
+        <p:nvPicPr>
+          <p:cNvPr id="5" name="Picture 4"/>
+          <p:cNvPicPr>
+            <a:picLocks noChangeAspect="1"/>
+          </p:cNvPicPr>
+          <p:nvPr/>
+        </p:nvPicPr>
+        <p:blipFill>
+          <a:blip r:embed="rId5">
+            <a:lum bright="70000" contrast="-70000"/>
+            <a:extLst>
+              <a:ext uri="{28A0092B-C50C-407E-A947-70E740481C1C}">
+                <a14:useLocalDpi xmlns:a14="http://schemas.microsoft.com/office/drawing/2010/main" val="0"/>
+              </a:ext>
+            </a:extLst>
+          </a:blip>
+          <a:stretch>
+            <a:fillRect/>
+          </a:stretch>
+        </p:blipFill>
+        <p:spPr>
+          <a:xfrm>
+            <a:off x="4878741" y="249715"/>
+            <a:ext cx="1219200" cy="1219200"/>
+          </a:xfrm>
+          <a:prstGeom prst="rect">
+            <a:avLst/>
+          </a:prstGeom>
+        </p:spPr>
+      </p:pic>
+      <p:pic>
+        <p:nvPicPr>
+          <p:cNvPr id="6" name="Picture 5"/>
+          <p:cNvPicPr>
+            <a:picLocks noChangeAspect="1"/>
+          </p:cNvPicPr>
+          <p:nvPr/>
+        </p:nvPicPr>
+        <p:blipFill>
+          <a:blip r:embed="rId6">
+            <a:lum bright="70000" contrast="-70000"/>
+            <a:extLst>
+              <a:ext uri="{28A0092B-C50C-407E-A947-70E740481C1C}">
+                <a14:useLocalDpi xmlns:a14="http://schemas.microsoft.com/office/drawing/2010/main" val="0"/>
+              </a:ext>
+            </a:extLst>
+          </a:blip>
+          <a:stretch>
+            <a:fillRect/>
+          </a:stretch>
+        </p:blipFill>
+        <p:spPr>
+          <a:xfrm>
+            <a:off x="7736400" y="249715"/>
+            <a:ext cx="1219200" cy="1219200"/>
+          </a:xfrm>
+          <a:prstGeom prst="rect">
+            <a:avLst/>
+          </a:prstGeom>
+        </p:spPr>
+      </p:pic>
+      <p:pic>
+        <p:nvPicPr>
+          <p:cNvPr id="7" name="Picture 6"/>
+          <p:cNvPicPr>
+            <a:picLocks noChangeAspect="1"/>
+          </p:cNvPicPr>
+          <p:nvPr/>
+        </p:nvPicPr>
+        <p:blipFill>
+          <a:blip r:embed="rId7">
+            <a:lum bright="70000" contrast="-70000"/>
+            <a:extLst>
+              <a:ext uri="{28A0092B-C50C-407E-A947-70E740481C1C}">
+                <a14:useLocalDpi xmlns:a14="http://schemas.microsoft.com/office/drawing/2010/main" val="0"/>
+              </a:ext>
+            </a:extLst>
+          </a:blip>
+          <a:stretch>
+            <a:fillRect/>
+          </a:stretch>
+        </p:blipFill>
+        <p:spPr>
+          <a:xfrm>
+            <a:off x="6396057" y="249715"/>
+            <a:ext cx="1219200" cy="1219200"/>
+          </a:xfrm>
+          <a:prstGeom prst="rect">
+            <a:avLst/>
+          </a:prstGeom>
+        </p:spPr>
+      </p:pic>
+      <p:pic>
+        <p:nvPicPr>
+          <p:cNvPr id="8" name="Picture 7"/>
+          <p:cNvPicPr>
+            <a:picLocks noChangeAspect="1"/>
+          </p:cNvPicPr>
+          <p:nvPr/>
+        </p:nvPicPr>
+        <p:blipFill>
+          <a:blip r:embed="rId8">
+            <a:lum bright="70000" contrast="-70000"/>
+            <a:extLst>
+              <a:ext uri="{28A0092B-C50C-407E-A947-70E740481C1C}">
+                <a14:useLocalDpi xmlns:a14="http://schemas.microsoft.com/office/drawing/2010/main" val="0"/>
+              </a:ext>
+            </a:extLst>
+          </a:blip>
+          <a:stretch>
+            <a:fillRect/>
+          </a:stretch>
+        </p:blipFill>
+        <p:spPr>
+          <a:xfrm>
+            <a:off x="322686" y="1525686"/>
+            <a:ext cx="1219200" cy="1219200"/>
+          </a:xfrm>
+          <a:prstGeom prst="rect">
+            <a:avLst/>
+          </a:prstGeom>
+        </p:spPr>
+      </p:pic>
+      <p:pic>
+        <p:nvPicPr>
+          <p:cNvPr id="9" name="Picture 8"/>
+          <p:cNvPicPr>
+            <a:picLocks noChangeAspect="1"/>
+          </p:cNvPicPr>
+          <p:nvPr/>
+        </p:nvPicPr>
+        <p:blipFill>
+          <a:blip r:embed="rId9">
+            <a:lum bright="70000" contrast="-70000"/>
+            <a:extLst>
+              <a:ext uri="{28A0092B-C50C-407E-A947-70E740481C1C}">
+                <a14:useLocalDpi xmlns:a14="http://schemas.microsoft.com/office/drawing/2010/main" val="0"/>
+              </a:ext>
+            </a:extLst>
+          </a:blip>
+          <a:stretch>
+            <a:fillRect/>
+          </a:stretch>
+        </p:blipFill>
+        <p:spPr>
+          <a:xfrm>
+            <a:off x="9120229" y="275315"/>
+            <a:ext cx="1219200" cy="1219200"/>
+          </a:xfrm>
+          <a:prstGeom prst="rect">
+            <a:avLst/>
+          </a:prstGeom>
+        </p:spPr>
+      </p:pic>
+      <p:pic>
+        <p:nvPicPr>
+          <p:cNvPr id="10" name="Picture 9"/>
+          <p:cNvPicPr>
+            <a:picLocks noChangeAspect="1"/>
+          </p:cNvPicPr>
+          <p:nvPr/>
+        </p:nvPicPr>
+        <p:blipFill>
+          <a:blip r:embed="rId10">
+            <a:lum bright="70000" contrast="-70000"/>
+            <a:extLst>
+              <a:ext uri="{28A0092B-C50C-407E-A947-70E740481C1C}">
+                <a14:useLocalDpi xmlns:a14="http://schemas.microsoft.com/office/drawing/2010/main" val="0"/>
+              </a:ext>
+            </a:extLst>
+          </a:blip>
+          <a:stretch>
+            <a:fillRect/>
+          </a:stretch>
+        </p:blipFill>
+        <p:spPr>
+          <a:xfrm>
+            <a:off x="10460572" y="306486"/>
+            <a:ext cx="1219200" cy="1219200"/>
+          </a:xfrm>
+          <a:prstGeom prst="rect">
+            <a:avLst/>
+          </a:prstGeom>
+        </p:spPr>
+      </p:pic>
+      <p:pic>
+        <p:nvPicPr>
+          <p:cNvPr id="11" name="Picture 10"/>
+          <p:cNvPicPr>
+            <a:picLocks noChangeAspect="1"/>
+          </p:cNvPicPr>
+          <p:nvPr/>
+        </p:nvPicPr>
+        <p:blipFill>
+          <a:blip r:embed="rId11">
+            <a:lum bright="70000" contrast="-70000"/>
+            <a:extLst>
+              <a:ext uri="{28A0092B-C50C-407E-A947-70E740481C1C}">
+                <a14:useLocalDpi xmlns:a14="http://schemas.microsoft.com/office/drawing/2010/main" val="0"/>
+              </a:ext>
+            </a:extLst>
+          </a:blip>
+          <a:stretch>
+            <a:fillRect/>
+          </a:stretch>
+        </p:blipFill>
+        <p:spPr>
+          <a:xfrm>
+            <a:off x="3179485" y="1494515"/>
+            <a:ext cx="1219200" cy="1219200"/>
+          </a:xfrm>
+          <a:prstGeom prst="rect">
+            <a:avLst/>
+          </a:prstGeom>
+        </p:spPr>
+      </p:pic>
+      <p:pic>
+        <p:nvPicPr>
+          <p:cNvPr id="12" name="Picture 11"/>
+          <p:cNvPicPr>
+            <a:picLocks noChangeAspect="1"/>
+          </p:cNvPicPr>
+          <p:nvPr/>
+        </p:nvPicPr>
+        <p:blipFill>
+          <a:blip r:embed="rId12">
+            <a:lum bright="70000" contrast="-70000"/>
+            <a:extLst>
+              <a:ext uri="{28A0092B-C50C-407E-A947-70E740481C1C}">
+                <a14:useLocalDpi xmlns:a14="http://schemas.microsoft.com/office/drawing/2010/main" val="0"/>
+              </a:ext>
+            </a:extLst>
+          </a:blip>
+          <a:stretch>
+            <a:fillRect/>
+          </a:stretch>
+        </p:blipFill>
+        <p:spPr>
+          <a:xfrm>
+            <a:off x="1841371" y="1525686"/>
+            <a:ext cx="1219200" cy="1219200"/>
+          </a:xfrm>
+          <a:prstGeom prst="rect">
+            <a:avLst/>
+          </a:prstGeom>
+        </p:spPr>
+      </p:pic>
+      <p:pic>
+        <p:nvPicPr>
+          <p:cNvPr id="13" name="Picture 12"/>
+          <p:cNvPicPr>
+            <a:picLocks noChangeAspect="1"/>
+          </p:cNvPicPr>
+          <p:nvPr/>
+        </p:nvPicPr>
+        <p:blipFill>
+          <a:blip r:embed="rId13">
+            <a:lum bright="70000" contrast="-70000"/>
+            <a:extLst>
+              <a:ext uri="{28A0092B-C50C-407E-A947-70E740481C1C}">
+                <a14:useLocalDpi xmlns:a14="http://schemas.microsoft.com/office/drawing/2010/main" val="0"/>
+              </a:ext>
+            </a:extLst>
+          </a:blip>
+          <a:stretch>
+            <a:fillRect/>
+          </a:stretch>
+        </p:blipFill>
+        <p:spPr>
+          <a:xfrm>
+            <a:off x="4728943" y="1468915"/>
+            <a:ext cx="1219200" cy="1219200"/>
+          </a:xfrm>
+          <a:prstGeom prst="rect">
+            <a:avLst/>
+          </a:prstGeom>
+        </p:spPr>
+      </p:pic>
+      <p:pic>
+        <p:nvPicPr>
+          <p:cNvPr id="14" name="Picture 13"/>
+          <p:cNvPicPr>
+            <a:picLocks noChangeAspect="1"/>
+          </p:cNvPicPr>
+          <p:nvPr/>
+        </p:nvPicPr>
+        <p:blipFill>
+          <a:blip r:embed="rId14">
+            <a:lum bright="70000" contrast="-70000"/>
+            <a:extLst>
+              <a:ext uri="{28A0092B-C50C-407E-A947-70E740481C1C}">
+                <a14:useLocalDpi xmlns:a14="http://schemas.microsoft.com/office/drawing/2010/main" val="0"/>
+              </a:ext>
+            </a:extLst>
+          </a:blip>
+          <a:stretch>
+            <a:fillRect/>
+          </a:stretch>
+        </p:blipFill>
+        <p:spPr>
+          <a:xfrm>
+            <a:off x="7809086" y="1525686"/>
+            <a:ext cx="1219200" cy="1219200"/>
+          </a:xfrm>
+          <a:prstGeom prst="rect">
+            <a:avLst/>
+          </a:prstGeom>
+        </p:spPr>
+      </p:pic>
+      <p:pic>
+        <p:nvPicPr>
+          <p:cNvPr id="15" name="Picture 14"/>
+          <p:cNvPicPr>
+            <a:picLocks noChangeAspect="1"/>
+          </p:cNvPicPr>
+          <p:nvPr/>
+        </p:nvPicPr>
+        <p:blipFill>
+          <a:blip r:embed="rId15">
+            <a:lum bright="70000" contrast="-70000"/>
+            <a:extLst>
+              <a:ext uri="{28A0092B-C50C-407E-A947-70E740481C1C}">
+                <a14:useLocalDpi xmlns:a14="http://schemas.microsoft.com/office/drawing/2010/main" val="0"/>
+              </a:ext>
+            </a:extLst>
+          </a:blip>
+          <a:stretch>
+            <a:fillRect/>
+          </a:stretch>
+        </p:blipFill>
+        <p:spPr>
+          <a:xfrm>
+            <a:off x="6376800" y="1525686"/>
+            <a:ext cx="1219200" cy="1219200"/>
+          </a:xfrm>
+          <a:prstGeom prst="rect">
+            <a:avLst/>
+          </a:prstGeom>
+        </p:spPr>
+      </p:pic>
+      <p:pic>
+        <p:nvPicPr>
+          <p:cNvPr id="16" name="Picture 15"/>
+          <p:cNvPicPr>
+            <a:picLocks noChangeAspect="1"/>
+          </p:cNvPicPr>
+          <p:nvPr/>
+        </p:nvPicPr>
+        <p:blipFill>
+          <a:blip r:embed="rId16">
+            <a:lum bright="70000" contrast="-70000"/>
+            <a:extLst>
+              <a:ext uri="{28A0092B-C50C-407E-A947-70E740481C1C}">
+                <a14:useLocalDpi xmlns:a14="http://schemas.microsoft.com/office/drawing/2010/main" val="0"/>
+              </a:ext>
+            </a:extLst>
+          </a:blip>
+          <a:stretch>
+            <a:fillRect/>
+          </a:stretch>
+        </p:blipFill>
+        <p:spPr>
+          <a:xfrm>
+            <a:off x="9237900" y="1525686"/>
+            <a:ext cx="1219200" cy="1219200"/>
+          </a:xfrm>
+          <a:prstGeom prst="rect">
+            <a:avLst/>
+          </a:prstGeom>
+        </p:spPr>
+      </p:pic>
+      <p:pic>
+        <p:nvPicPr>
+          <p:cNvPr id="17" name="Picture 16"/>
+          <p:cNvPicPr>
+            <a:picLocks noChangeAspect="1"/>
+          </p:cNvPicPr>
+          <p:nvPr/>
+        </p:nvPicPr>
+        <p:blipFill>
+          <a:blip r:embed="rId17">
+            <a:lum bright="70000" contrast="-70000"/>
+            <a:extLst>
+              <a:ext uri="{28A0092B-C50C-407E-A947-70E740481C1C}">
+                <a14:useLocalDpi xmlns:a14="http://schemas.microsoft.com/office/drawing/2010/main" val="0"/>
+              </a:ext>
+            </a:extLst>
+          </a:blip>
+          <a:stretch>
+            <a:fillRect/>
+          </a:stretch>
+        </p:blipFill>
+        <p:spPr>
+          <a:xfrm>
+            <a:off x="10404571" y="1519943"/>
+            <a:ext cx="1219200" cy="1219200"/>
+          </a:xfrm>
+          <a:prstGeom prst="rect">
+            <a:avLst/>
+          </a:prstGeom>
+        </p:spPr>
+      </p:pic>
+      <p:pic>
+        <p:nvPicPr>
+          <p:cNvPr id="18" name="Picture 17"/>
+          <p:cNvPicPr>
+            <a:picLocks noChangeAspect="1"/>
+          </p:cNvPicPr>
+          <p:nvPr/>
+        </p:nvPicPr>
+        <p:blipFill>
+          <a:blip r:embed="rId18">
+            <a:lum bright="70000" contrast="-70000"/>
+            <a:extLst>
+              <a:ext uri="{28A0092B-C50C-407E-A947-70E740481C1C}">
+                <a14:useLocalDpi xmlns:a14="http://schemas.microsoft.com/office/drawing/2010/main" val="0"/>
+              </a:ext>
+            </a:extLst>
+          </a:blip>
+          <a:stretch>
+            <a:fillRect/>
+          </a:stretch>
+        </p:blipFill>
+        <p:spPr>
+          <a:xfrm>
+            <a:off x="1841371" y="3030143"/>
+            <a:ext cx="1219200" cy="1219200"/>
+          </a:xfrm>
+          <a:prstGeom prst="rect">
+            <a:avLst/>
+          </a:prstGeom>
+        </p:spPr>
+      </p:pic>
+      <p:pic>
+        <p:nvPicPr>
+          <p:cNvPr id="19" name="Picture 18"/>
+          <p:cNvPicPr>
+            <a:picLocks noChangeAspect="1"/>
+          </p:cNvPicPr>
+          <p:nvPr/>
+        </p:nvPicPr>
+        <p:blipFill>
+          <a:blip r:embed="rId19">
+            <a:lum bright="70000" contrast="-70000"/>
+            <a:extLst>
+              <a:ext uri="{28A0092B-C50C-407E-A947-70E740481C1C}">
+                <a14:useLocalDpi xmlns:a14="http://schemas.microsoft.com/office/drawing/2010/main" val="0"/>
+              </a:ext>
+            </a:extLst>
+          </a:blip>
+          <a:stretch>
+            <a:fillRect/>
+          </a:stretch>
+        </p:blipFill>
+        <p:spPr>
+          <a:xfrm>
+            <a:off x="322686" y="3030143"/>
+            <a:ext cx="1219200" cy="1219200"/>
+          </a:xfrm>
+          <a:prstGeom prst="rect">
+            <a:avLst/>
+          </a:prstGeom>
+        </p:spPr>
+      </p:pic>
+      <p:pic>
+        <p:nvPicPr>
+          <p:cNvPr id="20" name="Picture 19"/>
+          <p:cNvPicPr>
+            <a:picLocks noChangeAspect="1"/>
+          </p:cNvPicPr>
+          <p:nvPr/>
+        </p:nvPicPr>
+        <p:blipFill>
+          <a:blip r:embed="rId20">
+            <a:lum bright="70000" contrast="-70000"/>
+            <a:extLst>
+              <a:ext uri="{28A0092B-C50C-407E-A947-70E740481C1C}">
+                <a14:useLocalDpi xmlns:a14="http://schemas.microsoft.com/office/drawing/2010/main" val="0"/>
+              </a:ext>
+            </a:extLst>
+          </a:blip>
+          <a:stretch>
+            <a:fillRect/>
+          </a:stretch>
+        </p:blipFill>
+        <p:spPr>
+          <a:xfrm>
+            <a:off x="4728943" y="3030143"/>
+            <a:ext cx="1219200" cy="1219200"/>
+          </a:xfrm>
+          <a:prstGeom prst="rect">
+            <a:avLst/>
+          </a:prstGeom>
+        </p:spPr>
+      </p:pic>
+      <p:pic>
+        <p:nvPicPr>
+          <p:cNvPr id="21" name="Picture 20"/>
+          <p:cNvPicPr>
+            <a:picLocks noChangeAspect="1"/>
+          </p:cNvPicPr>
+          <p:nvPr/>
+        </p:nvPicPr>
+        <p:blipFill>
+          <a:blip r:embed="rId21">
+            <a:lum bright="70000" contrast="-70000"/>
+            <a:extLst>
+              <a:ext uri="{28A0092B-C50C-407E-A947-70E740481C1C}">
+                <a14:useLocalDpi xmlns:a14="http://schemas.microsoft.com/office/drawing/2010/main" val="0"/>
+              </a:ext>
+            </a:extLst>
+          </a:blip>
+          <a:stretch>
+            <a:fillRect/>
+          </a:stretch>
+        </p:blipFill>
+        <p:spPr>
+          <a:xfrm>
+            <a:off x="3338570" y="3030143"/>
+            <a:ext cx="1219200" cy="1219200"/>
+          </a:xfrm>
+          <a:prstGeom prst="rect">
+            <a:avLst/>
+          </a:prstGeom>
+        </p:spPr>
+      </p:pic>
+      <p:pic>
+        <p:nvPicPr>
+          <p:cNvPr id="22" name="Picture 21"/>
+          <p:cNvPicPr>
+            <a:picLocks noChangeAspect="1"/>
+          </p:cNvPicPr>
+          <p:nvPr/>
+        </p:nvPicPr>
+        <p:blipFill>
+          <a:blip r:embed="rId22">
+            <a:lum bright="70000" contrast="-70000"/>
+            <a:extLst>
+              <a:ext uri="{28A0092B-C50C-407E-A947-70E740481C1C}">
+                <a14:useLocalDpi xmlns:a14="http://schemas.microsoft.com/office/drawing/2010/main" val="0"/>
+              </a:ext>
+            </a:extLst>
+          </a:blip>
+          <a:stretch>
+            <a:fillRect/>
+          </a:stretch>
+        </p:blipFill>
+        <p:spPr>
+          <a:xfrm>
+            <a:off x="1835343" y="4534600"/>
+            <a:ext cx="1219200" cy="1219200"/>
+          </a:xfrm>
+          <a:prstGeom prst="rect">
+            <a:avLst/>
+          </a:prstGeom>
+        </p:spPr>
+      </p:pic>
+      <p:pic>
+        <p:nvPicPr>
+          <p:cNvPr id="23" name="Picture 22"/>
+          <p:cNvPicPr>
+            <a:picLocks noChangeAspect="1"/>
+          </p:cNvPicPr>
+          <p:nvPr/>
+        </p:nvPicPr>
+        <p:blipFill>
+          <a:blip r:embed="rId23">
+            <a:lum bright="70000" contrast="-70000"/>
+            <a:extLst>
+              <a:ext uri="{28A0092B-C50C-407E-A947-70E740481C1C}">
+                <a14:useLocalDpi xmlns:a14="http://schemas.microsoft.com/office/drawing/2010/main" val="0"/>
+              </a:ext>
+            </a:extLst>
+          </a:blip>
+          <a:stretch>
+            <a:fillRect/>
+          </a:stretch>
+        </p:blipFill>
+        <p:spPr>
+          <a:xfrm>
+            <a:off x="322686" y="4534600"/>
+            <a:ext cx="1219200" cy="1219200"/>
+          </a:xfrm>
+          <a:prstGeom prst="rect">
+            <a:avLst/>
+          </a:prstGeom>
+        </p:spPr>
+      </p:pic>
+      <p:pic>
+        <p:nvPicPr>
+          <p:cNvPr id="24" name="Picture 23"/>
+          <p:cNvPicPr>
+            <a:picLocks noChangeAspect="1"/>
+          </p:cNvPicPr>
+          <p:nvPr/>
+        </p:nvPicPr>
+        <p:blipFill>
+          <a:blip r:embed="rId24">
+            <a:lum bright="70000" contrast="-70000"/>
+            <a:extLst>
+              <a:ext uri="{28A0092B-C50C-407E-A947-70E740481C1C}">
+                <a14:useLocalDpi xmlns:a14="http://schemas.microsoft.com/office/drawing/2010/main" val="0"/>
+              </a:ext>
+            </a:extLst>
+          </a:blip>
+          <a:stretch>
+            <a:fillRect/>
+          </a:stretch>
+        </p:blipFill>
+        <p:spPr>
+          <a:xfrm>
+            <a:off x="6376800" y="3162943"/>
+            <a:ext cx="1219200" cy="1219200"/>
+          </a:xfrm>
+          <a:prstGeom prst="rect">
+            <a:avLst/>
+          </a:prstGeom>
+        </p:spPr>
+      </p:pic>
+      <p:pic>
+        <p:nvPicPr>
+          <p:cNvPr id="25" name="Picture 24"/>
+          <p:cNvPicPr>
+            <a:picLocks noChangeAspect="1"/>
+          </p:cNvPicPr>
+          <p:nvPr/>
+        </p:nvPicPr>
+        <p:blipFill>
+          <a:blip r:embed="rId25">
+            <a:lum bright="70000" contrast="-70000"/>
+            <a:extLst>
+              <a:ext uri="{28A0092B-C50C-407E-A947-70E740481C1C}">
+                <a14:useLocalDpi xmlns:a14="http://schemas.microsoft.com/office/drawing/2010/main" val="0"/>
+              </a:ext>
+            </a:extLst>
+          </a:blip>
+          <a:stretch>
+            <a:fillRect/>
+          </a:stretch>
+        </p:blipFill>
+        <p:spPr>
+          <a:xfrm>
+            <a:off x="10404571" y="3109800"/>
+            <a:ext cx="1219200" cy="1219200"/>
+          </a:xfrm>
+          <a:prstGeom prst="rect">
+            <a:avLst/>
+          </a:prstGeom>
+        </p:spPr>
+      </p:pic>
+      <p:pic>
+        <p:nvPicPr>
+          <p:cNvPr id="26" name="Picture 25"/>
+          <p:cNvPicPr>
+            <a:picLocks noChangeAspect="1"/>
+          </p:cNvPicPr>
+          <p:nvPr/>
+        </p:nvPicPr>
+        <p:blipFill>
+          <a:blip r:embed="rId26">
+            <a:lum bright="70000" contrast="-70000"/>
+            <a:extLst>
+              <a:ext uri="{28A0092B-C50C-407E-A947-70E740481C1C}">
+                <a14:useLocalDpi xmlns:a14="http://schemas.microsoft.com/office/drawing/2010/main" val="0"/>
+              </a:ext>
+            </a:extLst>
+          </a:blip>
+          <a:stretch>
+            <a:fillRect/>
+          </a:stretch>
+        </p:blipFill>
+        <p:spPr>
+          <a:xfrm>
+            <a:off x="3338570" y="4534600"/>
+            <a:ext cx="1219200" cy="1219200"/>
+          </a:xfrm>
+          <a:prstGeom prst="rect">
+            <a:avLst/>
+          </a:prstGeom>
+        </p:spPr>
+      </p:pic>
+      <p:pic>
+        <p:nvPicPr>
+          <p:cNvPr id="27" name="Picture 26"/>
+          <p:cNvPicPr>
+            <a:picLocks noChangeAspect="1"/>
+          </p:cNvPicPr>
+          <p:nvPr/>
+        </p:nvPicPr>
+        <p:blipFill>
+          <a:blip r:embed="rId27">
+            <a:lum bright="70000" contrast="-70000"/>
+            <a:extLst>
+              <a:ext uri="{28A0092B-C50C-407E-A947-70E740481C1C}">
+                <a14:useLocalDpi xmlns:a14="http://schemas.microsoft.com/office/drawing/2010/main" val="0"/>
+              </a:ext>
+            </a:extLst>
+          </a:blip>
+          <a:stretch>
+            <a:fillRect/>
+          </a:stretch>
+        </p:blipFill>
+        <p:spPr>
+          <a:xfrm>
+            <a:off x="4831171" y="4560286"/>
+            <a:ext cx="1219200" cy="1219200"/>
+          </a:xfrm>
+          <a:prstGeom prst="rect">
+            <a:avLst/>
+          </a:prstGeom>
+        </p:spPr>
+      </p:pic>
+      <p:pic>
+        <p:nvPicPr>
+          <p:cNvPr id="28" name="Picture 27"/>
+          <p:cNvPicPr>
+            <a:picLocks noChangeAspect="1"/>
+          </p:cNvPicPr>
+          <p:nvPr/>
+        </p:nvPicPr>
+        <p:blipFill>
+          <a:blip r:embed="rId28">
+            <a:lum bright="70000" contrast="-70000"/>
+            <a:extLst>
+              <a:ext uri="{28A0092B-C50C-407E-A947-70E740481C1C}">
+                <a14:useLocalDpi xmlns:a14="http://schemas.microsoft.com/office/drawing/2010/main" val="0"/>
+              </a:ext>
+            </a:extLst>
+          </a:blip>
+          <a:stretch>
+            <a:fillRect/>
+          </a:stretch>
+        </p:blipFill>
+        <p:spPr>
+          <a:xfrm>
+            <a:off x="9028286" y="4560286"/>
+            <a:ext cx="1219200" cy="1219200"/>
+          </a:xfrm>
+          <a:prstGeom prst="rect">
+            <a:avLst/>
+          </a:prstGeom>
+        </p:spPr>
+      </p:pic>
+      <p:pic>
+        <p:nvPicPr>
+          <p:cNvPr id="29" name="Picture 28"/>
+          <p:cNvPicPr>
+            <a:picLocks noChangeAspect="1"/>
+          </p:cNvPicPr>
+          <p:nvPr/>
+        </p:nvPicPr>
+        <p:blipFill>
+          <a:blip r:embed="rId29">
+            <a:lum bright="70000" contrast="-70000"/>
+            <a:extLst>
+              <a:ext uri="{28A0092B-C50C-407E-A947-70E740481C1C}">
+                <a14:useLocalDpi xmlns:a14="http://schemas.microsoft.com/office/drawing/2010/main" val="0"/>
+              </a:ext>
+            </a:extLst>
+          </a:blip>
+          <a:stretch>
+            <a:fillRect/>
+          </a:stretch>
+        </p:blipFill>
+        <p:spPr>
+          <a:xfrm>
+            <a:off x="8955600" y="3315400"/>
+            <a:ext cx="1219200" cy="1219200"/>
+          </a:xfrm>
+          <a:prstGeom prst="rect">
+            <a:avLst/>
+          </a:prstGeom>
+        </p:spPr>
+      </p:pic>
+      <p:pic>
+        <p:nvPicPr>
+          <p:cNvPr id="30" name="Picture 29"/>
+          <p:cNvPicPr>
+            <a:picLocks noChangeAspect="1"/>
+          </p:cNvPicPr>
+          <p:nvPr/>
+        </p:nvPicPr>
+        <p:blipFill>
+          <a:blip r:embed="rId30">
+            <a:lum bright="70000" contrast="-70000"/>
+            <a:extLst>
+              <a:ext uri="{28A0092B-C50C-407E-A947-70E740481C1C}">
+                <a14:useLocalDpi xmlns:a14="http://schemas.microsoft.com/office/drawing/2010/main" val="0"/>
+              </a:ext>
+            </a:extLst>
+          </a:blip>
+          <a:stretch>
+            <a:fillRect/>
+          </a:stretch>
+        </p:blipFill>
+        <p:spPr>
+          <a:xfrm>
+            <a:off x="10457100" y="4534600"/>
+            <a:ext cx="1219200" cy="1219200"/>
+          </a:xfrm>
+          <a:prstGeom prst="rect">
+            <a:avLst/>
+          </a:prstGeom>
+        </p:spPr>
+      </p:pic>
     </p:spTree>
     <p:extLst>
       <p:ext uri="{BB962C8B-B14F-4D97-AF65-F5344CB8AC3E}">
-        <p14:creationId xmlns:p14="http://schemas.microsoft.com/office/powerpoint/2010/main" val="720356831"/>
+        <p14:creationId xmlns:p14="http://schemas.microsoft.com/office/powerpoint/2010/main" val="823657930"/>
       </p:ext>
     </p:extLst>
   </p:cSld>
@@ -11059,6 +12637,285 @@
       </p:grpSpPr>
       <p:pic>
         <p:nvPicPr>
+          <p:cNvPr id="2" name="Picture 1"/>
+          <p:cNvPicPr>
+            <a:picLocks noChangeAspect="1"/>
+          </p:cNvPicPr>
+          <p:nvPr/>
+        </p:nvPicPr>
+        <p:blipFill>
+          <a:blip r:embed="rId2">
+            <a:lum bright="70000" contrast="-70000"/>
+            <a:extLst>
+              <a:ext uri="{28A0092B-C50C-407E-A947-70E740481C1C}">
+                <a14:useLocalDpi xmlns:a14="http://schemas.microsoft.com/office/drawing/2010/main" val="0"/>
+              </a:ext>
+            </a:extLst>
+          </a:blip>
+          <a:stretch>
+            <a:fillRect/>
+          </a:stretch>
+        </p:blipFill>
+        <p:spPr>
+          <a:xfrm>
+            <a:off x="130628" y="359229"/>
+            <a:ext cx="1219200" cy="1219200"/>
+          </a:xfrm>
+          <a:prstGeom prst="rect">
+            <a:avLst/>
+          </a:prstGeom>
+        </p:spPr>
+      </p:pic>
+      <p:pic>
+        <p:nvPicPr>
+          <p:cNvPr id="3" name="Picture 2"/>
+          <p:cNvPicPr>
+            <a:picLocks noChangeAspect="1"/>
+          </p:cNvPicPr>
+          <p:nvPr/>
+        </p:nvPicPr>
+        <p:blipFill>
+          <a:blip r:embed="rId3">
+            <a:lum bright="70000" contrast="-70000"/>
+            <a:extLst>
+              <a:ext uri="{28A0092B-C50C-407E-A947-70E740481C1C}">
+                <a14:useLocalDpi xmlns:a14="http://schemas.microsoft.com/office/drawing/2010/main" val="0"/>
+              </a:ext>
+            </a:extLst>
+          </a:blip>
+          <a:stretch>
+            <a:fillRect/>
+          </a:stretch>
+        </p:blipFill>
+        <p:spPr>
+          <a:xfrm>
+            <a:off x="94399" y="4550571"/>
+            <a:ext cx="1219200" cy="1219200"/>
+          </a:xfrm>
+          <a:prstGeom prst="rect">
+            <a:avLst/>
+          </a:prstGeom>
+        </p:spPr>
+      </p:pic>
+      <p:pic>
+        <p:nvPicPr>
+          <p:cNvPr id="4" name="Picture 3"/>
+          <p:cNvPicPr>
+            <a:picLocks noChangeAspect="1"/>
+          </p:cNvPicPr>
+          <p:nvPr/>
+        </p:nvPicPr>
+        <p:blipFill>
+          <a:blip r:embed="rId4">
+            <a:lum bright="70000" contrast="-70000"/>
+            <a:extLst>
+              <a:ext uri="{28A0092B-C50C-407E-A947-70E740481C1C}">
+                <a14:useLocalDpi xmlns:a14="http://schemas.microsoft.com/office/drawing/2010/main" val="0"/>
+              </a:ext>
+            </a:extLst>
+          </a:blip>
+          <a:stretch>
+            <a:fillRect/>
+          </a:stretch>
+        </p:blipFill>
+        <p:spPr>
+          <a:xfrm>
+            <a:off x="94399" y="3153457"/>
+            <a:ext cx="1219200" cy="1219200"/>
+          </a:xfrm>
+          <a:prstGeom prst="rect">
+            <a:avLst/>
+          </a:prstGeom>
+        </p:spPr>
+      </p:pic>
+      <p:pic>
+        <p:nvPicPr>
+          <p:cNvPr id="5" name="Picture 4"/>
+          <p:cNvPicPr>
+            <a:picLocks noChangeAspect="1"/>
+          </p:cNvPicPr>
+          <p:nvPr/>
+        </p:nvPicPr>
+        <p:blipFill>
+          <a:blip r:embed="rId5">
+            <a:lum bright="70000" contrast="-70000"/>
+            <a:extLst>
+              <a:ext uri="{28A0092B-C50C-407E-A947-70E740481C1C}">
+                <a14:useLocalDpi xmlns:a14="http://schemas.microsoft.com/office/drawing/2010/main" val="0"/>
+              </a:ext>
+            </a:extLst>
+          </a:blip>
+          <a:stretch>
+            <a:fillRect/>
+          </a:stretch>
+        </p:blipFill>
+        <p:spPr>
+          <a:xfrm>
+            <a:off x="94399" y="1756343"/>
+            <a:ext cx="1219200" cy="1219200"/>
+          </a:xfrm>
+          <a:prstGeom prst="rect">
+            <a:avLst/>
+          </a:prstGeom>
+        </p:spPr>
+      </p:pic>
+      <p:pic>
+        <p:nvPicPr>
+          <p:cNvPr id="6" name="Picture 5"/>
+          <p:cNvPicPr>
+            <a:picLocks noChangeAspect="1"/>
+          </p:cNvPicPr>
+          <p:nvPr/>
+        </p:nvPicPr>
+        <p:blipFill>
+          <a:blip r:embed="rId6">
+            <a:lum bright="70000" contrast="-70000"/>
+            <a:extLst>
+              <a:ext uri="{28A0092B-C50C-407E-A947-70E740481C1C}">
+                <a14:useLocalDpi xmlns:a14="http://schemas.microsoft.com/office/drawing/2010/main" val="0"/>
+              </a:ext>
+            </a:extLst>
+          </a:blip>
+          <a:stretch>
+            <a:fillRect/>
+          </a:stretch>
+        </p:blipFill>
+        <p:spPr>
+          <a:xfrm>
+            <a:off x="1652285" y="359229"/>
+            <a:ext cx="1219200" cy="1219200"/>
+          </a:xfrm>
+          <a:prstGeom prst="rect">
+            <a:avLst/>
+          </a:prstGeom>
+        </p:spPr>
+      </p:pic>
+      <p:pic>
+        <p:nvPicPr>
+          <p:cNvPr id="7" name="Picture 6"/>
+          <p:cNvPicPr>
+            <a:picLocks noChangeAspect="1"/>
+          </p:cNvPicPr>
+          <p:nvPr/>
+        </p:nvPicPr>
+        <p:blipFill>
+          <a:blip r:embed="rId7">
+            <a:lum bright="70000" contrast="-70000"/>
+            <a:extLst>
+              <a:ext uri="{28A0092B-C50C-407E-A947-70E740481C1C}">
+                <a14:useLocalDpi xmlns:a14="http://schemas.microsoft.com/office/drawing/2010/main" val="0"/>
+              </a:ext>
+            </a:extLst>
+          </a:blip>
+          <a:stretch>
+            <a:fillRect/>
+          </a:stretch>
+        </p:blipFill>
+        <p:spPr>
+          <a:xfrm>
+            <a:off x="1652285" y="1756343"/>
+            <a:ext cx="1219200" cy="1219200"/>
+          </a:xfrm>
+          <a:prstGeom prst="rect">
+            <a:avLst/>
+          </a:prstGeom>
+        </p:spPr>
+      </p:pic>
+      <p:pic>
+        <p:nvPicPr>
+          <p:cNvPr id="8" name="Picture 7"/>
+          <p:cNvPicPr>
+            <a:picLocks noChangeAspect="1"/>
+          </p:cNvPicPr>
+          <p:nvPr/>
+        </p:nvPicPr>
+        <p:blipFill>
+          <a:blip r:embed="rId8">
+            <a:lum bright="70000" contrast="-70000"/>
+            <a:extLst>
+              <a:ext uri="{28A0092B-C50C-407E-A947-70E740481C1C}">
+                <a14:useLocalDpi xmlns:a14="http://schemas.microsoft.com/office/drawing/2010/main" val="0"/>
+              </a:ext>
+            </a:extLst>
+          </a:blip>
+          <a:stretch>
+            <a:fillRect/>
+          </a:stretch>
+        </p:blipFill>
+        <p:spPr>
+          <a:xfrm>
+            <a:off x="1652285" y="4550571"/>
+            <a:ext cx="1219200" cy="1219200"/>
+          </a:xfrm>
+          <a:prstGeom prst="rect">
+            <a:avLst/>
+          </a:prstGeom>
+        </p:spPr>
+      </p:pic>
+      <p:pic>
+        <p:nvPicPr>
+          <p:cNvPr id="9" name="Picture 8"/>
+          <p:cNvPicPr>
+            <a:picLocks noChangeAspect="1"/>
+          </p:cNvPicPr>
+          <p:nvPr/>
+        </p:nvPicPr>
+        <p:blipFill>
+          <a:blip r:embed="rId9">
+            <a:lum bright="70000" contrast="-70000"/>
+            <a:extLst>
+              <a:ext uri="{28A0092B-C50C-407E-A947-70E740481C1C}">
+                <a14:useLocalDpi xmlns:a14="http://schemas.microsoft.com/office/drawing/2010/main" val="0"/>
+              </a:ext>
+            </a:extLst>
+          </a:blip>
+          <a:stretch>
+            <a:fillRect/>
+          </a:stretch>
+        </p:blipFill>
+        <p:spPr>
+          <a:xfrm>
+            <a:off x="1613599" y="3153457"/>
+            <a:ext cx="1219200" cy="1219200"/>
+          </a:xfrm>
+          <a:prstGeom prst="rect">
+            <a:avLst/>
+          </a:prstGeom>
+        </p:spPr>
+      </p:pic>
+      <p:pic>
+        <p:nvPicPr>
+          <p:cNvPr id="10" name="Picture 9"/>
+          <p:cNvPicPr>
+            <a:picLocks noChangeAspect="1"/>
+          </p:cNvPicPr>
+          <p:nvPr/>
+        </p:nvPicPr>
+        <p:blipFill>
+          <a:blip r:embed="rId10">
+            <a:lum bright="70000" contrast="-70000"/>
+            <a:extLst>
+              <a:ext uri="{28A0092B-C50C-407E-A947-70E740481C1C}">
+                <a14:useLocalDpi xmlns:a14="http://schemas.microsoft.com/office/drawing/2010/main" val="0"/>
+              </a:ext>
+            </a:extLst>
+          </a:blip>
+          <a:stretch>
+            <a:fillRect/>
+          </a:stretch>
+        </p:blipFill>
+        <p:spPr>
+          <a:xfrm>
+            <a:off x="3173942" y="1813229"/>
+            <a:ext cx="1219200" cy="1219200"/>
+          </a:xfrm>
+          <a:prstGeom prst="rect">
+            <a:avLst/>
+          </a:prstGeom>
+        </p:spPr>
+      </p:pic>
+      <p:pic>
+        <p:nvPicPr>
           <p:cNvPr id="11" name="Picture 10"/>
           <p:cNvPicPr>
             <a:picLocks noChangeAspect="1"/>
@@ -11066,21 +12923,22 @@
           <p:nvPr/>
         </p:nvPicPr>
         <p:blipFill>
-          <a:blip r:embed="rId2">
-            <a:extLst>
-              <a:ext uri="{28A0092B-C50C-407E-A947-70E740481C1C}">
-                <a14:useLocalDpi xmlns:a14="http://schemas.microsoft.com/office/drawing/2010/main" val="0"/>
-              </a:ext>
-            </a:extLst>
-          </a:blip>
-          <a:stretch>
-            <a:fillRect/>
-          </a:stretch>
-        </p:blipFill>
-        <p:spPr>
-          <a:xfrm>
-            <a:off x="2207458" y="453313"/>
-            <a:ext cx="457200" cy="457200"/>
+          <a:blip r:embed="rId11">
+            <a:lum bright="70000" contrast="-70000"/>
+            <a:extLst>
+              <a:ext uri="{28A0092B-C50C-407E-A947-70E740481C1C}">
+                <a14:useLocalDpi xmlns:a14="http://schemas.microsoft.com/office/drawing/2010/main" val="0"/>
+              </a:ext>
+            </a:extLst>
+          </a:blip>
+          <a:stretch>
+            <a:fillRect/>
+          </a:stretch>
+        </p:blipFill>
+        <p:spPr>
+          <a:xfrm>
+            <a:off x="3173942" y="359229"/>
+            <a:ext cx="1219200" cy="1219200"/>
           </a:xfrm>
           <a:prstGeom prst="rect">
             <a:avLst/>
@@ -11096,21 +12954,22 @@
           <p:nvPr/>
         </p:nvPicPr>
         <p:blipFill>
-          <a:blip r:embed="rId3">
-            <a:extLst>
-              <a:ext uri="{28A0092B-C50C-407E-A947-70E740481C1C}">
-                <a14:useLocalDpi xmlns:a14="http://schemas.microsoft.com/office/drawing/2010/main" val="0"/>
-              </a:ext>
-            </a:extLst>
-          </a:blip>
-          <a:stretch>
-            <a:fillRect/>
-          </a:stretch>
-        </p:blipFill>
-        <p:spPr>
-          <a:xfrm>
-            <a:off x="1294229" y="453399"/>
-            <a:ext cx="457200" cy="457200"/>
+          <a:blip r:embed="rId12">
+            <a:lum bright="70000" contrast="-70000"/>
+            <a:extLst>
+              <a:ext uri="{28A0092B-C50C-407E-A947-70E740481C1C}">
+                <a14:useLocalDpi xmlns:a14="http://schemas.microsoft.com/office/drawing/2010/main" val="0"/>
+              </a:ext>
+            </a:extLst>
+          </a:blip>
+          <a:stretch>
+            <a:fillRect/>
+          </a:stretch>
+        </p:blipFill>
+        <p:spPr>
+          <a:xfrm>
+            <a:off x="3198342" y="3153457"/>
+            <a:ext cx="1219200" cy="1219200"/>
           </a:xfrm>
           <a:prstGeom prst="rect">
             <a:avLst/>
@@ -11126,21 +12985,53 @@
           <p:nvPr/>
         </p:nvPicPr>
         <p:blipFill>
-          <a:blip r:embed="rId4">
-            <a:extLst>
-              <a:ext uri="{28A0092B-C50C-407E-A947-70E740481C1C}">
-                <a14:useLocalDpi xmlns:a14="http://schemas.microsoft.com/office/drawing/2010/main" val="0"/>
-              </a:ext>
-            </a:extLst>
-          </a:blip>
-          <a:stretch>
-            <a:fillRect/>
-          </a:stretch>
-        </p:blipFill>
-        <p:spPr>
-          <a:xfrm>
-            <a:off x="381000" y="453399"/>
-            <a:ext cx="457200" cy="457200"/>
+          <a:blip r:embed="rId13">
+            <a:lum bright="70000" contrast="-70000"/>
+            <a:extLst>
+              <a:ext uri="{28A0092B-C50C-407E-A947-70E740481C1C}">
+                <a14:useLocalDpi xmlns:a14="http://schemas.microsoft.com/office/drawing/2010/main" val="0"/>
+              </a:ext>
+            </a:extLst>
+          </a:blip>
+          <a:stretch>
+            <a:fillRect/>
+          </a:stretch>
+        </p:blipFill>
+        <p:spPr>
+          <a:xfrm>
+            <a:off x="3157485" y="4607457"/>
+            <a:ext cx="1219200" cy="1219200"/>
+          </a:xfrm>
+          <a:prstGeom prst="rect">
+            <a:avLst/>
+          </a:prstGeom>
+        </p:spPr>
+      </p:pic>
+      <p:pic>
+        <p:nvPicPr>
+          <p:cNvPr id="14" name="Picture 13"/>
+          <p:cNvPicPr>
+            <a:picLocks noChangeAspect="1"/>
+          </p:cNvPicPr>
+          <p:nvPr/>
+        </p:nvPicPr>
+        <p:blipFill>
+          <a:blip r:embed="rId14">
+            <a:lum bright="70000" contrast="-70000"/>
+            <a:extLst>
+              <a:ext uri="{28A0092B-C50C-407E-A947-70E740481C1C}">
+                <a14:useLocalDpi xmlns:a14="http://schemas.microsoft.com/office/drawing/2010/main" val="0"/>
+              </a:ext>
+            </a:extLst>
+          </a:blip>
+          <a:stretch>
+            <a:fillRect/>
+          </a:stretch>
+        </p:blipFill>
+        <p:spPr>
+          <a:xfrm>
+            <a:off x="4695599" y="1756343"/>
+            <a:ext cx="1219200" cy="1219200"/>
           </a:xfrm>
           <a:prstGeom prst="rect">
             <a:avLst/>
@@ -11156,316 +13047,6 @@
           <p:nvPr/>
         </p:nvPicPr>
         <p:blipFill>
-          <a:blip r:embed="rId5">
-            <a:lum bright="70000" contrast="-70000"/>
-            <a:extLst>
-              <a:ext uri="{28A0092B-C50C-407E-A947-70E740481C1C}">
-                <a14:useLocalDpi xmlns:a14="http://schemas.microsoft.com/office/drawing/2010/main" val="0"/>
-              </a:ext>
-            </a:extLst>
-          </a:blip>
-          <a:stretch>
-            <a:fillRect/>
-          </a:stretch>
-        </p:blipFill>
-        <p:spPr>
-          <a:xfrm>
-            <a:off x="303629" y="1070428"/>
-            <a:ext cx="1219200" cy="1219200"/>
-          </a:xfrm>
-          <a:prstGeom prst="rect">
-            <a:avLst/>
-          </a:prstGeom>
-        </p:spPr>
-      </p:pic>
-      <p:pic>
-        <p:nvPicPr>
-          <p:cNvPr id="279" name="Picture 278"/>
-          <p:cNvPicPr>
-            <a:picLocks noChangeAspect="1"/>
-          </p:cNvPicPr>
-          <p:nvPr/>
-        </p:nvPicPr>
-        <p:blipFill>
-          <a:blip r:embed="rId6">
-            <a:lum bright="70000" contrast="-70000"/>
-            <a:extLst>
-              <a:ext uri="{28A0092B-C50C-407E-A947-70E740481C1C}">
-                <a14:useLocalDpi xmlns:a14="http://schemas.microsoft.com/office/drawing/2010/main" val="0"/>
-              </a:ext>
-            </a:extLst>
-          </a:blip>
-          <a:stretch>
-            <a:fillRect/>
-          </a:stretch>
-        </p:blipFill>
-        <p:spPr>
-          <a:xfrm>
-            <a:off x="2950029" y="1070428"/>
-            <a:ext cx="1219200" cy="1219200"/>
-          </a:xfrm>
-          <a:prstGeom prst="rect">
-            <a:avLst/>
-          </a:prstGeom>
-        </p:spPr>
-      </p:pic>
-      <p:pic>
-        <p:nvPicPr>
-          <p:cNvPr id="280" name="Picture 279"/>
-          <p:cNvPicPr>
-            <a:picLocks noChangeAspect="1"/>
-          </p:cNvPicPr>
-          <p:nvPr/>
-        </p:nvPicPr>
-        <p:blipFill>
-          <a:blip r:embed="rId7">
-            <a:lum bright="70000" contrast="-70000"/>
-            <a:extLst>
-              <a:ext uri="{28A0092B-C50C-407E-A947-70E740481C1C}">
-                <a14:useLocalDpi xmlns:a14="http://schemas.microsoft.com/office/drawing/2010/main" val="0"/>
-              </a:ext>
-            </a:extLst>
-          </a:blip>
-          <a:stretch>
-            <a:fillRect/>
-          </a:stretch>
-        </p:blipFill>
-        <p:spPr>
-          <a:xfrm>
-            <a:off x="1626829" y="1070428"/>
-            <a:ext cx="1219200" cy="1219200"/>
-          </a:xfrm>
-          <a:prstGeom prst="rect">
-            <a:avLst/>
-          </a:prstGeom>
-        </p:spPr>
-      </p:pic>
-      <p:pic>
-        <p:nvPicPr>
-          <p:cNvPr id="281" name="Picture 280"/>
-          <p:cNvPicPr>
-            <a:picLocks noChangeAspect="1"/>
-          </p:cNvPicPr>
-          <p:nvPr/>
-        </p:nvPicPr>
-        <p:blipFill>
-          <a:blip r:embed="rId8">
-            <a:lum bright="70000" contrast="-70000"/>
-            <a:extLst>
-              <a:ext uri="{28A0092B-C50C-407E-A947-70E740481C1C}">
-                <a14:useLocalDpi xmlns:a14="http://schemas.microsoft.com/office/drawing/2010/main" val="0"/>
-              </a:ext>
-            </a:extLst>
-          </a:blip>
-          <a:stretch>
-            <a:fillRect/>
-          </a:stretch>
-        </p:blipFill>
-        <p:spPr>
-          <a:xfrm>
-            <a:off x="5596429" y="1107999"/>
-            <a:ext cx="1219200" cy="1219200"/>
-          </a:xfrm>
-          <a:prstGeom prst="rect">
-            <a:avLst/>
-          </a:prstGeom>
-        </p:spPr>
-      </p:pic>
-      <p:pic>
-        <p:nvPicPr>
-          <p:cNvPr id="282" name="Picture 281"/>
-          <p:cNvPicPr>
-            <a:picLocks noChangeAspect="1"/>
-          </p:cNvPicPr>
-          <p:nvPr/>
-        </p:nvPicPr>
-        <p:blipFill>
-          <a:blip r:embed="rId9">
-            <a:lum bright="70000" contrast="-70000"/>
-            <a:extLst>
-              <a:ext uri="{28A0092B-C50C-407E-A947-70E740481C1C}">
-                <a14:useLocalDpi xmlns:a14="http://schemas.microsoft.com/office/drawing/2010/main" val="0"/>
-              </a:ext>
-            </a:extLst>
-          </a:blip>
-          <a:stretch>
-            <a:fillRect/>
-          </a:stretch>
-        </p:blipFill>
-        <p:spPr>
-          <a:xfrm>
-            <a:off x="4273229" y="1070428"/>
-            <a:ext cx="1219200" cy="1219200"/>
-          </a:xfrm>
-          <a:prstGeom prst="rect">
-            <a:avLst/>
-          </a:prstGeom>
-        </p:spPr>
-      </p:pic>
-      <p:pic>
-        <p:nvPicPr>
-          <p:cNvPr id="283" name="Picture 282"/>
-          <p:cNvPicPr>
-            <a:picLocks noChangeAspect="1"/>
-          </p:cNvPicPr>
-          <p:nvPr/>
-        </p:nvPicPr>
-        <p:blipFill>
-          <a:blip r:embed="rId10">
-            <a:lum bright="70000" contrast="-70000"/>
-            <a:extLst>
-              <a:ext uri="{28A0092B-C50C-407E-A947-70E740481C1C}">
-                <a14:useLocalDpi xmlns:a14="http://schemas.microsoft.com/office/drawing/2010/main" val="0"/>
-              </a:ext>
-            </a:extLst>
-          </a:blip>
-          <a:stretch>
-            <a:fillRect/>
-          </a:stretch>
-        </p:blipFill>
-        <p:spPr>
-          <a:xfrm>
-            <a:off x="6919629" y="1107999"/>
-            <a:ext cx="1219200" cy="1219200"/>
-          </a:xfrm>
-          <a:prstGeom prst="rect">
-            <a:avLst/>
-          </a:prstGeom>
-        </p:spPr>
-      </p:pic>
-      <p:pic>
-        <p:nvPicPr>
-          <p:cNvPr id="284" name="Picture 283"/>
-          <p:cNvPicPr>
-            <a:picLocks noChangeAspect="1"/>
-          </p:cNvPicPr>
-          <p:nvPr/>
-        </p:nvPicPr>
-        <p:blipFill>
-          <a:blip r:embed="rId11">
-            <a:lum bright="70000" contrast="-70000"/>
-            <a:extLst>
-              <a:ext uri="{28A0092B-C50C-407E-A947-70E740481C1C}">
-                <a14:useLocalDpi xmlns:a14="http://schemas.microsoft.com/office/drawing/2010/main" val="0"/>
-              </a:ext>
-            </a:extLst>
-          </a:blip>
-          <a:stretch>
-            <a:fillRect/>
-          </a:stretch>
-        </p:blipFill>
-        <p:spPr>
-          <a:xfrm>
-            <a:off x="9105600" y="1070428"/>
-            <a:ext cx="1219200" cy="1219200"/>
-          </a:xfrm>
-          <a:prstGeom prst="rect">
-            <a:avLst/>
-          </a:prstGeom>
-        </p:spPr>
-      </p:pic>
-      <p:pic>
-        <p:nvPicPr>
-          <p:cNvPr id="285" name="Picture 284"/>
-          <p:cNvPicPr>
-            <a:picLocks noChangeAspect="1"/>
-          </p:cNvPicPr>
-          <p:nvPr/>
-        </p:nvPicPr>
-        <p:blipFill>
-          <a:blip r:embed="rId12">
-            <a:lum bright="70000" contrast="-70000"/>
-            <a:extLst>
-              <a:ext uri="{28A0092B-C50C-407E-A947-70E740481C1C}">
-                <a14:useLocalDpi xmlns:a14="http://schemas.microsoft.com/office/drawing/2010/main" val="0"/>
-              </a:ext>
-            </a:extLst>
-          </a:blip>
-          <a:stretch>
-            <a:fillRect/>
-          </a:stretch>
-        </p:blipFill>
-        <p:spPr>
-          <a:xfrm>
-            <a:off x="7988286" y="1070428"/>
-            <a:ext cx="1219200" cy="1219200"/>
-          </a:xfrm>
-          <a:prstGeom prst="rect">
-            <a:avLst/>
-          </a:prstGeom>
-        </p:spPr>
-      </p:pic>
-      <p:pic>
-        <p:nvPicPr>
-          <p:cNvPr id="286" name="Picture 285"/>
-          <p:cNvPicPr>
-            <a:picLocks noChangeAspect="1"/>
-          </p:cNvPicPr>
-          <p:nvPr/>
-        </p:nvPicPr>
-        <p:blipFill>
-          <a:blip r:embed="rId13">
-            <a:lum bright="70000" contrast="-70000"/>
-            <a:extLst>
-              <a:ext uri="{28A0092B-C50C-407E-A947-70E740481C1C}">
-                <a14:useLocalDpi xmlns:a14="http://schemas.microsoft.com/office/drawing/2010/main" val="0"/>
-              </a:ext>
-            </a:extLst>
-          </a:blip>
-          <a:stretch>
-            <a:fillRect/>
-          </a:stretch>
-        </p:blipFill>
-        <p:spPr>
-          <a:xfrm>
-            <a:off x="303629" y="2185742"/>
-            <a:ext cx="1219200" cy="1219200"/>
-          </a:xfrm>
-          <a:prstGeom prst="rect">
-            <a:avLst/>
-          </a:prstGeom>
-        </p:spPr>
-      </p:pic>
-      <p:pic>
-        <p:nvPicPr>
-          <p:cNvPr id="287" name="Picture 286"/>
-          <p:cNvPicPr>
-            <a:picLocks noChangeAspect="1"/>
-          </p:cNvPicPr>
-          <p:nvPr/>
-        </p:nvPicPr>
-        <p:blipFill>
-          <a:blip r:embed="rId14">
-            <a:lum bright="70000" contrast="-70000"/>
-            <a:extLst>
-              <a:ext uri="{28A0092B-C50C-407E-A947-70E740481C1C}">
-                <a14:useLocalDpi xmlns:a14="http://schemas.microsoft.com/office/drawing/2010/main" val="0"/>
-              </a:ext>
-            </a:extLst>
-          </a:blip>
-          <a:stretch>
-            <a:fillRect/>
-          </a:stretch>
-        </p:blipFill>
-        <p:spPr>
-          <a:xfrm>
-            <a:off x="10484143" y="1070428"/>
-            <a:ext cx="1219200" cy="1219200"/>
-          </a:xfrm>
-          <a:prstGeom prst="rect">
-            <a:avLst/>
-          </a:prstGeom>
-        </p:spPr>
-      </p:pic>
-      <p:pic>
-        <p:nvPicPr>
-          <p:cNvPr id="288" name="Picture 287"/>
-          <p:cNvPicPr>
-            <a:picLocks noChangeAspect="1"/>
-          </p:cNvPicPr>
-          <p:nvPr/>
-        </p:nvPicPr>
-        <p:blipFill>
           <a:blip r:embed="rId15">
             <a:lum bright="70000" contrast="-70000"/>
             <a:extLst>
@@ -11480,17 +13061,17 @@
         </p:blipFill>
         <p:spPr>
           <a:xfrm>
-            <a:off x="2923629" y="2421599"/>
-            <a:ext cx="1219200" cy="1219200"/>
-          </a:xfrm>
-          <a:prstGeom prst="rect">
-            <a:avLst/>
-          </a:prstGeom>
-        </p:spPr>
-      </p:pic>
-      <p:pic>
-        <p:nvPicPr>
-          <p:cNvPr id="289" name="Picture 288"/>
+            <a:off x="4727399" y="360686"/>
+            <a:ext cx="1219200" cy="1219200"/>
+          </a:xfrm>
+          <a:prstGeom prst="rect">
+            <a:avLst/>
+          </a:prstGeom>
+        </p:spPr>
+      </p:pic>
+      <p:pic>
+        <p:nvPicPr>
+          <p:cNvPr id="16" name="Picture 15"/>
           <p:cNvPicPr>
             <a:picLocks noChangeAspect="1"/>
           </p:cNvPicPr>
@@ -11511,17 +13092,17 @@
         </p:blipFill>
         <p:spPr>
           <a:xfrm>
-            <a:off x="4273229" y="2454485"/>
-            <a:ext cx="1219200" cy="1219200"/>
-          </a:xfrm>
-          <a:prstGeom prst="rect">
-            <a:avLst/>
-          </a:prstGeom>
-        </p:spPr>
-      </p:pic>
-      <p:pic>
-        <p:nvPicPr>
-          <p:cNvPr id="290" name="Picture 289"/>
+            <a:off x="6280856" y="359229"/>
+            <a:ext cx="1219200" cy="1219200"/>
+          </a:xfrm>
+          <a:prstGeom prst="rect">
+            <a:avLst/>
+          </a:prstGeom>
+        </p:spPr>
+      </p:pic>
+      <p:pic>
+        <p:nvPicPr>
+          <p:cNvPr id="17" name="Picture 16"/>
           <p:cNvPicPr>
             <a:picLocks noChangeAspect="1"/>
           </p:cNvPicPr>
@@ -11542,17 +13123,17 @@
         </p:blipFill>
         <p:spPr>
           <a:xfrm>
-            <a:off x="1704429" y="2421599"/>
-            <a:ext cx="1219200" cy="1219200"/>
-          </a:xfrm>
-          <a:prstGeom prst="rect">
-            <a:avLst/>
-          </a:prstGeom>
-        </p:spPr>
-      </p:pic>
-      <p:pic>
-        <p:nvPicPr>
-          <p:cNvPr id="291" name="Picture 290"/>
+            <a:off x="4783085" y="3247857"/>
+            <a:ext cx="1219200" cy="1219200"/>
+          </a:xfrm>
+          <a:prstGeom prst="rect">
+            <a:avLst/>
+          </a:prstGeom>
+        </p:spPr>
+      </p:pic>
+      <p:pic>
+        <p:nvPicPr>
+          <p:cNvPr id="18" name="Picture 17"/>
           <p:cNvPicPr>
             <a:picLocks noChangeAspect="1"/>
           </p:cNvPicPr>
@@ -11573,17 +13154,17 @@
         </p:blipFill>
         <p:spPr>
           <a:xfrm>
-            <a:off x="6976800" y="2439628"/>
-            <a:ext cx="1219200" cy="1219200"/>
-          </a:xfrm>
-          <a:prstGeom prst="rect">
-            <a:avLst/>
-          </a:prstGeom>
-        </p:spPr>
-      </p:pic>
-      <p:pic>
-        <p:nvPicPr>
-          <p:cNvPr id="292" name="Picture 291"/>
+            <a:off x="4826685" y="4643514"/>
+            <a:ext cx="1219200" cy="1219200"/>
+          </a:xfrm>
+          <a:prstGeom prst="rect">
+            <a:avLst/>
+          </a:prstGeom>
+        </p:spPr>
+      </p:pic>
+      <p:pic>
+        <p:nvPicPr>
+          <p:cNvPr id="19" name="Picture 18"/>
           <p:cNvPicPr>
             <a:picLocks noChangeAspect="1"/>
           </p:cNvPicPr>
@@ -11604,17 +13185,17 @@
         </p:blipFill>
         <p:spPr>
           <a:xfrm>
-            <a:off x="5622829" y="2454485"/>
-            <a:ext cx="1219200" cy="1219200"/>
-          </a:xfrm>
-          <a:prstGeom prst="rect">
-            <a:avLst/>
-          </a:prstGeom>
-        </p:spPr>
-      </p:pic>
-      <p:pic>
-        <p:nvPicPr>
-          <p:cNvPr id="293" name="Picture 292"/>
+            <a:off x="6280856" y="3247857"/>
+            <a:ext cx="1219200" cy="1219200"/>
+          </a:xfrm>
+          <a:prstGeom prst="rect">
+            <a:avLst/>
+          </a:prstGeom>
+        </p:spPr>
+      </p:pic>
+      <p:pic>
+        <p:nvPicPr>
+          <p:cNvPr id="20" name="Picture 19"/>
           <p:cNvPicPr>
             <a:picLocks noChangeAspect="1"/>
           </p:cNvPicPr>
@@ -11635,17 +13216,17 @@
         </p:blipFill>
         <p:spPr>
           <a:xfrm>
-            <a:off x="8336400" y="2534314"/>
-            <a:ext cx="1219200" cy="1219200"/>
-          </a:xfrm>
-          <a:prstGeom prst="rect">
-            <a:avLst/>
-          </a:prstGeom>
-        </p:spPr>
-      </p:pic>
-      <p:pic>
-        <p:nvPicPr>
-          <p:cNvPr id="294" name="Picture 293"/>
+            <a:off x="6217256" y="1813229"/>
+            <a:ext cx="1219200" cy="1219200"/>
+          </a:xfrm>
+          <a:prstGeom prst="rect">
+            <a:avLst/>
+          </a:prstGeom>
+        </p:spPr>
+      </p:pic>
+      <p:pic>
+        <p:nvPicPr>
+          <p:cNvPr id="21" name="Picture 20"/>
           <p:cNvPicPr>
             <a:picLocks noChangeAspect="1"/>
           </p:cNvPicPr>
@@ -11666,17 +13247,17 @@
         </p:blipFill>
         <p:spPr>
           <a:xfrm>
-            <a:off x="1522829" y="3910656"/>
-            <a:ext cx="1219200" cy="1219200"/>
-          </a:xfrm>
-          <a:prstGeom prst="rect">
-            <a:avLst/>
-          </a:prstGeom>
-        </p:spPr>
-      </p:pic>
-      <p:pic>
-        <p:nvPicPr>
-          <p:cNvPr id="295" name="Picture 294"/>
+            <a:off x="7804999" y="1938286"/>
+            <a:ext cx="1219200" cy="1219200"/>
+          </a:xfrm>
+          <a:prstGeom prst="rect">
+            <a:avLst/>
+          </a:prstGeom>
+        </p:spPr>
+      </p:pic>
+      <p:pic>
+        <p:nvPicPr>
+          <p:cNvPr id="22" name="Picture 21"/>
           <p:cNvPicPr>
             <a:picLocks noChangeAspect="1"/>
           </p:cNvPicPr>
@@ -11697,17 +13278,17 @@
         </p:blipFill>
         <p:spPr>
           <a:xfrm>
-            <a:off x="303629" y="4021971"/>
-            <a:ext cx="1219200" cy="1219200"/>
-          </a:xfrm>
-          <a:prstGeom prst="rect">
-            <a:avLst/>
-          </a:prstGeom>
-        </p:spPr>
-      </p:pic>
-      <p:pic>
-        <p:nvPicPr>
-          <p:cNvPr id="296" name="Picture 295"/>
+            <a:off x="7804999" y="412829"/>
+            <a:ext cx="1219200" cy="1219200"/>
+          </a:xfrm>
+          <a:prstGeom prst="rect">
+            <a:avLst/>
+          </a:prstGeom>
+        </p:spPr>
+      </p:pic>
+      <p:pic>
+        <p:nvPicPr>
+          <p:cNvPr id="23" name="Picture 22"/>
           <p:cNvPicPr>
             <a:picLocks noChangeAspect="1"/>
           </p:cNvPicPr>
@@ -11728,17 +13309,17 @@
         </p:blipFill>
         <p:spPr>
           <a:xfrm>
-            <a:off x="9762315" y="2534314"/>
-            <a:ext cx="1219200" cy="1219200"/>
-          </a:xfrm>
-          <a:prstGeom prst="rect">
-            <a:avLst/>
-          </a:prstGeom>
-        </p:spPr>
-      </p:pic>
-      <p:pic>
-        <p:nvPicPr>
-          <p:cNvPr id="297" name="Picture 296"/>
+            <a:off x="6280856" y="4607457"/>
+            <a:ext cx="1219200" cy="1219200"/>
+          </a:xfrm>
+          <a:prstGeom prst="rect">
+            <a:avLst/>
+          </a:prstGeom>
+        </p:spPr>
+      </p:pic>
+      <p:pic>
+        <p:nvPicPr>
+          <p:cNvPr id="24" name="Picture 23"/>
           <p:cNvPicPr>
             <a:picLocks noChangeAspect="1"/>
           </p:cNvPicPr>
@@ -11759,17 +13340,17 @@
         </p:blipFill>
         <p:spPr>
           <a:xfrm>
-            <a:off x="5998771" y="4004171"/>
-            <a:ext cx="1219200" cy="1219200"/>
-          </a:xfrm>
-          <a:prstGeom prst="rect">
-            <a:avLst/>
-          </a:prstGeom>
-        </p:spPr>
-      </p:pic>
-      <p:pic>
-        <p:nvPicPr>
-          <p:cNvPr id="298" name="Picture 297"/>
+            <a:off x="9324170" y="412829"/>
+            <a:ext cx="1219200" cy="1219200"/>
+          </a:xfrm>
+          <a:prstGeom prst="rect">
+            <a:avLst/>
+          </a:prstGeom>
+        </p:spPr>
+      </p:pic>
+      <p:pic>
+        <p:nvPicPr>
+          <p:cNvPr id="25" name="Picture 24"/>
           <p:cNvPicPr>
             <a:picLocks noChangeAspect="1"/>
           </p:cNvPicPr>
@@ -11790,17 +13371,17 @@
         </p:blipFill>
         <p:spPr>
           <a:xfrm>
-            <a:off x="4526400" y="4021971"/>
-            <a:ext cx="1219200" cy="1219200"/>
-          </a:xfrm>
-          <a:prstGeom prst="rect">
-            <a:avLst/>
-          </a:prstGeom>
-        </p:spPr>
-      </p:pic>
-      <p:pic>
-        <p:nvPicPr>
-          <p:cNvPr id="299" name="Picture 298"/>
+            <a:off x="7778627" y="3247857"/>
+            <a:ext cx="1219200" cy="1219200"/>
+          </a:xfrm>
+          <a:prstGeom prst="rect">
+            <a:avLst/>
+          </a:prstGeom>
+        </p:spPr>
+      </p:pic>
+      <p:pic>
+        <p:nvPicPr>
+          <p:cNvPr id="26" name="Picture 25"/>
           <p:cNvPicPr>
             <a:picLocks noChangeAspect="1"/>
           </p:cNvPicPr>
@@ -11821,17 +13402,17 @@
         </p:blipFill>
         <p:spPr>
           <a:xfrm>
-            <a:off x="3054029" y="4021971"/>
-            <a:ext cx="1219200" cy="1219200"/>
-          </a:xfrm>
-          <a:prstGeom prst="rect">
-            <a:avLst/>
-          </a:prstGeom>
-        </p:spPr>
-      </p:pic>
-      <p:pic>
-        <p:nvPicPr>
-          <p:cNvPr id="300" name="Picture 299"/>
+            <a:off x="7804999" y="4683628"/>
+            <a:ext cx="1219200" cy="1219200"/>
+          </a:xfrm>
+          <a:prstGeom prst="rect">
+            <a:avLst/>
+          </a:prstGeom>
+        </p:spPr>
+      </p:pic>
+      <p:pic>
+        <p:nvPicPr>
+          <p:cNvPr id="27" name="Picture 26"/>
           <p:cNvPicPr>
             <a:picLocks noChangeAspect="1"/>
           </p:cNvPicPr>
@@ -11852,17 +13433,17 @@
         </p:blipFill>
         <p:spPr>
           <a:xfrm>
-            <a:off x="10221542" y="4145971"/>
-            <a:ext cx="1219200" cy="1219200"/>
-          </a:xfrm>
-          <a:prstGeom prst="rect">
-            <a:avLst/>
-          </a:prstGeom>
-        </p:spPr>
-      </p:pic>
-      <p:pic>
-        <p:nvPicPr>
-          <p:cNvPr id="301" name="Picture 300"/>
+            <a:off x="9392742" y="3247857"/>
+            <a:ext cx="1219200" cy="1219200"/>
+          </a:xfrm>
+          <a:prstGeom prst="rect">
+            <a:avLst/>
+          </a:prstGeom>
+        </p:spPr>
+      </p:pic>
+      <p:pic>
+        <p:nvPicPr>
+          <p:cNvPr id="28" name="Picture 27"/>
           <p:cNvPicPr>
             <a:picLocks noChangeAspect="1"/>
           </p:cNvPicPr>
@@ -11883,38 +13464,7 @@
         </p:blipFill>
         <p:spPr>
           <a:xfrm>
-            <a:off x="8858971" y="4120114"/>
-            <a:ext cx="1219200" cy="1219200"/>
-          </a:xfrm>
-          <a:prstGeom prst="rect">
-            <a:avLst/>
-          </a:prstGeom>
-        </p:spPr>
-      </p:pic>
-      <p:pic>
-        <p:nvPicPr>
-          <p:cNvPr id="302" name="Picture 301"/>
-          <p:cNvPicPr>
-            <a:picLocks noChangeAspect="1"/>
-          </p:cNvPicPr>
-          <p:nvPr/>
-        </p:nvPicPr>
-        <p:blipFill>
-          <a:blip r:embed="rId29">
-            <a:lum bright="70000" contrast="-70000"/>
-            <a:extLst>
-              <a:ext uri="{28A0092B-C50C-407E-A947-70E740481C1C}">
-                <a14:useLocalDpi xmlns:a14="http://schemas.microsoft.com/office/drawing/2010/main" val="0"/>
-              </a:ext>
-            </a:extLst>
-          </a:blip>
-          <a:stretch>
-            <a:fillRect/>
-          </a:stretch>
-        </p:blipFill>
-        <p:spPr>
-          <a:xfrm>
-            <a:off x="7471142" y="4120114"/>
+            <a:off x="9392742" y="1813229"/>
             <a:ext cx="1219200" cy="1219200"/>
           </a:xfrm>
           <a:prstGeom prst="rect">
@@ -11925,7 +13475,7 @@
     </p:spTree>
     <p:extLst>
       <p:ext uri="{BB962C8B-B14F-4D97-AF65-F5344CB8AC3E}">
-        <p14:creationId xmlns:p14="http://schemas.microsoft.com/office/powerpoint/2010/main" val="2451305448"/>
+        <p14:creationId xmlns:p14="http://schemas.microsoft.com/office/powerpoint/2010/main" val="3126433562"/>
       </p:ext>
     </p:extLst>
   </p:cSld>
@@ -11975,7 +13525,7 @@
         </p:blipFill>
         <p:spPr>
           <a:xfrm>
-            <a:off x="322686" y="250829"/>
+            <a:off x="643486" y="520286"/>
             <a:ext cx="1219200" cy="1219200"/>
           </a:xfrm>
           <a:prstGeom prst="rect">
@@ -12006,7 +13556,7 @@
         </p:blipFill>
         <p:spPr>
           <a:xfrm>
-            <a:off x="1841371" y="306486"/>
+            <a:off x="654401" y="3364486"/>
             <a:ext cx="1219200" cy="1219200"/>
           </a:xfrm>
           <a:prstGeom prst="rect">
@@ -12037,7 +13587,7 @@
         </p:blipFill>
         <p:spPr>
           <a:xfrm>
-            <a:off x="3360056" y="250829"/>
+            <a:off x="571600" y="4830522"/>
             <a:ext cx="1219200" cy="1219200"/>
           </a:xfrm>
           <a:prstGeom prst="rect">
@@ -12068,7 +13618,7 @@
         </p:blipFill>
         <p:spPr>
           <a:xfrm>
-            <a:off x="4878741" y="249715"/>
+            <a:off x="2286800" y="4852844"/>
             <a:ext cx="1219200" cy="1219200"/>
           </a:xfrm>
           <a:prstGeom prst="rect">
@@ -12099,7 +13649,7 @@
         </p:blipFill>
         <p:spPr>
           <a:xfrm>
-            <a:off x="7736400" y="249715"/>
+            <a:off x="2155658" y="3397482"/>
             <a:ext cx="1219200" cy="1219200"/>
           </a:xfrm>
           <a:prstGeom prst="rect">
@@ -12130,7 +13680,7 @@
         </p:blipFill>
         <p:spPr>
           <a:xfrm>
-            <a:off x="6396057" y="249715"/>
+            <a:off x="2303086" y="1959441"/>
             <a:ext cx="1219200" cy="1219200"/>
           </a:xfrm>
           <a:prstGeom prst="rect">
@@ -12161,7 +13711,7 @@
         </p:blipFill>
         <p:spPr>
           <a:xfrm>
-            <a:off x="322686" y="1525686"/>
+            <a:off x="2303086" y="521400"/>
             <a:ext cx="1219200" cy="1219200"/>
           </a:xfrm>
           <a:prstGeom prst="rect">
@@ -12192,7 +13742,7 @@
         </p:blipFill>
         <p:spPr>
           <a:xfrm>
-            <a:off x="9120229" y="275315"/>
+            <a:off x="3878400" y="4868530"/>
             <a:ext cx="1219200" cy="1219200"/>
           </a:xfrm>
           <a:prstGeom prst="rect">
@@ -12223,7 +13773,7 @@
         </p:blipFill>
         <p:spPr>
           <a:xfrm>
-            <a:off x="10460572" y="306486"/>
+            <a:off x="3907314" y="3421143"/>
             <a:ext cx="1219200" cy="1219200"/>
           </a:xfrm>
           <a:prstGeom prst="rect">
@@ -12254,7 +13804,7 @@
         </p:blipFill>
         <p:spPr>
           <a:xfrm>
-            <a:off x="3179485" y="1494515"/>
+            <a:off x="3907314" y="1750200"/>
             <a:ext cx="1219200" cy="1219200"/>
           </a:xfrm>
           <a:prstGeom prst="rect">
@@ -12285,7 +13835,7 @@
         </p:blipFill>
         <p:spPr>
           <a:xfrm>
-            <a:off x="1841371" y="1525686"/>
+            <a:off x="4074799" y="371400"/>
             <a:ext cx="1219200" cy="1219200"/>
           </a:xfrm>
           <a:prstGeom prst="rect">
@@ -12316,7 +13866,7 @@
         </p:blipFill>
         <p:spPr>
           <a:xfrm>
-            <a:off x="4728943" y="1468915"/>
+            <a:off x="5554400" y="4868530"/>
             <a:ext cx="1219200" cy="1219200"/>
           </a:xfrm>
           <a:prstGeom prst="rect">
@@ -12347,7 +13897,7 @@
         </p:blipFill>
         <p:spPr>
           <a:xfrm>
-            <a:off x="7809086" y="1525686"/>
+            <a:off x="5554400" y="3364486"/>
             <a:ext cx="1219200" cy="1219200"/>
           </a:xfrm>
           <a:prstGeom prst="rect">
@@ -12378,7 +13928,7 @@
         </p:blipFill>
         <p:spPr>
           <a:xfrm>
-            <a:off x="6376800" y="1525686"/>
+            <a:off x="5554400" y="1750200"/>
             <a:ext cx="1219200" cy="1219200"/>
           </a:xfrm>
           <a:prstGeom prst="rect">
@@ -12409,7 +13959,7 @@
         </p:blipFill>
         <p:spPr>
           <a:xfrm>
-            <a:off x="9237900" y="1525686"/>
+            <a:off x="5734399" y="361800"/>
             <a:ext cx="1219200" cy="1219200"/>
           </a:xfrm>
           <a:prstGeom prst="rect">
@@ -12440,7 +13990,7 @@
         </p:blipFill>
         <p:spPr>
           <a:xfrm>
-            <a:off x="10404571" y="1519943"/>
+            <a:off x="7228400" y="4868530"/>
             <a:ext cx="1219200" cy="1219200"/>
           </a:xfrm>
           <a:prstGeom prst="rect">
@@ -12471,7 +14021,7 @@
         </p:blipFill>
         <p:spPr>
           <a:xfrm>
-            <a:off x="1841371" y="3030143"/>
+            <a:off x="8984800" y="4872758"/>
             <a:ext cx="1219200" cy="1219200"/>
           </a:xfrm>
           <a:prstGeom prst="rect">
@@ -12502,7 +14052,7 @@
         </p:blipFill>
         <p:spPr>
           <a:xfrm>
-            <a:off x="322686" y="3030143"/>
+            <a:off x="10576400" y="4872758"/>
             <a:ext cx="1219200" cy="1219200"/>
           </a:xfrm>
           <a:prstGeom prst="rect">
@@ -12533,7 +14083,7 @@
         </p:blipFill>
         <p:spPr>
           <a:xfrm>
-            <a:off x="4728943" y="3030143"/>
+            <a:off x="7337714" y="3421143"/>
             <a:ext cx="1219200" cy="1219200"/>
           </a:xfrm>
           <a:prstGeom prst="rect">
@@ -12564,7 +14114,7 @@
         </p:blipFill>
         <p:spPr>
           <a:xfrm>
-            <a:off x="3338570" y="3030143"/>
+            <a:off x="7337714" y="1791156"/>
             <a:ext cx="1219200" cy="1219200"/>
           </a:xfrm>
           <a:prstGeom prst="rect">
@@ -12595,7 +14145,7 @@
         </p:blipFill>
         <p:spPr>
           <a:xfrm>
-            <a:off x="1835343" y="4534600"/>
+            <a:off x="7337714" y="435085"/>
             <a:ext cx="1219200" cy="1219200"/>
           </a:xfrm>
           <a:prstGeom prst="rect">
@@ -12626,7 +14176,7 @@
         </p:blipFill>
         <p:spPr>
           <a:xfrm>
-            <a:off x="322686" y="4534600"/>
+            <a:off x="8953200" y="3384857"/>
             <a:ext cx="1219200" cy="1219200"/>
           </a:xfrm>
           <a:prstGeom prst="rect">
@@ -12657,7 +14207,7 @@
         </p:blipFill>
         <p:spPr>
           <a:xfrm>
-            <a:off x="6376800" y="3162943"/>
+            <a:off x="8984800" y="1816042"/>
             <a:ext cx="1219200" cy="1219200"/>
           </a:xfrm>
           <a:prstGeom prst="rect">
@@ -12688,7 +14238,7 @@
         </p:blipFill>
         <p:spPr>
           <a:xfrm>
-            <a:off x="10404571" y="3109800"/>
+            <a:off x="10683085" y="3400200"/>
             <a:ext cx="1219200" cy="1219200"/>
           </a:xfrm>
           <a:prstGeom prst="rect">
@@ -12719,7 +14269,7 @@
         </p:blipFill>
         <p:spPr>
           <a:xfrm>
-            <a:off x="3338570" y="4534600"/>
+            <a:off x="8984800" y="326114"/>
             <a:ext cx="1219200" cy="1219200"/>
           </a:xfrm>
           <a:prstGeom prst="rect">
@@ -12750,7 +14300,7 @@
         </p:blipFill>
         <p:spPr>
           <a:xfrm>
-            <a:off x="4831171" y="4560286"/>
+            <a:off x="10504000" y="1927642"/>
             <a:ext cx="1219200" cy="1219200"/>
           </a:xfrm>
           <a:prstGeom prst="rect">
@@ -12781,69 +14331,7 @@
         </p:blipFill>
         <p:spPr>
           <a:xfrm>
-            <a:off x="9028286" y="4560286"/>
-            <a:ext cx="1219200" cy="1219200"/>
-          </a:xfrm>
-          <a:prstGeom prst="rect">
-            <a:avLst/>
-          </a:prstGeom>
-        </p:spPr>
-      </p:pic>
-      <p:pic>
-        <p:nvPicPr>
-          <p:cNvPr id="29" name="Picture 28"/>
-          <p:cNvPicPr>
-            <a:picLocks noChangeAspect="1"/>
-          </p:cNvPicPr>
-          <p:nvPr/>
-        </p:nvPicPr>
-        <p:blipFill>
-          <a:blip r:embed="rId29">
-            <a:lum bright="70000" contrast="-70000"/>
-            <a:extLst>
-              <a:ext uri="{28A0092B-C50C-407E-A947-70E740481C1C}">
-                <a14:useLocalDpi xmlns:a14="http://schemas.microsoft.com/office/drawing/2010/main" val="0"/>
-              </a:ext>
-            </a:extLst>
-          </a:blip>
-          <a:stretch>
-            <a:fillRect/>
-          </a:stretch>
-        </p:blipFill>
-        <p:spPr>
-          <a:xfrm>
-            <a:off x="8955600" y="3315400"/>
-            <a:ext cx="1219200" cy="1219200"/>
-          </a:xfrm>
-          <a:prstGeom prst="rect">
-            <a:avLst/>
-          </a:prstGeom>
-        </p:spPr>
-      </p:pic>
-      <p:pic>
-        <p:nvPicPr>
-          <p:cNvPr id="30" name="Picture 29"/>
-          <p:cNvPicPr>
-            <a:picLocks noChangeAspect="1"/>
-          </p:cNvPicPr>
-          <p:nvPr/>
-        </p:nvPicPr>
-        <p:blipFill>
-          <a:blip r:embed="rId30">
-            <a:lum bright="70000" contrast="-70000"/>
-            <a:extLst>
-              <a:ext uri="{28A0092B-C50C-407E-A947-70E740481C1C}">
-                <a14:useLocalDpi xmlns:a14="http://schemas.microsoft.com/office/drawing/2010/main" val="0"/>
-              </a:ext>
-            </a:extLst>
-          </a:blip>
-          <a:stretch>
-            <a:fillRect/>
-          </a:stretch>
-        </p:blipFill>
-        <p:spPr>
-          <a:xfrm>
-            <a:off x="10457100" y="4534600"/>
+            <a:off x="10504000" y="314828"/>
             <a:ext cx="1219200" cy="1219200"/>
           </a:xfrm>
           <a:prstGeom prst="rect">
@@ -12854,7 +14342,7 @@
     </p:spTree>
     <p:extLst>
       <p:ext uri="{BB962C8B-B14F-4D97-AF65-F5344CB8AC3E}">
-        <p14:creationId xmlns:p14="http://schemas.microsoft.com/office/powerpoint/2010/main" val="823657930"/>
+        <p14:creationId xmlns:p14="http://schemas.microsoft.com/office/powerpoint/2010/main" val="399454265"/>
       </p:ext>
     </p:extLst>
   </p:cSld>
@@ -12904,7 +14392,7 @@
         </p:blipFill>
         <p:spPr>
           <a:xfrm>
-            <a:off x="130628" y="359229"/>
+            <a:off x="166914" y="286715"/>
             <a:ext cx="1219200" cy="1219200"/>
           </a:xfrm>
           <a:prstGeom prst="rect">
@@ -12935,7 +14423,7 @@
         </p:blipFill>
         <p:spPr>
           <a:xfrm>
-            <a:off x="94399" y="4550571"/>
+            <a:off x="166914" y="4395429"/>
             <a:ext cx="1219200" cy="1219200"/>
           </a:xfrm>
           <a:prstGeom prst="rect">
@@ -12966,7 +14454,7 @@
         </p:blipFill>
         <p:spPr>
           <a:xfrm>
-            <a:off x="94399" y="3153457"/>
+            <a:off x="166914" y="3069944"/>
             <a:ext cx="1219200" cy="1219200"/>
           </a:xfrm>
           <a:prstGeom prst="rect">
@@ -12997,7 +14485,7 @@
         </p:blipFill>
         <p:spPr>
           <a:xfrm>
-            <a:off x="94399" y="1756343"/>
+            <a:off x="254057" y="1744459"/>
             <a:ext cx="1219200" cy="1219200"/>
           </a:xfrm>
           <a:prstGeom prst="rect">
@@ -13028,7 +14516,7 @@
         </p:blipFill>
         <p:spPr>
           <a:xfrm>
-            <a:off x="1652285" y="359229"/>
+            <a:off x="2114343" y="1662173"/>
             <a:ext cx="1219200" cy="1219200"/>
           </a:xfrm>
           <a:prstGeom prst="rect">
@@ -13059,7 +14547,7 @@
         </p:blipFill>
         <p:spPr>
           <a:xfrm>
-            <a:off x="1652285" y="1756343"/>
+            <a:off x="2114343" y="286715"/>
             <a:ext cx="1219200" cy="1219200"/>
           </a:xfrm>
           <a:prstGeom prst="rect">
@@ -13090,7 +14578,7 @@
         </p:blipFill>
         <p:spPr>
           <a:xfrm>
-            <a:off x="1652285" y="4550571"/>
+            <a:off x="2114343" y="3037631"/>
             <a:ext cx="1219200" cy="1219200"/>
           </a:xfrm>
           <a:prstGeom prst="rect">
@@ -13121,7 +14609,7 @@
         </p:blipFill>
         <p:spPr>
           <a:xfrm>
-            <a:off x="1613599" y="3153457"/>
+            <a:off x="3873029" y="286715"/>
             <a:ext cx="1219200" cy="1219200"/>
           </a:xfrm>
           <a:prstGeom prst="rect">
@@ -13152,7 +14640,7 @@
         </p:blipFill>
         <p:spPr>
           <a:xfrm>
-            <a:off x="3173942" y="1813229"/>
+            <a:off x="2040743" y="4414490"/>
             <a:ext cx="1219200" cy="1219200"/>
           </a:xfrm>
           <a:prstGeom prst="rect">
@@ -13183,7 +14671,7 @@
         </p:blipFill>
         <p:spPr>
           <a:xfrm>
-            <a:off x="3173942" y="359229"/>
+            <a:off x="3733828" y="4505915"/>
             <a:ext cx="1219200" cy="1219200"/>
           </a:xfrm>
           <a:prstGeom prst="rect">
@@ -13214,7 +14702,7 @@
         </p:blipFill>
         <p:spPr>
           <a:xfrm>
-            <a:off x="3198342" y="3153457"/>
+            <a:off x="3873029" y="1636715"/>
             <a:ext cx="1219200" cy="1219200"/>
           </a:xfrm>
           <a:prstGeom prst="rect">
@@ -13245,7 +14733,7 @@
         </p:blipFill>
         <p:spPr>
           <a:xfrm>
-            <a:off x="3157485" y="4607457"/>
+            <a:off x="3899200" y="3136715"/>
             <a:ext cx="1219200" cy="1219200"/>
           </a:xfrm>
           <a:prstGeom prst="rect">
@@ -13276,7 +14764,7 @@
         </p:blipFill>
         <p:spPr>
           <a:xfrm>
-            <a:off x="4695599" y="1756343"/>
+            <a:off x="7286457" y="286715"/>
             <a:ext cx="1219200" cy="1219200"/>
           </a:xfrm>
           <a:prstGeom prst="rect">
@@ -13307,7 +14795,7 @@
         </p:blipFill>
         <p:spPr>
           <a:xfrm>
-            <a:off x="4727399" y="360686"/>
+            <a:off x="5634543" y="1636715"/>
             <a:ext cx="1219200" cy="1219200"/>
           </a:xfrm>
           <a:prstGeom prst="rect">
@@ -13338,7 +14826,7 @@
         </p:blipFill>
         <p:spPr>
           <a:xfrm>
-            <a:off x="6280856" y="359229"/>
+            <a:off x="10680457" y="3202203"/>
             <a:ext cx="1219200" cy="1219200"/>
           </a:xfrm>
           <a:prstGeom prst="rect">
@@ -13369,7 +14857,7 @@
         </p:blipFill>
         <p:spPr>
           <a:xfrm>
-            <a:off x="4783085" y="3247857"/>
+            <a:off x="9215543" y="1744459"/>
             <a:ext cx="1219200" cy="1219200"/>
           </a:xfrm>
           <a:prstGeom prst="rect">
@@ -13400,7 +14888,7 @@
         </p:blipFill>
         <p:spPr>
           <a:xfrm>
-            <a:off x="4826685" y="4643514"/>
+            <a:off x="7396057" y="1805915"/>
             <a:ext cx="1219200" cy="1219200"/>
           </a:xfrm>
           <a:prstGeom prst="rect">
@@ -13431,7 +14919,7 @@
         </p:blipFill>
         <p:spPr>
           <a:xfrm>
-            <a:off x="6280856" y="3247857"/>
+            <a:off x="9167543" y="286715"/>
             <a:ext cx="1219200" cy="1219200"/>
           </a:xfrm>
           <a:prstGeom prst="rect">
@@ -13462,7 +14950,7 @@
         </p:blipFill>
         <p:spPr>
           <a:xfrm>
-            <a:off x="6217256" y="1813229"/>
+            <a:off x="10680457" y="1744459"/>
             <a:ext cx="1219200" cy="1219200"/>
           </a:xfrm>
           <a:prstGeom prst="rect">
@@ -13493,7 +14981,7 @@
         </p:blipFill>
         <p:spPr>
           <a:xfrm>
-            <a:off x="7804999" y="1938286"/>
+            <a:off x="10680457" y="286715"/>
             <a:ext cx="1219200" cy="1219200"/>
           </a:xfrm>
           <a:prstGeom prst="rect">
@@ -13524,7 +15012,7 @@
         </p:blipFill>
         <p:spPr>
           <a:xfrm>
-            <a:off x="7804999" y="412829"/>
+            <a:off x="7396057" y="3202203"/>
             <a:ext cx="1219200" cy="1219200"/>
           </a:xfrm>
           <a:prstGeom prst="rect">
@@ -13555,7 +15043,7 @@
         </p:blipFill>
         <p:spPr>
           <a:xfrm>
-            <a:off x="6280856" y="4607457"/>
+            <a:off x="9285314" y="3202203"/>
             <a:ext cx="1219200" cy="1219200"/>
           </a:xfrm>
           <a:prstGeom prst="rect">
@@ -13586,7 +15074,7 @@
         </p:blipFill>
         <p:spPr>
           <a:xfrm>
-            <a:off x="9324170" y="412829"/>
+            <a:off x="7396057" y="4665515"/>
             <a:ext cx="1219200" cy="1219200"/>
           </a:xfrm>
           <a:prstGeom prst="rect">
@@ -13617,7 +15105,7 @@
         </p:blipFill>
         <p:spPr>
           <a:xfrm>
-            <a:off x="7778627" y="3247857"/>
+            <a:off x="9279343" y="4665515"/>
             <a:ext cx="1219200" cy="1219200"/>
           </a:xfrm>
           <a:prstGeom prst="rect">
@@ -13648,7 +15136,7 @@
         </p:blipFill>
         <p:spPr>
           <a:xfrm>
-            <a:off x="7804999" y="4683628"/>
+            <a:off x="10694114" y="4665515"/>
             <a:ext cx="1219200" cy="1219200"/>
           </a:xfrm>
           <a:prstGeom prst="rect">
@@ -13679,7 +15167,7 @@
         </p:blipFill>
         <p:spPr>
           <a:xfrm>
-            <a:off x="9392742" y="3247857"/>
+            <a:off x="5634543" y="3176229"/>
             <a:ext cx="1219200" cy="1219200"/>
           </a:xfrm>
           <a:prstGeom prst="rect">
@@ -13710,7 +15198,7 @@
         </p:blipFill>
         <p:spPr>
           <a:xfrm>
-            <a:off x="9392742" y="1813229"/>
+            <a:off x="5634543" y="286715"/>
             <a:ext cx="1219200" cy="1219200"/>
           </a:xfrm>
           <a:prstGeom prst="rect">
@@ -13721,7 +15209,7 @@
     </p:spTree>
     <p:extLst>
       <p:ext uri="{BB962C8B-B14F-4D97-AF65-F5344CB8AC3E}">
-        <p14:creationId xmlns:p14="http://schemas.microsoft.com/office/powerpoint/2010/main" val="3126433562"/>
+        <p14:creationId xmlns:p14="http://schemas.microsoft.com/office/powerpoint/2010/main" val="3324423259"/>
       </p:ext>
     </p:extLst>
   </p:cSld>
@@ -13771,7 +15259,7 @@
         </p:blipFill>
         <p:spPr>
           <a:xfrm>
-            <a:off x="643486" y="520286"/>
+            <a:off x="2066300" y="4482743"/>
             <a:ext cx="1219200" cy="1219200"/>
           </a:xfrm>
           <a:prstGeom prst="rect">
@@ -13802,7 +15290,7 @@
         </p:blipFill>
         <p:spPr>
           <a:xfrm>
-            <a:off x="654401" y="3364486"/>
+            <a:off x="3544387" y="3100200"/>
             <a:ext cx="1219200" cy="1219200"/>
           </a:xfrm>
           <a:prstGeom prst="rect">
@@ -13833,7 +15321,7 @@
         </p:blipFill>
         <p:spPr>
           <a:xfrm>
-            <a:off x="571600" y="4830522"/>
+            <a:off x="1959644" y="3077257"/>
             <a:ext cx="1219200" cy="1219200"/>
           </a:xfrm>
           <a:prstGeom prst="rect">
@@ -13864,7 +15352,7 @@
         </p:blipFill>
         <p:spPr>
           <a:xfrm>
-            <a:off x="2286800" y="4852844"/>
+            <a:off x="220687" y="3077257"/>
             <a:ext cx="1219200" cy="1219200"/>
           </a:xfrm>
           <a:prstGeom prst="rect">
@@ -13895,7 +15383,7 @@
         </p:blipFill>
         <p:spPr>
           <a:xfrm>
-            <a:off x="2155658" y="3397482"/>
+            <a:off x="252087" y="4629000"/>
             <a:ext cx="1219200" cy="1219200"/>
           </a:xfrm>
           <a:prstGeom prst="rect">
@@ -13926,7 +15414,7 @@
         </p:blipFill>
         <p:spPr>
           <a:xfrm>
-            <a:off x="2303086" y="1959441"/>
+            <a:off x="1959644" y="1565771"/>
             <a:ext cx="1219200" cy="1219200"/>
           </a:xfrm>
           <a:prstGeom prst="rect">
@@ -13957,7 +15445,7 @@
         </p:blipFill>
         <p:spPr>
           <a:xfrm>
-            <a:off x="2303086" y="521400"/>
+            <a:off x="3652987" y="4539457"/>
             <a:ext cx="1219200" cy="1219200"/>
           </a:xfrm>
           <a:prstGeom prst="rect">
@@ -13988,7 +15476,7 @@
         </p:blipFill>
         <p:spPr>
           <a:xfrm>
-            <a:off x="3878400" y="4868530"/>
+            <a:off x="2066300" y="346571"/>
             <a:ext cx="1219200" cy="1219200"/>
           </a:xfrm>
           <a:prstGeom prst="rect">
@@ -14019,7 +15507,7 @@
         </p:blipFill>
         <p:spPr>
           <a:xfrm>
-            <a:off x="3907314" y="3421143"/>
+            <a:off x="5317644" y="358887"/>
             <a:ext cx="1219200" cy="1219200"/>
           </a:xfrm>
           <a:prstGeom prst="rect">
@@ -14050,7 +15538,7 @@
         </p:blipFill>
         <p:spPr>
           <a:xfrm>
-            <a:off x="3907314" y="1750200"/>
+            <a:off x="3638644" y="1685343"/>
             <a:ext cx="1219200" cy="1219200"/>
           </a:xfrm>
           <a:prstGeom prst="rect">
@@ -14081,7 +15569,7 @@
         </p:blipFill>
         <p:spPr>
           <a:xfrm>
-            <a:off x="4074799" y="371400"/>
+            <a:off x="3638644" y="368315"/>
             <a:ext cx="1219200" cy="1219200"/>
           </a:xfrm>
           <a:prstGeom prst="rect">
@@ -14112,7 +15600,7 @@
         </p:blipFill>
         <p:spPr>
           <a:xfrm>
-            <a:off x="5554400" y="4868530"/>
+            <a:off x="5317644" y="4609800"/>
             <a:ext cx="1219200" cy="1219200"/>
           </a:xfrm>
           <a:prstGeom prst="rect">
@@ -14143,7 +15631,7 @@
         </p:blipFill>
         <p:spPr>
           <a:xfrm>
-            <a:off x="5554400" y="3364486"/>
+            <a:off x="5317644" y="1823228"/>
             <a:ext cx="1219200" cy="1219200"/>
           </a:xfrm>
           <a:prstGeom prst="rect">
@@ -14174,7 +15662,7 @@
         </p:blipFill>
         <p:spPr>
           <a:xfrm>
-            <a:off x="5554400" y="1750200"/>
+            <a:off x="5317644" y="3208114"/>
             <a:ext cx="1219200" cy="1219200"/>
           </a:xfrm>
           <a:prstGeom prst="rect">
@@ -14205,7 +15693,7 @@
         </p:blipFill>
         <p:spPr>
           <a:xfrm>
-            <a:off x="5734399" y="361800"/>
+            <a:off x="7078800" y="368315"/>
             <a:ext cx="1219200" cy="1219200"/>
           </a:xfrm>
           <a:prstGeom prst="rect">
@@ -14236,7 +15724,7 @@
         </p:blipFill>
         <p:spPr>
           <a:xfrm>
-            <a:off x="7228400" y="4868530"/>
+            <a:off x="7129600" y="1793142"/>
             <a:ext cx="1219200" cy="1219200"/>
           </a:xfrm>
           <a:prstGeom prst="rect">
@@ -14267,7 +15755,7 @@
         </p:blipFill>
         <p:spPr>
           <a:xfrm>
-            <a:off x="8984800" y="4872758"/>
+            <a:off x="7129600" y="3320257"/>
             <a:ext cx="1219200" cy="1219200"/>
           </a:xfrm>
           <a:prstGeom prst="rect">
@@ -14298,7 +15786,7 @@
         </p:blipFill>
         <p:spPr>
           <a:xfrm>
-            <a:off x="10576400" y="4872758"/>
+            <a:off x="7192200" y="4609800"/>
             <a:ext cx="1219200" cy="1219200"/>
           </a:xfrm>
           <a:prstGeom prst="rect">
@@ -14329,7 +15817,7 @@
         </p:blipFill>
         <p:spPr>
           <a:xfrm>
-            <a:off x="7337714" y="3421143"/>
+            <a:off x="8757800" y="466143"/>
             <a:ext cx="1219200" cy="1219200"/>
           </a:xfrm>
           <a:prstGeom prst="rect">
@@ -14360,7 +15848,7 @@
         </p:blipFill>
         <p:spPr>
           <a:xfrm>
-            <a:off x="7337714" y="1791156"/>
+            <a:off x="8736429" y="3349857"/>
             <a:ext cx="1219200" cy="1219200"/>
           </a:xfrm>
           <a:prstGeom prst="rect">
@@ -14391,7 +15879,7 @@
         </p:blipFill>
         <p:spPr>
           <a:xfrm>
-            <a:off x="7337714" y="435085"/>
+            <a:off x="8786400" y="1865429"/>
             <a:ext cx="1219200" cy="1219200"/>
           </a:xfrm>
           <a:prstGeom prst="rect">
@@ -14422,7 +15910,7 @@
         </p:blipFill>
         <p:spPr>
           <a:xfrm>
-            <a:off x="8953200" y="3384857"/>
+            <a:off x="8729630" y="4750200"/>
             <a:ext cx="1219200" cy="1219200"/>
           </a:xfrm>
           <a:prstGeom prst="rect">
@@ -14453,7 +15941,7 @@
         </p:blipFill>
         <p:spPr>
           <a:xfrm>
-            <a:off x="8984800" y="1816042"/>
+            <a:off x="10436800" y="3320257"/>
             <a:ext cx="1219200" cy="1219200"/>
           </a:xfrm>
           <a:prstGeom prst="rect">
@@ -14484,7 +15972,7 @@
         </p:blipFill>
         <p:spPr>
           <a:xfrm>
-            <a:off x="10683085" y="3400200"/>
+            <a:off x="10525357" y="1988914"/>
             <a:ext cx="1219200" cy="1219200"/>
           </a:xfrm>
           <a:prstGeom prst="rect">
@@ -14515,7 +16003,7 @@
         </p:blipFill>
         <p:spPr>
           <a:xfrm>
-            <a:off x="8984800" y="326114"/>
+            <a:off x="10436800" y="466143"/>
             <a:ext cx="1219200" cy="1219200"/>
           </a:xfrm>
           <a:prstGeom prst="rect">
@@ -14546,7 +16034,7 @@
         </p:blipFill>
         <p:spPr>
           <a:xfrm>
-            <a:off x="10504000" y="1927642"/>
+            <a:off x="249658" y="1685343"/>
             <a:ext cx="1219200" cy="1219200"/>
           </a:xfrm>
           <a:prstGeom prst="rect">
@@ -14577,7 +16065,7 @@
         </p:blipFill>
         <p:spPr>
           <a:xfrm>
-            <a:off x="10504000" y="314828"/>
+            <a:off x="249658" y="325857"/>
             <a:ext cx="1219200" cy="1219200"/>
           </a:xfrm>
           <a:prstGeom prst="rect">
@@ -14588,7 +16076,7 @@
     </p:spTree>
     <p:extLst>
       <p:ext uri="{BB962C8B-B14F-4D97-AF65-F5344CB8AC3E}">
-        <p14:creationId xmlns:p14="http://schemas.microsoft.com/office/powerpoint/2010/main" val="399454265"/>
+        <p14:creationId xmlns:p14="http://schemas.microsoft.com/office/powerpoint/2010/main" val="438152526"/>
       </p:ext>
     </p:extLst>
   </p:cSld>
@@ -14850,7 +16338,7 @@
         </p:blipFill>
         <p:spPr>
           <a:xfrm>
-            <a:off x="166914" y="286715"/>
+            <a:off x="297543" y="293914"/>
             <a:ext cx="1219200" cy="1219200"/>
           </a:xfrm>
           <a:prstGeom prst="rect">
@@ -14881,7 +16369,7 @@
         </p:blipFill>
         <p:spPr>
           <a:xfrm>
-            <a:off x="166914" y="4395429"/>
+            <a:off x="297543" y="1670372"/>
             <a:ext cx="1219200" cy="1219200"/>
           </a:xfrm>
           <a:prstGeom prst="rect">
@@ -14912,7 +16400,7 @@
         </p:blipFill>
         <p:spPr>
           <a:xfrm>
-            <a:off x="166914" y="3069944"/>
+            <a:off x="375086" y="4580546"/>
             <a:ext cx="1219200" cy="1219200"/>
           </a:xfrm>
           <a:prstGeom prst="rect">
@@ -14943,7 +16431,7 @@
         </p:blipFill>
         <p:spPr>
           <a:xfrm>
-            <a:off x="254057" y="1744459"/>
+            <a:off x="355657" y="3046830"/>
             <a:ext cx="1219200" cy="1219200"/>
           </a:xfrm>
           <a:prstGeom prst="rect">
@@ -14974,7 +16462,7 @@
         </p:blipFill>
         <p:spPr>
           <a:xfrm>
-            <a:off x="2114343" y="1662173"/>
+            <a:off x="2065943" y="219000"/>
             <a:ext cx="1219200" cy="1219200"/>
           </a:xfrm>
           <a:prstGeom prst="rect">
@@ -15005,7 +16493,7 @@
         </p:blipFill>
         <p:spPr>
           <a:xfrm>
-            <a:off x="2114343" y="286715"/>
+            <a:off x="2065943" y="3100200"/>
             <a:ext cx="1219200" cy="1219200"/>
           </a:xfrm>
           <a:prstGeom prst="rect">
@@ -15036,7 +16524,7 @@
         </p:blipFill>
         <p:spPr>
           <a:xfrm>
-            <a:off x="2114343" y="3037631"/>
+            <a:off x="1974058" y="1670372"/>
             <a:ext cx="1219200" cy="1219200"/>
           </a:xfrm>
           <a:prstGeom prst="rect">
@@ -15067,7 +16555,7 @@
         </p:blipFill>
         <p:spPr>
           <a:xfrm>
-            <a:off x="3873029" y="286715"/>
+            <a:off x="2030971" y="4594343"/>
             <a:ext cx="1219200" cy="1219200"/>
           </a:xfrm>
           <a:prstGeom prst="rect">
@@ -15098,7 +16586,7 @@
         </p:blipFill>
         <p:spPr>
           <a:xfrm>
-            <a:off x="2040743" y="4414490"/>
+            <a:off x="3834343" y="219000"/>
             <a:ext cx="1219200" cy="1219200"/>
           </a:xfrm>
           <a:prstGeom prst="rect">
@@ -15129,7 +16617,7 @@
         </p:blipFill>
         <p:spPr>
           <a:xfrm>
-            <a:off x="3733828" y="4505915"/>
+            <a:off x="3939743" y="4580546"/>
             <a:ext cx="1219200" cy="1219200"/>
           </a:xfrm>
           <a:prstGeom prst="rect">
@@ -15160,7 +16648,7 @@
         </p:blipFill>
         <p:spPr>
           <a:xfrm>
-            <a:off x="3873029" y="1636715"/>
+            <a:off x="3894857" y="1708115"/>
             <a:ext cx="1219200" cy="1219200"/>
           </a:xfrm>
           <a:prstGeom prst="rect">
@@ -15191,7 +16679,7 @@
         </p:blipFill>
         <p:spPr>
           <a:xfrm>
-            <a:off x="3899200" y="3136715"/>
+            <a:off x="3941886" y="3046830"/>
             <a:ext cx="1219200" cy="1219200"/>
           </a:xfrm>
           <a:prstGeom prst="rect">
@@ -15222,7 +16710,7 @@
         </p:blipFill>
         <p:spPr>
           <a:xfrm>
-            <a:off x="7286457" y="286715"/>
+            <a:off x="5571372" y="1767343"/>
             <a:ext cx="1219200" cy="1219200"/>
           </a:xfrm>
           <a:prstGeom prst="rect">
@@ -15253,7 +16741,7 @@
         </p:blipFill>
         <p:spPr>
           <a:xfrm>
-            <a:off x="5634543" y="1636715"/>
+            <a:off x="5602743" y="293914"/>
             <a:ext cx="1219200" cy="1219200"/>
           </a:xfrm>
           <a:prstGeom prst="rect">
@@ -15284,7 +16772,7 @@
         </p:blipFill>
         <p:spPr>
           <a:xfrm>
-            <a:off x="10680457" y="3202203"/>
+            <a:off x="5571372" y="3240772"/>
             <a:ext cx="1219200" cy="1219200"/>
           </a:xfrm>
           <a:prstGeom prst="rect">
@@ -15315,7 +16803,7 @@
         </p:blipFill>
         <p:spPr>
           <a:xfrm>
-            <a:off x="9215543" y="1744459"/>
+            <a:off x="7117200" y="388543"/>
             <a:ext cx="1219200" cy="1219200"/>
           </a:xfrm>
           <a:prstGeom prst="rect">
@@ -15346,7 +16834,7 @@
         </p:blipFill>
         <p:spPr>
           <a:xfrm>
-            <a:off x="7396057" y="1805915"/>
+            <a:off x="7211944" y="1819487"/>
             <a:ext cx="1219200" cy="1219200"/>
           </a:xfrm>
           <a:prstGeom prst="rect">
@@ -15377,7 +16865,7 @@
         </p:blipFill>
         <p:spPr>
           <a:xfrm>
-            <a:off x="9167543" y="286715"/>
+            <a:off x="5624857" y="4609800"/>
             <a:ext cx="1219200" cy="1219200"/>
           </a:xfrm>
           <a:prstGeom prst="rect">
@@ -15408,7 +16896,7 @@
         </p:blipFill>
         <p:spPr>
           <a:xfrm>
-            <a:off x="10680457" y="1744459"/>
+            <a:off x="7284514" y="3295545"/>
             <a:ext cx="1219200" cy="1219200"/>
           </a:xfrm>
           <a:prstGeom prst="rect">
@@ -15439,7 +16927,7 @@
         </p:blipFill>
         <p:spPr>
           <a:xfrm>
-            <a:off x="10680457" y="286715"/>
+            <a:off x="7309971" y="4675172"/>
             <a:ext cx="1219200" cy="1219200"/>
           </a:xfrm>
           <a:prstGeom prst="rect">
@@ -15470,7 +16958,7 @@
         </p:blipFill>
         <p:spPr>
           <a:xfrm>
-            <a:off x="7396057" y="3202203"/>
+            <a:off x="8636400" y="399829"/>
             <a:ext cx="1219200" cy="1219200"/>
           </a:xfrm>
           <a:prstGeom prst="rect">
@@ -15501,7 +16989,7 @@
         </p:blipFill>
         <p:spPr>
           <a:xfrm>
-            <a:off x="9285314" y="3202203"/>
+            <a:off x="10392629" y="488915"/>
             <a:ext cx="1219200" cy="1219200"/>
           </a:xfrm>
           <a:prstGeom prst="rect">
@@ -15532,7 +17020,7 @@
         </p:blipFill>
         <p:spPr>
           <a:xfrm>
-            <a:off x="7396057" y="4665515"/>
+            <a:off x="8731257" y="1827630"/>
             <a:ext cx="1219200" cy="1219200"/>
           </a:xfrm>
           <a:prstGeom prst="rect">
@@ -15563,7 +17051,7 @@
         </p:blipFill>
         <p:spPr>
           <a:xfrm>
-            <a:off x="9279343" y="4665515"/>
+            <a:off x="8784057" y="4774428"/>
             <a:ext cx="1219200" cy="1219200"/>
           </a:xfrm>
           <a:prstGeom prst="rect">
@@ -15594,7 +17082,7 @@
         </p:blipFill>
         <p:spPr>
           <a:xfrm>
-            <a:off x="10694114" y="4665515"/>
+            <a:off x="10396399" y="3390600"/>
             <a:ext cx="1219200" cy="1219200"/>
           </a:xfrm>
           <a:prstGeom prst="rect">
@@ -15625,7 +17113,7 @@
         </p:blipFill>
         <p:spPr>
           <a:xfrm>
-            <a:off x="5634543" y="3176229"/>
+            <a:off x="10349658" y="2076345"/>
             <a:ext cx="1219200" cy="1219200"/>
           </a:xfrm>
           <a:prstGeom prst="rect">
@@ -15656,7 +17144,7 @@
         </p:blipFill>
         <p:spPr>
           <a:xfrm>
-            <a:off x="5634543" y="286715"/>
+            <a:off x="8773943" y="3438915"/>
             <a:ext cx="1219200" cy="1219200"/>
           </a:xfrm>
           <a:prstGeom prst="rect">
@@ -15667,7 +17155,7 @@
     </p:spTree>
     <p:extLst>
       <p:ext uri="{BB962C8B-B14F-4D97-AF65-F5344CB8AC3E}">
-        <p14:creationId xmlns:p14="http://schemas.microsoft.com/office/powerpoint/2010/main" val="3324423259"/>
+        <p14:creationId xmlns:p14="http://schemas.microsoft.com/office/powerpoint/2010/main" val="214978686"/>
       </p:ext>
     </p:extLst>
   </p:cSld>
@@ -15717,1740 +17205,6 @@
         </p:blipFill>
         <p:spPr>
           <a:xfrm>
-            <a:off x="2066300" y="4482743"/>
-            <a:ext cx="1219200" cy="1219200"/>
-          </a:xfrm>
-          <a:prstGeom prst="rect">
-            <a:avLst/>
-          </a:prstGeom>
-        </p:spPr>
-      </p:pic>
-      <p:pic>
-        <p:nvPicPr>
-          <p:cNvPr id="3" name="Picture 2"/>
-          <p:cNvPicPr>
-            <a:picLocks noChangeAspect="1"/>
-          </p:cNvPicPr>
-          <p:nvPr/>
-        </p:nvPicPr>
-        <p:blipFill>
-          <a:blip r:embed="rId3">
-            <a:lum bright="70000" contrast="-70000"/>
-            <a:extLst>
-              <a:ext uri="{28A0092B-C50C-407E-A947-70E740481C1C}">
-                <a14:useLocalDpi xmlns:a14="http://schemas.microsoft.com/office/drawing/2010/main" val="0"/>
-              </a:ext>
-            </a:extLst>
-          </a:blip>
-          <a:stretch>
-            <a:fillRect/>
-          </a:stretch>
-        </p:blipFill>
-        <p:spPr>
-          <a:xfrm>
-            <a:off x="3544387" y="3100200"/>
-            <a:ext cx="1219200" cy="1219200"/>
-          </a:xfrm>
-          <a:prstGeom prst="rect">
-            <a:avLst/>
-          </a:prstGeom>
-        </p:spPr>
-      </p:pic>
-      <p:pic>
-        <p:nvPicPr>
-          <p:cNvPr id="4" name="Picture 3"/>
-          <p:cNvPicPr>
-            <a:picLocks noChangeAspect="1"/>
-          </p:cNvPicPr>
-          <p:nvPr/>
-        </p:nvPicPr>
-        <p:blipFill>
-          <a:blip r:embed="rId4">
-            <a:lum bright="70000" contrast="-70000"/>
-            <a:extLst>
-              <a:ext uri="{28A0092B-C50C-407E-A947-70E740481C1C}">
-                <a14:useLocalDpi xmlns:a14="http://schemas.microsoft.com/office/drawing/2010/main" val="0"/>
-              </a:ext>
-            </a:extLst>
-          </a:blip>
-          <a:stretch>
-            <a:fillRect/>
-          </a:stretch>
-        </p:blipFill>
-        <p:spPr>
-          <a:xfrm>
-            <a:off x="1959644" y="3077257"/>
-            <a:ext cx="1219200" cy="1219200"/>
-          </a:xfrm>
-          <a:prstGeom prst="rect">
-            <a:avLst/>
-          </a:prstGeom>
-        </p:spPr>
-      </p:pic>
-      <p:pic>
-        <p:nvPicPr>
-          <p:cNvPr id="5" name="Picture 4"/>
-          <p:cNvPicPr>
-            <a:picLocks noChangeAspect="1"/>
-          </p:cNvPicPr>
-          <p:nvPr/>
-        </p:nvPicPr>
-        <p:blipFill>
-          <a:blip r:embed="rId5">
-            <a:lum bright="70000" contrast="-70000"/>
-            <a:extLst>
-              <a:ext uri="{28A0092B-C50C-407E-A947-70E740481C1C}">
-                <a14:useLocalDpi xmlns:a14="http://schemas.microsoft.com/office/drawing/2010/main" val="0"/>
-              </a:ext>
-            </a:extLst>
-          </a:blip>
-          <a:stretch>
-            <a:fillRect/>
-          </a:stretch>
-        </p:blipFill>
-        <p:spPr>
-          <a:xfrm>
-            <a:off x="220687" y="3077257"/>
-            <a:ext cx="1219200" cy="1219200"/>
-          </a:xfrm>
-          <a:prstGeom prst="rect">
-            <a:avLst/>
-          </a:prstGeom>
-        </p:spPr>
-      </p:pic>
-      <p:pic>
-        <p:nvPicPr>
-          <p:cNvPr id="6" name="Picture 5"/>
-          <p:cNvPicPr>
-            <a:picLocks noChangeAspect="1"/>
-          </p:cNvPicPr>
-          <p:nvPr/>
-        </p:nvPicPr>
-        <p:blipFill>
-          <a:blip r:embed="rId6">
-            <a:lum bright="70000" contrast="-70000"/>
-            <a:extLst>
-              <a:ext uri="{28A0092B-C50C-407E-A947-70E740481C1C}">
-                <a14:useLocalDpi xmlns:a14="http://schemas.microsoft.com/office/drawing/2010/main" val="0"/>
-              </a:ext>
-            </a:extLst>
-          </a:blip>
-          <a:stretch>
-            <a:fillRect/>
-          </a:stretch>
-        </p:blipFill>
-        <p:spPr>
-          <a:xfrm>
-            <a:off x="252087" y="4629000"/>
-            <a:ext cx="1219200" cy="1219200"/>
-          </a:xfrm>
-          <a:prstGeom prst="rect">
-            <a:avLst/>
-          </a:prstGeom>
-        </p:spPr>
-      </p:pic>
-      <p:pic>
-        <p:nvPicPr>
-          <p:cNvPr id="7" name="Picture 6"/>
-          <p:cNvPicPr>
-            <a:picLocks noChangeAspect="1"/>
-          </p:cNvPicPr>
-          <p:nvPr/>
-        </p:nvPicPr>
-        <p:blipFill>
-          <a:blip r:embed="rId7">
-            <a:lum bright="70000" contrast="-70000"/>
-            <a:extLst>
-              <a:ext uri="{28A0092B-C50C-407E-A947-70E740481C1C}">
-                <a14:useLocalDpi xmlns:a14="http://schemas.microsoft.com/office/drawing/2010/main" val="0"/>
-              </a:ext>
-            </a:extLst>
-          </a:blip>
-          <a:stretch>
-            <a:fillRect/>
-          </a:stretch>
-        </p:blipFill>
-        <p:spPr>
-          <a:xfrm>
-            <a:off x="1959644" y="1565771"/>
-            <a:ext cx="1219200" cy="1219200"/>
-          </a:xfrm>
-          <a:prstGeom prst="rect">
-            <a:avLst/>
-          </a:prstGeom>
-        </p:spPr>
-      </p:pic>
-      <p:pic>
-        <p:nvPicPr>
-          <p:cNvPr id="8" name="Picture 7"/>
-          <p:cNvPicPr>
-            <a:picLocks noChangeAspect="1"/>
-          </p:cNvPicPr>
-          <p:nvPr/>
-        </p:nvPicPr>
-        <p:blipFill>
-          <a:blip r:embed="rId8">
-            <a:lum bright="70000" contrast="-70000"/>
-            <a:extLst>
-              <a:ext uri="{28A0092B-C50C-407E-A947-70E740481C1C}">
-                <a14:useLocalDpi xmlns:a14="http://schemas.microsoft.com/office/drawing/2010/main" val="0"/>
-              </a:ext>
-            </a:extLst>
-          </a:blip>
-          <a:stretch>
-            <a:fillRect/>
-          </a:stretch>
-        </p:blipFill>
-        <p:spPr>
-          <a:xfrm>
-            <a:off x="3652987" y="4539457"/>
-            <a:ext cx="1219200" cy="1219200"/>
-          </a:xfrm>
-          <a:prstGeom prst="rect">
-            <a:avLst/>
-          </a:prstGeom>
-        </p:spPr>
-      </p:pic>
-      <p:pic>
-        <p:nvPicPr>
-          <p:cNvPr id="9" name="Picture 8"/>
-          <p:cNvPicPr>
-            <a:picLocks noChangeAspect="1"/>
-          </p:cNvPicPr>
-          <p:nvPr/>
-        </p:nvPicPr>
-        <p:blipFill>
-          <a:blip r:embed="rId9">
-            <a:lum bright="70000" contrast="-70000"/>
-            <a:extLst>
-              <a:ext uri="{28A0092B-C50C-407E-A947-70E740481C1C}">
-                <a14:useLocalDpi xmlns:a14="http://schemas.microsoft.com/office/drawing/2010/main" val="0"/>
-              </a:ext>
-            </a:extLst>
-          </a:blip>
-          <a:stretch>
-            <a:fillRect/>
-          </a:stretch>
-        </p:blipFill>
-        <p:spPr>
-          <a:xfrm>
-            <a:off x="2066300" y="346571"/>
-            <a:ext cx="1219200" cy="1219200"/>
-          </a:xfrm>
-          <a:prstGeom prst="rect">
-            <a:avLst/>
-          </a:prstGeom>
-        </p:spPr>
-      </p:pic>
-      <p:pic>
-        <p:nvPicPr>
-          <p:cNvPr id="10" name="Picture 9"/>
-          <p:cNvPicPr>
-            <a:picLocks noChangeAspect="1"/>
-          </p:cNvPicPr>
-          <p:nvPr/>
-        </p:nvPicPr>
-        <p:blipFill>
-          <a:blip r:embed="rId10">
-            <a:lum bright="70000" contrast="-70000"/>
-            <a:extLst>
-              <a:ext uri="{28A0092B-C50C-407E-A947-70E740481C1C}">
-                <a14:useLocalDpi xmlns:a14="http://schemas.microsoft.com/office/drawing/2010/main" val="0"/>
-              </a:ext>
-            </a:extLst>
-          </a:blip>
-          <a:stretch>
-            <a:fillRect/>
-          </a:stretch>
-        </p:blipFill>
-        <p:spPr>
-          <a:xfrm>
-            <a:off x="5317644" y="358887"/>
-            <a:ext cx="1219200" cy="1219200"/>
-          </a:xfrm>
-          <a:prstGeom prst="rect">
-            <a:avLst/>
-          </a:prstGeom>
-        </p:spPr>
-      </p:pic>
-      <p:pic>
-        <p:nvPicPr>
-          <p:cNvPr id="11" name="Picture 10"/>
-          <p:cNvPicPr>
-            <a:picLocks noChangeAspect="1"/>
-          </p:cNvPicPr>
-          <p:nvPr/>
-        </p:nvPicPr>
-        <p:blipFill>
-          <a:blip r:embed="rId11">
-            <a:lum bright="70000" contrast="-70000"/>
-            <a:extLst>
-              <a:ext uri="{28A0092B-C50C-407E-A947-70E740481C1C}">
-                <a14:useLocalDpi xmlns:a14="http://schemas.microsoft.com/office/drawing/2010/main" val="0"/>
-              </a:ext>
-            </a:extLst>
-          </a:blip>
-          <a:stretch>
-            <a:fillRect/>
-          </a:stretch>
-        </p:blipFill>
-        <p:spPr>
-          <a:xfrm>
-            <a:off x="3638644" y="1685343"/>
-            <a:ext cx="1219200" cy="1219200"/>
-          </a:xfrm>
-          <a:prstGeom prst="rect">
-            <a:avLst/>
-          </a:prstGeom>
-        </p:spPr>
-      </p:pic>
-      <p:pic>
-        <p:nvPicPr>
-          <p:cNvPr id="12" name="Picture 11"/>
-          <p:cNvPicPr>
-            <a:picLocks noChangeAspect="1"/>
-          </p:cNvPicPr>
-          <p:nvPr/>
-        </p:nvPicPr>
-        <p:blipFill>
-          <a:blip r:embed="rId12">
-            <a:lum bright="70000" contrast="-70000"/>
-            <a:extLst>
-              <a:ext uri="{28A0092B-C50C-407E-A947-70E740481C1C}">
-                <a14:useLocalDpi xmlns:a14="http://schemas.microsoft.com/office/drawing/2010/main" val="0"/>
-              </a:ext>
-            </a:extLst>
-          </a:blip>
-          <a:stretch>
-            <a:fillRect/>
-          </a:stretch>
-        </p:blipFill>
-        <p:spPr>
-          <a:xfrm>
-            <a:off x="3638644" y="368315"/>
-            <a:ext cx="1219200" cy="1219200"/>
-          </a:xfrm>
-          <a:prstGeom prst="rect">
-            <a:avLst/>
-          </a:prstGeom>
-        </p:spPr>
-      </p:pic>
-      <p:pic>
-        <p:nvPicPr>
-          <p:cNvPr id="13" name="Picture 12"/>
-          <p:cNvPicPr>
-            <a:picLocks noChangeAspect="1"/>
-          </p:cNvPicPr>
-          <p:nvPr/>
-        </p:nvPicPr>
-        <p:blipFill>
-          <a:blip r:embed="rId13">
-            <a:lum bright="70000" contrast="-70000"/>
-            <a:extLst>
-              <a:ext uri="{28A0092B-C50C-407E-A947-70E740481C1C}">
-                <a14:useLocalDpi xmlns:a14="http://schemas.microsoft.com/office/drawing/2010/main" val="0"/>
-              </a:ext>
-            </a:extLst>
-          </a:blip>
-          <a:stretch>
-            <a:fillRect/>
-          </a:stretch>
-        </p:blipFill>
-        <p:spPr>
-          <a:xfrm>
-            <a:off x="5317644" y="4609800"/>
-            <a:ext cx="1219200" cy="1219200"/>
-          </a:xfrm>
-          <a:prstGeom prst="rect">
-            <a:avLst/>
-          </a:prstGeom>
-        </p:spPr>
-      </p:pic>
-      <p:pic>
-        <p:nvPicPr>
-          <p:cNvPr id="14" name="Picture 13"/>
-          <p:cNvPicPr>
-            <a:picLocks noChangeAspect="1"/>
-          </p:cNvPicPr>
-          <p:nvPr/>
-        </p:nvPicPr>
-        <p:blipFill>
-          <a:blip r:embed="rId14">
-            <a:lum bright="70000" contrast="-70000"/>
-            <a:extLst>
-              <a:ext uri="{28A0092B-C50C-407E-A947-70E740481C1C}">
-                <a14:useLocalDpi xmlns:a14="http://schemas.microsoft.com/office/drawing/2010/main" val="0"/>
-              </a:ext>
-            </a:extLst>
-          </a:blip>
-          <a:stretch>
-            <a:fillRect/>
-          </a:stretch>
-        </p:blipFill>
-        <p:spPr>
-          <a:xfrm>
-            <a:off x="5317644" y="1823228"/>
-            <a:ext cx="1219200" cy="1219200"/>
-          </a:xfrm>
-          <a:prstGeom prst="rect">
-            <a:avLst/>
-          </a:prstGeom>
-        </p:spPr>
-      </p:pic>
-      <p:pic>
-        <p:nvPicPr>
-          <p:cNvPr id="15" name="Picture 14"/>
-          <p:cNvPicPr>
-            <a:picLocks noChangeAspect="1"/>
-          </p:cNvPicPr>
-          <p:nvPr/>
-        </p:nvPicPr>
-        <p:blipFill>
-          <a:blip r:embed="rId15">
-            <a:lum bright="70000" contrast="-70000"/>
-            <a:extLst>
-              <a:ext uri="{28A0092B-C50C-407E-A947-70E740481C1C}">
-                <a14:useLocalDpi xmlns:a14="http://schemas.microsoft.com/office/drawing/2010/main" val="0"/>
-              </a:ext>
-            </a:extLst>
-          </a:blip>
-          <a:stretch>
-            <a:fillRect/>
-          </a:stretch>
-        </p:blipFill>
-        <p:spPr>
-          <a:xfrm>
-            <a:off x="5317644" y="3208114"/>
-            <a:ext cx="1219200" cy="1219200"/>
-          </a:xfrm>
-          <a:prstGeom prst="rect">
-            <a:avLst/>
-          </a:prstGeom>
-        </p:spPr>
-      </p:pic>
-      <p:pic>
-        <p:nvPicPr>
-          <p:cNvPr id="16" name="Picture 15"/>
-          <p:cNvPicPr>
-            <a:picLocks noChangeAspect="1"/>
-          </p:cNvPicPr>
-          <p:nvPr/>
-        </p:nvPicPr>
-        <p:blipFill>
-          <a:blip r:embed="rId16">
-            <a:lum bright="70000" contrast="-70000"/>
-            <a:extLst>
-              <a:ext uri="{28A0092B-C50C-407E-A947-70E740481C1C}">
-                <a14:useLocalDpi xmlns:a14="http://schemas.microsoft.com/office/drawing/2010/main" val="0"/>
-              </a:ext>
-            </a:extLst>
-          </a:blip>
-          <a:stretch>
-            <a:fillRect/>
-          </a:stretch>
-        </p:blipFill>
-        <p:spPr>
-          <a:xfrm>
-            <a:off x="7078800" y="368315"/>
-            <a:ext cx="1219200" cy="1219200"/>
-          </a:xfrm>
-          <a:prstGeom prst="rect">
-            <a:avLst/>
-          </a:prstGeom>
-        </p:spPr>
-      </p:pic>
-      <p:pic>
-        <p:nvPicPr>
-          <p:cNvPr id="17" name="Picture 16"/>
-          <p:cNvPicPr>
-            <a:picLocks noChangeAspect="1"/>
-          </p:cNvPicPr>
-          <p:nvPr/>
-        </p:nvPicPr>
-        <p:blipFill>
-          <a:blip r:embed="rId17">
-            <a:lum bright="70000" contrast="-70000"/>
-            <a:extLst>
-              <a:ext uri="{28A0092B-C50C-407E-A947-70E740481C1C}">
-                <a14:useLocalDpi xmlns:a14="http://schemas.microsoft.com/office/drawing/2010/main" val="0"/>
-              </a:ext>
-            </a:extLst>
-          </a:blip>
-          <a:stretch>
-            <a:fillRect/>
-          </a:stretch>
-        </p:blipFill>
-        <p:spPr>
-          <a:xfrm>
-            <a:off x="7129600" y="1793142"/>
-            <a:ext cx="1219200" cy="1219200"/>
-          </a:xfrm>
-          <a:prstGeom prst="rect">
-            <a:avLst/>
-          </a:prstGeom>
-        </p:spPr>
-      </p:pic>
-      <p:pic>
-        <p:nvPicPr>
-          <p:cNvPr id="18" name="Picture 17"/>
-          <p:cNvPicPr>
-            <a:picLocks noChangeAspect="1"/>
-          </p:cNvPicPr>
-          <p:nvPr/>
-        </p:nvPicPr>
-        <p:blipFill>
-          <a:blip r:embed="rId18">
-            <a:lum bright="70000" contrast="-70000"/>
-            <a:extLst>
-              <a:ext uri="{28A0092B-C50C-407E-A947-70E740481C1C}">
-                <a14:useLocalDpi xmlns:a14="http://schemas.microsoft.com/office/drawing/2010/main" val="0"/>
-              </a:ext>
-            </a:extLst>
-          </a:blip>
-          <a:stretch>
-            <a:fillRect/>
-          </a:stretch>
-        </p:blipFill>
-        <p:spPr>
-          <a:xfrm>
-            <a:off x="7129600" y="3320257"/>
-            <a:ext cx="1219200" cy="1219200"/>
-          </a:xfrm>
-          <a:prstGeom prst="rect">
-            <a:avLst/>
-          </a:prstGeom>
-        </p:spPr>
-      </p:pic>
-      <p:pic>
-        <p:nvPicPr>
-          <p:cNvPr id="19" name="Picture 18"/>
-          <p:cNvPicPr>
-            <a:picLocks noChangeAspect="1"/>
-          </p:cNvPicPr>
-          <p:nvPr/>
-        </p:nvPicPr>
-        <p:blipFill>
-          <a:blip r:embed="rId19">
-            <a:lum bright="70000" contrast="-70000"/>
-            <a:extLst>
-              <a:ext uri="{28A0092B-C50C-407E-A947-70E740481C1C}">
-                <a14:useLocalDpi xmlns:a14="http://schemas.microsoft.com/office/drawing/2010/main" val="0"/>
-              </a:ext>
-            </a:extLst>
-          </a:blip>
-          <a:stretch>
-            <a:fillRect/>
-          </a:stretch>
-        </p:blipFill>
-        <p:spPr>
-          <a:xfrm>
-            <a:off x="7192200" y="4609800"/>
-            <a:ext cx="1219200" cy="1219200"/>
-          </a:xfrm>
-          <a:prstGeom prst="rect">
-            <a:avLst/>
-          </a:prstGeom>
-        </p:spPr>
-      </p:pic>
-      <p:pic>
-        <p:nvPicPr>
-          <p:cNvPr id="20" name="Picture 19"/>
-          <p:cNvPicPr>
-            <a:picLocks noChangeAspect="1"/>
-          </p:cNvPicPr>
-          <p:nvPr/>
-        </p:nvPicPr>
-        <p:blipFill>
-          <a:blip r:embed="rId20">
-            <a:lum bright="70000" contrast="-70000"/>
-            <a:extLst>
-              <a:ext uri="{28A0092B-C50C-407E-A947-70E740481C1C}">
-                <a14:useLocalDpi xmlns:a14="http://schemas.microsoft.com/office/drawing/2010/main" val="0"/>
-              </a:ext>
-            </a:extLst>
-          </a:blip>
-          <a:stretch>
-            <a:fillRect/>
-          </a:stretch>
-        </p:blipFill>
-        <p:spPr>
-          <a:xfrm>
-            <a:off x="8757800" y="466143"/>
-            <a:ext cx="1219200" cy="1219200"/>
-          </a:xfrm>
-          <a:prstGeom prst="rect">
-            <a:avLst/>
-          </a:prstGeom>
-        </p:spPr>
-      </p:pic>
-      <p:pic>
-        <p:nvPicPr>
-          <p:cNvPr id="21" name="Picture 20"/>
-          <p:cNvPicPr>
-            <a:picLocks noChangeAspect="1"/>
-          </p:cNvPicPr>
-          <p:nvPr/>
-        </p:nvPicPr>
-        <p:blipFill>
-          <a:blip r:embed="rId21">
-            <a:lum bright="70000" contrast="-70000"/>
-            <a:extLst>
-              <a:ext uri="{28A0092B-C50C-407E-A947-70E740481C1C}">
-                <a14:useLocalDpi xmlns:a14="http://schemas.microsoft.com/office/drawing/2010/main" val="0"/>
-              </a:ext>
-            </a:extLst>
-          </a:blip>
-          <a:stretch>
-            <a:fillRect/>
-          </a:stretch>
-        </p:blipFill>
-        <p:spPr>
-          <a:xfrm>
-            <a:off x="8736429" y="3349857"/>
-            <a:ext cx="1219200" cy="1219200"/>
-          </a:xfrm>
-          <a:prstGeom prst="rect">
-            <a:avLst/>
-          </a:prstGeom>
-        </p:spPr>
-      </p:pic>
-      <p:pic>
-        <p:nvPicPr>
-          <p:cNvPr id="22" name="Picture 21"/>
-          <p:cNvPicPr>
-            <a:picLocks noChangeAspect="1"/>
-          </p:cNvPicPr>
-          <p:nvPr/>
-        </p:nvPicPr>
-        <p:blipFill>
-          <a:blip r:embed="rId22">
-            <a:lum bright="70000" contrast="-70000"/>
-            <a:extLst>
-              <a:ext uri="{28A0092B-C50C-407E-A947-70E740481C1C}">
-                <a14:useLocalDpi xmlns:a14="http://schemas.microsoft.com/office/drawing/2010/main" val="0"/>
-              </a:ext>
-            </a:extLst>
-          </a:blip>
-          <a:stretch>
-            <a:fillRect/>
-          </a:stretch>
-        </p:blipFill>
-        <p:spPr>
-          <a:xfrm>
-            <a:off x="8786400" y="1865429"/>
-            <a:ext cx="1219200" cy="1219200"/>
-          </a:xfrm>
-          <a:prstGeom prst="rect">
-            <a:avLst/>
-          </a:prstGeom>
-        </p:spPr>
-      </p:pic>
-      <p:pic>
-        <p:nvPicPr>
-          <p:cNvPr id="23" name="Picture 22"/>
-          <p:cNvPicPr>
-            <a:picLocks noChangeAspect="1"/>
-          </p:cNvPicPr>
-          <p:nvPr/>
-        </p:nvPicPr>
-        <p:blipFill>
-          <a:blip r:embed="rId23">
-            <a:lum bright="70000" contrast="-70000"/>
-            <a:extLst>
-              <a:ext uri="{28A0092B-C50C-407E-A947-70E740481C1C}">
-                <a14:useLocalDpi xmlns:a14="http://schemas.microsoft.com/office/drawing/2010/main" val="0"/>
-              </a:ext>
-            </a:extLst>
-          </a:blip>
-          <a:stretch>
-            <a:fillRect/>
-          </a:stretch>
-        </p:blipFill>
-        <p:spPr>
-          <a:xfrm>
-            <a:off x="8729630" y="4750200"/>
-            <a:ext cx="1219200" cy="1219200"/>
-          </a:xfrm>
-          <a:prstGeom prst="rect">
-            <a:avLst/>
-          </a:prstGeom>
-        </p:spPr>
-      </p:pic>
-      <p:pic>
-        <p:nvPicPr>
-          <p:cNvPr id="24" name="Picture 23"/>
-          <p:cNvPicPr>
-            <a:picLocks noChangeAspect="1"/>
-          </p:cNvPicPr>
-          <p:nvPr/>
-        </p:nvPicPr>
-        <p:blipFill>
-          <a:blip r:embed="rId24">
-            <a:lum bright="70000" contrast="-70000"/>
-            <a:extLst>
-              <a:ext uri="{28A0092B-C50C-407E-A947-70E740481C1C}">
-                <a14:useLocalDpi xmlns:a14="http://schemas.microsoft.com/office/drawing/2010/main" val="0"/>
-              </a:ext>
-            </a:extLst>
-          </a:blip>
-          <a:stretch>
-            <a:fillRect/>
-          </a:stretch>
-        </p:blipFill>
-        <p:spPr>
-          <a:xfrm>
-            <a:off x="10436800" y="3320257"/>
-            <a:ext cx="1219200" cy="1219200"/>
-          </a:xfrm>
-          <a:prstGeom prst="rect">
-            <a:avLst/>
-          </a:prstGeom>
-        </p:spPr>
-      </p:pic>
-      <p:pic>
-        <p:nvPicPr>
-          <p:cNvPr id="25" name="Picture 24"/>
-          <p:cNvPicPr>
-            <a:picLocks noChangeAspect="1"/>
-          </p:cNvPicPr>
-          <p:nvPr/>
-        </p:nvPicPr>
-        <p:blipFill>
-          <a:blip r:embed="rId25">
-            <a:lum bright="70000" contrast="-70000"/>
-            <a:extLst>
-              <a:ext uri="{28A0092B-C50C-407E-A947-70E740481C1C}">
-                <a14:useLocalDpi xmlns:a14="http://schemas.microsoft.com/office/drawing/2010/main" val="0"/>
-              </a:ext>
-            </a:extLst>
-          </a:blip>
-          <a:stretch>
-            <a:fillRect/>
-          </a:stretch>
-        </p:blipFill>
-        <p:spPr>
-          <a:xfrm>
-            <a:off x="10525357" y="1988914"/>
-            <a:ext cx="1219200" cy="1219200"/>
-          </a:xfrm>
-          <a:prstGeom prst="rect">
-            <a:avLst/>
-          </a:prstGeom>
-        </p:spPr>
-      </p:pic>
-      <p:pic>
-        <p:nvPicPr>
-          <p:cNvPr id="26" name="Picture 25"/>
-          <p:cNvPicPr>
-            <a:picLocks noChangeAspect="1"/>
-          </p:cNvPicPr>
-          <p:nvPr/>
-        </p:nvPicPr>
-        <p:blipFill>
-          <a:blip r:embed="rId26">
-            <a:lum bright="70000" contrast="-70000"/>
-            <a:extLst>
-              <a:ext uri="{28A0092B-C50C-407E-A947-70E740481C1C}">
-                <a14:useLocalDpi xmlns:a14="http://schemas.microsoft.com/office/drawing/2010/main" val="0"/>
-              </a:ext>
-            </a:extLst>
-          </a:blip>
-          <a:stretch>
-            <a:fillRect/>
-          </a:stretch>
-        </p:blipFill>
-        <p:spPr>
-          <a:xfrm>
-            <a:off x="10436800" y="466143"/>
-            <a:ext cx="1219200" cy="1219200"/>
-          </a:xfrm>
-          <a:prstGeom prst="rect">
-            <a:avLst/>
-          </a:prstGeom>
-        </p:spPr>
-      </p:pic>
-      <p:pic>
-        <p:nvPicPr>
-          <p:cNvPr id="27" name="Picture 26"/>
-          <p:cNvPicPr>
-            <a:picLocks noChangeAspect="1"/>
-          </p:cNvPicPr>
-          <p:nvPr/>
-        </p:nvPicPr>
-        <p:blipFill>
-          <a:blip r:embed="rId27">
-            <a:lum bright="70000" contrast="-70000"/>
-            <a:extLst>
-              <a:ext uri="{28A0092B-C50C-407E-A947-70E740481C1C}">
-                <a14:useLocalDpi xmlns:a14="http://schemas.microsoft.com/office/drawing/2010/main" val="0"/>
-              </a:ext>
-            </a:extLst>
-          </a:blip>
-          <a:stretch>
-            <a:fillRect/>
-          </a:stretch>
-        </p:blipFill>
-        <p:spPr>
-          <a:xfrm>
-            <a:off x="249658" y="1685343"/>
-            <a:ext cx="1219200" cy="1219200"/>
-          </a:xfrm>
-          <a:prstGeom prst="rect">
-            <a:avLst/>
-          </a:prstGeom>
-        </p:spPr>
-      </p:pic>
-      <p:pic>
-        <p:nvPicPr>
-          <p:cNvPr id="28" name="Picture 27"/>
-          <p:cNvPicPr>
-            <a:picLocks noChangeAspect="1"/>
-          </p:cNvPicPr>
-          <p:nvPr/>
-        </p:nvPicPr>
-        <p:blipFill>
-          <a:blip r:embed="rId28">
-            <a:lum bright="70000" contrast="-70000"/>
-            <a:extLst>
-              <a:ext uri="{28A0092B-C50C-407E-A947-70E740481C1C}">
-                <a14:useLocalDpi xmlns:a14="http://schemas.microsoft.com/office/drawing/2010/main" val="0"/>
-              </a:ext>
-            </a:extLst>
-          </a:blip>
-          <a:stretch>
-            <a:fillRect/>
-          </a:stretch>
-        </p:blipFill>
-        <p:spPr>
-          <a:xfrm>
-            <a:off x="249658" y="325857"/>
-            <a:ext cx="1219200" cy="1219200"/>
-          </a:xfrm>
-          <a:prstGeom prst="rect">
-            <a:avLst/>
-          </a:prstGeom>
-        </p:spPr>
-      </p:pic>
-    </p:spTree>
-    <p:extLst>
-      <p:ext uri="{BB962C8B-B14F-4D97-AF65-F5344CB8AC3E}">
-        <p14:creationId xmlns:p14="http://schemas.microsoft.com/office/powerpoint/2010/main" val="438152526"/>
-      </p:ext>
-    </p:extLst>
-  </p:cSld>
-  <p:clrMapOvr>
-    <a:masterClrMapping/>
-  </p:clrMapOvr>
-</p:sld>
-</file>
-
-<file path=ppt/slides/slide52.xml><?xml version="1.0" encoding="utf-8"?>
-<p:sld xmlns:a="http://schemas.openxmlformats.org/drawingml/2006/main" xmlns:r="http://schemas.openxmlformats.org/officeDocument/2006/relationships" xmlns:p="http://schemas.openxmlformats.org/presentationml/2006/main" show="0">
-  <p:cSld>
-    <p:spTree>
-      <p:nvGrpSpPr>
-        <p:cNvPr id="1" name=""/>
-        <p:cNvGrpSpPr/>
-        <p:nvPr/>
-      </p:nvGrpSpPr>
-      <p:grpSpPr>
-        <a:xfrm>
-          <a:off x="0" y="0"/>
-          <a:ext cx="0" cy="0"/>
-          <a:chOff x="0" y="0"/>
-          <a:chExt cx="0" cy="0"/>
-        </a:xfrm>
-      </p:grpSpPr>
-      <p:pic>
-        <p:nvPicPr>
-          <p:cNvPr id="2" name="Picture 1"/>
-          <p:cNvPicPr>
-            <a:picLocks noChangeAspect="1"/>
-          </p:cNvPicPr>
-          <p:nvPr/>
-        </p:nvPicPr>
-        <p:blipFill>
-          <a:blip r:embed="rId2">
-            <a:lum bright="70000" contrast="-70000"/>
-            <a:extLst>
-              <a:ext uri="{28A0092B-C50C-407E-A947-70E740481C1C}">
-                <a14:useLocalDpi xmlns:a14="http://schemas.microsoft.com/office/drawing/2010/main" val="0"/>
-              </a:ext>
-            </a:extLst>
-          </a:blip>
-          <a:stretch>
-            <a:fillRect/>
-          </a:stretch>
-        </p:blipFill>
-        <p:spPr>
-          <a:xfrm>
-            <a:off x="297543" y="293914"/>
-            <a:ext cx="1219200" cy="1219200"/>
-          </a:xfrm>
-          <a:prstGeom prst="rect">
-            <a:avLst/>
-          </a:prstGeom>
-        </p:spPr>
-      </p:pic>
-      <p:pic>
-        <p:nvPicPr>
-          <p:cNvPr id="3" name="Picture 2"/>
-          <p:cNvPicPr>
-            <a:picLocks noChangeAspect="1"/>
-          </p:cNvPicPr>
-          <p:nvPr/>
-        </p:nvPicPr>
-        <p:blipFill>
-          <a:blip r:embed="rId3">
-            <a:lum bright="70000" contrast="-70000"/>
-            <a:extLst>
-              <a:ext uri="{28A0092B-C50C-407E-A947-70E740481C1C}">
-                <a14:useLocalDpi xmlns:a14="http://schemas.microsoft.com/office/drawing/2010/main" val="0"/>
-              </a:ext>
-            </a:extLst>
-          </a:blip>
-          <a:stretch>
-            <a:fillRect/>
-          </a:stretch>
-        </p:blipFill>
-        <p:spPr>
-          <a:xfrm>
-            <a:off x="297543" y="1670372"/>
-            <a:ext cx="1219200" cy="1219200"/>
-          </a:xfrm>
-          <a:prstGeom prst="rect">
-            <a:avLst/>
-          </a:prstGeom>
-        </p:spPr>
-      </p:pic>
-      <p:pic>
-        <p:nvPicPr>
-          <p:cNvPr id="4" name="Picture 3"/>
-          <p:cNvPicPr>
-            <a:picLocks noChangeAspect="1"/>
-          </p:cNvPicPr>
-          <p:nvPr/>
-        </p:nvPicPr>
-        <p:blipFill>
-          <a:blip r:embed="rId4">
-            <a:lum bright="70000" contrast="-70000"/>
-            <a:extLst>
-              <a:ext uri="{28A0092B-C50C-407E-A947-70E740481C1C}">
-                <a14:useLocalDpi xmlns:a14="http://schemas.microsoft.com/office/drawing/2010/main" val="0"/>
-              </a:ext>
-            </a:extLst>
-          </a:blip>
-          <a:stretch>
-            <a:fillRect/>
-          </a:stretch>
-        </p:blipFill>
-        <p:spPr>
-          <a:xfrm>
-            <a:off x="375086" y="4580546"/>
-            <a:ext cx="1219200" cy="1219200"/>
-          </a:xfrm>
-          <a:prstGeom prst="rect">
-            <a:avLst/>
-          </a:prstGeom>
-        </p:spPr>
-      </p:pic>
-      <p:pic>
-        <p:nvPicPr>
-          <p:cNvPr id="5" name="Picture 4"/>
-          <p:cNvPicPr>
-            <a:picLocks noChangeAspect="1"/>
-          </p:cNvPicPr>
-          <p:nvPr/>
-        </p:nvPicPr>
-        <p:blipFill>
-          <a:blip r:embed="rId5">
-            <a:lum bright="70000" contrast="-70000"/>
-            <a:extLst>
-              <a:ext uri="{28A0092B-C50C-407E-A947-70E740481C1C}">
-                <a14:useLocalDpi xmlns:a14="http://schemas.microsoft.com/office/drawing/2010/main" val="0"/>
-              </a:ext>
-            </a:extLst>
-          </a:blip>
-          <a:stretch>
-            <a:fillRect/>
-          </a:stretch>
-        </p:blipFill>
-        <p:spPr>
-          <a:xfrm>
-            <a:off x="355657" y="3046830"/>
-            <a:ext cx="1219200" cy="1219200"/>
-          </a:xfrm>
-          <a:prstGeom prst="rect">
-            <a:avLst/>
-          </a:prstGeom>
-        </p:spPr>
-      </p:pic>
-      <p:pic>
-        <p:nvPicPr>
-          <p:cNvPr id="6" name="Picture 5"/>
-          <p:cNvPicPr>
-            <a:picLocks noChangeAspect="1"/>
-          </p:cNvPicPr>
-          <p:nvPr/>
-        </p:nvPicPr>
-        <p:blipFill>
-          <a:blip r:embed="rId6">
-            <a:lum bright="70000" contrast="-70000"/>
-            <a:extLst>
-              <a:ext uri="{28A0092B-C50C-407E-A947-70E740481C1C}">
-                <a14:useLocalDpi xmlns:a14="http://schemas.microsoft.com/office/drawing/2010/main" val="0"/>
-              </a:ext>
-            </a:extLst>
-          </a:blip>
-          <a:stretch>
-            <a:fillRect/>
-          </a:stretch>
-        </p:blipFill>
-        <p:spPr>
-          <a:xfrm>
-            <a:off x="2065943" y="219000"/>
-            <a:ext cx="1219200" cy="1219200"/>
-          </a:xfrm>
-          <a:prstGeom prst="rect">
-            <a:avLst/>
-          </a:prstGeom>
-        </p:spPr>
-      </p:pic>
-      <p:pic>
-        <p:nvPicPr>
-          <p:cNvPr id="7" name="Picture 6"/>
-          <p:cNvPicPr>
-            <a:picLocks noChangeAspect="1"/>
-          </p:cNvPicPr>
-          <p:nvPr/>
-        </p:nvPicPr>
-        <p:blipFill>
-          <a:blip r:embed="rId7">
-            <a:lum bright="70000" contrast="-70000"/>
-            <a:extLst>
-              <a:ext uri="{28A0092B-C50C-407E-A947-70E740481C1C}">
-                <a14:useLocalDpi xmlns:a14="http://schemas.microsoft.com/office/drawing/2010/main" val="0"/>
-              </a:ext>
-            </a:extLst>
-          </a:blip>
-          <a:stretch>
-            <a:fillRect/>
-          </a:stretch>
-        </p:blipFill>
-        <p:spPr>
-          <a:xfrm>
-            <a:off x="2065943" y="3100200"/>
-            <a:ext cx="1219200" cy="1219200"/>
-          </a:xfrm>
-          <a:prstGeom prst="rect">
-            <a:avLst/>
-          </a:prstGeom>
-        </p:spPr>
-      </p:pic>
-      <p:pic>
-        <p:nvPicPr>
-          <p:cNvPr id="8" name="Picture 7"/>
-          <p:cNvPicPr>
-            <a:picLocks noChangeAspect="1"/>
-          </p:cNvPicPr>
-          <p:nvPr/>
-        </p:nvPicPr>
-        <p:blipFill>
-          <a:blip r:embed="rId8">
-            <a:lum bright="70000" contrast="-70000"/>
-            <a:extLst>
-              <a:ext uri="{28A0092B-C50C-407E-A947-70E740481C1C}">
-                <a14:useLocalDpi xmlns:a14="http://schemas.microsoft.com/office/drawing/2010/main" val="0"/>
-              </a:ext>
-            </a:extLst>
-          </a:blip>
-          <a:stretch>
-            <a:fillRect/>
-          </a:stretch>
-        </p:blipFill>
-        <p:spPr>
-          <a:xfrm>
-            <a:off x="1974058" y="1670372"/>
-            <a:ext cx="1219200" cy="1219200"/>
-          </a:xfrm>
-          <a:prstGeom prst="rect">
-            <a:avLst/>
-          </a:prstGeom>
-        </p:spPr>
-      </p:pic>
-      <p:pic>
-        <p:nvPicPr>
-          <p:cNvPr id="9" name="Picture 8"/>
-          <p:cNvPicPr>
-            <a:picLocks noChangeAspect="1"/>
-          </p:cNvPicPr>
-          <p:nvPr/>
-        </p:nvPicPr>
-        <p:blipFill>
-          <a:blip r:embed="rId9">
-            <a:lum bright="70000" contrast="-70000"/>
-            <a:extLst>
-              <a:ext uri="{28A0092B-C50C-407E-A947-70E740481C1C}">
-                <a14:useLocalDpi xmlns:a14="http://schemas.microsoft.com/office/drawing/2010/main" val="0"/>
-              </a:ext>
-            </a:extLst>
-          </a:blip>
-          <a:stretch>
-            <a:fillRect/>
-          </a:stretch>
-        </p:blipFill>
-        <p:spPr>
-          <a:xfrm>
-            <a:off x="2030971" y="4594343"/>
-            <a:ext cx="1219200" cy="1219200"/>
-          </a:xfrm>
-          <a:prstGeom prst="rect">
-            <a:avLst/>
-          </a:prstGeom>
-        </p:spPr>
-      </p:pic>
-      <p:pic>
-        <p:nvPicPr>
-          <p:cNvPr id="10" name="Picture 9"/>
-          <p:cNvPicPr>
-            <a:picLocks noChangeAspect="1"/>
-          </p:cNvPicPr>
-          <p:nvPr/>
-        </p:nvPicPr>
-        <p:blipFill>
-          <a:blip r:embed="rId10">
-            <a:lum bright="70000" contrast="-70000"/>
-            <a:extLst>
-              <a:ext uri="{28A0092B-C50C-407E-A947-70E740481C1C}">
-                <a14:useLocalDpi xmlns:a14="http://schemas.microsoft.com/office/drawing/2010/main" val="0"/>
-              </a:ext>
-            </a:extLst>
-          </a:blip>
-          <a:stretch>
-            <a:fillRect/>
-          </a:stretch>
-        </p:blipFill>
-        <p:spPr>
-          <a:xfrm>
-            <a:off x="3834343" y="219000"/>
-            <a:ext cx="1219200" cy="1219200"/>
-          </a:xfrm>
-          <a:prstGeom prst="rect">
-            <a:avLst/>
-          </a:prstGeom>
-        </p:spPr>
-      </p:pic>
-      <p:pic>
-        <p:nvPicPr>
-          <p:cNvPr id="11" name="Picture 10"/>
-          <p:cNvPicPr>
-            <a:picLocks noChangeAspect="1"/>
-          </p:cNvPicPr>
-          <p:nvPr/>
-        </p:nvPicPr>
-        <p:blipFill>
-          <a:blip r:embed="rId11">
-            <a:lum bright="70000" contrast="-70000"/>
-            <a:extLst>
-              <a:ext uri="{28A0092B-C50C-407E-A947-70E740481C1C}">
-                <a14:useLocalDpi xmlns:a14="http://schemas.microsoft.com/office/drawing/2010/main" val="0"/>
-              </a:ext>
-            </a:extLst>
-          </a:blip>
-          <a:stretch>
-            <a:fillRect/>
-          </a:stretch>
-        </p:blipFill>
-        <p:spPr>
-          <a:xfrm>
-            <a:off x="3939743" y="4580546"/>
-            <a:ext cx="1219200" cy="1219200"/>
-          </a:xfrm>
-          <a:prstGeom prst="rect">
-            <a:avLst/>
-          </a:prstGeom>
-        </p:spPr>
-      </p:pic>
-      <p:pic>
-        <p:nvPicPr>
-          <p:cNvPr id="12" name="Picture 11"/>
-          <p:cNvPicPr>
-            <a:picLocks noChangeAspect="1"/>
-          </p:cNvPicPr>
-          <p:nvPr/>
-        </p:nvPicPr>
-        <p:blipFill>
-          <a:blip r:embed="rId12">
-            <a:lum bright="70000" contrast="-70000"/>
-            <a:extLst>
-              <a:ext uri="{28A0092B-C50C-407E-A947-70E740481C1C}">
-                <a14:useLocalDpi xmlns:a14="http://schemas.microsoft.com/office/drawing/2010/main" val="0"/>
-              </a:ext>
-            </a:extLst>
-          </a:blip>
-          <a:stretch>
-            <a:fillRect/>
-          </a:stretch>
-        </p:blipFill>
-        <p:spPr>
-          <a:xfrm>
-            <a:off x="3894857" y="1708115"/>
-            <a:ext cx="1219200" cy="1219200"/>
-          </a:xfrm>
-          <a:prstGeom prst="rect">
-            <a:avLst/>
-          </a:prstGeom>
-        </p:spPr>
-      </p:pic>
-      <p:pic>
-        <p:nvPicPr>
-          <p:cNvPr id="13" name="Picture 12"/>
-          <p:cNvPicPr>
-            <a:picLocks noChangeAspect="1"/>
-          </p:cNvPicPr>
-          <p:nvPr/>
-        </p:nvPicPr>
-        <p:blipFill>
-          <a:blip r:embed="rId13">
-            <a:lum bright="70000" contrast="-70000"/>
-            <a:extLst>
-              <a:ext uri="{28A0092B-C50C-407E-A947-70E740481C1C}">
-                <a14:useLocalDpi xmlns:a14="http://schemas.microsoft.com/office/drawing/2010/main" val="0"/>
-              </a:ext>
-            </a:extLst>
-          </a:blip>
-          <a:stretch>
-            <a:fillRect/>
-          </a:stretch>
-        </p:blipFill>
-        <p:spPr>
-          <a:xfrm>
-            <a:off x="3941886" y="3046830"/>
-            <a:ext cx="1219200" cy="1219200"/>
-          </a:xfrm>
-          <a:prstGeom prst="rect">
-            <a:avLst/>
-          </a:prstGeom>
-        </p:spPr>
-      </p:pic>
-      <p:pic>
-        <p:nvPicPr>
-          <p:cNvPr id="14" name="Picture 13"/>
-          <p:cNvPicPr>
-            <a:picLocks noChangeAspect="1"/>
-          </p:cNvPicPr>
-          <p:nvPr/>
-        </p:nvPicPr>
-        <p:blipFill>
-          <a:blip r:embed="rId14">
-            <a:lum bright="70000" contrast="-70000"/>
-            <a:extLst>
-              <a:ext uri="{28A0092B-C50C-407E-A947-70E740481C1C}">
-                <a14:useLocalDpi xmlns:a14="http://schemas.microsoft.com/office/drawing/2010/main" val="0"/>
-              </a:ext>
-            </a:extLst>
-          </a:blip>
-          <a:stretch>
-            <a:fillRect/>
-          </a:stretch>
-        </p:blipFill>
-        <p:spPr>
-          <a:xfrm>
-            <a:off x="5571372" y="1767343"/>
-            <a:ext cx="1219200" cy="1219200"/>
-          </a:xfrm>
-          <a:prstGeom prst="rect">
-            <a:avLst/>
-          </a:prstGeom>
-        </p:spPr>
-      </p:pic>
-      <p:pic>
-        <p:nvPicPr>
-          <p:cNvPr id="15" name="Picture 14"/>
-          <p:cNvPicPr>
-            <a:picLocks noChangeAspect="1"/>
-          </p:cNvPicPr>
-          <p:nvPr/>
-        </p:nvPicPr>
-        <p:blipFill>
-          <a:blip r:embed="rId15">
-            <a:lum bright="70000" contrast="-70000"/>
-            <a:extLst>
-              <a:ext uri="{28A0092B-C50C-407E-A947-70E740481C1C}">
-                <a14:useLocalDpi xmlns:a14="http://schemas.microsoft.com/office/drawing/2010/main" val="0"/>
-              </a:ext>
-            </a:extLst>
-          </a:blip>
-          <a:stretch>
-            <a:fillRect/>
-          </a:stretch>
-        </p:blipFill>
-        <p:spPr>
-          <a:xfrm>
-            <a:off x="5602743" y="293914"/>
-            <a:ext cx="1219200" cy="1219200"/>
-          </a:xfrm>
-          <a:prstGeom prst="rect">
-            <a:avLst/>
-          </a:prstGeom>
-        </p:spPr>
-      </p:pic>
-      <p:pic>
-        <p:nvPicPr>
-          <p:cNvPr id="16" name="Picture 15"/>
-          <p:cNvPicPr>
-            <a:picLocks noChangeAspect="1"/>
-          </p:cNvPicPr>
-          <p:nvPr/>
-        </p:nvPicPr>
-        <p:blipFill>
-          <a:blip r:embed="rId16">
-            <a:lum bright="70000" contrast="-70000"/>
-            <a:extLst>
-              <a:ext uri="{28A0092B-C50C-407E-A947-70E740481C1C}">
-                <a14:useLocalDpi xmlns:a14="http://schemas.microsoft.com/office/drawing/2010/main" val="0"/>
-              </a:ext>
-            </a:extLst>
-          </a:blip>
-          <a:stretch>
-            <a:fillRect/>
-          </a:stretch>
-        </p:blipFill>
-        <p:spPr>
-          <a:xfrm>
-            <a:off x="5571372" y="3240772"/>
-            <a:ext cx="1219200" cy="1219200"/>
-          </a:xfrm>
-          <a:prstGeom prst="rect">
-            <a:avLst/>
-          </a:prstGeom>
-        </p:spPr>
-      </p:pic>
-      <p:pic>
-        <p:nvPicPr>
-          <p:cNvPr id="17" name="Picture 16"/>
-          <p:cNvPicPr>
-            <a:picLocks noChangeAspect="1"/>
-          </p:cNvPicPr>
-          <p:nvPr/>
-        </p:nvPicPr>
-        <p:blipFill>
-          <a:blip r:embed="rId17">
-            <a:lum bright="70000" contrast="-70000"/>
-            <a:extLst>
-              <a:ext uri="{28A0092B-C50C-407E-A947-70E740481C1C}">
-                <a14:useLocalDpi xmlns:a14="http://schemas.microsoft.com/office/drawing/2010/main" val="0"/>
-              </a:ext>
-            </a:extLst>
-          </a:blip>
-          <a:stretch>
-            <a:fillRect/>
-          </a:stretch>
-        </p:blipFill>
-        <p:spPr>
-          <a:xfrm>
-            <a:off x="7117200" y="388543"/>
-            <a:ext cx="1219200" cy="1219200"/>
-          </a:xfrm>
-          <a:prstGeom prst="rect">
-            <a:avLst/>
-          </a:prstGeom>
-        </p:spPr>
-      </p:pic>
-      <p:pic>
-        <p:nvPicPr>
-          <p:cNvPr id="18" name="Picture 17"/>
-          <p:cNvPicPr>
-            <a:picLocks noChangeAspect="1"/>
-          </p:cNvPicPr>
-          <p:nvPr/>
-        </p:nvPicPr>
-        <p:blipFill>
-          <a:blip r:embed="rId18">
-            <a:lum bright="70000" contrast="-70000"/>
-            <a:extLst>
-              <a:ext uri="{28A0092B-C50C-407E-A947-70E740481C1C}">
-                <a14:useLocalDpi xmlns:a14="http://schemas.microsoft.com/office/drawing/2010/main" val="0"/>
-              </a:ext>
-            </a:extLst>
-          </a:blip>
-          <a:stretch>
-            <a:fillRect/>
-          </a:stretch>
-        </p:blipFill>
-        <p:spPr>
-          <a:xfrm>
-            <a:off x="7211944" y="1819487"/>
-            <a:ext cx="1219200" cy="1219200"/>
-          </a:xfrm>
-          <a:prstGeom prst="rect">
-            <a:avLst/>
-          </a:prstGeom>
-        </p:spPr>
-      </p:pic>
-      <p:pic>
-        <p:nvPicPr>
-          <p:cNvPr id="19" name="Picture 18"/>
-          <p:cNvPicPr>
-            <a:picLocks noChangeAspect="1"/>
-          </p:cNvPicPr>
-          <p:nvPr/>
-        </p:nvPicPr>
-        <p:blipFill>
-          <a:blip r:embed="rId19">
-            <a:lum bright="70000" contrast="-70000"/>
-            <a:extLst>
-              <a:ext uri="{28A0092B-C50C-407E-A947-70E740481C1C}">
-                <a14:useLocalDpi xmlns:a14="http://schemas.microsoft.com/office/drawing/2010/main" val="0"/>
-              </a:ext>
-            </a:extLst>
-          </a:blip>
-          <a:stretch>
-            <a:fillRect/>
-          </a:stretch>
-        </p:blipFill>
-        <p:spPr>
-          <a:xfrm>
-            <a:off x="5624857" y="4609800"/>
-            <a:ext cx="1219200" cy="1219200"/>
-          </a:xfrm>
-          <a:prstGeom prst="rect">
-            <a:avLst/>
-          </a:prstGeom>
-        </p:spPr>
-      </p:pic>
-      <p:pic>
-        <p:nvPicPr>
-          <p:cNvPr id="20" name="Picture 19"/>
-          <p:cNvPicPr>
-            <a:picLocks noChangeAspect="1"/>
-          </p:cNvPicPr>
-          <p:nvPr/>
-        </p:nvPicPr>
-        <p:blipFill>
-          <a:blip r:embed="rId20">
-            <a:lum bright="70000" contrast="-70000"/>
-            <a:extLst>
-              <a:ext uri="{28A0092B-C50C-407E-A947-70E740481C1C}">
-                <a14:useLocalDpi xmlns:a14="http://schemas.microsoft.com/office/drawing/2010/main" val="0"/>
-              </a:ext>
-            </a:extLst>
-          </a:blip>
-          <a:stretch>
-            <a:fillRect/>
-          </a:stretch>
-        </p:blipFill>
-        <p:spPr>
-          <a:xfrm>
-            <a:off x="7284514" y="3295545"/>
-            <a:ext cx="1219200" cy="1219200"/>
-          </a:xfrm>
-          <a:prstGeom prst="rect">
-            <a:avLst/>
-          </a:prstGeom>
-        </p:spPr>
-      </p:pic>
-      <p:pic>
-        <p:nvPicPr>
-          <p:cNvPr id="21" name="Picture 20"/>
-          <p:cNvPicPr>
-            <a:picLocks noChangeAspect="1"/>
-          </p:cNvPicPr>
-          <p:nvPr/>
-        </p:nvPicPr>
-        <p:blipFill>
-          <a:blip r:embed="rId21">
-            <a:lum bright="70000" contrast="-70000"/>
-            <a:extLst>
-              <a:ext uri="{28A0092B-C50C-407E-A947-70E740481C1C}">
-                <a14:useLocalDpi xmlns:a14="http://schemas.microsoft.com/office/drawing/2010/main" val="0"/>
-              </a:ext>
-            </a:extLst>
-          </a:blip>
-          <a:stretch>
-            <a:fillRect/>
-          </a:stretch>
-        </p:blipFill>
-        <p:spPr>
-          <a:xfrm>
-            <a:off x="7309971" y="4675172"/>
-            <a:ext cx="1219200" cy="1219200"/>
-          </a:xfrm>
-          <a:prstGeom prst="rect">
-            <a:avLst/>
-          </a:prstGeom>
-        </p:spPr>
-      </p:pic>
-      <p:pic>
-        <p:nvPicPr>
-          <p:cNvPr id="22" name="Picture 21"/>
-          <p:cNvPicPr>
-            <a:picLocks noChangeAspect="1"/>
-          </p:cNvPicPr>
-          <p:nvPr/>
-        </p:nvPicPr>
-        <p:blipFill>
-          <a:blip r:embed="rId22">
-            <a:lum bright="70000" contrast="-70000"/>
-            <a:extLst>
-              <a:ext uri="{28A0092B-C50C-407E-A947-70E740481C1C}">
-                <a14:useLocalDpi xmlns:a14="http://schemas.microsoft.com/office/drawing/2010/main" val="0"/>
-              </a:ext>
-            </a:extLst>
-          </a:blip>
-          <a:stretch>
-            <a:fillRect/>
-          </a:stretch>
-        </p:blipFill>
-        <p:spPr>
-          <a:xfrm>
-            <a:off x="8636400" y="399829"/>
-            <a:ext cx="1219200" cy="1219200"/>
-          </a:xfrm>
-          <a:prstGeom prst="rect">
-            <a:avLst/>
-          </a:prstGeom>
-        </p:spPr>
-      </p:pic>
-      <p:pic>
-        <p:nvPicPr>
-          <p:cNvPr id="23" name="Picture 22"/>
-          <p:cNvPicPr>
-            <a:picLocks noChangeAspect="1"/>
-          </p:cNvPicPr>
-          <p:nvPr/>
-        </p:nvPicPr>
-        <p:blipFill>
-          <a:blip r:embed="rId23">
-            <a:lum bright="70000" contrast="-70000"/>
-            <a:extLst>
-              <a:ext uri="{28A0092B-C50C-407E-A947-70E740481C1C}">
-                <a14:useLocalDpi xmlns:a14="http://schemas.microsoft.com/office/drawing/2010/main" val="0"/>
-              </a:ext>
-            </a:extLst>
-          </a:blip>
-          <a:stretch>
-            <a:fillRect/>
-          </a:stretch>
-        </p:blipFill>
-        <p:spPr>
-          <a:xfrm>
-            <a:off x="10392629" y="488915"/>
-            <a:ext cx="1219200" cy="1219200"/>
-          </a:xfrm>
-          <a:prstGeom prst="rect">
-            <a:avLst/>
-          </a:prstGeom>
-        </p:spPr>
-      </p:pic>
-      <p:pic>
-        <p:nvPicPr>
-          <p:cNvPr id="24" name="Picture 23"/>
-          <p:cNvPicPr>
-            <a:picLocks noChangeAspect="1"/>
-          </p:cNvPicPr>
-          <p:nvPr/>
-        </p:nvPicPr>
-        <p:blipFill>
-          <a:blip r:embed="rId24">
-            <a:lum bright="70000" contrast="-70000"/>
-            <a:extLst>
-              <a:ext uri="{28A0092B-C50C-407E-A947-70E740481C1C}">
-                <a14:useLocalDpi xmlns:a14="http://schemas.microsoft.com/office/drawing/2010/main" val="0"/>
-              </a:ext>
-            </a:extLst>
-          </a:blip>
-          <a:stretch>
-            <a:fillRect/>
-          </a:stretch>
-        </p:blipFill>
-        <p:spPr>
-          <a:xfrm>
-            <a:off x="8731257" y="1827630"/>
-            <a:ext cx="1219200" cy="1219200"/>
-          </a:xfrm>
-          <a:prstGeom prst="rect">
-            <a:avLst/>
-          </a:prstGeom>
-        </p:spPr>
-      </p:pic>
-      <p:pic>
-        <p:nvPicPr>
-          <p:cNvPr id="25" name="Picture 24"/>
-          <p:cNvPicPr>
-            <a:picLocks noChangeAspect="1"/>
-          </p:cNvPicPr>
-          <p:nvPr/>
-        </p:nvPicPr>
-        <p:blipFill>
-          <a:blip r:embed="rId25">
-            <a:lum bright="70000" contrast="-70000"/>
-            <a:extLst>
-              <a:ext uri="{28A0092B-C50C-407E-A947-70E740481C1C}">
-                <a14:useLocalDpi xmlns:a14="http://schemas.microsoft.com/office/drawing/2010/main" val="0"/>
-              </a:ext>
-            </a:extLst>
-          </a:blip>
-          <a:stretch>
-            <a:fillRect/>
-          </a:stretch>
-        </p:blipFill>
-        <p:spPr>
-          <a:xfrm>
-            <a:off x="8784057" y="4774428"/>
-            <a:ext cx="1219200" cy="1219200"/>
-          </a:xfrm>
-          <a:prstGeom prst="rect">
-            <a:avLst/>
-          </a:prstGeom>
-        </p:spPr>
-      </p:pic>
-      <p:pic>
-        <p:nvPicPr>
-          <p:cNvPr id="26" name="Picture 25"/>
-          <p:cNvPicPr>
-            <a:picLocks noChangeAspect="1"/>
-          </p:cNvPicPr>
-          <p:nvPr/>
-        </p:nvPicPr>
-        <p:blipFill>
-          <a:blip r:embed="rId26">
-            <a:lum bright="70000" contrast="-70000"/>
-            <a:extLst>
-              <a:ext uri="{28A0092B-C50C-407E-A947-70E740481C1C}">
-                <a14:useLocalDpi xmlns:a14="http://schemas.microsoft.com/office/drawing/2010/main" val="0"/>
-              </a:ext>
-            </a:extLst>
-          </a:blip>
-          <a:stretch>
-            <a:fillRect/>
-          </a:stretch>
-        </p:blipFill>
-        <p:spPr>
-          <a:xfrm>
-            <a:off x="10396399" y="3390600"/>
-            <a:ext cx="1219200" cy="1219200"/>
-          </a:xfrm>
-          <a:prstGeom prst="rect">
-            <a:avLst/>
-          </a:prstGeom>
-        </p:spPr>
-      </p:pic>
-      <p:pic>
-        <p:nvPicPr>
-          <p:cNvPr id="27" name="Picture 26"/>
-          <p:cNvPicPr>
-            <a:picLocks noChangeAspect="1"/>
-          </p:cNvPicPr>
-          <p:nvPr/>
-        </p:nvPicPr>
-        <p:blipFill>
-          <a:blip r:embed="rId27">
-            <a:lum bright="70000" contrast="-70000"/>
-            <a:extLst>
-              <a:ext uri="{28A0092B-C50C-407E-A947-70E740481C1C}">
-                <a14:useLocalDpi xmlns:a14="http://schemas.microsoft.com/office/drawing/2010/main" val="0"/>
-              </a:ext>
-            </a:extLst>
-          </a:blip>
-          <a:stretch>
-            <a:fillRect/>
-          </a:stretch>
-        </p:blipFill>
-        <p:spPr>
-          <a:xfrm>
-            <a:off x="10349658" y="2076345"/>
-            <a:ext cx="1219200" cy="1219200"/>
-          </a:xfrm>
-          <a:prstGeom prst="rect">
-            <a:avLst/>
-          </a:prstGeom>
-        </p:spPr>
-      </p:pic>
-      <p:pic>
-        <p:nvPicPr>
-          <p:cNvPr id="28" name="Picture 27"/>
-          <p:cNvPicPr>
-            <a:picLocks noChangeAspect="1"/>
-          </p:cNvPicPr>
-          <p:nvPr/>
-        </p:nvPicPr>
-        <p:blipFill>
-          <a:blip r:embed="rId28">
-            <a:lum bright="70000" contrast="-70000"/>
-            <a:extLst>
-              <a:ext uri="{28A0092B-C50C-407E-A947-70E740481C1C}">
-                <a14:useLocalDpi xmlns:a14="http://schemas.microsoft.com/office/drawing/2010/main" val="0"/>
-              </a:ext>
-            </a:extLst>
-          </a:blip>
-          <a:stretch>
-            <a:fillRect/>
-          </a:stretch>
-        </p:blipFill>
-        <p:spPr>
-          <a:xfrm>
-            <a:off x="8773943" y="3438915"/>
-            <a:ext cx="1219200" cy="1219200"/>
-          </a:xfrm>
-          <a:prstGeom prst="rect">
-            <a:avLst/>
-          </a:prstGeom>
-        </p:spPr>
-      </p:pic>
-    </p:spTree>
-    <p:extLst>
-      <p:ext uri="{BB962C8B-B14F-4D97-AF65-F5344CB8AC3E}">
-        <p14:creationId xmlns:p14="http://schemas.microsoft.com/office/powerpoint/2010/main" val="214978686"/>
-      </p:ext>
-    </p:extLst>
-  </p:cSld>
-  <p:clrMapOvr>
-    <a:masterClrMapping/>
-  </p:clrMapOvr>
-</p:sld>
-</file>
-
-<file path=ppt/slides/slide53.xml><?xml version="1.0" encoding="utf-8"?>
-<p:sld xmlns:a="http://schemas.openxmlformats.org/drawingml/2006/main" xmlns:r="http://schemas.openxmlformats.org/officeDocument/2006/relationships" xmlns:p="http://schemas.openxmlformats.org/presentationml/2006/main" show="0">
-  <p:cSld>
-    <p:spTree>
-      <p:nvGrpSpPr>
-        <p:cNvPr id="1" name=""/>
-        <p:cNvGrpSpPr/>
-        <p:nvPr/>
-      </p:nvGrpSpPr>
-      <p:grpSpPr>
-        <a:xfrm>
-          <a:off x="0" y="0"/>
-          <a:ext cx="0" cy="0"/>
-          <a:chOff x="0" y="0"/>
-          <a:chExt cx="0" cy="0"/>
-        </a:xfrm>
-      </p:grpSpPr>
-      <p:pic>
-        <p:nvPicPr>
-          <p:cNvPr id="2" name="Picture 1"/>
-          <p:cNvPicPr>
-            <a:picLocks noChangeAspect="1"/>
-          </p:cNvPicPr>
-          <p:nvPr/>
-        </p:nvPicPr>
-        <p:blipFill>
-          <a:blip r:embed="rId2">
-            <a:lum bright="70000" contrast="-70000"/>
-            <a:extLst>
-              <a:ext uri="{28A0092B-C50C-407E-A947-70E740481C1C}">
-                <a14:useLocalDpi xmlns:a14="http://schemas.microsoft.com/office/drawing/2010/main" val="0"/>
-              </a:ext>
-            </a:extLst>
-          </a:blip>
-          <a:stretch>
-            <a:fillRect/>
-          </a:stretch>
-        </p:blipFill>
-        <p:spPr>
-          <a:xfrm>
             <a:off x="304800" y="373743"/>
             <a:ext cx="1219200" cy="1219200"/>
           </a:xfrm>
@@ -18123,7 +17877,7 @@
 </p:sld>
 </file>
 
-<file path=ppt/slides/slide54.xml><?xml version="1.0" encoding="utf-8"?>
+<file path=ppt/slides/slide52.xml><?xml version="1.0" encoding="utf-8"?>
 <p:sld xmlns:a="http://schemas.openxmlformats.org/drawingml/2006/main" xmlns:r="http://schemas.openxmlformats.org/officeDocument/2006/relationships" xmlns:p="http://schemas.openxmlformats.org/presentationml/2006/main" show="0">
   <p:cSld>
     <p:spTree>
@@ -19580,15 +19334,6 @@
 </file>
 
 <file path=customXml/item1.xml><?xml version="1.0" encoding="utf-8"?>
-<?mso-contentType ?>
-<FormTemplates xmlns="http://schemas.microsoft.com/sharepoint/v3/contenttype/forms">
-  <Display>DocumentLibraryForm</Display>
-  <Edit>DocumentLibraryForm</Edit>
-  <New>DocumentLibraryForm</New>
-</FormTemplates>
-</file>
-
-<file path=customXml/item2.xml><?xml version="1.0" encoding="utf-8"?>
 <ct:contentTypeSchema xmlns:ct="http://schemas.microsoft.com/office/2006/metadata/contentType" xmlns:ma="http://schemas.microsoft.com/office/2006/metadata/properties/metaAttributes" ct:_="" ma:_="" ma:contentTypeName="Document" ma:contentTypeID="0x010100CFD7474EC5F9804A8C0915A0D2B3E72B" ma:contentTypeVersion="6" ma:contentTypeDescription="Create a new document." ma:contentTypeScope="" ma:versionID="1e506071d132a47b68c5589909b09f0e">
   <xsd:schema xmlns:xsd="http://www.w3.org/2001/XMLSchema" xmlns:xs="http://www.w3.org/2001/XMLSchema" xmlns:p="http://schemas.microsoft.com/office/2006/metadata/properties" xmlns:ns2="437d3976-146d-487e-9b32-45ade7cdb3c3" xmlns:ns3="ba924082-f255-4689-bc14-7c311a17681c" targetNamespace="http://schemas.microsoft.com/office/2006/metadata/properties" ma:root="true" ma:fieldsID="d9451a99ae5dfcf301f63b02ef9f83d5" ns2:_="" ns3:_="">
     <xsd:import namespace="437d3976-146d-487e-9b32-45ade7cdb3c3"/>
@@ -19767,6 +19512,15 @@
 </ct:contentTypeSchema>
 </file>
 
+<file path=customXml/item2.xml><?xml version="1.0" encoding="utf-8"?>
+<?mso-contentType ?>
+<FormTemplates xmlns="http://schemas.microsoft.com/sharepoint/v3/contenttype/forms">
+  <Display>DocumentLibraryForm</Display>
+  <Edit>DocumentLibraryForm</Edit>
+  <New>DocumentLibraryForm</New>
+</FormTemplates>
+</file>
+
 <file path=customXml/item3.xml><?xml version="1.0" encoding="utf-8"?>
 <p:properties xmlns:p="http://schemas.microsoft.com/office/2006/metadata/properties" xmlns:xsi="http://www.w3.org/2001/XMLSchema-instance" xmlns:pc="http://schemas.microsoft.com/office/infopath/2007/PartnerControls">
   <documentManagement/>
@@ -19774,14 +19528,6 @@
 </file>
 
 <file path=customXml/itemProps1.xml><?xml version="1.0" encoding="utf-8"?>
-<ds:datastoreItem xmlns:ds="http://schemas.openxmlformats.org/officeDocument/2006/customXml" ds:itemID="{8F9099B0-B9E3-45A6-848D-7EA25626C078}">
-  <ds:schemaRefs>
-    <ds:schemaRef ds:uri="http://schemas.microsoft.com/sharepoint/v3/contenttype/forms"/>
-  </ds:schemaRefs>
-</ds:datastoreItem>
-</file>
-
-<file path=customXml/itemProps2.xml><?xml version="1.0" encoding="utf-8"?>
 <ds:datastoreItem xmlns:ds="http://schemas.openxmlformats.org/officeDocument/2006/customXml" ds:itemID="{1881FD18-C877-47D9-A9C8-9B9EB7A5D424}">
   <ds:schemaRefs>
     <ds:schemaRef ds:uri="http://schemas.microsoft.com/office/2006/metadata/contentType"/>
@@ -19796,6 +19542,14 @@
     <ds:schemaRef ds:uri="http://purl.org/dc/elements/1.1/"/>
     <ds:schemaRef ds:uri="http://purl.org/dc/terms/"/>
     <ds:schemaRef ds:uri="http://schemas.microsoft.com/internal/obd"/>
+  </ds:schemaRefs>
+</ds:datastoreItem>
+</file>
+
+<file path=customXml/itemProps2.xml><?xml version="1.0" encoding="utf-8"?>
+<ds:datastoreItem xmlns:ds="http://schemas.openxmlformats.org/officeDocument/2006/customXml" ds:itemID="{8F9099B0-B9E3-45A6-848D-7EA25626C078}">
+  <ds:schemaRefs>
+    <ds:schemaRef ds:uri="http://schemas.microsoft.com/sharepoint/v3/contenttype/forms"/>
   </ds:schemaRefs>
 </ds:datastoreItem>
 </file>

--- a/Pester Practically Perfect PowerShell.pptx
+++ b/Pester Practically Perfect PowerShell.pptx
@@ -1734,7 +1734,15 @@
           <a:p>
             <a:r>
               <a:rPr lang="en-US" dirty="0"/>
-              <a:t>The majority of the tests we you are going to write are unit tests.</a:t>
+              <a:t>After running this through some list that are hundreds of thousands of items</a:t>
+            </a:r>
+            <a:r>
+              <a:rPr lang="en-US"/>
+              <a:t>, its time </a:t>
+            </a:r>
+            <a:r>
+              <a:rPr lang="en-US" dirty="0"/>
+              <a:t>to convert to an array list</a:t>
             </a:r>
           </a:p>
         </p:txBody>
@@ -1756,7 +1764,7 @@
           <a:p>
             <a:fld id="{C7B05CAA-7DFD-4456-A943-C499583EE113}" type="slidenum">
               <a:rPr lang="en-US" smtClean="0"/>
-              <a:t>26</a:t>
+              <a:t>25</a:t>
             </a:fld>
             <a:endParaRPr lang="en-US"/>
           </a:p>
@@ -1765,7 +1773,7 @@
     </p:spTree>
     <p:extLst>
       <p:ext uri="{BB962C8B-B14F-4D97-AF65-F5344CB8AC3E}">
-        <p14:creationId xmlns:p14="http://schemas.microsoft.com/office/powerpoint/2010/main" val="1362832935"/>
+        <p14:creationId xmlns:p14="http://schemas.microsoft.com/office/powerpoint/2010/main" val="1737998889"/>
       </p:ext>
     </p:extLst>
   </p:cSld>
@@ -1821,15 +1829,7 @@
           <a:p>
             <a:r>
               <a:rPr lang="en-US" dirty="0"/>
-              <a:t>The version of Pester in windows 10 does not have New-</a:t>
-            </a:r>
-            <a:r>
-              <a:rPr lang="en-US" dirty="0" err="1"/>
-              <a:t>MockObject</a:t>
-            </a:r>
-            <a:r>
-              <a:rPr lang="en-US" dirty="0"/>
-              <a:t>.</a:t>
+              <a:t>The majority of the tests we you are going to write are unit tests.</a:t>
             </a:r>
           </a:p>
         </p:txBody>
@@ -1851,7 +1851,7 @@
           <a:p>
             <a:fld id="{C7B05CAA-7DFD-4456-A943-C499583EE113}" type="slidenum">
               <a:rPr lang="en-US" smtClean="0"/>
-              <a:t>27</a:t>
+              <a:t>26</a:t>
             </a:fld>
             <a:endParaRPr lang="en-US"/>
           </a:p>
@@ -1860,7 +1860,7 @@
     </p:spTree>
     <p:extLst>
       <p:ext uri="{BB962C8B-B14F-4D97-AF65-F5344CB8AC3E}">
-        <p14:creationId xmlns:p14="http://schemas.microsoft.com/office/powerpoint/2010/main" val="860753340"/>
+        <p14:creationId xmlns:p14="http://schemas.microsoft.com/office/powerpoint/2010/main" val="1362832935"/>
       </p:ext>
     </p:extLst>
   </p:cSld>
@@ -1916,7 +1916,15 @@
           <a:p>
             <a:r>
               <a:rPr lang="en-US" dirty="0"/>
-              <a:t>What the heck happens if a property you are trying to search for doesn’t exist?</a:t>
+              <a:t>The version of Pester in windows 10 does not have New-</a:t>
+            </a:r>
+            <a:r>
+              <a:rPr lang="en-US" dirty="0" err="1"/>
+              <a:t>MockObject</a:t>
+            </a:r>
+            <a:r>
+              <a:rPr lang="en-US" dirty="0"/>
+              <a:t>.</a:t>
             </a:r>
           </a:p>
         </p:txBody>
@@ -1938,7 +1946,7 @@
           <a:p>
             <a:fld id="{C7B05CAA-7DFD-4456-A943-C499583EE113}" type="slidenum">
               <a:rPr lang="en-US" smtClean="0"/>
-              <a:t>28</a:t>
+              <a:t>27</a:t>
             </a:fld>
             <a:endParaRPr lang="en-US"/>
           </a:p>
@@ -1947,7 +1955,7 @@
     </p:spTree>
     <p:extLst>
       <p:ext uri="{BB962C8B-B14F-4D97-AF65-F5344CB8AC3E}">
-        <p14:creationId xmlns:p14="http://schemas.microsoft.com/office/powerpoint/2010/main" val="1892057454"/>
+        <p14:creationId xmlns:p14="http://schemas.microsoft.com/office/powerpoint/2010/main" val="860753340"/>
       </p:ext>
     </p:extLst>
   </p:cSld>
@@ -2003,7 +2011,7 @@
           <a:p>
             <a:r>
               <a:rPr lang="en-US" dirty="0"/>
-              <a:t>The majority of the tests we you are going to write are unit tests.</a:t>
+              <a:t>What the heck happens if a property you are trying to search for doesn’t exist?</a:t>
             </a:r>
           </a:p>
         </p:txBody>
@@ -2025,7 +2033,7 @@
           <a:p>
             <a:fld id="{C7B05CAA-7DFD-4456-A943-C499583EE113}" type="slidenum">
               <a:rPr lang="en-US" smtClean="0"/>
-              <a:t>30</a:t>
+              <a:t>28</a:t>
             </a:fld>
             <a:endParaRPr lang="en-US"/>
           </a:p>
@@ -2034,7 +2042,7 @@
     </p:spTree>
     <p:extLst>
       <p:ext uri="{BB962C8B-B14F-4D97-AF65-F5344CB8AC3E}">
-        <p14:creationId xmlns:p14="http://schemas.microsoft.com/office/powerpoint/2010/main" val="2335363100"/>
+        <p14:creationId xmlns:p14="http://schemas.microsoft.com/office/powerpoint/2010/main" val="1892057454"/>
       </p:ext>
     </p:extLst>
   </p:cSld>
@@ -2112,6 +2120,93 @@
           <a:p>
             <a:fld id="{C7B05CAA-7DFD-4456-A943-C499583EE113}" type="slidenum">
               <a:rPr lang="en-US" smtClean="0"/>
+              <a:t>30</a:t>
+            </a:fld>
+            <a:endParaRPr lang="en-US"/>
+          </a:p>
+        </p:txBody>
+      </p:sp>
+    </p:spTree>
+    <p:extLst>
+      <p:ext uri="{BB962C8B-B14F-4D97-AF65-F5344CB8AC3E}">
+        <p14:creationId xmlns:p14="http://schemas.microsoft.com/office/powerpoint/2010/main" val="2335363100"/>
+      </p:ext>
+    </p:extLst>
+  </p:cSld>
+  <p:clrMapOvr>
+    <a:masterClrMapping/>
+  </p:clrMapOvr>
+</p:notes>
+</file>
+
+<file path=ppt/notesSlides/notesSlide25.xml><?xml version="1.0" encoding="utf-8"?>
+<p:notes xmlns:a="http://schemas.openxmlformats.org/drawingml/2006/main" xmlns:r="http://schemas.openxmlformats.org/officeDocument/2006/relationships" xmlns:p="http://schemas.openxmlformats.org/presentationml/2006/main">
+  <p:cSld>
+    <p:spTree>
+      <p:nvGrpSpPr>
+        <p:cNvPr id="1" name=""/>
+        <p:cNvGrpSpPr/>
+        <p:nvPr/>
+      </p:nvGrpSpPr>
+      <p:grpSpPr>
+        <a:xfrm>
+          <a:off x="0" y="0"/>
+          <a:ext cx="0" cy="0"/>
+          <a:chOff x="0" y="0"/>
+          <a:chExt cx="0" cy="0"/>
+        </a:xfrm>
+      </p:grpSpPr>
+      <p:sp>
+        <p:nvSpPr>
+          <p:cNvPr id="2" name="Slide Image Placeholder 1"/>
+          <p:cNvSpPr>
+            <a:spLocks noGrp="1" noRot="1" noChangeAspect="1"/>
+          </p:cNvSpPr>
+          <p:nvPr>
+            <p:ph type="sldImg"/>
+          </p:nvPr>
+        </p:nvSpPr>
+        <p:spPr/>
+      </p:sp>
+      <p:sp>
+        <p:nvSpPr>
+          <p:cNvPr id="3" name="Notes Placeholder 2"/>
+          <p:cNvSpPr>
+            <a:spLocks noGrp="1"/>
+          </p:cNvSpPr>
+          <p:nvPr>
+            <p:ph type="body" idx="1"/>
+          </p:nvPr>
+        </p:nvSpPr>
+        <p:spPr/>
+        <p:txBody>
+          <a:bodyPr/>
+          <a:lstStyle/>
+          <a:p>
+            <a:r>
+              <a:rPr lang="en-US" dirty="0"/>
+              <a:t>The majority of the tests we you are going to write are unit tests.</a:t>
+            </a:r>
+          </a:p>
+        </p:txBody>
+      </p:sp>
+      <p:sp>
+        <p:nvSpPr>
+          <p:cNvPr id="4" name="Slide Number Placeholder 3"/>
+          <p:cNvSpPr>
+            <a:spLocks noGrp="1"/>
+          </p:cNvSpPr>
+          <p:nvPr>
+            <p:ph type="sldNum" sz="quarter" idx="5"/>
+          </p:nvPr>
+        </p:nvSpPr>
+        <p:spPr/>
+        <p:txBody>
+          <a:bodyPr/>
+          <a:lstStyle/>
+          <a:p>
+            <a:fld id="{C7B05CAA-7DFD-4456-A943-C499583EE113}" type="slidenum">
+              <a:rPr lang="en-US" smtClean="0"/>
               <a:t>31</a:t>
             </a:fld>
             <a:endParaRPr lang="en-US"/>
@@ -2131,7 +2226,7 @@
 </p:notes>
 </file>
 
-<file path=ppt/notesSlides/notesSlide25.xml><?xml version="1.0" encoding="utf-8"?>
+<file path=ppt/notesSlides/notesSlide26.xml><?xml version="1.0" encoding="utf-8"?>
 <p:notes xmlns:a="http://schemas.openxmlformats.org/drawingml/2006/main" xmlns:r="http://schemas.openxmlformats.org/officeDocument/2006/relationships" xmlns:p="http://schemas.openxmlformats.org/presentationml/2006/main">
   <p:cSld>
     <p:spTree>
@@ -19334,6 +19429,15 @@
 </file>
 
 <file path=customXml/item1.xml><?xml version="1.0" encoding="utf-8"?>
+<?mso-contentType ?>
+<FormTemplates xmlns="http://schemas.microsoft.com/sharepoint/v3/contenttype/forms">
+  <Display>DocumentLibraryForm</Display>
+  <Edit>DocumentLibraryForm</Edit>
+  <New>DocumentLibraryForm</New>
+</FormTemplates>
+</file>
+
+<file path=customXml/item2.xml><?xml version="1.0" encoding="utf-8"?>
 <ct:contentTypeSchema xmlns:ct="http://schemas.microsoft.com/office/2006/metadata/contentType" xmlns:ma="http://schemas.microsoft.com/office/2006/metadata/properties/metaAttributes" ct:_="" ma:_="" ma:contentTypeName="Document" ma:contentTypeID="0x010100CFD7474EC5F9804A8C0915A0D2B3E72B" ma:contentTypeVersion="6" ma:contentTypeDescription="Create a new document." ma:contentTypeScope="" ma:versionID="1e506071d132a47b68c5589909b09f0e">
   <xsd:schema xmlns:xsd="http://www.w3.org/2001/XMLSchema" xmlns:xs="http://www.w3.org/2001/XMLSchema" xmlns:p="http://schemas.microsoft.com/office/2006/metadata/properties" xmlns:ns2="437d3976-146d-487e-9b32-45ade7cdb3c3" xmlns:ns3="ba924082-f255-4689-bc14-7c311a17681c" targetNamespace="http://schemas.microsoft.com/office/2006/metadata/properties" ma:root="true" ma:fieldsID="d9451a99ae5dfcf301f63b02ef9f83d5" ns2:_="" ns3:_="">
     <xsd:import namespace="437d3976-146d-487e-9b32-45ade7cdb3c3"/>
@@ -19512,15 +19616,6 @@
 </ct:contentTypeSchema>
 </file>
 
-<file path=customXml/item2.xml><?xml version="1.0" encoding="utf-8"?>
-<?mso-contentType ?>
-<FormTemplates xmlns="http://schemas.microsoft.com/sharepoint/v3/contenttype/forms">
-  <Display>DocumentLibraryForm</Display>
-  <Edit>DocumentLibraryForm</Edit>
-  <New>DocumentLibraryForm</New>
-</FormTemplates>
-</file>
-
 <file path=customXml/item3.xml><?xml version="1.0" encoding="utf-8"?>
 <p:properties xmlns:p="http://schemas.microsoft.com/office/2006/metadata/properties" xmlns:xsi="http://www.w3.org/2001/XMLSchema-instance" xmlns:pc="http://schemas.microsoft.com/office/infopath/2007/PartnerControls">
   <documentManagement/>
@@ -19528,6 +19623,14 @@
 </file>
 
 <file path=customXml/itemProps1.xml><?xml version="1.0" encoding="utf-8"?>
+<ds:datastoreItem xmlns:ds="http://schemas.openxmlformats.org/officeDocument/2006/customXml" ds:itemID="{8F9099B0-B9E3-45A6-848D-7EA25626C078}">
+  <ds:schemaRefs>
+    <ds:schemaRef ds:uri="http://schemas.microsoft.com/sharepoint/v3/contenttype/forms"/>
+  </ds:schemaRefs>
+</ds:datastoreItem>
+</file>
+
+<file path=customXml/itemProps2.xml><?xml version="1.0" encoding="utf-8"?>
 <ds:datastoreItem xmlns:ds="http://schemas.openxmlformats.org/officeDocument/2006/customXml" ds:itemID="{1881FD18-C877-47D9-A9C8-9B9EB7A5D424}">
   <ds:schemaRefs>
     <ds:schemaRef ds:uri="http://schemas.microsoft.com/office/2006/metadata/contentType"/>
@@ -19542,14 +19645,6 @@
     <ds:schemaRef ds:uri="http://purl.org/dc/elements/1.1/"/>
     <ds:schemaRef ds:uri="http://purl.org/dc/terms/"/>
     <ds:schemaRef ds:uri="http://schemas.microsoft.com/internal/obd"/>
-  </ds:schemaRefs>
-</ds:datastoreItem>
-</file>
-
-<file path=customXml/itemProps2.xml><?xml version="1.0" encoding="utf-8"?>
-<ds:datastoreItem xmlns:ds="http://schemas.openxmlformats.org/officeDocument/2006/customXml" ds:itemID="{8F9099B0-B9E3-45A6-848D-7EA25626C078}">
-  <ds:schemaRefs>
-    <ds:schemaRef ds:uri="http://schemas.microsoft.com/sharepoint/v3/contenttype/forms"/>
   </ds:schemaRefs>
 </ds:datastoreItem>
 </file>

--- a/Pester Practically Perfect PowerShell.pptx
+++ b/Pester Practically Perfect PowerShell.pptx
@@ -5,7 +5,7 @@
     <p:sldMasterId id="2147483648" r:id="rId4"/>
   </p:sldMasterIdLst>
   <p:notesMasterIdLst>
-    <p:notesMasterId r:id="rId57"/>
+    <p:notesMasterId r:id="rId56"/>
   </p:notesMasterIdLst>
   <p:sldIdLst>
     <p:sldId id="256" r:id="rId5"/>
@@ -34,32 +34,31 @@
     <p:sldId id="298" r:id="rId28"/>
     <p:sldId id="299" r:id="rId29"/>
     <p:sldId id="306" r:id="rId30"/>
-    <p:sldId id="300" r:id="rId31"/>
-    <p:sldId id="301" r:id="rId32"/>
-    <p:sldId id="302" r:id="rId33"/>
-    <p:sldId id="290" r:id="rId34"/>
-    <p:sldId id="303" r:id="rId35"/>
-    <p:sldId id="304" r:id="rId36"/>
-    <p:sldId id="258" r:id="rId37"/>
-    <p:sldId id="259" r:id="rId38"/>
-    <p:sldId id="279" r:id="rId39"/>
-    <p:sldId id="287" r:id="rId40"/>
-    <p:sldId id="280" r:id="rId41"/>
-    <p:sldId id="262" r:id="rId42"/>
-    <p:sldId id="263" r:id="rId43"/>
-    <p:sldId id="264" r:id="rId44"/>
-    <p:sldId id="265" r:id="rId45"/>
-    <p:sldId id="266" r:id="rId46"/>
-    <p:sldId id="291" r:id="rId47"/>
-    <p:sldId id="268" r:id="rId48"/>
-    <p:sldId id="269" r:id="rId49"/>
-    <p:sldId id="270" r:id="rId50"/>
-    <p:sldId id="271" r:id="rId51"/>
-    <p:sldId id="272" r:id="rId52"/>
-    <p:sldId id="273" r:id="rId53"/>
-    <p:sldId id="274" r:id="rId54"/>
-    <p:sldId id="275" r:id="rId55"/>
-    <p:sldId id="276" r:id="rId56"/>
+    <p:sldId id="301" r:id="rId31"/>
+    <p:sldId id="302" r:id="rId32"/>
+    <p:sldId id="290" r:id="rId33"/>
+    <p:sldId id="303" r:id="rId34"/>
+    <p:sldId id="304" r:id="rId35"/>
+    <p:sldId id="258" r:id="rId36"/>
+    <p:sldId id="259" r:id="rId37"/>
+    <p:sldId id="279" r:id="rId38"/>
+    <p:sldId id="287" r:id="rId39"/>
+    <p:sldId id="280" r:id="rId40"/>
+    <p:sldId id="262" r:id="rId41"/>
+    <p:sldId id="263" r:id="rId42"/>
+    <p:sldId id="264" r:id="rId43"/>
+    <p:sldId id="265" r:id="rId44"/>
+    <p:sldId id="266" r:id="rId45"/>
+    <p:sldId id="291" r:id="rId46"/>
+    <p:sldId id="268" r:id="rId47"/>
+    <p:sldId id="269" r:id="rId48"/>
+    <p:sldId id="270" r:id="rId49"/>
+    <p:sldId id="271" r:id="rId50"/>
+    <p:sldId id="272" r:id="rId51"/>
+    <p:sldId id="273" r:id="rId52"/>
+    <p:sldId id="274" r:id="rId53"/>
+    <p:sldId id="275" r:id="rId54"/>
+    <p:sldId id="276" r:id="rId55"/>
   </p:sldIdLst>
   <p:sldSz cx="12192000" cy="6858000"/>
   <p:notesSz cx="6858000" cy="9144000"/>
@@ -193,7 +192,6 @@
             <p14:sldId id="298"/>
             <p14:sldId id="299"/>
             <p14:sldId id="306"/>
-            <p14:sldId id="300"/>
             <p14:sldId id="301"/>
             <p14:sldId id="302"/>
             <p14:sldId id="290"/>
@@ -1916,15 +1914,7 @@
           <a:p>
             <a:r>
               <a:rPr lang="en-US" dirty="0"/>
-              <a:t>The version of Pester in windows 10 does not have New-</a:t>
-            </a:r>
-            <a:r>
-              <a:rPr lang="en-US" dirty="0" err="1"/>
-              <a:t>MockObject</a:t>
-            </a:r>
-            <a:r>
-              <a:rPr lang="en-US" dirty="0"/>
-              <a:t>.</a:t>
+              <a:t>What the heck happens if a property you are trying to search for doesn’t exist?</a:t>
             </a:r>
           </a:p>
         </p:txBody>
@@ -1955,7 +1945,7 @@
     </p:spTree>
     <p:extLst>
       <p:ext uri="{BB962C8B-B14F-4D97-AF65-F5344CB8AC3E}">
-        <p14:creationId xmlns:p14="http://schemas.microsoft.com/office/powerpoint/2010/main" val="860753340"/>
+        <p14:creationId xmlns:p14="http://schemas.microsoft.com/office/powerpoint/2010/main" val="1892057454"/>
       </p:ext>
     </p:extLst>
   </p:cSld>
@@ -2011,7 +2001,7 @@
           <a:p>
             <a:r>
               <a:rPr lang="en-US" dirty="0"/>
-              <a:t>What the heck happens if a property you are trying to search for doesn’t exist?</a:t>
+              <a:t>The majority of the tests we you are going to write are unit tests.</a:t>
             </a:r>
           </a:p>
         </p:txBody>
@@ -2033,7 +2023,7 @@
           <a:p>
             <a:fld id="{C7B05CAA-7DFD-4456-A943-C499583EE113}" type="slidenum">
               <a:rPr lang="en-US" smtClean="0"/>
-              <a:t>28</a:t>
+              <a:t>29</a:t>
             </a:fld>
             <a:endParaRPr lang="en-US"/>
           </a:p>
@@ -2042,7 +2032,7 @@
     </p:spTree>
     <p:extLst>
       <p:ext uri="{BB962C8B-B14F-4D97-AF65-F5344CB8AC3E}">
-        <p14:creationId xmlns:p14="http://schemas.microsoft.com/office/powerpoint/2010/main" val="1892057454"/>
+        <p14:creationId xmlns:p14="http://schemas.microsoft.com/office/powerpoint/2010/main" val="2335363100"/>
       </p:ext>
     </p:extLst>
   </p:cSld>
@@ -2129,7 +2119,7 @@
     </p:spTree>
     <p:extLst>
       <p:ext uri="{BB962C8B-B14F-4D97-AF65-F5344CB8AC3E}">
-        <p14:creationId xmlns:p14="http://schemas.microsoft.com/office/powerpoint/2010/main" val="2335363100"/>
+        <p14:creationId xmlns:p14="http://schemas.microsoft.com/office/powerpoint/2010/main" val="1248807388"/>
       </p:ext>
     </p:extLst>
   </p:cSld>
@@ -2208,93 +2198,6 @@
             <a:fld id="{C7B05CAA-7DFD-4456-A943-C499583EE113}" type="slidenum">
               <a:rPr lang="en-US" smtClean="0"/>
               <a:t>31</a:t>
-            </a:fld>
-            <a:endParaRPr lang="en-US"/>
-          </a:p>
-        </p:txBody>
-      </p:sp>
-    </p:spTree>
-    <p:extLst>
-      <p:ext uri="{BB962C8B-B14F-4D97-AF65-F5344CB8AC3E}">
-        <p14:creationId xmlns:p14="http://schemas.microsoft.com/office/powerpoint/2010/main" val="1248807388"/>
-      </p:ext>
-    </p:extLst>
-  </p:cSld>
-  <p:clrMapOvr>
-    <a:masterClrMapping/>
-  </p:clrMapOvr>
-</p:notes>
-</file>
-
-<file path=ppt/notesSlides/notesSlide26.xml><?xml version="1.0" encoding="utf-8"?>
-<p:notes xmlns:a="http://schemas.openxmlformats.org/drawingml/2006/main" xmlns:r="http://schemas.openxmlformats.org/officeDocument/2006/relationships" xmlns:p="http://schemas.openxmlformats.org/presentationml/2006/main">
-  <p:cSld>
-    <p:spTree>
-      <p:nvGrpSpPr>
-        <p:cNvPr id="1" name=""/>
-        <p:cNvGrpSpPr/>
-        <p:nvPr/>
-      </p:nvGrpSpPr>
-      <p:grpSpPr>
-        <a:xfrm>
-          <a:off x="0" y="0"/>
-          <a:ext cx="0" cy="0"/>
-          <a:chOff x="0" y="0"/>
-          <a:chExt cx="0" cy="0"/>
-        </a:xfrm>
-      </p:grpSpPr>
-      <p:sp>
-        <p:nvSpPr>
-          <p:cNvPr id="2" name="Slide Image Placeholder 1"/>
-          <p:cNvSpPr>
-            <a:spLocks noGrp="1" noRot="1" noChangeAspect="1"/>
-          </p:cNvSpPr>
-          <p:nvPr>
-            <p:ph type="sldImg"/>
-          </p:nvPr>
-        </p:nvSpPr>
-        <p:spPr/>
-      </p:sp>
-      <p:sp>
-        <p:nvSpPr>
-          <p:cNvPr id="3" name="Notes Placeholder 2"/>
-          <p:cNvSpPr>
-            <a:spLocks noGrp="1"/>
-          </p:cNvSpPr>
-          <p:nvPr>
-            <p:ph type="body" idx="1"/>
-          </p:nvPr>
-        </p:nvSpPr>
-        <p:spPr/>
-        <p:txBody>
-          <a:bodyPr/>
-          <a:lstStyle/>
-          <a:p>
-            <a:r>
-              <a:rPr lang="en-US" dirty="0"/>
-              <a:t>The majority of the tests we you are going to write are unit tests.</a:t>
-            </a:r>
-          </a:p>
-        </p:txBody>
-      </p:sp>
-      <p:sp>
-        <p:nvSpPr>
-          <p:cNvPr id="4" name="Slide Number Placeholder 3"/>
-          <p:cNvSpPr>
-            <a:spLocks noGrp="1"/>
-          </p:cNvSpPr>
-          <p:nvPr>
-            <p:ph type="sldNum" sz="quarter" idx="5"/>
-          </p:nvPr>
-        </p:nvSpPr>
-        <p:spPr/>
-        <p:txBody>
-          <a:bodyPr/>
-          <a:lstStyle/>
-          <a:p>
-            <a:fld id="{C7B05CAA-7DFD-4456-A943-C499583EE113}" type="slidenum">
-              <a:rPr lang="en-US" smtClean="0"/>
-              <a:t>32</a:t>
             </a:fld>
             <a:endParaRPr lang="en-US"/>
           </a:p>
@@ -8936,8 +8839,20 @@
             <a:pPr lvl="1"/>
             <a:r>
               <a:rPr lang="en-US" dirty="0"/>
-              <a:t>Be prepared.</a:t>
-            </a:r>
+              <a:t>Be prepared to write functions for each </a:t>
+            </a:r>
+            <a:r>
+              <a:rPr lang="en-US" dirty="0" err="1"/>
+              <a:t>.net</a:t>
+            </a:r>
+            <a:r>
+              <a:rPr lang="en-US" dirty="0"/>
+              <a:t> method you need to test.</a:t>
+            </a:r>
+          </a:p>
+          <a:p>
+            <a:pPr lvl="1"/>
+            <a:endParaRPr lang="en-US" dirty="0"/>
           </a:p>
           <a:p>
             <a:pPr marL="0" indent="0">
@@ -9097,6 +9012,17 @@
             </a:r>
           </a:p>
           <a:p>
+            <a:pPr lvl="1"/>
+            <a:endParaRPr lang="en-US" dirty="0"/>
+          </a:p>
+          <a:p>
+            <a:pPr lvl="1"/>
+            <a:r>
+              <a:rPr lang="en-US" dirty="0"/>
+              <a:t>You need a modern version of Pester for this.</a:t>
+            </a:r>
+          </a:p>
+          <a:p>
             <a:endParaRPr lang="en-US" dirty="0"/>
           </a:p>
           <a:p>
@@ -9157,64 +9083,29 @@
       </p:grpSpPr>
       <p:sp>
         <p:nvSpPr>
-          <p:cNvPr id="2" name="Title 1"/>
+          <p:cNvPr id="7" name="Text Placeholder 6"/>
           <p:cNvSpPr>
             <a:spLocks noGrp="1"/>
           </p:cNvSpPr>
           <p:nvPr>
-            <p:ph type="title"/>
+            <p:ph type="body" idx="1"/>
           </p:nvPr>
         </p:nvSpPr>
         <p:spPr/>
         <p:txBody>
-          <a:bodyPr/>
+          <a:bodyPr>
+            <a:normAutofit/>
+          </a:bodyPr>
           <a:lstStyle/>
           <a:p>
             <a:r>
               <a:rPr lang="en-US" dirty="0"/>
-              <a:t>Working with Complex Objects</a:t>
-            </a:r>
-          </a:p>
-        </p:txBody>
-      </p:sp>
-      <p:sp>
-        <p:nvSpPr>
-          <p:cNvPr id="3" name="Content Placeholder 2"/>
-          <p:cNvSpPr>
-            <a:spLocks noGrp="1"/>
-          </p:cNvSpPr>
-          <p:nvPr>
-            <p:ph idx="1"/>
-          </p:nvPr>
-        </p:nvSpPr>
-        <p:spPr/>
-        <p:txBody>
-          <a:bodyPr/>
-          <a:lstStyle/>
-          <a:p>
-            <a:r>
-              <a:rPr lang="en-US" dirty="0"/>
-              <a:t>Pester can create mock objects for you with New-</a:t>
+              <a:t>New-</a:t>
             </a:r>
             <a:r>
               <a:rPr lang="en-US" dirty="0" err="1"/>
               <a:t>MockObject</a:t>
             </a:r>
-            <a:endParaRPr lang="en-US" dirty="0"/>
-          </a:p>
-          <a:p>
-            <a:endParaRPr lang="en-US" dirty="0"/>
-          </a:p>
-          <a:p>
-            <a:r>
-              <a:rPr lang="en-US" dirty="0"/>
-              <a:t>You need a modern version of pester for this.</a:t>
-            </a:r>
-          </a:p>
-          <a:p>
-            <a:pPr marL="0" indent="0">
-              <a:buNone/>
-            </a:pPr>
             <a:endParaRPr lang="en-US" dirty="0"/>
           </a:p>
         </p:txBody>
@@ -9222,7 +9113,7 @@
     </p:spTree>
     <p:extLst>
       <p:ext uri="{BB962C8B-B14F-4D97-AF65-F5344CB8AC3E}">
-        <p14:creationId xmlns:p14="http://schemas.microsoft.com/office/powerpoint/2010/main" val="2533854636"/>
+        <p14:creationId xmlns:p14="http://schemas.microsoft.com/office/powerpoint/2010/main" val="2846661828"/>
       </p:ext>
     </p:extLst>
   </p:cSld>
@@ -9261,25 +9152,12 @@
         </p:nvSpPr>
         <p:spPr/>
         <p:txBody>
-          <a:bodyPr>
-            <a:normAutofit fontScale="92500" lnSpcReduction="10000"/>
-          </a:bodyPr>
+          <a:bodyPr/>
           <a:lstStyle/>
           <a:p>
             <a:r>
               <a:rPr lang="en-US" dirty="0"/>
-              <a:t>New-</a:t>
-            </a:r>
-            <a:r>
-              <a:rPr lang="en-US" dirty="0" err="1"/>
-              <a:t>MockObject</a:t>
-            </a:r>
-            <a:endParaRPr lang="en-US" dirty="0"/>
-          </a:p>
-          <a:p>
-            <a:r>
-              <a:rPr lang="en-US" dirty="0"/>
-              <a:t>demo3</a:t>
+              <a:t>Test Cases</a:t>
             </a:r>
           </a:p>
         </p:txBody>
@@ -9287,7 +9165,7 @@
     </p:spTree>
     <p:extLst>
       <p:ext uri="{BB962C8B-B14F-4D97-AF65-F5344CB8AC3E}">
-        <p14:creationId xmlns:p14="http://schemas.microsoft.com/office/powerpoint/2010/main" val="2846661828"/>
+        <p14:creationId xmlns:p14="http://schemas.microsoft.com/office/powerpoint/2010/main" val="1053216645"/>
       </p:ext>
     </p:extLst>
   </p:cSld>
@@ -9316,12 +9194,12 @@
       </p:grpSpPr>
       <p:sp>
         <p:nvSpPr>
-          <p:cNvPr id="7" name="Text Placeholder 6"/>
+          <p:cNvPr id="2" name="Title 1"/>
           <p:cNvSpPr>
             <a:spLocks noGrp="1"/>
           </p:cNvSpPr>
           <p:nvPr>
-            <p:ph type="body" idx="1"/>
+            <p:ph type="title"/>
           </p:nvPr>
         </p:nvSpPr>
         <p:spPr/>
@@ -9331,15 +9209,64 @@
           <a:p>
             <a:r>
               <a:rPr lang="en-US" dirty="0"/>
-              <a:t>Test Cases</a:t>
-            </a:r>
+              <a:t>Pester Myths</a:t>
+            </a:r>
+          </a:p>
+        </p:txBody>
+      </p:sp>
+      <p:sp>
+        <p:nvSpPr>
+          <p:cNvPr id="3" name="Content Placeholder 2"/>
+          <p:cNvSpPr>
+            <a:spLocks noGrp="1"/>
+          </p:cNvSpPr>
+          <p:nvPr>
+            <p:ph idx="1"/>
+          </p:nvPr>
+        </p:nvSpPr>
+        <p:spPr/>
+        <p:txBody>
+          <a:bodyPr/>
+          <a:lstStyle/>
+          <a:p>
+            <a:r>
+              <a:rPr lang="en-US" dirty="0"/>
+              <a:t>Pester is not for single developers.</a:t>
+            </a:r>
+          </a:p>
+          <a:p>
+            <a:r>
+              <a:rPr lang="en-US" dirty="0"/>
+              <a:t>It is only for modules.</a:t>
+            </a:r>
+          </a:p>
+          <a:p>
+            <a:r>
+              <a:rPr lang="en-US" dirty="0"/>
+              <a:t>Somethings are not testable.</a:t>
+            </a:r>
+          </a:p>
+          <a:p>
+            <a:r>
+              <a:rPr lang="en-US" dirty="0"/>
+              <a:t>I don’t have the time. Or it is not worth the time.</a:t>
+            </a:r>
+          </a:p>
+          <a:p>
+            <a:endParaRPr lang="en-US" dirty="0"/>
+          </a:p>
+          <a:p>
+            <a:pPr marL="0" indent="0">
+              <a:buNone/>
+            </a:pPr>
+            <a:endParaRPr lang="en-US" dirty="0"/>
           </a:p>
         </p:txBody>
       </p:sp>
     </p:spTree>
     <p:extLst>
       <p:ext uri="{BB962C8B-B14F-4D97-AF65-F5344CB8AC3E}">
-        <p14:creationId xmlns:p14="http://schemas.microsoft.com/office/powerpoint/2010/main" val="1053216645"/>
+        <p14:creationId xmlns:p14="http://schemas.microsoft.com/office/powerpoint/2010/main" val="2006385791"/>
       </p:ext>
     </p:extLst>
   </p:cSld>
@@ -9457,7 +9384,7 @@
           <a:p>
             <a:r>
               <a:rPr lang="en-US" dirty="0"/>
-              <a:t>Pester Myths</a:t>
+              <a:t>Designing For Pester</a:t>
             </a:r>
           </a:p>
         </p:txBody>
@@ -9479,29 +9406,42 @@
           <a:p>
             <a:r>
               <a:rPr lang="en-US" dirty="0"/>
-              <a:t>Pester is not for single developers.</a:t>
-            </a:r>
-          </a:p>
-          <a:p>
-            <a:r>
-              <a:rPr lang="en-US" dirty="0"/>
-              <a:t>It is only for modules.</a:t>
-            </a:r>
-          </a:p>
-          <a:p>
-            <a:r>
-              <a:rPr lang="en-US" dirty="0"/>
-              <a:t>Somethings are not testable.</a:t>
-            </a:r>
-          </a:p>
-          <a:p>
-            <a:r>
-              <a:rPr lang="en-US" dirty="0"/>
-              <a:t>I don’t have the time. Or it is not worth the time.</a:t>
+              <a:t>Pester works best with Functions</a:t>
             </a:r>
           </a:p>
           <a:p>
             <a:endParaRPr lang="en-US" dirty="0"/>
+          </a:p>
+          <a:p>
+            <a:r>
+              <a:rPr lang="en-US" dirty="0"/>
+              <a:t>Functions should write to the pipeline.</a:t>
+            </a:r>
+          </a:p>
+          <a:p>
+            <a:pPr lvl="1"/>
+            <a:r>
+              <a:rPr lang="en-US" dirty="0"/>
+              <a:t>Not write-host</a:t>
+            </a:r>
+          </a:p>
+          <a:p>
+            <a:endParaRPr lang="en-US" dirty="0"/>
+          </a:p>
+          <a:p>
+            <a:r>
+              <a:rPr lang="en-US" dirty="0"/>
+              <a:t>Wrap your .NET Calls</a:t>
+            </a:r>
+          </a:p>
+          <a:p>
+            <a:endParaRPr lang="en-US" dirty="0"/>
+          </a:p>
+          <a:p>
+            <a:r>
+              <a:rPr lang="en-US" dirty="0"/>
+              <a:t>Loosely coupled code</a:t>
+            </a:r>
           </a:p>
           <a:p>
             <a:pPr marL="0" indent="0">
@@ -9509,12 +9449,18 @@
             </a:pPr>
             <a:endParaRPr lang="en-US" dirty="0"/>
           </a:p>
+          <a:p>
+            <a:pPr marL="0" indent="0">
+              <a:buNone/>
+            </a:pPr>
+            <a:endParaRPr lang="en-US" dirty="0"/>
+          </a:p>
         </p:txBody>
       </p:sp>
     </p:spTree>
     <p:extLst>
       <p:ext uri="{BB962C8B-B14F-4D97-AF65-F5344CB8AC3E}">
-        <p14:creationId xmlns:p14="http://schemas.microsoft.com/office/powerpoint/2010/main" val="2006385791"/>
+        <p14:creationId xmlns:p14="http://schemas.microsoft.com/office/powerpoint/2010/main" val="3055665544"/>
       </p:ext>
     </p:extLst>
   </p:cSld>
@@ -9558,126 +9504,6 @@
           <a:p>
             <a:r>
               <a:rPr lang="en-US" dirty="0"/>
-              <a:t>Designing For Pester</a:t>
-            </a:r>
-          </a:p>
-        </p:txBody>
-      </p:sp>
-      <p:sp>
-        <p:nvSpPr>
-          <p:cNvPr id="3" name="Content Placeholder 2"/>
-          <p:cNvSpPr>
-            <a:spLocks noGrp="1"/>
-          </p:cNvSpPr>
-          <p:nvPr>
-            <p:ph idx="1"/>
-          </p:nvPr>
-        </p:nvSpPr>
-        <p:spPr/>
-        <p:txBody>
-          <a:bodyPr/>
-          <a:lstStyle/>
-          <a:p>
-            <a:r>
-              <a:rPr lang="en-US" dirty="0"/>
-              <a:t>Pester works best with Functions</a:t>
-            </a:r>
-          </a:p>
-          <a:p>
-            <a:endParaRPr lang="en-US" dirty="0"/>
-          </a:p>
-          <a:p>
-            <a:r>
-              <a:rPr lang="en-US" dirty="0"/>
-              <a:t>Functions should write to the pipeline.</a:t>
-            </a:r>
-          </a:p>
-          <a:p>
-            <a:pPr lvl="1"/>
-            <a:r>
-              <a:rPr lang="en-US" dirty="0"/>
-              <a:t>Not write-host</a:t>
-            </a:r>
-          </a:p>
-          <a:p>
-            <a:endParaRPr lang="en-US" dirty="0"/>
-          </a:p>
-          <a:p>
-            <a:r>
-              <a:rPr lang="en-US" dirty="0"/>
-              <a:t>Wrap your .NET Calls</a:t>
-            </a:r>
-          </a:p>
-          <a:p>
-            <a:endParaRPr lang="en-US" dirty="0"/>
-          </a:p>
-          <a:p>
-            <a:r>
-              <a:rPr lang="en-US" dirty="0"/>
-              <a:t>Loosely coupled code</a:t>
-            </a:r>
-          </a:p>
-          <a:p>
-            <a:pPr marL="0" indent="0">
-              <a:buNone/>
-            </a:pPr>
-            <a:endParaRPr lang="en-US" dirty="0"/>
-          </a:p>
-          <a:p>
-            <a:pPr marL="0" indent="0">
-              <a:buNone/>
-            </a:pPr>
-            <a:endParaRPr lang="en-US" dirty="0"/>
-          </a:p>
-        </p:txBody>
-      </p:sp>
-    </p:spTree>
-    <p:extLst>
-      <p:ext uri="{BB962C8B-B14F-4D97-AF65-F5344CB8AC3E}">
-        <p14:creationId xmlns:p14="http://schemas.microsoft.com/office/powerpoint/2010/main" val="3055665544"/>
-      </p:ext>
-    </p:extLst>
-  </p:cSld>
-  <p:clrMapOvr>
-    <a:masterClrMapping/>
-  </p:clrMapOvr>
-</p:sld>
-</file>
-
-<file path=ppt/slides/slide32.xml><?xml version="1.0" encoding="utf-8"?>
-<p:sld xmlns:a="http://schemas.openxmlformats.org/drawingml/2006/main" xmlns:r="http://schemas.openxmlformats.org/officeDocument/2006/relationships" xmlns:p="http://schemas.openxmlformats.org/presentationml/2006/main">
-  <p:cSld>
-    <p:spTree>
-      <p:nvGrpSpPr>
-        <p:cNvPr id="1" name=""/>
-        <p:cNvGrpSpPr/>
-        <p:nvPr/>
-      </p:nvGrpSpPr>
-      <p:grpSpPr>
-        <a:xfrm>
-          <a:off x="0" y="0"/>
-          <a:ext cx="0" cy="0"/>
-          <a:chOff x="0" y="0"/>
-          <a:chExt cx="0" cy="0"/>
-        </a:xfrm>
-      </p:grpSpPr>
-      <p:sp>
-        <p:nvSpPr>
-          <p:cNvPr id="2" name="Title 1"/>
-          <p:cNvSpPr>
-            <a:spLocks noGrp="1"/>
-          </p:cNvSpPr>
-          <p:nvPr>
-            <p:ph type="title"/>
-          </p:nvPr>
-        </p:nvSpPr>
-        <p:spPr/>
-        <p:txBody>
-          <a:bodyPr/>
-          <a:lstStyle/>
-          <a:p>
-            <a:r>
-              <a:rPr lang="en-US" dirty="0"/>
               <a:t>Tips for Pester</a:t>
             </a:r>
           </a:p>
@@ -9758,7 +9584,7 @@
 </p:sld>
 </file>
 
-<file path=ppt/slides/slide33.xml><?xml version="1.0" encoding="utf-8"?>
+<file path=ppt/slides/slide32.xml><?xml version="1.0" encoding="utf-8"?>
 <p:sld xmlns:a="http://schemas.openxmlformats.org/drawingml/2006/main" xmlns:r="http://schemas.openxmlformats.org/officeDocument/2006/relationships" xmlns:p="http://schemas.openxmlformats.org/presentationml/2006/main" show="0">
   <p:cSld>
     <p:spTree>
@@ -9848,7 +9674,7 @@
 </p:sld>
 </file>
 
-<file path=ppt/slides/slide34.xml><?xml version="1.0" encoding="utf-8"?>
+<file path=ppt/slides/slide33.xml><?xml version="1.0" encoding="utf-8"?>
 <p:sld xmlns:a="http://schemas.openxmlformats.org/drawingml/2006/main" xmlns:r="http://schemas.openxmlformats.org/officeDocument/2006/relationships" xmlns:p="http://schemas.openxmlformats.org/presentationml/2006/main">
   <p:cSld>
     <p:spTree>
@@ -9878,7 +9704,7 @@
 </p:sld>
 </file>
 
-<file path=ppt/slides/slide35.xml><?xml version="1.0" encoding="utf-8"?>
+<file path=ppt/slides/slide34.xml><?xml version="1.0" encoding="utf-8"?>
 <p:sld xmlns:a="http://schemas.openxmlformats.org/drawingml/2006/main" xmlns:r="http://schemas.openxmlformats.org/officeDocument/2006/relationships" xmlns:p="http://schemas.openxmlformats.org/presentationml/2006/main">
   <p:cSld>
     <p:spTree>
@@ -9975,6 +9801,80 @@
     <p:extLst>
       <p:ext uri="{BB962C8B-B14F-4D97-AF65-F5344CB8AC3E}">
         <p14:creationId xmlns:p14="http://schemas.microsoft.com/office/powerpoint/2010/main" val="525927402"/>
+      </p:ext>
+    </p:extLst>
+  </p:cSld>
+  <p:clrMapOvr>
+    <a:masterClrMapping/>
+  </p:clrMapOvr>
+</p:sld>
+</file>
+
+<file path=ppt/slides/slide35.xml><?xml version="1.0" encoding="utf-8"?>
+<p:sld xmlns:a="http://schemas.openxmlformats.org/drawingml/2006/main" xmlns:r="http://schemas.openxmlformats.org/officeDocument/2006/relationships" xmlns:p="http://schemas.openxmlformats.org/presentationml/2006/main" show="0">
+  <p:cSld>
+    <p:spTree>
+      <p:nvGrpSpPr>
+        <p:cNvPr id="1" name=""/>
+        <p:cNvGrpSpPr/>
+        <p:nvPr/>
+      </p:nvGrpSpPr>
+      <p:grpSpPr>
+        <a:xfrm>
+          <a:off x="0" y="0"/>
+          <a:ext cx="0" cy="0"/>
+          <a:chOff x="0" y="0"/>
+          <a:chExt cx="0" cy="0"/>
+        </a:xfrm>
+      </p:grpSpPr>
+      <p:sp>
+        <p:nvSpPr>
+          <p:cNvPr id="4" name="Title 3"/>
+          <p:cNvSpPr>
+            <a:spLocks noGrp="1"/>
+          </p:cNvSpPr>
+          <p:nvPr>
+            <p:ph type="title"/>
+          </p:nvPr>
+        </p:nvSpPr>
+        <p:spPr/>
+        <p:txBody>
+          <a:bodyPr/>
+          <a:lstStyle/>
+          <a:p>
+            <a:r>
+              <a:rPr lang="en-US" dirty="0"/>
+              <a:t>Section Header</a:t>
+            </a:r>
+          </a:p>
+        </p:txBody>
+      </p:sp>
+      <p:sp>
+        <p:nvSpPr>
+          <p:cNvPr id="5" name="Text Placeholder 4"/>
+          <p:cNvSpPr>
+            <a:spLocks noGrp="1"/>
+          </p:cNvSpPr>
+          <p:nvPr>
+            <p:ph type="body" idx="1"/>
+          </p:nvPr>
+        </p:nvSpPr>
+        <p:spPr/>
+        <p:txBody>
+          <a:bodyPr/>
+          <a:lstStyle/>
+          <a:p>
+            <a:r>
+              <a:rPr lang="en-US" dirty="0"/>
+              <a:t>This is the next section</a:t>
+            </a:r>
+          </a:p>
+        </p:txBody>
+      </p:sp>
+    </p:spTree>
+    <p:extLst>
+      <p:ext uri="{BB962C8B-B14F-4D97-AF65-F5344CB8AC3E}">
+        <p14:creationId xmlns:p14="http://schemas.microsoft.com/office/powerpoint/2010/main" val="3568117999"/>
       </p:ext>
     </p:extLst>
   </p:cSld>
@@ -10003,7 +9903,7 @@
       </p:grpSpPr>
       <p:sp>
         <p:nvSpPr>
-          <p:cNvPr id="4" name="Title 3"/>
+          <p:cNvPr id="2" name="Title 1"/>
           <p:cNvSpPr>
             <a:spLocks noGrp="1"/>
           </p:cNvSpPr>
@@ -10018,19 +9918,19 @@
           <a:p>
             <a:r>
               <a:rPr lang="en-US" dirty="0"/>
-              <a:t>Section Header</a:t>
-            </a:r>
-          </a:p>
-        </p:txBody>
-      </p:sp>
-      <p:sp>
-        <p:nvSpPr>
-          <p:cNvPr id="5" name="Text Placeholder 4"/>
+              <a:t>Title</a:t>
+            </a:r>
+          </a:p>
+        </p:txBody>
+      </p:sp>
+      <p:sp>
+        <p:nvSpPr>
+          <p:cNvPr id="3" name="Content Placeholder 2"/>
           <p:cNvSpPr>
             <a:spLocks noGrp="1"/>
           </p:cNvSpPr>
           <p:nvPr>
-            <p:ph type="body" idx="1"/>
+            <p:ph idx="1"/>
           </p:nvPr>
         </p:nvSpPr>
         <p:spPr/>
@@ -10040,15 +9940,39 @@
           <a:p>
             <a:r>
               <a:rPr lang="en-US" dirty="0"/>
-              <a:t>This is the next section</a:t>
-            </a:r>
+              <a:t>Line1</a:t>
+            </a:r>
+          </a:p>
+          <a:p>
+            <a:pPr lvl="1"/>
+            <a:r>
+              <a:rPr lang="en-US" dirty="0"/>
+              <a:t>Bullet Level 1</a:t>
+            </a:r>
+          </a:p>
+          <a:p>
+            <a:pPr lvl="2"/>
+            <a:r>
+              <a:rPr lang="en-US" dirty="0"/>
+              <a:t>Bullet Level 2</a:t>
+            </a:r>
+          </a:p>
+          <a:p>
+            <a:pPr lvl="3"/>
+            <a:r>
+              <a:rPr lang="en-US" dirty="0"/>
+              <a:t>Bullet Level 3</a:t>
+            </a:r>
+          </a:p>
+          <a:p>
+            <a:endParaRPr lang="en-US" dirty="0"/>
           </a:p>
         </p:txBody>
       </p:sp>
     </p:spTree>
     <p:extLst>
       <p:ext uri="{BB962C8B-B14F-4D97-AF65-F5344CB8AC3E}">
-        <p14:creationId xmlns:p14="http://schemas.microsoft.com/office/powerpoint/2010/main" val="3568117999"/>
+        <p14:creationId xmlns:p14="http://schemas.microsoft.com/office/powerpoint/2010/main" val="1279470686"/>
       </p:ext>
     </p:extLst>
   </p:cSld>
@@ -10077,7 +10001,7 @@
       </p:grpSpPr>
       <p:sp>
         <p:nvSpPr>
-          <p:cNvPr id="2" name="Title 1"/>
+          <p:cNvPr id="4" name="Title 3"/>
           <p:cNvSpPr>
             <a:spLocks noGrp="1"/>
           </p:cNvSpPr>
@@ -10099,7 +10023,7 @@
       </p:sp>
       <p:sp>
         <p:nvSpPr>
-          <p:cNvPr id="3" name="Content Placeholder 2"/>
+          <p:cNvPr id="5" name="Content Placeholder 4"/>
           <p:cNvSpPr>
             <a:spLocks noGrp="1"/>
           </p:cNvSpPr>
@@ -10114,39 +10038,15 @@
           <a:p>
             <a:r>
               <a:rPr lang="en-US" dirty="0"/>
-              <a:t>Line1</a:t>
-            </a:r>
-          </a:p>
-          <a:p>
-            <a:pPr lvl="1"/>
-            <a:r>
-              <a:rPr lang="en-US" dirty="0"/>
-              <a:t>Bullet Level 1</a:t>
-            </a:r>
-          </a:p>
-          <a:p>
-            <a:pPr lvl="2"/>
-            <a:r>
-              <a:rPr lang="en-US" dirty="0"/>
-              <a:t>Bullet Level 2</a:t>
-            </a:r>
-          </a:p>
-          <a:p>
-            <a:pPr lvl="3"/>
-            <a:r>
-              <a:rPr lang="en-US" dirty="0"/>
-              <a:t>Bullet Level 3</a:t>
-            </a:r>
-          </a:p>
-          <a:p>
-            <a:endParaRPr lang="en-US" dirty="0"/>
+              <a:t>Code</a:t>
+            </a:r>
           </a:p>
         </p:txBody>
       </p:sp>
     </p:spTree>
     <p:extLst>
       <p:ext uri="{BB962C8B-B14F-4D97-AF65-F5344CB8AC3E}">
-        <p14:creationId xmlns:p14="http://schemas.microsoft.com/office/powerpoint/2010/main" val="1279470686"/>
+        <p14:creationId xmlns:p14="http://schemas.microsoft.com/office/powerpoint/2010/main" val="1895725814"/>
       </p:ext>
     </p:extLst>
   </p:cSld>
@@ -10175,12 +10075,12 @@
       </p:grpSpPr>
       <p:sp>
         <p:nvSpPr>
-          <p:cNvPr id="4" name="Title 3"/>
+          <p:cNvPr id="4" name="Content Placeholder 3"/>
           <p:cNvSpPr>
             <a:spLocks noGrp="1"/>
           </p:cNvSpPr>
           <p:nvPr>
-            <p:ph type="title"/>
+            <p:ph idx="1"/>
           </p:nvPr>
         </p:nvSpPr>
         <p:spPr/>
@@ -10190,29 +10090,28 @@
           <a:p>
             <a:r>
               <a:rPr lang="en-US" dirty="0"/>
-              <a:t>Title</a:t>
-            </a:r>
-          </a:p>
-        </p:txBody>
-      </p:sp>
-      <p:sp>
-        <p:nvSpPr>
-          <p:cNvPr id="5" name="Content Placeholder 4"/>
-          <p:cNvSpPr>
-            <a:spLocks noGrp="1"/>
-          </p:cNvSpPr>
-          <p:nvPr>
-            <p:ph idx="1"/>
-          </p:nvPr>
-        </p:nvSpPr>
-        <p:spPr/>
-        <p:txBody>
-          <a:bodyPr/>
-          <a:lstStyle/>
-          <a:p>
-            <a:r>
-              <a:rPr lang="en-US" dirty="0"/>
-              <a:t>Code</a:t>
+              <a:t>Text Only with Border</a:t>
+            </a:r>
+          </a:p>
+          <a:p>
+            <a:pPr lvl="1"/>
+            <a:r>
+              <a:rPr lang="en-US" dirty="0"/>
+              <a:t>Level 1</a:t>
+            </a:r>
+          </a:p>
+          <a:p>
+            <a:pPr lvl="2"/>
+            <a:r>
+              <a:rPr lang="en-US" dirty="0"/>
+              <a:t>Level 2 </a:t>
+            </a:r>
+          </a:p>
+          <a:p>
+            <a:pPr lvl="3"/>
+            <a:r>
+              <a:rPr lang="en-US" dirty="0"/>
+              <a:t>Level 3</a:t>
             </a:r>
           </a:p>
         </p:txBody>
@@ -10220,7 +10119,7 @@
     </p:spTree>
     <p:extLst>
       <p:ext uri="{BB962C8B-B14F-4D97-AF65-F5344CB8AC3E}">
-        <p14:creationId xmlns:p14="http://schemas.microsoft.com/office/powerpoint/2010/main" val="1895725814"/>
+        <p14:creationId xmlns:p14="http://schemas.microsoft.com/office/powerpoint/2010/main" val="659284950"/>
       </p:ext>
     </p:extLst>
   </p:cSld>
@@ -10249,7 +10148,7 @@
       </p:grpSpPr>
       <p:sp>
         <p:nvSpPr>
-          <p:cNvPr id="4" name="Content Placeholder 3"/>
+          <p:cNvPr id="3" name="Content Placeholder 2"/>
           <p:cNvSpPr>
             <a:spLocks noGrp="1"/>
           </p:cNvSpPr>
@@ -10264,7 +10163,7 @@
           <a:p>
             <a:r>
               <a:rPr lang="en-US" dirty="0"/>
-              <a:t>Text Only with Border</a:t>
+              <a:t>Text Only (Red)</a:t>
             </a:r>
           </a:p>
           <a:p>
@@ -10278,7 +10177,7 @@
             <a:pPr lvl="2"/>
             <a:r>
               <a:rPr lang="en-US" dirty="0"/>
-              <a:t>Level 2 </a:t>
+              <a:t>Level 2</a:t>
             </a:r>
           </a:p>
           <a:p>
@@ -10293,7 +10192,7 @@
     </p:spTree>
     <p:extLst>
       <p:ext uri="{BB962C8B-B14F-4D97-AF65-F5344CB8AC3E}">
-        <p14:creationId xmlns:p14="http://schemas.microsoft.com/office/powerpoint/2010/main" val="659284950"/>
+        <p14:creationId xmlns:p14="http://schemas.microsoft.com/office/powerpoint/2010/main" val="2094311673"/>
       </p:ext>
     </p:extLst>
   </p:cSld>
@@ -10451,12 +10350,12 @@
       </p:grpSpPr>
       <p:sp>
         <p:nvSpPr>
-          <p:cNvPr id="3" name="Content Placeholder 2"/>
+          <p:cNvPr id="3" name="Title 2"/>
           <p:cNvSpPr>
             <a:spLocks noGrp="1"/>
           </p:cNvSpPr>
           <p:nvPr>
-            <p:ph idx="1"/>
+            <p:ph type="title"/>
           </p:nvPr>
         </p:nvSpPr>
         <p:spPr/>
@@ -10466,7 +10365,29 @@
           <a:p>
             <a:r>
               <a:rPr lang="en-US" dirty="0"/>
-              <a:t>Text Only (Red)</a:t>
+              <a:t>Title</a:t>
+            </a:r>
+          </a:p>
+        </p:txBody>
+      </p:sp>
+      <p:sp>
+        <p:nvSpPr>
+          <p:cNvPr id="4" name="Content Placeholder 3"/>
+          <p:cNvSpPr>
+            <a:spLocks noGrp="1"/>
+          </p:cNvSpPr>
+          <p:nvPr>
+            <p:ph sz="half" idx="1"/>
+          </p:nvPr>
+        </p:nvSpPr>
+        <p:spPr/>
+        <p:txBody>
+          <a:bodyPr/>
+          <a:lstStyle/>
+          <a:p>
+            <a:r>
+              <a:rPr lang="en-US" dirty="0"/>
+              <a:t>Text 1</a:t>
             </a:r>
           </a:p>
           <a:p>
@@ -10489,13 +10410,62 @@
               <a:rPr lang="en-US" dirty="0"/>
               <a:t>Level 3</a:t>
             </a:r>
+          </a:p>
+          <a:p>
+            <a:endParaRPr lang="en-US" dirty="0"/>
+          </a:p>
+        </p:txBody>
+      </p:sp>
+      <p:sp>
+        <p:nvSpPr>
+          <p:cNvPr id="5" name="Content Placeholder 4"/>
+          <p:cNvSpPr>
+            <a:spLocks noGrp="1"/>
+          </p:cNvSpPr>
+          <p:nvPr>
+            <p:ph sz="half" idx="2"/>
+          </p:nvPr>
+        </p:nvSpPr>
+        <p:spPr/>
+        <p:txBody>
+          <a:bodyPr/>
+          <a:lstStyle/>
+          <a:p>
+            <a:r>
+              <a:rPr lang="en-US" dirty="0"/>
+              <a:t>Text 2</a:t>
+            </a:r>
+          </a:p>
+          <a:p>
+            <a:pPr lvl="1"/>
+            <a:r>
+              <a:rPr lang="en-US" dirty="0"/>
+              <a:t>Level 1</a:t>
+            </a:r>
+          </a:p>
+          <a:p>
+            <a:pPr lvl="2"/>
+            <a:r>
+              <a:rPr lang="en-US" dirty="0"/>
+              <a:t>Level 2</a:t>
+            </a:r>
+          </a:p>
+          <a:p>
+            <a:pPr lvl="3"/>
+            <a:r>
+              <a:rPr lang="en-US" dirty="0"/>
+              <a:t>Level 3</a:t>
+            </a:r>
+          </a:p>
+          <a:p>
+            <a:endParaRPr lang="en-US" dirty="0"/>
           </a:p>
         </p:txBody>
       </p:sp>
     </p:spTree>
     <p:extLst>
       <p:ext uri="{BB962C8B-B14F-4D97-AF65-F5344CB8AC3E}">
-        <p14:creationId xmlns:p14="http://schemas.microsoft.com/office/powerpoint/2010/main" val="2094311673"/>
+        <p14:creationId xmlns:p14="http://schemas.microsoft.com/office/powerpoint/2010/main" val="2554539812"/>
       </p:ext>
     </p:extLst>
   </p:cSld>
@@ -10524,12 +10494,12 @@
       </p:grpSpPr>
       <p:sp>
         <p:nvSpPr>
-          <p:cNvPr id="3" name="Title 2"/>
+          <p:cNvPr id="6" name="Text Placeholder 5"/>
           <p:cNvSpPr>
             <a:spLocks noGrp="1"/>
           </p:cNvSpPr>
           <p:nvPr>
-            <p:ph type="title"/>
+            <p:ph type="body" idx="1"/>
           </p:nvPr>
         </p:nvSpPr>
         <p:spPr/>
@@ -10539,19 +10509,19 @@
           <a:p>
             <a:r>
               <a:rPr lang="en-US" dirty="0"/>
-              <a:t>Title</a:t>
-            </a:r>
-          </a:p>
-        </p:txBody>
-      </p:sp>
-      <p:sp>
-        <p:nvSpPr>
-          <p:cNvPr id="4" name="Content Placeholder 3"/>
+              <a:t>Section 1</a:t>
+            </a:r>
+          </a:p>
+        </p:txBody>
+      </p:sp>
+      <p:sp>
+        <p:nvSpPr>
+          <p:cNvPr id="7" name="Content Placeholder 6"/>
           <p:cNvSpPr>
             <a:spLocks noGrp="1"/>
           </p:cNvSpPr>
           <p:nvPr>
-            <p:ph sz="half" idx="1"/>
+            <p:ph sz="half" idx="2"/>
           </p:nvPr>
         </p:nvSpPr>
         <p:spPr/>
@@ -10561,7 +10531,7 @@
           <a:p>
             <a:r>
               <a:rPr lang="en-US" dirty="0"/>
-              <a:t>Text 1</a:t>
+              <a:t>Text</a:t>
             </a:r>
           </a:p>
           <a:p>
@@ -10592,12 +10562,12 @@
       </p:sp>
       <p:sp>
         <p:nvSpPr>
-          <p:cNvPr id="5" name="Content Placeholder 4"/>
+          <p:cNvPr id="8" name="Text Placeholder 7"/>
           <p:cNvSpPr>
             <a:spLocks noGrp="1"/>
           </p:cNvSpPr>
           <p:nvPr>
-            <p:ph sz="half" idx="2"/>
+            <p:ph type="body" sz="quarter" idx="3"/>
           </p:nvPr>
         </p:nvSpPr>
         <p:spPr/>
@@ -10607,7 +10577,29 @@
           <a:p>
             <a:r>
               <a:rPr lang="en-US" dirty="0"/>
-              <a:t>Text 2</a:t>
+              <a:t>Section 2</a:t>
+            </a:r>
+          </a:p>
+        </p:txBody>
+      </p:sp>
+      <p:sp>
+        <p:nvSpPr>
+          <p:cNvPr id="9" name="Content Placeholder 8"/>
+          <p:cNvSpPr>
+            <a:spLocks noGrp="1"/>
+          </p:cNvSpPr>
+          <p:nvPr>
+            <p:ph sz="quarter" idx="4"/>
+          </p:nvPr>
+        </p:nvSpPr>
+        <p:spPr/>
+        <p:txBody>
+          <a:bodyPr/>
+          <a:lstStyle/>
+          <a:p>
+            <a:r>
+              <a:rPr lang="en-US" dirty="0"/>
+              <a:t>Text</a:t>
             </a:r>
           </a:p>
           <a:p>
@@ -10633,13 +10625,35 @@
           </a:p>
           <a:p>
             <a:endParaRPr lang="en-US" dirty="0"/>
+          </a:p>
+        </p:txBody>
+      </p:sp>
+      <p:sp>
+        <p:nvSpPr>
+          <p:cNvPr id="5" name="Title 4"/>
+          <p:cNvSpPr>
+            <a:spLocks noGrp="1"/>
+          </p:cNvSpPr>
+          <p:nvPr>
+            <p:ph type="title"/>
+          </p:nvPr>
+        </p:nvSpPr>
+        <p:spPr/>
+        <p:txBody>
+          <a:bodyPr/>
+          <a:lstStyle/>
+          <a:p>
+            <a:r>
+              <a:rPr lang="en-US" dirty="0"/>
+              <a:t>Title</a:t>
+            </a:r>
           </a:p>
         </p:txBody>
       </p:sp>
     </p:spTree>
     <p:extLst>
       <p:ext uri="{BB962C8B-B14F-4D97-AF65-F5344CB8AC3E}">
-        <p14:creationId xmlns:p14="http://schemas.microsoft.com/office/powerpoint/2010/main" val="2554539812"/>
+        <p14:creationId xmlns:p14="http://schemas.microsoft.com/office/powerpoint/2010/main" val="3003455065"/>
       </p:ext>
     </p:extLst>
   </p:cSld>
@@ -10668,7 +10682,7 @@
       </p:grpSpPr>
       <p:sp>
         <p:nvSpPr>
-          <p:cNvPr id="6" name="Text Placeholder 5"/>
+          <p:cNvPr id="7" name="Text Placeholder 6"/>
           <p:cNvSpPr>
             <a:spLocks noGrp="1"/>
           </p:cNvSpPr>
@@ -10683,143 +10697,7 @@
           <a:p>
             <a:r>
               <a:rPr lang="en-US" dirty="0"/>
-              <a:t>Section 1</a:t>
-            </a:r>
-          </a:p>
-        </p:txBody>
-      </p:sp>
-      <p:sp>
-        <p:nvSpPr>
-          <p:cNvPr id="7" name="Content Placeholder 6"/>
-          <p:cNvSpPr>
-            <a:spLocks noGrp="1"/>
-          </p:cNvSpPr>
-          <p:nvPr>
-            <p:ph sz="half" idx="2"/>
-          </p:nvPr>
-        </p:nvSpPr>
-        <p:spPr/>
-        <p:txBody>
-          <a:bodyPr/>
-          <a:lstStyle/>
-          <a:p>
-            <a:r>
-              <a:rPr lang="en-US" dirty="0"/>
-              <a:t>Text</a:t>
-            </a:r>
-          </a:p>
-          <a:p>
-            <a:pPr lvl="1"/>
-            <a:r>
-              <a:rPr lang="en-US" dirty="0"/>
-              <a:t>Level 1</a:t>
-            </a:r>
-          </a:p>
-          <a:p>
-            <a:pPr lvl="2"/>
-            <a:r>
-              <a:rPr lang="en-US" dirty="0"/>
-              <a:t>Level 2</a:t>
-            </a:r>
-          </a:p>
-          <a:p>
-            <a:pPr lvl="3"/>
-            <a:r>
-              <a:rPr lang="en-US" dirty="0"/>
-              <a:t>Level 3</a:t>
-            </a:r>
-          </a:p>
-          <a:p>
-            <a:endParaRPr lang="en-US" dirty="0"/>
-          </a:p>
-        </p:txBody>
-      </p:sp>
-      <p:sp>
-        <p:nvSpPr>
-          <p:cNvPr id="8" name="Text Placeholder 7"/>
-          <p:cNvSpPr>
-            <a:spLocks noGrp="1"/>
-          </p:cNvSpPr>
-          <p:nvPr>
-            <p:ph type="body" sz="quarter" idx="3"/>
-          </p:nvPr>
-        </p:nvSpPr>
-        <p:spPr/>
-        <p:txBody>
-          <a:bodyPr/>
-          <a:lstStyle/>
-          <a:p>
-            <a:r>
-              <a:rPr lang="en-US" dirty="0"/>
-              <a:t>Section 2</a:t>
-            </a:r>
-          </a:p>
-        </p:txBody>
-      </p:sp>
-      <p:sp>
-        <p:nvSpPr>
-          <p:cNvPr id="9" name="Content Placeholder 8"/>
-          <p:cNvSpPr>
-            <a:spLocks noGrp="1"/>
-          </p:cNvSpPr>
-          <p:nvPr>
-            <p:ph sz="quarter" idx="4"/>
-          </p:nvPr>
-        </p:nvSpPr>
-        <p:spPr/>
-        <p:txBody>
-          <a:bodyPr/>
-          <a:lstStyle/>
-          <a:p>
-            <a:r>
-              <a:rPr lang="en-US" dirty="0"/>
-              <a:t>Text</a:t>
-            </a:r>
-          </a:p>
-          <a:p>
-            <a:pPr lvl="1"/>
-            <a:r>
-              <a:rPr lang="en-US" dirty="0"/>
-              <a:t>Level 1</a:t>
-            </a:r>
-          </a:p>
-          <a:p>
-            <a:pPr lvl="2"/>
-            <a:r>
-              <a:rPr lang="en-US" dirty="0"/>
-              <a:t>Level 2</a:t>
-            </a:r>
-          </a:p>
-          <a:p>
-            <a:pPr lvl="3"/>
-            <a:r>
-              <a:rPr lang="en-US" dirty="0"/>
-              <a:t>Level 3</a:t>
-            </a:r>
-          </a:p>
-          <a:p>
-            <a:endParaRPr lang="en-US" dirty="0"/>
-          </a:p>
-        </p:txBody>
-      </p:sp>
-      <p:sp>
-        <p:nvSpPr>
-          <p:cNvPr id="5" name="Title 4"/>
-          <p:cNvSpPr>
-            <a:spLocks noGrp="1"/>
-          </p:cNvSpPr>
-          <p:nvPr>
-            <p:ph type="title"/>
-          </p:nvPr>
-        </p:nvSpPr>
-        <p:spPr/>
-        <p:txBody>
-          <a:bodyPr/>
-          <a:lstStyle/>
-          <a:p>
-            <a:r>
-              <a:rPr lang="en-US" dirty="0"/>
-              <a:t>Title</a:t>
+              <a:t>Demo Title</a:t>
             </a:r>
           </a:p>
         </p:txBody>
@@ -10827,7 +10705,7 @@
     </p:spTree>
     <p:extLst>
       <p:ext uri="{BB962C8B-B14F-4D97-AF65-F5344CB8AC3E}">
-        <p14:creationId xmlns:p14="http://schemas.microsoft.com/office/powerpoint/2010/main" val="3003455065"/>
+        <p14:creationId xmlns:p14="http://schemas.microsoft.com/office/powerpoint/2010/main" val="720356831"/>
       </p:ext>
     </p:extLst>
   </p:cSld>
@@ -10854,32 +10732,875 @@
           <a:chExt cx="0" cy="0"/>
         </a:xfrm>
       </p:grpSpPr>
-      <p:sp>
-        <p:nvSpPr>
-          <p:cNvPr id="7" name="Text Placeholder 6"/>
-          <p:cNvSpPr>
-            <a:spLocks noGrp="1"/>
-          </p:cNvSpPr>
-          <p:nvPr>
-            <p:ph type="body" idx="1"/>
-          </p:nvPr>
-        </p:nvSpPr>
-        <p:spPr/>
-        <p:txBody>
-          <a:bodyPr/>
-          <a:lstStyle/>
-          <a:p>
-            <a:r>
-              <a:rPr lang="en-US" dirty="0"/>
-              <a:t>Demo Title</a:t>
-            </a:r>
-          </a:p>
-        </p:txBody>
-      </p:sp>
+      <p:pic>
+        <p:nvPicPr>
+          <p:cNvPr id="11" name="Picture 10"/>
+          <p:cNvPicPr>
+            <a:picLocks noChangeAspect="1"/>
+          </p:cNvPicPr>
+          <p:nvPr/>
+        </p:nvPicPr>
+        <p:blipFill>
+          <a:blip r:embed="rId2">
+            <a:extLst>
+              <a:ext uri="{28A0092B-C50C-407E-A947-70E740481C1C}">
+                <a14:useLocalDpi xmlns:a14="http://schemas.microsoft.com/office/drawing/2010/main" val="0"/>
+              </a:ext>
+            </a:extLst>
+          </a:blip>
+          <a:stretch>
+            <a:fillRect/>
+          </a:stretch>
+        </p:blipFill>
+        <p:spPr>
+          <a:xfrm>
+            <a:off x="2207458" y="453313"/>
+            <a:ext cx="457200" cy="457200"/>
+          </a:xfrm>
+          <a:prstGeom prst="rect">
+            <a:avLst/>
+          </a:prstGeom>
+        </p:spPr>
+      </p:pic>
+      <p:pic>
+        <p:nvPicPr>
+          <p:cNvPr id="12" name="Picture 11"/>
+          <p:cNvPicPr>
+            <a:picLocks noChangeAspect="1"/>
+          </p:cNvPicPr>
+          <p:nvPr/>
+        </p:nvPicPr>
+        <p:blipFill>
+          <a:blip r:embed="rId3">
+            <a:extLst>
+              <a:ext uri="{28A0092B-C50C-407E-A947-70E740481C1C}">
+                <a14:useLocalDpi xmlns:a14="http://schemas.microsoft.com/office/drawing/2010/main" val="0"/>
+              </a:ext>
+            </a:extLst>
+          </a:blip>
+          <a:stretch>
+            <a:fillRect/>
+          </a:stretch>
+        </p:blipFill>
+        <p:spPr>
+          <a:xfrm>
+            <a:off x="1294229" y="453399"/>
+            <a:ext cx="457200" cy="457200"/>
+          </a:xfrm>
+          <a:prstGeom prst="rect">
+            <a:avLst/>
+          </a:prstGeom>
+        </p:spPr>
+      </p:pic>
+      <p:pic>
+        <p:nvPicPr>
+          <p:cNvPr id="13" name="Picture 12"/>
+          <p:cNvPicPr>
+            <a:picLocks noChangeAspect="1"/>
+          </p:cNvPicPr>
+          <p:nvPr/>
+        </p:nvPicPr>
+        <p:blipFill>
+          <a:blip r:embed="rId4">
+            <a:extLst>
+              <a:ext uri="{28A0092B-C50C-407E-A947-70E740481C1C}">
+                <a14:useLocalDpi xmlns:a14="http://schemas.microsoft.com/office/drawing/2010/main" val="0"/>
+              </a:ext>
+            </a:extLst>
+          </a:blip>
+          <a:stretch>
+            <a:fillRect/>
+          </a:stretch>
+        </p:blipFill>
+        <p:spPr>
+          <a:xfrm>
+            <a:off x="381000" y="453399"/>
+            <a:ext cx="457200" cy="457200"/>
+          </a:xfrm>
+          <a:prstGeom prst="rect">
+            <a:avLst/>
+          </a:prstGeom>
+        </p:spPr>
+      </p:pic>
+      <p:pic>
+        <p:nvPicPr>
+          <p:cNvPr id="15" name="Picture 14"/>
+          <p:cNvPicPr>
+            <a:picLocks noChangeAspect="1"/>
+          </p:cNvPicPr>
+          <p:nvPr/>
+        </p:nvPicPr>
+        <p:blipFill>
+          <a:blip r:embed="rId5">
+            <a:lum bright="70000" contrast="-70000"/>
+            <a:extLst>
+              <a:ext uri="{28A0092B-C50C-407E-A947-70E740481C1C}">
+                <a14:useLocalDpi xmlns:a14="http://schemas.microsoft.com/office/drawing/2010/main" val="0"/>
+              </a:ext>
+            </a:extLst>
+          </a:blip>
+          <a:stretch>
+            <a:fillRect/>
+          </a:stretch>
+        </p:blipFill>
+        <p:spPr>
+          <a:xfrm>
+            <a:off x="303629" y="1070428"/>
+            <a:ext cx="1219200" cy="1219200"/>
+          </a:xfrm>
+          <a:prstGeom prst="rect">
+            <a:avLst/>
+          </a:prstGeom>
+        </p:spPr>
+      </p:pic>
+      <p:pic>
+        <p:nvPicPr>
+          <p:cNvPr id="279" name="Picture 278"/>
+          <p:cNvPicPr>
+            <a:picLocks noChangeAspect="1"/>
+          </p:cNvPicPr>
+          <p:nvPr/>
+        </p:nvPicPr>
+        <p:blipFill>
+          <a:blip r:embed="rId6">
+            <a:lum bright="70000" contrast="-70000"/>
+            <a:extLst>
+              <a:ext uri="{28A0092B-C50C-407E-A947-70E740481C1C}">
+                <a14:useLocalDpi xmlns:a14="http://schemas.microsoft.com/office/drawing/2010/main" val="0"/>
+              </a:ext>
+            </a:extLst>
+          </a:blip>
+          <a:stretch>
+            <a:fillRect/>
+          </a:stretch>
+        </p:blipFill>
+        <p:spPr>
+          <a:xfrm>
+            <a:off x="2950029" y="1070428"/>
+            <a:ext cx="1219200" cy="1219200"/>
+          </a:xfrm>
+          <a:prstGeom prst="rect">
+            <a:avLst/>
+          </a:prstGeom>
+        </p:spPr>
+      </p:pic>
+      <p:pic>
+        <p:nvPicPr>
+          <p:cNvPr id="280" name="Picture 279"/>
+          <p:cNvPicPr>
+            <a:picLocks noChangeAspect="1"/>
+          </p:cNvPicPr>
+          <p:nvPr/>
+        </p:nvPicPr>
+        <p:blipFill>
+          <a:blip r:embed="rId7">
+            <a:lum bright="70000" contrast="-70000"/>
+            <a:extLst>
+              <a:ext uri="{28A0092B-C50C-407E-A947-70E740481C1C}">
+                <a14:useLocalDpi xmlns:a14="http://schemas.microsoft.com/office/drawing/2010/main" val="0"/>
+              </a:ext>
+            </a:extLst>
+          </a:blip>
+          <a:stretch>
+            <a:fillRect/>
+          </a:stretch>
+        </p:blipFill>
+        <p:spPr>
+          <a:xfrm>
+            <a:off x="1626829" y="1070428"/>
+            <a:ext cx="1219200" cy="1219200"/>
+          </a:xfrm>
+          <a:prstGeom prst="rect">
+            <a:avLst/>
+          </a:prstGeom>
+        </p:spPr>
+      </p:pic>
+      <p:pic>
+        <p:nvPicPr>
+          <p:cNvPr id="281" name="Picture 280"/>
+          <p:cNvPicPr>
+            <a:picLocks noChangeAspect="1"/>
+          </p:cNvPicPr>
+          <p:nvPr/>
+        </p:nvPicPr>
+        <p:blipFill>
+          <a:blip r:embed="rId8">
+            <a:lum bright="70000" contrast="-70000"/>
+            <a:extLst>
+              <a:ext uri="{28A0092B-C50C-407E-A947-70E740481C1C}">
+                <a14:useLocalDpi xmlns:a14="http://schemas.microsoft.com/office/drawing/2010/main" val="0"/>
+              </a:ext>
+            </a:extLst>
+          </a:blip>
+          <a:stretch>
+            <a:fillRect/>
+          </a:stretch>
+        </p:blipFill>
+        <p:spPr>
+          <a:xfrm>
+            <a:off x="5596429" y="1107999"/>
+            <a:ext cx="1219200" cy="1219200"/>
+          </a:xfrm>
+          <a:prstGeom prst="rect">
+            <a:avLst/>
+          </a:prstGeom>
+        </p:spPr>
+      </p:pic>
+      <p:pic>
+        <p:nvPicPr>
+          <p:cNvPr id="282" name="Picture 281"/>
+          <p:cNvPicPr>
+            <a:picLocks noChangeAspect="1"/>
+          </p:cNvPicPr>
+          <p:nvPr/>
+        </p:nvPicPr>
+        <p:blipFill>
+          <a:blip r:embed="rId9">
+            <a:lum bright="70000" contrast="-70000"/>
+            <a:extLst>
+              <a:ext uri="{28A0092B-C50C-407E-A947-70E740481C1C}">
+                <a14:useLocalDpi xmlns:a14="http://schemas.microsoft.com/office/drawing/2010/main" val="0"/>
+              </a:ext>
+            </a:extLst>
+          </a:blip>
+          <a:stretch>
+            <a:fillRect/>
+          </a:stretch>
+        </p:blipFill>
+        <p:spPr>
+          <a:xfrm>
+            <a:off x="4273229" y="1070428"/>
+            <a:ext cx="1219200" cy="1219200"/>
+          </a:xfrm>
+          <a:prstGeom prst="rect">
+            <a:avLst/>
+          </a:prstGeom>
+        </p:spPr>
+      </p:pic>
+      <p:pic>
+        <p:nvPicPr>
+          <p:cNvPr id="283" name="Picture 282"/>
+          <p:cNvPicPr>
+            <a:picLocks noChangeAspect="1"/>
+          </p:cNvPicPr>
+          <p:nvPr/>
+        </p:nvPicPr>
+        <p:blipFill>
+          <a:blip r:embed="rId10">
+            <a:lum bright="70000" contrast="-70000"/>
+            <a:extLst>
+              <a:ext uri="{28A0092B-C50C-407E-A947-70E740481C1C}">
+                <a14:useLocalDpi xmlns:a14="http://schemas.microsoft.com/office/drawing/2010/main" val="0"/>
+              </a:ext>
+            </a:extLst>
+          </a:blip>
+          <a:stretch>
+            <a:fillRect/>
+          </a:stretch>
+        </p:blipFill>
+        <p:spPr>
+          <a:xfrm>
+            <a:off x="6919629" y="1107999"/>
+            <a:ext cx="1219200" cy="1219200"/>
+          </a:xfrm>
+          <a:prstGeom prst="rect">
+            <a:avLst/>
+          </a:prstGeom>
+        </p:spPr>
+      </p:pic>
+      <p:pic>
+        <p:nvPicPr>
+          <p:cNvPr id="284" name="Picture 283"/>
+          <p:cNvPicPr>
+            <a:picLocks noChangeAspect="1"/>
+          </p:cNvPicPr>
+          <p:nvPr/>
+        </p:nvPicPr>
+        <p:blipFill>
+          <a:blip r:embed="rId11">
+            <a:lum bright="70000" contrast="-70000"/>
+            <a:extLst>
+              <a:ext uri="{28A0092B-C50C-407E-A947-70E740481C1C}">
+                <a14:useLocalDpi xmlns:a14="http://schemas.microsoft.com/office/drawing/2010/main" val="0"/>
+              </a:ext>
+            </a:extLst>
+          </a:blip>
+          <a:stretch>
+            <a:fillRect/>
+          </a:stretch>
+        </p:blipFill>
+        <p:spPr>
+          <a:xfrm>
+            <a:off x="9105600" y="1070428"/>
+            <a:ext cx="1219200" cy="1219200"/>
+          </a:xfrm>
+          <a:prstGeom prst="rect">
+            <a:avLst/>
+          </a:prstGeom>
+        </p:spPr>
+      </p:pic>
+      <p:pic>
+        <p:nvPicPr>
+          <p:cNvPr id="285" name="Picture 284"/>
+          <p:cNvPicPr>
+            <a:picLocks noChangeAspect="1"/>
+          </p:cNvPicPr>
+          <p:nvPr/>
+        </p:nvPicPr>
+        <p:blipFill>
+          <a:blip r:embed="rId12">
+            <a:lum bright="70000" contrast="-70000"/>
+            <a:extLst>
+              <a:ext uri="{28A0092B-C50C-407E-A947-70E740481C1C}">
+                <a14:useLocalDpi xmlns:a14="http://schemas.microsoft.com/office/drawing/2010/main" val="0"/>
+              </a:ext>
+            </a:extLst>
+          </a:blip>
+          <a:stretch>
+            <a:fillRect/>
+          </a:stretch>
+        </p:blipFill>
+        <p:spPr>
+          <a:xfrm>
+            <a:off x="7988286" y="1070428"/>
+            <a:ext cx="1219200" cy="1219200"/>
+          </a:xfrm>
+          <a:prstGeom prst="rect">
+            <a:avLst/>
+          </a:prstGeom>
+        </p:spPr>
+      </p:pic>
+      <p:pic>
+        <p:nvPicPr>
+          <p:cNvPr id="286" name="Picture 285"/>
+          <p:cNvPicPr>
+            <a:picLocks noChangeAspect="1"/>
+          </p:cNvPicPr>
+          <p:nvPr/>
+        </p:nvPicPr>
+        <p:blipFill>
+          <a:blip r:embed="rId13">
+            <a:lum bright="70000" contrast="-70000"/>
+            <a:extLst>
+              <a:ext uri="{28A0092B-C50C-407E-A947-70E740481C1C}">
+                <a14:useLocalDpi xmlns:a14="http://schemas.microsoft.com/office/drawing/2010/main" val="0"/>
+              </a:ext>
+            </a:extLst>
+          </a:blip>
+          <a:stretch>
+            <a:fillRect/>
+          </a:stretch>
+        </p:blipFill>
+        <p:spPr>
+          <a:xfrm>
+            <a:off x="303629" y="2185742"/>
+            <a:ext cx="1219200" cy="1219200"/>
+          </a:xfrm>
+          <a:prstGeom prst="rect">
+            <a:avLst/>
+          </a:prstGeom>
+        </p:spPr>
+      </p:pic>
+      <p:pic>
+        <p:nvPicPr>
+          <p:cNvPr id="287" name="Picture 286"/>
+          <p:cNvPicPr>
+            <a:picLocks noChangeAspect="1"/>
+          </p:cNvPicPr>
+          <p:nvPr/>
+        </p:nvPicPr>
+        <p:blipFill>
+          <a:blip r:embed="rId14">
+            <a:lum bright="70000" contrast="-70000"/>
+            <a:extLst>
+              <a:ext uri="{28A0092B-C50C-407E-A947-70E740481C1C}">
+                <a14:useLocalDpi xmlns:a14="http://schemas.microsoft.com/office/drawing/2010/main" val="0"/>
+              </a:ext>
+            </a:extLst>
+          </a:blip>
+          <a:stretch>
+            <a:fillRect/>
+          </a:stretch>
+        </p:blipFill>
+        <p:spPr>
+          <a:xfrm>
+            <a:off x="10484143" y="1070428"/>
+            <a:ext cx="1219200" cy="1219200"/>
+          </a:xfrm>
+          <a:prstGeom prst="rect">
+            <a:avLst/>
+          </a:prstGeom>
+        </p:spPr>
+      </p:pic>
+      <p:pic>
+        <p:nvPicPr>
+          <p:cNvPr id="288" name="Picture 287"/>
+          <p:cNvPicPr>
+            <a:picLocks noChangeAspect="1"/>
+          </p:cNvPicPr>
+          <p:nvPr/>
+        </p:nvPicPr>
+        <p:blipFill>
+          <a:blip r:embed="rId15">
+            <a:lum bright="70000" contrast="-70000"/>
+            <a:extLst>
+              <a:ext uri="{28A0092B-C50C-407E-A947-70E740481C1C}">
+                <a14:useLocalDpi xmlns:a14="http://schemas.microsoft.com/office/drawing/2010/main" val="0"/>
+              </a:ext>
+            </a:extLst>
+          </a:blip>
+          <a:stretch>
+            <a:fillRect/>
+          </a:stretch>
+        </p:blipFill>
+        <p:spPr>
+          <a:xfrm>
+            <a:off x="2923629" y="2421599"/>
+            <a:ext cx="1219200" cy="1219200"/>
+          </a:xfrm>
+          <a:prstGeom prst="rect">
+            <a:avLst/>
+          </a:prstGeom>
+        </p:spPr>
+      </p:pic>
+      <p:pic>
+        <p:nvPicPr>
+          <p:cNvPr id="289" name="Picture 288"/>
+          <p:cNvPicPr>
+            <a:picLocks noChangeAspect="1"/>
+          </p:cNvPicPr>
+          <p:nvPr/>
+        </p:nvPicPr>
+        <p:blipFill>
+          <a:blip r:embed="rId16">
+            <a:lum bright="70000" contrast="-70000"/>
+            <a:extLst>
+              <a:ext uri="{28A0092B-C50C-407E-A947-70E740481C1C}">
+                <a14:useLocalDpi xmlns:a14="http://schemas.microsoft.com/office/drawing/2010/main" val="0"/>
+              </a:ext>
+            </a:extLst>
+          </a:blip>
+          <a:stretch>
+            <a:fillRect/>
+          </a:stretch>
+        </p:blipFill>
+        <p:spPr>
+          <a:xfrm>
+            <a:off x="4273229" y="2454485"/>
+            <a:ext cx="1219200" cy="1219200"/>
+          </a:xfrm>
+          <a:prstGeom prst="rect">
+            <a:avLst/>
+          </a:prstGeom>
+        </p:spPr>
+      </p:pic>
+      <p:pic>
+        <p:nvPicPr>
+          <p:cNvPr id="290" name="Picture 289"/>
+          <p:cNvPicPr>
+            <a:picLocks noChangeAspect="1"/>
+          </p:cNvPicPr>
+          <p:nvPr/>
+        </p:nvPicPr>
+        <p:blipFill>
+          <a:blip r:embed="rId17">
+            <a:lum bright="70000" contrast="-70000"/>
+            <a:extLst>
+              <a:ext uri="{28A0092B-C50C-407E-A947-70E740481C1C}">
+                <a14:useLocalDpi xmlns:a14="http://schemas.microsoft.com/office/drawing/2010/main" val="0"/>
+              </a:ext>
+            </a:extLst>
+          </a:blip>
+          <a:stretch>
+            <a:fillRect/>
+          </a:stretch>
+        </p:blipFill>
+        <p:spPr>
+          <a:xfrm>
+            <a:off x="1704429" y="2421599"/>
+            <a:ext cx="1219200" cy="1219200"/>
+          </a:xfrm>
+          <a:prstGeom prst="rect">
+            <a:avLst/>
+          </a:prstGeom>
+        </p:spPr>
+      </p:pic>
+      <p:pic>
+        <p:nvPicPr>
+          <p:cNvPr id="291" name="Picture 290"/>
+          <p:cNvPicPr>
+            <a:picLocks noChangeAspect="1"/>
+          </p:cNvPicPr>
+          <p:nvPr/>
+        </p:nvPicPr>
+        <p:blipFill>
+          <a:blip r:embed="rId18">
+            <a:lum bright="70000" contrast="-70000"/>
+            <a:extLst>
+              <a:ext uri="{28A0092B-C50C-407E-A947-70E740481C1C}">
+                <a14:useLocalDpi xmlns:a14="http://schemas.microsoft.com/office/drawing/2010/main" val="0"/>
+              </a:ext>
+            </a:extLst>
+          </a:blip>
+          <a:stretch>
+            <a:fillRect/>
+          </a:stretch>
+        </p:blipFill>
+        <p:spPr>
+          <a:xfrm>
+            <a:off x="6976800" y="2439628"/>
+            <a:ext cx="1219200" cy="1219200"/>
+          </a:xfrm>
+          <a:prstGeom prst="rect">
+            <a:avLst/>
+          </a:prstGeom>
+        </p:spPr>
+      </p:pic>
+      <p:pic>
+        <p:nvPicPr>
+          <p:cNvPr id="292" name="Picture 291"/>
+          <p:cNvPicPr>
+            <a:picLocks noChangeAspect="1"/>
+          </p:cNvPicPr>
+          <p:nvPr/>
+        </p:nvPicPr>
+        <p:blipFill>
+          <a:blip r:embed="rId19">
+            <a:lum bright="70000" contrast="-70000"/>
+            <a:extLst>
+              <a:ext uri="{28A0092B-C50C-407E-A947-70E740481C1C}">
+                <a14:useLocalDpi xmlns:a14="http://schemas.microsoft.com/office/drawing/2010/main" val="0"/>
+              </a:ext>
+            </a:extLst>
+          </a:blip>
+          <a:stretch>
+            <a:fillRect/>
+          </a:stretch>
+        </p:blipFill>
+        <p:spPr>
+          <a:xfrm>
+            <a:off x="5622829" y="2454485"/>
+            <a:ext cx="1219200" cy="1219200"/>
+          </a:xfrm>
+          <a:prstGeom prst="rect">
+            <a:avLst/>
+          </a:prstGeom>
+        </p:spPr>
+      </p:pic>
+      <p:pic>
+        <p:nvPicPr>
+          <p:cNvPr id="293" name="Picture 292"/>
+          <p:cNvPicPr>
+            <a:picLocks noChangeAspect="1"/>
+          </p:cNvPicPr>
+          <p:nvPr/>
+        </p:nvPicPr>
+        <p:blipFill>
+          <a:blip r:embed="rId20">
+            <a:lum bright="70000" contrast="-70000"/>
+            <a:extLst>
+              <a:ext uri="{28A0092B-C50C-407E-A947-70E740481C1C}">
+                <a14:useLocalDpi xmlns:a14="http://schemas.microsoft.com/office/drawing/2010/main" val="0"/>
+              </a:ext>
+            </a:extLst>
+          </a:blip>
+          <a:stretch>
+            <a:fillRect/>
+          </a:stretch>
+        </p:blipFill>
+        <p:spPr>
+          <a:xfrm>
+            <a:off x="8336400" y="2534314"/>
+            <a:ext cx="1219200" cy="1219200"/>
+          </a:xfrm>
+          <a:prstGeom prst="rect">
+            <a:avLst/>
+          </a:prstGeom>
+        </p:spPr>
+      </p:pic>
+      <p:pic>
+        <p:nvPicPr>
+          <p:cNvPr id="294" name="Picture 293"/>
+          <p:cNvPicPr>
+            <a:picLocks noChangeAspect="1"/>
+          </p:cNvPicPr>
+          <p:nvPr/>
+        </p:nvPicPr>
+        <p:blipFill>
+          <a:blip r:embed="rId21">
+            <a:lum bright="70000" contrast="-70000"/>
+            <a:extLst>
+              <a:ext uri="{28A0092B-C50C-407E-A947-70E740481C1C}">
+                <a14:useLocalDpi xmlns:a14="http://schemas.microsoft.com/office/drawing/2010/main" val="0"/>
+              </a:ext>
+            </a:extLst>
+          </a:blip>
+          <a:stretch>
+            <a:fillRect/>
+          </a:stretch>
+        </p:blipFill>
+        <p:spPr>
+          <a:xfrm>
+            <a:off x="1522829" y="3910656"/>
+            <a:ext cx="1219200" cy="1219200"/>
+          </a:xfrm>
+          <a:prstGeom prst="rect">
+            <a:avLst/>
+          </a:prstGeom>
+        </p:spPr>
+      </p:pic>
+      <p:pic>
+        <p:nvPicPr>
+          <p:cNvPr id="295" name="Picture 294"/>
+          <p:cNvPicPr>
+            <a:picLocks noChangeAspect="1"/>
+          </p:cNvPicPr>
+          <p:nvPr/>
+        </p:nvPicPr>
+        <p:blipFill>
+          <a:blip r:embed="rId22">
+            <a:lum bright="70000" contrast="-70000"/>
+            <a:extLst>
+              <a:ext uri="{28A0092B-C50C-407E-A947-70E740481C1C}">
+                <a14:useLocalDpi xmlns:a14="http://schemas.microsoft.com/office/drawing/2010/main" val="0"/>
+              </a:ext>
+            </a:extLst>
+          </a:blip>
+          <a:stretch>
+            <a:fillRect/>
+          </a:stretch>
+        </p:blipFill>
+        <p:spPr>
+          <a:xfrm>
+            <a:off x="303629" y="4021971"/>
+            <a:ext cx="1219200" cy="1219200"/>
+          </a:xfrm>
+          <a:prstGeom prst="rect">
+            <a:avLst/>
+          </a:prstGeom>
+        </p:spPr>
+      </p:pic>
+      <p:pic>
+        <p:nvPicPr>
+          <p:cNvPr id="296" name="Picture 295"/>
+          <p:cNvPicPr>
+            <a:picLocks noChangeAspect="1"/>
+          </p:cNvPicPr>
+          <p:nvPr/>
+        </p:nvPicPr>
+        <p:blipFill>
+          <a:blip r:embed="rId23">
+            <a:lum bright="70000" contrast="-70000"/>
+            <a:extLst>
+              <a:ext uri="{28A0092B-C50C-407E-A947-70E740481C1C}">
+                <a14:useLocalDpi xmlns:a14="http://schemas.microsoft.com/office/drawing/2010/main" val="0"/>
+              </a:ext>
+            </a:extLst>
+          </a:blip>
+          <a:stretch>
+            <a:fillRect/>
+          </a:stretch>
+        </p:blipFill>
+        <p:spPr>
+          <a:xfrm>
+            <a:off x="9762315" y="2534314"/>
+            <a:ext cx="1219200" cy="1219200"/>
+          </a:xfrm>
+          <a:prstGeom prst="rect">
+            <a:avLst/>
+          </a:prstGeom>
+        </p:spPr>
+      </p:pic>
+      <p:pic>
+        <p:nvPicPr>
+          <p:cNvPr id="297" name="Picture 296"/>
+          <p:cNvPicPr>
+            <a:picLocks noChangeAspect="1"/>
+          </p:cNvPicPr>
+          <p:nvPr/>
+        </p:nvPicPr>
+        <p:blipFill>
+          <a:blip r:embed="rId24">
+            <a:lum bright="70000" contrast="-70000"/>
+            <a:extLst>
+              <a:ext uri="{28A0092B-C50C-407E-A947-70E740481C1C}">
+                <a14:useLocalDpi xmlns:a14="http://schemas.microsoft.com/office/drawing/2010/main" val="0"/>
+              </a:ext>
+            </a:extLst>
+          </a:blip>
+          <a:stretch>
+            <a:fillRect/>
+          </a:stretch>
+        </p:blipFill>
+        <p:spPr>
+          <a:xfrm>
+            <a:off x="5998771" y="4004171"/>
+            <a:ext cx="1219200" cy="1219200"/>
+          </a:xfrm>
+          <a:prstGeom prst="rect">
+            <a:avLst/>
+          </a:prstGeom>
+        </p:spPr>
+      </p:pic>
+      <p:pic>
+        <p:nvPicPr>
+          <p:cNvPr id="298" name="Picture 297"/>
+          <p:cNvPicPr>
+            <a:picLocks noChangeAspect="1"/>
+          </p:cNvPicPr>
+          <p:nvPr/>
+        </p:nvPicPr>
+        <p:blipFill>
+          <a:blip r:embed="rId25">
+            <a:lum bright="70000" contrast="-70000"/>
+            <a:extLst>
+              <a:ext uri="{28A0092B-C50C-407E-A947-70E740481C1C}">
+                <a14:useLocalDpi xmlns:a14="http://schemas.microsoft.com/office/drawing/2010/main" val="0"/>
+              </a:ext>
+            </a:extLst>
+          </a:blip>
+          <a:stretch>
+            <a:fillRect/>
+          </a:stretch>
+        </p:blipFill>
+        <p:spPr>
+          <a:xfrm>
+            <a:off x="4526400" y="4021971"/>
+            <a:ext cx="1219200" cy="1219200"/>
+          </a:xfrm>
+          <a:prstGeom prst="rect">
+            <a:avLst/>
+          </a:prstGeom>
+        </p:spPr>
+      </p:pic>
+      <p:pic>
+        <p:nvPicPr>
+          <p:cNvPr id="299" name="Picture 298"/>
+          <p:cNvPicPr>
+            <a:picLocks noChangeAspect="1"/>
+          </p:cNvPicPr>
+          <p:nvPr/>
+        </p:nvPicPr>
+        <p:blipFill>
+          <a:blip r:embed="rId26">
+            <a:lum bright="70000" contrast="-70000"/>
+            <a:extLst>
+              <a:ext uri="{28A0092B-C50C-407E-A947-70E740481C1C}">
+                <a14:useLocalDpi xmlns:a14="http://schemas.microsoft.com/office/drawing/2010/main" val="0"/>
+              </a:ext>
+            </a:extLst>
+          </a:blip>
+          <a:stretch>
+            <a:fillRect/>
+          </a:stretch>
+        </p:blipFill>
+        <p:spPr>
+          <a:xfrm>
+            <a:off x="3054029" y="4021971"/>
+            <a:ext cx="1219200" cy="1219200"/>
+          </a:xfrm>
+          <a:prstGeom prst="rect">
+            <a:avLst/>
+          </a:prstGeom>
+        </p:spPr>
+      </p:pic>
+      <p:pic>
+        <p:nvPicPr>
+          <p:cNvPr id="300" name="Picture 299"/>
+          <p:cNvPicPr>
+            <a:picLocks noChangeAspect="1"/>
+          </p:cNvPicPr>
+          <p:nvPr/>
+        </p:nvPicPr>
+        <p:blipFill>
+          <a:blip r:embed="rId27">
+            <a:lum bright="70000" contrast="-70000"/>
+            <a:extLst>
+              <a:ext uri="{28A0092B-C50C-407E-A947-70E740481C1C}">
+                <a14:useLocalDpi xmlns:a14="http://schemas.microsoft.com/office/drawing/2010/main" val="0"/>
+              </a:ext>
+            </a:extLst>
+          </a:blip>
+          <a:stretch>
+            <a:fillRect/>
+          </a:stretch>
+        </p:blipFill>
+        <p:spPr>
+          <a:xfrm>
+            <a:off x="10221542" y="4145971"/>
+            <a:ext cx="1219200" cy="1219200"/>
+          </a:xfrm>
+          <a:prstGeom prst="rect">
+            <a:avLst/>
+          </a:prstGeom>
+        </p:spPr>
+      </p:pic>
+      <p:pic>
+        <p:nvPicPr>
+          <p:cNvPr id="301" name="Picture 300"/>
+          <p:cNvPicPr>
+            <a:picLocks noChangeAspect="1"/>
+          </p:cNvPicPr>
+          <p:nvPr/>
+        </p:nvPicPr>
+        <p:blipFill>
+          <a:blip r:embed="rId28">
+            <a:lum bright="70000" contrast="-70000"/>
+            <a:extLst>
+              <a:ext uri="{28A0092B-C50C-407E-A947-70E740481C1C}">
+                <a14:useLocalDpi xmlns:a14="http://schemas.microsoft.com/office/drawing/2010/main" val="0"/>
+              </a:ext>
+            </a:extLst>
+          </a:blip>
+          <a:stretch>
+            <a:fillRect/>
+          </a:stretch>
+        </p:blipFill>
+        <p:spPr>
+          <a:xfrm>
+            <a:off x="8858971" y="4120114"/>
+            <a:ext cx="1219200" cy="1219200"/>
+          </a:xfrm>
+          <a:prstGeom prst="rect">
+            <a:avLst/>
+          </a:prstGeom>
+        </p:spPr>
+      </p:pic>
+      <p:pic>
+        <p:nvPicPr>
+          <p:cNvPr id="302" name="Picture 301"/>
+          <p:cNvPicPr>
+            <a:picLocks noChangeAspect="1"/>
+          </p:cNvPicPr>
+          <p:nvPr/>
+        </p:nvPicPr>
+        <p:blipFill>
+          <a:blip r:embed="rId29">
+            <a:lum bright="70000" contrast="-70000"/>
+            <a:extLst>
+              <a:ext uri="{28A0092B-C50C-407E-A947-70E740481C1C}">
+                <a14:useLocalDpi xmlns:a14="http://schemas.microsoft.com/office/drawing/2010/main" val="0"/>
+              </a:ext>
+            </a:extLst>
+          </a:blip>
+          <a:stretch>
+            <a:fillRect/>
+          </a:stretch>
+        </p:blipFill>
+        <p:spPr>
+          <a:xfrm>
+            <a:off x="7471142" y="4120114"/>
+            <a:ext cx="1219200" cy="1219200"/>
+          </a:xfrm>
+          <a:prstGeom prst="rect">
+            <a:avLst/>
+          </a:prstGeom>
+        </p:spPr>
+      </p:pic>
     </p:spTree>
     <p:extLst>
       <p:ext uri="{BB962C8B-B14F-4D97-AF65-F5344CB8AC3E}">
-        <p14:creationId xmlns:p14="http://schemas.microsoft.com/office/powerpoint/2010/main" val="720356831"/>
+        <p14:creationId xmlns:p14="http://schemas.microsoft.com/office/powerpoint/2010/main" val="2451305448"/>
       </p:ext>
     </p:extLst>
   </p:cSld>
@@ -10908,6 +11629,285 @@
       </p:grpSpPr>
       <p:pic>
         <p:nvPicPr>
+          <p:cNvPr id="2" name="Picture 1"/>
+          <p:cNvPicPr>
+            <a:picLocks noChangeAspect="1"/>
+          </p:cNvPicPr>
+          <p:nvPr/>
+        </p:nvPicPr>
+        <p:blipFill>
+          <a:blip r:embed="rId2">
+            <a:lum bright="70000" contrast="-70000"/>
+            <a:extLst>
+              <a:ext uri="{28A0092B-C50C-407E-A947-70E740481C1C}">
+                <a14:useLocalDpi xmlns:a14="http://schemas.microsoft.com/office/drawing/2010/main" val="0"/>
+              </a:ext>
+            </a:extLst>
+          </a:blip>
+          <a:stretch>
+            <a:fillRect/>
+          </a:stretch>
+        </p:blipFill>
+        <p:spPr>
+          <a:xfrm>
+            <a:off x="322686" y="250829"/>
+            <a:ext cx="1219200" cy="1219200"/>
+          </a:xfrm>
+          <a:prstGeom prst="rect">
+            <a:avLst/>
+          </a:prstGeom>
+        </p:spPr>
+      </p:pic>
+      <p:pic>
+        <p:nvPicPr>
+          <p:cNvPr id="3" name="Picture 2"/>
+          <p:cNvPicPr>
+            <a:picLocks noChangeAspect="1"/>
+          </p:cNvPicPr>
+          <p:nvPr/>
+        </p:nvPicPr>
+        <p:blipFill>
+          <a:blip r:embed="rId3">
+            <a:lum bright="70000" contrast="-70000"/>
+            <a:extLst>
+              <a:ext uri="{28A0092B-C50C-407E-A947-70E740481C1C}">
+                <a14:useLocalDpi xmlns:a14="http://schemas.microsoft.com/office/drawing/2010/main" val="0"/>
+              </a:ext>
+            </a:extLst>
+          </a:blip>
+          <a:stretch>
+            <a:fillRect/>
+          </a:stretch>
+        </p:blipFill>
+        <p:spPr>
+          <a:xfrm>
+            <a:off x="1841371" y="306486"/>
+            <a:ext cx="1219200" cy="1219200"/>
+          </a:xfrm>
+          <a:prstGeom prst="rect">
+            <a:avLst/>
+          </a:prstGeom>
+        </p:spPr>
+      </p:pic>
+      <p:pic>
+        <p:nvPicPr>
+          <p:cNvPr id="4" name="Picture 3"/>
+          <p:cNvPicPr>
+            <a:picLocks noChangeAspect="1"/>
+          </p:cNvPicPr>
+          <p:nvPr/>
+        </p:nvPicPr>
+        <p:blipFill>
+          <a:blip r:embed="rId4">
+            <a:lum bright="70000" contrast="-70000"/>
+            <a:extLst>
+              <a:ext uri="{28A0092B-C50C-407E-A947-70E740481C1C}">
+                <a14:useLocalDpi xmlns:a14="http://schemas.microsoft.com/office/drawing/2010/main" val="0"/>
+              </a:ext>
+            </a:extLst>
+          </a:blip>
+          <a:stretch>
+            <a:fillRect/>
+          </a:stretch>
+        </p:blipFill>
+        <p:spPr>
+          <a:xfrm>
+            <a:off x="3360056" y="250829"/>
+            <a:ext cx="1219200" cy="1219200"/>
+          </a:xfrm>
+          <a:prstGeom prst="rect">
+            <a:avLst/>
+          </a:prstGeom>
+        </p:spPr>
+      </p:pic>
+      <p:pic>
+        <p:nvPicPr>
+          <p:cNvPr id="5" name="Picture 4"/>
+          <p:cNvPicPr>
+            <a:picLocks noChangeAspect="1"/>
+          </p:cNvPicPr>
+          <p:nvPr/>
+        </p:nvPicPr>
+        <p:blipFill>
+          <a:blip r:embed="rId5">
+            <a:lum bright="70000" contrast="-70000"/>
+            <a:extLst>
+              <a:ext uri="{28A0092B-C50C-407E-A947-70E740481C1C}">
+                <a14:useLocalDpi xmlns:a14="http://schemas.microsoft.com/office/drawing/2010/main" val="0"/>
+              </a:ext>
+            </a:extLst>
+          </a:blip>
+          <a:stretch>
+            <a:fillRect/>
+          </a:stretch>
+        </p:blipFill>
+        <p:spPr>
+          <a:xfrm>
+            <a:off x="4878741" y="249715"/>
+            <a:ext cx="1219200" cy="1219200"/>
+          </a:xfrm>
+          <a:prstGeom prst="rect">
+            <a:avLst/>
+          </a:prstGeom>
+        </p:spPr>
+      </p:pic>
+      <p:pic>
+        <p:nvPicPr>
+          <p:cNvPr id="6" name="Picture 5"/>
+          <p:cNvPicPr>
+            <a:picLocks noChangeAspect="1"/>
+          </p:cNvPicPr>
+          <p:nvPr/>
+        </p:nvPicPr>
+        <p:blipFill>
+          <a:blip r:embed="rId6">
+            <a:lum bright="70000" contrast="-70000"/>
+            <a:extLst>
+              <a:ext uri="{28A0092B-C50C-407E-A947-70E740481C1C}">
+                <a14:useLocalDpi xmlns:a14="http://schemas.microsoft.com/office/drawing/2010/main" val="0"/>
+              </a:ext>
+            </a:extLst>
+          </a:blip>
+          <a:stretch>
+            <a:fillRect/>
+          </a:stretch>
+        </p:blipFill>
+        <p:spPr>
+          <a:xfrm>
+            <a:off x="7736400" y="249715"/>
+            <a:ext cx="1219200" cy="1219200"/>
+          </a:xfrm>
+          <a:prstGeom prst="rect">
+            <a:avLst/>
+          </a:prstGeom>
+        </p:spPr>
+      </p:pic>
+      <p:pic>
+        <p:nvPicPr>
+          <p:cNvPr id="7" name="Picture 6"/>
+          <p:cNvPicPr>
+            <a:picLocks noChangeAspect="1"/>
+          </p:cNvPicPr>
+          <p:nvPr/>
+        </p:nvPicPr>
+        <p:blipFill>
+          <a:blip r:embed="rId7">
+            <a:lum bright="70000" contrast="-70000"/>
+            <a:extLst>
+              <a:ext uri="{28A0092B-C50C-407E-A947-70E740481C1C}">
+                <a14:useLocalDpi xmlns:a14="http://schemas.microsoft.com/office/drawing/2010/main" val="0"/>
+              </a:ext>
+            </a:extLst>
+          </a:blip>
+          <a:stretch>
+            <a:fillRect/>
+          </a:stretch>
+        </p:blipFill>
+        <p:spPr>
+          <a:xfrm>
+            <a:off x="6396057" y="249715"/>
+            <a:ext cx="1219200" cy="1219200"/>
+          </a:xfrm>
+          <a:prstGeom prst="rect">
+            <a:avLst/>
+          </a:prstGeom>
+        </p:spPr>
+      </p:pic>
+      <p:pic>
+        <p:nvPicPr>
+          <p:cNvPr id="8" name="Picture 7"/>
+          <p:cNvPicPr>
+            <a:picLocks noChangeAspect="1"/>
+          </p:cNvPicPr>
+          <p:nvPr/>
+        </p:nvPicPr>
+        <p:blipFill>
+          <a:blip r:embed="rId8">
+            <a:lum bright="70000" contrast="-70000"/>
+            <a:extLst>
+              <a:ext uri="{28A0092B-C50C-407E-A947-70E740481C1C}">
+                <a14:useLocalDpi xmlns:a14="http://schemas.microsoft.com/office/drawing/2010/main" val="0"/>
+              </a:ext>
+            </a:extLst>
+          </a:blip>
+          <a:stretch>
+            <a:fillRect/>
+          </a:stretch>
+        </p:blipFill>
+        <p:spPr>
+          <a:xfrm>
+            <a:off x="322686" y="1525686"/>
+            <a:ext cx="1219200" cy="1219200"/>
+          </a:xfrm>
+          <a:prstGeom prst="rect">
+            <a:avLst/>
+          </a:prstGeom>
+        </p:spPr>
+      </p:pic>
+      <p:pic>
+        <p:nvPicPr>
+          <p:cNvPr id="9" name="Picture 8"/>
+          <p:cNvPicPr>
+            <a:picLocks noChangeAspect="1"/>
+          </p:cNvPicPr>
+          <p:nvPr/>
+        </p:nvPicPr>
+        <p:blipFill>
+          <a:blip r:embed="rId9">
+            <a:lum bright="70000" contrast="-70000"/>
+            <a:extLst>
+              <a:ext uri="{28A0092B-C50C-407E-A947-70E740481C1C}">
+                <a14:useLocalDpi xmlns:a14="http://schemas.microsoft.com/office/drawing/2010/main" val="0"/>
+              </a:ext>
+            </a:extLst>
+          </a:blip>
+          <a:stretch>
+            <a:fillRect/>
+          </a:stretch>
+        </p:blipFill>
+        <p:spPr>
+          <a:xfrm>
+            <a:off x="9120229" y="275315"/>
+            <a:ext cx="1219200" cy="1219200"/>
+          </a:xfrm>
+          <a:prstGeom prst="rect">
+            <a:avLst/>
+          </a:prstGeom>
+        </p:spPr>
+      </p:pic>
+      <p:pic>
+        <p:nvPicPr>
+          <p:cNvPr id="10" name="Picture 9"/>
+          <p:cNvPicPr>
+            <a:picLocks noChangeAspect="1"/>
+          </p:cNvPicPr>
+          <p:nvPr/>
+        </p:nvPicPr>
+        <p:blipFill>
+          <a:blip r:embed="rId10">
+            <a:lum bright="70000" contrast="-70000"/>
+            <a:extLst>
+              <a:ext uri="{28A0092B-C50C-407E-A947-70E740481C1C}">
+                <a14:useLocalDpi xmlns:a14="http://schemas.microsoft.com/office/drawing/2010/main" val="0"/>
+              </a:ext>
+            </a:extLst>
+          </a:blip>
+          <a:stretch>
+            <a:fillRect/>
+          </a:stretch>
+        </p:blipFill>
+        <p:spPr>
+          <a:xfrm>
+            <a:off x="10460572" y="306486"/>
+            <a:ext cx="1219200" cy="1219200"/>
+          </a:xfrm>
+          <a:prstGeom prst="rect">
+            <a:avLst/>
+          </a:prstGeom>
+        </p:spPr>
+      </p:pic>
+      <p:pic>
+        <p:nvPicPr>
           <p:cNvPr id="11" name="Picture 10"/>
           <p:cNvPicPr>
             <a:picLocks noChangeAspect="1"/>
@@ -10915,21 +11915,22 @@
           <p:nvPr/>
         </p:nvPicPr>
         <p:blipFill>
-          <a:blip r:embed="rId2">
-            <a:extLst>
-              <a:ext uri="{28A0092B-C50C-407E-A947-70E740481C1C}">
-                <a14:useLocalDpi xmlns:a14="http://schemas.microsoft.com/office/drawing/2010/main" val="0"/>
-              </a:ext>
-            </a:extLst>
-          </a:blip>
-          <a:stretch>
-            <a:fillRect/>
-          </a:stretch>
-        </p:blipFill>
-        <p:spPr>
-          <a:xfrm>
-            <a:off x="2207458" y="453313"/>
-            <a:ext cx="457200" cy="457200"/>
+          <a:blip r:embed="rId11">
+            <a:lum bright="70000" contrast="-70000"/>
+            <a:extLst>
+              <a:ext uri="{28A0092B-C50C-407E-A947-70E740481C1C}">
+                <a14:useLocalDpi xmlns:a14="http://schemas.microsoft.com/office/drawing/2010/main" val="0"/>
+              </a:ext>
+            </a:extLst>
+          </a:blip>
+          <a:stretch>
+            <a:fillRect/>
+          </a:stretch>
+        </p:blipFill>
+        <p:spPr>
+          <a:xfrm>
+            <a:off x="3179485" y="1494515"/>
+            <a:ext cx="1219200" cy="1219200"/>
           </a:xfrm>
           <a:prstGeom prst="rect">
             <a:avLst/>
@@ -10945,21 +11946,22 @@
           <p:nvPr/>
         </p:nvPicPr>
         <p:blipFill>
-          <a:blip r:embed="rId3">
-            <a:extLst>
-              <a:ext uri="{28A0092B-C50C-407E-A947-70E740481C1C}">
-                <a14:useLocalDpi xmlns:a14="http://schemas.microsoft.com/office/drawing/2010/main" val="0"/>
-              </a:ext>
-            </a:extLst>
-          </a:blip>
-          <a:stretch>
-            <a:fillRect/>
-          </a:stretch>
-        </p:blipFill>
-        <p:spPr>
-          <a:xfrm>
-            <a:off x="1294229" y="453399"/>
-            <a:ext cx="457200" cy="457200"/>
+          <a:blip r:embed="rId12">
+            <a:lum bright="70000" contrast="-70000"/>
+            <a:extLst>
+              <a:ext uri="{28A0092B-C50C-407E-A947-70E740481C1C}">
+                <a14:useLocalDpi xmlns:a14="http://schemas.microsoft.com/office/drawing/2010/main" val="0"/>
+              </a:ext>
+            </a:extLst>
+          </a:blip>
+          <a:stretch>
+            <a:fillRect/>
+          </a:stretch>
+        </p:blipFill>
+        <p:spPr>
+          <a:xfrm>
+            <a:off x="1841371" y="1525686"/>
+            <a:ext cx="1219200" cy="1219200"/>
           </a:xfrm>
           <a:prstGeom prst="rect">
             <a:avLst/>
@@ -10975,21 +11977,53 @@
           <p:nvPr/>
         </p:nvPicPr>
         <p:blipFill>
-          <a:blip r:embed="rId4">
-            <a:extLst>
-              <a:ext uri="{28A0092B-C50C-407E-A947-70E740481C1C}">
-                <a14:useLocalDpi xmlns:a14="http://schemas.microsoft.com/office/drawing/2010/main" val="0"/>
-              </a:ext>
-            </a:extLst>
-          </a:blip>
-          <a:stretch>
-            <a:fillRect/>
-          </a:stretch>
-        </p:blipFill>
-        <p:spPr>
-          <a:xfrm>
-            <a:off x="381000" y="453399"/>
-            <a:ext cx="457200" cy="457200"/>
+          <a:blip r:embed="rId13">
+            <a:lum bright="70000" contrast="-70000"/>
+            <a:extLst>
+              <a:ext uri="{28A0092B-C50C-407E-A947-70E740481C1C}">
+                <a14:useLocalDpi xmlns:a14="http://schemas.microsoft.com/office/drawing/2010/main" val="0"/>
+              </a:ext>
+            </a:extLst>
+          </a:blip>
+          <a:stretch>
+            <a:fillRect/>
+          </a:stretch>
+        </p:blipFill>
+        <p:spPr>
+          <a:xfrm>
+            <a:off x="4728943" y="1468915"/>
+            <a:ext cx="1219200" cy="1219200"/>
+          </a:xfrm>
+          <a:prstGeom prst="rect">
+            <a:avLst/>
+          </a:prstGeom>
+        </p:spPr>
+      </p:pic>
+      <p:pic>
+        <p:nvPicPr>
+          <p:cNvPr id="14" name="Picture 13"/>
+          <p:cNvPicPr>
+            <a:picLocks noChangeAspect="1"/>
+          </p:cNvPicPr>
+          <p:nvPr/>
+        </p:nvPicPr>
+        <p:blipFill>
+          <a:blip r:embed="rId14">
+            <a:lum bright="70000" contrast="-70000"/>
+            <a:extLst>
+              <a:ext uri="{28A0092B-C50C-407E-A947-70E740481C1C}">
+                <a14:useLocalDpi xmlns:a14="http://schemas.microsoft.com/office/drawing/2010/main" val="0"/>
+              </a:ext>
+            </a:extLst>
+          </a:blip>
+          <a:stretch>
+            <a:fillRect/>
+          </a:stretch>
+        </p:blipFill>
+        <p:spPr>
+          <a:xfrm>
+            <a:off x="7809086" y="1525686"/>
+            <a:ext cx="1219200" cy="1219200"/>
           </a:xfrm>
           <a:prstGeom prst="rect">
             <a:avLst/>
@@ -11005,316 +12039,6 @@
           <p:nvPr/>
         </p:nvPicPr>
         <p:blipFill>
-          <a:blip r:embed="rId5">
-            <a:lum bright="70000" contrast="-70000"/>
-            <a:extLst>
-              <a:ext uri="{28A0092B-C50C-407E-A947-70E740481C1C}">
-                <a14:useLocalDpi xmlns:a14="http://schemas.microsoft.com/office/drawing/2010/main" val="0"/>
-              </a:ext>
-            </a:extLst>
-          </a:blip>
-          <a:stretch>
-            <a:fillRect/>
-          </a:stretch>
-        </p:blipFill>
-        <p:spPr>
-          <a:xfrm>
-            <a:off x="303629" y="1070428"/>
-            <a:ext cx="1219200" cy="1219200"/>
-          </a:xfrm>
-          <a:prstGeom prst="rect">
-            <a:avLst/>
-          </a:prstGeom>
-        </p:spPr>
-      </p:pic>
-      <p:pic>
-        <p:nvPicPr>
-          <p:cNvPr id="279" name="Picture 278"/>
-          <p:cNvPicPr>
-            <a:picLocks noChangeAspect="1"/>
-          </p:cNvPicPr>
-          <p:nvPr/>
-        </p:nvPicPr>
-        <p:blipFill>
-          <a:blip r:embed="rId6">
-            <a:lum bright="70000" contrast="-70000"/>
-            <a:extLst>
-              <a:ext uri="{28A0092B-C50C-407E-A947-70E740481C1C}">
-                <a14:useLocalDpi xmlns:a14="http://schemas.microsoft.com/office/drawing/2010/main" val="0"/>
-              </a:ext>
-            </a:extLst>
-          </a:blip>
-          <a:stretch>
-            <a:fillRect/>
-          </a:stretch>
-        </p:blipFill>
-        <p:spPr>
-          <a:xfrm>
-            <a:off x="2950029" y="1070428"/>
-            <a:ext cx="1219200" cy="1219200"/>
-          </a:xfrm>
-          <a:prstGeom prst="rect">
-            <a:avLst/>
-          </a:prstGeom>
-        </p:spPr>
-      </p:pic>
-      <p:pic>
-        <p:nvPicPr>
-          <p:cNvPr id="280" name="Picture 279"/>
-          <p:cNvPicPr>
-            <a:picLocks noChangeAspect="1"/>
-          </p:cNvPicPr>
-          <p:nvPr/>
-        </p:nvPicPr>
-        <p:blipFill>
-          <a:blip r:embed="rId7">
-            <a:lum bright="70000" contrast="-70000"/>
-            <a:extLst>
-              <a:ext uri="{28A0092B-C50C-407E-A947-70E740481C1C}">
-                <a14:useLocalDpi xmlns:a14="http://schemas.microsoft.com/office/drawing/2010/main" val="0"/>
-              </a:ext>
-            </a:extLst>
-          </a:blip>
-          <a:stretch>
-            <a:fillRect/>
-          </a:stretch>
-        </p:blipFill>
-        <p:spPr>
-          <a:xfrm>
-            <a:off x="1626829" y="1070428"/>
-            <a:ext cx="1219200" cy="1219200"/>
-          </a:xfrm>
-          <a:prstGeom prst="rect">
-            <a:avLst/>
-          </a:prstGeom>
-        </p:spPr>
-      </p:pic>
-      <p:pic>
-        <p:nvPicPr>
-          <p:cNvPr id="281" name="Picture 280"/>
-          <p:cNvPicPr>
-            <a:picLocks noChangeAspect="1"/>
-          </p:cNvPicPr>
-          <p:nvPr/>
-        </p:nvPicPr>
-        <p:blipFill>
-          <a:blip r:embed="rId8">
-            <a:lum bright="70000" contrast="-70000"/>
-            <a:extLst>
-              <a:ext uri="{28A0092B-C50C-407E-A947-70E740481C1C}">
-                <a14:useLocalDpi xmlns:a14="http://schemas.microsoft.com/office/drawing/2010/main" val="0"/>
-              </a:ext>
-            </a:extLst>
-          </a:blip>
-          <a:stretch>
-            <a:fillRect/>
-          </a:stretch>
-        </p:blipFill>
-        <p:spPr>
-          <a:xfrm>
-            <a:off x="5596429" y="1107999"/>
-            <a:ext cx="1219200" cy="1219200"/>
-          </a:xfrm>
-          <a:prstGeom prst="rect">
-            <a:avLst/>
-          </a:prstGeom>
-        </p:spPr>
-      </p:pic>
-      <p:pic>
-        <p:nvPicPr>
-          <p:cNvPr id="282" name="Picture 281"/>
-          <p:cNvPicPr>
-            <a:picLocks noChangeAspect="1"/>
-          </p:cNvPicPr>
-          <p:nvPr/>
-        </p:nvPicPr>
-        <p:blipFill>
-          <a:blip r:embed="rId9">
-            <a:lum bright="70000" contrast="-70000"/>
-            <a:extLst>
-              <a:ext uri="{28A0092B-C50C-407E-A947-70E740481C1C}">
-                <a14:useLocalDpi xmlns:a14="http://schemas.microsoft.com/office/drawing/2010/main" val="0"/>
-              </a:ext>
-            </a:extLst>
-          </a:blip>
-          <a:stretch>
-            <a:fillRect/>
-          </a:stretch>
-        </p:blipFill>
-        <p:spPr>
-          <a:xfrm>
-            <a:off x="4273229" y="1070428"/>
-            <a:ext cx="1219200" cy="1219200"/>
-          </a:xfrm>
-          <a:prstGeom prst="rect">
-            <a:avLst/>
-          </a:prstGeom>
-        </p:spPr>
-      </p:pic>
-      <p:pic>
-        <p:nvPicPr>
-          <p:cNvPr id="283" name="Picture 282"/>
-          <p:cNvPicPr>
-            <a:picLocks noChangeAspect="1"/>
-          </p:cNvPicPr>
-          <p:nvPr/>
-        </p:nvPicPr>
-        <p:blipFill>
-          <a:blip r:embed="rId10">
-            <a:lum bright="70000" contrast="-70000"/>
-            <a:extLst>
-              <a:ext uri="{28A0092B-C50C-407E-A947-70E740481C1C}">
-                <a14:useLocalDpi xmlns:a14="http://schemas.microsoft.com/office/drawing/2010/main" val="0"/>
-              </a:ext>
-            </a:extLst>
-          </a:blip>
-          <a:stretch>
-            <a:fillRect/>
-          </a:stretch>
-        </p:blipFill>
-        <p:spPr>
-          <a:xfrm>
-            <a:off x="6919629" y="1107999"/>
-            <a:ext cx="1219200" cy="1219200"/>
-          </a:xfrm>
-          <a:prstGeom prst="rect">
-            <a:avLst/>
-          </a:prstGeom>
-        </p:spPr>
-      </p:pic>
-      <p:pic>
-        <p:nvPicPr>
-          <p:cNvPr id="284" name="Picture 283"/>
-          <p:cNvPicPr>
-            <a:picLocks noChangeAspect="1"/>
-          </p:cNvPicPr>
-          <p:nvPr/>
-        </p:nvPicPr>
-        <p:blipFill>
-          <a:blip r:embed="rId11">
-            <a:lum bright="70000" contrast="-70000"/>
-            <a:extLst>
-              <a:ext uri="{28A0092B-C50C-407E-A947-70E740481C1C}">
-                <a14:useLocalDpi xmlns:a14="http://schemas.microsoft.com/office/drawing/2010/main" val="0"/>
-              </a:ext>
-            </a:extLst>
-          </a:blip>
-          <a:stretch>
-            <a:fillRect/>
-          </a:stretch>
-        </p:blipFill>
-        <p:spPr>
-          <a:xfrm>
-            <a:off x="9105600" y="1070428"/>
-            <a:ext cx="1219200" cy="1219200"/>
-          </a:xfrm>
-          <a:prstGeom prst="rect">
-            <a:avLst/>
-          </a:prstGeom>
-        </p:spPr>
-      </p:pic>
-      <p:pic>
-        <p:nvPicPr>
-          <p:cNvPr id="285" name="Picture 284"/>
-          <p:cNvPicPr>
-            <a:picLocks noChangeAspect="1"/>
-          </p:cNvPicPr>
-          <p:nvPr/>
-        </p:nvPicPr>
-        <p:blipFill>
-          <a:blip r:embed="rId12">
-            <a:lum bright="70000" contrast="-70000"/>
-            <a:extLst>
-              <a:ext uri="{28A0092B-C50C-407E-A947-70E740481C1C}">
-                <a14:useLocalDpi xmlns:a14="http://schemas.microsoft.com/office/drawing/2010/main" val="0"/>
-              </a:ext>
-            </a:extLst>
-          </a:blip>
-          <a:stretch>
-            <a:fillRect/>
-          </a:stretch>
-        </p:blipFill>
-        <p:spPr>
-          <a:xfrm>
-            <a:off x="7988286" y="1070428"/>
-            <a:ext cx="1219200" cy="1219200"/>
-          </a:xfrm>
-          <a:prstGeom prst="rect">
-            <a:avLst/>
-          </a:prstGeom>
-        </p:spPr>
-      </p:pic>
-      <p:pic>
-        <p:nvPicPr>
-          <p:cNvPr id="286" name="Picture 285"/>
-          <p:cNvPicPr>
-            <a:picLocks noChangeAspect="1"/>
-          </p:cNvPicPr>
-          <p:nvPr/>
-        </p:nvPicPr>
-        <p:blipFill>
-          <a:blip r:embed="rId13">
-            <a:lum bright="70000" contrast="-70000"/>
-            <a:extLst>
-              <a:ext uri="{28A0092B-C50C-407E-A947-70E740481C1C}">
-                <a14:useLocalDpi xmlns:a14="http://schemas.microsoft.com/office/drawing/2010/main" val="0"/>
-              </a:ext>
-            </a:extLst>
-          </a:blip>
-          <a:stretch>
-            <a:fillRect/>
-          </a:stretch>
-        </p:blipFill>
-        <p:spPr>
-          <a:xfrm>
-            <a:off x="303629" y="2185742"/>
-            <a:ext cx="1219200" cy="1219200"/>
-          </a:xfrm>
-          <a:prstGeom prst="rect">
-            <a:avLst/>
-          </a:prstGeom>
-        </p:spPr>
-      </p:pic>
-      <p:pic>
-        <p:nvPicPr>
-          <p:cNvPr id="287" name="Picture 286"/>
-          <p:cNvPicPr>
-            <a:picLocks noChangeAspect="1"/>
-          </p:cNvPicPr>
-          <p:nvPr/>
-        </p:nvPicPr>
-        <p:blipFill>
-          <a:blip r:embed="rId14">
-            <a:lum bright="70000" contrast="-70000"/>
-            <a:extLst>
-              <a:ext uri="{28A0092B-C50C-407E-A947-70E740481C1C}">
-                <a14:useLocalDpi xmlns:a14="http://schemas.microsoft.com/office/drawing/2010/main" val="0"/>
-              </a:ext>
-            </a:extLst>
-          </a:blip>
-          <a:stretch>
-            <a:fillRect/>
-          </a:stretch>
-        </p:blipFill>
-        <p:spPr>
-          <a:xfrm>
-            <a:off x="10484143" y="1070428"/>
-            <a:ext cx="1219200" cy="1219200"/>
-          </a:xfrm>
-          <a:prstGeom prst="rect">
-            <a:avLst/>
-          </a:prstGeom>
-        </p:spPr>
-      </p:pic>
-      <p:pic>
-        <p:nvPicPr>
-          <p:cNvPr id="288" name="Picture 287"/>
-          <p:cNvPicPr>
-            <a:picLocks noChangeAspect="1"/>
-          </p:cNvPicPr>
-          <p:nvPr/>
-        </p:nvPicPr>
-        <p:blipFill>
           <a:blip r:embed="rId15">
             <a:lum bright="70000" contrast="-70000"/>
             <a:extLst>
@@ -11329,17 +12053,17 @@
         </p:blipFill>
         <p:spPr>
           <a:xfrm>
-            <a:off x="2923629" y="2421599"/>
-            <a:ext cx="1219200" cy="1219200"/>
-          </a:xfrm>
-          <a:prstGeom prst="rect">
-            <a:avLst/>
-          </a:prstGeom>
-        </p:spPr>
-      </p:pic>
-      <p:pic>
-        <p:nvPicPr>
-          <p:cNvPr id="289" name="Picture 288"/>
+            <a:off x="6376800" y="1525686"/>
+            <a:ext cx="1219200" cy="1219200"/>
+          </a:xfrm>
+          <a:prstGeom prst="rect">
+            <a:avLst/>
+          </a:prstGeom>
+        </p:spPr>
+      </p:pic>
+      <p:pic>
+        <p:nvPicPr>
+          <p:cNvPr id="16" name="Picture 15"/>
           <p:cNvPicPr>
             <a:picLocks noChangeAspect="1"/>
           </p:cNvPicPr>
@@ -11360,17 +12084,17 @@
         </p:blipFill>
         <p:spPr>
           <a:xfrm>
-            <a:off x="4273229" y="2454485"/>
-            <a:ext cx="1219200" cy="1219200"/>
-          </a:xfrm>
-          <a:prstGeom prst="rect">
-            <a:avLst/>
-          </a:prstGeom>
-        </p:spPr>
-      </p:pic>
-      <p:pic>
-        <p:nvPicPr>
-          <p:cNvPr id="290" name="Picture 289"/>
+            <a:off x="9237900" y="1525686"/>
+            <a:ext cx="1219200" cy="1219200"/>
+          </a:xfrm>
+          <a:prstGeom prst="rect">
+            <a:avLst/>
+          </a:prstGeom>
+        </p:spPr>
+      </p:pic>
+      <p:pic>
+        <p:nvPicPr>
+          <p:cNvPr id="17" name="Picture 16"/>
           <p:cNvPicPr>
             <a:picLocks noChangeAspect="1"/>
           </p:cNvPicPr>
@@ -11391,17 +12115,17 @@
         </p:blipFill>
         <p:spPr>
           <a:xfrm>
-            <a:off x="1704429" y="2421599"/>
-            <a:ext cx="1219200" cy="1219200"/>
-          </a:xfrm>
-          <a:prstGeom prst="rect">
-            <a:avLst/>
-          </a:prstGeom>
-        </p:spPr>
-      </p:pic>
-      <p:pic>
-        <p:nvPicPr>
-          <p:cNvPr id="291" name="Picture 290"/>
+            <a:off x="10404571" y="1519943"/>
+            <a:ext cx="1219200" cy="1219200"/>
+          </a:xfrm>
+          <a:prstGeom prst="rect">
+            <a:avLst/>
+          </a:prstGeom>
+        </p:spPr>
+      </p:pic>
+      <p:pic>
+        <p:nvPicPr>
+          <p:cNvPr id="18" name="Picture 17"/>
           <p:cNvPicPr>
             <a:picLocks noChangeAspect="1"/>
           </p:cNvPicPr>
@@ -11422,17 +12146,17 @@
         </p:blipFill>
         <p:spPr>
           <a:xfrm>
-            <a:off x="6976800" y="2439628"/>
-            <a:ext cx="1219200" cy="1219200"/>
-          </a:xfrm>
-          <a:prstGeom prst="rect">
-            <a:avLst/>
-          </a:prstGeom>
-        </p:spPr>
-      </p:pic>
-      <p:pic>
-        <p:nvPicPr>
-          <p:cNvPr id="292" name="Picture 291"/>
+            <a:off x="1841371" y="3030143"/>
+            <a:ext cx="1219200" cy="1219200"/>
+          </a:xfrm>
+          <a:prstGeom prst="rect">
+            <a:avLst/>
+          </a:prstGeom>
+        </p:spPr>
+      </p:pic>
+      <p:pic>
+        <p:nvPicPr>
+          <p:cNvPr id="19" name="Picture 18"/>
           <p:cNvPicPr>
             <a:picLocks noChangeAspect="1"/>
           </p:cNvPicPr>
@@ -11453,17 +12177,17 @@
         </p:blipFill>
         <p:spPr>
           <a:xfrm>
-            <a:off x="5622829" y="2454485"/>
-            <a:ext cx="1219200" cy="1219200"/>
-          </a:xfrm>
-          <a:prstGeom prst="rect">
-            <a:avLst/>
-          </a:prstGeom>
-        </p:spPr>
-      </p:pic>
-      <p:pic>
-        <p:nvPicPr>
-          <p:cNvPr id="293" name="Picture 292"/>
+            <a:off x="322686" y="3030143"/>
+            <a:ext cx="1219200" cy="1219200"/>
+          </a:xfrm>
+          <a:prstGeom prst="rect">
+            <a:avLst/>
+          </a:prstGeom>
+        </p:spPr>
+      </p:pic>
+      <p:pic>
+        <p:nvPicPr>
+          <p:cNvPr id="20" name="Picture 19"/>
           <p:cNvPicPr>
             <a:picLocks noChangeAspect="1"/>
           </p:cNvPicPr>
@@ -11484,17 +12208,17 @@
         </p:blipFill>
         <p:spPr>
           <a:xfrm>
-            <a:off x="8336400" y="2534314"/>
-            <a:ext cx="1219200" cy="1219200"/>
-          </a:xfrm>
-          <a:prstGeom prst="rect">
-            <a:avLst/>
-          </a:prstGeom>
-        </p:spPr>
-      </p:pic>
-      <p:pic>
-        <p:nvPicPr>
-          <p:cNvPr id="294" name="Picture 293"/>
+            <a:off x="4728943" y="3030143"/>
+            <a:ext cx="1219200" cy="1219200"/>
+          </a:xfrm>
+          <a:prstGeom prst="rect">
+            <a:avLst/>
+          </a:prstGeom>
+        </p:spPr>
+      </p:pic>
+      <p:pic>
+        <p:nvPicPr>
+          <p:cNvPr id="21" name="Picture 20"/>
           <p:cNvPicPr>
             <a:picLocks noChangeAspect="1"/>
           </p:cNvPicPr>
@@ -11515,17 +12239,17 @@
         </p:blipFill>
         <p:spPr>
           <a:xfrm>
-            <a:off x="1522829" y="3910656"/>
-            <a:ext cx="1219200" cy="1219200"/>
-          </a:xfrm>
-          <a:prstGeom prst="rect">
-            <a:avLst/>
-          </a:prstGeom>
-        </p:spPr>
-      </p:pic>
-      <p:pic>
-        <p:nvPicPr>
-          <p:cNvPr id="295" name="Picture 294"/>
+            <a:off x="3338570" y="3030143"/>
+            <a:ext cx="1219200" cy="1219200"/>
+          </a:xfrm>
+          <a:prstGeom prst="rect">
+            <a:avLst/>
+          </a:prstGeom>
+        </p:spPr>
+      </p:pic>
+      <p:pic>
+        <p:nvPicPr>
+          <p:cNvPr id="22" name="Picture 21"/>
           <p:cNvPicPr>
             <a:picLocks noChangeAspect="1"/>
           </p:cNvPicPr>
@@ -11546,17 +12270,17 @@
         </p:blipFill>
         <p:spPr>
           <a:xfrm>
-            <a:off x="303629" y="4021971"/>
-            <a:ext cx="1219200" cy="1219200"/>
-          </a:xfrm>
-          <a:prstGeom prst="rect">
-            <a:avLst/>
-          </a:prstGeom>
-        </p:spPr>
-      </p:pic>
-      <p:pic>
-        <p:nvPicPr>
-          <p:cNvPr id="296" name="Picture 295"/>
+            <a:off x="1835343" y="4534600"/>
+            <a:ext cx="1219200" cy="1219200"/>
+          </a:xfrm>
+          <a:prstGeom prst="rect">
+            <a:avLst/>
+          </a:prstGeom>
+        </p:spPr>
+      </p:pic>
+      <p:pic>
+        <p:nvPicPr>
+          <p:cNvPr id="23" name="Picture 22"/>
           <p:cNvPicPr>
             <a:picLocks noChangeAspect="1"/>
           </p:cNvPicPr>
@@ -11577,17 +12301,17 @@
         </p:blipFill>
         <p:spPr>
           <a:xfrm>
-            <a:off x="9762315" y="2534314"/>
-            <a:ext cx="1219200" cy="1219200"/>
-          </a:xfrm>
-          <a:prstGeom prst="rect">
-            <a:avLst/>
-          </a:prstGeom>
-        </p:spPr>
-      </p:pic>
-      <p:pic>
-        <p:nvPicPr>
-          <p:cNvPr id="297" name="Picture 296"/>
+            <a:off x="322686" y="4534600"/>
+            <a:ext cx="1219200" cy="1219200"/>
+          </a:xfrm>
+          <a:prstGeom prst="rect">
+            <a:avLst/>
+          </a:prstGeom>
+        </p:spPr>
+      </p:pic>
+      <p:pic>
+        <p:nvPicPr>
+          <p:cNvPr id="24" name="Picture 23"/>
           <p:cNvPicPr>
             <a:picLocks noChangeAspect="1"/>
           </p:cNvPicPr>
@@ -11608,17 +12332,17 @@
         </p:blipFill>
         <p:spPr>
           <a:xfrm>
-            <a:off x="5998771" y="4004171"/>
-            <a:ext cx="1219200" cy="1219200"/>
-          </a:xfrm>
-          <a:prstGeom prst="rect">
-            <a:avLst/>
-          </a:prstGeom>
-        </p:spPr>
-      </p:pic>
-      <p:pic>
-        <p:nvPicPr>
-          <p:cNvPr id="298" name="Picture 297"/>
+            <a:off x="6376800" y="3162943"/>
+            <a:ext cx="1219200" cy="1219200"/>
+          </a:xfrm>
+          <a:prstGeom prst="rect">
+            <a:avLst/>
+          </a:prstGeom>
+        </p:spPr>
+      </p:pic>
+      <p:pic>
+        <p:nvPicPr>
+          <p:cNvPr id="25" name="Picture 24"/>
           <p:cNvPicPr>
             <a:picLocks noChangeAspect="1"/>
           </p:cNvPicPr>
@@ -11639,17 +12363,17 @@
         </p:blipFill>
         <p:spPr>
           <a:xfrm>
-            <a:off x="4526400" y="4021971"/>
-            <a:ext cx="1219200" cy="1219200"/>
-          </a:xfrm>
-          <a:prstGeom prst="rect">
-            <a:avLst/>
-          </a:prstGeom>
-        </p:spPr>
-      </p:pic>
-      <p:pic>
-        <p:nvPicPr>
-          <p:cNvPr id="299" name="Picture 298"/>
+            <a:off x="10404571" y="3109800"/>
+            <a:ext cx="1219200" cy="1219200"/>
+          </a:xfrm>
+          <a:prstGeom prst="rect">
+            <a:avLst/>
+          </a:prstGeom>
+        </p:spPr>
+      </p:pic>
+      <p:pic>
+        <p:nvPicPr>
+          <p:cNvPr id="26" name="Picture 25"/>
           <p:cNvPicPr>
             <a:picLocks noChangeAspect="1"/>
           </p:cNvPicPr>
@@ -11670,17 +12394,17 @@
         </p:blipFill>
         <p:spPr>
           <a:xfrm>
-            <a:off x="3054029" y="4021971"/>
-            <a:ext cx="1219200" cy="1219200"/>
-          </a:xfrm>
-          <a:prstGeom prst="rect">
-            <a:avLst/>
-          </a:prstGeom>
-        </p:spPr>
-      </p:pic>
-      <p:pic>
-        <p:nvPicPr>
-          <p:cNvPr id="300" name="Picture 299"/>
+            <a:off x="3338570" y="4534600"/>
+            <a:ext cx="1219200" cy="1219200"/>
+          </a:xfrm>
+          <a:prstGeom prst="rect">
+            <a:avLst/>
+          </a:prstGeom>
+        </p:spPr>
+      </p:pic>
+      <p:pic>
+        <p:nvPicPr>
+          <p:cNvPr id="27" name="Picture 26"/>
           <p:cNvPicPr>
             <a:picLocks noChangeAspect="1"/>
           </p:cNvPicPr>
@@ -11701,17 +12425,17 @@
         </p:blipFill>
         <p:spPr>
           <a:xfrm>
-            <a:off x="10221542" y="4145971"/>
-            <a:ext cx="1219200" cy="1219200"/>
-          </a:xfrm>
-          <a:prstGeom prst="rect">
-            <a:avLst/>
-          </a:prstGeom>
-        </p:spPr>
-      </p:pic>
-      <p:pic>
-        <p:nvPicPr>
-          <p:cNvPr id="301" name="Picture 300"/>
+            <a:off x="4831171" y="4560286"/>
+            <a:ext cx="1219200" cy="1219200"/>
+          </a:xfrm>
+          <a:prstGeom prst="rect">
+            <a:avLst/>
+          </a:prstGeom>
+        </p:spPr>
+      </p:pic>
+      <p:pic>
+        <p:nvPicPr>
+          <p:cNvPr id="28" name="Picture 27"/>
           <p:cNvPicPr>
             <a:picLocks noChangeAspect="1"/>
           </p:cNvPicPr>
@@ -11732,17 +12456,17 @@
         </p:blipFill>
         <p:spPr>
           <a:xfrm>
-            <a:off x="8858971" y="4120114"/>
-            <a:ext cx="1219200" cy="1219200"/>
-          </a:xfrm>
-          <a:prstGeom prst="rect">
-            <a:avLst/>
-          </a:prstGeom>
-        </p:spPr>
-      </p:pic>
-      <p:pic>
-        <p:nvPicPr>
-          <p:cNvPr id="302" name="Picture 301"/>
+            <a:off x="9028286" y="4560286"/>
+            <a:ext cx="1219200" cy="1219200"/>
+          </a:xfrm>
+          <a:prstGeom prst="rect">
+            <a:avLst/>
+          </a:prstGeom>
+        </p:spPr>
+      </p:pic>
+      <p:pic>
+        <p:nvPicPr>
+          <p:cNvPr id="29" name="Picture 28"/>
           <p:cNvPicPr>
             <a:picLocks noChangeAspect="1"/>
           </p:cNvPicPr>
@@ -11763,7 +12487,38 @@
         </p:blipFill>
         <p:spPr>
           <a:xfrm>
-            <a:off x="7471142" y="4120114"/>
+            <a:off x="8955600" y="3315400"/>
+            <a:ext cx="1219200" cy="1219200"/>
+          </a:xfrm>
+          <a:prstGeom prst="rect">
+            <a:avLst/>
+          </a:prstGeom>
+        </p:spPr>
+      </p:pic>
+      <p:pic>
+        <p:nvPicPr>
+          <p:cNvPr id="30" name="Picture 29"/>
+          <p:cNvPicPr>
+            <a:picLocks noChangeAspect="1"/>
+          </p:cNvPicPr>
+          <p:nvPr/>
+        </p:nvPicPr>
+        <p:blipFill>
+          <a:blip r:embed="rId30">
+            <a:lum bright="70000" contrast="-70000"/>
+            <a:extLst>
+              <a:ext uri="{28A0092B-C50C-407E-A947-70E740481C1C}">
+                <a14:useLocalDpi xmlns:a14="http://schemas.microsoft.com/office/drawing/2010/main" val="0"/>
+              </a:ext>
+            </a:extLst>
+          </a:blip>
+          <a:stretch>
+            <a:fillRect/>
+          </a:stretch>
+        </p:blipFill>
+        <p:spPr>
+          <a:xfrm>
+            <a:off x="10457100" y="4534600"/>
             <a:ext cx="1219200" cy="1219200"/>
           </a:xfrm>
           <a:prstGeom prst="rect">
@@ -11774,7 +12529,7 @@
     </p:spTree>
     <p:extLst>
       <p:ext uri="{BB962C8B-B14F-4D97-AF65-F5344CB8AC3E}">
-        <p14:creationId xmlns:p14="http://schemas.microsoft.com/office/powerpoint/2010/main" val="2451305448"/>
+        <p14:creationId xmlns:p14="http://schemas.microsoft.com/office/powerpoint/2010/main" val="823657930"/>
       </p:ext>
     </p:extLst>
   </p:cSld>
@@ -11824,7 +12579,7 @@
         </p:blipFill>
         <p:spPr>
           <a:xfrm>
-            <a:off x="322686" y="250829"/>
+            <a:off x="130628" y="359229"/>
             <a:ext cx="1219200" cy="1219200"/>
           </a:xfrm>
           <a:prstGeom prst="rect">
@@ -11855,7 +12610,7 @@
         </p:blipFill>
         <p:spPr>
           <a:xfrm>
-            <a:off x="1841371" y="306486"/>
+            <a:off x="94399" y="4550571"/>
             <a:ext cx="1219200" cy="1219200"/>
           </a:xfrm>
           <a:prstGeom prst="rect">
@@ -11886,7 +12641,7 @@
         </p:blipFill>
         <p:spPr>
           <a:xfrm>
-            <a:off x="3360056" y="250829"/>
+            <a:off x="94399" y="3153457"/>
             <a:ext cx="1219200" cy="1219200"/>
           </a:xfrm>
           <a:prstGeom prst="rect">
@@ -11917,7 +12672,7 @@
         </p:blipFill>
         <p:spPr>
           <a:xfrm>
-            <a:off x="4878741" y="249715"/>
+            <a:off x="94399" y="1756343"/>
             <a:ext cx="1219200" cy="1219200"/>
           </a:xfrm>
           <a:prstGeom prst="rect">
@@ -11948,7 +12703,7 @@
         </p:blipFill>
         <p:spPr>
           <a:xfrm>
-            <a:off x="7736400" y="249715"/>
+            <a:off x="1652285" y="359229"/>
             <a:ext cx="1219200" cy="1219200"/>
           </a:xfrm>
           <a:prstGeom prst="rect">
@@ -11979,7 +12734,7 @@
         </p:blipFill>
         <p:spPr>
           <a:xfrm>
-            <a:off x="6396057" y="249715"/>
+            <a:off x="1652285" y="1756343"/>
             <a:ext cx="1219200" cy="1219200"/>
           </a:xfrm>
           <a:prstGeom prst="rect">
@@ -12010,7 +12765,7 @@
         </p:blipFill>
         <p:spPr>
           <a:xfrm>
-            <a:off x="322686" y="1525686"/>
+            <a:off x="1652285" y="4550571"/>
             <a:ext cx="1219200" cy="1219200"/>
           </a:xfrm>
           <a:prstGeom prst="rect">
@@ -12041,7 +12796,7 @@
         </p:blipFill>
         <p:spPr>
           <a:xfrm>
-            <a:off x="9120229" y="275315"/>
+            <a:off x="1613599" y="3153457"/>
             <a:ext cx="1219200" cy="1219200"/>
           </a:xfrm>
           <a:prstGeom prst="rect">
@@ -12072,7 +12827,7 @@
         </p:blipFill>
         <p:spPr>
           <a:xfrm>
-            <a:off x="10460572" y="306486"/>
+            <a:off x="3173942" y="1813229"/>
             <a:ext cx="1219200" cy="1219200"/>
           </a:xfrm>
           <a:prstGeom prst="rect">
@@ -12103,7 +12858,7 @@
         </p:blipFill>
         <p:spPr>
           <a:xfrm>
-            <a:off x="3179485" y="1494515"/>
+            <a:off x="3173942" y="359229"/>
             <a:ext cx="1219200" cy="1219200"/>
           </a:xfrm>
           <a:prstGeom prst="rect">
@@ -12134,7 +12889,7 @@
         </p:blipFill>
         <p:spPr>
           <a:xfrm>
-            <a:off x="1841371" y="1525686"/>
+            <a:off x="3198342" y="3153457"/>
             <a:ext cx="1219200" cy="1219200"/>
           </a:xfrm>
           <a:prstGeom prst="rect">
@@ -12165,7 +12920,7 @@
         </p:blipFill>
         <p:spPr>
           <a:xfrm>
-            <a:off x="4728943" y="1468915"/>
+            <a:off x="3157485" y="4607457"/>
             <a:ext cx="1219200" cy="1219200"/>
           </a:xfrm>
           <a:prstGeom prst="rect">
@@ -12196,7 +12951,7 @@
         </p:blipFill>
         <p:spPr>
           <a:xfrm>
-            <a:off x="7809086" y="1525686"/>
+            <a:off x="4695599" y="1756343"/>
             <a:ext cx="1219200" cy="1219200"/>
           </a:xfrm>
           <a:prstGeom prst="rect">
@@ -12227,7 +12982,7 @@
         </p:blipFill>
         <p:spPr>
           <a:xfrm>
-            <a:off x="6376800" y="1525686"/>
+            <a:off x="4727399" y="360686"/>
             <a:ext cx="1219200" cy="1219200"/>
           </a:xfrm>
           <a:prstGeom prst="rect">
@@ -12258,7 +13013,7 @@
         </p:blipFill>
         <p:spPr>
           <a:xfrm>
-            <a:off x="9237900" y="1525686"/>
+            <a:off x="6280856" y="359229"/>
             <a:ext cx="1219200" cy="1219200"/>
           </a:xfrm>
           <a:prstGeom prst="rect">
@@ -12289,7 +13044,7 @@
         </p:blipFill>
         <p:spPr>
           <a:xfrm>
-            <a:off x="10404571" y="1519943"/>
+            <a:off x="4783085" y="3247857"/>
             <a:ext cx="1219200" cy="1219200"/>
           </a:xfrm>
           <a:prstGeom prst="rect">
@@ -12320,7 +13075,7 @@
         </p:blipFill>
         <p:spPr>
           <a:xfrm>
-            <a:off x="1841371" y="3030143"/>
+            <a:off x="4826685" y="4643514"/>
             <a:ext cx="1219200" cy="1219200"/>
           </a:xfrm>
           <a:prstGeom prst="rect">
@@ -12351,7 +13106,7 @@
         </p:blipFill>
         <p:spPr>
           <a:xfrm>
-            <a:off x="322686" y="3030143"/>
+            <a:off x="6280856" y="3247857"/>
             <a:ext cx="1219200" cy="1219200"/>
           </a:xfrm>
           <a:prstGeom prst="rect">
@@ -12382,7 +13137,7 @@
         </p:blipFill>
         <p:spPr>
           <a:xfrm>
-            <a:off x="4728943" y="3030143"/>
+            <a:off x="6217256" y="1813229"/>
             <a:ext cx="1219200" cy="1219200"/>
           </a:xfrm>
           <a:prstGeom prst="rect">
@@ -12413,7 +13168,7 @@
         </p:blipFill>
         <p:spPr>
           <a:xfrm>
-            <a:off x="3338570" y="3030143"/>
+            <a:off x="7804999" y="1938286"/>
             <a:ext cx="1219200" cy="1219200"/>
           </a:xfrm>
           <a:prstGeom prst="rect">
@@ -12444,7 +13199,7 @@
         </p:blipFill>
         <p:spPr>
           <a:xfrm>
-            <a:off x="1835343" y="4534600"/>
+            <a:off x="7804999" y="412829"/>
             <a:ext cx="1219200" cy="1219200"/>
           </a:xfrm>
           <a:prstGeom prst="rect">
@@ -12475,7 +13230,7 @@
         </p:blipFill>
         <p:spPr>
           <a:xfrm>
-            <a:off x="322686" y="4534600"/>
+            <a:off x="6280856" y="4607457"/>
             <a:ext cx="1219200" cy="1219200"/>
           </a:xfrm>
           <a:prstGeom prst="rect">
@@ -12506,7 +13261,7 @@
         </p:blipFill>
         <p:spPr>
           <a:xfrm>
-            <a:off x="6376800" y="3162943"/>
+            <a:off x="9324170" y="412829"/>
             <a:ext cx="1219200" cy="1219200"/>
           </a:xfrm>
           <a:prstGeom prst="rect">
@@ -12537,7 +13292,7 @@
         </p:blipFill>
         <p:spPr>
           <a:xfrm>
-            <a:off x="10404571" y="3109800"/>
+            <a:off x="7778627" y="3247857"/>
             <a:ext cx="1219200" cy="1219200"/>
           </a:xfrm>
           <a:prstGeom prst="rect">
@@ -12568,7 +13323,7 @@
         </p:blipFill>
         <p:spPr>
           <a:xfrm>
-            <a:off x="3338570" y="4534600"/>
+            <a:off x="7804999" y="4683628"/>
             <a:ext cx="1219200" cy="1219200"/>
           </a:xfrm>
           <a:prstGeom prst="rect">
@@ -12599,7 +13354,7 @@
         </p:blipFill>
         <p:spPr>
           <a:xfrm>
-            <a:off x="4831171" y="4560286"/>
+            <a:off x="9392742" y="3247857"/>
             <a:ext cx="1219200" cy="1219200"/>
           </a:xfrm>
           <a:prstGeom prst="rect">
@@ -12630,69 +13385,7 @@
         </p:blipFill>
         <p:spPr>
           <a:xfrm>
-            <a:off x="9028286" y="4560286"/>
-            <a:ext cx="1219200" cy="1219200"/>
-          </a:xfrm>
-          <a:prstGeom prst="rect">
-            <a:avLst/>
-          </a:prstGeom>
-        </p:spPr>
-      </p:pic>
-      <p:pic>
-        <p:nvPicPr>
-          <p:cNvPr id="29" name="Picture 28"/>
-          <p:cNvPicPr>
-            <a:picLocks noChangeAspect="1"/>
-          </p:cNvPicPr>
-          <p:nvPr/>
-        </p:nvPicPr>
-        <p:blipFill>
-          <a:blip r:embed="rId29">
-            <a:lum bright="70000" contrast="-70000"/>
-            <a:extLst>
-              <a:ext uri="{28A0092B-C50C-407E-A947-70E740481C1C}">
-                <a14:useLocalDpi xmlns:a14="http://schemas.microsoft.com/office/drawing/2010/main" val="0"/>
-              </a:ext>
-            </a:extLst>
-          </a:blip>
-          <a:stretch>
-            <a:fillRect/>
-          </a:stretch>
-        </p:blipFill>
-        <p:spPr>
-          <a:xfrm>
-            <a:off x="8955600" y="3315400"/>
-            <a:ext cx="1219200" cy="1219200"/>
-          </a:xfrm>
-          <a:prstGeom prst="rect">
-            <a:avLst/>
-          </a:prstGeom>
-        </p:spPr>
-      </p:pic>
-      <p:pic>
-        <p:nvPicPr>
-          <p:cNvPr id="30" name="Picture 29"/>
-          <p:cNvPicPr>
-            <a:picLocks noChangeAspect="1"/>
-          </p:cNvPicPr>
-          <p:nvPr/>
-        </p:nvPicPr>
-        <p:blipFill>
-          <a:blip r:embed="rId30">
-            <a:lum bright="70000" contrast="-70000"/>
-            <a:extLst>
-              <a:ext uri="{28A0092B-C50C-407E-A947-70E740481C1C}">
-                <a14:useLocalDpi xmlns:a14="http://schemas.microsoft.com/office/drawing/2010/main" val="0"/>
-              </a:ext>
-            </a:extLst>
-          </a:blip>
-          <a:stretch>
-            <a:fillRect/>
-          </a:stretch>
-        </p:blipFill>
-        <p:spPr>
-          <a:xfrm>
-            <a:off x="10457100" y="4534600"/>
+            <a:off x="9392742" y="1813229"/>
             <a:ext cx="1219200" cy="1219200"/>
           </a:xfrm>
           <a:prstGeom prst="rect">
@@ -12703,7 +13396,7 @@
     </p:spTree>
     <p:extLst>
       <p:ext uri="{BB962C8B-B14F-4D97-AF65-F5344CB8AC3E}">
-        <p14:creationId xmlns:p14="http://schemas.microsoft.com/office/powerpoint/2010/main" val="823657930"/>
+        <p14:creationId xmlns:p14="http://schemas.microsoft.com/office/powerpoint/2010/main" val="3126433562"/>
       </p:ext>
     </p:extLst>
   </p:cSld>
@@ -12753,7 +13446,7 @@
         </p:blipFill>
         <p:spPr>
           <a:xfrm>
-            <a:off x="130628" y="359229"/>
+            <a:off x="643486" y="520286"/>
             <a:ext cx="1219200" cy="1219200"/>
           </a:xfrm>
           <a:prstGeom prst="rect">
@@ -12784,7 +13477,7 @@
         </p:blipFill>
         <p:spPr>
           <a:xfrm>
-            <a:off x="94399" y="4550571"/>
+            <a:off x="654401" y="3364486"/>
             <a:ext cx="1219200" cy="1219200"/>
           </a:xfrm>
           <a:prstGeom prst="rect">
@@ -12815,7 +13508,7 @@
         </p:blipFill>
         <p:spPr>
           <a:xfrm>
-            <a:off x="94399" y="3153457"/>
+            <a:off x="571600" y="4830522"/>
             <a:ext cx="1219200" cy="1219200"/>
           </a:xfrm>
           <a:prstGeom prst="rect">
@@ -12846,7 +13539,7 @@
         </p:blipFill>
         <p:spPr>
           <a:xfrm>
-            <a:off x="94399" y="1756343"/>
+            <a:off x="2286800" y="4852844"/>
             <a:ext cx="1219200" cy="1219200"/>
           </a:xfrm>
           <a:prstGeom prst="rect">
@@ -12877,7 +13570,7 @@
         </p:blipFill>
         <p:spPr>
           <a:xfrm>
-            <a:off x="1652285" y="359229"/>
+            <a:off x="2155658" y="3397482"/>
             <a:ext cx="1219200" cy="1219200"/>
           </a:xfrm>
           <a:prstGeom prst="rect">
@@ -12908,7 +13601,7 @@
         </p:blipFill>
         <p:spPr>
           <a:xfrm>
-            <a:off x="1652285" y="1756343"/>
+            <a:off x="2303086" y="1959441"/>
             <a:ext cx="1219200" cy="1219200"/>
           </a:xfrm>
           <a:prstGeom prst="rect">
@@ -12939,7 +13632,7 @@
         </p:blipFill>
         <p:spPr>
           <a:xfrm>
-            <a:off x="1652285" y="4550571"/>
+            <a:off x="2303086" y="521400"/>
             <a:ext cx="1219200" cy="1219200"/>
           </a:xfrm>
           <a:prstGeom prst="rect">
@@ -12970,7 +13663,7 @@
         </p:blipFill>
         <p:spPr>
           <a:xfrm>
-            <a:off x="1613599" y="3153457"/>
+            <a:off x="3878400" y="4868530"/>
             <a:ext cx="1219200" cy="1219200"/>
           </a:xfrm>
           <a:prstGeom prst="rect">
@@ -13001,7 +13694,7 @@
         </p:blipFill>
         <p:spPr>
           <a:xfrm>
-            <a:off x="3173942" y="1813229"/>
+            <a:off x="3907314" y="3421143"/>
             <a:ext cx="1219200" cy="1219200"/>
           </a:xfrm>
           <a:prstGeom prst="rect">
@@ -13032,7 +13725,7 @@
         </p:blipFill>
         <p:spPr>
           <a:xfrm>
-            <a:off x="3173942" y="359229"/>
+            <a:off x="3907314" y="1750200"/>
             <a:ext cx="1219200" cy="1219200"/>
           </a:xfrm>
           <a:prstGeom prst="rect">
@@ -13063,7 +13756,7 @@
         </p:blipFill>
         <p:spPr>
           <a:xfrm>
-            <a:off x="3198342" y="3153457"/>
+            <a:off x="4074799" y="371400"/>
             <a:ext cx="1219200" cy="1219200"/>
           </a:xfrm>
           <a:prstGeom prst="rect">
@@ -13094,7 +13787,7 @@
         </p:blipFill>
         <p:spPr>
           <a:xfrm>
-            <a:off x="3157485" y="4607457"/>
+            <a:off x="5554400" y="4868530"/>
             <a:ext cx="1219200" cy="1219200"/>
           </a:xfrm>
           <a:prstGeom prst="rect">
@@ -13125,7 +13818,7 @@
         </p:blipFill>
         <p:spPr>
           <a:xfrm>
-            <a:off x="4695599" y="1756343"/>
+            <a:off x="5554400" y="3364486"/>
             <a:ext cx="1219200" cy="1219200"/>
           </a:xfrm>
           <a:prstGeom prst="rect">
@@ -13156,7 +13849,7 @@
         </p:blipFill>
         <p:spPr>
           <a:xfrm>
-            <a:off x="4727399" y="360686"/>
+            <a:off x="5554400" y="1750200"/>
             <a:ext cx="1219200" cy="1219200"/>
           </a:xfrm>
           <a:prstGeom prst="rect">
@@ -13187,7 +13880,7 @@
         </p:blipFill>
         <p:spPr>
           <a:xfrm>
-            <a:off x="6280856" y="359229"/>
+            <a:off x="5734399" y="361800"/>
             <a:ext cx="1219200" cy="1219200"/>
           </a:xfrm>
           <a:prstGeom prst="rect">
@@ -13218,7 +13911,7 @@
         </p:blipFill>
         <p:spPr>
           <a:xfrm>
-            <a:off x="4783085" y="3247857"/>
+            <a:off x="7228400" y="4868530"/>
             <a:ext cx="1219200" cy="1219200"/>
           </a:xfrm>
           <a:prstGeom prst="rect">
@@ -13249,7 +13942,7 @@
         </p:blipFill>
         <p:spPr>
           <a:xfrm>
-            <a:off x="4826685" y="4643514"/>
+            <a:off x="8984800" y="4872758"/>
             <a:ext cx="1219200" cy="1219200"/>
           </a:xfrm>
           <a:prstGeom prst="rect">
@@ -13280,7 +13973,7 @@
         </p:blipFill>
         <p:spPr>
           <a:xfrm>
-            <a:off x="6280856" y="3247857"/>
+            <a:off x="10576400" y="4872758"/>
             <a:ext cx="1219200" cy="1219200"/>
           </a:xfrm>
           <a:prstGeom prst="rect">
@@ -13311,7 +14004,7 @@
         </p:blipFill>
         <p:spPr>
           <a:xfrm>
-            <a:off x="6217256" y="1813229"/>
+            <a:off x="7337714" y="3421143"/>
             <a:ext cx="1219200" cy="1219200"/>
           </a:xfrm>
           <a:prstGeom prst="rect">
@@ -13342,7 +14035,7 @@
         </p:blipFill>
         <p:spPr>
           <a:xfrm>
-            <a:off x="7804999" y="1938286"/>
+            <a:off x="7337714" y="1791156"/>
             <a:ext cx="1219200" cy="1219200"/>
           </a:xfrm>
           <a:prstGeom prst="rect">
@@ -13373,7 +14066,7 @@
         </p:blipFill>
         <p:spPr>
           <a:xfrm>
-            <a:off x="7804999" y="412829"/>
+            <a:off x="7337714" y="435085"/>
             <a:ext cx="1219200" cy="1219200"/>
           </a:xfrm>
           <a:prstGeom prst="rect">
@@ -13404,7 +14097,7 @@
         </p:blipFill>
         <p:spPr>
           <a:xfrm>
-            <a:off x="6280856" y="4607457"/>
+            <a:off x="8953200" y="3384857"/>
             <a:ext cx="1219200" cy="1219200"/>
           </a:xfrm>
           <a:prstGeom prst="rect">
@@ -13435,7 +14128,7 @@
         </p:blipFill>
         <p:spPr>
           <a:xfrm>
-            <a:off x="9324170" y="412829"/>
+            <a:off x="8984800" y="1816042"/>
             <a:ext cx="1219200" cy="1219200"/>
           </a:xfrm>
           <a:prstGeom prst="rect">
@@ -13466,7 +14159,7 @@
         </p:blipFill>
         <p:spPr>
           <a:xfrm>
-            <a:off x="7778627" y="3247857"/>
+            <a:off x="10683085" y="3400200"/>
             <a:ext cx="1219200" cy="1219200"/>
           </a:xfrm>
           <a:prstGeom prst="rect">
@@ -13497,7 +14190,7 @@
         </p:blipFill>
         <p:spPr>
           <a:xfrm>
-            <a:off x="7804999" y="4683628"/>
+            <a:off x="8984800" y="326114"/>
             <a:ext cx="1219200" cy="1219200"/>
           </a:xfrm>
           <a:prstGeom prst="rect">
@@ -13528,7 +14221,7 @@
         </p:blipFill>
         <p:spPr>
           <a:xfrm>
-            <a:off x="9392742" y="3247857"/>
+            <a:off x="10504000" y="1927642"/>
             <a:ext cx="1219200" cy="1219200"/>
           </a:xfrm>
           <a:prstGeom prst="rect">
@@ -13559,7 +14252,7 @@
         </p:blipFill>
         <p:spPr>
           <a:xfrm>
-            <a:off x="9392742" y="1813229"/>
+            <a:off x="10504000" y="314828"/>
             <a:ext cx="1219200" cy="1219200"/>
           </a:xfrm>
           <a:prstGeom prst="rect">
@@ -13570,7 +14263,7 @@
     </p:spTree>
     <p:extLst>
       <p:ext uri="{BB962C8B-B14F-4D97-AF65-F5344CB8AC3E}">
-        <p14:creationId xmlns:p14="http://schemas.microsoft.com/office/powerpoint/2010/main" val="3126433562"/>
+        <p14:creationId xmlns:p14="http://schemas.microsoft.com/office/powerpoint/2010/main" val="399454265"/>
       </p:ext>
     </p:extLst>
   </p:cSld>
@@ -13620,7 +14313,7 @@
         </p:blipFill>
         <p:spPr>
           <a:xfrm>
-            <a:off x="643486" y="520286"/>
+            <a:off x="166914" y="286715"/>
             <a:ext cx="1219200" cy="1219200"/>
           </a:xfrm>
           <a:prstGeom prst="rect">
@@ -13651,7 +14344,7 @@
         </p:blipFill>
         <p:spPr>
           <a:xfrm>
-            <a:off x="654401" y="3364486"/>
+            <a:off x="166914" y="4395429"/>
             <a:ext cx="1219200" cy="1219200"/>
           </a:xfrm>
           <a:prstGeom prst="rect">
@@ -13682,7 +14375,7 @@
         </p:blipFill>
         <p:spPr>
           <a:xfrm>
-            <a:off x="571600" y="4830522"/>
+            <a:off x="166914" y="3069944"/>
             <a:ext cx="1219200" cy="1219200"/>
           </a:xfrm>
           <a:prstGeom prst="rect">
@@ -13713,7 +14406,7 @@
         </p:blipFill>
         <p:spPr>
           <a:xfrm>
-            <a:off x="2286800" y="4852844"/>
+            <a:off x="254057" y="1744459"/>
             <a:ext cx="1219200" cy="1219200"/>
           </a:xfrm>
           <a:prstGeom prst="rect">
@@ -13744,7 +14437,7 @@
         </p:blipFill>
         <p:spPr>
           <a:xfrm>
-            <a:off x="2155658" y="3397482"/>
+            <a:off x="2114343" y="1662173"/>
             <a:ext cx="1219200" cy="1219200"/>
           </a:xfrm>
           <a:prstGeom prst="rect">
@@ -13775,7 +14468,7 @@
         </p:blipFill>
         <p:spPr>
           <a:xfrm>
-            <a:off x="2303086" y="1959441"/>
+            <a:off x="2114343" y="286715"/>
             <a:ext cx="1219200" cy="1219200"/>
           </a:xfrm>
           <a:prstGeom prst="rect">
@@ -13806,7 +14499,7 @@
         </p:blipFill>
         <p:spPr>
           <a:xfrm>
-            <a:off x="2303086" y="521400"/>
+            <a:off x="2114343" y="3037631"/>
             <a:ext cx="1219200" cy="1219200"/>
           </a:xfrm>
           <a:prstGeom prst="rect">
@@ -13837,7 +14530,7 @@
         </p:blipFill>
         <p:spPr>
           <a:xfrm>
-            <a:off x="3878400" y="4868530"/>
+            <a:off x="3873029" y="286715"/>
             <a:ext cx="1219200" cy="1219200"/>
           </a:xfrm>
           <a:prstGeom prst="rect">
@@ -13868,7 +14561,7 @@
         </p:blipFill>
         <p:spPr>
           <a:xfrm>
-            <a:off x="3907314" y="3421143"/>
+            <a:off x="2040743" y="4414490"/>
             <a:ext cx="1219200" cy="1219200"/>
           </a:xfrm>
           <a:prstGeom prst="rect">
@@ -13899,7 +14592,7 @@
         </p:blipFill>
         <p:spPr>
           <a:xfrm>
-            <a:off x="3907314" y="1750200"/>
+            <a:off x="3733828" y="4505915"/>
             <a:ext cx="1219200" cy="1219200"/>
           </a:xfrm>
           <a:prstGeom prst="rect">
@@ -13930,7 +14623,7 @@
         </p:blipFill>
         <p:spPr>
           <a:xfrm>
-            <a:off x="4074799" y="371400"/>
+            <a:off x="3873029" y="1636715"/>
             <a:ext cx="1219200" cy="1219200"/>
           </a:xfrm>
           <a:prstGeom prst="rect">
@@ -13961,7 +14654,7 @@
         </p:blipFill>
         <p:spPr>
           <a:xfrm>
-            <a:off x="5554400" y="4868530"/>
+            <a:off x="3899200" y="3136715"/>
             <a:ext cx="1219200" cy="1219200"/>
           </a:xfrm>
           <a:prstGeom prst="rect">
@@ -13992,7 +14685,7 @@
         </p:blipFill>
         <p:spPr>
           <a:xfrm>
-            <a:off x="5554400" y="3364486"/>
+            <a:off x="7286457" y="286715"/>
             <a:ext cx="1219200" cy="1219200"/>
           </a:xfrm>
           <a:prstGeom prst="rect">
@@ -14023,7 +14716,7 @@
         </p:blipFill>
         <p:spPr>
           <a:xfrm>
-            <a:off x="5554400" y="1750200"/>
+            <a:off x="5634543" y="1636715"/>
             <a:ext cx="1219200" cy="1219200"/>
           </a:xfrm>
           <a:prstGeom prst="rect">
@@ -14054,7 +14747,7 @@
         </p:blipFill>
         <p:spPr>
           <a:xfrm>
-            <a:off x="5734399" y="361800"/>
+            <a:off x="10680457" y="3202203"/>
             <a:ext cx="1219200" cy="1219200"/>
           </a:xfrm>
           <a:prstGeom prst="rect">
@@ -14085,7 +14778,7 @@
         </p:blipFill>
         <p:spPr>
           <a:xfrm>
-            <a:off x="7228400" y="4868530"/>
+            <a:off x="9215543" y="1744459"/>
             <a:ext cx="1219200" cy="1219200"/>
           </a:xfrm>
           <a:prstGeom prst="rect">
@@ -14116,7 +14809,7 @@
         </p:blipFill>
         <p:spPr>
           <a:xfrm>
-            <a:off x="8984800" y="4872758"/>
+            <a:off x="7396057" y="1805915"/>
             <a:ext cx="1219200" cy="1219200"/>
           </a:xfrm>
           <a:prstGeom prst="rect">
@@ -14147,7 +14840,7 @@
         </p:blipFill>
         <p:spPr>
           <a:xfrm>
-            <a:off x="10576400" y="4872758"/>
+            <a:off x="9167543" y="286715"/>
             <a:ext cx="1219200" cy="1219200"/>
           </a:xfrm>
           <a:prstGeom prst="rect">
@@ -14178,7 +14871,7 @@
         </p:blipFill>
         <p:spPr>
           <a:xfrm>
-            <a:off x="7337714" y="3421143"/>
+            <a:off x="10680457" y="1744459"/>
             <a:ext cx="1219200" cy="1219200"/>
           </a:xfrm>
           <a:prstGeom prst="rect">
@@ -14209,7 +14902,7 @@
         </p:blipFill>
         <p:spPr>
           <a:xfrm>
-            <a:off x="7337714" y="1791156"/>
+            <a:off x="10680457" y="286715"/>
             <a:ext cx="1219200" cy="1219200"/>
           </a:xfrm>
           <a:prstGeom prst="rect">
@@ -14240,7 +14933,7 @@
         </p:blipFill>
         <p:spPr>
           <a:xfrm>
-            <a:off x="7337714" y="435085"/>
+            <a:off x="7396057" y="3202203"/>
             <a:ext cx="1219200" cy="1219200"/>
           </a:xfrm>
           <a:prstGeom prst="rect">
@@ -14271,7 +14964,7 @@
         </p:blipFill>
         <p:spPr>
           <a:xfrm>
-            <a:off x="8953200" y="3384857"/>
+            <a:off x="9285314" y="3202203"/>
             <a:ext cx="1219200" cy="1219200"/>
           </a:xfrm>
           <a:prstGeom prst="rect">
@@ -14302,7 +14995,7 @@
         </p:blipFill>
         <p:spPr>
           <a:xfrm>
-            <a:off x="8984800" y="1816042"/>
+            <a:off x="7396057" y="4665515"/>
             <a:ext cx="1219200" cy="1219200"/>
           </a:xfrm>
           <a:prstGeom prst="rect">
@@ -14333,7 +15026,7 @@
         </p:blipFill>
         <p:spPr>
           <a:xfrm>
-            <a:off x="10683085" y="3400200"/>
+            <a:off x="9279343" y="4665515"/>
             <a:ext cx="1219200" cy="1219200"/>
           </a:xfrm>
           <a:prstGeom prst="rect">
@@ -14364,7 +15057,7 @@
         </p:blipFill>
         <p:spPr>
           <a:xfrm>
-            <a:off x="8984800" y="326114"/>
+            <a:off x="10694114" y="4665515"/>
             <a:ext cx="1219200" cy="1219200"/>
           </a:xfrm>
           <a:prstGeom prst="rect">
@@ -14395,7 +15088,7 @@
         </p:blipFill>
         <p:spPr>
           <a:xfrm>
-            <a:off x="10504000" y="1927642"/>
+            <a:off x="5634543" y="3176229"/>
             <a:ext cx="1219200" cy="1219200"/>
           </a:xfrm>
           <a:prstGeom prst="rect">
@@ -14426,7 +15119,7 @@
         </p:blipFill>
         <p:spPr>
           <a:xfrm>
-            <a:off x="10504000" y="314828"/>
+            <a:off x="5634543" y="286715"/>
             <a:ext cx="1219200" cy="1219200"/>
           </a:xfrm>
           <a:prstGeom prst="rect">
@@ -14437,7 +15130,7 @@
     </p:spTree>
     <p:extLst>
       <p:ext uri="{BB962C8B-B14F-4D97-AF65-F5344CB8AC3E}">
-        <p14:creationId xmlns:p14="http://schemas.microsoft.com/office/powerpoint/2010/main" val="399454265"/>
+        <p14:creationId xmlns:p14="http://schemas.microsoft.com/office/powerpoint/2010/main" val="3324423259"/>
       </p:ext>
     </p:extLst>
   </p:cSld>
@@ -14487,7 +15180,7 @@
         </p:blipFill>
         <p:spPr>
           <a:xfrm>
-            <a:off x="166914" y="286715"/>
+            <a:off x="2066300" y="4482743"/>
             <a:ext cx="1219200" cy="1219200"/>
           </a:xfrm>
           <a:prstGeom prst="rect">
@@ -14518,7 +15211,7 @@
         </p:blipFill>
         <p:spPr>
           <a:xfrm>
-            <a:off x="166914" y="4395429"/>
+            <a:off x="3544387" y="3100200"/>
             <a:ext cx="1219200" cy="1219200"/>
           </a:xfrm>
           <a:prstGeom prst="rect">
@@ -14549,7 +15242,7 @@
         </p:blipFill>
         <p:spPr>
           <a:xfrm>
-            <a:off x="166914" y="3069944"/>
+            <a:off x="1959644" y="3077257"/>
             <a:ext cx="1219200" cy="1219200"/>
           </a:xfrm>
           <a:prstGeom prst="rect">
@@ -14580,7 +15273,7 @@
         </p:blipFill>
         <p:spPr>
           <a:xfrm>
-            <a:off x="254057" y="1744459"/>
+            <a:off x="220687" y="3077257"/>
             <a:ext cx="1219200" cy="1219200"/>
           </a:xfrm>
           <a:prstGeom prst="rect">
@@ -14611,7 +15304,7 @@
         </p:blipFill>
         <p:spPr>
           <a:xfrm>
-            <a:off x="2114343" y="1662173"/>
+            <a:off x="252087" y="4629000"/>
             <a:ext cx="1219200" cy="1219200"/>
           </a:xfrm>
           <a:prstGeom prst="rect">
@@ -14642,7 +15335,7 @@
         </p:blipFill>
         <p:spPr>
           <a:xfrm>
-            <a:off x="2114343" y="286715"/>
+            <a:off x="1959644" y="1565771"/>
             <a:ext cx="1219200" cy="1219200"/>
           </a:xfrm>
           <a:prstGeom prst="rect">
@@ -14673,7 +15366,7 @@
         </p:blipFill>
         <p:spPr>
           <a:xfrm>
-            <a:off x="2114343" y="3037631"/>
+            <a:off x="3652987" y="4539457"/>
             <a:ext cx="1219200" cy="1219200"/>
           </a:xfrm>
           <a:prstGeom prst="rect">
@@ -14704,7 +15397,7 @@
         </p:blipFill>
         <p:spPr>
           <a:xfrm>
-            <a:off x="3873029" y="286715"/>
+            <a:off x="2066300" y="346571"/>
             <a:ext cx="1219200" cy="1219200"/>
           </a:xfrm>
           <a:prstGeom prst="rect">
@@ -14735,7 +15428,7 @@
         </p:blipFill>
         <p:spPr>
           <a:xfrm>
-            <a:off x="2040743" y="4414490"/>
+            <a:off x="5317644" y="358887"/>
             <a:ext cx="1219200" cy="1219200"/>
           </a:xfrm>
           <a:prstGeom prst="rect">
@@ -14766,7 +15459,7 @@
         </p:blipFill>
         <p:spPr>
           <a:xfrm>
-            <a:off x="3733828" y="4505915"/>
+            <a:off x="3638644" y="1685343"/>
             <a:ext cx="1219200" cy="1219200"/>
           </a:xfrm>
           <a:prstGeom prst="rect">
@@ -14797,7 +15490,7 @@
         </p:blipFill>
         <p:spPr>
           <a:xfrm>
-            <a:off x="3873029" y="1636715"/>
+            <a:off x="3638644" y="368315"/>
             <a:ext cx="1219200" cy="1219200"/>
           </a:xfrm>
           <a:prstGeom prst="rect">
@@ -14828,7 +15521,7 @@
         </p:blipFill>
         <p:spPr>
           <a:xfrm>
-            <a:off x="3899200" y="3136715"/>
+            <a:off x="5317644" y="4609800"/>
             <a:ext cx="1219200" cy="1219200"/>
           </a:xfrm>
           <a:prstGeom prst="rect">
@@ -14859,7 +15552,7 @@
         </p:blipFill>
         <p:spPr>
           <a:xfrm>
-            <a:off x="7286457" y="286715"/>
+            <a:off x="5317644" y="1823228"/>
             <a:ext cx="1219200" cy="1219200"/>
           </a:xfrm>
           <a:prstGeom prst="rect">
@@ -14890,7 +15583,7 @@
         </p:blipFill>
         <p:spPr>
           <a:xfrm>
-            <a:off x="5634543" y="1636715"/>
+            <a:off x="5317644" y="3208114"/>
             <a:ext cx="1219200" cy="1219200"/>
           </a:xfrm>
           <a:prstGeom prst="rect">
@@ -14921,7 +15614,7 @@
         </p:blipFill>
         <p:spPr>
           <a:xfrm>
-            <a:off x="10680457" y="3202203"/>
+            <a:off x="7078800" y="368315"/>
             <a:ext cx="1219200" cy="1219200"/>
           </a:xfrm>
           <a:prstGeom prst="rect">
@@ -14952,7 +15645,7 @@
         </p:blipFill>
         <p:spPr>
           <a:xfrm>
-            <a:off x="9215543" y="1744459"/>
+            <a:off x="7129600" y="1793142"/>
             <a:ext cx="1219200" cy="1219200"/>
           </a:xfrm>
           <a:prstGeom prst="rect">
@@ -14983,7 +15676,7 @@
         </p:blipFill>
         <p:spPr>
           <a:xfrm>
-            <a:off x="7396057" y="1805915"/>
+            <a:off x="7129600" y="3320257"/>
             <a:ext cx="1219200" cy="1219200"/>
           </a:xfrm>
           <a:prstGeom prst="rect">
@@ -15014,7 +15707,7 @@
         </p:blipFill>
         <p:spPr>
           <a:xfrm>
-            <a:off x="9167543" y="286715"/>
+            <a:off x="7192200" y="4609800"/>
             <a:ext cx="1219200" cy="1219200"/>
           </a:xfrm>
           <a:prstGeom prst="rect">
@@ -15045,7 +15738,7 @@
         </p:blipFill>
         <p:spPr>
           <a:xfrm>
-            <a:off x="10680457" y="1744459"/>
+            <a:off x="8757800" y="466143"/>
             <a:ext cx="1219200" cy="1219200"/>
           </a:xfrm>
           <a:prstGeom prst="rect">
@@ -15076,7 +15769,7 @@
         </p:blipFill>
         <p:spPr>
           <a:xfrm>
-            <a:off x="10680457" y="286715"/>
+            <a:off x="8736429" y="3349857"/>
             <a:ext cx="1219200" cy="1219200"/>
           </a:xfrm>
           <a:prstGeom prst="rect">
@@ -15107,7 +15800,7 @@
         </p:blipFill>
         <p:spPr>
           <a:xfrm>
-            <a:off x="7396057" y="3202203"/>
+            <a:off x="8786400" y="1865429"/>
             <a:ext cx="1219200" cy="1219200"/>
           </a:xfrm>
           <a:prstGeom prst="rect">
@@ -15138,7 +15831,7 @@
         </p:blipFill>
         <p:spPr>
           <a:xfrm>
-            <a:off x="9285314" y="3202203"/>
+            <a:off x="8729630" y="4750200"/>
             <a:ext cx="1219200" cy="1219200"/>
           </a:xfrm>
           <a:prstGeom prst="rect">
@@ -15169,7 +15862,7 @@
         </p:blipFill>
         <p:spPr>
           <a:xfrm>
-            <a:off x="7396057" y="4665515"/>
+            <a:off x="10436800" y="3320257"/>
             <a:ext cx="1219200" cy="1219200"/>
           </a:xfrm>
           <a:prstGeom prst="rect">
@@ -15200,7 +15893,7 @@
         </p:blipFill>
         <p:spPr>
           <a:xfrm>
-            <a:off x="9279343" y="4665515"/>
+            <a:off x="10525357" y="1988914"/>
             <a:ext cx="1219200" cy="1219200"/>
           </a:xfrm>
           <a:prstGeom prst="rect">
@@ -15231,7 +15924,7 @@
         </p:blipFill>
         <p:spPr>
           <a:xfrm>
-            <a:off x="10694114" y="4665515"/>
+            <a:off x="10436800" y="466143"/>
             <a:ext cx="1219200" cy="1219200"/>
           </a:xfrm>
           <a:prstGeom prst="rect">
@@ -15262,7 +15955,7 @@
         </p:blipFill>
         <p:spPr>
           <a:xfrm>
-            <a:off x="5634543" y="3176229"/>
+            <a:off x="249658" y="1685343"/>
             <a:ext cx="1219200" cy="1219200"/>
           </a:xfrm>
           <a:prstGeom prst="rect">
@@ -15293,7 +15986,7 @@
         </p:blipFill>
         <p:spPr>
           <a:xfrm>
-            <a:off x="5634543" y="286715"/>
+            <a:off x="249658" y="325857"/>
             <a:ext cx="1219200" cy="1219200"/>
           </a:xfrm>
           <a:prstGeom prst="rect">
@@ -15304,7 +15997,7 @@
     </p:spTree>
     <p:extLst>
       <p:ext uri="{BB962C8B-B14F-4D97-AF65-F5344CB8AC3E}">
-        <p14:creationId xmlns:p14="http://schemas.microsoft.com/office/powerpoint/2010/main" val="3324423259"/>
+        <p14:creationId xmlns:p14="http://schemas.microsoft.com/office/powerpoint/2010/main" val="438152526"/>
       </p:ext>
     </p:extLst>
   </p:cSld>
@@ -15354,7 +16047,7 @@
         </p:blipFill>
         <p:spPr>
           <a:xfrm>
-            <a:off x="2066300" y="4482743"/>
+            <a:off x="297543" y="293914"/>
             <a:ext cx="1219200" cy="1219200"/>
           </a:xfrm>
           <a:prstGeom prst="rect">
@@ -15385,7 +16078,7 @@
         </p:blipFill>
         <p:spPr>
           <a:xfrm>
-            <a:off x="3544387" y="3100200"/>
+            <a:off x="297543" y="1670372"/>
             <a:ext cx="1219200" cy="1219200"/>
           </a:xfrm>
           <a:prstGeom prst="rect">
@@ -15416,7 +16109,7 @@
         </p:blipFill>
         <p:spPr>
           <a:xfrm>
-            <a:off x="1959644" y="3077257"/>
+            <a:off x="375086" y="4580546"/>
             <a:ext cx="1219200" cy="1219200"/>
           </a:xfrm>
           <a:prstGeom prst="rect">
@@ -15447,7 +16140,7 @@
         </p:blipFill>
         <p:spPr>
           <a:xfrm>
-            <a:off x="220687" y="3077257"/>
+            <a:off x="355657" y="3046830"/>
             <a:ext cx="1219200" cy="1219200"/>
           </a:xfrm>
           <a:prstGeom prst="rect">
@@ -15478,7 +16171,7 @@
         </p:blipFill>
         <p:spPr>
           <a:xfrm>
-            <a:off x="252087" y="4629000"/>
+            <a:off x="2065943" y="219000"/>
             <a:ext cx="1219200" cy="1219200"/>
           </a:xfrm>
           <a:prstGeom prst="rect">
@@ -15509,7 +16202,7 @@
         </p:blipFill>
         <p:spPr>
           <a:xfrm>
-            <a:off x="1959644" y="1565771"/>
+            <a:off x="2065943" y="3100200"/>
             <a:ext cx="1219200" cy="1219200"/>
           </a:xfrm>
           <a:prstGeom prst="rect">
@@ -15540,7 +16233,7 @@
         </p:blipFill>
         <p:spPr>
           <a:xfrm>
-            <a:off x="3652987" y="4539457"/>
+            <a:off x="1974058" y="1670372"/>
             <a:ext cx="1219200" cy="1219200"/>
           </a:xfrm>
           <a:prstGeom prst="rect">
@@ -15571,7 +16264,7 @@
         </p:blipFill>
         <p:spPr>
           <a:xfrm>
-            <a:off x="2066300" y="346571"/>
+            <a:off x="2030971" y="4594343"/>
             <a:ext cx="1219200" cy="1219200"/>
           </a:xfrm>
           <a:prstGeom prst="rect">
@@ -15602,7 +16295,7 @@
         </p:blipFill>
         <p:spPr>
           <a:xfrm>
-            <a:off x="5317644" y="358887"/>
+            <a:off x="3834343" y="219000"/>
             <a:ext cx="1219200" cy="1219200"/>
           </a:xfrm>
           <a:prstGeom prst="rect">
@@ -15633,7 +16326,7 @@
         </p:blipFill>
         <p:spPr>
           <a:xfrm>
-            <a:off x="3638644" y="1685343"/>
+            <a:off x="3939743" y="4580546"/>
             <a:ext cx="1219200" cy="1219200"/>
           </a:xfrm>
           <a:prstGeom prst="rect">
@@ -15664,7 +16357,7 @@
         </p:blipFill>
         <p:spPr>
           <a:xfrm>
-            <a:off x="3638644" y="368315"/>
+            <a:off x="3894857" y="1708115"/>
             <a:ext cx="1219200" cy="1219200"/>
           </a:xfrm>
           <a:prstGeom prst="rect">
@@ -15695,7 +16388,7 @@
         </p:blipFill>
         <p:spPr>
           <a:xfrm>
-            <a:off x="5317644" y="4609800"/>
+            <a:off x="3941886" y="3046830"/>
             <a:ext cx="1219200" cy="1219200"/>
           </a:xfrm>
           <a:prstGeom prst="rect">
@@ -15726,7 +16419,7 @@
         </p:blipFill>
         <p:spPr>
           <a:xfrm>
-            <a:off x="5317644" y="1823228"/>
+            <a:off x="5571372" y="1767343"/>
             <a:ext cx="1219200" cy="1219200"/>
           </a:xfrm>
           <a:prstGeom prst="rect">
@@ -15757,7 +16450,7 @@
         </p:blipFill>
         <p:spPr>
           <a:xfrm>
-            <a:off x="5317644" y="3208114"/>
+            <a:off x="5602743" y="293914"/>
             <a:ext cx="1219200" cy="1219200"/>
           </a:xfrm>
           <a:prstGeom prst="rect">
@@ -15788,7 +16481,7 @@
         </p:blipFill>
         <p:spPr>
           <a:xfrm>
-            <a:off x="7078800" y="368315"/>
+            <a:off x="5571372" y="3240772"/>
             <a:ext cx="1219200" cy="1219200"/>
           </a:xfrm>
           <a:prstGeom prst="rect">
@@ -15819,7 +16512,7 @@
         </p:blipFill>
         <p:spPr>
           <a:xfrm>
-            <a:off x="7129600" y="1793142"/>
+            <a:off x="7117200" y="388543"/>
             <a:ext cx="1219200" cy="1219200"/>
           </a:xfrm>
           <a:prstGeom prst="rect">
@@ -15850,7 +16543,7 @@
         </p:blipFill>
         <p:spPr>
           <a:xfrm>
-            <a:off x="7129600" y="3320257"/>
+            <a:off x="7211944" y="1819487"/>
             <a:ext cx="1219200" cy="1219200"/>
           </a:xfrm>
           <a:prstGeom prst="rect">
@@ -15881,7 +16574,7 @@
         </p:blipFill>
         <p:spPr>
           <a:xfrm>
-            <a:off x="7192200" y="4609800"/>
+            <a:off x="5624857" y="4609800"/>
             <a:ext cx="1219200" cy="1219200"/>
           </a:xfrm>
           <a:prstGeom prst="rect">
@@ -15912,7 +16605,7 @@
         </p:blipFill>
         <p:spPr>
           <a:xfrm>
-            <a:off x="8757800" y="466143"/>
+            <a:off x="7284514" y="3295545"/>
             <a:ext cx="1219200" cy="1219200"/>
           </a:xfrm>
           <a:prstGeom prst="rect">
@@ -15943,7 +16636,7 @@
         </p:blipFill>
         <p:spPr>
           <a:xfrm>
-            <a:off x="8736429" y="3349857"/>
+            <a:off x="7309971" y="4675172"/>
             <a:ext cx="1219200" cy="1219200"/>
           </a:xfrm>
           <a:prstGeom prst="rect">
@@ -15974,7 +16667,7 @@
         </p:blipFill>
         <p:spPr>
           <a:xfrm>
-            <a:off x="8786400" y="1865429"/>
+            <a:off x="8636400" y="399829"/>
             <a:ext cx="1219200" cy="1219200"/>
           </a:xfrm>
           <a:prstGeom prst="rect">
@@ -16005,7 +16698,7 @@
         </p:blipFill>
         <p:spPr>
           <a:xfrm>
-            <a:off x="8729630" y="4750200"/>
+            <a:off x="10392629" y="488915"/>
             <a:ext cx="1219200" cy="1219200"/>
           </a:xfrm>
           <a:prstGeom prst="rect">
@@ -16036,7 +16729,7 @@
         </p:blipFill>
         <p:spPr>
           <a:xfrm>
-            <a:off x="10436800" y="3320257"/>
+            <a:off x="8731257" y="1827630"/>
             <a:ext cx="1219200" cy="1219200"/>
           </a:xfrm>
           <a:prstGeom prst="rect">
@@ -16067,7 +16760,7 @@
         </p:blipFill>
         <p:spPr>
           <a:xfrm>
-            <a:off x="10525357" y="1988914"/>
+            <a:off x="8784057" y="4774428"/>
             <a:ext cx="1219200" cy="1219200"/>
           </a:xfrm>
           <a:prstGeom prst="rect">
@@ -16098,7 +16791,7 @@
         </p:blipFill>
         <p:spPr>
           <a:xfrm>
-            <a:off x="10436800" y="466143"/>
+            <a:off x="10396399" y="3390600"/>
             <a:ext cx="1219200" cy="1219200"/>
           </a:xfrm>
           <a:prstGeom prst="rect">
@@ -16129,7 +16822,7 @@
         </p:blipFill>
         <p:spPr>
           <a:xfrm>
-            <a:off x="249658" y="1685343"/>
+            <a:off x="10349658" y="2076345"/>
             <a:ext cx="1219200" cy="1219200"/>
           </a:xfrm>
           <a:prstGeom prst="rect">
@@ -16160,7 +16853,7 @@
         </p:blipFill>
         <p:spPr>
           <a:xfrm>
-            <a:off x="249658" y="325857"/>
+            <a:off x="8773943" y="3438915"/>
             <a:ext cx="1219200" cy="1219200"/>
           </a:xfrm>
           <a:prstGeom prst="rect">
@@ -16171,7 +16864,7 @@
     </p:spTree>
     <p:extLst>
       <p:ext uri="{BB962C8B-B14F-4D97-AF65-F5344CB8AC3E}">
-        <p14:creationId xmlns:p14="http://schemas.microsoft.com/office/powerpoint/2010/main" val="438152526"/>
+        <p14:creationId xmlns:p14="http://schemas.microsoft.com/office/powerpoint/2010/main" val="214978686"/>
       </p:ext>
     </p:extLst>
   </p:cSld>
@@ -16433,873 +17126,6 @@
         </p:blipFill>
         <p:spPr>
           <a:xfrm>
-            <a:off x="297543" y="293914"/>
-            <a:ext cx="1219200" cy="1219200"/>
-          </a:xfrm>
-          <a:prstGeom prst="rect">
-            <a:avLst/>
-          </a:prstGeom>
-        </p:spPr>
-      </p:pic>
-      <p:pic>
-        <p:nvPicPr>
-          <p:cNvPr id="3" name="Picture 2"/>
-          <p:cNvPicPr>
-            <a:picLocks noChangeAspect="1"/>
-          </p:cNvPicPr>
-          <p:nvPr/>
-        </p:nvPicPr>
-        <p:blipFill>
-          <a:blip r:embed="rId3">
-            <a:lum bright="70000" contrast="-70000"/>
-            <a:extLst>
-              <a:ext uri="{28A0092B-C50C-407E-A947-70E740481C1C}">
-                <a14:useLocalDpi xmlns:a14="http://schemas.microsoft.com/office/drawing/2010/main" val="0"/>
-              </a:ext>
-            </a:extLst>
-          </a:blip>
-          <a:stretch>
-            <a:fillRect/>
-          </a:stretch>
-        </p:blipFill>
-        <p:spPr>
-          <a:xfrm>
-            <a:off x="297543" y="1670372"/>
-            <a:ext cx="1219200" cy="1219200"/>
-          </a:xfrm>
-          <a:prstGeom prst="rect">
-            <a:avLst/>
-          </a:prstGeom>
-        </p:spPr>
-      </p:pic>
-      <p:pic>
-        <p:nvPicPr>
-          <p:cNvPr id="4" name="Picture 3"/>
-          <p:cNvPicPr>
-            <a:picLocks noChangeAspect="1"/>
-          </p:cNvPicPr>
-          <p:nvPr/>
-        </p:nvPicPr>
-        <p:blipFill>
-          <a:blip r:embed="rId4">
-            <a:lum bright="70000" contrast="-70000"/>
-            <a:extLst>
-              <a:ext uri="{28A0092B-C50C-407E-A947-70E740481C1C}">
-                <a14:useLocalDpi xmlns:a14="http://schemas.microsoft.com/office/drawing/2010/main" val="0"/>
-              </a:ext>
-            </a:extLst>
-          </a:blip>
-          <a:stretch>
-            <a:fillRect/>
-          </a:stretch>
-        </p:blipFill>
-        <p:spPr>
-          <a:xfrm>
-            <a:off x="375086" y="4580546"/>
-            <a:ext cx="1219200" cy="1219200"/>
-          </a:xfrm>
-          <a:prstGeom prst="rect">
-            <a:avLst/>
-          </a:prstGeom>
-        </p:spPr>
-      </p:pic>
-      <p:pic>
-        <p:nvPicPr>
-          <p:cNvPr id="5" name="Picture 4"/>
-          <p:cNvPicPr>
-            <a:picLocks noChangeAspect="1"/>
-          </p:cNvPicPr>
-          <p:nvPr/>
-        </p:nvPicPr>
-        <p:blipFill>
-          <a:blip r:embed="rId5">
-            <a:lum bright="70000" contrast="-70000"/>
-            <a:extLst>
-              <a:ext uri="{28A0092B-C50C-407E-A947-70E740481C1C}">
-                <a14:useLocalDpi xmlns:a14="http://schemas.microsoft.com/office/drawing/2010/main" val="0"/>
-              </a:ext>
-            </a:extLst>
-          </a:blip>
-          <a:stretch>
-            <a:fillRect/>
-          </a:stretch>
-        </p:blipFill>
-        <p:spPr>
-          <a:xfrm>
-            <a:off x="355657" y="3046830"/>
-            <a:ext cx="1219200" cy="1219200"/>
-          </a:xfrm>
-          <a:prstGeom prst="rect">
-            <a:avLst/>
-          </a:prstGeom>
-        </p:spPr>
-      </p:pic>
-      <p:pic>
-        <p:nvPicPr>
-          <p:cNvPr id="6" name="Picture 5"/>
-          <p:cNvPicPr>
-            <a:picLocks noChangeAspect="1"/>
-          </p:cNvPicPr>
-          <p:nvPr/>
-        </p:nvPicPr>
-        <p:blipFill>
-          <a:blip r:embed="rId6">
-            <a:lum bright="70000" contrast="-70000"/>
-            <a:extLst>
-              <a:ext uri="{28A0092B-C50C-407E-A947-70E740481C1C}">
-                <a14:useLocalDpi xmlns:a14="http://schemas.microsoft.com/office/drawing/2010/main" val="0"/>
-              </a:ext>
-            </a:extLst>
-          </a:blip>
-          <a:stretch>
-            <a:fillRect/>
-          </a:stretch>
-        </p:blipFill>
-        <p:spPr>
-          <a:xfrm>
-            <a:off x="2065943" y="219000"/>
-            <a:ext cx="1219200" cy="1219200"/>
-          </a:xfrm>
-          <a:prstGeom prst="rect">
-            <a:avLst/>
-          </a:prstGeom>
-        </p:spPr>
-      </p:pic>
-      <p:pic>
-        <p:nvPicPr>
-          <p:cNvPr id="7" name="Picture 6"/>
-          <p:cNvPicPr>
-            <a:picLocks noChangeAspect="1"/>
-          </p:cNvPicPr>
-          <p:nvPr/>
-        </p:nvPicPr>
-        <p:blipFill>
-          <a:blip r:embed="rId7">
-            <a:lum bright="70000" contrast="-70000"/>
-            <a:extLst>
-              <a:ext uri="{28A0092B-C50C-407E-A947-70E740481C1C}">
-                <a14:useLocalDpi xmlns:a14="http://schemas.microsoft.com/office/drawing/2010/main" val="0"/>
-              </a:ext>
-            </a:extLst>
-          </a:blip>
-          <a:stretch>
-            <a:fillRect/>
-          </a:stretch>
-        </p:blipFill>
-        <p:spPr>
-          <a:xfrm>
-            <a:off x="2065943" y="3100200"/>
-            <a:ext cx="1219200" cy="1219200"/>
-          </a:xfrm>
-          <a:prstGeom prst="rect">
-            <a:avLst/>
-          </a:prstGeom>
-        </p:spPr>
-      </p:pic>
-      <p:pic>
-        <p:nvPicPr>
-          <p:cNvPr id="8" name="Picture 7"/>
-          <p:cNvPicPr>
-            <a:picLocks noChangeAspect="1"/>
-          </p:cNvPicPr>
-          <p:nvPr/>
-        </p:nvPicPr>
-        <p:blipFill>
-          <a:blip r:embed="rId8">
-            <a:lum bright="70000" contrast="-70000"/>
-            <a:extLst>
-              <a:ext uri="{28A0092B-C50C-407E-A947-70E740481C1C}">
-                <a14:useLocalDpi xmlns:a14="http://schemas.microsoft.com/office/drawing/2010/main" val="0"/>
-              </a:ext>
-            </a:extLst>
-          </a:blip>
-          <a:stretch>
-            <a:fillRect/>
-          </a:stretch>
-        </p:blipFill>
-        <p:spPr>
-          <a:xfrm>
-            <a:off x="1974058" y="1670372"/>
-            <a:ext cx="1219200" cy="1219200"/>
-          </a:xfrm>
-          <a:prstGeom prst="rect">
-            <a:avLst/>
-          </a:prstGeom>
-        </p:spPr>
-      </p:pic>
-      <p:pic>
-        <p:nvPicPr>
-          <p:cNvPr id="9" name="Picture 8"/>
-          <p:cNvPicPr>
-            <a:picLocks noChangeAspect="1"/>
-          </p:cNvPicPr>
-          <p:nvPr/>
-        </p:nvPicPr>
-        <p:blipFill>
-          <a:blip r:embed="rId9">
-            <a:lum bright="70000" contrast="-70000"/>
-            <a:extLst>
-              <a:ext uri="{28A0092B-C50C-407E-A947-70E740481C1C}">
-                <a14:useLocalDpi xmlns:a14="http://schemas.microsoft.com/office/drawing/2010/main" val="0"/>
-              </a:ext>
-            </a:extLst>
-          </a:blip>
-          <a:stretch>
-            <a:fillRect/>
-          </a:stretch>
-        </p:blipFill>
-        <p:spPr>
-          <a:xfrm>
-            <a:off x="2030971" y="4594343"/>
-            <a:ext cx="1219200" cy="1219200"/>
-          </a:xfrm>
-          <a:prstGeom prst="rect">
-            <a:avLst/>
-          </a:prstGeom>
-        </p:spPr>
-      </p:pic>
-      <p:pic>
-        <p:nvPicPr>
-          <p:cNvPr id="10" name="Picture 9"/>
-          <p:cNvPicPr>
-            <a:picLocks noChangeAspect="1"/>
-          </p:cNvPicPr>
-          <p:nvPr/>
-        </p:nvPicPr>
-        <p:blipFill>
-          <a:blip r:embed="rId10">
-            <a:lum bright="70000" contrast="-70000"/>
-            <a:extLst>
-              <a:ext uri="{28A0092B-C50C-407E-A947-70E740481C1C}">
-                <a14:useLocalDpi xmlns:a14="http://schemas.microsoft.com/office/drawing/2010/main" val="0"/>
-              </a:ext>
-            </a:extLst>
-          </a:blip>
-          <a:stretch>
-            <a:fillRect/>
-          </a:stretch>
-        </p:blipFill>
-        <p:spPr>
-          <a:xfrm>
-            <a:off x="3834343" y="219000"/>
-            <a:ext cx="1219200" cy="1219200"/>
-          </a:xfrm>
-          <a:prstGeom prst="rect">
-            <a:avLst/>
-          </a:prstGeom>
-        </p:spPr>
-      </p:pic>
-      <p:pic>
-        <p:nvPicPr>
-          <p:cNvPr id="11" name="Picture 10"/>
-          <p:cNvPicPr>
-            <a:picLocks noChangeAspect="1"/>
-          </p:cNvPicPr>
-          <p:nvPr/>
-        </p:nvPicPr>
-        <p:blipFill>
-          <a:blip r:embed="rId11">
-            <a:lum bright="70000" contrast="-70000"/>
-            <a:extLst>
-              <a:ext uri="{28A0092B-C50C-407E-A947-70E740481C1C}">
-                <a14:useLocalDpi xmlns:a14="http://schemas.microsoft.com/office/drawing/2010/main" val="0"/>
-              </a:ext>
-            </a:extLst>
-          </a:blip>
-          <a:stretch>
-            <a:fillRect/>
-          </a:stretch>
-        </p:blipFill>
-        <p:spPr>
-          <a:xfrm>
-            <a:off x="3939743" y="4580546"/>
-            <a:ext cx="1219200" cy="1219200"/>
-          </a:xfrm>
-          <a:prstGeom prst="rect">
-            <a:avLst/>
-          </a:prstGeom>
-        </p:spPr>
-      </p:pic>
-      <p:pic>
-        <p:nvPicPr>
-          <p:cNvPr id="12" name="Picture 11"/>
-          <p:cNvPicPr>
-            <a:picLocks noChangeAspect="1"/>
-          </p:cNvPicPr>
-          <p:nvPr/>
-        </p:nvPicPr>
-        <p:blipFill>
-          <a:blip r:embed="rId12">
-            <a:lum bright="70000" contrast="-70000"/>
-            <a:extLst>
-              <a:ext uri="{28A0092B-C50C-407E-A947-70E740481C1C}">
-                <a14:useLocalDpi xmlns:a14="http://schemas.microsoft.com/office/drawing/2010/main" val="0"/>
-              </a:ext>
-            </a:extLst>
-          </a:blip>
-          <a:stretch>
-            <a:fillRect/>
-          </a:stretch>
-        </p:blipFill>
-        <p:spPr>
-          <a:xfrm>
-            <a:off x="3894857" y="1708115"/>
-            <a:ext cx="1219200" cy="1219200"/>
-          </a:xfrm>
-          <a:prstGeom prst="rect">
-            <a:avLst/>
-          </a:prstGeom>
-        </p:spPr>
-      </p:pic>
-      <p:pic>
-        <p:nvPicPr>
-          <p:cNvPr id="13" name="Picture 12"/>
-          <p:cNvPicPr>
-            <a:picLocks noChangeAspect="1"/>
-          </p:cNvPicPr>
-          <p:nvPr/>
-        </p:nvPicPr>
-        <p:blipFill>
-          <a:blip r:embed="rId13">
-            <a:lum bright="70000" contrast="-70000"/>
-            <a:extLst>
-              <a:ext uri="{28A0092B-C50C-407E-A947-70E740481C1C}">
-                <a14:useLocalDpi xmlns:a14="http://schemas.microsoft.com/office/drawing/2010/main" val="0"/>
-              </a:ext>
-            </a:extLst>
-          </a:blip>
-          <a:stretch>
-            <a:fillRect/>
-          </a:stretch>
-        </p:blipFill>
-        <p:spPr>
-          <a:xfrm>
-            <a:off x="3941886" y="3046830"/>
-            <a:ext cx="1219200" cy="1219200"/>
-          </a:xfrm>
-          <a:prstGeom prst="rect">
-            <a:avLst/>
-          </a:prstGeom>
-        </p:spPr>
-      </p:pic>
-      <p:pic>
-        <p:nvPicPr>
-          <p:cNvPr id="14" name="Picture 13"/>
-          <p:cNvPicPr>
-            <a:picLocks noChangeAspect="1"/>
-          </p:cNvPicPr>
-          <p:nvPr/>
-        </p:nvPicPr>
-        <p:blipFill>
-          <a:blip r:embed="rId14">
-            <a:lum bright="70000" contrast="-70000"/>
-            <a:extLst>
-              <a:ext uri="{28A0092B-C50C-407E-A947-70E740481C1C}">
-                <a14:useLocalDpi xmlns:a14="http://schemas.microsoft.com/office/drawing/2010/main" val="0"/>
-              </a:ext>
-            </a:extLst>
-          </a:blip>
-          <a:stretch>
-            <a:fillRect/>
-          </a:stretch>
-        </p:blipFill>
-        <p:spPr>
-          <a:xfrm>
-            <a:off x="5571372" y="1767343"/>
-            <a:ext cx="1219200" cy="1219200"/>
-          </a:xfrm>
-          <a:prstGeom prst="rect">
-            <a:avLst/>
-          </a:prstGeom>
-        </p:spPr>
-      </p:pic>
-      <p:pic>
-        <p:nvPicPr>
-          <p:cNvPr id="15" name="Picture 14"/>
-          <p:cNvPicPr>
-            <a:picLocks noChangeAspect="1"/>
-          </p:cNvPicPr>
-          <p:nvPr/>
-        </p:nvPicPr>
-        <p:blipFill>
-          <a:blip r:embed="rId15">
-            <a:lum bright="70000" contrast="-70000"/>
-            <a:extLst>
-              <a:ext uri="{28A0092B-C50C-407E-A947-70E740481C1C}">
-                <a14:useLocalDpi xmlns:a14="http://schemas.microsoft.com/office/drawing/2010/main" val="0"/>
-              </a:ext>
-            </a:extLst>
-          </a:blip>
-          <a:stretch>
-            <a:fillRect/>
-          </a:stretch>
-        </p:blipFill>
-        <p:spPr>
-          <a:xfrm>
-            <a:off x="5602743" y="293914"/>
-            <a:ext cx="1219200" cy="1219200"/>
-          </a:xfrm>
-          <a:prstGeom prst="rect">
-            <a:avLst/>
-          </a:prstGeom>
-        </p:spPr>
-      </p:pic>
-      <p:pic>
-        <p:nvPicPr>
-          <p:cNvPr id="16" name="Picture 15"/>
-          <p:cNvPicPr>
-            <a:picLocks noChangeAspect="1"/>
-          </p:cNvPicPr>
-          <p:nvPr/>
-        </p:nvPicPr>
-        <p:blipFill>
-          <a:blip r:embed="rId16">
-            <a:lum bright="70000" contrast="-70000"/>
-            <a:extLst>
-              <a:ext uri="{28A0092B-C50C-407E-A947-70E740481C1C}">
-                <a14:useLocalDpi xmlns:a14="http://schemas.microsoft.com/office/drawing/2010/main" val="0"/>
-              </a:ext>
-            </a:extLst>
-          </a:blip>
-          <a:stretch>
-            <a:fillRect/>
-          </a:stretch>
-        </p:blipFill>
-        <p:spPr>
-          <a:xfrm>
-            <a:off x="5571372" y="3240772"/>
-            <a:ext cx="1219200" cy="1219200"/>
-          </a:xfrm>
-          <a:prstGeom prst="rect">
-            <a:avLst/>
-          </a:prstGeom>
-        </p:spPr>
-      </p:pic>
-      <p:pic>
-        <p:nvPicPr>
-          <p:cNvPr id="17" name="Picture 16"/>
-          <p:cNvPicPr>
-            <a:picLocks noChangeAspect="1"/>
-          </p:cNvPicPr>
-          <p:nvPr/>
-        </p:nvPicPr>
-        <p:blipFill>
-          <a:blip r:embed="rId17">
-            <a:lum bright="70000" contrast="-70000"/>
-            <a:extLst>
-              <a:ext uri="{28A0092B-C50C-407E-A947-70E740481C1C}">
-                <a14:useLocalDpi xmlns:a14="http://schemas.microsoft.com/office/drawing/2010/main" val="0"/>
-              </a:ext>
-            </a:extLst>
-          </a:blip>
-          <a:stretch>
-            <a:fillRect/>
-          </a:stretch>
-        </p:blipFill>
-        <p:spPr>
-          <a:xfrm>
-            <a:off x="7117200" y="388543"/>
-            <a:ext cx="1219200" cy="1219200"/>
-          </a:xfrm>
-          <a:prstGeom prst="rect">
-            <a:avLst/>
-          </a:prstGeom>
-        </p:spPr>
-      </p:pic>
-      <p:pic>
-        <p:nvPicPr>
-          <p:cNvPr id="18" name="Picture 17"/>
-          <p:cNvPicPr>
-            <a:picLocks noChangeAspect="1"/>
-          </p:cNvPicPr>
-          <p:nvPr/>
-        </p:nvPicPr>
-        <p:blipFill>
-          <a:blip r:embed="rId18">
-            <a:lum bright="70000" contrast="-70000"/>
-            <a:extLst>
-              <a:ext uri="{28A0092B-C50C-407E-A947-70E740481C1C}">
-                <a14:useLocalDpi xmlns:a14="http://schemas.microsoft.com/office/drawing/2010/main" val="0"/>
-              </a:ext>
-            </a:extLst>
-          </a:blip>
-          <a:stretch>
-            <a:fillRect/>
-          </a:stretch>
-        </p:blipFill>
-        <p:spPr>
-          <a:xfrm>
-            <a:off x="7211944" y="1819487"/>
-            <a:ext cx="1219200" cy="1219200"/>
-          </a:xfrm>
-          <a:prstGeom prst="rect">
-            <a:avLst/>
-          </a:prstGeom>
-        </p:spPr>
-      </p:pic>
-      <p:pic>
-        <p:nvPicPr>
-          <p:cNvPr id="19" name="Picture 18"/>
-          <p:cNvPicPr>
-            <a:picLocks noChangeAspect="1"/>
-          </p:cNvPicPr>
-          <p:nvPr/>
-        </p:nvPicPr>
-        <p:blipFill>
-          <a:blip r:embed="rId19">
-            <a:lum bright="70000" contrast="-70000"/>
-            <a:extLst>
-              <a:ext uri="{28A0092B-C50C-407E-A947-70E740481C1C}">
-                <a14:useLocalDpi xmlns:a14="http://schemas.microsoft.com/office/drawing/2010/main" val="0"/>
-              </a:ext>
-            </a:extLst>
-          </a:blip>
-          <a:stretch>
-            <a:fillRect/>
-          </a:stretch>
-        </p:blipFill>
-        <p:spPr>
-          <a:xfrm>
-            <a:off x="5624857" y="4609800"/>
-            <a:ext cx="1219200" cy="1219200"/>
-          </a:xfrm>
-          <a:prstGeom prst="rect">
-            <a:avLst/>
-          </a:prstGeom>
-        </p:spPr>
-      </p:pic>
-      <p:pic>
-        <p:nvPicPr>
-          <p:cNvPr id="20" name="Picture 19"/>
-          <p:cNvPicPr>
-            <a:picLocks noChangeAspect="1"/>
-          </p:cNvPicPr>
-          <p:nvPr/>
-        </p:nvPicPr>
-        <p:blipFill>
-          <a:blip r:embed="rId20">
-            <a:lum bright="70000" contrast="-70000"/>
-            <a:extLst>
-              <a:ext uri="{28A0092B-C50C-407E-A947-70E740481C1C}">
-                <a14:useLocalDpi xmlns:a14="http://schemas.microsoft.com/office/drawing/2010/main" val="0"/>
-              </a:ext>
-            </a:extLst>
-          </a:blip>
-          <a:stretch>
-            <a:fillRect/>
-          </a:stretch>
-        </p:blipFill>
-        <p:spPr>
-          <a:xfrm>
-            <a:off x="7284514" y="3295545"/>
-            <a:ext cx="1219200" cy="1219200"/>
-          </a:xfrm>
-          <a:prstGeom prst="rect">
-            <a:avLst/>
-          </a:prstGeom>
-        </p:spPr>
-      </p:pic>
-      <p:pic>
-        <p:nvPicPr>
-          <p:cNvPr id="21" name="Picture 20"/>
-          <p:cNvPicPr>
-            <a:picLocks noChangeAspect="1"/>
-          </p:cNvPicPr>
-          <p:nvPr/>
-        </p:nvPicPr>
-        <p:blipFill>
-          <a:blip r:embed="rId21">
-            <a:lum bright="70000" contrast="-70000"/>
-            <a:extLst>
-              <a:ext uri="{28A0092B-C50C-407E-A947-70E740481C1C}">
-                <a14:useLocalDpi xmlns:a14="http://schemas.microsoft.com/office/drawing/2010/main" val="0"/>
-              </a:ext>
-            </a:extLst>
-          </a:blip>
-          <a:stretch>
-            <a:fillRect/>
-          </a:stretch>
-        </p:blipFill>
-        <p:spPr>
-          <a:xfrm>
-            <a:off x="7309971" y="4675172"/>
-            <a:ext cx="1219200" cy="1219200"/>
-          </a:xfrm>
-          <a:prstGeom prst="rect">
-            <a:avLst/>
-          </a:prstGeom>
-        </p:spPr>
-      </p:pic>
-      <p:pic>
-        <p:nvPicPr>
-          <p:cNvPr id="22" name="Picture 21"/>
-          <p:cNvPicPr>
-            <a:picLocks noChangeAspect="1"/>
-          </p:cNvPicPr>
-          <p:nvPr/>
-        </p:nvPicPr>
-        <p:blipFill>
-          <a:blip r:embed="rId22">
-            <a:lum bright="70000" contrast="-70000"/>
-            <a:extLst>
-              <a:ext uri="{28A0092B-C50C-407E-A947-70E740481C1C}">
-                <a14:useLocalDpi xmlns:a14="http://schemas.microsoft.com/office/drawing/2010/main" val="0"/>
-              </a:ext>
-            </a:extLst>
-          </a:blip>
-          <a:stretch>
-            <a:fillRect/>
-          </a:stretch>
-        </p:blipFill>
-        <p:spPr>
-          <a:xfrm>
-            <a:off x="8636400" y="399829"/>
-            <a:ext cx="1219200" cy="1219200"/>
-          </a:xfrm>
-          <a:prstGeom prst="rect">
-            <a:avLst/>
-          </a:prstGeom>
-        </p:spPr>
-      </p:pic>
-      <p:pic>
-        <p:nvPicPr>
-          <p:cNvPr id="23" name="Picture 22"/>
-          <p:cNvPicPr>
-            <a:picLocks noChangeAspect="1"/>
-          </p:cNvPicPr>
-          <p:nvPr/>
-        </p:nvPicPr>
-        <p:blipFill>
-          <a:blip r:embed="rId23">
-            <a:lum bright="70000" contrast="-70000"/>
-            <a:extLst>
-              <a:ext uri="{28A0092B-C50C-407E-A947-70E740481C1C}">
-                <a14:useLocalDpi xmlns:a14="http://schemas.microsoft.com/office/drawing/2010/main" val="0"/>
-              </a:ext>
-            </a:extLst>
-          </a:blip>
-          <a:stretch>
-            <a:fillRect/>
-          </a:stretch>
-        </p:blipFill>
-        <p:spPr>
-          <a:xfrm>
-            <a:off x="10392629" y="488915"/>
-            <a:ext cx="1219200" cy="1219200"/>
-          </a:xfrm>
-          <a:prstGeom prst="rect">
-            <a:avLst/>
-          </a:prstGeom>
-        </p:spPr>
-      </p:pic>
-      <p:pic>
-        <p:nvPicPr>
-          <p:cNvPr id="24" name="Picture 23"/>
-          <p:cNvPicPr>
-            <a:picLocks noChangeAspect="1"/>
-          </p:cNvPicPr>
-          <p:nvPr/>
-        </p:nvPicPr>
-        <p:blipFill>
-          <a:blip r:embed="rId24">
-            <a:lum bright="70000" contrast="-70000"/>
-            <a:extLst>
-              <a:ext uri="{28A0092B-C50C-407E-A947-70E740481C1C}">
-                <a14:useLocalDpi xmlns:a14="http://schemas.microsoft.com/office/drawing/2010/main" val="0"/>
-              </a:ext>
-            </a:extLst>
-          </a:blip>
-          <a:stretch>
-            <a:fillRect/>
-          </a:stretch>
-        </p:blipFill>
-        <p:spPr>
-          <a:xfrm>
-            <a:off x="8731257" y="1827630"/>
-            <a:ext cx="1219200" cy="1219200"/>
-          </a:xfrm>
-          <a:prstGeom prst="rect">
-            <a:avLst/>
-          </a:prstGeom>
-        </p:spPr>
-      </p:pic>
-      <p:pic>
-        <p:nvPicPr>
-          <p:cNvPr id="25" name="Picture 24"/>
-          <p:cNvPicPr>
-            <a:picLocks noChangeAspect="1"/>
-          </p:cNvPicPr>
-          <p:nvPr/>
-        </p:nvPicPr>
-        <p:blipFill>
-          <a:blip r:embed="rId25">
-            <a:lum bright="70000" contrast="-70000"/>
-            <a:extLst>
-              <a:ext uri="{28A0092B-C50C-407E-A947-70E740481C1C}">
-                <a14:useLocalDpi xmlns:a14="http://schemas.microsoft.com/office/drawing/2010/main" val="0"/>
-              </a:ext>
-            </a:extLst>
-          </a:blip>
-          <a:stretch>
-            <a:fillRect/>
-          </a:stretch>
-        </p:blipFill>
-        <p:spPr>
-          <a:xfrm>
-            <a:off x="8784057" y="4774428"/>
-            <a:ext cx="1219200" cy="1219200"/>
-          </a:xfrm>
-          <a:prstGeom prst="rect">
-            <a:avLst/>
-          </a:prstGeom>
-        </p:spPr>
-      </p:pic>
-      <p:pic>
-        <p:nvPicPr>
-          <p:cNvPr id="26" name="Picture 25"/>
-          <p:cNvPicPr>
-            <a:picLocks noChangeAspect="1"/>
-          </p:cNvPicPr>
-          <p:nvPr/>
-        </p:nvPicPr>
-        <p:blipFill>
-          <a:blip r:embed="rId26">
-            <a:lum bright="70000" contrast="-70000"/>
-            <a:extLst>
-              <a:ext uri="{28A0092B-C50C-407E-A947-70E740481C1C}">
-                <a14:useLocalDpi xmlns:a14="http://schemas.microsoft.com/office/drawing/2010/main" val="0"/>
-              </a:ext>
-            </a:extLst>
-          </a:blip>
-          <a:stretch>
-            <a:fillRect/>
-          </a:stretch>
-        </p:blipFill>
-        <p:spPr>
-          <a:xfrm>
-            <a:off x="10396399" y="3390600"/>
-            <a:ext cx="1219200" cy="1219200"/>
-          </a:xfrm>
-          <a:prstGeom prst="rect">
-            <a:avLst/>
-          </a:prstGeom>
-        </p:spPr>
-      </p:pic>
-      <p:pic>
-        <p:nvPicPr>
-          <p:cNvPr id="27" name="Picture 26"/>
-          <p:cNvPicPr>
-            <a:picLocks noChangeAspect="1"/>
-          </p:cNvPicPr>
-          <p:nvPr/>
-        </p:nvPicPr>
-        <p:blipFill>
-          <a:blip r:embed="rId27">
-            <a:lum bright="70000" contrast="-70000"/>
-            <a:extLst>
-              <a:ext uri="{28A0092B-C50C-407E-A947-70E740481C1C}">
-                <a14:useLocalDpi xmlns:a14="http://schemas.microsoft.com/office/drawing/2010/main" val="0"/>
-              </a:ext>
-            </a:extLst>
-          </a:blip>
-          <a:stretch>
-            <a:fillRect/>
-          </a:stretch>
-        </p:blipFill>
-        <p:spPr>
-          <a:xfrm>
-            <a:off x="10349658" y="2076345"/>
-            <a:ext cx="1219200" cy="1219200"/>
-          </a:xfrm>
-          <a:prstGeom prst="rect">
-            <a:avLst/>
-          </a:prstGeom>
-        </p:spPr>
-      </p:pic>
-      <p:pic>
-        <p:nvPicPr>
-          <p:cNvPr id="28" name="Picture 27"/>
-          <p:cNvPicPr>
-            <a:picLocks noChangeAspect="1"/>
-          </p:cNvPicPr>
-          <p:nvPr/>
-        </p:nvPicPr>
-        <p:blipFill>
-          <a:blip r:embed="rId28">
-            <a:lum bright="70000" contrast="-70000"/>
-            <a:extLst>
-              <a:ext uri="{28A0092B-C50C-407E-A947-70E740481C1C}">
-                <a14:useLocalDpi xmlns:a14="http://schemas.microsoft.com/office/drawing/2010/main" val="0"/>
-              </a:ext>
-            </a:extLst>
-          </a:blip>
-          <a:stretch>
-            <a:fillRect/>
-          </a:stretch>
-        </p:blipFill>
-        <p:spPr>
-          <a:xfrm>
-            <a:off x="8773943" y="3438915"/>
-            <a:ext cx="1219200" cy="1219200"/>
-          </a:xfrm>
-          <a:prstGeom prst="rect">
-            <a:avLst/>
-          </a:prstGeom>
-        </p:spPr>
-      </p:pic>
-    </p:spTree>
-    <p:extLst>
-      <p:ext uri="{BB962C8B-B14F-4D97-AF65-F5344CB8AC3E}">
-        <p14:creationId xmlns:p14="http://schemas.microsoft.com/office/powerpoint/2010/main" val="214978686"/>
-      </p:ext>
-    </p:extLst>
-  </p:cSld>
-  <p:clrMapOvr>
-    <a:masterClrMapping/>
-  </p:clrMapOvr>
-</p:sld>
-</file>
-
-<file path=ppt/slides/slide51.xml><?xml version="1.0" encoding="utf-8"?>
-<p:sld xmlns:a="http://schemas.openxmlformats.org/drawingml/2006/main" xmlns:r="http://schemas.openxmlformats.org/officeDocument/2006/relationships" xmlns:p="http://schemas.openxmlformats.org/presentationml/2006/main" show="0">
-  <p:cSld>
-    <p:spTree>
-      <p:nvGrpSpPr>
-        <p:cNvPr id="1" name=""/>
-        <p:cNvGrpSpPr/>
-        <p:nvPr/>
-      </p:nvGrpSpPr>
-      <p:grpSpPr>
-        <a:xfrm>
-          <a:off x="0" y="0"/>
-          <a:ext cx="0" cy="0"/>
-          <a:chOff x="0" y="0"/>
-          <a:chExt cx="0" cy="0"/>
-        </a:xfrm>
-      </p:grpSpPr>
-      <p:pic>
-        <p:nvPicPr>
-          <p:cNvPr id="2" name="Picture 1"/>
-          <p:cNvPicPr>
-            <a:picLocks noChangeAspect="1"/>
-          </p:cNvPicPr>
-          <p:nvPr/>
-        </p:nvPicPr>
-        <p:blipFill>
-          <a:blip r:embed="rId2">
-            <a:lum bright="70000" contrast="-70000"/>
-            <a:extLst>
-              <a:ext uri="{28A0092B-C50C-407E-A947-70E740481C1C}">
-                <a14:useLocalDpi xmlns:a14="http://schemas.microsoft.com/office/drawing/2010/main" val="0"/>
-              </a:ext>
-            </a:extLst>
-          </a:blip>
-          <a:stretch>
-            <a:fillRect/>
-          </a:stretch>
-        </p:blipFill>
-        <p:spPr>
-          <a:xfrm>
             <a:off x="304800" y="373743"/>
             <a:ext cx="1219200" cy="1219200"/>
           </a:xfrm>
@@ -17972,7 +17798,7 @@
 </p:sld>
 </file>
 
-<file path=ppt/slides/slide52.xml><?xml version="1.0" encoding="utf-8"?>
+<file path=ppt/slides/slide51.xml><?xml version="1.0" encoding="utf-8"?>
 <p:sld xmlns:a="http://schemas.openxmlformats.org/drawingml/2006/main" xmlns:r="http://schemas.openxmlformats.org/officeDocument/2006/relationships" xmlns:p="http://schemas.openxmlformats.org/presentationml/2006/main" show="0">
   <p:cSld>
     <p:spTree>
@@ -19429,15 +19255,6 @@
 </file>
 
 <file path=customXml/item1.xml><?xml version="1.0" encoding="utf-8"?>
-<?mso-contentType ?>
-<FormTemplates xmlns="http://schemas.microsoft.com/sharepoint/v3/contenttype/forms">
-  <Display>DocumentLibraryForm</Display>
-  <Edit>DocumentLibraryForm</Edit>
-  <New>DocumentLibraryForm</New>
-</FormTemplates>
-</file>
-
-<file path=customXml/item2.xml><?xml version="1.0" encoding="utf-8"?>
 <ct:contentTypeSchema xmlns:ct="http://schemas.microsoft.com/office/2006/metadata/contentType" xmlns:ma="http://schemas.microsoft.com/office/2006/metadata/properties/metaAttributes" ct:_="" ma:_="" ma:contentTypeName="Document" ma:contentTypeID="0x010100CFD7474EC5F9804A8C0915A0D2B3E72B" ma:contentTypeVersion="6" ma:contentTypeDescription="Create a new document." ma:contentTypeScope="" ma:versionID="1e506071d132a47b68c5589909b09f0e">
   <xsd:schema xmlns:xsd="http://www.w3.org/2001/XMLSchema" xmlns:xs="http://www.w3.org/2001/XMLSchema" xmlns:p="http://schemas.microsoft.com/office/2006/metadata/properties" xmlns:ns2="437d3976-146d-487e-9b32-45ade7cdb3c3" xmlns:ns3="ba924082-f255-4689-bc14-7c311a17681c" targetNamespace="http://schemas.microsoft.com/office/2006/metadata/properties" ma:root="true" ma:fieldsID="d9451a99ae5dfcf301f63b02ef9f83d5" ns2:_="" ns3:_="">
     <xsd:import namespace="437d3976-146d-487e-9b32-45ade7cdb3c3"/>
@@ -19616,6 +19433,15 @@
 </ct:contentTypeSchema>
 </file>
 
+<file path=customXml/item2.xml><?xml version="1.0" encoding="utf-8"?>
+<?mso-contentType ?>
+<FormTemplates xmlns="http://schemas.microsoft.com/sharepoint/v3/contenttype/forms">
+  <Display>DocumentLibraryForm</Display>
+  <Edit>DocumentLibraryForm</Edit>
+  <New>DocumentLibraryForm</New>
+</FormTemplates>
+</file>
+
 <file path=customXml/item3.xml><?xml version="1.0" encoding="utf-8"?>
 <p:properties xmlns:p="http://schemas.microsoft.com/office/2006/metadata/properties" xmlns:xsi="http://www.w3.org/2001/XMLSchema-instance" xmlns:pc="http://schemas.microsoft.com/office/infopath/2007/PartnerControls">
   <documentManagement/>
@@ -19623,14 +19449,6 @@
 </file>
 
 <file path=customXml/itemProps1.xml><?xml version="1.0" encoding="utf-8"?>
-<ds:datastoreItem xmlns:ds="http://schemas.openxmlformats.org/officeDocument/2006/customXml" ds:itemID="{8F9099B0-B9E3-45A6-848D-7EA25626C078}">
-  <ds:schemaRefs>
-    <ds:schemaRef ds:uri="http://schemas.microsoft.com/sharepoint/v3/contenttype/forms"/>
-  </ds:schemaRefs>
-</ds:datastoreItem>
-</file>
-
-<file path=customXml/itemProps2.xml><?xml version="1.0" encoding="utf-8"?>
 <ds:datastoreItem xmlns:ds="http://schemas.openxmlformats.org/officeDocument/2006/customXml" ds:itemID="{1881FD18-C877-47D9-A9C8-9B9EB7A5D424}">
   <ds:schemaRefs>
     <ds:schemaRef ds:uri="http://schemas.microsoft.com/office/2006/metadata/contentType"/>
@@ -19645,6 +19463,14 @@
     <ds:schemaRef ds:uri="http://purl.org/dc/elements/1.1/"/>
     <ds:schemaRef ds:uri="http://purl.org/dc/terms/"/>
     <ds:schemaRef ds:uri="http://schemas.microsoft.com/internal/obd"/>
+  </ds:schemaRefs>
+</ds:datastoreItem>
+</file>
+
+<file path=customXml/itemProps2.xml><?xml version="1.0" encoding="utf-8"?>
+<ds:datastoreItem xmlns:ds="http://schemas.openxmlformats.org/officeDocument/2006/customXml" ds:itemID="{8F9099B0-B9E3-45A6-848D-7EA25626C078}">
+  <ds:schemaRefs>
+    <ds:schemaRef ds:uri="http://schemas.microsoft.com/sharepoint/v3/contenttype/forms"/>
   </ds:schemaRefs>
 </ds:datastoreItem>
 </file>

--- a/Pester Practically Perfect PowerShell.pptx
+++ b/Pester Practically Perfect PowerShell.pptx
@@ -333,7 +333,7 @@
           <a:p>
             <a:fld id="{EC2CC04A-C335-487A-8178-6C90F0F29C95}" type="datetimeFigureOut">
               <a:rPr lang="en-US" smtClean="0"/>
-              <a:t>3/16/2019</a:t>
+              <a:t>3/20/2019</a:t>
             </a:fld>
             <a:endParaRPr lang="en-US"/>
           </a:p>
@@ -1177,13 +1177,8 @@
           <a:p>
             <a:r>
               <a:rPr lang="en-US" dirty="0"/>
-              <a:t>Working with </a:t>
-            </a:r>
-            <a:r>
-              <a:rPr lang="en-US"/>
-              <a:t>our module.</a:t>
-            </a:r>
-            <a:endParaRPr lang="en-US" dirty="0"/>
+              <a:t>Working with our module.  You have this module and you are starting to use it!  Let’s test how you are using it.</a:t>
+            </a:r>
           </a:p>
         </p:txBody>
       </p:sp>
@@ -1732,15 +1727,7 @@
           <a:p>
             <a:r>
               <a:rPr lang="en-US" dirty="0"/>
-              <a:t>After running this through some list that are hundreds of thousands of items</a:t>
-            </a:r>
-            <a:r>
-              <a:rPr lang="en-US"/>
-              <a:t>, its time </a:t>
-            </a:r>
-            <a:r>
-              <a:rPr lang="en-US" dirty="0"/>
-              <a:t>to convert to an array list</a:t>
+              <a:t>After running this through some list that are hundreds of thousands of items, its time to convert to an array list</a:t>
             </a:r>
           </a:p>
         </p:txBody>
@@ -7446,10 +7433,16 @@
             </a:r>
           </a:p>
           <a:p>
+            <a:endParaRPr lang="en-US" dirty="0"/>
+          </a:p>
+          <a:p>
             <a:r>
               <a:rPr lang="en-US" dirty="0"/>
               <a:t>It is the only way to self peer review your code.</a:t>
             </a:r>
+          </a:p>
+          <a:p>
+            <a:endParaRPr lang="en-US" dirty="0"/>
           </a:p>
           <a:p>
             <a:r>
@@ -7737,6 +7730,9 @@
             </a:r>
           </a:p>
           <a:p>
+            <a:endParaRPr lang="en-US" dirty="0"/>
+          </a:p>
+          <a:p>
             <a:r>
               <a:rPr lang="en-US" dirty="0"/>
               <a:t>It</a:t>
@@ -7763,7 +7759,7 @@
             <a:pPr lvl="1"/>
             <a:r>
               <a:rPr lang="en-US" dirty="0"/>
-              <a:t>Assertion of something </a:t>
+              <a:t>Assertion of something</a:t>
             </a:r>
           </a:p>
           <a:p>
@@ -7985,6 +7981,41 @@
             </a:r>
           </a:p>
           <a:p>
+            <a:endParaRPr lang="en-US" dirty="0"/>
+          </a:p>
+          <a:p>
+            <a:r>
+              <a:rPr lang="en-US" dirty="0"/>
+              <a:t>Have a separate test for each </a:t>
+            </a:r>
+            <a:r>
+              <a:rPr lang="en-US" dirty="0" err="1"/>
+              <a:t>CmdLet</a:t>
+            </a:r>
+            <a:endParaRPr lang="en-US" dirty="0"/>
+          </a:p>
+          <a:p>
+            <a:endParaRPr lang="en-US" dirty="0"/>
+          </a:p>
+          <a:p>
+            <a:r>
+              <a:rPr lang="en-US" dirty="0"/>
+              <a:t>Name the Describe block the name of the </a:t>
+            </a:r>
+            <a:r>
+              <a:rPr lang="en-US" dirty="0" err="1"/>
+              <a:t>CmdLet</a:t>
+            </a:r>
+            <a:endParaRPr lang="en-US" dirty="0"/>
+          </a:p>
+          <a:p>
+            <a:pPr lvl="1"/>
+            <a:r>
+              <a:rPr lang="en-US" dirty="0"/>
+              <a:t>Our whatever standard you want to use, but have one.</a:t>
+            </a:r>
+          </a:p>
+          <a:p>
             <a:pPr marL="0" indent="0">
               <a:buNone/>
             </a:pPr>
@@ -8130,7 +8161,7 @@
             <a:pPr lvl="1"/>
             <a:r>
               <a:rPr lang="en-US" dirty="0"/>
-              <a:t>No interaction with the environment.</a:t>
+              <a:t>Enforces no interaction with the environment.</a:t>
             </a:r>
           </a:p>
           <a:p>
@@ -8534,7 +8565,25 @@
           <a:p>
             <a:r>
               <a:rPr lang="en-US" dirty="0"/>
-              <a:t>Ensure a specific Mock is called</a:t>
+              <a:t>Ensure a specific Mock is called or not.</a:t>
+            </a:r>
+          </a:p>
+          <a:p>
+            <a:endParaRPr lang="en-US" dirty="0"/>
+          </a:p>
+          <a:p>
+            <a:r>
+              <a:rPr lang="en-US" dirty="0"/>
+              <a:t>Ensure a specific mock was called a certain amount of times.</a:t>
+            </a:r>
+          </a:p>
+          <a:p>
+            <a:endParaRPr lang="en-US" dirty="0"/>
+          </a:p>
+          <a:p>
+            <a:r>
+              <a:rPr lang="en-US" dirty="0"/>
+              <a:t>Ensure a mock was called in a specific Scope.</a:t>
             </a:r>
           </a:p>
           <a:p>
@@ -9235,16 +9284,25 @@
             </a:r>
           </a:p>
           <a:p>
+            <a:endParaRPr lang="en-US" dirty="0"/>
+          </a:p>
+          <a:p>
             <a:r>
               <a:rPr lang="en-US" dirty="0"/>
               <a:t>It is only for modules.</a:t>
             </a:r>
           </a:p>
           <a:p>
+            <a:endParaRPr lang="en-US" dirty="0"/>
+          </a:p>
+          <a:p>
             <a:r>
               <a:rPr lang="en-US" dirty="0"/>
               <a:t>Somethings are not testable.</a:t>
             </a:r>
+          </a:p>
+          <a:p>
+            <a:endParaRPr lang="en-US" dirty="0"/>
           </a:p>
           <a:p>
             <a:r>
@@ -9423,6 +9481,15 @@
             <a:r>
               <a:rPr lang="en-US" dirty="0"/>
               <a:t>Not write-host</a:t>
+            </a:r>
+          </a:p>
+          <a:p>
+            <a:endParaRPr lang="en-US" dirty="0"/>
+          </a:p>
+          <a:p>
+            <a:r>
+              <a:rPr lang="en-US" dirty="0"/>
+              <a:t>Functions should return one and only type of thing.</a:t>
             </a:r>
           </a:p>
           <a:p>
@@ -19434,18 +19501,18 @@
 </file>
 
 <file path=customXml/item2.xml><?xml version="1.0" encoding="utf-8"?>
+<p:properties xmlns:p="http://schemas.microsoft.com/office/2006/metadata/properties" xmlns:xsi="http://www.w3.org/2001/XMLSchema-instance" xmlns:pc="http://schemas.microsoft.com/office/infopath/2007/PartnerControls">
+  <documentManagement/>
+</p:properties>
+</file>
+
+<file path=customXml/item3.xml><?xml version="1.0" encoding="utf-8"?>
 <?mso-contentType ?>
 <FormTemplates xmlns="http://schemas.microsoft.com/sharepoint/v3/contenttype/forms">
   <Display>DocumentLibraryForm</Display>
   <Edit>DocumentLibraryForm</Edit>
   <New>DocumentLibraryForm</New>
 </FormTemplates>
-</file>
-
-<file path=customXml/item3.xml><?xml version="1.0" encoding="utf-8"?>
-<p:properties xmlns:p="http://schemas.microsoft.com/office/2006/metadata/properties" xmlns:xsi="http://www.w3.org/2001/XMLSchema-instance" xmlns:pc="http://schemas.microsoft.com/office/infopath/2007/PartnerControls">
-  <documentManagement/>
-</p:properties>
 </file>
 
 <file path=customXml/itemProps1.xml><?xml version="1.0" encoding="utf-8"?>
@@ -19468,14 +19535,6 @@
 </file>
 
 <file path=customXml/itemProps2.xml><?xml version="1.0" encoding="utf-8"?>
-<ds:datastoreItem xmlns:ds="http://schemas.openxmlformats.org/officeDocument/2006/customXml" ds:itemID="{8F9099B0-B9E3-45A6-848D-7EA25626C078}">
-  <ds:schemaRefs>
-    <ds:schemaRef ds:uri="http://schemas.microsoft.com/sharepoint/v3/contenttype/forms"/>
-  </ds:schemaRefs>
-</ds:datastoreItem>
-</file>
-
-<file path=customXml/itemProps3.xml><?xml version="1.0" encoding="utf-8"?>
 <ds:datastoreItem xmlns:ds="http://schemas.openxmlformats.org/officeDocument/2006/customXml" ds:itemID="{AFF96CB3-579C-4369-8AB2-D91B353AC245}">
   <ds:schemaRefs>
     <ds:schemaRef ds:uri="http://purl.org/dc/terms/"/>
@@ -19490,4 +19549,12 @@
     <ds:schemaRef ds:uri="http://www.w3.org/XML/1998/namespace"/>
   </ds:schemaRefs>
 </ds:datastoreItem>
+</file>
+
+<file path=customXml/itemProps3.xml><?xml version="1.0" encoding="utf-8"?>
+<ds:datastoreItem xmlns:ds="http://schemas.openxmlformats.org/officeDocument/2006/customXml" ds:itemID="{8F9099B0-B9E3-45A6-848D-7EA25626C078}">
+  <ds:schemaRefs>
+    <ds:schemaRef ds:uri="http://schemas.microsoft.com/sharepoint/v3/contenttype/forms"/>
+  </ds:schemaRefs>
+</ds:datastoreItem>
 </file>
--- a/Pester Practically Perfect PowerShell.pptx
+++ b/Pester Practically Perfect PowerShell.pptx
@@ -333,7 +333,7 @@
           <a:p>
             <a:fld id="{EC2CC04A-C335-487A-8178-6C90F0F29C95}" type="datetimeFigureOut">
               <a:rPr lang="en-US" smtClean="0"/>
-              <a:t>3/20/2019</a:t>
+              <a:t>4/5/2019</a:t>
             </a:fld>
             <a:endParaRPr lang="en-US"/>
           </a:p>
@@ -8574,7 +8574,7 @@
           <a:p>
             <a:r>
               <a:rPr lang="en-US" dirty="0"/>
-              <a:t>Ensure a specific mock was called a certain amount of times.</a:t>
+              <a:t>Ensure a specific Mock was called a certain amount of times.</a:t>
             </a:r>
           </a:p>
           <a:p>
@@ -8583,7 +8583,7 @@
           <a:p>
             <a:r>
               <a:rPr lang="en-US" dirty="0"/>
-              <a:t>Ensure a mock was called in a specific Scope.</a:t>
+              <a:t>Ensure a Mock was called in a specific Scope.</a:t>
             </a:r>
           </a:p>
           <a:p>
@@ -8593,7 +8593,7 @@
           <a:p>
             <a:r>
               <a:rPr lang="en-US" dirty="0"/>
-              <a:t>You can add a parameter filter to a mock or an assertion.</a:t>
+              <a:t>You can add a parameter filter to a Mock or an Assertion.</a:t>
             </a:r>
           </a:p>
           <a:p>
@@ -8888,15 +8888,7 @@
             <a:pPr lvl="1"/>
             <a:r>
               <a:rPr lang="en-US" dirty="0"/>
-              <a:t>Be prepared to write functions for each </a:t>
-            </a:r>
-            <a:r>
-              <a:rPr lang="en-US" dirty="0" err="1"/>
-              <a:t>.net</a:t>
-            </a:r>
-            <a:r>
-              <a:rPr lang="en-US" dirty="0"/>
-              <a:t> method you need to test.</a:t>
+              <a:t>Be prepared to write functions for each .NET method you need to test.</a:t>
             </a:r>
           </a:p>
           <a:p>
@@ -19322,6 +19314,12 @@
 </file>
 
 <file path=customXml/item1.xml><?xml version="1.0" encoding="utf-8"?>
+<p:properties xmlns:p="http://schemas.microsoft.com/office/2006/metadata/properties" xmlns:xsi="http://www.w3.org/2001/XMLSchema-instance" xmlns:pc="http://schemas.microsoft.com/office/infopath/2007/PartnerControls">
+  <documentManagement/>
+</p:properties>
+</file>
+
+<file path=customXml/item2.xml><?xml version="1.0" encoding="utf-8"?>
 <ct:contentTypeSchema xmlns:ct="http://schemas.microsoft.com/office/2006/metadata/contentType" xmlns:ma="http://schemas.microsoft.com/office/2006/metadata/properties/metaAttributes" ct:_="" ma:_="" ma:contentTypeName="Document" ma:contentTypeID="0x010100CFD7474EC5F9804A8C0915A0D2B3E72B" ma:contentTypeVersion="6" ma:contentTypeDescription="Create a new document." ma:contentTypeScope="" ma:versionID="1e506071d132a47b68c5589909b09f0e">
   <xsd:schema xmlns:xsd="http://www.w3.org/2001/XMLSchema" xmlns:xs="http://www.w3.org/2001/XMLSchema" xmlns:p="http://schemas.microsoft.com/office/2006/metadata/properties" xmlns:ns2="437d3976-146d-487e-9b32-45ade7cdb3c3" xmlns:ns3="ba924082-f255-4689-bc14-7c311a17681c" targetNamespace="http://schemas.microsoft.com/office/2006/metadata/properties" ma:root="true" ma:fieldsID="d9451a99ae5dfcf301f63b02ef9f83d5" ns2:_="" ns3:_="">
     <xsd:import namespace="437d3976-146d-487e-9b32-45ade7cdb3c3"/>
@@ -19500,12 +19498,6 @@
 </ct:contentTypeSchema>
 </file>
 
-<file path=customXml/item2.xml><?xml version="1.0" encoding="utf-8"?>
-<p:properties xmlns:p="http://schemas.microsoft.com/office/2006/metadata/properties" xmlns:xsi="http://www.w3.org/2001/XMLSchema-instance" xmlns:pc="http://schemas.microsoft.com/office/infopath/2007/PartnerControls">
-  <documentManagement/>
-</p:properties>
-</file>
-
 <file path=customXml/item3.xml><?xml version="1.0" encoding="utf-8"?>
 <?mso-contentType ?>
 <FormTemplates xmlns="http://schemas.microsoft.com/sharepoint/v3/contenttype/forms">
@@ -19516,6 +19508,23 @@
 </file>
 
 <file path=customXml/itemProps1.xml><?xml version="1.0" encoding="utf-8"?>
+<ds:datastoreItem xmlns:ds="http://schemas.openxmlformats.org/officeDocument/2006/customXml" ds:itemID="{AFF96CB3-579C-4369-8AB2-D91B353AC245}">
+  <ds:schemaRefs>
+    <ds:schemaRef ds:uri="http://purl.org/dc/terms/"/>
+    <ds:schemaRef ds:uri="http://schemas.microsoft.com/office/infopath/2007/PartnerControls"/>
+    <ds:schemaRef ds:uri="http://purl.org/dc/dcmitype/"/>
+    <ds:schemaRef ds:uri="http://schemas.microsoft.com/office/2006/documentManagement/types"/>
+    <ds:schemaRef ds:uri="437d3976-146d-487e-9b32-45ade7cdb3c3"/>
+    <ds:schemaRef ds:uri="http://purl.org/dc/elements/1.1/"/>
+    <ds:schemaRef ds:uri="http://schemas.microsoft.com/office/2006/metadata/properties"/>
+    <ds:schemaRef ds:uri="ba924082-f255-4689-bc14-7c311a17681c"/>
+    <ds:schemaRef ds:uri="http://schemas.openxmlformats.org/package/2006/metadata/core-properties"/>
+    <ds:schemaRef ds:uri="http://www.w3.org/XML/1998/namespace"/>
+  </ds:schemaRefs>
+</ds:datastoreItem>
+</file>
+
+<file path=customXml/itemProps2.xml><?xml version="1.0" encoding="utf-8"?>
 <ds:datastoreItem xmlns:ds="http://schemas.openxmlformats.org/officeDocument/2006/customXml" ds:itemID="{1881FD18-C877-47D9-A9C8-9B9EB7A5D424}">
   <ds:schemaRefs>
     <ds:schemaRef ds:uri="http://schemas.microsoft.com/office/2006/metadata/contentType"/>
@@ -19534,23 +19543,6 @@
 </ds:datastoreItem>
 </file>
 
-<file path=customXml/itemProps2.xml><?xml version="1.0" encoding="utf-8"?>
-<ds:datastoreItem xmlns:ds="http://schemas.openxmlformats.org/officeDocument/2006/customXml" ds:itemID="{AFF96CB3-579C-4369-8AB2-D91B353AC245}">
-  <ds:schemaRefs>
-    <ds:schemaRef ds:uri="http://purl.org/dc/terms/"/>
-    <ds:schemaRef ds:uri="http://schemas.microsoft.com/office/infopath/2007/PartnerControls"/>
-    <ds:schemaRef ds:uri="http://purl.org/dc/dcmitype/"/>
-    <ds:schemaRef ds:uri="http://schemas.microsoft.com/office/2006/documentManagement/types"/>
-    <ds:schemaRef ds:uri="437d3976-146d-487e-9b32-45ade7cdb3c3"/>
-    <ds:schemaRef ds:uri="http://purl.org/dc/elements/1.1/"/>
-    <ds:schemaRef ds:uri="http://schemas.microsoft.com/office/2006/metadata/properties"/>
-    <ds:schemaRef ds:uri="ba924082-f255-4689-bc14-7c311a17681c"/>
-    <ds:schemaRef ds:uri="http://schemas.openxmlformats.org/package/2006/metadata/core-properties"/>
-    <ds:schemaRef ds:uri="http://www.w3.org/XML/1998/namespace"/>
-  </ds:schemaRefs>
-</ds:datastoreItem>
-</file>
-
 <file path=customXml/itemProps3.xml><?xml version="1.0" encoding="utf-8"?>
 <ds:datastoreItem xmlns:ds="http://schemas.openxmlformats.org/officeDocument/2006/customXml" ds:itemID="{8F9099B0-B9E3-45A6-848D-7EA25626C078}">
   <ds:schemaRefs>

--- a/Pester Practically Perfect PowerShell.pptx
+++ b/Pester Practically Perfect PowerShell.pptx
@@ -10,8 +10,8 @@
   <p:sldIdLst>
     <p:sldId id="256" r:id="rId5"/>
     <p:sldId id="257" r:id="rId6"/>
-    <p:sldId id="260" r:id="rId7"/>
-    <p:sldId id="281" r:id="rId8"/>
+    <p:sldId id="281" r:id="rId7"/>
+    <p:sldId id="260" r:id="rId8"/>
     <p:sldId id="278" r:id="rId9"/>
     <p:sldId id="282" r:id="rId10"/>
     <p:sldId id="283" r:id="rId11"/>
@@ -168,8 +168,8 @@
         </p14:section>
         <p14:section name="Presentation" id="{866A3E68-017F-4F94-A6C6-BFF303BC3121}">
           <p14:sldIdLst>
+            <p14:sldId id="281"/>
             <p14:sldId id="260"/>
-            <p14:sldId id="281"/>
             <p14:sldId id="278"/>
             <p14:sldId id="282"/>
             <p14:sldId id="283"/>
@@ -333,7 +333,7 @@
           <a:p>
             <a:fld id="{EC2CC04A-C335-487A-8178-6C90F0F29C95}" type="datetimeFigureOut">
               <a:rPr lang="en-US" smtClean="0"/>
-              <a:t>4/5/2019</a:t>
+              <a:t>4/17/2019</a:t>
             </a:fld>
             <a:endParaRPr lang="en-US"/>
           </a:p>
@@ -646,7 +646,13 @@
           <a:p>
             <a:r>
               <a:rPr lang="en-US" dirty="0"/>
-              <a:t>This is expectations / level setting stuff.  I promise we will get to the code soon….</a:t>
+              <a:t>As you continue to grow and mature as a developer you want your base or foundation to be strong.  </a:t>
+            </a:r>
+          </a:p>
+          <a:p>
+            <a:r>
+              <a:rPr lang="en-US" dirty="0"/>
+              <a:t>PowerShell Core / PowerShell 6 has no support for the ISE.  PowerShell v 5.1 is code complete.</a:t>
             </a:r>
           </a:p>
         </p:txBody>
@@ -677,7 +683,7 @@
     </p:spTree>
     <p:extLst>
       <p:ext uri="{BB962C8B-B14F-4D97-AF65-F5344CB8AC3E}">
-        <p14:creationId xmlns:p14="http://schemas.microsoft.com/office/powerpoint/2010/main" val="646713719"/>
+        <p14:creationId xmlns:p14="http://schemas.microsoft.com/office/powerpoint/2010/main" val="1505698461"/>
       </p:ext>
     </p:extLst>
   </p:cSld>
@@ -1640,7 +1646,15 @@
           <a:p>
             <a:r>
               <a:rPr lang="en-US" dirty="0"/>
-              <a:t>As you continue to grow and mature as a developer you want your base or foundation to be strong.  </a:t>
+              <a:t>This is level settings as to what testing is, why it is important and some </a:t>
+            </a:r>
+            <a:r>
+              <a:rPr lang="en-US" dirty="0" err="1"/>
+              <a:t>defitions</a:t>
+            </a:r>
+            <a:r>
+              <a:rPr lang="en-US" dirty="0"/>
+              <a:t> around Unit Testing.  </a:t>
             </a:r>
           </a:p>
         </p:txBody>
@@ -1671,7 +1685,7 @@
     </p:spTree>
     <p:extLst>
       <p:ext uri="{BB962C8B-B14F-4D97-AF65-F5344CB8AC3E}">
-        <p14:creationId xmlns:p14="http://schemas.microsoft.com/office/powerpoint/2010/main" val="1505698461"/>
+        <p14:creationId xmlns:p14="http://schemas.microsoft.com/office/powerpoint/2010/main" val="646713719"/>
       </p:ext>
     </p:extLst>
   </p:cSld>
@@ -7317,19 +7331,30 @@
           <a:p>
             <a:r>
               <a:rPr lang="en-US" dirty="0"/>
-              <a:t>Presenter #2</a:t>
-            </a:r>
-          </a:p>
-          <a:p>
-            <a:r>
-              <a:rPr lang="en-US" dirty="0"/>
-              <a:t>Blog, e-mail address, title</a:t>
-            </a:r>
-          </a:p>
-          <a:p>
-            <a:r>
-              <a:rPr lang="en-US" dirty="0"/>
-              <a:t>Company</a:t>
+              <a:t>Jeff Scripter</a:t>
+            </a:r>
+          </a:p>
+          <a:p>
+            <a:r>
+              <a:rPr lang="en-US" dirty="0"/>
+              <a:t>@</a:t>
+            </a:r>
+            <a:r>
+              <a:rPr lang="en-US" dirty="0" err="1"/>
+              <a:t>JeffTheScripter</a:t>
+            </a:r>
+            <a:endParaRPr lang="en-US" dirty="0"/>
+          </a:p>
+          <a:p>
+            <a:r>
+              <a:rPr lang="en-US" dirty="0"/>
+              <a:t>Automation Engineer</a:t>
+            </a:r>
+          </a:p>
+          <a:p>
+            <a:r>
+              <a:rPr lang="en-US" dirty="0"/>
+              <a:t>Wells Fargo</a:t>
             </a:r>
           </a:p>
         </p:txBody>
@@ -7451,6 +7476,32 @@
             </a:r>
           </a:p>
           <a:p>
+            <a:endParaRPr lang="en-US" dirty="0"/>
+          </a:p>
+          <a:p>
+            <a:pPr marL="0" indent="0">
+              <a:buNone/>
+            </a:pPr>
+            <a:endParaRPr lang="en-US" dirty="0">
+              <a:hlinkClick r:id="rId3"/>
+            </a:endParaRPr>
+          </a:p>
+          <a:p>
+            <a:pPr marL="0" indent="0">
+              <a:buNone/>
+            </a:pPr>
+            <a:r>
+              <a:rPr lang="en-US" dirty="0">
+                <a:hlinkClick r:id="rId3"/>
+              </a:rPr>
+              <a:t>http://blog.celerity.com/the-true-cost-of-a-software-bug</a:t>
+            </a:r>
+            <a:endParaRPr lang="en-US" dirty="0"/>
+          </a:p>
+          <a:p>
+            <a:endParaRPr lang="en-US" dirty="0"/>
+          </a:p>
+          <a:p>
             <a:pPr marL="0" indent="0">
               <a:buNone/>
             </a:pPr>
@@ -7680,7 +7731,7 @@
           <a:p>
             <a:r>
               <a:rPr lang="en-US" dirty="0"/>
-              <a:t>Pester Components</a:t>
+              <a:t>BASIC Pester Components</a:t>
             </a:r>
           </a:p>
         </p:txBody>
@@ -7719,7 +7770,7 @@
           <a:p>
             <a:r>
               <a:rPr lang="en-US" dirty="0"/>
-              <a:t>Context</a:t>
+              <a:t>Context (optional)</a:t>
             </a:r>
           </a:p>
           <a:p>
@@ -8231,12 +8282,20 @@
         </p:nvSpPr>
         <p:spPr/>
         <p:txBody>
-          <a:bodyPr/>
+          <a:bodyPr>
+            <a:normAutofit/>
+          </a:bodyPr>
           <a:lstStyle/>
           <a:p>
             <a:r>
               <a:rPr lang="en-US" dirty="0"/>
               <a:t>Mocks and Assertions</a:t>
+            </a:r>
+          </a:p>
+          <a:p>
+            <a:r>
+              <a:rPr lang="en-US" sz="1900" dirty="0"/>
+              <a:t>demo5</a:t>
             </a:r>
           </a:p>
         </p:txBody>
@@ -8288,8 +8347,13 @@
           <a:p>
             <a:r>
               <a:rPr lang="en-US" dirty="0"/>
-              <a:t>Twitter Handle</a:t>
-            </a:r>
+              <a:t>@</a:t>
+            </a:r>
+            <a:r>
+              <a:rPr lang="en-US" dirty="0" err="1"/>
+              <a:t>JeffTheScripter</a:t>
+            </a:r>
+            <a:endParaRPr lang="en-US" dirty="0"/>
           </a:p>
         </p:txBody>
       </p:sp>
@@ -8310,7 +8374,7 @@
           <a:p>
             <a:r>
               <a:rPr lang="en-US" dirty="0"/>
-              <a:t>Awards, accomplishments, etc.</a:t>
+              <a:t>All around Excellence</a:t>
             </a:r>
           </a:p>
         </p:txBody>
@@ -8332,7 +8396,7 @@
           <a:p>
             <a:r>
               <a:rPr lang="en-US" dirty="0"/>
-              <a:t>Experience</a:t>
+              <a:t>15 years</a:t>
             </a:r>
           </a:p>
         </p:txBody>
@@ -8354,7 +8418,7 @@
           <a:p>
             <a:r>
               <a:rPr lang="en-US" dirty="0"/>
-              <a:t>Favorite something; e.g., food</a:t>
+              <a:t>Beer, Coffee and Chocolate</a:t>
             </a:r>
           </a:p>
         </p:txBody>
@@ -8469,7 +8533,7 @@
           <a:p>
             <a:r>
               <a:rPr lang="en-US" dirty="0"/>
-              <a:t>Presenter Name 2</a:t>
+              <a:t>Jeff Scripter</a:t>
             </a:r>
           </a:p>
         </p:txBody>
@@ -9077,7 +9141,7 @@
             <a:pPr lvl="1"/>
             <a:r>
               <a:rPr lang="en-US" dirty="0"/>
-              <a:t>Pass in an array of parameter to an It block to test multiple “like” scenarios.</a:t>
+              <a:t>Pass in an array of parameters to an It block to test multiple “like” scenarios.</a:t>
             </a:r>
           </a:p>
           <a:p>
@@ -9345,7 +9409,7 @@
       </p:grpSpPr>
       <p:sp>
         <p:nvSpPr>
-          <p:cNvPr id="4" name="Title 3"/>
+          <p:cNvPr id="2" name="Title 1"/>
           <p:cNvSpPr>
             <a:spLocks noGrp="1"/>
           </p:cNvSpPr>
@@ -9360,37 +9424,86 @@
           <a:p>
             <a:r>
               <a:rPr lang="en-US" dirty="0"/>
-              <a:t>Testing</a:t>
-            </a:r>
-          </a:p>
-        </p:txBody>
-      </p:sp>
-      <p:sp>
-        <p:nvSpPr>
-          <p:cNvPr id="5" name="Text Placeholder 4"/>
+              <a:t>PowerShell Foundational Stuff</a:t>
+            </a:r>
+          </a:p>
+        </p:txBody>
+      </p:sp>
+      <p:sp>
+        <p:nvSpPr>
+          <p:cNvPr id="3" name="Content Placeholder 2"/>
           <p:cNvSpPr>
             <a:spLocks noGrp="1"/>
           </p:cNvSpPr>
           <p:nvPr>
-            <p:ph type="body" idx="1"/>
+            <p:ph idx="1"/>
           </p:nvPr>
         </p:nvSpPr>
         <p:spPr/>
         <p:txBody>
-          <a:bodyPr/>
+          <a:bodyPr>
+            <a:normAutofit/>
+          </a:bodyPr>
           <a:lstStyle/>
           <a:p>
             <a:r>
               <a:rPr lang="en-US" dirty="0"/>
-              <a:t>Foundational stuff and testing definitions</a:t>
-            </a:r>
+              <a:t>Source Control</a:t>
+            </a:r>
+          </a:p>
+          <a:p>
+            <a:pPr lvl="1"/>
+            <a:r>
+              <a:rPr lang="en-US" dirty="0"/>
+              <a:t>Git</a:t>
+            </a:r>
+          </a:p>
+          <a:p>
+            <a:endParaRPr lang="en-US" dirty="0"/>
+          </a:p>
+          <a:p>
+            <a:r>
+              <a:rPr lang="en-US" dirty="0"/>
+              <a:t>Loosely Coupled Code</a:t>
+            </a:r>
+          </a:p>
+          <a:p>
+            <a:pPr lvl="1"/>
+            <a:r>
+              <a:rPr lang="en-US" dirty="0"/>
+              <a:t>Modules \ Functions \ </a:t>
+            </a:r>
+            <a:r>
+              <a:rPr lang="en-US" dirty="0" err="1"/>
+              <a:t>CmdLets</a:t>
+            </a:r>
+            <a:endParaRPr lang="en-US" dirty="0"/>
+          </a:p>
+          <a:p>
+            <a:endParaRPr lang="en-US" dirty="0"/>
+          </a:p>
+          <a:p>
+            <a:r>
+              <a:rPr lang="en-US" dirty="0"/>
+              <a:t>Proper Tooling</a:t>
+            </a:r>
+          </a:p>
+          <a:p>
+            <a:pPr lvl="1"/>
+            <a:r>
+              <a:rPr lang="en-US" dirty="0"/>
+              <a:t>VS Code</a:t>
+            </a:r>
+          </a:p>
+          <a:p>
+            <a:endParaRPr lang="en-US" dirty="0"/>
           </a:p>
         </p:txBody>
       </p:sp>
     </p:spTree>
     <p:extLst>
       <p:ext uri="{BB962C8B-B14F-4D97-AF65-F5344CB8AC3E}">
-        <p14:creationId xmlns:p14="http://schemas.microsoft.com/office/powerpoint/2010/main" val="1657553323"/>
+        <p14:creationId xmlns:p14="http://schemas.microsoft.com/office/powerpoint/2010/main" val="3293315693"/>
       </p:ext>
     </p:extLst>
   </p:cSld>
@@ -10280,7 +10393,7 @@
       </p:grpSpPr>
       <p:sp>
         <p:nvSpPr>
-          <p:cNvPr id="2" name="Title 1"/>
+          <p:cNvPr id="4" name="Title 3"/>
           <p:cNvSpPr>
             <a:spLocks noGrp="1"/>
           </p:cNvSpPr>
@@ -10295,19 +10408,19 @@
           <a:p>
             <a:r>
               <a:rPr lang="en-US" dirty="0"/>
-              <a:t>PowerShell Foundational Stuff</a:t>
-            </a:r>
-          </a:p>
-        </p:txBody>
-      </p:sp>
-      <p:sp>
-        <p:nvSpPr>
-          <p:cNvPr id="3" name="Content Placeholder 2"/>
+              <a:t>Testing</a:t>
+            </a:r>
+          </a:p>
+        </p:txBody>
+      </p:sp>
+      <p:sp>
+        <p:nvSpPr>
+          <p:cNvPr id="5" name="Text Placeholder 4"/>
           <p:cNvSpPr>
             <a:spLocks noGrp="1"/>
           </p:cNvSpPr>
           <p:nvPr>
-            <p:ph idx="1"/>
+            <p:ph type="body" idx="1"/>
           </p:nvPr>
         </p:nvSpPr>
         <p:spPr/>
@@ -10317,62 +10430,7 @@
           <a:p>
             <a:r>
               <a:rPr lang="en-US" dirty="0"/>
-              <a:t>Source Control</a:t>
-            </a:r>
-          </a:p>
-          <a:p>
-            <a:pPr lvl="1"/>
-            <a:r>
-              <a:rPr lang="en-US" dirty="0"/>
-              <a:t>Git</a:t>
-            </a:r>
-          </a:p>
-          <a:p>
-            <a:endParaRPr lang="en-US" dirty="0"/>
-          </a:p>
-          <a:p>
-            <a:r>
-              <a:rPr lang="en-US" dirty="0"/>
-              <a:t>Loosely Coupled Code</a:t>
-            </a:r>
-          </a:p>
-          <a:p>
-            <a:pPr lvl="1"/>
-            <a:r>
-              <a:rPr lang="en-US" dirty="0"/>
-              <a:t>Modules</a:t>
-            </a:r>
-          </a:p>
-          <a:p>
-            <a:endParaRPr lang="en-US" dirty="0"/>
-          </a:p>
-          <a:p>
-            <a:r>
-              <a:rPr lang="en-US" dirty="0"/>
-              <a:t>Proper Tooling</a:t>
-            </a:r>
-          </a:p>
-          <a:p>
-            <a:pPr lvl="1"/>
-            <a:r>
-              <a:rPr lang="en-US" dirty="0"/>
-              <a:t>VS Code</a:t>
-            </a:r>
-          </a:p>
-          <a:p>
-            <a:endParaRPr lang="en-US" dirty="0"/>
-          </a:p>
-          <a:p>
-            <a:r>
-              <a:rPr lang="en-US" dirty="0"/>
-              <a:t>Unit Testing (What we are doing here)</a:t>
-            </a:r>
-          </a:p>
-          <a:p>
-            <a:pPr lvl="1"/>
-            <a:r>
-              <a:rPr lang="en-US" dirty="0"/>
-              <a:t>Pester</a:t>
+              <a:t>Foundational stuff and testing definitions</a:t>
             </a:r>
           </a:p>
         </p:txBody>
@@ -10380,7 +10438,7 @@
     </p:spTree>
     <p:extLst>
       <p:ext uri="{BB962C8B-B14F-4D97-AF65-F5344CB8AC3E}">
-        <p14:creationId xmlns:p14="http://schemas.microsoft.com/office/powerpoint/2010/main" val="3293315693"/>
+        <p14:creationId xmlns:p14="http://schemas.microsoft.com/office/powerpoint/2010/main" val="1657553323"/>
       </p:ext>
     </p:extLst>
   </p:cSld>
@@ -18573,6 +18631,13 @@
             </a:r>
           </a:p>
           <a:p>
+            <a:pPr lvl="2"/>
+            <a:r>
+              <a:rPr lang="en-US" dirty="0"/>
+              <a:t>Logic Branches</a:t>
+            </a:r>
+          </a:p>
+          <a:p>
             <a:pPr marL="0" indent="0">
               <a:buNone/>
             </a:pPr>
@@ -18753,7 +18818,15 @@
           <a:p>
             <a:r>
               <a:rPr lang="en-US" dirty="0"/>
-              <a:t>Integration testing depends on external sources.</a:t>
+              <a:t>Integration testing depends on external sources. (Databases, Services, </a:t>
+            </a:r>
+            <a:r>
+              <a:rPr lang="en-US" dirty="0" err="1"/>
+              <a:t>etc</a:t>
+            </a:r>
+            <a:r>
+              <a:rPr lang="en-US" dirty="0"/>
+              <a:t>)</a:t>
             </a:r>
           </a:p>
           <a:p>
@@ -19314,12 +19387,6 @@
 </file>
 
 <file path=customXml/item1.xml><?xml version="1.0" encoding="utf-8"?>
-<p:properties xmlns:p="http://schemas.microsoft.com/office/2006/metadata/properties" xmlns:xsi="http://www.w3.org/2001/XMLSchema-instance" xmlns:pc="http://schemas.microsoft.com/office/infopath/2007/PartnerControls">
-  <documentManagement/>
-</p:properties>
-</file>
-
-<file path=customXml/item2.xml><?xml version="1.0" encoding="utf-8"?>
 <ct:contentTypeSchema xmlns:ct="http://schemas.microsoft.com/office/2006/metadata/contentType" xmlns:ma="http://schemas.microsoft.com/office/2006/metadata/properties/metaAttributes" ct:_="" ma:_="" ma:contentTypeName="Document" ma:contentTypeID="0x010100CFD7474EC5F9804A8C0915A0D2B3E72B" ma:contentTypeVersion="6" ma:contentTypeDescription="Create a new document." ma:contentTypeScope="" ma:versionID="1e506071d132a47b68c5589909b09f0e">
   <xsd:schema xmlns:xsd="http://www.w3.org/2001/XMLSchema" xmlns:xs="http://www.w3.org/2001/XMLSchema" xmlns:p="http://schemas.microsoft.com/office/2006/metadata/properties" xmlns:ns2="437d3976-146d-487e-9b32-45ade7cdb3c3" xmlns:ns3="ba924082-f255-4689-bc14-7c311a17681c" targetNamespace="http://schemas.microsoft.com/office/2006/metadata/properties" ma:root="true" ma:fieldsID="d9451a99ae5dfcf301f63b02ef9f83d5" ns2:_="" ns3:_="">
     <xsd:import namespace="437d3976-146d-487e-9b32-45ade7cdb3c3"/>
@@ -19498,6 +19565,12 @@
 </ct:contentTypeSchema>
 </file>
 
+<file path=customXml/item2.xml><?xml version="1.0" encoding="utf-8"?>
+<p:properties xmlns:p="http://schemas.microsoft.com/office/2006/metadata/properties" xmlns:xsi="http://www.w3.org/2001/XMLSchema-instance" xmlns:pc="http://schemas.microsoft.com/office/infopath/2007/PartnerControls">
+  <documentManagement/>
+</p:properties>
+</file>
+
 <file path=customXml/item3.xml><?xml version="1.0" encoding="utf-8"?>
 <?mso-contentType ?>
 <FormTemplates xmlns="http://schemas.microsoft.com/sharepoint/v3/contenttype/forms">
@@ -19508,23 +19581,6 @@
 </file>
 
 <file path=customXml/itemProps1.xml><?xml version="1.0" encoding="utf-8"?>
-<ds:datastoreItem xmlns:ds="http://schemas.openxmlformats.org/officeDocument/2006/customXml" ds:itemID="{AFF96CB3-579C-4369-8AB2-D91B353AC245}">
-  <ds:schemaRefs>
-    <ds:schemaRef ds:uri="http://purl.org/dc/terms/"/>
-    <ds:schemaRef ds:uri="http://schemas.microsoft.com/office/infopath/2007/PartnerControls"/>
-    <ds:schemaRef ds:uri="http://purl.org/dc/dcmitype/"/>
-    <ds:schemaRef ds:uri="http://schemas.microsoft.com/office/2006/documentManagement/types"/>
-    <ds:schemaRef ds:uri="437d3976-146d-487e-9b32-45ade7cdb3c3"/>
-    <ds:schemaRef ds:uri="http://purl.org/dc/elements/1.1/"/>
-    <ds:schemaRef ds:uri="http://schemas.microsoft.com/office/2006/metadata/properties"/>
-    <ds:schemaRef ds:uri="ba924082-f255-4689-bc14-7c311a17681c"/>
-    <ds:schemaRef ds:uri="http://schemas.openxmlformats.org/package/2006/metadata/core-properties"/>
-    <ds:schemaRef ds:uri="http://www.w3.org/XML/1998/namespace"/>
-  </ds:schemaRefs>
-</ds:datastoreItem>
-</file>
-
-<file path=customXml/itemProps2.xml><?xml version="1.0" encoding="utf-8"?>
 <ds:datastoreItem xmlns:ds="http://schemas.openxmlformats.org/officeDocument/2006/customXml" ds:itemID="{1881FD18-C877-47D9-A9C8-9B9EB7A5D424}">
   <ds:schemaRefs>
     <ds:schemaRef ds:uri="http://schemas.microsoft.com/office/2006/metadata/contentType"/>
@@ -19543,6 +19599,23 @@
 </ds:datastoreItem>
 </file>
 
+<file path=customXml/itemProps2.xml><?xml version="1.0" encoding="utf-8"?>
+<ds:datastoreItem xmlns:ds="http://schemas.openxmlformats.org/officeDocument/2006/customXml" ds:itemID="{AFF96CB3-579C-4369-8AB2-D91B353AC245}">
+  <ds:schemaRefs>
+    <ds:schemaRef ds:uri="http://purl.org/dc/terms/"/>
+    <ds:schemaRef ds:uri="http://schemas.microsoft.com/office/infopath/2007/PartnerControls"/>
+    <ds:schemaRef ds:uri="http://purl.org/dc/dcmitype/"/>
+    <ds:schemaRef ds:uri="http://schemas.microsoft.com/office/2006/documentManagement/types"/>
+    <ds:schemaRef ds:uri="437d3976-146d-487e-9b32-45ade7cdb3c3"/>
+    <ds:schemaRef ds:uri="http://purl.org/dc/elements/1.1/"/>
+    <ds:schemaRef ds:uri="http://schemas.microsoft.com/office/2006/metadata/properties"/>
+    <ds:schemaRef ds:uri="ba924082-f255-4689-bc14-7c311a17681c"/>
+    <ds:schemaRef ds:uri="http://schemas.openxmlformats.org/package/2006/metadata/core-properties"/>
+    <ds:schemaRef ds:uri="http://www.w3.org/XML/1998/namespace"/>
+  </ds:schemaRefs>
+</ds:datastoreItem>
+</file>
+
 <file path=customXml/itemProps3.xml><?xml version="1.0" encoding="utf-8"?>
 <ds:datastoreItem xmlns:ds="http://schemas.openxmlformats.org/officeDocument/2006/customXml" ds:itemID="{8F9099B0-B9E3-45A6-848D-7EA25626C078}">
   <ds:schemaRefs>

--- a/Pester Practically Perfect PowerShell.pptx
+++ b/Pester Practically Perfect PowerShell.pptx
@@ -13,33 +13,33 @@
     <p:sldId id="281" r:id="rId7"/>
     <p:sldId id="260" r:id="rId8"/>
     <p:sldId id="278" r:id="rId9"/>
-    <p:sldId id="282" r:id="rId10"/>
-    <p:sldId id="283" r:id="rId11"/>
-    <p:sldId id="284" r:id="rId12"/>
-    <p:sldId id="285" r:id="rId13"/>
-    <p:sldId id="289" r:id="rId14"/>
-    <p:sldId id="286" r:id="rId15"/>
-    <p:sldId id="288" r:id="rId16"/>
-    <p:sldId id="309" r:id="rId17"/>
-    <p:sldId id="267" r:id="rId18"/>
-    <p:sldId id="293" r:id="rId19"/>
-    <p:sldId id="307" r:id="rId20"/>
-    <p:sldId id="305" r:id="rId21"/>
-    <p:sldId id="292" r:id="rId22"/>
-    <p:sldId id="308" r:id="rId23"/>
-    <p:sldId id="295" r:id="rId24"/>
-    <p:sldId id="297" r:id="rId25"/>
-    <p:sldId id="310" r:id="rId26"/>
-    <p:sldId id="311" r:id="rId27"/>
-    <p:sldId id="298" r:id="rId28"/>
-    <p:sldId id="299" r:id="rId29"/>
-    <p:sldId id="306" r:id="rId30"/>
-    <p:sldId id="301" r:id="rId31"/>
-    <p:sldId id="302" r:id="rId32"/>
-    <p:sldId id="290" r:id="rId33"/>
-    <p:sldId id="303" r:id="rId34"/>
-    <p:sldId id="304" r:id="rId35"/>
-    <p:sldId id="258" r:id="rId36"/>
+    <p:sldId id="283" r:id="rId10"/>
+    <p:sldId id="284" r:id="rId11"/>
+    <p:sldId id="285" r:id="rId12"/>
+    <p:sldId id="289" r:id="rId13"/>
+    <p:sldId id="286" r:id="rId14"/>
+    <p:sldId id="288" r:id="rId15"/>
+    <p:sldId id="309" r:id="rId16"/>
+    <p:sldId id="267" r:id="rId17"/>
+    <p:sldId id="293" r:id="rId18"/>
+    <p:sldId id="307" r:id="rId19"/>
+    <p:sldId id="305" r:id="rId20"/>
+    <p:sldId id="292" r:id="rId21"/>
+    <p:sldId id="308" r:id="rId22"/>
+    <p:sldId id="295" r:id="rId23"/>
+    <p:sldId id="297" r:id="rId24"/>
+    <p:sldId id="310" r:id="rId25"/>
+    <p:sldId id="311" r:id="rId26"/>
+    <p:sldId id="298" r:id="rId27"/>
+    <p:sldId id="299" r:id="rId28"/>
+    <p:sldId id="306" r:id="rId29"/>
+    <p:sldId id="301" r:id="rId30"/>
+    <p:sldId id="302" r:id="rId31"/>
+    <p:sldId id="290" r:id="rId32"/>
+    <p:sldId id="303" r:id="rId33"/>
+    <p:sldId id="304" r:id="rId34"/>
+    <p:sldId id="258" r:id="rId35"/>
+    <p:sldId id="282" r:id="rId36"/>
     <p:sldId id="259" r:id="rId37"/>
     <p:sldId id="279" r:id="rId38"/>
     <p:sldId id="287" r:id="rId39"/>
@@ -171,7 +171,6 @@
             <p14:sldId id="281"/>
             <p14:sldId id="260"/>
             <p14:sldId id="278"/>
-            <p14:sldId id="282"/>
             <p14:sldId id="283"/>
             <p14:sldId id="284"/>
             <p14:sldId id="285"/>
@@ -202,6 +201,7 @@
         </p14:section>
         <p14:section name="Closing" id="{49CB15AC-FD56-4AAC-8B8A-68CF2CB85A39}">
           <p14:sldIdLst>
+            <p14:sldId id="282"/>
             <p14:sldId id="259"/>
             <p14:sldId id="279"/>
           </p14:sldIdLst>
@@ -333,7 +333,7 @@
           <a:p>
             <a:fld id="{EC2CC04A-C335-487A-8178-6C90F0F29C95}" type="datetimeFigureOut">
               <a:rPr lang="en-US" smtClean="0"/>
-              <a:t>4/17/2019</a:t>
+              <a:t>4/30/2019</a:t>
             </a:fld>
             <a:endParaRPr lang="en-US"/>
           </a:p>
@@ -739,7 +739,15 @@
           <a:p>
             <a:r>
               <a:rPr lang="en-US" dirty="0"/>
-              <a:t>The majority of the tests we you are going to write are unit tests.</a:t>
+              <a:t>The </a:t>
+            </a:r>
+            <a:r>
+              <a:rPr lang="en-US" dirty="0" err="1"/>
+              <a:t>stringCombiner</a:t>
+            </a:r>
+            <a:r>
+              <a:rPr lang="en-US" dirty="0"/>
+              <a:t> was a smashing success.  As happens with any automation effort, once you have shown some success people are screaming for more! Now people are asking for a way to uniquely sort any objects!  You quickly decide that if you need to handle dynamic inputs (parameters) you need a function.  What are the possible tests cases now?  Hang on I forgot a few test cases…</a:t>
             </a:r>
           </a:p>
         </p:txBody>
@@ -761,7 +769,7 @@
           <a:p>
             <a:fld id="{C7B05CAA-7DFD-4456-A943-C499583EE113}" type="slidenum">
               <a:rPr lang="en-US" smtClean="0"/>
-              <a:t>13</a:t>
+              <a:t>14</a:t>
             </a:fld>
             <a:endParaRPr lang="en-US"/>
           </a:p>
@@ -770,7 +778,7 @@
     </p:spTree>
     <p:extLst>
       <p:ext uri="{BB962C8B-B14F-4D97-AF65-F5344CB8AC3E}">
-        <p14:creationId xmlns:p14="http://schemas.microsoft.com/office/powerpoint/2010/main" val="1546059689"/>
+        <p14:creationId xmlns:p14="http://schemas.microsoft.com/office/powerpoint/2010/main" val="2945657663"/>
       </p:ext>
     </p:extLst>
   </p:cSld>
@@ -826,15 +834,7 @@
           <a:p>
             <a:r>
               <a:rPr lang="en-US" dirty="0"/>
-              <a:t>The </a:t>
-            </a:r>
-            <a:r>
-              <a:rPr lang="en-US" dirty="0" err="1"/>
-              <a:t>stringCombiner</a:t>
-            </a:r>
-            <a:r>
-              <a:rPr lang="en-US" dirty="0"/>
-              <a:t> was a smashing success.  As happens with any automation effort, once you have shown some success people are screaming for more! Now people are asking for a way to uniquely sort any objects!  You quickly decide that if you need to handle dynamic inputs (parameters) you need a function.  What are the possible tests cases now?  Hang on I forgot a few test cases…</a:t>
+              <a:t>There are things that happen in a module that stay in the module.  Pester has a way to scope that for you.</a:t>
             </a:r>
           </a:p>
         </p:txBody>
@@ -865,7 +865,7 @@
     </p:spTree>
     <p:extLst>
       <p:ext uri="{BB962C8B-B14F-4D97-AF65-F5344CB8AC3E}">
-        <p14:creationId xmlns:p14="http://schemas.microsoft.com/office/powerpoint/2010/main" val="2945657663"/>
+        <p14:creationId xmlns:p14="http://schemas.microsoft.com/office/powerpoint/2010/main" val="2557059099"/>
       </p:ext>
     </p:extLst>
   </p:cSld>
@@ -920,9 +920,10 @@
           <a:lstStyle/>
           <a:p>
             <a:r>
-              <a:rPr lang="en-US" dirty="0"/>
-              <a:t>There are things that happen in a module that stay in the module.  Pester has a way to scope that for you.</a:t>
-            </a:r>
+              <a:rPr lang="en-US" dirty="0" err="1"/>
+              <a:t>ConvertTo-DuplicateSortedList</a:t>
+            </a:r>
+            <a:endParaRPr lang="en-US" dirty="0"/>
           </a:p>
         </p:txBody>
       </p:sp>
@@ -952,7 +953,7 @@
     </p:spTree>
     <p:extLst>
       <p:ext uri="{BB962C8B-B14F-4D97-AF65-F5344CB8AC3E}">
-        <p14:creationId xmlns:p14="http://schemas.microsoft.com/office/powerpoint/2010/main" val="2557059099"/>
+        <p14:creationId xmlns:p14="http://schemas.microsoft.com/office/powerpoint/2010/main" val="1408529167"/>
       </p:ext>
     </p:extLst>
   </p:cSld>
@@ -1007,10 +1008,9 @@
           <a:lstStyle/>
           <a:p>
             <a:r>
-              <a:rPr lang="en-US" dirty="0" err="1"/>
-              <a:t>ConvertTo-DuplicateSortedList</a:t>
-            </a:r>
-            <a:endParaRPr lang="en-US" dirty="0"/>
+              <a:rPr lang="en-US" dirty="0"/>
+              <a:t>The majority of the tests we you are going to write are unit tests.</a:t>
+            </a:r>
           </a:p>
         </p:txBody>
       </p:sp>
@@ -1040,7 +1040,7 @@
     </p:spTree>
     <p:extLst>
       <p:ext uri="{BB962C8B-B14F-4D97-AF65-F5344CB8AC3E}">
-        <p14:creationId xmlns:p14="http://schemas.microsoft.com/office/powerpoint/2010/main" val="1408529167"/>
+        <p14:creationId xmlns:p14="http://schemas.microsoft.com/office/powerpoint/2010/main" val="3014861851"/>
       </p:ext>
     </p:extLst>
   </p:cSld>
@@ -1096,7 +1096,7 @@
           <a:p>
             <a:r>
               <a:rPr lang="en-US" dirty="0"/>
-              <a:t>The majority of the tests we you are going to write are unit tests.</a:t>
+              <a:t>Working with our module.  You have this module and you are starting to use it!  Let’s test how you are using it.</a:t>
             </a:r>
           </a:p>
         </p:txBody>
@@ -1127,7 +1127,7 @@
     </p:spTree>
     <p:extLst>
       <p:ext uri="{BB962C8B-B14F-4D97-AF65-F5344CB8AC3E}">
-        <p14:creationId xmlns:p14="http://schemas.microsoft.com/office/powerpoint/2010/main" val="3014861851"/>
+        <p14:creationId xmlns:p14="http://schemas.microsoft.com/office/powerpoint/2010/main" val="1833343033"/>
       </p:ext>
     </p:extLst>
   </p:cSld>
@@ -1183,7 +1183,7 @@
           <a:p>
             <a:r>
               <a:rPr lang="en-US" dirty="0"/>
-              <a:t>Working with our module.  You have this module and you are starting to use it!  Let’s test how you are using it.</a:t>
+              <a:t>The majority of the tests we you are going to write are unit tests.</a:t>
             </a:r>
           </a:p>
         </p:txBody>
@@ -1214,7 +1214,7 @@
     </p:spTree>
     <p:extLst>
       <p:ext uri="{BB962C8B-B14F-4D97-AF65-F5344CB8AC3E}">
-        <p14:creationId xmlns:p14="http://schemas.microsoft.com/office/powerpoint/2010/main" val="1833343033"/>
+        <p14:creationId xmlns:p14="http://schemas.microsoft.com/office/powerpoint/2010/main" val="1235064172"/>
       </p:ext>
     </p:extLst>
   </p:cSld>
@@ -1269,9 +1269,32 @@
           <a:lstStyle/>
           <a:p>
             <a:r>
-              <a:rPr lang="en-US" dirty="0"/>
-              <a:t>The majority of the tests we you are going to write are unit tests.</a:t>
-            </a:r>
+              <a:rPr lang="en-US" dirty="0" err="1"/>
+              <a:t>Gonna</a:t>
+            </a:r>
+            <a:r>
+              <a:rPr lang="en-US" dirty="0"/>
+              <a:t> kick off pester topic with this </a:t>
+            </a:r>
+            <a:r>
+              <a:rPr lang="en-US" dirty="0" err="1"/>
+              <a:t>tid</a:t>
+            </a:r>
+            <a:r>
+              <a:rPr lang="en-US" dirty="0"/>
+              <a:t> bit. Pester loves functions.  Testing functions is way easier than testing non-functions.  More granular, more loosely coupled, easier to maintain, easy to refactor a billion times easier to test.</a:t>
+            </a:r>
+          </a:p>
+          <a:p>
+            <a:r>
+              <a:rPr lang="en-US" dirty="0"/>
+              <a:t>Get used to </a:t>
+            </a:r>
+            <a:r>
+              <a:rPr lang="en-US"/>
+              <a:t>writing functions.</a:t>
+            </a:r>
+            <a:endParaRPr lang="en-US" dirty="0"/>
           </a:p>
         </p:txBody>
       </p:sp>
@@ -1292,7 +1315,7 @@
           <a:p>
             <a:fld id="{C7B05CAA-7DFD-4456-A943-C499583EE113}" type="slidenum">
               <a:rPr lang="en-US" smtClean="0"/>
-              <a:t>20</a:t>
+              <a:t>21</a:t>
             </a:fld>
             <a:endParaRPr lang="en-US"/>
           </a:p>
@@ -1301,7 +1324,7 @@
     </p:spTree>
     <p:extLst>
       <p:ext uri="{BB962C8B-B14F-4D97-AF65-F5344CB8AC3E}">
-        <p14:creationId xmlns:p14="http://schemas.microsoft.com/office/powerpoint/2010/main" val="1235064172"/>
+        <p14:creationId xmlns:p14="http://schemas.microsoft.com/office/powerpoint/2010/main" val="1688180714"/>
       </p:ext>
     </p:extLst>
   </p:cSld>
@@ -1356,30 +1379,12 @@
           <a:lstStyle/>
           <a:p>
             <a:r>
-              <a:rPr lang="en-US" dirty="0" err="1"/>
-              <a:t>Gonna</a:t>
-            </a:r>
-            <a:r>
-              <a:rPr lang="en-US" dirty="0"/>
-              <a:t> kick off pester topic with this </a:t>
-            </a:r>
-            <a:r>
-              <a:rPr lang="en-US" dirty="0" err="1"/>
-              <a:t>tid</a:t>
-            </a:r>
-            <a:r>
-              <a:rPr lang="en-US" dirty="0"/>
-              <a:t> bit. Pester loves functions.  Testing functions is way easier than testing non-functions.  More granular, more loosely coupled, easier to maintain, easy to refactor a billion times easier to test.</a:t>
-            </a:r>
-          </a:p>
-          <a:p>
-            <a:r>
-              <a:rPr lang="en-US" dirty="0"/>
-              <a:t>Get used to </a:t>
+              <a:rPr lang="en-US" dirty="0"/>
+              <a:t>Working with </a:t>
             </a:r>
             <a:r>
               <a:rPr lang="en-US"/>
-              <a:t>writing functions.</a:t>
+              <a:t>our module.</a:t>
             </a:r>
             <a:endParaRPr lang="en-US" dirty="0"/>
           </a:p>
@@ -1411,7 +1416,7 @@
     </p:spTree>
     <p:extLst>
       <p:ext uri="{BB962C8B-B14F-4D97-AF65-F5344CB8AC3E}">
-        <p14:creationId xmlns:p14="http://schemas.microsoft.com/office/powerpoint/2010/main" val="1688180714"/>
+        <p14:creationId xmlns:p14="http://schemas.microsoft.com/office/powerpoint/2010/main" val="656600684"/>
       </p:ext>
     </p:extLst>
   </p:cSld>
@@ -1467,13 +1472,8 @@
           <a:p>
             <a:r>
               <a:rPr lang="en-US" dirty="0"/>
-              <a:t>Working with </a:t>
-            </a:r>
-            <a:r>
-              <a:rPr lang="en-US"/>
-              <a:t>our module.</a:t>
-            </a:r>
-            <a:endParaRPr lang="en-US" dirty="0"/>
+              <a:t>The majority of the tests we you are going to write are unit tests.</a:t>
+            </a:r>
           </a:p>
         </p:txBody>
       </p:sp>
@@ -1503,7 +1503,7 @@
     </p:spTree>
     <p:extLst>
       <p:ext uri="{BB962C8B-B14F-4D97-AF65-F5344CB8AC3E}">
-        <p14:creationId xmlns:p14="http://schemas.microsoft.com/office/powerpoint/2010/main" val="656600684"/>
+        <p14:creationId xmlns:p14="http://schemas.microsoft.com/office/powerpoint/2010/main" val="2685164170"/>
       </p:ext>
     </p:extLst>
   </p:cSld>
@@ -1559,7 +1559,7 @@
           <a:p>
             <a:r>
               <a:rPr lang="en-US" dirty="0"/>
-              <a:t>The majority of the tests we you are going to write are unit tests.</a:t>
+              <a:t>After running this through some list that are hundreds of thousands of items, its time to convert to an array list</a:t>
             </a:r>
           </a:p>
         </p:txBody>
@@ -1590,7 +1590,7 @@
     </p:spTree>
     <p:extLst>
       <p:ext uri="{BB962C8B-B14F-4D97-AF65-F5344CB8AC3E}">
-        <p14:creationId xmlns:p14="http://schemas.microsoft.com/office/powerpoint/2010/main" val="2685164170"/>
+        <p14:creationId xmlns:p14="http://schemas.microsoft.com/office/powerpoint/2010/main" val="1737998889"/>
       </p:ext>
     </p:extLst>
   </p:cSld>
@@ -1741,7 +1741,7 @@
           <a:p>
             <a:r>
               <a:rPr lang="en-US" dirty="0"/>
-              <a:t>After running this through some list that are hundreds of thousands of items, its time to convert to an array list</a:t>
+              <a:t>The majority of the tests we you are going to write are unit tests.</a:t>
             </a:r>
           </a:p>
         </p:txBody>
@@ -1772,7 +1772,7 @@
     </p:spTree>
     <p:extLst>
       <p:ext uri="{BB962C8B-B14F-4D97-AF65-F5344CB8AC3E}">
-        <p14:creationId xmlns:p14="http://schemas.microsoft.com/office/powerpoint/2010/main" val="1737998889"/>
+        <p14:creationId xmlns:p14="http://schemas.microsoft.com/office/powerpoint/2010/main" val="1362832935"/>
       </p:ext>
     </p:extLst>
   </p:cSld>
@@ -1828,7 +1828,7 @@
           <a:p>
             <a:r>
               <a:rPr lang="en-US" dirty="0"/>
-              <a:t>The majority of the tests we you are going to write are unit tests.</a:t>
+              <a:t>What the heck happens if a property you are trying to search for doesn’t exist?</a:t>
             </a:r>
           </a:p>
         </p:txBody>
@@ -1859,7 +1859,7 @@
     </p:spTree>
     <p:extLst>
       <p:ext uri="{BB962C8B-B14F-4D97-AF65-F5344CB8AC3E}">
-        <p14:creationId xmlns:p14="http://schemas.microsoft.com/office/powerpoint/2010/main" val="1362832935"/>
+        <p14:creationId xmlns:p14="http://schemas.microsoft.com/office/powerpoint/2010/main" val="1892057454"/>
       </p:ext>
     </p:extLst>
   </p:cSld>
@@ -1915,7 +1915,7 @@
           <a:p>
             <a:r>
               <a:rPr lang="en-US" dirty="0"/>
-              <a:t>What the heck happens if a property you are trying to search for doesn’t exist?</a:t>
+              <a:t>The majority of the tests we you are going to write are unit tests.</a:t>
             </a:r>
           </a:p>
         </p:txBody>
@@ -1937,7 +1937,7 @@
           <a:p>
             <a:fld id="{C7B05CAA-7DFD-4456-A943-C499583EE113}" type="slidenum">
               <a:rPr lang="en-US" smtClean="0"/>
-              <a:t>27</a:t>
+              <a:t>28</a:t>
             </a:fld>
             <a:endParaRPr lang="en-US"/>
           </a:p>
@@ -1946,7 +1946,7 @@
     </p:spTree>
     <p:extLst>
       <p:ext uri="{BB962C8B-B14F-4D97-AF65-F5344CB8AC3E}">
-        <p14:creationId xmlns:p14="http://schemas.microsoft.com/office/powerpoint/2010/main" val="1892057454"/>
+        <p14:creationId xmlns:p14="http://schemas.microsoft.com/office/powerpoint/2010/main" val="2335363100"/>
       </p:ext>
     </p:extLst>
   </p:cSld>
@@ -2033,7 +2033,7 @@
     </p:spTree>
     <p:extLst>
       <p:ext uri="{BB962C8B-B14F-4D97-AF65-F5344CB8AC3E}">
-        <p14:creationId xmlns:p14="http://schemas.microsoft.com/office/powerpoint/2010/main" val="2335363100"/>
+        <p14:creationId xmlns:p14="http://schemas.microsoft.com/office/powerpoint/2010/main" val="1248807388"/>
       </p:ext>
     </p:extLst>
   </p:cSld>
@@ -2120,7 +2120,7 @@
     </p:spTree>
     <p:extLst>
       <p:ext uri="{BB962C8B-B14F-4D97-AF65-F5344CB8AC3E}">
-        <p14:creationId xmlns:p14="http://schemas.microsoft.com/office/powerpoint/2010/main" val="1248807388"/>
+        <p14:creationId xmlns:p14="http://schemas.microsoft.com/office/powerpoint/2010/main" val="2750833739"/>
       </p:ext>
     </p:extLst>
   </p:cSld>
@@ -2176,7 +2176,7 @@
           <a:p>
             <a:r>
               <a:rPr lang="en-US" dirty="0"/>
-              <a:t>The majority of the tests we you are going to write are unit tests.</a:t>
+              <a:t>As you continue to grow and mature as a developer you want your base or foundation to be strong.  </a:t>
             </a:r>
           </a:p>
         </p:txBody>
@@ -2198,7 +2198,7 @@
           <a:p>
             <a:fld id="{C7B05CAA-7DFD-4456-A943-C499583EE113}" type="slidenum">
               <a:rPr lang="en-US" smtClean="0"/>
-              <a:t>31</a:t>
+              <a:t>32</a:t>
             </a:fld>
             <a:endParaRPr lang="en-US"/>
           </a:p>
@@ -2207,7 +2207,7 @@
     </p:spTree>
     <p:extLst>
       <p:ext uri="{BB962C8B-B14F-4D97-AF65-F5344CB8AC3E}">
-        <p14:creationId xmlns:p14="http://schemas.microsoft.com/office/powerpoint/2010/main" val="2750833739"/>
+        <p14:creationId xmlns:p14="http://schemas.microsoft.com/office/powerpoint/2010/main" val="133354329"/>
       </p:ext>
     </p:extLst>
   </p:cSld>
@@ -2350,7 +2350,7 @@
           <a:p>
             <a:r>
               <a:rPr lang="en-US" dirty="0"/>
-              <a:t>As you continue to grow and mature as a developer you want your base or foundation to be strong.  </a:t>
+              <a:t>The majority of the tests we you are going to write are unit tests.</a:t>
             </a:r>
           </a:p>
         </p:txBody>
@@ -2381,7 +2381,7 @@
     </p:spTree>
     <p:extLst>
       <p:ext uri="{BB962C8B-B14F-4D97-AF65-F5344CB8AC3E}">
-        <p14:creationId xmlns:p14="http://schemas.microsoft.com/office/powerpoint/2010/main" val="133354329"/>
+        <p14:creationId xmlns:p14="http://schemas.microsoft.com/office/powerpoint/2010/main" val="2044358113"/>
       </p:ext>
     </p:extLst>
   </p:cSld>
@@ -2468,7 +2468,7 @@
     </p:spTree>
     <p:extLst>
       <p:ext uri="{BB962C8B-B14F-4D97-AF65-F5344CB8AC3E}">
-        <p14:creationId xmlns:p14="http://schemas.microsoft.com/office/powerpoint/2010/main" val="2044358113"/>
+        <p14:creationId xmlns:p14="http://schemas.microsoft.com/office/powerpoint/2010/main" val="3950339015"/>
       </p:ext>
     </p:extLst>
   </p:cSld>
@@ -2555,7 +2555,7 @@
     </p:spTree>
     <p:extLst>
       <p:ext uri="{BB962C8B-B14F-4D97-AF65-F5344CB8AC3E}">
-        <p14:creationId xmlns:p14="http://schemas.microsoft.com/office/powerpoint/2010/main" val="3950339015"/>
+        <p14:creationId xmlns:p14="http://schemas.microsoft.com/office/powerpoint/2010/main" val="2866517880"/>
       </p:ext>
     </p:extLst>
   </p:cSld>
@@ -2642,7 +2642,7 @@
     </p:spTree>
     <p:extLst>
       <p:ext uri="{BB962C8B-B14F-4D97-AF65-F5344CB8AC3E}">
-        <p14:creationId xmlns:p14="http://schemas.microsoft.com/office/powerpoint/2010/main" val="2866517880"/>
+        <p14:creationId xmlns:p14="http://schemas.microsoft.com/office/powerpoint/2010/main" val="3055426026"/>
       </p:ext>
     </p:extLst>
   </p:cSld>
@@ -2697,9 +2697,32 @@
           <a:lstStyle/>
           <a:p>
             <a:r>
-              <a:rPr lang="en-US" dirty="0"/>
-              <a:t>The majority of the tests we you are going to write are unit tests.</a:t>
-            </a:r>
+              <a:rPr lang="en-US" dirty="0" err="1"/>
+              <a:t>Gonna</a:t>
+            </a:r>
+            <a:r>
+              <a:rPr lang="en-US" dirty="0"/>
+              <a:t> kick off pester topic with this </a:t>
+            </a:r>
+            <a:r>
+              <a:rPr lang="en-US" dirty="0" err="1"/>
+              <a:t>tid</a:t>
+            </a:r>
+            <a:r>
+              <a:rPr lang="en-US" dirty="0"/>
+              <a:t> bit. Pester loves functions.  Testing functions is way easier than testing non-functions.  More granular, more loosely coupled, easier to maintain, easy to refactor a billion times easier to test.</a:t>
+            </a:r>
+          </a:p>
+          <a:p>
+            <a:r>
+              <a:rPr lang="en-US" dirty="0"/>
+              <a:t>Get used to </a:t>
+            </a:r>
+            <a:r>
+              <a:rPr lang="en-US"/>
+              <a:t>writing functions.</a:t>
+            </a:r>
+            <a:endParaRPr lang="en-US" dirty="0"/>
           </a:p>
         </p:txBody>
       </p:sp>
@@ -2720,7 +2743,7 @@
           <a:p>
             <a:fld id="{C7B05CAA-7DFD-4456-A943-C499583EE113}" type="slidenum">
               <a:rPr lang="en-US" smtClean="0"/>
-              <a:t>10</a:t>
+              <a:t>11</a:t>
             </a:fld>
             <a:endParaRPr lang="en-US"/>
           </a:p>
@@ -2729,7 +2752,7 @@
     </p:spTree>
     <p:extLst>
       <p:ext uri="{BB962C8B-B14F-4D97-AF65-F5344CB8AC3E}">
-        <p14:creationId xmlns:p14="http://schemas.microsoft.com/office/powerpoint/2010/main" val="3055426026"/>
+        <p14:creationId xmlns:p14="http://schemas.microsoft.com/office/powerpoint/2010/main" val="1244052699"/>
       </p:ext>
     </p:extLst>
   </p:cSld>
@@ -2784,32 +2807,9 @@
           <a:lstStyle/>
           <a:p>
             <a:r>
-              <a:rPr lang="en-US" dirty="0" err="1"/>
-              <a:t>Gonna</a:t>
-            </a:r>
-            <a:r>
-              <a:rPr lang="en-US" dirty="0"/>
-              <a:t> kick off pester topic with this </a:t>
-            </a:r>
-            <a:r>
-              <a:rPr lang="en-US" dirty="0" err="1"/>
-              <a:t>tid</a:t>
-            </a:r>
-            <a:r>
-              <a:rPr lang="en-US" dirty="0"/>
-              <a:t> bit. Pester loves functions.  Testing functions is way easier than testing non-functions.  More granular, more loosely coupled, easier to maintain, easy to refactor a billion times easier to test.</a:t>
-            </a:r>
-          </a:p>
-          <a:p>
-            <a:r>
-              <a:rPr lang="en-US" dirty="0"/>
-              <a:t>Get used to </a:t>
-            </a:r>
-            <a:r>
-              <a:rPr lang="en-US"/>
-              <a:t>writing functions.</a:t>
-            </a:r>
-            <a:endParaRPr lang="en-US" dirty="0"/>
+              <a:rPr lang="en-US" dirty="0"/>
+              <a:t>The majority of the tests we you are going to write are unit tests.</a:t>
+            </a:r>
           </a:p>
         </p:txBody>
       </p:sp>
@@ -2839,7 +2839,7 @@
     </p:spTree>
     <p:extLst>
       <p:ext uri="{BB962C8B-B14F-4D97-AF65-F5344CB8AC3E}">
-        <p14:creationId xmlns:p14="http://schemas.microsoft.com/office/powerpoint/2010/main" val="1244052699"/>
+        <p14:creationId xmlns:p14="http://schemas.microsoft.com/office/powerpoint/2010/main" val="1546059689"/>
       </p:ext>
     </p:extLst>
   </p:cSld>
@@ -7417,7 +7417,7 @@
       </p:grpSpPr>
       <p:sp>
         <p:nvSpPr>
-          <p:cNvPr id="2" name="Title 1"/>
+          <p:cNvPr id="4" name="Title 3"/>
           <p:cNvSpPr>
             <a:spLocks noGrp="1"/>
           </p:cNvSpPr>
@@ -7432,19 +7432,19 @@
           <a:p>
             <a:r>
               <a:rPr lang="en-US" dirty="0"/>
-              <a:t>Why Unit Test?</a:t>
-            </a:r>
-          </a:p>
-        </p:txBody>
-      </p:sp>
-      <p:sp>
-        <p:nvSpPr>
-          <p:cNvPr id="3" name="Content Placeholder 2"/>
+              <a:t>Pester</a:t>
+            </a:r>
+          </a:p>
+        </p:txBody>
+      </p:sp>
+      <p:sp>
+        <p:nvSpPr>
+          <p:cNvPr id="5" name="Text Placeholder 4"/>
           <p:cNvSpPr>
             <a:spLocks noGrp="1"/>
           </p:cNvSpPr>
           <p:nvPr>
-            <p:ph idx="1"/>
+            <p:ph type="body" idx="1"/>
           </p:nvPr>
         </p:nvSpPr>
         <p:spPr/>
@@ -7454,65 +7454,15 @@
           <a:p>
             <a:r>
               <a:rPr lang="en-US" dirty="0"/>
-              <a:t>You will find bugs in your code.</a:t>
-            </a:r>
-          </a:p>
-          <a:p>
-            <a:endParaRPr lang="en-US" dirty="0"/>
-          </a:p>
-          <a:p>
-            <a:r>
-              <a:rPr lang="en-US" dirty="0"/>
-              <a:t>It is the only way to self peer review your code.</a:t>
-            </a:r>
-          </a:p>
-          <a:p>
-            <a:endParaRPr lang="en-US" dirty="0"/>
-          </a:p>
-          <a:p>
-            <a:r>
-              <a:rPr lang="en-US" dirty="0"/>
-              <a:t>It separates you from the pack.</a:t>
-            </a:r>
-          </a:p>
-          <a:p>
-            <a:endParaRPr lang="en-US" dirty="0"/>
-          </a:p>
-          <a:p>
-            <a:pPr marL="0" indent="0">
-              <a:buNone/>
-            </a:pPr>
-            <a:endParaRPr lang="en-US" dirty="0">
-              <a:hlinkClick r:id="rId3"/>
-            </a:endParaRPr>
-          </a:p>
-          <a:p>
-            <a:pPr marL="0" indent="0">
-              <a:buNone/>
-            </a:pPr>
-            <a:r>
-              <a:rPr lang="en-US" dirty="0">
-                <a:hlinkClick r:id="rId3"/>
-              </a:rPr>
-              <a:t>http://blog.celerity.com/the-true-cost-of-a-software-bug</a:t>
-            </a:r>
-            <a:endParaRPr lang="en-US" dirty="0"/>
-          </a:p>
-          <a:p>
-            <a:endParaRPr lang="en-US" dirty="0"/>
-          </a:p>
-          <a:p>
-            <a:pPr marL="0" indent="0">
-              <a:buNone/>
-            </a:pPr>
-            <a:endParaRPr lang="en-US" dirty="0"/>
+              <a:t>The part with all the demos.</a:t>
+            </a:r>
           </a:p>
         </p:txBody>
       </p:sp>
     </p:spTree>
     <p:extLst>
       <p:ext uri="{BB962C8B-B14F-4D97-AF65-F5344CB8AC3E}">
-        <p14:creationId xmlns:p14="http://schemas.microsoft.com/office/powerpoint/2010/main" val="2845285745"/>
+        <p14:creationId xmlns:p14="http://schemas.microsoft.com/office/powerpoint/2010/main" val="1759952495"/>
       </p:ext>
     </p:extLst>
   </p:cSld>
@@ -7541,7 +7491,7 @@
       </p:grpSpPr>
       <p:sp>
         <p:nvSpPr>
-          <p:cNvPr id="4" name="Title 3"/>
+          <p:cNvPr id="2" name="Title 1"/>
           <p:cNvSpPr>
             <a:spLocks noGrp="1"/>
           </p:cNvSpPr>
@@ -7556,19 +7506,19 @@
           <a:p>
             <a:r>
               <a:rPr lang="en-US" dirty="0"/>
-              <a:t>Pester</a:t>
-            </a:r>
-          </a:p>
-        </p:txBody>
-      </p:sp>
-      <p:sp>
-        <p:nvSpPr>
-          <p:cNvPr id="5" name="Text Placeholder 4"/>
+              <a:t>PESTER LOVES FUNCTIONS</a:t>
+            </a:r>
+          </a:p>
+        </p:txBody>
+      </p:sp>
+      <p:sp>
+        <p:nvSpPr>
+          <p:cNvPr id="3" name="Content Placeholder 2"/>
           <p:cNvSpPr>
             <a:spLocks noGrp="1"/>
           </p:cNvSpPr>
           <p:nvPr>
-            <p:ph type="body" idx="1"/>
+            <p:ph idx="1"/>
           </p:nvPr>
         </p:nvSpPr>
         <p:spPr/>
@@ -7576,17 +7526,44 @@
           <a:bodyPr/>
           <a:lstStyle/>
           <a:p>
-            <a:r>
-              <a:rPr lang="en-US" dirty="0"/>
-              <a:t>The part with all the demos.</a:t>
-            </a:r>
+            <a:pPr marL="0" indent="0">
+              <a:buNone/>
+            </a:pPr>
+            <a:r>
+              <a:rPr lang="en-US" sz="8000" dirty="0"/>
+              <a:t>PESTER </a:t>
+            </a:r>
+          </a:p>
+          <a:p>
+            <a:pPr marL="0" indent="0">
+              <a:buNone/>
+            </a:pPr>
+            <a:r>
+              <a:rPr lang="en-US" sz="8000" dirty="0"/>
+              <a:t>LOVES </a:t>
+            </a:r>
+          </a:p>
+          <a:p>
+            <a:pPr marL="0" indent="0">
+              <a:buNone/>
+            </a:pPr>
+            <a:r>
+              <a:rPr lang="en-US" sz="8000" dirty="0"/>
+              <a:t>FUNCTIONS</a:t>
+            </a:r>
+          </a:p>
+          <a:p>
+            <a:pPr marL="0" indent="0">
+              <a:buNone/>
+            </a:pPr>
+            <a:endParaRPr lang="en-US" dirty="0"/>
           </a:p>
         </p:txBody>
       </p:sp>
     </p:spTree>
     <p:extLst>
       <p:ext uri="{BB962C8B-B14F-4D97-AF65-F5344CB8AC3E}">
-        <p14:creationId xmlns:p14="http://schemas.microsoft.com/office/powerpoint/2010/main" val="1759952495"/>
+        <p14:creationId xmlns:p14="http://schemas.microsoft.com/office/powerpoint/2010/main" val="811939996"/>
       </p:ext>
     </p:extLst>
   </p:cSld>
@@ -7630,7 +7607,7 @@
           <a:p>
             <a:r>
               <a:rPr lang="en-US" dirty="0"/>
-              <a:t>PESTER LOVES FUNCTIONS</a:t>
+              <a:t>BASIC Pester Components</a:t>
             </a:r>
           </a:p>
         </p:txBody>
@@ -7650,30 +7627,66 @@
           <a:bodyPr/>
           <a:lstStyle/>
           <a:p>
-            <a:pPr marL="0" indent="0">
-              <a:buNone/>
-            </a:pPr>
-            <a:r>
-              <a:rPr lang="en-US" sz="8000" dirty="0"/>
-              <a:t>PESTER </a:t>
-            </a:r>
-          </a:p>
-          <a:p>
-            <a:pPr marL="0" indent="0">
-              <a:buNone/>
-            </a:pPr>
-            <a:r>
-              <a:rPr lang="en-US" sz="8000" dirty="0"/>
-              <a:t>LOVES </a:t>
-            </a:r>
-          </a:p>
-          <a:p>
-            <a:pPr marL="0" indent="0">
-              <a:buNone/>
-            </a:pPr>
-            <a:r>
-              <a:rPr lang="en-US" sz="8000" dirty="0"/>
-              <a:t>FUNCTIONS</a:t>
+            <a:r>
+              <a:rPr lang="en-US" dirty="0"/>
+              <a:t>Describe</a:t>
+            </a:r>
+          </a:p>
+          <a:p>
+            <a:pPr lvl="1"/>
+            <a:r>
+              <a:rPr lang="en-US" dirty="0"/>
+              <a:t>Each Pester starts with a Describe block</a:t>
+            </a:r>
+          </a:p>
+          <a:p>
+            <a:pPr lvl="1"/>
+            <a:endParaRPr lang="en-US" dirty="0"/>
+          </a:p>
+          <a:p>
+            <a:r>
+              <a:rPr lang="en-US" dirty="0"/>
+              <a:t>Context (optional)</a:t>
+            </a:r>
+          </a:p>
+          <a:p>
+            <a:pPr lvl="1"/>
+            <a:r>
+              <a:rPr lang="en-US" dirty="0"/>
+              <a:t>Logical grouping of It blocks.</a:t>
+            </a:r>
+          </a:p>
+          <a:p>
+            <a:endParaRPr lang="en-US" dirty="0"/>
+          </a:p>
+          <a:p>
+            <a:r>
+              <a:rPr lang="en-US" dirty="0"/>
+              <a:t>It</a:t>
+            </a:r>
+          </a:p>
+          <a:p>
+            <a:pPr lvl="1"/>
+            <a:r>
+              <a:rPr lang="en-US" dirty="0"/>
+              <a:t>Validates the results of tests</a:t>
+            </a:r>
+          </a:p>
+          <a:p>
+            <a:pPr lvl="1"/>
+            <a:endParaRPr lang="en-US" dirty="0"/>
+          </a:p>
+          <a:p>
+            <a:r>
+              <a:rPr lang="en-US" dirty="0"/>
+              <a:t>Should</a:t>
+            </a:r>
+          </a:p>
+          <a:p>
+            <a:pPr lvl="1"/>
+            <a:r>
+              <a:rPr lang="en-US" dirty="0"/>
+              <a:t>Assertion of something</a:t>
             </a:r>
           </a:p>
           <a:p>
@@ -7687,7 +7700,7 @@
     </p:spTree>
     <p:extLst>
       <p:ext uri="{BB962C8B-B14F-4D97-AF65-F5344CB8AC3E}">
-        <p14:creationId xmlns:p14="http://schemas.microsoft.com/office/powerpoint/2010/main" val="811939996"/>
+        <p14:creationId xmlns:p14="http://schemas.microsoft.com/office/powerpoint/2010/main" val="2128569982"/>
       </p:ext>
     </p:extLst>
   </p:cSld>
@@ -7716,115 +7729,41 @@
       </p:grpSpPr>
       <p:sp>
         <p:nvSpPr>
-          <p:cNvPr id="2" name="Title 1"/>
+          <p:cNvPr id="7" name="Text Placeholder 6"/>
           <p:cNvSpPr>
             <a:spLocks noGrp="1"/>
           </p:cNvSpPr>
           <p:nvPr>
-            <p:ph type="title"/>
+            <p:ph type="body" idx="1"/>
           </p:nvPr>
         </p:nvSpPr>
         <p:spPr/>
         <p:txBody>
-          <a:bodyPr/>
+          <a:bodyPr>
+            <a:normAutofit/>
+          </a:bodyPr>
           <a:lstStyle/>
           <a:p>
             <a:r>
               <a:rPr lang="en-US" dirty="0"/>
-              <a:t>BASIC Pester Components</a:t>
-            </a:r>
-          </a:p>
-        </p:txBody>
-      </p:sp>
-      <p:sp>
-        <p:nvSpPr>
-          <p:cNvPr id="3" name="Content Placeholder 2"/>
-          <p:cNvSpPr>
-            <a:spLocks noGrp="1"/>
-          </p:cNvSpPr>
-          <p:nvPr>
-            <p:ph idx="1"/>
-          </p:nvPr>
-        </p:nvSpPr>
-        <p:spPr/>
-        <p:txBody>
-          <a:bodyPr/>
-          <a:lstStyle/>
-          <a:p>
-            <a:r>
-              <a:rPr lang="en-US" dirty="0"/>
-              <a:t>Describe</a:t>
-            </a:r>
-          </a:p>
-          <a:p>
-            <a:pPr lvl="1"/>
-            <a:r>
-              <a:rPr lang="en-US" dirty="0"/>
-              <a:t>Each Pester starts with a Describe block</a:t>
-            </a:r>
-          </a:p>
-          <a:p>
-            <a:pPr lvl="1"/>
-            <a:endParaRPr lang="en-US" dirty="0"/>
-          </a:p>
-          <a:p>
-            <a:r>
-              <a:rPr lang="en-US" dirty="0"/>
-              <a:t>Context (optional)</a:t>
-            </a:r>
-          </a:p>
-          <a:p>
-            <a:pPr lvl="1"/>
-            <a:r>
-              <a:rPr lang="en-US" dirty="0"/>
-              <a:t>Logical grouping of It blocks.</a:t>
-            </a:r>
-          </a:p>
-          <a:p>
-            <a:endParaRPr lang="en-US" dirty="0"/>
-          </a:p>
-          <a:p>
-            <a:r>
-              <a:rPr lang="en-US" dirty="0"/>
-              <a:t>It</a:t>
-            </a:r>
-          </a:p>
-          <a:p>
-            <a:pPr lvl="1"/>
-            <a:r>
-              <a:rPr lang="en-US" dirty="0"/>
-              <a:t>Validates the results of tests</a:t>
-            </a:r>
-          </a:p>
-          <a:p>
-            <a:pPr lvl="1"/>
-            <a:endParaRPr lang="en-US" dirty="0"/>
-          </a:p>
-          <a:p>
-            <a:r>
-              <a:rPr lang="en-US" dirty="0"/>
-              <a:t>Should</a:t>
-            </a:r>
-          </a:p>
-          <a:p>
-            <a:pPr lvl="1"/>
-            <a:r>
-              <a:rPr lang="en-US" dirty="0"/>
-              <a:t>Assertion of something</a:t>
-            </a:r>
-          </a:p>
-          <a:p>
-            <a:pPr marL="0" indent="0">
-              <a:buNone/>
-            </a:pPr>
-            <a:endParaRPr lang="en-US" dirty="0"/>
+              <a:t>Simple Script and Test</a:t>
+            </a:r>
+          </a:p>
+          <a:p>
+            <a:r>
+              <a:rPr lang="en-US" sz="1900" dirty="0"/>
+              <a:t>demo1</a:t>
+            </a:r>
+          </a:p>
+          <a:p>
+            <a:endParaRPr lang="en-US" sz="1900" dirty="0"/>
           </a:p>
         </p:txBody>
       </p:sp>
     </p:spTree>
     <p:extLst>
       <p:ext uri="{BB962C8B-B14F-4D97-AF65-F5344CB8AC3E}">
-        <p14:creationId xmlns:p14="http://schemas.microsoft.com/office/powerpoint/2010/main" val="2128569982"/>
+        <p14:creationId xmlns:p14="http://schemas.microsoft.com/office/powerpoint/2010/main" val="3216050713"/>
       </p:ext>
     </p:extLst>
   </p:cSld>
@@ -7870,24 +7809,21 @@
           <a:p>
             <a:r>
               <a:rPr lang="en-US" dirty="0"/>
-              <a:t>Simple Script and Test</a:t>
-            </a:r>
-          </a:p>
-          <a:p>
-            <a:r>
-              <a:rPr lang="en-US" sz="1900" dirty="0"/>
-              <a:t>demo1</a:t>
-            </a:r>
-          </a:p>
-          <a:p>
-            <a:endParaRPr lang="en-US" sz="1900" dirty="0"/>
+              <a:t>More Context</a:t>
+            </a:r>
+          </a:p>
+          <a:p>
+            <a:r>
+              <a:rPr lang="en-US" sz="2200" dirty="0"/>
+              <a:t>demo2 and demo3</a:t>
+            </a:r>
           </a:p>
         </p:txBody>
       </p:sp>
     </p:spTree>
     <p:extLst>
       <p:ext uri="{BB962C8B-B14F-4D97-AF65-F5344CB8AC3E}">
-        <p14:creationId xmlns:p14="http://schemas.microsoft.com/office/powerpoint/2010/main" val="3216050713"/>
+        <p14:creationId xmlns:p14="http://schemas.microsoft.com/office/powerpoint/2010/main" val="1975919253"/>
       </p:ext>
     </p:extLst>
   </p:cSld>
@@ -7916,30 +7852,107 @@
       </p:grpSpPr>
       <p:sp>
         <p:nvSpPr>
-          <p:cNvPr id="7" name="Text Placeholder 6"/>
+          <p:cNvPr id="2" name="Title 1"/>
           <p:cNvSpPr>
             <a:spLocks noGrp="1"/>
           </p:cNvSpPr>
           <p:nvPr>
-            <p:ph type="body" idx="1"/>
+            <p:ph type="title"/>
           </p:nvPr>
         </p:nvSpPr>
         <p:spPr/>
         <p:txBody>
-          <a:bodyPr>
-            <a:normAutofit/>
-          </a:bodyPr>
+          <a:bodyPr/>
           <a:lstStyle/>
           <a:p>
             <a:r>
               <a:rPr lang="en-US" dirty="0"/>
-              <a:t>More Context</a:t>
-            </a:r>
-          </a:p>
-          <a:p>
-            <a:r>
-              <a:rPr lang="en-US" sz="2200" dirty="0"/>
-              <a:t>demo2 and demo3</a:t>
+              <a:t>Testing a module?</a:t>
+            </a:r>
+          </a:p>
+        </p:txBody>
+      </p:sp>
+      <p:sp>
+        <p:nvSpPr>
+          <p:cNvPr id="3" name="Content Placeholder 2"/>
+          <p:cNvSpPr>
+            <a:spLocks noGrp="1"/>
+          </p:cNvSpPr>
+          <p:nvPr>
+            <p:ph idx="1"/>
+          </p:nvPr>
+        </p:nvSpPr>
+        <p:spPr/>
+        <p:txBody>
+          <a:bodyPr/>
+          <a:lstStyle/>
+          <a:p>
+            <a:r>
+              <a:rPr lang="en-US" dirty="0" err="1"/>
+              <a:t>InModuleScope</a:t>
+            </a:r>
+            <a:endParaRPr lang="en-US" dirty="0"/>
+          </a:p>
+          <a:p>
+            <a:pPr lvl="1"/>
+            <a:r>
+              <a:rPr lang="en-US" dirty="0"/>
+              <a:t>Allows testing of internal (non-exported) code of a script module.</a:t>
+            </a:r>
+          </a:p>
+          <a:p>
+            <a:pPr lvl="2"/>
+            <a:r>
+              <a:rPr lang="en-US" dirty="0"/>
+              <a:t>Functions, variables, aliases.</a:t>
+            </a:r>
+          </a:p>
+          <a:p>
+            <a:endParaRPr lang="en-US" dirty="0"/>
+          </a:p>
+          <a:p>
+            <a:r>
+              <a:rPr lang="en-US" dirty="0"/>
+              <a:t>Have a separate test for each </a:t>
+            </a:r>
+            <a:r>
+              <a:rPr lang="en-US" dirty="0" err="1"/>
+              <a:t>CmdLet</a:t>
+            </a:r>
+            <a:endParaRPr lang="en-US" dirty="0"/>
+          </a:p>
+          <a:p>
+            <a:endParaRPr lang="en-US" dirty="0"/>
+          </a:p>
+          <a:p>
+            <a:r>
+              <a:rPr lang="en-US" dirty="0"/>
+              <a:t>Name the Describe block the name of the </a:t>
+            </a:r>
+            <a:r>
+              <a:rPr lang="en-US" dirty="0" err="1"/>
+              <a:t>CmdLet</a:t>
+            </a:r>
+            <a:endParaRPr lang="en-US" dirty="0"/>
+          </a:p>
+          <a:p>
+            <a:pPr lvl="1"/>
+            <a:r>
+              <a:rPr lang="en-US"/>
+              <a:t>Or </a:t>
+            </a:r>
+            <a:r>
+              <a:rPr lang="en-US" dirty="0"/>
+              <a:t>whatever standard you want to use, but have one.</a:t>
+            </a:r>
+          </a:p>
+          <a:p>
+            <a:pPr marL="0" indent="0">
+              <a:buNone/>
+            </a:pPr>
+            <a:r>
+              <a:rPr lang="en-US" dirty="0"/>
+              <a:t>	</a:t>
             </a:r>
           </a:p>
         </p:txBody>
@@ -7947,7 +7960,7 @@
     </p:spTree>
     <p:extLst>
       <p:ext uri="{BB962C8B-B14F-4D97-AF65-F5344CB8AC3E}">
-        <p14:creationId xmlns:p14="http://schemas.microsoft.com/office/powerpoint/2010/main" val="1975919253"/>
+        <p14:creationId xmlns:p14="http://schemas.microsoft.com/office/powerpoint/2010/main" val="3178243777"/>
       </p:ext>
     </p:extLst>
   </p:cSld>
@@ -7976,12 +7989,12 @@
       </p:grpSpPr>
       <p:sp>
         <p:nvSpPr>
-          <p:cNvPr id="2" name="Title 1"/>
+          <p:cNvPr id="7" name="Text Placeholder 6"/>
           <p:cNvSpPr>
             <a:spLocks noGrp="1"/>
           </p:cNvSpPr>
           <p:nvPr>
-            <p:ph type="title"/>
+            <p:ph type="body" idx="1"/>
           </p:nvPr>
         </p:nvSpPr>
         <p:spPr/>
@@ -7991,88 +8004,7 @@
           <a:p>
             <a:r>
               <a:rPr lang="en-US" dirty="0"/>
-              <a:t>Testing a module?</a:t>
-            </a:r>
-          </a:p>
-        </p:txBody>
-      </p:sp>
-      <p:sp>
-        <p:nvSpPr>
-          <p:cNvPr id="3" name="Content Placeholder 2"/>
-          <p:cNvSpPr>
-            <a:spLocks noGrp="1"/>
-          </p:cNvSpPr>
-          <p:nvPr>
-            <p:ph idx="1"/>
-          </p:nvPr>
-        </p:nvSpPr>
-        <p:spPr/>
-        <p:txBody>
-          <a:bodyPr/>
-          <a:lstStyle/>
-          <a:p>
-            <a:r>
-              <a:rPr lang="en-US" dirty="0" err="1"/>
-              <a:t>InModuleScope</a:t>
-            </a:r>
-            <a:endParaRPr lang="en-US" dirty="0"/>
-          </a:p>
-          <a:p>
-            <a:pPr lvl="1"/>
-            <a:r>
-              <a:rPr lang="en-US" dirty="0"/>
-              <a:t>Allows testing of internal (non-exported) code of a script module.</a:t>
-            </a:r>
-          </a:p>
-          <a:p>
-            <a:pPr lvl="2"/>
-            <a:r>
-              <a:rPr lang="en-US" dirty="0"/>
-              <a:t>Functions, variables, aliases.</a:t>
-            </a:r>
-          </a:p>
-          <a:p>
-            <a:endParaRPr lang="en-US" dirty="0"/>
-          </a:p>
-          <a:p>
-            <a:r>
-              <a:rPr lang="en-US" dirty="0"/>
-              <a:t>Have a separate test for each </a:t>
-            </a:r>
-            <a:r>
-              <a:rPr lang="en-US" dirty="0" err="1"/>
-              <a:t>CmdLet</a:t>
-            </a:r>
-            <a:endParaRPr lang="en-US" dirty="0"/>
-          </a:p>
-          <a:p>
-            <a:endParaRPr lang="en-US" dirty="0"/>
-          </a:p>
-          <a:p>
-            <a:r>
-              <a:rPr lang="en-US" dirty="0"/>
-              <a:t>Name the Describe block the name of the </a:t>
-            </a:r>
-            <a:r>
-              <a:rPr lang="en-US" dirty="0" err="1"/>
-              <a:t>CmdLet</a:t>
-            </a:r>
-            <a:endParaRPr lang="en-US" dirty="0"/>
-          </a:p>
-          <a:p>
-            <a:pPr lvl="1"/>
-            <a:r>
-              <a:rPr lang="en-US" dirty="0"/>
-              <a:t>Our whatever standard you want to use, but have one.</a:t>
-            </a:r>
-          </a:p>
-          <a:p>
-            <a:pPr marL="0" indent="0">
-              <a:buNone/>
-            </a:pPr>
-            <a:r>
-              <a:rPr lang="en-US" dirty="0"/>
-              <a:t>	</a:t>
+              <a:t>Module</a:t>
             </a:r>
           </a:p>
         </p:txBody>
@@ -8080,7 +8012,7 @@
     </p:spTree>
     <p:extLst>
       <p:ext uri="{BB962C8B-B14F-4D97-AF65-F5344CB8AC3E}">
-        <p14:creationId xmlns:p14="http://schemas.microsoft.com/office/powerpoint/2010/main" val="3178243777"/>
+        <p14:creationId xmlns:p14="http://schemas.microsoft.com/office/powerpoint/2010/main" val="2970444790"/>
       </p:ext>
     </p:extLst>
   </p:cSld>
@@ -8109,12 +8041,12 @@
       </p:grpSpPr>
       <p:sp>
         <p:nvSpPr>
-          <p:cNvPr id="7" name="Text Placeholder 6"/>
+          <p:cNvPr id="2" name="Title 1"/>
           <p:cNvSpPr>
             <a:spLocks noGrp="1"/>
           </p:cNvSpPr>
           <p:nvPr>
-            <p:ph type="body" idx="1"/>
+            <p:ph type="title"/>
           </p:nvPr>
         </p:nvSpPr>
         <p:spPr/>
@@ -8124,15 +8056,74 @@
           <a:p>
             <a:r>
               <a:rPr lang="en-US" dirty="0"/>
-              <a:t>Module</a:t>
-            </a:r>
+              <a:t>More Pester Components</a:t>
+            </a:r>
+          </a:p>
+        </p:txBody>
+      </p:sp>
+      <p:sp>
+        <p:nvSpPr>
+          <p:cNvPr id="3" name="Content Placeholder 2"/>
+          <p:cNvSpPr>
+            <a:spLocks noGrp="1"/>
+          </p:cNvSpPr>
+          <p:nvPr>
+            <p:ph idx="1"/>
+          </p:nvPr>
+        </p:nvSpPr>
+        <p:spPr/>
+        <p:txBody>
+          <a:bodyPr/>
+          <a:lstStyle/>
+          <a:p>
+            <a:r>
+              <a:rPr lang="en-US" dirty="0"/>
+              <a:t>Mock</a:t>
+            </a:r>
+          </a:p>
+          <a:p>
+            <a:pPr lvl="1"/>
+            <a:r>
+              <a:rPr lang="en-US" dirty="0"/>
+              <a:t>Replacement for existing commands.</a:t>
+            </a:r>
+          </a:p>
+          <a:p>
+            <a:pPr lvl="1"/>
+            <a:r>
+              <a:rPr lang="en-US" dirty="0"/>
+              <a:t>Enforces no interaction with the environment.</a:t>
+            </a:r>
+          </a:p>
+          <a:p>
+            <a:pPr lvl="1"/>
+            <a:endParaRPr lang="en-US" dirty="0"/>
+          </a:p>
+          <a:p>
+            <a:r>
+              <a:rPr lang="en-US" dirty="0"/>
+              <a:t>Assertion</a:t>
+            </a:r>
+          </a:p>
+          <a:p>
+            <a:pPr lvl="1"/>
+            <a:r>
+              <a:rPr lang="en-US" dirty="0"/>
+              <a:t>Ensure things did or did not happen.</a:t>
+            </a:r>
+          </a:p>
+          <a:p>
+            <a:pPr marL="0" indent="0">
+              <a:buNone/>
+            </a:pPr>
+            <a:endParaRPr lang="en-US" dirty="0"/>
           </a:p>
         </p:txBody>
       </p:sp>
     </p:spTree>
     <p:extLst>
       <p:ext uri="{BB962C8B-B14F-4D97-AF65-F5344CB8AC3E}">
-        <p14:creationId xmlns:p14="http://schemas.microsoft.com/office/powerpoint/2010/main" val="2970444790"/>
+        <p14:creationId xmlns:p14="http://schemas.microsoft.com/office/powerpoint/2010/main" val="362101207"/>
       </p:ext>
     </p:extLst>
   </p:cSld>
@@ -8161,89 +8152,38 @@
       </p:grpSpPr>
       <p:sp>
         <p:nvSpPr>
-          <p:cNvPr id="2" name="Title 1"/>
+          <p:cNvPr id="7" name="Text Placeholder 6"/>
           <p:cNvSpPr>
             <a:spLocks noGrp="1"/>
           </p:cNvSpPr>
           <p:nvPr>
-            <p:ph type="title"/>
+            <p:ph type="body" idx="1"/>
           </p:nvPr>
         </p:nvSpPr>
         <p:spPr/>
         <p:txBody>
-          <a:bodyPr/>
+          <a:bodyPr>
+            <a:normAutofit/>
+          </a:bodyPr>
           <a:lstStyle/>
           <a:p>
             <a:r>
               <a:rPr lang="en-US" dirty="0"/>
-              <a:t>More Pester Components</a:t>
-            </a:r>
-          </a:p>
-        </p:txBody>
-      </p:sp>
-      <p:sp>
-        <p:nvSpPr>
-          <p:cNvPr id="3" name="Content Placeholder 2"/>
-          <p:cNvSpPr>
-            <a:spLocks noGrp="1"/>
-          </p:cNvSpPr>
-          <p:nvPr>
-            <p:ph idx="1"/>
-          </p:nvPr>
-        </p:nvSpPr>
-        <p:spPr/>
-        <p:txBody>
-          <a:bodyPr/>
-          <a:lstStyle/>
-          <a:p>
-            <a:r>
-              <a:rPr lang="en-US" dirty="0"/>
-              <a:t>Mock</a:t>
-            </a:r>
-          </a:p>
-          <a:p>
-            <a:pPr lvl="1"/>
-            <a:r>
-              <a:rPr lang="en-US" dirty="0"/>
-              <a:t>Replacement for existing commands.</a:t>
-            </a:r>
-          </a:p>
-          <a:p>
-            <a:pPr lvl="1"/>
-            <a:r>
-              <a:rPr lang="en-US" dirty="0"/>
-              <a:t>Enforces no interaction with the environment.</a:t>
-            </a:r>
-          </a:p>
-          <a:p>
-            <a:pPr lvl="1"/>
-            <a:endParaRPr lang="en-US" dirty="0"/>
-          </a:p>
-          <a:p>
-            <a:r>
-              <a:rPr lang="en-US" dirty="0"/>
-              <a:t>Assertion</a:t>
-            </a:r>
-          </a:p>
-          <a:p>
-            <a:pPr lvl="1"/>
-            <a:r>
-              <a:rPr lang="en-US" dirty="0"/>
-              <a:t>Ensure things did or did not happen.</a:t>
-            </a:r>
-          </a:p>
-          <a:p>
-            <a:pPr marL="0" indent="0">
-              <a:buNone/>
-            </a:pPr>
-            <a:endParaRPr lang="en-US" dirty="0"/>
+              <a:t>Mocks and Assertions</a:t>
+            </a:r>
+          </a:p>
+          <a:p>
+            <a:r>
+              <a:rPr lang="en-US" sz="1900" dirty="0"/>
+              <a:t>demo5</a:t>
+            </a:r>
           </a:p>
         </p:txBody>
       </p:sp>
     </p:spTree>
     <p:extLst>
       <p:ext uri="{BB962C8B-B14F-4D97-AF65-F5344CB8AC3E}">
-        <p14:creationId xmlns:p14="http://schemas.microsoft.com/office/powerpoint/2010/main" val="362101207"/>
+        <p14:creationId xmlns:p14="http://schemas.microsoft.com/office/powerpoint/2010/main" val="3365772388"/>
       </p:ext>
     </p:extLst>
   </p:cSld>
@@ -8272,38 +8212,86 @@
       </p:grpSpPr>
       <p:sp>
         <p:nvSpPr>
-          <p:cNvPr id="7" name="Text Placeholder 6"/>
+          <p:cNvPr id="2" name="Title 1"/>
           <p:cNvSpPr>
             <a:spLocks noGrp="1"/>
           </p:cNvSpPr>
           <p:nvPr>
-            <p:ph type="body" idx="1"/>
+            <p:ph type="title"/>
           </p:nvPr>
         </p:nvSpPr>
         <p:spPr/>
         <p:txBody>
-          <a:bodyPr>
-            <a:normAutofit/>
-          </a:bodyPr>
+          <a:bodyPr/>
           <a:lstStyle/>
           <a:p>
             <a:r>
               <a:rPr lang="en-US" dirty="0"/>
-              <a:t>Mocks and Assertions</a:t>
-            </a:r>
-          </a:p>
-          <a:p>
-            <a:r>
-              <a:rPr lang="en-US" sz="1900" dirty="0"/>
-              <a:t>demo5</a:t>
-            </a:r>
+              <a:t>Parameter Filter</a:t>
+            </a:r>
+          </a:p>
+        </p:txBody>
+      </p:sp>
+      <p:sp>
+        <p:nvSpPr>
+          <p:cNvPr id="3" name="Content Placeholder 2"/>
+          <p:cNvSpPr>
+            <a:spLocks noGrp="1"/>
+          </p:cNvSpPr>
+          <p:nvPr>
+            <p:ph idx="1"/>
+          </p:nvPr>
+        </p:nvSpPr>
+        <p:spPr/>
+        <p:txBody>
+          <a:bodyPr/>
+          <a:lstStyle/>
+          <a:p>
+            <a:r>
+              <a:rPr lang="en-US" dirty="0"/>
+              <a:t>Ensure a specific Mock is called or not.</a:t>
+            </a:r>
+          </a:p>
+          <a:p>
+            <a:endParaRPr lang="en-US" dirty="0"/>
+          </a:p>
+          <a:p>
+            <a:r>
+              <a:rPr lang="en-US" dirty="0"/>
+              <a:t>Ensure a specific Mock was called a certain amount of times.</a:t>
+            </a:r>
+          </a:p>
+          <a:p>
+            <a:endParaRPr lang="en-US" dirty="0"/>
+          </a:p>
+          <a:p>
+            <a:r>
+              <a:rPr lang="en-US" dirty="0"/>
+              <a:t>Ensure a Mock was called in a specific Scope.</a:t>
+            </a:r>
+          </a:p>
+          <a:p>
+            <a:pPr lvl="1"/>
+            <a:endParaRPr lang="en-US" dirty="0"/>
+          </a:p>
+          <a:p>
+            <a:r>
+              <a:rPr lang="en-US" dirty="0"/>
+              <a:t>You can add a parameter filter to a Mock or an Assertion.</a:t>
+            </a:r>
+          </a:p>
+          <a:p>
+            <a:pPr marL="0" indent="0">
+              <a:buNone/>
+            </a:pPr>
+            <a:endParaRPr lang="en-US" dirty="0"/>
           </a:p>
         </p:txBody>
       </p:sp>
     </p:spTree>
     <p:extLst>
       <p:ext uri="{BB962C8B-B14F-4D97-AF65-F5344CB8AC3E}">
-        <p14:creationId xmlns:p14="http://schemas.microsoft.com/office/powerpoint/2010/main" val="3365772388"/>
+        <p14:creationId xmlns:p14="http://schemas.microsoft.com/office/powerpoint/2010/main" val="313055934"/>
       </p:ext>
     </p:extLst>
   </p:cSld>
@@ -8592,12 +8580,12 @@
       </p:grpSpPr>
       <p:sp>
         <p:nvSpPr>
-          <p:cNvPr id="2" name="Title 1"/>
+          <p:cNvPr id="7" name="Text Placeholder 6"/>
           <p:cNvSpPr>
             <a:spLocks noGrp="1"/>
           </p:cNvSpPr>
           <p:nvPr>
-            <p:ph type="title"/>
+            <p:ph type="body" idx="1"/>
           </p:nvPr>
         </p:nvSpPr>
         <p:spPr/>
@@ -8606,64 +8594,9 @@
           <a:lstStyle/>
           <a:p>
             <a:r>
-              <a:rPr lang="en-US" dirty="0"/>
-              <a:t>Parameter Filter</a:t>
-            </a:r>
-          </a:p>
-        </p:txBody>
-      </p:sp>
-      <p:sp>
-        <p:nvSpPr>
-          <p:cNvPr id="3" name="Content Placeholder 2"/>
-          <p:cNvSpPr>
-            <a:spLocks noGrp="1"/>
-          </p:cNvSpPr>
-          <p:nvPr>
-            <p:ph idx="1"/>
-          </p:nvPr>
-        </p:nvSpPr>
-        <p:spPr/>
-        <p:txBody>
-          <a:bodyPr/>
-          <a:lstStyle/>
-          <a:p>
-            <a:r>
-              <a:rPr lang="en-US" dirty="0"/>
-              <a:t>Ensure a specific Mock is called or not.</a:t>
-            </a:r>
-          </a:p>
-          <a:p>
-            <a:endParaRPr lang="en-US" dirty="0"/>
-          </a:p>
-          <a:p>
-            <a:r>
-              <a:rPr lang="en-US" dirty="0"/>
-              <a:t>Ensure a specific Mock was called a certain amount of times.</a:t>
-            </a:r>
-          </a:p>
-          <a:p>
-            <a:endParaRPr lang="en-US" dirty="0"/>
-          </a:p>
-          <a:p>
-            <a:r>
-              <a:rPr lang="en-US" dirty="0"/>
-              <a:t>Ensure a Mock was called in a specific Scope.</a:t>
-            </a:r>
-          </a:p>
-          <a:p>
-            <a:pPr lvl="1"/>
-            <a:endParaRPr lang="en-US" dirty="0"/>
-          </a:p>
-          <a:p>
-            <a:r>
-              <a:rPr lang="en-US" dirty="0"/>
-              <a:t>You can add a parameter filter to a Mock or an Assertion.</a:t>
-            </a:r>
-          </a:p>
-          <a:p>
-            <a:pPr marL="0" indent="0">
-              <a:buNone/>
-            </a:pPr>
+              <a:rPr lang="en-US" dirty="0" err="1"/>
+              <a:t>ParameterFilter</a:t>
+            </a:r>
             <a:endParaRPr lang="en-US" dirty="0"/>
           </a:p>
         </p:txBody>
@@ -8671,7 +8604,7 @@
     </p:spTree>
     <p:extLst>
       <p:ext uri="{BB962C8B-B14F-4D97-AF65-F5344CB8AC3E}">
-        <p14:creationId xmlns:p14="http://schemas.microsoft.com/office/powerpoint/2010/main" val="313055934"/>
+        <p14:creationId xmlns:p14="http://schemas.microsoft.com/office/powerpoint/2010/main" val="4087031927"/>
       </p:ext>
     </p:extLst>
   </p:cSld>
@@ -8700,12 +8633,12 @@
       </p:grpSpPr>
       <p:sp>
         <p:nvSpPr>
-          <p:cNvPr id="7" name="Text Placeholder 6"/>
+          <p:cNvPr id="2" name="Title 1"/>
           <p:cNvSpPr>
             <a:spLocks noGrp="1"/>
           </p:cNvSpPr>
           <p:nvPr>
-            <p:ph type="body" idx="1"/>
+            <p:ph type="title"/>
           </p:nvPr>
         </p:nvSpPr>
         <p:spPr/>
@@ -8714,9 +8647,57 @@
           <a:lstStyle/>
           <a:p>
             <a:r>
-              <a:rPr lang="en-US" dirty="0" err="1"/>
-              <a:t>ParameterFilter</a:t>
-            </a:r>
+              <a:rPr lang="en-US" dirty="0"/>
+              <a:t>REMINDER</a:t>
+            </a:r>
+          </a:p>
+        </p:txBody>
+      </p:sp>
+      <p:sp>
+        <p:nvSpPr>
+          <p:cNvPr id="3" name="Content Placeholder 2"/>
+          <p:cNvSpPr>
+            <a:spLocks noGrp="1"/>
+          </p:cNvSpPr>
+          <p:nvPr>
+            <p:ph idx="1"/>
+          </p:nvPr>
+        </p:nvSpPr>
+        <p:spPr/>
+        <p:txBody>
+          <a:bodyPr/>
+          <a:lstStyle/>
+          <a:p>
+            <a:pPr marL="0" indent="0">
+              <a:buNone/>
+            </a:pPr>
+            <a:r>
+              <a:rPr lang="en-US" sz="8000" dirty="0"/>
+              <a:t>PESTER </a:t>
+            </a:r>
+          </a:p>
+          <a:p>
+            <a:pPr marL="0" indent="0">
+              <a:buNone/>
+            </a:pPr>
+            <a:r>
+              <a:rPr lang="en-US" sz="8000" dirty="0"/>
+              <a:t>LOVES </a:t>
+            </a:r>
+          </a:p>
+          <a:p>
+            <a:pPr marL="0" indent="0">
+              <a:buNone/>
+            </a:pPr>
+            <a:r>
+              <a:rPr lang="en-US" sz="8000" dirty="0"/>
+              <a:t>FUNCTIONS</a:t>
+            </a:r>
+          </a:p>
+          <a:p>
+            <a:pPr marL="0" indent="0">
+              <a:buNone/>
+            </a:pPr>
             <a:endParaRPr lang="en-US" dirty="0"/>
           </a:p>
         </p:txBody>
@@ -8724,7 +8705,7 @@
     </p:spTree>
     <p:extLst>
       <p:ext uri="{BB962C8B-B14F-4D97-AF65-F5344CB8AC3E}">
-        <p14:creationId xmlns:p14="http://schemas.microsoft.com/office/powerpoint/2010/main" val="4087031927"/>
+        <p14:creationId xmlns:p14="http://schemas.microsoft.com/office/powerpoint/2010/main" val="1665913852"/>
       </p:ext>
     </p:extLst>
   </p:cSld>
@@ -8753,79 +8734,32 @@
       </p:grpSpPr>
       <p:sp>
         <p:nvSpPr>
-          <p:cNvPr id="2" name="Title 1"/>
+          <p:cNvPr id="7" name="Text Placeholder 6"/>
           <p:cNvSpPr>
             <a:spLocks noGrp="1"/>
           </p:cNvSpPr>
           <p:nvPr>
-            <p:ph type="title"/>
+            <p:ph type="body" idx="1"/>
           </p:nvPr>
         </p:nvSpPr>
         <p:spPr/>
         <p:txBody>
-          <a:bodyPr/>
+          <a:bodyPr>
+            <a:normAutofit/>
+          </a:bodyPr>
           <a:lstStyle/>
           <a:p>
             <a:r>
               <a:rPr lang="en-US" dirty="0"/>
-              <a:t>REMINDER</a:t>
-            </a:r>
-          </a:p>
-        </p:txBody>
-      </p:sp>
-      <p:sp>
-        <p:nvSpPr>
-          <p:cNvPr id="3" name="Content Placeholder 2"/>
-          <p:cNvSpPr>
-            <a:spLocks noGrp="1"/>
-          </p:cNvSpPr>
-          <p:nvPr>
-            <p:ph idx="1"/>
-          </p:nvPr>
-        </p:nvSpPr>
-        <p:spPr/>
-        <p:txBody>
-          <a:bodyPr/>
-          <a:lstStyle/>
-          <a:p>
-            <a:pPr marL="0" indent="0">
-              <a:buNone/>
-            </a:pPr>
-            <a:r>
-              <a:rPr lang="en-US" sz="8000" dirty="0"/>
-              <a:t>PESTER </a:t>
-            </a:r>
-          </a:p>
-          <a:p>
-            <a:pPr marL="0" indent="0">
-              <a:buNone/>
-            </a:pPr>
-            <a:r>
-              <a:rPr lang="en-US" sz="8000" dirty="0"/>
-              <a:t>LOVES </a:t>
-            </a:r>
-          </a:p>
-          <a:p>
-            <a:pPr marL="0" indent="0">
-              <a:buNone/>
-            </a:pPr>
-            <a:r>
-              <a:rPr lang="en-US" sz="8000" dirty="0"/>
-              <a:t>FUNCTIONS</a:t>
-            </a:r>
-          </a:p>
-          <a:p>
-            <a:pPr marL="0" indent="0">
-              <a:buNone/>
-            </a:pPr>
-            <a:endParaRPr lang="en-US" dirty="0"/>
+              <a:t>Designing Testable Code</a:t>
+            </a:r>
           </a:p>
         </p:txBody>
       </p:sp>
     </p:spTree>
     <p:extLst>
       <p:ext uri="{BB962C8B-B14F-4D97-AF65-F5344CB8AC3E}">
-        <p14:creationId xmlns:p14="http://schemas.microsoft.com/office/powerpoint/2010/main" val="1665913852"/>
+        <p14:creationId xmlns:p14="http://schemas.microsoft.com/office/powerpoint/2010/main" val="42967193"/>
       </p:ext>
     </p:extLst>
   </p:cSld>
@@ -8854,32 +8788,69 @@
       </p:grpSpPr>
       <p:sp>
         <p:nvSpPr>
-          <p:cNvPr id="7" name="Text Placeholder 6"/>
+          <p:cNvPr id="2" name="Title 1"/>
           <p:cNvSpPr>
             <a:spLocks noGrp="1"/>
           </p:cNvSpPr>
           <p:nvPr>
-            <p:ph type="body" idx="1"/>
+            <p:ph type="title"/>
           </p:nvPr>
         </p:nvSpPr>
         <p:spPr/>
         <p:txBody>
-          <a:bodyPr>
-            <a:normAutofit/>
-          </a:bodyPr>
+          <a:bodyPr/>
           <a:lstStyle/>
           <a:p>
             <a:r>
               <a:rPr lang="en-US" dirty="0"/>
-              <a:t>Designing Testable Code</a:t>
-            </a:r>
+              <a:t>Working with .NET methods</a:t>
+            </a:r>
+          </a:p>
+        </p:txBody>
+      </p:sp>
+      <p:sp>
+        <p:nvSpPr>
+          <p:cNvPr id="3" name="Content Placeholder 2"/>
+          <p:cNvSpPr>
+            <a:spLocks noGrp="1"/>
+          </p:cNvSpPr>
+          <p:nvPr>
+            <p:ph idx="1"/>
+          </p:nvPr>
+        </p:nvSpPr>
+        <p:spPr/>
+        <p:txBody>
+          <a:bodyPr/>
+          <a:lstStyle/>
+          <a:p>
+            <a:r>
+              <a:rPr lang="en-US" dirty="0"/>
+              <a:t>Pester cannot mock .NET methods.  </a:t>
+            </a:r>
+          </a:p>
+          <a:p>
+            <a:pPr lvl="1"/>
+            <a:r>
+              <a:rPr lang="en-US" dirty="0"/>
+              <a:t>Be prepared to write functions for each .NET method you need to test.</a:t>
+            </a:r>
+          </a:p>
+          <a:p>
+            <a:pPr lvl="1"/>
+            <a:endParaRPr lang="en-US" dirty="0"/>
+          </a:p>
+          <a:p>
+            <a:pPr marL="0" indent="0">
+              <a:buNone/>
+            </a:pPr>
+            <a:endParaRPr lang="en-US" dirty="0"/>
           </a:p>
         </p:txBody>
       </p:sp>
     </p:spTree>
     <p:extLst>
       <p:ext uri="{BB962C8B-B14F-4D97-AF65-F5344CB8AC3E}">
-        <p14:creationId xmlns:p14="http://schemas.microsoft.com/office/powerpoint/2010/main" val="42967193"/>
+        <p14:creationId xmlns:p14="http://schemas.microsoft.com/office/powerpoint/2010/main" val="1792603981"/>
       </p:ext>
     </p:extLst>
   </p:cSld>
@@ -8908,12 +8879,12 @@
       </p:grpSpPr>
       <p:sp>
         <p:nvSpPr>
-          <p:cNvPr id="2" name="Title 1"/>
+          <p:cNvPr id="7" name="Text Placeholder 6"/>
           <p:cNvSpPr>
             <a:spLocks noGrp="1"/>
           </p:cNvSpPr>
           <p:nvPr>
-            <p:ph type="title"/>
+            <p:ph type="body" idx="1"/>
           </p:nvPr>
         </p:nvSpPr>
         <p:spPr/>
@@ -8923,54 +8894,15 @@
           <a:p>
             <a:r>
               <a:rPr lang="en-US" dirty="0"/>
-              <a:t>Working with .NET methods</a:t>
-            </a:r>
-          </a:p>
-        </p:txBody>
-      </p:sp>
-      <p:sp>
-        <p:nvSpPr>
-          <p:cNvPr id="3" name="Content Placeholder 2"/>
-          <p:cNvSpPr>
-            <a:spLocks noGrp="1"/>
-          </p:cNvSpPr>
-          <p:nvPr>
-            <p:ph idx="1"/>
-          </p:nvPr>
-        </p:nvSpPr>
-        <p:spPr/>
-        <p:txBody>
-          <a:bodyPr/>
-          <a:lstStyle/>
-          <a:p>
-            <a:r>
-              <a:rPr lang="en-US" dirty="0"/>
-              <a:t>Pester cannot mock .NET methods.  </a:t>
-            </a:r>
-          </a:p>
-          <a:p>
-            <a:pPr lvl="1"/>
-            <a:r>
-              <a:rPr lang="en-US" dirty="0"/>
-              <a:t>Be prepared to write functions for each .NET method you need to test.</a:t>
-            </a:r>
-          </a:p>
-          <a:p>
-            <a:pPr lvl="1"/>
-            <a:endParaRPr lang="en-US" dirty="0"/>
-          </a:p>
-          <a:p>
-            <a:pPr marL="0" indent="0">
-              <a:buNone/>
-            </a:pPr>
-            <a:endParaRPr lang="en-US" dirty="0"/>
+              <a:t>.NET Methods</a:t>
+            </a:r>
           </a:p>
         </p:txBody>
       </p:sp>
     </p:spTree>
     <p:extLst>
       <p:ext uri="{BB962C8B-B14F-4D97-AF65-F5344CB8AC3E}">
-        <p14:creationId xmlns:p14="http://schemas.microsoft.com/office/powerpoint/2010/main" val="1792603981"/>
+        <p14:creationId xmlns:p14="http://schemas.microsoft.com/office/powerpoint/2010/main" val="2687243423"/>
       </p:ext>
     </p:extLst>
   </p:cSld>
@@ -8999,12 +8931,12 @@
       </p:grpSpPr>
       <p:sp>
         <p:nvSpPr>
-          <p:cNvPr id="7" name="Text Placeholder 6"/>
+          <p:cNvPr id="2" name="Title 1"/>
           <p:cNvSpPr>
             <a:spLocks noGrp="1"/>
           </p:cNvSpPr>
           <p:nvPr>
-            <p:ph type="body" idx="1"/>
+            <p:ph type="title"/>
           </p:nvPr>
         </p:nvSpPr>
         <p:spPr/>
@@ -9014,15 +8946,100 @@
           <a:p>
             <a:r>
               <a:rPr lang="en-US" dirty="0"/>
-              <a:t>.NET Methods</a:t>
-            </a:r>
+              <a:t>More Pester Components</a:t>
+            </a:r>
+          </a:p>
+        </p:txBody>
+      </p:sp>
+      <p:sp>
+        <p:nvSpPr>
+          <p:cNvPr id="3" name="Content Placeholder 2"/>
+          <p:cNvSpPr>
+            <a:spLocks noGrp="1"/>
+          </p:cNvSpPr>
+          <p:nvPr>
+            <p:ph idx="1"/>
+          </p:nvPr>
+        </p:nvSpPr>
+        <p:spPr/>
+        <p:txBody>
+          <a:bodyPr/>
+          <a:lstStyle/>
+          <a:p>
+            <a:r>
+              <a:rPr lang="en-US" dirty="0"/>
+              <a:t>New-</a:t>
+            </a:r>
+            <a:r>
+              <a:rPr lang="en-US" dirty="0" err="1"/>
+              <a:t>MockObject</a:t>
+            </a:r>
+            <a:endParaRPr lang="en-US" dirty="0"/>
+          </a:p>
+          <a:p>
+            <a:pPr lvl="1"/>
+            <a:r>
+              <a:rPr lang="en-US" dirty="0"/>
+              <a:t>This can create “real” objects of whatever type you need.</a:t>
+            </a:r>
+          </a:p>
+          <a:p>
+            <a:pPr marL="457200" lvl="1" indent="0">
+              <a:buNone/>
+            </a:pPr>
+            <a:endParaRPr lang="en-US" dirty="0"/>
+          </a:p>
+          <a:p>
+            <a:pPr lvl="1"/>
+            <a:r>
+              <a:rPr lang="en-US" dirty="0"/>
+              <a:t>Super useful when needing to return something from a mocked function.</a:t>
+            </a:r>
+          </a:p>
+          <a:p>
+            <a:pPr lvl="1"/>
+            <a:endParaRPr lang="en-US" dirty="0"/>
+          </a:p>
+          <a:p>
+            <a:pPr lvl="1"/>
+            <a:r>
+              <a:rPr lang="en-US" dirty="0"/>
+              <a:t>You need a modern version of Pester for this.</a:t>
+            </a:r>
+          </a:p>
+          <a:p>
+            <a:endParaRPr lang="en-US" dirty="0"/>
+          </a:p>
+          <a:p>
+            <a:r>
+              <a:rPr lang="en-US" dirty="0" err="1"/>
+              <a:t>TestCases</a:t>
+            </a:r>
+            <a:endParaRPr lang="en-US" dirty="0"/>
+          </a:p>
+          <a:p>
+            <a:pPr lvl="1"/>
+            <a:r>
+              <a:rPr lang="en-US" dirty="0"/>
+              <a:t>Pass in an array of parameters to an It block to test multiple “like” scenarios.</a:t>
+            </a:r>
+          </a:p>
+          <a:p>
+            <a:pPr lvl="1"/>
+            <a:endParaRPr lang="en-US" dirty="0"/>
+          </a:p>
+          <a:p>
+            <a:pPr marL="0" indent="0">
+              <a:buNone/>
+            </a:pPr>
+            <a:endParaRPr lang="en-US" dirty="0"/>
           </a:p>
         </p:txBody>
       </p:sp>
     </p:spTree>
     <p:extLst>
       <p:ext uri="{BB962C8B-B14F-4D97-AF65-F5344CB8AC3E}">
-        <p14:creationId xmlns:p14="http://schemas.microsoft.com/office/powerpoint/2010/main" val="2687243423"/>
+        <p14:creationId xmlns:p14="http://schemas.microsoft.com/office/powerpoint/2010/main" val="1273142871"/>
       </p:ext>
     </p:extLst>
   </p:cSld>
@@ -9051,39 +9068,19 @@
       </p:grpSpPr>
       <p:sp>
         <p:nvSpPr>
-          <p:cNvPr id="2" name="Title 1"/>
+          <p:cNvPr id="7" name="Text Placeholder 6"/>
           <p:cNvSpPr>
             <a:spLocks noGrp="1"/>
           </p:cNvSpPr>
           <p:nvPr>
-            <p:ph type="title"/>
+            <p:ph type="body" idx="1"/>
           </p:nvPr>
         </p:nvSpPr>
         <p:spPr/>
         <p:txBody>
-          <a:bodyPr/>
-          <a:lstStyle/>
-          <a:p>
-            <a:r>
-              <a:rPr lang="en-US" dirty="0"/>
-              <a:t>More Pester Components</a:t>
-            </a:r>
-          </a:p>
-        </p:txBody>
-      </p:sp>
-      <p:sp>
-        <p:nvSpPr>
-          <p:cNvPr id="3" name="Content Placeholder 2"/>
-          <p:cNvSpPr>
-            <a:spLocks noGrp="1"/>
-          </p:cNvSpPr>
-          <p:nvPr>
-            <p:ph idx="1"/>
-          </p:nvPr>
-        </p:nvSpPr>
-        <p:spPr/>
-        <p:txBody>
-          <a:bodyPr/>
+          <a:bodyPr>
+            <a:normAutofit/>
+          </a:bodyPr>
           <a:lstStyle/>
           <a:p>
             <a:r>
@@ -9094,64 +9091,6 @@
               <a:rPr lang="en-US" dirty="0" err="1"/>
               <a:t>MockObject</a:t>
             </a:r>
-            <a:endParaRPr lang="en-US" dirty="0"/>
-          </a:p>
-          <a:p>
-            <a:pPr lvl="1"/>
-            <a:r>
-              <a:rPr lang="en-US" dirty="0"/>
-              <a:t>This can create “real” objects of whatever type you need.</a:t>
-            </a:r>
-          </a:p>
-          <a:p>
-            <a:pPr marL="457200" lvl="1" indent="0">
-              <a:buNone/>
-            </a:pPr>
-            <a:endParaRPr lang="en-US" dirty="0"/>
-          </a:p>
-          <a:p>
-            <a:pPr lvl="1"/>
-            <a:r>
-              <a:rPr lang="en-US" dirty="0"/>
-              <a:t>Super useful when needing to return something from a mocked function.</a:t>
-            </a:r>
-          </a:p>
-          <a:p>
-            <a:pPr lvl="1"/>
-            <a:endParaRPr lang="en-US" dirty="0"/>
-          </a:p>
-          <a:p>
-            <a:pPr lvl="1"/>
-            <a:r>
-              <a:rPr lang="en-US" dirty="0"/>
-              <a:t>You need a modern version of Pester for this.</a:t>
-            </a:r>
-          </a:p>
-          <a:p>
-            <a:endParaRPr lang="en-US" dirty="0"/>
-          </a:p>
-          <a:p>
-            <a:r>
-              <a:rPr lang="en-US" dirty="0" err="1"/>
-              <a:t>TestCases</a:t>
-            </a:r>
-            <a:endParaRPr lang="en-US" dirty="0"/>
-          </a:p>
-          <a:p>
-            <a:pPr lvl="1"/>
-            <a:r>
-              <a:rPr lang="en-US" dirty="0"/>
-              <a:t>Pass in an array of parameters to an It block to test multiple “like” scenarios.</a:t>
-            </a:r>
-          </a:p>
-          <a:p>
-            <a:pPr lvl="1"/>
-            <a:endParaRPr lang="en-US" dirty="0"/>
-          </a:p>
-          <a:p>
-            <a:pPr marL="0" indent="0">
-              <a:buNone/>
-            </a:pPr>
             <a:endParaRPr lang="en-US" dirty="0"/>
           </a:p>
         </p:txBody>
@@ -9159,7 +9098,7 @@
     </p:spTree>
     <p:extLst>
       <p:ext uri="{BB962C8B-B14F-4D97-AF65-F5344CB8AC3E}">
-        <p14:creationId xmlns:p14="http://schemas.microsoft.com/office/powerpoint/2010/main" val="1273142871"/>
+        <p14:creationId xmlns:p14="http://schemas.microsoft.com/office/powerpoint/2010/main" val="2846661828"/>
       </p:ext>
     </p:extLst>
   </p:cSld>
@@ -9198,27 +9137,20 @@
         </p:nvSpPr>
         <p:spPr/>
         <p:txBody>
-          <a:bodyPr>
-            <a:normAutofit/>
-          </a:bodyPr>
+          <a:bodyPr/>
           <a:lstStyle/>
           <a:p>
             <a:r>
               <a:rPr lang="en-US" dirty="0"/>
-              <a:t>New-</a:t>
-            </a:r>
-            <a:r>
-              <a:rPr lang="en-US" dirty="0" err="1"/>
-              <a:t>MockObject</a:t>
-            </a:r>
-            <a:endParaRPr lang="en-US" dirty="0"/>
+              <a:t>Test Cases</a:t>
+            </a:r>
           </a:p>
         </p:txBody>
       </p:sp>
     </p:spTree>
     <p:extLst>
       <p:ext uri="{BB962C8B-B14F-4D97-AF65-F5344CB8AC3E}">
-        <p14:creationId xmlns:p14="http://schemas.microsoft.com/office/powerpoint/2010/main" val="2846661828"/>
+        <p14:creationId xmlns:p14="http://schemas.microsoft.com/office/powerpoint/2010/main" val="1053216645"/>
       </p:ext>
     </p:extLst>
   </p:cSld>
@@ -9247,12 +9179,12 @@
       </p:grpSpPr>
       <p:sp>
         <p:nvSpPr>
-          <p:cNvPr id="7" name="Text Placeholder 6"/>
+          <p:cNvPr id="2" name="Title 1"/>
           <p:cNvSpPr>
             <a:spLocks noGrp="1"/>
           </p:cNvSpPr>
           <p:nvPr>
-            <p:ph type="body" idx="1"/>
+            <p:ph type="title"/>
           </p:nvPr>
         </p:nvSpPr>
         <p:spPr/>
@@ -9262,15 +9194,73 @@
           <a:p>
             <a:r>
               <a:rPr lang="en-US" dirty="0"/>
-              <a:t>Test Cases</a:t>
-            </a:r>
+              <a:t>Pester Myths</a:t>
+            </a:r>
+          </a:p>
+        </p:txBody>
+      </p:sp>
+      <p:sp>
+        <p:nvSpPr>
+          <p:cNvPr id="3" name="Content Placeholder 2"/>
+          <p:cNvSpPr>
+            <a:spLocks noGrp="1"/>
+          </p:cNvSpPr>
+          <p:nvPr>
+            <p:ph idx="1"/>
+          </p:nvPr>
+        </p:nvSpPr>
+        <p:spPr/>
+        <p:txBody>
+          <a:bodyPr/>
+          <a:lstStyle/>
+          <a:p>
+            <a:r>
+              <a:rPr lang="en-US" dirty="0"/>
+              <a:t>Pester is not for single developers.</a:t>
+            </a:r>
+          </a:p>
+          <a:p>
+            <a:endParaRPr lang="en-US" dirty="0"/>
+          </a:p>
+          <a:p>
+            <a:r>
+              <a:rPr lang="en-US" dirty="0"/>
+              <a:t>It is only for modules.</a:t>
+            </a:r>
+          </a:p>
+          <a:p>
+            <a:endParaRPr lang="en-US" dirty="0"/>
+          </a:p>
+          <a:p>
+            <a:r>
+              <a:rPr lang="en-US" dirty="0"/>
+              <a:t>Somethings are not testable.</a:t>
+            </a:r>
+          </a:p>
+          <a:p>
+            <a:endParaRPr lang="en-US" dirty="0"/>
+          </a:p>
+          <a:p>
+            <a:r>
+              <a:rPr lang="en-US" dirty="0"/>
+              <a:t>I don’t have the time. Or it is not worth the time.</a:t>
+            </a:r>
+          </a:p>
+          <a:p>
+            <a:endParaRPr lang="en-US" dirty="0"/>
+          </a:p>
+          <a:p>
+            <a:pPr marL="0" indent="0">
+              <a:buNone/>
+            </a:pPr>
+            <a:endParaRPr lang="en-US" dirty="0"/>
           </a:p>
         </p:txBody>
       </p:sp>
     </p:spTree>
     <p:extLst>
       <p:ext uri="{BB962C8B-B14F-4D97-AF65-F5344CB8AC3E}">
-        <p14:creationId xmlns:p14="http://schemas.microsoft.com/office/powerpoint/2010/main" val="1053216645"/>
+        <p14:creationId xmlns:p14="http://schemas.microsoft.com/office/powerpoint/2010/main" val="2006385791"/>
       </p:ext>
     </p:extLst>
   </p:cSld>
@@ -9314,7 +9304,7 @@
           <a:p>
             <a:r>
               <a:rPr lang="en-US" dirty="0"/>
-              <a:t>Pester Myths</a:t>
+              <a:t>Designing For Pester</a:t>
             </a:r>
           </a:p>
         </p:txBody>
@@ -9336,7 +9326,7 @@
           <a:p>
             <a:r>
               <a:rPr lang="en-US" dirty="0"/>
-              <a:t>Pester is not for single developers.</a:t>
+              <a:t>Pester works best with Functions</a:t>
             </a:r>
           </a:p>
           <a:p>
@@ -9345,7 +9335,14 @@
           <a:p>
             <a:r>
               <a:rPr lang="en-US" dirty="0"/>
-              <a:t>It is only for modules.</a:t>
+              <a:t>Functions should write to the pipeline.</a:t>
+            </a:r>
+          </a:p>
+          <a:p>
+            <a:pPr lvl="1"/>
+            <a:r>
+              <a:rPr lang="en-US" dirty="0"/>
+              <a:t>Not write-host</a:t>
             </a:r>
           </a:p>
           <a:p>
@@ -9354,7 +9351,7 @@
           <a:p>
             <a:r>
               <a:rPr lang="en-US" dirty="0"/>
-              <a:t>Somethings are not testable.</a:t>
+              <a:t>Functions should return one and only type of thing.</a:t>
             </a:r>
           </a:p>
           <a:p>
@@ -9363,11 +9360,17 @@
           <a:p>
             <a:r>
               <a:rPr lang="en-US" dirty="0"/>
-              <a:t>I don’t have the time. Or it is not worth the time.</a:t>
+              <a:t>Wrap your .NET Calls</a:t>
             </a:r>
           </a:p>
           <a:p>
             <a:endParaRPr lang="en-US" dirty="0"/>
+          </a:p>
+          <a:p>
+            <a:r>
+              <a:rPr lang="en-US" dirty="0"/>
+              <a:t>Loosely coupled code</a:t>
+            </a:r>
           </a:p>
           <a:p>
             <a:pPr marL="0" indent="0">
@@ -9375,12 +9378,18 @@
             </a:pPr>
             <a:endParaRPr lang="en-US" dirty="0"/>
           </a:p>
+          <a:p>
+            <a:pPr marL="0" indent="0">
+              <a:buNone/>
+            </a:pPr>
+            <a:endParaRPr lang="en-US" dirty="0"/>
+          </a:p>
         </p:txBody>
       </p:sp>
     </p:spTree>
     <p:extLst>
       <p:ext uri="{BB962C8B-B14F-4D97-AF65-F5344CB8AC3E}">
-        <p14:creationId xmlns:p14="http://schemas.microsoft.com/office/powerpoint/2010/main" val="2006385791"/>
+        <p14:creationId xmlns:p14="http://schemas.microsoft.com/office/powerpoint/2010/main" val="3055665544"/>
       </p:ext>
     </p:extLst>
   </p:cSld>
@@ -9547,7 +9556,7 @@
           <a:p>
             <a:r>
               <a:rPr lang="en-US" dirty="0"/>
-              <a:t>Designing For Pester</a:t>
+              <a:t>Tips for Pester</a:t>
             </a:r>
           </a:p>
         </p:txBody>
@@ -9569,7 +9578,7 @@
           <a:p>
             <a:r>
               <a:rPr lang="en-US" dirty="0"/>
-              <a:t>Pester works best with Functions</a:t>
+              <a:t>Write your tests first.  (TDD)</a:t>
             </a:r>
           </a:p>
           <a:p>
@@ -9578,41 +9587,32 @@
           <a:p>
             <a:r>
               <a:rPr lang="en-US" dirty="0"/>
-              <a:t>Functions should write to the pipeline.</a:t>
+              <a:t>Test output</a:t>
+            </a:r>
+          </a:p>
+          <a:p>
+            <a:endParaRPr lang="en-US" dirty="0"/>
+          </a:p>
+          <a:p>
+            <a:r>
+              <a:rPr lang="en-US" dirty="0"/>
+              <a:t>Automate when possible</a:t>
+            </a:r>
+          </a:p>
+          <a:p>
+            <a:endParaRPr lang="en-US" dirty="0"/>
+          </a:p>
+          <a:p>
+            <a:r>
+              <a:rPr lang="en-US" dirty="0"/>
+              <a:t>Test negative assertions</a:t>
             </a:r>
           </a:p>
           <a:p>
             <a:pPr lvl="1"/>
             <a:r>
               <a:rPr lang="en-US" dirty="0"/>
-              <a:t>Not write-host</a:t>
-            </a:r>
-          </a:p>
-          <a:p>
-            <a:endParaRPr lang="en-US" dirty="0"/>
-          </a:p>
-          <a:p>
-            <a:r>
-              <a:rPr lang="en-US" dirty="0"/>
-              <a:t>Functions should return one and only type of thing.</a:t>
-            </a:r>
-          </a:p>
-          <a:p>
-            <a:endParaRPr lang="en-US" dirty="0"/>
-          </a:p>
-          <a:p>
-            <a:r>
-              <a:rPr lang="en-US" dirty="0"/>
-              <a:t>Wrap your .NET Calls</a:t>
-            </a:r>
-          </a:p>
-          <a:p>
-            <a:endParaRPr lang="en-US" dirty="0"/>
-          </a:p>
-          <a:p>
-            <a:r>
-              <a:rPr lang="en-US" dirty="0"/>
-              <a:t>Loosely coupled code</a:t>
+              <a:t>Should Not</a:t>
             </a:r>
           </a:p>
           <a:p>
@@ -9621,18 +9621,12 @@
             </a:pPr>
             <a:endParaRPr lang="en-US" dirty="0"/>
           </a:p>
-          <a:p>
-            <a:pPr marL="0" indent="0">
-              <a:buNone/>
-            </a:pPr>
-            <a:endParaRPr lang="en-US" dirty="0"/>
-          </a:p>
         </p:txBody>
       </p:sp>
     </p:spTree>
     <p:extLst>
       <p:ext uri="{BB962C8B-B14F-4D97-AF65-F5344CB8AC3E}">
-        <p14:creationId xmlns:p14="http://schemas.microsoft.com/office/powerpoint/2010/main" val="3055665544"/>
+        <p14:creationId xmlns:p14="http://schemas.microsoft.com/office/powerpoint/2010/main" val="3805968967"/>
       </p:ext>
     </p:extLst>
   </p:cSld>
@@ -9643,6 +9637,96 @@
 </file>
 
 <file path=ppt/slides/slide31.xml><?xml version="1.0" encoding="utf-8"?>
+<p:sld xmlns:a="http://schemas.openxmlformats.org/drawingml/2006/main" xmlns:r="http://schemas.openxmlformats.org/officeDocument/2006/relationships" xmlns:p="http://schemas.openxmlformats.org/presentationml/2006/main" show="0">
+  <p:cSld>
+    <p:spTree>
+      <p:nvGrpSpPr>
+        <p:cNvPr id="1" name=""/>
+        <p:cNvGrpSpPr/>
+        <p:nvPr/>
+      </p:nvGrpSpPr>
+      <p:grpSpPr>
+        <a:xfrm>
+          <a:off x="0" y="0"/>
+          <a:ext cx="0" cy="0"/>
+          <a:chOff x="0" y="0"/>
+          <a:chExt cx="0" cy="0"/>
+        </a:xfrm>
+      </p:grpSpPr>
+      <p:sp>
+        <p:nvSpPr>
+          <p:cNvPr id="12" name="Title 11"/>
+          <p:cNvSpPr>
+            <a:spLocks noGrp="1"/>
+          </p:cNvSpPr>
+          <p:nvPr>
+            <p:ph type="title"/>
+          </p:nvPr>
+        </p:nvSpPr>
+        <p:spPr/>
+        <p:txBody>
+          <a:bodyPr/>
+          <a:lstStyle/>
+          <a:p>
+            <a:r>
+              <a:rPr lang="en-US" dirty="0"/>
+              <a:t>Presentation</a:t>
+            </a:r>
+          </a:p>
+        </p:txBody>
+      </p:sp>
+      <p:sp>
+        <p:nvSpPr>
+          <p:cNvPr id="13" name="Content Placeholder 12"/>
+          <p:cNvSpPr>
+            <a:spLocks noGrp="1"/>
+          </p:cNvSpPr>
+          <p:nvPr>
+            <p:ph idx="1"/>
+          </p:nvPr>
+        </p:nvSpPr>
+        <p:spPr/>
+        <p:txBody>
+          <a:bodyPr/>
+          <a:lstStyle/>
+          <a:p>
+            <a:r>
+              <a:rPr lang="en-US" dirty="0"/>
+              <a:t>Just a placeholder slide. Please use the example slides in the “Example Slides” Section.</a:t>
+            </a:r>
+          </a:p>
+          <a:p>
+            <a:r>
+              <a:rPr lang="en-US" dirty="0"/>
+              <a:t>Questions? </a:t>
+            </a:r>
+            <a:r>
+              <a:rPr lang="en-US" dirty="0">
+                <a:hlinkClick r:id="rId2"/>
+              </a:rPr>
+              <a:t>info@mnscug.org</a:t>
+            </a:r>
+            <a:endParaRPr lang="en-US" dirty="0"/>
+          </a:p>
+          <a:p>
+            <a:endParaRPr lang="en-US" dirty="0"/>
+          </a:p>
+        </p:txBody>
+      </p:sp>
+    </p:spTree>
+    <p:extLst>
+      <p:ext uri="{BB962C8B-B14F-4D97-AF65-F5344CB8AC3E}">
+        <p14:creationId xmlns:p14="http://schemas.microsoft.com/office/powerpoint/2010/main" val="2333710554"/>
+      </p:ext>
+    </p:extLst>
+  </p:cSld>
+  <p:clrMapOvr>
+    <a:masterClrMapping/>
+  </p:clrMapOvr>
+</p:sld>
+</file>
+
+<file path=ppt/slides/slide32.xml><?xml version="1.0" encoding="utf-8"?>
 <p:sld xmlns:a="http://schemas.openxmlformats.org/drawingml/2006/main" xmlns:r="http://schemas.openxmlformats.org/officeDocument/2006/relationships" xmlns:p="http://schemas.openxmlformats.org/presentationml/2006/main">
   <p:cSld>
     <p:spTree>
@@ -9676,167 +9760,65 @@
           <a:p>
             <a:r>
               <a:rPr lang="en-US" dirty="0"/>
-              <a:t>Tips for Pester</a:t>
-            </a:r>
-          </a:p>
-        </p:txBody>
-      </p:sp>
-      <p:sp>
-        <p:nvSpPr>
-          <p:cNvPr id="3" name="Content Placeholder 2"/>
-          <p:cNvSpPr>
-            <a:spLocks noGrp="1"/>
-          </p:cNvSpPr>
+              <a:t>The Pester Book</a:t>
+            </a:r>
+          </a:p>
+        </p:txBody>
+      </p:sp>
+      <p:pic>
+        <p:nvPicPr>
+          <p:cNvPr id="1026" name="Picture 2" descr="The Pester Book">
+            <a:hlinkClick r:id="rId3"/>
+            <a:extLst>
+              <a:ext uri="{FF2B5EF4-FFF2-40B4-BE49-F238E27FC236}">
+                <a16:creationId xmlns:a16="http://schemas.microsoft.com/office/drawing/2014/main" id="{356CEACA-38F7-4E28-A055-5BA2F89F62BB}"/>
+              </a:ext>
+            </a:extLst>
+          </p:cNvPr>
+          <p:cNvPicPr>
+            <a:picLocks noGrp="1" noChangeAspect="1" noChangeArrowheads="1"/>
+          </p:cNvPicPr>
           <p:nvPr>
             <p:ph idx="1"/>
           </p:nvPr>
-        </p:nvSpPr>
-        <p:spPr/>
-        <p:txBody>
-          <a:bodyPr/>
-          <a:lstStyle/>
-          <a:p>
-            <a:r>
-              <a:rPr lang="en-US" dirty="0"/>
-              <a:t>Write your tests first.  (TDD)</a:t>
-            </a:r>
-          </a:p>
-          <a:p>
-            <a:endParaRPr lang="en-US" dirty="0"/>
-          </a:p>
-          <a:p>
-            <a:r>
-              <a:rPr lang="en-US" dirty="0"/>
-              <a:t>Test output</a:t>
-            </a:r>
-          </a:p>
-          <a:p>
-            <a:endParaRPr lang="en-US" dirty="0"/>
-          </a:p>
-          <a:p>
-            <a:r>
-              <a:rPr lang="en-US" dirty="0"/>
-              <a:t>Automate when possible</a:t>
-            </a:r>
-          </a:p>
-          <a:p>
-            <a:endParaRPr lang="en-US" dirty="0"/>
-          </a:p>
-          <a:p>
-            <a:r>
-              <a:rPr lang="en-US" dirty="0"/>
-              <a:t>Test negative assertions</a:t>
-            </a:r>
-          </a:p>
-          <a:p>
-            <a:pPr lvl="1"/>
-            <a:r>
-              <a:rPr lang="en-US" dirty="0"/>
-              <a:t>Should Not</a:t>
-            </a:r>
-          </a:p>
-          <a:p>
-            <a:pPr marL="0" indent="0">
-              <a:buNone/>
-            </a:pPr>
-            <a:endParaRPr lang="en-US" dirty="0"/>
-          </a:p>
-        </p:txBody>
-      </p:sp>
+        </p:nvPicPr>
+        <p:blipFill>
+          <a:blip r:embed="rId4">
+            <a:extLst>
+              <a:ext uri="{28A0092B-C50C-407E-A947-70E740481C1C}">
+                <a14:useLocalDpi xmlns:a14="http://schemas.microsoft.com/office/drawing/2010/main" val="0"/>
+              </a:ext>
+            </a:extLst>
+          </a:blip>
+          <a:srcRect/>
+          <a:stretch>
+            <a:fillRect/>
+          </a:stretch>
+        </p:blipFill>
+        <p:spPr bwMode="auto">
+          <a:xfrm>
+            <a:off x="4294649" y="1257300"/>
+            <a:ext cx="3602701" cy="4800600"/>
+          </a:xfrm>
+          <a:prstGeom prst="rect">
+            <a:avLst/>
+          </a:prstGeom>
+          <a:noFill/>
+          <a:extLst>
+            <a:ext uri="{909E8E84-426E-40DD-AFC4-6F175D3DCCD1}">
+              <a14:hiddenFill xmlns:a14="http://schemas.microsoft.com/office/drawing/2010/main">
+                <a:solidFill>
+                  <a:srgbClr val="FFFFFF"/>
+                </a:solidFill>
+              </a14:hiddenFill>
+            </a:ext>
+          </a:extLst>
+        </p:spPr>
+      </p:pic>
     </p:spTree>
     <p:extLst>
       <p:ext uri="{BB962C8B-B14F-4D97-AF65-F5344CB8AC3E}">
-        <p14:creationId xmlns:p14="http://schemas.microsoft.com/office/powerpoint/2010/main" val="3805968967"/>
-      </p:ext>
-    </p:extLst>
-  </p:cSld>
-  <p:clrMapOvr>
-    <a:masterClrMapping/>
-  </p:clrMapOvr>
-</p:sld>
-</file>
-
-<file path=ppt/slides/slide32.xml><?xml version="1.0" encoding="utf-8"?>
-<p:sld xmlns:a="http://schemas.openxmlformats.org/drawingml/2006/main" xmlns:r="http://schemas.openxmlformats.org/officeDocument/2006/relationships" xmlns:p="http://schemas.openxmlformats.org/presentationml/2006/main" show="0">
-  <p:cSld>
-    <p:spTree>
-      <p:nvGrpSpPr>
-        <p:cNvPr id="1" name=""/>
-        <p:cNvGrpSpPr/>
-        <p:nvPr/>
-      </p:nvGrpSpPr>
-      <p:grpSpPr>
-        <a:xfrm>
-          <a:off x="0" y="0"/>
-          <a:ext cx="0" cy="0"/>
-          <a:chOff x="0" y="0"/>
-          <a:chExt cx="0" cy="0"/>
-        </a:xfrm>
-      </p:grpSpPr>
-      <p:sp>
-        <p:nvSpPr>
-          <p:cNvPr id="12" name="Title 11"/>
-          <p:cNvSpPr>
-            <a:spLocks noGrp="1"/>
-          </p:cNvSpPr>
-          <p:nvPr>
-            <p:ph type="title"/>
-          </p:nvPr>
-        </p:nvSpPr>
-        <p:spPr/>
-        <p:txBody>
-          <a:bodyPr/>
-          <a:lstStyle/>
-          <a:p>
-            <a:r>
-              <a:rPr lang="en-US" dirty="0"/>
-              <a:t>Presentation</a:t>
-            </a:r>
-          </a:p>
-        </p:txBody>
-      </p:sp>
-      <p:sp>
-        <p:nvSpPr>
-          <p:cNvPr id="13" name="Content Placeholder 12"/>
-          <p:cNvSpPr>
-            <a:spLocks noGrp="1"/>
-          </p:cNvSpPr>
-          <p:nvPr>
-            <p:ph idx="1"/>
-          </p:nvPr>
-        </p:nvSpPr>
-        <p:spPr/>
-        <p:txBody>
-          <a:bodyPr/>
-          <a:lstStyle/>
-          <a:p>
-            <a:r>
-              <a:rPr lang="en-US" dirty="0"/>
-              <a:t>Just a placeholder slide. Please use the example slides in the “Example Slides” Section.</a:t>
-            </a:r>
-          </a:p>
-          <a:p>
-            <a:r>
-              <a:rPr lang="en-US" dirty="0"/>
-              <a:t>Questions? </a:t>
-            </a:r>
-            <a:r>
-              <a:rPr lang="en-US" dirty="0">
-                <a:hlinkClick r:id="rId2"/>
-              </a:rPr>
-              <a:t>info@mnscug.org</a:t>
-            </a:r>
-            <a:endParaRPr lang="en-US" dirty="0"/>
-          </a:p>
-          <a:p>
-            <a:endParaRPr lang="en-US" dirty="0"/>
-          </a:p>
-        </p:txBody>
-      </p:sp>
-    </p:spTree>
-    <p:extLst>
-      <p:ext uri="{BB962C8B-B14F-4D97-AF65-F5344CB8AC3E}">
-        <p14:creationId xmlns:p14="http://schemas.microsoft.com/office/powerpoint/2010/main" val="2333710554"/>
+        <p14:creationId xmlns:p14="http://schemas.microsoft.com/office/powerpoint/2010/main" val="265129202"/>
       </p:ext>
     </p:extLst>
   </p:cSld>
@@ -18480,65 +18462,79 @@
           <a:p>
             <a:r>
               <a:rPr lang="en-US" dirty="0"/>
-              <a:t>The Pester Book</a:t>
-            </a:r>
-          </a:p>
-        </p:txBody>
-      </p:sp>
-      <p:pic>
-        <p:nvPicPr>
-          <p:cNvPr id="1026" name="Picture 2" descr="The Pester Book">
-            <a:hlinkClick r:id="rId3"/>
-            <a:extLst>
-              <a:ext uri="{FF2B5EF4-FFF2-40B4-BE49-F238E27FC236}">
-                <a16:creationId xmlns:a16="http://schemas.microsoft.com/office/drawing/2014/main" id="{356CEACA-38F7-4E28-A055-5BA2F89F62BB}"/>
-              </a:ext>
-            </a:extLst>
-          </p:cNvPr>
-          <p:cNvPicPr>
-            <a:picLocks noGrp="1" noChangeAspect="1" noChangeArrowheads="1"/>
-          </p:cNvPicPr>
+              <a:t>Unit and Acceptance Testing</a:t>
+            </a:r>
+          </a:p>
+        </p:txBody>
+      </p:sp>
+      <p:sp>
+        <p:nvSpPr>
+          <p:cNvPr id="3" name="Content Placeholder 2"/>
+          <p:cNvSpPr>
+            <a:spLocks noGrp="1"/>
+          </p:cNvSpPr>
           <p:nvPr>
             <p:ph idx="1"/>
           </p:nvPr>
-        </p:nvPicPr>
-        <p:blipFill>
-          <a:blip r:embed="rId4">
-            <a:extLst>
-              <a:ext uri="{28A0092B-C50C-407E-A947-70E740481C1C}">
-                <a14:useLocalDpi xmlns:a14="http://schemas.microsoft.com/office/drawing/2010/main" val="0"/>
-              </a:ext>
-            </a:extLst>
-          </a:blip>
-          <a:srcRect/>
-          <a:stretch>
-            <a:fillRect/>
-          </a:stretch>
-        </p:blipFill>
-        <p:spPr bwMode="auto">
-          <a:xfrm>
-            <a:off x="4294649" y="1257300"/>
-            <a:ext cx="3602701" cy="4800600"/>
-          </a:xfrm>
-          <a:prstGeom prst="rect">
-            <a:avLst/>
-          </a:prstGeom>
-          <a:noFill/>
-          <a:extLst>
-            <a:ext uri="{909E8E84-426E-40DD-AFC4-6F175D3DCCD1}">
-              <a14:hiddenFill xmlns:a14="http://schemas.microsoft.com/office/drawing/2010/main">
-                <a:solidFill>
-                  <a:srgbClr val="FFFFFF"/>
-                </a:solidFill>
-              </a14:hiddenFill>
-            </a:ext>
-          </a:extLst>
-        </p:spPr>
-      </p:pic>
+        </p:nvSpPr>
+        <p:spPr/>
+        <p:txBody>
+          <a:bodyPr/>
+          <a:lstStyle/>
+          <a:p>
+            <a:r>
+              <a:rPr lang="en-US" dirty="0"/>
+              <a:t>Testing the simplest most granular logic of your code.  i.e. A Unit</a:t>
+            </a:r>
+          </a:p>
+          <a:p>
+            <a:endParaRPr lang="en-US" dirty="0"/>
+          </a:p>
+          <a:p>
+            <a:r>
+              <a:rPr lang="en-US" dirty="0"/>
+              <a:t>What is a Unit?</a:t>
+            </a:r>
+          </a:p>
+          <a:p>
+            <a:pPr lvl="1"/>
+            <a:r>
+              <a:rPr lang="en-US" dirty="0"/>
+              <a:t>The smallest testable part of an application</a:t>
+            </a:r>
+          </a:p>
+          <a:p>
+            <a:pPr lvl="2"/>
+            <a:r>
+              <a:rPr lang="en-US" dirty="0"/>
+              <a:t>Class, Method, Function</a:t>
+            </a:r>
+          </a:p>
+          <a:p>
+            <a:pPr lvl="2"/>
+            <a:r>
+              <a:rPr lang="en-US" dirty="0"/>
+              <a:t>Logic Branches</a:t>
+            </a:r>
+          </a:p>
+          <a:p>
+            <a:pPr marL="0" indent="0">
+              <a:buNone/>
+            </a:pPr>
+            <a:endParaRPr lang="en-US" dirty="0"/>
+          </a:p>
+          <a:p>
+            <a:r>
+              <a:rPr lang="en-US" dirty="0"/>
+              <a:t>Acceptance Testing: Given these inputs I expect my code to execute as such and have this output.</a:t>
+            </a:r>
+          </a:p>
+        </p:txBody>
+      </p:sp>
     </p:spTree>
     <p:extLst>
       <p:ext uri="{BB962C8B-B14F-4D97-AF65-F5344CB8AC3E}">
-        <p14:creationId xmlns:p14="http://schemas.microsoft.com/office/powerpoint/2010/main" val="265129202"/>
+        <p14:creationId xmlns:p14="http://schemas.microsoft.com/office/powerpoint/2010/main" val="2638750112"/>
       </p:ext>
     </p:extLst>
   </p:cSld>
@@ -18582,7 +18578,7 @@
           <a:p>
             <a:r>
               <a:rPr lang="en-US" dirty="0"/>
-              <a:t>Unit Testing</a:t>
+              <a:t>Unit Testing Clarifications</a:t>
             </a:r>
           </a:p>
         </p:txBody>
@@ -18604,7 +18600,7 @@
           <a:p>
             <a:r>
               <a:rPr lang="en-US" dirty="0"/>
-              <a:t>Testing the simplest most granular logic of your code.  i.e. A Unit</a:t>
+              <a:t>This is not testing functionality!</a:t>
             </a:r>
           </a:p>
           <a:p>
@@ -18613,28 +18609,16 @@
           <a:p>
             <a:r>
               <a:rPr lang="en-US" dirty="0"/>
-              <a:t>What is a Unit?</a:t>
-            </a:r>
-          </a:p>
-          <a:p>
-            <a:pPr lvl="1"/>
-            <a:r>
-              <a:rPr lang="en-US" dirty="0"/>
-              <a:t>The smallest testable part of an application</a:t>
-            </a:r>
-          </a:p>
-          <a:p>
-            <a:pPr lvl="2"/>
-            <a:r>
-              <a:rPr lang="en-US" dirty="0"/>
-              <a:t>Class, Method, Function</a:t>
-            </a:r>
-          </a:p>
-          <a:p>
-            <a:pPr lvl="2"/>
-            <a:r>
-              <a:rPr lang="en-US" dirty="0"/>
-              <a:t>Logic Branches</a:t>
+              <a:t>Unit testing is not easy (at first)</a:t>
+            </a:r>
+          </a:p>
+          <a:p>
+            <a:endParaRPr lang="en-US" dirty="0"/>
+          </a:p>
+          <a:p>
+            <a:r>
+              <a:rPr lang="en-US" dirty="0"/>
+              <a:t>Some code is hard to test. </a:t>
             </a:r>
           </a:p>
           <a:p>
@@ -18643,18 +18627,12 @@
             </a:pPr>
             <a:endParaRPr lang="en-US" dirty="0"/>
           </a:p>
-          <a:p>
-            <a:r>
-              <a:rPr lang="en-US" dirty="0"/>
-              <a:t>Given these inputs I expect my code to execute as such and have this output.</a:t>
-            </a:r>
-          </a:p>
         </p:txBody>
       </p:sp>
     </p:spTree>
     <p:extLst>
       <p:ext uri="{BB962C8B-B14F-4D97-AF65-F5344CB8AC3E}">
-        <p14:creationId xmlns:p14="http://schemas.microsoft.com/office/powerpoint/2010/main" val="2638750112"/>
+        <p14:creationId xmlns:p14="http://schemas.microsoft.com/office/powerpoint/2010/main" val="1454269918"/>
       </p:ext>
     </p:extLst>
   </p:cSld>
@@ -18698,7 +18676,7 @@
           <a:p>
             <a:r>
               <a:rPr lang="en-US" dirty="0"/>
-              <a:t>Unit Testing Clarifications</a:t>
+              <a:t>Unit VS Integration Testing</a:t>
             </a:r>
           </a:p>
         </p:txBody>
@@ -18720,7 +18698,15 @@
           <a:p>
             <a:r>
               <a:rPr lang="en-US" dirty="0"/>
-              <a:t>This is not testing functionality!</a:t>
+              <a:t>Integration testing depends on external sources. (Databases, Services, </a:t>
+            </a:r>
+            <a:r>
+              <a:rPr lang="en-US" dirty="0" err="1"/>
+              <a:t>etc</a:t>
+            </a:r>
+            <a:r>
+              <a:rPr lang="en-US" dirty="0"/>
+              <a:t>)</a:t>
             </a:r>
           </a:p>
           <a:p>
@@ -18729,7 +18715,7 @@
           <a:p>
             <a:r>
               <a:rPr lang="en-US" dirty="0"/>
-              <a:t>Unit testing is not easy (at first)</a:t>
+              <a:t>Integration testing tests the entire application.</a:t>
             </a:r>
           </a:p>
           <a:p>
@@ -18738,7 +18724,16 @@
           <a:p>
             <a:r>
               <a:rPr lang="en-US" dirty="0"/>
-              <a:t>Some code is hard to test. </a:t>
+              <a:t>Unit testing tests the logic of the functions, modules, methods.</a:t>
+            </a:r>
+          </a:p>
+          <a:p>
+            <a:endParaRPr lang="en-US" dirty="0"/>
+          </a:p>
+          <a:p>
+            <a:r>
+              <a:rPr lang="en-US" dirty="0"/>
+              <a:t>Have basic Unit testing practices mastered before tackling integration testing.</a:t>
             </a:r>
           </a:p>
           <a:p>
@@ -18752,7 +18747,7 @@
     </p:spTree>
     <p:extLst>
       <p:ext uri="{BB962C8B-B14F-4D97-AF65-F5344CB8AC3E}">
-        <p14:creationId xmlns:p14="http://schemas.microsoft.com/office/powerpoint/2010/main" val="1454269918"/>
+        <p14:creationId xmlns:p14="http://schemas.microsoft.com/office/powerpoint/2010/main" val="340555750"/>
       </p:ext>
     </p:extLst>
   </p:cSld>
@@ -18796,7 +18791,7 @@
           <a:p>
             <a:r>
               <a:rPr lang="en-US" dirty="0"/>
-              <a:t>Unit VS Integration Testing</a:t>
+              <a:t>Why Unit Test?</a:t>
             </a:r>
           </a:p>
         </p:txBody>
@@ -18818,15 +18813,7 @@
           <a:p>
             <a:r>
               <a:rPr lang="en-US" dirty="0"/>
-              <a:t>Integration testing depends on external sources. (Databases, Services, </a:t>
-            </a:r>
-            <a:r>
-              <a:rPr lang="en-US" dirty="0" err="1"/>
-              <a:t>etc</a:t>
-            </a:r>
-            <a:r>
-              <a:rPr lang="en-US" dirty="0"/>
-              <a:t>)</a:t>
+              <a:t>You will find bugs in your code.</a:t>
             </a:r>
           </a:p>
           <a:p>
@@ -18835,7 +18822,7 @@
           <a:p>
             <a:r>
               <a:rPr lang="en-US" dirty="0"/>
-              <a:t>Integration testing tests the entire application.</a:t>
+              <a:t>It is the only way to self peer review your code.</a:t>
             </a:r>
           </a:p>
           <a:p>
@@ -18844,17 +18831,34 @@
           <a:p>
             <a:r>
               <a:rPr lang="en-US" dirty="0"/>
-              <a:t>Unit testing tests the logic of the functions, modules, methods.</a:t>
+              <a:t>It separates you from the pack.</a:t>
             </a:r>
           </a:p>
           <a:p>
             <a:endParaRPr lang="en-US" dirty="0"/>
           </a:p>
           <a:p>
-            <a:r>
-              <a:rPr lang="en-US" dirty="0"/>
-              <a:t>Have basic Unit testing practices mastered before tackling integration testing.</a:t>
-            </a:r>
+            <a:pPr marL="0" indent="0">
+              <a:buNone/>
+            </a:pPr>
+            <a:endParaRPr lang="en-US" dirty="0">
+              <a:hlinkClick r:id="rId3"/>
+            </a:endParaRPr>
+          </a:p>
+          <a:p>
+            <a:pPr marL="0" indent="0">
+              <a:buNone/>
+            </a:pPr>
+            <a:r>
+              <a:rPr lang="en-US" dirty="0">
+                <a:hlinkClick r:id="rId3"/>
+              </a:rPr>
+              <a:t>http://blog.celerity.com/the-true-cost-of-a-software-bug</a:t>
+            </a:r>
+            <a:endParaRPr lang="en-US" dirty="0"/>
+          </a:p>
+          <a:p>
+            <a:endParaRPr lang="en-US" dirty="0"/>
           </a:p>
           <a:p>
             <a:pPr marL="0" indent="0">
@@ -18867,7 +18871,7 @@
     </p:spTree>
     <p:extLst>
       <p:ext uri="{BB962C8B-B14F-4D97-AF65-F5344CB8AC3E}">
-        <p14:creationId xmlns:p14="http://schemas.microsoft.com/office/powerpoint/2010/main" val="340555750"/>
+        <p14:creationId xmlns:p14="http://schemas.microsoft.com/office/powerpoint/2010/main" val="2845285745"/>
       </p:ext>
     </p:extLst>
   </p:cSld>
@@ -19387,6 +19391,12 @@
 </file>
 
 <file path=customXml/item1.xml><?xml version="1.0" encoding="utf-8"?>
+<p:properties xmlns:p="http://schemas.microsoft.com/office/2006/metadata/properties" xmlns:xsi="http://www.w3.org/2001/XMLSchema-instance" xmlns:pc="http://schemas.microsoft.com/office/infopath/2007/PartnerControls">
+  <documentManagement/>
+</p:properties>
+</file>
+
+<file path=customXml/item2.xml><?xml version="1.0" encoding="utf-8"?>
 <ct:contentTypeSchema xmlns:ct="http://schemas.microsoft.com/office/2006/metadata/contentType" xmlns:ma="http://schemas.microsoft.com/office/2006/metadata/properties/metaAttributes" ct:_="" ma:_="" ma:contentTypeName="Document" ma:contentTypeID="0x010100CFD7474EC5F9804A8C0915A0D2B3E72B" ma:contentTypeVersion="6" ma:contentTypeDescription="Create a new document." ma:contentTypeScope="" ma:versionID="1e506071d132a47b68c5589909b09f0e">
   <xsd:schema xmlns:xsd="http://www.w3.org/2001/XMLSchema" xmlns:xs="http://www.w3.org/2001/XMLSchema" xmlns:p="http://schemas.microsoft.com/office/2006/metadata/properties" xmlns:ns2="437d3976-146d-487e-9b32-45ade7cdb3c3" xmlns:ns3="ba924082-f255-4689-bc14-7c311a17681c" targetNamespace="http://schemas.microsoft.com/office/2006/metadata/properties" ma:root="true" ma:fieldsID="d9451a99ae5dfcf301f63b02ef9f83d5" ns2:_="" ns3:_="">
     <xsd:import namespace="437d3976-146d-487e-9b32-45ade7cdb3c3"/>
@@ -19565,12 +19575,6 @@
 </ct:contentTypeSchema>
 </file>
 
-<file path=customXml/item2.xml><?xml version="1.0" encoding="utf-8"?>
-<p:properties xmlns:p="http://schemas.microsoft.com/office/2006/metadata/properties" xmlns:xsi="http://www.w3.org/2001/XMLSchema-instance" xmlns:pc="http://schemas.microsoft.com/office/infopath/2007/PartnerControls">
-  <documentManagement/>
-</p:properties>
-</file>
-
 <file path=customXml/item3.xml><?xml version="1.0" encoding="utf-8"?>
 <?mso-contentType ?>
 <FormTemplates xmlns="http://schemas.microsoft.com/sharepoint/v3/contenttype/forms">
@@ -19581,6 +19585,23 @@
 </file>
 
 <file path=customXml/itemProps1.xml><?xml version="1.0" encoding="utf-8"?>
+<ds:datastoreItem xmlns:ds="http://schemas.openxmlformats.org/officeDocument/2006/customXml" ds:itemID="{AFF96CB3-579C-4369-8AB2-D91B353AC245}">
+  <ds:schemaRefs>
+    <ds:schemaRef ds:uri="http://purl.org/dc/terms/"/>
+    <ds:schemaRef ds:uri="http://schemas.microsoft.com/office/infopath/2007/PartnerControls"/>
+    <ds:schemaRef ds:uri="http://purl.org/dc/dcmitype/"/>
+    <ds:schemaRef ds:uri="http://schemas.microsoft.com/office/2006/documentManagement/types"/>
+    <ds:schemaRef ds:uri="437d3976-146d-487e-9b32-45ade7cdb3c3"/>
+    <ds:schemaRef ds:uri="http://purl.org/dc/elements/1.1/"/>
+    <ds:schemaRef ds:uri="http://schemas.microsoft.com/office/2006/metadata/properties"/>
+    <ds:schemaRef ds:uri="ba924082-f255-4689-bc14-7c311a17681c"/>
+    <ds:schemaRef ds:uri="http://schemas.openxmlformats.org/package/2006/metadata/core-properties"/>
+    <ds:schemaRef ds:uri="http://www.w3.org/XML/1998/namespace"/>
+  </ds:schemaRefs>
+</ds:datastoreItem>
+</file>
+
+<file path=customXml/itemProps2.xml><?xml version="1.0" encoding="utf-8"?>
 <ds:datastoreItem xmlns:ds="http://schemas.openxmlformats.org/officeDocument/2006/customXml" ds:itemID="{1881FD18-C877-47D9-A9C8-9B9EB7A5D424}">
   <ds:schemaRefs>
     <ds:schemaRef ds:uri="http://schemas.microsoft.com/office/2006/metadata/contentType"/>
@@ -19599,23 +19620,6 @@
 </ds:datastoreItem>
 </file>
 
-<file path=customXml/itemProps2.xml><?xml version="1.0" encoding="utf-8"?>
-<ds:datastoreItem xmlns:ds="http://schemas.openxmlformats.org/officeDocument/2006/customXml" ds:itemID="{AFF96CB3-579C-4369-8AB2-D91B353AC245}">
-  <ds:schemaRefs>
-    <ds:schemaRef ds:uri="http://purl.org/dc/terms/"/>
-    <ds:schemaRef ds:uri="http://schemas.microsoft.com/office/infopath/2007/PartnerControls"/>
-    <ds:schemaRef ds:uri="http://purl.org/dc/dcmitype/"/>
-    <ds:schemaRef ds:uri="http://schemas.microsoft.com/office/2006/documentManagement/types"/>
-    <ds:schemaRef ds:uri="437d3976-146d-487e-9b32-45ade7cdb3c3"/>
-    <ds:schemaRef ds:uri="http://purl.org/dc/elements/1.1/"/>
-    <ds:schemaRef ds:uri="http://schemas.microsoft.com/office/2006/metadata/properties"/>
-    <ds:schemaRef ds:uri="ba924082-f255-4689-bc14-7c311a17681c"/>
-    <ds:schemaRef ds:uri="http://schemas.openxmlformats.org/package/2006/metadata/core-properties"/>
-    <ds:schemaRef ds:uri="http://www.w3.org/XML/1998/namespace"/>
-  </ds:schemaRefs>
-</ds:datastoreItem>
-</file>
-
 <file path=customXml/itemProps3.xml><?xml version="1.0" encoding="utf-8"?>
 <ds:datastoreItem xmlns:ds="http://schemas.openxmlformats.org/officeDocument/2006/customXml" ds:itemID="{8F9099B0-B9E3-45A6-848D-7EA25626C078}">
   <ds:schemaRefs>
